--- a/ppt/typescript1.pptx
+++ b/ppt/typescript1.pptx
@@ -2,30 +2,30 @@
 <file path=ppt/presentation.xml><?xml version="1.0" encoding="utf-8"?>
 <p:presentation xmlns:a="http://schemas.openxmlformats.org/drawingml/2006/main" xmlns:r="http://schemas.openxmlformats.org/officeDocument/2006/relationships" xmlns:p="http://schemas.openxmlformats.org/presentationml/2006/main">
   <p:sldMasterIdLst>
-    <p:sldMasterId id="2147483648" r:id="rId5"/>
+    <p:sldMasterId id="2147483648" r:id="rId1"/>
   </p:sldMasterIdLst>
   <p:notesMasterIdLst>
-    <p:notesMasterId r:id="rId7"/>
+    <p:notesMasterId r:id="rId20"/>
   </p:notesMasterIdLst>
   <p:sldIdLst>
-    <p:sldId id="256" r:id="rId8"/>
-    <p:sldId id="257" r:id="rId9"/>
-    <p:sldId id="258" r:id="rId10"/>
-    <p:sldId id="259" r:id="rId11"/>
-    <p:sldId id="260" r:id="rId12"/>
-    <p:sldId id="261" r:id="rId13"/>
-    <p:sldId id="262" r:id="rId14"/>
-    <p:sldId id="263" r:id="rId15"/>
-    <p:sldId id="264" r:id="rId16"/>
-    <p:sldId id="265" r:id="rId17"/>
-    <p:sldId id="266" r:id="rId18"/>
-    <p:sldId id="267" r:id="rId19"/>
-    <p:sldId id="268" r:id="rId20"/>
-    <p:sldId id="269" r:id="rId21"/>
-    <p:sldId id="270" r:id="rId22"/>
-    <p:sldId id="271" r:id="rId23"/>
-    <p:sldId id="272" r:id="rId24"/>
-    <p:sldId id="273" r:id="rId25"/>
+    <p:sldId id="256" r:id="rId2"/>
+    <p:sldId id="257" r:id="rId3"/>
+    <p:sldId id="258" r:id="rId4"/>
+    <p:sldId id="259" r:id="rId5"/>
+    <p:sldId id="260" r:id="rId6"/>
+    <p:sldId id="274" r:id="rId7"/>
+    <p:sldId id="262" r:id="rId8"/>
+    <p:sldId id="263" r:id="rId9"/>
+    <p:sldId id="264" r:id="rId10"/>
+    <p:sldId id="265" r:id="rId11"/>
+    <p:sldId id="266" r:id="rId12"/>
+    <p:sldId id="267" r:id="rId13"/>
+    <p:sldId id="268" r:id="rId14"/>
+    <p:sldId id="269" r:id="rId15"/>
+    <p:sldId id="270" r:id="rId16"/>
+    <p:sldId id="271" r:id="rId17"/>
+    <p:sldId id="272" r:id="rId18"/>
+    <p:sldId id="273" r:id="rId19"/>
   </p:sldIdLst>
   <p:sldSz cx="14401800" cy="10795000"/>
   <p:notesSz cx="6858000" cy="9144000"/>
@@ -45,7 +45,7 @@
       <a:buFontTx/>
       <a:buNone/>
       <a:tabLst/>
-      <a:defRPr b="0" baseline="0" cap="none" i="0" spc="0" strike="noStrike" sz="1800" u="none" kumimoji="0" normalizeH="0">
+      <a:defRPr kumimoji="0" sz="1800" b="0" i="0" u="none" strike="noStrike" cap="none" spc="0" normalizeH="0" baseline="0">
         <a:ln>
           <a:noFill/>
         </a:ln>
@@ -71,7 +71,7 @@
       <a:buFontTx/>
       <a:buNone/>
       <a:tabLst/>
-      <a:defRPr b="0" baseline="0" cap="none" i="0" spc="0" strike="noStrike" sz="2800" u="none" kumimoji="0" normalizeH="0">
+      <a:defRPr kumimoji="0" sz="2800" b="0" i="0" u="none" strike="noStrike" cap="none" spc="0" normalizeH="0" baseline="0">
         <a:ln>
           <a:noFill/>
         </a:ln>
@@ -101,7 +101,7 @@
       <a:buFontTx/>
       <a:buNone/>
       <a:tabLst/>
-      <a:defRPr b="0" baseline="0" cap="none" i="0" spc="0" strike="noStrike" sz="2800" u="none" kumimoji="0" normalizeH="0">
+      <a:defRPr kumimoji="0" sz="2800" b="0" i="0" u="none" strike="noStrike" cap="none" spc="0" normalizeH="0" baseline="0">
         <a:ln>
           <a:noFill/>
         </a:ln>
@@ -131,7 +131,7 @@
       <a:buFontTx/>
       <a:buNone/>
       <a:tabLst/>
-      <a:defRPr b="0" baseline="0" cap="none" i="0" spc="0" strike="noStrike" sz="2800" u="none" kumimoji="0" normalizeH="0">
+      <a:defRPr kumimoji="0" sz="2800" b="0" i="0" u="none" strike="noStrike" cap="none" spc="0" normalizeH="0" baseline="0">
         <a:ln>
           <a:noFill/>
         </a:ln>
@@ -161,7 +161,7 @@
       <a:buFontTx/>
       <a:buNone/>
       <a:tabLst/>
-      <a:defRPr b="0" baseline="0" cap="none" i="0" spc="0" strike="noStrike" sz="2800" u="none" kumimoji="0" normalizeH="0">
+      <a:defRPr kumimoji="0" sz="2800" b="0" i="0" u="none" strike="noStrike" cap="none" spc="0" normalizeH="0" baseline="0">
         <a:ln>
           <a:noFill/>
         </a:ln>
@@ -191,7 +191,7 @@
       <a:buFontTx/>
       <a:buNone/>
       <a:tabLst/>
-      <a:defRPr b="0" baseline="0" cap="none" i="0" spc="0" strike="noStrike" sz="2800" u="none" kumimoji="0" normalizeH="0">
+      <a:defRPr kumimoji="0" sz="2800" b="0" i="0" u="none" strike="noStrike" cap="none" spc="0" normalizeH="0" baseline="0">
         <a:ln>
           <a:noFill/>
         </a:ln>
@@ -221,7 +221,7 @@
       <a:buFontTx/>
       <a:buNone/>
       <a:tabLst/>
-      <a:defRPr b="0" baseline="0" cap="none" i="0" spc="0" strike="noStrike" sz="2800" u="none" kumimoji="0" normalizeH="0">
+      <a:defRPr kumimoji="0" sz="2800" b="0" i="0" u="none" strike="noStrike" cap="none" spc="0" normalizeH="0" baseline="0">
         <a:ln>
           <a:noFill/>
         </a:ln>
@@ -251,7 +251,7 @@
       <a:buFontTx/>
       <a:buNone/>
       <a:tabLst/>
-      <a:defRPr b="0" baseline="0" cap="none" i="0" spc="0" strike="noStrike" sz="2800" u="none" kumimoji="0" normalizeH="0">
+      <a:defRPr kumimoji="0" sz="2800" b="0" i="0" u="none" strike="noStrike" cap="none" spc="0" normalizeH="0" baseline="0">
         <a:ln>
           <a:noFill/>
         </a:ln>
@@ -281,7 +281,7 @@
       <a:buFontTx/>
       <a:buNone/>
       <a:tabLst/>
-      <a:defRPr b="0" baseline="0" cap="none" i="0" spc="0" strike="noStrike" sz="2800" u="none" kumimoji="0" normalizeH="0">
+      <a:defRPr kumimoji="0" sz="2800" b="0" i="0" u="none" strike="noStrike" cap="none" spc="0" normalizeH="0" baseline="0">
         <a:ln>
           <a:noFill/>
         </a:ln>
@@ -311,7 +311,7 @@
       <a:buFontTx/>
       <a:buNone/>
       <a:tabLst/>
-      <a:defRPr b="0" baseline="0" cap="none" i="0" spc="0" strike="noStrike" sz="2800" u="none" kumimoji="0" normalizeH="0">
+      <a:defRPr kumimoji="0" sz="2800" b="0" i="0" u="none" strike="noStrike" cap="none" spc="0" normalizeH="0" baseline="0">
         <a:ln>
           <a:noFill/>
         </a:ln>
@@ -327,16 +327,22 @@
       </a:defRPr>
     </a:lvl9pPr>
   </p:defaultTextStyle>
+  <p:extLst>
+    <p:ext uri="{EFAFB233-063F-42B5-8137-9DF3F51BA10A}">
+      <p15:sldGuideLst xmlns:p15="http://schemas.microsoft.com/office/powerpoint/2012/main"/>
+    </p:ext>
+  </p:extLst>
 </p:presentation>
-</file>
-
-<file path=ppt/commentAuthors.xml><?xml version="1.0" encoding="utf-8"?>
-<p:cmAuthorLst xmlns:a="http://schemas.openxmlformats.org/drawingml/2006/main" xmlns:r="http://schemas.openxmlformats.org/officeDocument/2006/relationships" xmlns:p="http://schemas.openxmlformats.org/presentationml/2006/main"/>
 </file>
 
 <file path=ppt/notesMasters/notesMaster1.xml><?xml version="1.0" encoding="utf-8"?>
 <p:notesMaster xmlns:a="http://schemas.openxmlformats.org/drawingml/2006/main" xmlns:r="http://schemas.openxmlformats.org/officeDocument/2006/relationships" xmlns:p="http://schemas.openxmlformats.org/presentationml/2006/main">
   <p:cSld>
+    <p:bg>
+      <p:bgRef idx="1001">
+        <a:schemeClr val="bg1"/>
+      </p:bgRef>
+    </p:bg>
     <p:spTree>
       <p:nvGrpSpPr>
         <p:cNvPr id="1" name=""/>
@@ -354,7 +360,9 @@
       <p:sp>
         <p:nvSpPr>
           <p:cNvPr id="129" name="Shape 129"/>
-          <p:cNvSpPr/>
+          <p:cNvSpPr>
+            <a:spLocks noGrp="1" noRot="1" noChangeAspect="1"/>
+          </p:cNvSpPr>
           <p:nvPr>
             <p:ph type="sldImg"/>
           </p:nvPr>
@@ -372,14 +380,16 @@
           <a:bodyPr/>
           <a:lstStyle/>
           <a:p>
-            <a:pPr/>
+            <a:endParaRPr/>
           </a:p>
         </p:txBody>
       </p:sp>
       <p:sp>
         <p:nvSpPr>
           <p:cNvPr id="130" name="Shape 130"/>
-          <p:cNvSpPr/>
+          <p:cNvSpPr>
+            <a:spLocks noGrp="1"/>
+          </p:cNvSpPr>
           <p:nvPr>
             <p:ph type="body" sz="quarter" idx="1"/>
           </p:nvPr>
@@ -397,7 +407,7 @@
           <a:bodyPr/>
           <a:lstStyle/>
           <a:p>
-            <a:pPr/>
+            <a:endParaRPr/>
           </a:p>
         </p:txBody>
       </p:sp>
@@ -482,7 +492,7 @@
 </file>
 
 <file path=ppt/slideLayouts/slideLayout1.xml><?xml version="1.0" encoding="utf-8"?>
-<p:sldLayout xmlns:a="http://schemas.openxmlformats.org/drawingml/2006/main" xmlns:r="http://schemas.openxmlformats.org/officeDocument/2006/relationships" xmlns:p="http://schemas.openxmlformats.org/presentationml/2006/main" type="title" showMasterSp="1" showMasterPhAnim="1">
+<p:sldLayout xmlns:a="http://schemas.openxmlformats.org/drawingml/2006/main" xmlns:r="http://schemas.openxmlformats.org/officeDocument/2006/relationships" xmlns:p="http://schemas.openxmlformats.org/presentationml/2006/main" type="title">
   <p:cSld name="標題投影片">
     <p:spTree>
       <p:nvGrpSpPr>
@@ -530,7 +540,9 @@
       <p:sp>
         <p:nvSpPr>
           <p:cNvPr id="12" name="标题文本"/>
-          <p:cNvSpPr txBox="1"/>
+          <p:cNvSpPr txBox="1">
+            <a:spLocks noGrp="1"/>
+          </p:cNvSpPr>
           <p:nvPr>
             <p:ph type="title"/>
           </p:nvPr>
@@ -548,7 +560,6 @@
           <a:bodyPr/>
           <a:lstStyle/>
           <a:p>
-            <a:pPr/>
             <a:r>
               <a:t>标题文本</a:t>
             </a:r>
@@ -558,7 +569,9 @@
       <p:sp>
         <p:nvSpPr>
           <p:cNvPr id="13" name="正文级别 1…"/>
-          <p:cNvSpPr txBox="1"/>
+          <p:cNvSpPr txBox="1">
+            <a:spLocks noGrp="1"/>
+          </p:cNvSpPr>
           <p:nvPr>
             <p:ph type="body" sz="quarter" idx="1"/>
           </p:nvPr>
@@ -627,7 +640,6 @@
             </a:lvl5pPr>
           </a:lstStyle>
           <a:p>
-            <a:pPr/>
             <a:r>
               <a:t>正文级别 1</a:t>
             </a:r>
@@ -661,7 +673,9 @@
       <p:sp>
         <p:nvSpPr>
           <p:cNvPr id="14" name="幻灯片编号"/>
-          <p:cNvSpPr txBox="1"/>
+          <p:cNvSpPr txBox="1">
+            <a:spLocks noGrp="1"/>
+          </p:cNvSpPr>
           <p:nvPr>
             <p:ph type="sldNum" sz="quarter" idx="2"/>
           </p:nvPr>
@@ -675,8 +689,10 @@
           <a:bodyPr/>
           <a:lstStyle/>
           <a:p>
-            <a:pPr/>
-            <a:fld id="{86CB4B4D-7CA3-9044-876B-883B54F8677D}" type="slidenum"/>
+            <a:fld id="{86CB4B4D-7CA3-9044-876B-883B54F8677D}" type="slidenum">
+              <a:t>‹#›</a:t>
+            </a:fld>
+            <a:endParaRPr/>
           </a:p>
         </p:txBody>
       </p:sp>
@@ -685,12 +701,12 @@
   <p:clrMapOvr>
     <a:masterClrMapping/>
   </p:clrMapOvr>
-  <p:transition xmlns:p14="http://schemas.microsoft.com/office/powerpoint/2010/main" spd="med" advClick="1"/>
+  <p:transition spd="med"/>
 </p:sldLayout>
 </file>
 
 <file path=ppt/slideLayouts/slideLayout10.xml><?xml version="1.0" encoding="utf-8"?>
-<p:sldLayout xmlns:a="http://schemas.openxmlformats.org/drawingml/2006/main" xmlns:r="http://schemas.openxmlformats.org/officeDocument/2006/relationships" xmlns:p="http://schemas.openxmlformats.org/presentationml/2006/main" type="tx" showMasterSp="1" showMasterPhAnim="1">
+<p:sldLayout xmlns:a="http://schemas.openxmlformats.org/drawingml/2006/main" xmlns:r="http://schemas.openxmlformats.org/officeDocument/2006/relationships" xmlns:p="http://schemas.openxmlformats.org/presentationml/2006/main" type="tx">
   <p:cSld name="標題及直排文字">
     <p:spTree>
       <p:nvGrpSpPr>
@@ -709,7 +725,9 @@
       <p:sp>
         <p:nvSpPr>
           <p:cNvPr id="93" name="标题文本"/>
-          <p:cNvSpPr txBox="1"/>
+          <p:cNvSpPr txBox="1">
+            <a:spLocks noGrp="1"/>
+          </p:cNvSpPr>
           <p:nvPr>
             <p:ph type="title"/>
           </p:nvPr>
@@ -723,7 +741,6 @@
           <a:bodyPr/>
           <a:lstStyle/>
           <a:p>
-            <a:pPr/>
             <a:r>
               <a:t>标题文本</a:t>
             </a:r>
@@ -733,7 +750,9 @@
       <p:sp>
         <p:nvSpPr>
           <p:cNvPr id="94" name="正文级别 1…"/>
-          <p:cNvSpPr txBox="1"/>
+          <p:cNvSpPr txBox="1">
+            <a:spLocks noGrp="1"/>
+          </p:cNvSpPr>
           <p:nvPr>
             <p:ph type="body" idx="1"/>
           </p:nvPr>
@@ -747,7 +766,6 @@
           <a:bodyPr/>
           <a:lstStyle/>
           <a:p>
-            <a:pPr/>
             <a:r>
               <a:t>正文级别 1</a:t>
             </a:r>
@@ -781,7 +799,9 @@
       <p:sp>
         <p:nvSpPr>
           <p:cNvPr id="95" name="幻灯片编号"/>
-          <p:cNvSpPr txBox="1"/>
+          <p:cNvSpPr txBox="1">
+            <a:spLocks noGrp="1"/>
+          </p:cNvSpPr>
           <p:nvPr>
             <p:ph type="sldNum" sz="quarter" idx="2"/>
           </p:nvPr>
@@ -795,8 +815,10 @@
           <a:bodyPr/>
           <a:lstStyle/>
           <a:p>
-            <a:pPr/>
-            <a:fld id="{86CB4B4D-7CA3-9044-876B-883B54F8677D}" type="slidenum"/>
+            <a:fld id="{86CB4B4D-7CA3-9044-876B-883B54F8677D}" type="slidenum">
+              <a:t>‹#›</a:t>
+            </a:fld>
+            <a:endParaRPr/>
           </a:p>
         </p:txBody>
       </p:sp>
@@ -805,12 +827,12 @@
   <p:clrMapOvr>
     <a:masterClrMapping/>
   </p:clrMapOvr>
-  <p:transition xmlns:p14="http://schemas.microsoft.com/office/powerpoint/2010/main" spd="med" advClick="1"/>
+  <p:transition spd="med"/>
 </p:sldLayout>
 </file>
 
 <file path=ppt/slideLayouts/slideLayout11.xml><?xml version="1.0" encoding="utf-8"?>
-<p:sldLayout xmlns:a="http://schemas.openxmlformats.org/drawingml/2006/main" xmlns:r="http://schemas.openxmlformats.org/officeDocument/2006/relationships" xmlns:p="http://schemas.openxmlformats.org/presentationml/2006/main" type="tx" showMasterSp="1" showMasterPhAnim="1">
+<p:sldLayout xmlns:a="http://schemas.openxmlformats.org/drawingml/2006/main" xmlns:r="http://schemas.openxmlformats.org/officeDocument/2006/relationships" xmlns:p="http://schemas.openxmlformats.org/presentationml/2006/main" type="tx">
   <p:cSld name="直排標題及文字">
     <p:spTree>
       <p:nvGrpSpPr>
@@ -829,7 +851,9 @@
       <p:sp>
         <p:nvSpPr>
           <p:cNvPr id="102" name="标题文本"/>
-          <p:cNvSpPr txBox="1"/>
+          <p:cNvSpPr txBox="1">
+            <a:spLocks noGrp="1"/>
+          </p:cNvSpPr>
           <p:nvPr>
             <p:ph type="title"/>
           </p:nvPr>
@@ -847,7 +871,6 @@
           <a:bodyPr/>
           <a:lstStyle/>
           <a:p>
-            <a:pPr/>
             <a:r>
               <a:t>标题文本</a:t>
             </a:r>
@@ -857,7 +880,9 @@
       <p:sp>
         <p:nvSpPr>
           <p:cNvPr id="103" name="正文级别 1…"/>
-          <p:cNvSpPr txBox="1"/>
+          <p:cNvSpPr txBox="1">
+            <a:spLocks noGrp="1"/>
+          </p:cNvSpPr>
           <p:nvPr>
             <p:ph type="body" idx="1"/>
           </p:nvPr>
@@ -875,7 +900,6 @@
           <a:bodyPr/>
           <a:lstStyle/>
           <a:p>
-            <a:pPr/>
             <a:r>
               <a:t>正文级别 1</a:t>
             </a:r>
@@ -909,7 +933,9 @@
       <p:sp>
         <p:nvSpPr>
           <p:cNvPr id="104" name="幻灯片编号"/>
-          <p:cNvSpPr txBox="1"/>
+          <p:cNvSpPr txBox="1">
+            <a:spLocks noGrp="1"/>
+          </p:cNvSpPr>
           <p:nvPr>
             <p:ph type="sldNum" sz="quarter" idx="2"/>
           </p:nvPr>
@@ -923,8 +949,10 @@
           <a:bodyPr/>
           <a:lstStyle/>
           <a:p>
-            <a:pPr/>
-            <a:fld id="{86CB4B4D-7CA3-9044-876B-883B54F8677D}" type="slidenum"/>
+            <a:fld id="{86CB4B4D-7CA3-9044-876B-883B54F8677D}" type="slidenum">
+              <a:t>‹#›</a:t>
+            </a:fld>
+            <a:endParaRPr/>
           </a:p>
         </p:txBody>
       </p:sp>
@@ -933,12 +961,12 @@
   <p:clrMapOvr>
     <a:masterClrMapping/>
   </p:clrMapOvr>
-  <p:transition xmlns:p14="http://schemas.microsoft.com/office/powerpoint/2010/main" spd="med" advClick="1"/>
+  <p:transition spd="med"/>
 </p:sldLayout>
 </file>
 
 <file path=ppt/slideLayouts/slideLayout12.xml><?xml version="1.0" encoding="utf-8"?>
-<p:sldLayout xmlns:a="http://schemas.openxmlformats.org/drawingml/2006/main" xmlns:r="http://schemas.openxmlformats.org/officeDocument/2006/relationships" xmlns:p="http://schemas.openxmlformats.org/presentationml/2006/main" type="tx" showMasterSp="1" showMasterPhAnim="1">
+<p:sldLayout xmlns:a="http://schemas.openxmlformats.org/drawingml/2006/main" xmlns:r="http://schemas.openxmlformats.org/officeDocument/2006/relationships" xmlns:p="http://schemas.openxmlformats.org/presentationml/2006/main" type="tx">
   <p:cSld name="標題投影片">
     <p:spTree>
       <p:nvGrpSpPr>
@@ -957,7 +985,9 @@
       <p:sp>
         <p:nvSpPr>
           <p:cNvPr id="111" name="标题文本"/>
-          <p:cNvSpPr txBox="1"/>
+          <p:cNvSpPr txBox="1">
+            <a:spLocks noGrp="1"/>
+          </p:cNvSpPr>
           <p:nvPr>
             <p:ph type="title"/>
           </p:nvPr>
@@ -984,7 +1014,6 @@
             </a:lvl1pPr>
           </a:lstStyle>
           <a:p>
-            <a:pPr/>
             <a:r>
               <a:t>标题文本</a:t>
             </a:r>
@@ -994,7 +1023,9 @@
       <p:sp>
         <p:nvSpPr>
           <p:cNvPr id="112" name="正文级别 1…"/>
-          <p:cNvSpPr txBox="1"/>
+          <p:cNvSpPr txBox="1">
+            <a:spLocks noGrp="1"/>
+          </p:cNvSpPr>
           <p:nvPr>
             <p:ph type="body" sz="quarter" idx="1"/>
           </p:nvPr>
@@ -1083,7 +1114,6 @@
             </a:lvl5pPr>
           </a:lstStyle>
           <a:p>
-            <a:pPr/>
             <a:r>
               <a:t>正文级别 1</a:t>
             </a:r>
@@ -1146,7 +1176,9 @@
       <p:sp>
         <p:nvSpPr>
           <p:cNvPr id="114" name="幻灯片编号"/>
-          <p:cNvSpPr txBox="1"/>
+          <p:cNvSpPr txBox="1">
+            <a:spLocks noGrp="1"/>
+          </p:cNvSpPr>
           <p:nvPr>
             <p:ph type="sldNum" sz="quarter" idx="2"/>
           </p:nvPr>
@@ -1173,8 +1205,10 @@
             </a:lvl1pPr>
           </a:lstStyle>
           <a:p>
-            <a:pPr/>
-            <a:fld id="{86CB4B4D-7CA3-9044-876B-883B54F8677D}" type="slidenum"/>
+            <a:fld id="{86CB4B4D-7CA3-9044-876B-883B54F8677D}" type="slidenum">
+              <a:t>‹#›</a:t>
+            </a:fld>
+            <a:endParaRPr/>
           </a:p>
         </p:txBody>
       </p:sp>
@@ -1183,12 +1217,12 @@
   <p:clrMapOvr>
     <a:masterClrMapping/>
   </p:clrMapOvr>
-  <p:transition xmlns:p14="http://schemas.microsoft.com/office/powerpoint/2010/main" spd="med" advClick="1"/>
+  <p:transition spd="med"/>
 </p:sldLayout>
 </file>
 
 <file path=ppt/slideLayouts/slideLayout13.xml><?xml version="1.0" encoding="utf-8"?>
-<p:sldLayout xmlns:a="http://schemas.openxmlformats.org/drawingml/2006/main" xmlns:r="http://schemas.openxmlformats.org/officeDocument/2006/relationships" xmlns:p="http://schemas.openxmlformats.org/presentationml/2006/main" type="tx" showMasterSp="1" showMasterPhAnim="1">
+<p:sldLayout xmlns:a="http://schemas.openxmlformats.org/drawingml/2006/main" xmlns:r="http://schemas.openxmlformats.org/officeDocument/2006/relationships" xmlns:p="http://schemas.openxmlformats.org/presentationml/2006/main" type="tx">
   <p:cSld name="標題及物件">
     <p:spTree>
       <p:nvGrpSpPr>
@@ -1207,7 +1241,9 @@
       <p:sp>
         <p:nvSpPr>
           <p:cNvPr id="121" name="标题文本"/>
-          <p:cNvSpPr txBox="1"/>
+          <p:cNvSpPr txBox="1">
+            <a:spLocks noGrp="1"/>
+          </p:cNvSpPr>
           <p:nvPr>
             <p:ph type="title"/>
           </p:nvPr>
@@ -1234,7 +1270,6 @@
             </a:lvl1pPr>
           </a:lstStyle>
           <a:p>
-            <a:pPr/>
             <a:r>
               <a:t>标题文本</a:t>
             </a:r>
@@ -1244,7 +1279,9 @@
       <p:sp>
         <p:nvSpPr>
           <p:cNvPr id="122" name="正文级别 1…"/>
-          <p:cNvSpPr txBox="1"/>
+          <p:cNvSpPr txBox="1">
+            <a:spLocks noGrp="1"/>
+          </p:cNvSpPr>
           <p:nvPr>
             <p:ph type="body" idx="1"/>
           </p:nvPr>
@@ -1303,7 +1340,6 @@
             </a:lvl5pPr>
           </a:lstStyle>
           <a:p>
-            <a:pPr/>
             <a:r>
               <a:t>正文级别 1</a:t>
             </a:r>
@@ -1337,7 +1373,9 @@
       <p:sp>
         <p:nvSpPr>
           <p:cNvPr id="123" name="幻灯片编号"/>
-          <p:cNvSpPr txBox="1"/>
+          <p:cNvSpPr txBox="1">
+            <a:spLocks noGrp="1"/>
+          </p:cNvSpPr>
           <p:nvPr>
             <p:ph type="sldNum" sz="quarter" idx="2"/>
           </p:nvPr>
@@ -1364,8 +1402,10 @@
             </a:lvl1pPr>
           </a:lstStyle>
           <a:p>
-            <a:pPr/>
-            <a:fld id="{86CB4B4D-7CA3-9044-876B-883B54F8677D}" type="slidenum"/>
+            <a:fld id="{86CB4B4D-7CA3-9044-876B-883B54F8677D}" type="slidenum">
+              <a:t>‹#›</a:t>
+            </a:fld>
+            <a:endParaRPr/>
           </a:p>
         </p:txBody>
       </p:sp>
@@ -1374,12 +1414,12 @@
   <p:clrMapOvr>
     <a:masterClrMapping/>
   </p:clrMapOvr>
-  <p:transition xmlns:p14="http://schemas.microsoft.com/office/powerpoint/2010/main" spd="med" advClick="1"/>
+  <p:transition spd="med"/>
 </p:sldLayout>
 </file>
 
 <file path=ppt/slideLayouts/slideLayout2.xml><?xml version="1.0" encoding="utf-8"?>
-<p:sldLayout xmlns:a="http://schemas.openxmlformats.org/drawingml/2006/main" xmlns:r="http://schemas.openxmlformats.org/officeDocument/2006/relationships" xmlns:p="http://schemas.openxmlformats.org/presentationml/2006/main" type="tx" showMasterSp="1" showMasterPhAnim="1">
+<p:sldLayout xmlns:a="http://schemas.openxmlformats.org/drawingml/2006/main" xmlns:r="http://schemas.openxmlformats.org/officeDocument/2006/relationships" xmlns:p="http://schemas.openxmlformats.org/presentationml/2006/main" type="tx">
   <p:cSld name="標題及物件">
     <p:spTree>
       <p:nvGrpSpPr>
@@ -1398,7 +1438,9 @@
       <p:sp>
         <p:nvSpPr>
           <p:cNvPr id="21" name="标题文本"/>
-          <p:cNvSpPr txBox="1"/>
+          <p:cNvSpPr txBox="1">
+            <a:spLocks noGrp="1"/>
+          </p:cNvSpPr>
           <p:nvPr>
             <p:ph type="title"/>
           </p:nvPr>
@@ -1412,7 +1454,6 @@
           <a:bodyPr/>
           <a:lstStyle/>
           <a:p>
-            <a:pPr/>
             <a:r>
               <a:t>标题文本</a:t>
             </a:r>
@@ -1422,7 +1463,9 @@
       <p:sp>
         <p:nvSpPr>
           <p:cNvPr id="22" name="正文级别 1…"/>
-          <p:cNvSpPr txBox="1"/>
+          <p:cNvSpPr txBox="1">
+            <a:spLocks noGrp="1"/>
+          </p:cNvSpPr>
           <p:nvPr>
             <p:ph type="body" idx="1"/>
           </p:nvPr>
@@ -1436,7 +1479,6 @@
           <a:bodyPr/>
           <a:lstStyle/>
           <a:p>
-            <a:pPr/>
             <a:r>
               <a:t>正文级别 1</a:t>
             </a:r>
@@ -1470,7 +1512,9 @@
       <p:sp>
         <p:nvSpPr>
           <p:cNvPr id="23" name="幻灯片编号"/>
-          <p:cNvSpPr txBox="1"/>
+          <p:cNvSpPr txBox="1">
+            <a:spLocks noGrp="1"/>
+          </p:cNvSpPr>
           <p:nvPr>
             <p:ph type="sldNum" sz="quarter" idx="2"/>
           </p:nvPr>
@@ -1484,8 +1528,10 @@
           <a:bodyPr/>
           <a:lstStyle/>
           <a:p>
-            <a:pPr/>
-            <a:fld id="{86CB4B4D-7CA3-9044-876B-883B54F8677D}" type="slidenum"/>
+            <a:fld id="{86CB4B4D-7CA3-9044-876B-883B54F8677D}" type="slidenum">
+              <a:t>‹#›</a:t>
+            </a:fld>
+            <a:endParaRPr/>
           </a:p>
         </p:txBody>
       </p:sp>
@@ -1494,12 +1540,12 @@
   <p:clrMapOvr>
     <a:masterClrMapping/>
   </p:clrMapOvr>
-  <p:transition xmlns:p14="http://schemas.microsoft.com/office/powerpoint/2010/main" spd="med" advClick="1"/>
+  <p:transition spd="med"/>
 </p:sldLayout>
 </file>
 
 <file path=ppt/slideLayouts/slideLayout3.xml><?xml version="1.0" encoding="utf-8"?>
-<p:sldLayout xmlns:a="http://schemas.openxmlformats.org/drawingml/2006/main" xmlns:r="http://schemas.openxmlformats.org/officeDocument/2006/relationships" xmlns:p="http://schemas.openxmlformats.org/presentationml/2006/main" type="tx" showMasterSp="1" showMasterPhAnim="1">
+<p:sldLayout xmlns:a="http://schemas.openxmlformats.org/drawingml/2006/main" xmlns:r="http://schemas.openxmlformats.org/officeDocument/2006/relationships" xmlns:p="http://schemas.openxmlformats.org/presentationml/2006/main" type="tx">
   <p:cSld name="章節標題">
     <p:spTree>
       <p:nvGrpSpPr>
@@ -1518,7 +1564,9 @@
       <p:sp>
         <p:nvSpPr>
           <p:cNvPr id="30" name="标题文本"/>
-          <p:cNvSpPr txBox="1"/>
+          <p:cNvSpPr txBox="1">
+            <a:spLocks noGrp="1"/>
+          </p:cNvSpPr>
           <p:nvPr>
             <p:ph type="title"/>
           </p:nvPr>
@@ -1536,11 +1584,10 @@
           <a:bodyPr anchor="t"/>
           <a:lstStyle>
             <a:lvl1pPr algn="l">
-              <a:defRPr b="1" cap="all" sz="6200"/>
+              <a:defRPr sz="6200" b="1" cap="all"/>
             </a:lvl1pPr>
           </a:lstStyle>
           <a:p>
-            <a:pPr/>
             <a:r>
               <a:t>标题文本</a:t>
             </a:r>
@@ -1550,7 +1597,9 @@
       <p:sp>
         <p:nvSpPr>
           <p:cNvPr id="31" name="正文级别 1…"/>
-          <p:cNvSpPr txBox="1"/>
+          <p:cNvSpPr txBox="1">
+            <a:spLocks noGrp="1"/>
+          </p:cNvSpPr>
           <p:nvPr>
             <p:ph type="body" sz="quarter" idx="1"/>
           </p:nvPr>
@@ -1634,7 +1683,6 @@
             </a:lvl5pPr>
           </a:lstStyle>
           <a:p>
-            <a:pPr/>
             <a:r>
               <a:t>正文级别 1</a:t>
             </a:r>
@@ -1668,7 +1716,9 @@
       <p:sp>
         <p:nvSpPr>
           <p:cNvPr id="32" name="幻灯片编号"/>
-          <p:cNvSpPr txBox="1"/>
+          <p:cNvSpPr txBox="1">
+            <a:spLocks noGrp="1"/>
+          </p:cNvSpPr>
           <p:nvPr>
             <p:ph type="sldNum" sz="quarter" idx="2"/>
           </p:nvPr>
@@ -1682,8 +1732,10 @@
           <a:bodyPr/>
           <a:lstStyle/>
           <a:p>
-            <a:pPr/>
-            <a:fld id="{86CB4B4D-7CA3-9044-876B-883B54F8677D}" type="slidenum"/>
+            <a:fld id="{86CB4B4D-7CA3-9044-876B-883B54F8677D}" type="slidenum">
+              <a:t>‹#›</a:t>
+            </a:fld>
+            <a:endParaRPr/>
           </a:p>
         </p:txBody>
       </p:sp>
@@ -1692,12 +1744,12 @@
   <p:clrMapOvr>
     <a:masterClrMapping/>
   </p:clrMapOvr>
-  <p:transition xmlns:p14="http://schemas.microsoft.com/office/powerpoint/2010/main" spd="med" advClick="1"/>
+  <p:transition spd="med"/>
 </p:sldLayout>
 </file>
 
 <file path=ppt/slideLayouts/slideLayout4.xml><?xml version="1.0" encoding="utf-8"?>
-<p:sldLayout xmlns:a="http://schemas.openxmlformats.org/drawingml/2006/main" xmlns:r="http://schemas.openxmlformats.org/officeDocument/2006/relationships" xmlns:p="http://schemas.openxmlformats.org/presentationml/2006/main" type="tx" showMasterSp="1" showMasterPhAnim="1">
+<p:sldLayout xmlns:a="http://schemas.openxmlformats.org/drawingml/2006/main" xmlns:r="http://schemas.openxmlformats.org/officeDocument/2006/relationships" xmlns:p="http://schemas.openxmlformats.org/presentationml/2006/main" type="tx">
   <p:cSld name="兩項物件">
     <p:spTree>
       <p:nvGrpSpPr>
@@ -1716,7 +1768,9 @@
       <p:sp>
         <p:nvSpPr>
           <p:cNvPr id="39" name="标题文本"/>
-          <p:cNvSpPr txBox="1"/>
+          <p:cNvSpPr txBox="1">
+            <a:spLocks noGrp="1"/>
+          </p:cNvSpPr>
           <p:nvPr>
             <p:ph type="title"/>
           </p:nvPr>
@@ -1730,7 +1784,6 @@
           <a:bodyPr/>
           <a:lstStyle/>
           <a:p>
-            <a:pPr/>
             <a:r>
               <a:t>标题文本</a:t>
             </a:r>
@@ -1740,7 +1793,9 @@
       <p:sp>
         <p:nvSpPr>
           <p:cNvPr id="40" name="正文级别 1…"/>
-          <p:cNvSpPr txBox="1"/>
+          <p:cNvSpPr txBox="1">
+            <a:spLocks noGrp="1"/>
+          </p:cNvSpPr>
           <p:nvPr>
             <p:ph type="body" sz="half" idx="1"/>
           </p:nvPr>
@@ -1789,7 +1844,6 @@
             </a:lvl5pPr>
           </a:lstStyle>
           <a:p>
-            <a:pPr/>
             <a:r>
               <a:t>正文级别 1</a:t>
             </a:r>
@@ -1823,7 +1877,9 @@
       <p:sp>
         <p:nvSpPr>
           <p:cNvPr id="41" name="幻灯片编号"/>
-          <p:cNvSpPr txBox="1"/>
+          <p:cNvSpPr txBox="1">
+            <a:spLocks noGrp="1"/>
+          </p:cNvSpPr>
           <p:nvPr>
             <p:ph type="sldNum" sz="quarter" idx="2"/>
           </p:nvPr>
@@ -1837,8 +1893,10 @@
           <a:bodyPr/>
           <a:lstStyle/>
           <a:p>
-            <a:pPr/>
-            <a:fld id="{86CB4B4D-7CA3-9044-876B-883B54F8677D}" type="slidenum"/>
+            <a:fld id="{86CB4B4D-7CA3-9044-876B-883B54F8677D}" type="slidenum">
+              <a:t>‹#›</a:t>
+            </a:fld>
+            <a:endParaRPr/>
           </a:p>
         </p:txBody>
       </p:sp>
@@ -1847,12 +1905,12 @@
   <p:clrMapOvr>
     <a:masterClrMapping/>
   </p:clrMapOvr>
-  <p:transition xmlns:p14="http://schemas.microsoft.com/office/powerpoint/2010/main" spd="med" advClick="1"/>
+  <p:transition spd="med"/>
 </p:sldLayout>
 </file>
 
 <file path=ppt/slideLayouts/slideLayout5.xml><?xml version="1.0" encoding="utf-8"?>
-<p:sldLayout xmlns:a="http://schemas.openxmlformats.org/drawingml/2006/main" xmlns:r="http://schemas.openxmlformats.org/officeDocument/2006/relationships" xmlns:p="http://schemas.openxmlformats.org/presentationml/2006/main" type="tx" showMasterSp="1" showMasterPhAnim="1">
+<p:sldLayout xmlns:a="http://schemas.openxmlformats.org/drawingml/2006/main" xmlns:r="http://schemas.openxmlformats.org/officeDocument/2006/relationships" xmlns:p="http://schemas.openxmlformats.org/presentationml/2006/main" type="tx">
   <p:cSld name="比對">
     <p:spTree>
       <p:nvGrpSpPr>
@@ -1871,7 +1929,9 @@
       <p:sp>
         <p:nvSpPr>
           <p:cNvPr id="48" name="正文级别 1…"/>
-          <p:cNvSpPr txBox="1"/>
+          <p:cNvSpPr txBox="1">
+            <a:spLocks noGrp="1"/>
+          </p:cNvSpPr>
           <p:nvPr>
             <p:ph type="body" sz="quarter" idx="1"/>
           </p:nvPr>
@@ -1895,39 +1955,38 @@
               <a:buSzTx/>
               <a:buFontTx/>
               <a:buNone/>
-              <a:defRPr b="1" sz="3700"/>
+              <a:defRPr sz="3700" b="1"/>
             </a:lvl1pPr>
             <a:lvl2pPr marL="1098406" indent="-378407">
               <a:spcBef>
                 <a:spcPts val="800"/>
               </a:spcBef>
               <a:buFontTx/>
-              <a:defRPr b="1" sz="3700"/>
+              <a:defRPr sz="3700" b="1"/>
             </a:lvl2pPr>
             <a:lvl3pPr marL="1799996" indent="-359998">
               <a:spcBef>
                 <a:spcPts val="800"/>
               </a:spcBef>
               <a:buFontTx/>
-              <a:defRPr b="1" sz="3700"/>
+              <a:defRPr sz="3700" b="1"/>
             </a:lvl3pPr>
             <a:lvl4pPr marL="2589671" indent="-429675">
               <a:spcBef>
                 <a:spcPts val="800"/>
               </a:spcBef>
               <a:buFontTx/>
-              <a:defRPr b="1" sz="3700"/>
+              <a:defRPr sz="3700" b="1"/>
             </a:lvl4pPr>
             <a:lvl5pPr marL="3309672" indent="-429675">
               <a:spcBef>
                 <a:spcPts val="800"/>
               </a:spcBef>
               <a:buFontTx/>
-              <a:defRPr b="1" sz="3700"/>
+              <a:defRPr sz="3700" b="1"/>
             </a:lvl5pPr>
           </a:lstStyle>
           <a:p>
-            <a:pPr/>
             <a:r>
               <a:t>正文级别 1</a:t>
             </a:r>
@@ -1961,7 +2020,9 @@
       <p:sp>
         <p:nvSpPr>
           <p:cNvPr id="49" name="标题文本"/>
-          <p:cNvSpPr txBox="1"/>
+          <p:cNvSpPr txBox="1">
+            <a:spLocks noGrp="1"/>
+          </p:cNvSpPr>
           <p:nvPr>
             <p:ph type="title"/>
           </p:nvPr>
@@ -1975,7 +2036,6 @@
           <a:bodyPr/>
           <a:lstStyle/>
           <a:p>
-            <a:pPr/>
             <a:r>
               <a:t>标题文本</a:t>
             </a:r>
@@ -1985,7 +2045,9 @@
       <p:sp>
         <p:nvSpPr>
           <p:cNvPr id="50" name="正文级别 1…"/>
-          <p:cNvSpPr txBox="1"/>
+          <p:cNvSpPr txBox="1">
+            <a:spLocks noGrp="1"/>
+          </p:cNvSpPr>
           <p:nvPr>
             <p:ph type="body" sz="quarter" idx="13"/>
           </p:nvPr>
@@ -2010,15 +2072,18 @@
               <a:buSzTx/>
               <a:buFontTx/>
               <a:buNone/>
-              <a:defRPr b="1" sz="3700"/>
+              <a:defRPr sz="3700" b="1"/>
             </a:pPr>
+            <a:endParaRPr/>
           </a:p>
         </p:txBody>
       </p:sp>
       <p:sp>
         <p:nvSpPr>
           <p:cNvPr id="51" name="幻灯片编号"/>
-          <p:cNvSpPr txBox="1"/>
+          <p:cNvSpPr txBox="1">
+            <a:spLocks noGrp="1"/>
+          </p:cNvSpPr>
           <p:nvPr>
             <p:ph type="sldNum" sz="quarter" idx="2"/>
           </p:nvPr>
@@ -2032,8 +2097,10 @@
           <a:bodyPr/>
           <a:lstStyle/>
           <a:p>
-            <a:pPr/>
-            <a:fld id="{86CB4B4D-7CA3-9044-876B-883B54F8677D}" type="slidenum"/>
+            <a:fld id="{86CB4B4D-7CA3-9044-876B-883B54F8677D}" type="slidenum">
+              <a:t>‹#›</a:t>
+            </a:fld>
+            <a:endParaRPr/>
           </a:p>
         </p:txBody>
       </p:sp>
@@ -2042,12 +2109,12 @@
   <p:clrMapOvr>
     <a:masterClrMapping/>
   </p:clrMapOvr>
-  <p:transition xmlns:p14="http://schemas.microsoft.com/office/powerpoint/2010/main" spd="med" advClick="1"/>
+  <p:transition spd="med"/>
 </p:sldLayout>
 </file>
 
 <file path=ppt/slideLayouts/slideLayout6.xml><?xml version="1.0" encoding="utf-8"?>
-<p:sldLayout xmlns:a="http://schemas.openxmlformats.org/drawingml/2006/main" xmlns:r="http://schemas.openxmlformats.org/officeDocument/2006/relationships" xmlns:p="http://schemas.openxmlformats.org/presentationml/2006/main" type="tx" showMasterSp="1" showMasterPhAnim="1">
+<p:sldLayout xmlns:a="http://schemas.openxmlformats.org/drawingml/2006/main" xmlns:r="http://schemas.openxmlformats.org/officeDocument/2006/relationships" xmlns:p="http://schemas.openxmlformats.org/presentationml/2006/main" type="tx">
   <p:cSld name="只有標題">
     <p:spTree>
       <p:nvGrpSpPr>
@@ -2066,7 +2133,9 @@
       <p:sp>
         <p:nvSpPr>
           <p:cNvPr id="58" name="标题文本"/>
-          <p:cNvSpPr txBox="1"/>
+          <p:cNvSpPr txBox="1">
+            <a:spLocks noGrp="1"/>
+          </p:cNvSpPr>
           <p:nvPr>
             <p:ph type="title"/>
           </p:nvPr>
@@ -2080,7 +2149,6 @@
           <a:bodyPr/>
           <a:lstStyle/>
           <a:p>
-            <a:pPr/>
             <a:r>
               <a:t>标题文本</a:t>
             </a:r>
@@ -2090,7 +2158,9 @@
       <p:sp>
         <p:nvSpPr>
           <p:cNvPr id="59" name="幻灯片编号"/>
-          <p:cNvSpPr txBox="1"/>
+          <p:cNvSpPr txBox="1">
+            <a:spLocks noGrp="1"/>
+          </p:cNvSpPr>
           <p:nvPr>
             <p:ph type="sldNum" sz="quarter" idx="2"/>
           </p:nvPr>
@@ -2104,8 +2174,10 @@
           <a:bodyPr/>
           <a:lstStyle/>
           <a:p>
-            <a:pPr/>
-            <a:fld id="{86CB4B4D-7CA3-9044-876B-883B54F8677D}" type="slidenum"/>
+            <a:fld id="{86CB4B4D-7CA3-9044-876B-883B54F8677D}" type="slidenum">
+              <a:t>‹#›</a:t>
+            </a:fld>
+            <a:endParaRPr/>
           </a:p>
         </p:txBody>
       </p:sp>
@@ -2114,12 +2186,12 @@
   <p:clrMapOvr>
     <a:masterClrMapping/>
   </p:clrMapOvr>
-  <p:transition xmlns:p14="http://schemas.microsoft.com/office/powerpoint/2010/main" spd="med" advClick="1"/>
+  <p:transition spd="med"/>
 </p:sldLayout>
 </file>
 
 <file path=ppt/slideLayouts/slideLayout7.xml><?xml version="1.0" encoding="utf-8"?>
-<p:sldLayout xmlns:a="http://schemas.openxmlformats.org/drawingml/2006/main" xmlns:r="http://schemas.openxmlformats.org/officeDocument/2006/relationships" xmlns:p="http://schemas.openxmlformats.org/presentationml/2006/main" type="tx" showMasterSp="1" showMasterPhAnim="1">
+<p:sldLayout xmlns:a="http://schemas.openxmlformats.org/drawingml/2006/main" xmlns:r="http://schemas.openxmlformats.org/officeDocument/2006/relationships" xmlns:p="http://schemas.openxmlformats.org/presentationml/2006/main" type="tx">
   <p:cSld name="空白">
     <p:spTree>
       <p:nvGrpSpPr>
@@ -2138,7 +2210,9 @@
       <p:sp>
         <p:nvSpPr>
           <p:cNvPr id="66" name="幻灯片编号"/>
-          <p:cNvSpPr txBox="1"/>
+          <p:cNvSpPr txBox="1">
+            <a:spLocks noGrp="1"/>
+          </p:cNvSpPr>
           <p:nvPr>
             <p:ph type="sldNum" sz="quarter" idx="2"/>
           </p:nvPr>
@@ -2152,8 +2226,10 @@
           <a:bodyPr/>
           <a:lstStyle/>
           <a:p>
-            <a:pPr/>
-            <a:fld id="{86CB4B4D-7CA3-9044-876B-883B54F8677D}" type="slidenum"/>
+            <a:fld id="{86CB4B4D-7CA3-9044-876B-883B54F8677D}" type="slidenum">
+              <a:t>‹#›</a:t>
+            </a:fld>
+            <a:endParaRPr/>
           </a:p>
         </p:txBody>
       </p:sp>
@@ -2162,12 +2238,12 @@
   <p:clrMapOvr>
     <a:masterClrMapping/>
   </p:clrMapOvr>
-  <p:transition xmlns:p14="http://schemas.microsoft.com/office/powerpoint/2010/main" spd="med" advClick="1"/>
+  <p:transition spd="med"/>
 </p:sldLayout>
 </file>
 
 <file path=ppt/slideLayouts/slideLayout8.xml><?xml version="1.0" encoding="utf-8"?>
-<p:sldLayout xmlns:a="http://schemas.openxmlformats.org/drawingml/2006/main" xmlns:r="http://schemas.openxmlformats.org/officeDocument/2006/relationships" xmlns:p="http://schemas.openxmlformats.org/presentationml/2006/main" type="tx" showMasterSp="1" showMasterPhAnim="1">
+<p:sldLayout xmlns:a="http://schemas.openxmlformats.org/drawingml/2006/main" xmlns:r="http://schemas.openxmlformats.org/officeDocument/2006/relationships" xmlns:p="http://schemas.openxmlformats.org/presentationml/2006/main" type="tx">
   <p:cSld name="含標題的內容">
     <p:spTree>
       <p:nvGrpSpPr>
@@ -2186,7 +2262,9 @@
       <p:sp>
         <p:nvSpPr>
           <p:cNvPr id="73" name="正文级别 1…"/>
-          <p:cNvSpPr txBox="1"/>
+          <p:cNvSpPr txBox="1">
+            <a:spLocks noGrp="1"/>
+          </p:cNvSpPr>
           <p:nvPr>
             <p:ph type="body" sz="half" idx="1"/>
           </p:nvPr>
@@ -2242,7 +2320,6 @@
             </a:lvl5pPr>
           </a:lstStyle>
           <a:p>
-            <a:pPr/>
             <a:r>
               <a:t>正文级别 1</a:t>
             </a:r>
@@ -2276,7 +2353,9 @@
       <p:sp>
         <p:nvSpPr>
           <p:cNvPr id="74" name="标题文本"/>
-          <p:cNvSpPr txBox="1"/>
+          <p:cNvSpPr txBox="1">
+            <a:spLocks noGrp="1"/>
+          </p:cNvSpPr>
           <p:nvPr>
             <p:ph type="title"/>
           </p:nvPr>
@@ -2294,11 +2373,10 @@
           <a:bodyPr anchor="b"/>
           <a:lstStyle>
             <a:lvl1pPr algn="l">
-              <a:defRPr b="1" sz="3100"/>
+              <a:defRPr sz="3100" b="1"/>
             </a:lvl1pPr>
           </a:lstStyle>
           <a:p>
-            <a:pPr/>
             <a:r>
               <a:t>标题文本</a:t>
             </a:r>
@@ -2308,7 +2386,9 @@
       <p:sp>
         <p:nvSpPr>
           <p:cNvPr id="75" name="正文级别 1…"/>
-          <p:cNvSpPr txBox="1"/>
+          <p:cNvSpPr txBox="1">
+            <a:spLocks noGrp="1"/>
+          </p:cNvSpPr>
           <p:nvPr>
             <p:ph type="body" idx="13"/>
           </p:nvPr>
@@ -2326,14 +2406,16 @@
           <a:bodyPr/>
           <a:lstStyle/>
           <a:p>
-            <a:pPr/>
+            <a:endParaRPr/>
           </a:p>
         </p:txBody>
       </p:sp>
       <p:sp>
         <p:nvSpPr>
           <p:cNvPr id="76" name="幻灯片编号"/>
-          <p:cNvSpPr txBox="1"/>
+          <p:cNvSpPr txBox="1">
+            <a:spLocks noGrp="1"/>
+          </p:cNvSpPr>
           <p:nvPr>
             <p:ph type="sldNum" sz="quarter" idx="2"/>
           </p:nvPr>
@@ -2347,8 +2429,10 @@
           <a:bodyPr/>
           <a:lstStyle/>
           <a:p>
-            <a:pPr/>
-            <a:fld id="{86CB4B4D-7CA3-9044-876B-883B54F8677D}" type="slidenum"/>
+            <a:fld id="{86CB4B4D-7CA3-9044-876B-883B54F8677D}" type="slidenum">
+              <a:t>‹#›</a:t>
+            </a:fld>
+            <a:endParaRPr/>
           </a:p>
         </p:txBody>
       </p:sp>
@@ -2357,12 +2441,12 @@
   <p:clrMapOvr>
     <a:masterClrMapping/>
   </p:clrMapOvr>
-  <p:transition xmlns:p14="http://schemas.microsoft.com/office/powerpoint/2010/main" spd="med" advClick="1"/>
+  <p:transition spd="med"/>
 </p:sldLayout>
 </file>
 
 <file path=ppt/slideLayouts/slideLayout9.xml><?xml version="1.0" encoding="utf-8"?>
-<p:sldLayout xmlns:a="http://schemas.openxmlformats.org/drawingml/2006/main" xmlns:r="http://schemas.openxmlformats.org/officeDocument/2006/relationships" xmlns:p="http://schemas.openxmlformats.org/presentationml/2006/main" type="tx" showMasterSp="1" showMasterPhAnim="1">
+<p:sldLayout xmlns:a="http://schemas.openxmlformats.org/drawingml/2006/main" xmlns:r="http://schemas.openxmlformats.org/officeDocument/2006/relationships" xmlns:p="http://schemas.openxmlformats.org/presentationml/2006/main" type="tx">
   <p:cSld name="含標題的圖片">
     <p:spTree>
       <p:nvGrpSpPr>
@@ -2381,7 +2465,9 @@
       <p:sp>
         <p:nvSpPr>
           <p:cNvPr id="83" name="图像"/>
-          <p:cNvSpPr/>
+          <p:cNvSpPr>
+            <a:spLocks noGrp="1"/>
+          </p:cNvSpPr>
           <p:nvPr>
             <p:ph type="pic" sz="half" idx="13"/>
           </p:nvPr>
@@ -2401,14 +2487,16 @@
           </a:bodyPr>
           <a:lstStyle/>
           <a:p>
-            <a:pPr/>
+            <a:endParaRPr/>
           </a:p>
         </p:txBody>
       </p:sp>
       <p:sp>
         <p:nvSpPr>
           <p:cNvPr id="84" name="标题文本"/>
-          <p:cNvSpPr txBox="1"/>
+          <p:cNvSpPr txBox="1">
+            <a:spLocks noGrp="1"/>
+          </p:cNvSpPr>
           <p:nvPr>
             <p:ph type="title"/>
           </p:nvPr>
@@ -2426,11 +2514,10 @@
           <a:bodyPr anchor="b"/>
           <a:lstStyle>
             <a:lvl1pPr algn="l">
-              <a:defRPr b="1" sz="3100"/>
+              <a:defRPr sz="3100" b="1"/>
             </a:lvl1pPr>
           </a:lstStyle>
           <a:p>
-            <a:pPr/>
             <a:r>
               <a:t>标题文本</a:t>
             </a:r>
@@ -2440,7 +2527,9 @@
       <p:sp>
         <p:nvSpPr>
           <p:cNvPr id="85" name="正文级别 1…"/>
-          <p:cNvSpPr txBox="1"/>
+          <p:cNvSpPr txBox="1">
+            <a:spLocks noGrp="1"/>
+          </p:cNvSpPr>
           <p:nvPr>
             <p:ph type="body" sz="quarter" idx="1"/>
           </p:nvPr>
@@ -2504,7 +2593,6 @@
             </a:lvl5pPr>
           </a:lstStyle>
           <a:p>
-            <a:pPr/>
             <a:r>
               <a:t>正文级别 1</a:t>
             </a:r>
@@ -2538,7 +2626,9 @@
       <p:sp>
         <p:nvSpPr>
           <p:cNvPr id="86" name="幻灯片编号"/>
-          <p:cNvSpPr txBox="1"/>
+          <p:cNvSpPr txBox="1">
+            <a:spLocks noGrp="1"/>
+          </p:cNvSpPr>
           <p:nvPr>
             <p:ph type="sldNum" sz="quarter" idx="2"/>
           </p:nvPr>
@@ -2552,8 +2642,10 @@
           <a:bodyPr/>
           <a:lstStyle/>
           <a:p>
-            <a:pPr/>
-            <a:fld id="{86CB4B4D-7CA3-9044-876B-883B54F8677D}" type="slidenum"/>
+            <a:fld id="{86CB4B4D-7CA3-9044-876B-883B54F8677D}" type="slidenum">
+              <a:t>‹#›</a:t>
+            </a:fld>
+            <a:endParaRPr/>
           </a:p>
         </p:txBody>
       </p:sp>
@@ -2562,7 +2654,7 @@
   <p:clrMapOvr>
     <a:masterClrMapping/>
   </p:clrMapOvr>
-  <p:transition xmlns:p14="http://schemas.microsoft.com/office/powerpoint/2010/main" spd="med" advClick="1"/>
+  <p:transition spd="med"/>
 </p:sldLayout>
 </file>
 
@@ -2572,12 +2664,13 @@
     <p:bg>
       <p:bgPr>
         <a:blipFill rotWithShape="1">
-          <a:blip r:embed="rId2"/>
-          <a:srcRect l="0" t="0" r="0" b="0"/>
+          <a:blip r:embed="rId15"/>
+          <a:srcRect/>
           <a:stretch>
             <a:fillRect/>
           </a:stretch>
         </a:blipFill>
+        <a:effectLst/>
       </p:bgPr>
     </p:bg>
     <p:spTree>
@@ -2597,7 +2690,9 @@
       <p:sp>
         <p:nvSpPr>
           <p:cNvPr id="2" name="标题文本"/>
-          <p:cNvSpPr txBox="1"/>
+          <p:cNvSpPr txBox="1">
+            <a:spLocks noGrp="1"/>
+          </p:cNvSpPr>
           <p:nvPr>
             <p:ph type="title"/>
           </p:nvPr>
@@ -2615,17 +2710,16 @@
           </a:ln>
           <a:extLst>
             <a:ext uri="{C572A759-6A51-4108-AA02-DFA0A04FC94B}">
-              <ma14:wrappingTextBoxFlag xmlns:ma14="http://schemas.microsoft.com/office/mac/drawingml/2011/main" val="1"/>
+              <ma14:wrappingTextBoxFlag xmlns="" xmlns:ma14="http://schemas.microsoft.com/office/mac/drawingml/2011/main" val="1"/>
             </a:ext>
           </a:extLst>
         </p:spPr>
         <p:txBody>
           <a:bodyPr lIns="45718" tIns="45718" rIns="45718" bIns="45718" anchor="ctr">
-            <a:normAutofit fontScale="100000" lnSpcReduction="0"/>
+            <a:normAutofit/>
           </a:bodyPr>
           <a:lstStyle/>
           <a:p>
-            <a:pPr/>
             <a:r>
               <a:t>标题文本</a:t>
             </a:r>
@@ -2635,7 +2729,9 @@
       <p:sp>
         <p:nvSpPr>
           <p:cNvPr id="3" name="正文级别 1…"/>
-          <p:cNvSpPr txBox="1"/>
+          <p:cNvSpPr txBox="1">
+            <a:spLocks noGrp="1"/>
+          </p:cNvSpPr>
           <p:nvPr>
             <p:ph type="body" idx="1"/>
           </p:nvPr>
@@ -2653,17 +2749,16 @@
           </a:ln>
           <a:extLst>
             <a:ext uri="{C572A759-6A51-4108-AA02-DFA0A04FC94B}">
-              <ma14:wrappingTextBoxFlag xmlns:ma14="http://schemas.microsoft.com/office/mac/drawingml/2011/main" val="1"/>
+              <ma14:wrappingTextBoxFlag xmlns="" xmlns:ma14="http://schemas.microsoft.com/office/mac/drawingml/2011/main" val="1"/>
             </a:ext>
           </a:extLst>
         </p:spPr>
         <p:txBody>
           <a:bodyPr lIns="45718" tIns="45718" rIns="45718" bIns="45718">
-            <a:normAutofit fontScale="100000" lnSpcReduction="0"/>
+            <a:normAutofit/>
           </a:bodyPr>
           <a:lstStyle/>
           <a:p>
-            <a:pPr/>
             <a:r>
               <a:t>正文级别 1</a:t>
             </a:r>
@@ -2697,7 +2792,9 @@
       <p:sp>
         <p:nvSpPr>
           <p:cNvPr id="4" name="幻灯片编号"/>
-          <p:cNvSpPr txBox="1"/>
+          <p:cNvSpPr txBox="1">
+            <a:spLocks noGrp="1"/>
+          </p:cNvSpPr>
           <p:nvPr>
             <p:ph type="sldNum" sz="quarter" idx="2"/>
           </p:nvPr>
@@ -2732,8 +2829,10 @@
             </a:lvl1pPr>
           </a:lstStyle>
           <a:p>
-            <a:pPr/>
-            <a:fld id="{86CB4B4D-7CA3-9044-876B-883B54F8677D}" type="slidenum"/>
+            <a:fld id="{86CB4B4D-7CA3-9044-876B-883B54F8677D}" type="slidenum">
+              <a:t>‹#›</a:t>
+            </a:fld>
+            <a:endParaRPr/>
           </a:p>
         </p:txBody>
       </p:sp>
@@ -2741,21 +2840,21 @@
   </p:cSld>
   <p:clrMap bg1="lt1" tx1="dk1" bg2="lt2" tx2="dk2" accent1="accent1" accent2="accent2" accent3="accent3" accent4="accent4" accent5="accent5" accent6="accent6" hlink="hlink" folHlink="folHlink"/>
   <p:sldLayoutIdLst>
-    <p:sldLayoutId id="2147483649" r:id="rId3"/>
-    <p:sldLayoutId id="2147483650" r:id="rId4"/>
-    <p:sldLayoutId id="2147483651" r:id="rId5"/>
-    <p:sldLayoutId id="2147483652" r:id="rId6"/>
-    <p:sldLayoutId id="2147483653" r:id="rId7"/>
-    <p:sldLayoutId id="2147483654" r:id="rId8"/>
-    <p:sldLayoutId id="2147483655" r:id="rId9"/>
-    <p:sldLayoutId id="2147483656" r:id="rId10"/>
-    <p:sldLayoutId id="2147483657" r:id="rId11"/>
-    <p:sldLayoutId id="2147483658" r:id="rId12"/>
-    <p:sldLayoutId id="2147483659" r:id="rId13"/>
-    <p:sldLayoutId id="2147483660" r:id="rId14"/>
-    <p:sldLayoutId id="2147483661" r:id="rId15"/>
+    <p:sldLayoutId id="2147483649" r:id="rId1"/>
+    <p:sldLayoutId id="2147483650" r:id="rId2"/>
+    <p:sldLayoutId id="2147483651" r:id="rId3"/>
+    <p:sldLayoutId id="2147483652" r:id="rId4"/>
+    <p:sldLayoutId id="2147483653" r:id="rId5"/>
+    <p:sldLayoutId id="2147483654" r:id="rId6"/>
+    <p:sldLayoutId id="2147483655" r:id="rId7"/>
+    <p:sldLayoutId id="2147483656" r:id="rId8"/>
+    <p:sldLayoutId id="2147483657" r:id="rId9"/>
+    <p:sldLayoutId id="2147483658" r:id="rId10"/>
+    <p:sldLayoutId id="2147483659" r:id="rId11"/>
+    <p:sldLayoutId id="2147483660" r:id="rId12"/>
+    <p:sldLayoutId id="2147483661" r:id="rId13"/>
   </p:sldLayoutIdLst>
-  <p:transition xmlns:p14="http://schemas.microsoft.com/office/powerpoint/2010/main" spd="med" advClick="1"/>
+  <p:transition spd="med"/>
   <p:txStyles>
     <p:titleStyle>
       <a:lvl1pPr marL="0" marR="0" indent="0" algn="ctr" defTabSz="1439996" rtl="0" latinLnBrk="0">
@@ -2773,7 +2872,7 @@
         <a:buFontTx/>
         <a:buNone/>
         <a:tabLst/>
-        <a:defRPr b="0" baseline="0" cap="none" i="0" spc="0" strike="noStrike" sz="6900" u="none">
+        <a:defRPr sz="6900" b="0" i="0" u="none" strike="noStrike" cap="none" spc="0" baseline="0">
           <a:ln>
             <a:noFill/>
           </a:ln>
@@ -2802,7 +2901,7 @@
         <a:buFontTx/>
         <a:buNone/>
         <a:tabLst/>
-        <a:defRPr b="0" baseline="0" cap="none" i="0" spc="0" strike="noStrike" sz="6900" u="none">
+        <a:defRPr sz="6900" b="0" i="0" u="none" strike="noStrike" cap="none" spc="0" baseline="0">
           <a:ln>
             <a:noFill/>
           </a:ln>
@@ -2831,7 +2930,7 @@
         <a:buFontTx/>
         <a:buNone/>
         <a:tabLst/>
-        <a:defRPr b="0" baseline="0" cap="none" i="0" spc="0" strike="noStrike" sz="6900" u="none">
+        <a:defRPr sz="6900" b="0" i="0" u="none" strike="noStrike" cap="none" spc="0" baseline="0">
           <a:ln>
             <a:noFill/>
           </a:ln>
@@ -2860,7 +2959,7 @@
         <a:buFontTx/>
         <a:buNone/>
         <a:tabLst/>
-        <a:defRPr b="0" baseline="0" cap="none" i="0" spc="0" strike="noStrike" sz="6900" u="none">
+        <a:defRPr sz="6900" b="0" i="0" u="none" strike="noStrike" cap="none" spc="0" baseline="0">
           <a:ln>
             <a:noFill/>
           </a:ln>
@@ -2889,7 +2988,7 @@
         <a:buFontTx/>
         <a:buNone/>
         <a:tabLst/>
-        <a:defRPr b="0" baseline="0" cap="none" i="0" spc="0" strike="noStrike" sz="6900" u="none">
+        <a:defRPr sz="6900" b="0" i="0" u="none" strike="noStrike" cap="none" spc="0" baseline="0">
           <a:ln>
             <a:noFill/>
           </a:ln>
@@ -2918,7 +3017,7 @@
         <a:buFontTx/>
         <a:buNone/>
         <a:tabLst/>
-        <a:defRPr b="0" baseline="0" cap="none" i="0" spc="0" strike="noStrike" sz="6900" u="none">
+        <a:defRPr sz="6900" b="0" i="0" u="none" strike="noStrike" cap="none" spc="0" baseline="0">
           <a:ln>
             <a:noFill/>
           </a:ln>
@@ -2947,7 +3046,7 @@
         <a:buFontTx/>
         <a:buNone/>
         <a:tabLst/>
-        <a:defRPr b="0" baseline="0" cap="none" i="0" spc="0" strike="noStrike" sz="6900" u="none">
+        <a:defRPr sz="6900" b="0" i="0" u="none" strike="noStrike" cap="none" spc="0" baseline="0">
           <a:ln>
             <a:noFill/>
           </a:ln>
@@ -2976,7 +3075,7 @@
         <a:buFontTx/>
         <a:buNone/>
         <a:tabLst/>
-        <a:defRPr b="0" baseline="0" cap="none" i="0" spc="0" strike="noStrike" sz="6900" u="none">
+        <a:defRPr sz="6900" b="0" i="0" u="none" strike="noStrike" cap="none" spc="0" baseline="0">
           <a:ln>
             <a:noFill/>
           </a:ln>
@@ -3005,7 +3104,7 @@
         <a:buFontTx/>
         <a:buNone/>
         <a:tabLst/>
-        <a:defRPr b="0" baseline="0" cap="none" i="0" spc="0" strike="noStrike" sz="6900" u="none">
+        <a:defRPr sz="6900" b="0" i="0" u="none" strike="noStrike" cap="none" spc="0" baseline="0">
           <a:ln>
             <a:noFill/>
           </a:ln>
@@ -3036,7 +3135,7 @@
         <a:buFont typeface="Arial"/>
         <a:buChar char="•"/>
         <a:tabLst/>
-        <a:defRPr b="0" baseline="0" cap="none" i="0" spc="0" strike="noStrike" sz="5000" u="none">
+        <a:defRPr sz="5000" b="0" i="0" u="none" strike="noStrike" cap="none" spc="0" baseline="0">
           <a:ln>
             <a:noFill/>
           </a:ln>
@@ -3065,7 +3164,7 @@
         <a:buFont typeface="Arial"/>
         <a:buChar char="–"/>
         <a:tabLst/>
-        <a:defRPr b="0" baseline="0" cap="none" i="0" spc="0" strike="noStrike" sz="5000" u="none">
+        <a:defRPr sz="5000" b="0" i="0" u="none" strike="noStrike" cap="none" spc="0" baseline="0">
           <a:ln>
             <a:noFill/>
           </a:ln>
@@ -3094,7 +3193,7 @@
         <a:buFont typeface="Arial"/>
         <a:buChar char="•"/>
         <a:tabLst/>
-        <a:defRPr b="0" baseline="0" cap="none" i="0" spc="0" strike="noStrike" sz="5000" u="none">
+        <a:defRPr sz="5000" b="0" i="0" u="none" strike="noStrike" cap="none" spc="0" baseline="0">
           <a:ln>
             <a:noFill/>
           </a:ln>
@@ -3123,7 +3222,7 @@
         <a:buFont typeface="Arial"/>
         <a:buChar char="–"/>
         <a:tabLst/>
-        <a:defRPr b="0" baseline="0" cap="none" i="0" spc="0" strike="noStrike" sz="5000" u="none">
+        <a:defRPr sz="5000" b="0" i="0" u="none" strike="noStrike" cap="none" spc="0" baseline="0">
           <a:ln>
             <a:noFill/>
           </a:ln>
@@ -3152,7 +3251,7 @@
         <a:buFont typeface="Arial"/>
         <a:buChar char="»"/>
         <a:tabLst/>
-        <a:defRPr b="0" baseline="0" cap="none" i="0" spc="0" strike="noStrike" sz="5000" u="none">
+        <a:defRPr sz="5000" b="0" i="0" u="none" strike="noStrike" cap="none" spc="0" baseline="0">
           <a:ln>
             <a:noFill/>
           </a:ln>
@@ -3181,7 +3280,7 @@
         <a:buFont typeface="Arial"/>
         <a:buChar char="•"/>
         <a:tabLst/>
-        <a:defRPr b="0" baseline="0" cap="none" i="0" spc="0" strike="noStrike" sz="5000" u="none">
+        <a:defRPr sz="5000" b="0" i="0" u="none" strike="noStrike" cap="none" spc="0" baseline="0">
           <a:ln>
             <a:noFill/>
           </a:ln>
@@ -3210,7 +3309,7 @@
         <a:buFont typeface="Arial"/>
         <a:buChar char="•"/>
         <a:tabLst/>
-        <a:defRPr b="0" baseline="0" cap="none" i="0" spc="0" strike="noStrike" sz="5000" u="none">
+        <a:defRPr sz="5000" b="0" i="0" u="none" strike="noStrike" cap="none" spc="0" baseline="0">
           <a:ln>
             <a:noFill/>
           </a:ln>
@@ -3239,7 +3338,7 @@
         <a:buFont typeface="Arial"/>
         <a:buChar char="•"/>
         <a:tabLst/>
-        <a:defRPr b="0" baseline="0" cap="none" i="0" spc="0" strike="noStrike" sz="5000" u="none">
+        <a:defRPr sz="5000" b="0" i="0" u="none" strike="noStrike" cap="none" spc="0" baseline="0">
           <a:ln>
             <a:noFill/>
           </a:ln>
@@ -3268,7 +3367,7 @@
         <a:buFont typeface="Arial"/>
         <a:buChar char="•"/>
         <a:tabLst/>
-        <a:defRPr b="0" baseline="0" cap="none" i="0" spc="0" strike="noStrike" sz="5000" u="none">
+        <a:defRPr sz="5000" b="0" i="0" u="none" strike="noStrike" cap="none" spc="0" baseline="0">
           <a:ln>
             <a:noFill/>
           </a:ln>
@@ -3299,7 +3398,7 @@
         <a:buFontTx/>
         <a:buNone/>
         <a:tabLst/>
-        <a:defRPr b="0" baseline="0" cap="none" i="0" spc="0" strike="noStrike" sz="1800" u="none">
+        <a:defRPr sz="1800" b="0" i="0" u="none" strike="noStrike" cap="none" spc="0" baseline="0">
           <a:ln>
             <a:noFill/>
           </a:ln>
@@ -3328,7 +3427,7 @@
         <a:buFontTx/>
         <a:buNone/>
         <a:tabLst/>
-        <a:defRPr b="0" baseline="0" cap="none" i="0" spc="0" strike="noStrike" sz="1800" u="none">
+        <a:defRPr sz="1800" b="0" i="0" u="none" strike="noStrike" cap="none" spc="0" baseline="0">
           <a:ln>
             <a:noFill/>
           </a:ln>
@@ -3357,7 +3456,7 @@
         <a:buFontTx/>
         <a:buNone/>
         <a:tabLst/>
-        <a:defRPr b="0" baseline="0" cap="none" i="0" spc="0" strike="noStrike" sz="1800" u="none">
+        <a:defRPr sz="1800" b="0" i="0" u="none" strike="noStrike" cap="none" spc="0" baseline="0">
           <a:ln>
             <a:noFill/>
           </a:ln>
@@ -3386,7 +3485,7 @@
         <a:buFontTx/>
         <a:buNone/>
         <a:tabLst/>
-        <a:defRPr b="0" baseline="0" cap="none" i="0" spc="0" strike="noStrike" sz="1800" u="none">
+        <a:defRPr sz="1800" b="0" i="0" u="none" strike="noStrike" cap="none" spc="0" baseline="0">
           <a:ln>
             <a:noFill/>
           </a:ln>
@@ -3415,7 +3514,7 @@
         <a:buFontTx/>
         <a:buNone/>
         <a:tabLst/>
-        <a:defRPr b="0" baseline="0" cap="none" i="0" spc="0" strike="noStrike" sz="1800" u="none">
+        <a:defRPr sz="1800" b="0" i="0" u="none" strike="noStrike" cap="none" spc="0" baseline="0">
           <a:ln>
             <a:noFill/>
           </a:ln>
@@ -3444,7 +3543,7 @@
         <a:buFontTx/>
         <a:buNone/>
         <a:tabLst/>
-        <a:defRPr b="0" baseline="0" cap="none" i="0" spc="0" strike="noStrike" sz="1800" u="none">
+        <a:defRPr sz="1800" b="0" i="0" u="none" strike="noStrike" cap="none" spc="0" baseline="0">
           <a:ln>
             <a:noFill/>
           </a:ln>
@@ -3473,7 +3572,7 @@
         <a:buFontTx/>
         <a:buNone/>
         <a:tabLst/>
-        <a:defRPr b="0" baseline="0" cap="none" i="0" spc="0" strike="noStrike" sz="1800" u="none">
+        <a:defRPr sz="1800" b="0" i="0" u="none" strike="noStrike" cap="none" spc="0" baseline="0">
           <a:ln>
             <a:noFill/>
           </a:ln>
@@ -3502,7 +3601,7 @@
         <a:buFontTx/>
         <a:buNone/>
         <a:tabLst/>
-        <a:defRPr b="0" baseline="0" cap="none" i="0" spc="0" strike="noStrike" sz="1800" u="none">
+        <a:defRPr sz="1800" b="0" i="0" u="none" strike="noStrike" cap="none" spc="0" baseline="0">
           <a:ln>
             <a:noFill/>
           </a:ln>
@@ -3531,7 +3630,7 @@
         <a:buFontTx/>
         <a:buNone/>
         <a:tabLst/>
-        <a:defRPr b="0" baseline="0" cap="none" i="0" spc="0" strike="noStrike" sz="1800" u="none">
+        <a:defRPr sz="1800" b="0" i="0" u="none" strike="noStrike" cap="none" spc="0" baseline="0">
           <a:ln>
             <a:noFill/>
           </a:ln>
@@ -3551,7 +3650,7 @@
 </file>
 
 <file path=ppt/slides/slide1.xml><?xml version="1.0" encoding="utf-8"?>
-<p:sld xmlns:a="http://schemas.openxmlformats.org/drawingml/2006/main" xmlns:r="http://schemas.openxmlformats.org/officeDocument/2006/relationships" xmlns:p="http://schemas.openxmlformats.org/presentationml/2006/main" showMasterSp="1" showMasterPhAnim="1">
+<p:sld xmlns:a="http://schemas.openxmlformats.org/drawingml/2006/main" xmlns:r="http://schemas.openxmlformats.org/officeDocument/2006/relationships" xmlns:p="http://schemas.openxmlformats.org/presentationml/2006/main">
   <p:cSld>
     <p:spTree>
       <p:nvGrpSpPr>
@@ -3586,7 +3685,7 @@
           </a:ln>
           <a:extLst>
             <a:ext uri="{C572A759-6A51-4108-AA02-DFA0A04FC94B}">
-              <ma14:wrappingTextBoxFlag xmlns:ma14="http://schemas.microsoft.com/office/mac/drawingml/2011/main" val="1"/>
+              <ma14:wrappingTextBoxFlag xmlns="" xmlns:ma14="http://schemas.microsoft.com/office/mac/drawingml/2011/main" val="1"/>
             </a:ext>
           </a:extLst>
         </p:spPr>
@@ -3642,7 +3741,7 @@
           </a:ln>
           <a:extLst>
             <a:ext uri="{C572A759-6A51-4108-AA02-DFA0A04FC94B}">
-              <ma14:wrappingTextBoxFlag xmlns:ma14="http://schemas.microsoft.com/office/mac/drawingml/2011/main" val="1"/>
+              <ma14:wrappingTextBoxFlag xmlns="" xmlns:ma14="http://schemas.microsoft.com/office/mac/drawingml/2011/main" val="1"/>
             </a:ext>
           </a:extLst>
         </p:spPr>
@@ -3680,12 +3779,12 @@
   <p:clrMapOvr>
     <a:masterClrMapping/>
   </p:clrMapOvr>
-  <p:transition xmlns:p14="http://schemas.microsoft.com/office/powerpoint/2010/main" spd="med" advClick="1"/>
+  <p:transition spd="med"/>
 </p:sld>
 </file>
 
 <file path=ppt/slides/slide10.xml><?xml version="1.0" encoding="utf-8"?>
-<p:sld xmlns:a="http://schemas.openxmlformats.org/drawingml/2006/main" xmlns:r="http://schemas.openxmlformats.org/officeDocument/2006/relationships" xmlns:p="http://schemas.openxmlformats.org/presentationml/2006/main" showMasterSp="1" showMasterPhAnim="1">
+<p:sld xmlns:a="http://schemas.openxmlformats.org/drawingml/2006/main" xmlns:r="http://schemas.openxmlformats.org/officeDocument/2006/relationships" xmlns:p="http://schemas.openxmlformats.org/presentationml/2006/main">
   <p:cSld>
     <p:spTree>
       <p:nvGrpSpPr>
@@ -3720,7 +3819,7 @@
           </a:ln>
           <a:extLst>
             <a:ext uri="{C572A759-6A51-4108-AA02-DFA0A04FC94B}">
-              <ma14:wrappingTextBoxFlag xmlns:ma14="http://schemas.microsoft.com/office/mac/drawingml/2011/main" val="1"/>
+              <ma14:wrappingTextBoxFlag xmlns="" xmlns:ma14="http://schemas.microsoft.com/office/mac/drawingml/2011/main" val="1"/>
             </a:ext>
           </a:extLst>
         </p:spPr>
@@ -3739,7 +3838,6 @@
             </a:lvl1pPr>
           </a:lstStyle>
           <a:p>
-            <a:pPr/>
             <a:r>
               <a:t>文档式接口，提供程序的行为提示与约束</a:t>
             </a:r>
@@ -3780,13 +3878,13 @@
   <p:clrMapOvr>
     <a:masterClrMapping/>
   </p:clrMapOvr>
-  <mc:AlternateContent xmlns:mc="http://schemas.openxmlformats.org/markup-compatibility/2006">
-    <mc:Choice xmlns:p14="http://schemas.microsoft.com/office/powerpoint/2010/main" Requires="p14">
-      <p:transition spd="fast" advClick="1" p14:dur="500">
+  <mc:AlternateContent xmlns:mc="http://schemas.openxmlformats.org/markup-compatibility/2006" xmlns:p14="http://schemas.microsoft.com/office/powerpoint/2010/main">
+    <mc:Choice Requires="p14">
+      <p:transition>
         <p:dissolve/>
       </p:transition>
     </mc:Choice>
-    <mc:Fallback>
+    <mc:Fallback xmlns="">
       <p:transition spd="fast">
         <p:fade/>
       </p:transition>
@@ -3796,7 +3894,7 @@
 </file>
 
 <file path=ppt/slides/slide11.xml><?xml version="1.0" encoding="utf-8"?>
-<p:sld xmlns:a="http://schemas.openxmlformats.org/drawingml/2006/main" xmlns:r="http://schemas.openxmlformats.org/officeDocument/2006/relationships" xmlns:p="http://schemas.openxmlformats.org/presentationml/2006/main" showMasterSp="1" showMasterPhAnim="1">
+<p:sld xmlns:a="http://schemas.openxmlformats.org/drawingml/2006/main" xmlns:r="http://schemas.openxmlformats.org/officeDocument/2006/relationships" xmlns:p="http://schemas.openxmlformats.org/presentationml/2006/main">
   <p:cSld>
     <p:spTree>
       <p:nvGrpSpPr>
@@ -3831,7 +3929,7 @@
           </a:ln>
           <a:extLst>
             <a:ext uri="{C572A759-6A51-4108-AA02-DFA0A04FC94B}">
-              <ma14:wrappingTextBoxFlag xmlns:ma14="http://schemas.microsoft.com/office/mac/drawingml/2011/main" val="1"/>
+              <ma14:wrappingTextBoxFlag xmlns="" xmlns:ma14="http://schemas.microsoft.com/office/mac/drawingml/2011/main" val="1"/>
             </a:ext>
           </a:extLst>
         </p:spPr>
@@ -3853,7 +3951,6 @@
             </a:lvl1pPr>
           </a:lstStyle>
           <a:p>
-            <a:pPr/>
             <a:r>
               <a:t>03</a:t>
             </a:r>
@@ -3879,7 +3976,7 @@
           </a:ln>
           <a:extLst>
             <a:ext uri="{C572A759-6A51-4108-AA02-DFA0A04FC94B}">
-              <ma14:wrappingTextBoxFlag xmlns:ma14="http://schemas.microsoft.com/office/mac/drawingml/2011/main" val="1"/>
+              <ma14:wrappingTextBoxFlag xmlns="" xmlns:ma14="http://schemas.microsoft.com/office/mac/drawingml/2011/main" val="1"/>
             </a:ext>
           </a:extLst>
         </p:spPr>
@@ -3901,7 +3998,6 @@
             </a:lvl1pPr>
           </a:lstStyle>
           <a:p>
-            <a:pPr/>
             <a:r>
               <a:t>TypeScript 语法简单介绍</a:t>
             </a:r>
@@ -3913,13 +4009,13 @@
   <p:clrMapOvr>
     <a:masterClrMapping/>
   </p:clrMapOvr>
-  <mc:AlternateContent xmlns:mc="http://schemas.openxmlformats.org/markup-compatibility/2006">
-    <mc:Choice xmlns:p14="http://schemas.microsoft.com/office/powerpoint/2010/main" Requires="p14">
-      <p:transition spd="fast" advClick="1" p14:dur="500">
+  <mc:AlternateContent xmlns:mc="http://schemas.openxmlformats.org/markup-compatibility/2006" xmlns:p14="http://schemas.microsoft.com/office/powerpoint/2010/main">
+    <mc:Choice Requires="p14">
+      <p:transition>
         <p:dissolve/>
       </p:transition>
     </mc:Choice>
-    <mc:Fallback>
+    <mc:Fallback xmlns="">
       <p:transition spd="fast">
         <p:fade/>
       </p:transition>
@@ -3929,7 +4025,7 @@
 </file>
 
 <file path=ppt/slides/slide12.xml><?xml version="1.0" encoding="utf-8"?>
-<p:sld xmlns:a="http://schemas.openxmlformats.org/drawingml/2006/main" xmlns:r="http://schemas.openxmlformats.org/officeDocument/2006/relationships" xmlns:p="http://schemas.openxmlformats.org/presentationml/2006/main" showMasterSp="1" showMasterPhAnim="1">
+<p:sld xmlns:a="http://schemas.openxmlformats.org/drawingml/2006/main" xmlns:r="http://schemas.openxmlformats.org/officeDocument/2006/relationships" xmlns:p="http://schemas.openxmlformats.org/presentationml/2006/main">
   <p:cSld>
     <p:spTree>
       <p:nvGrpSpPr>
@@ -3979,13 +4075,13 @@
   <p:clrMapOvr>
     <a:masterClrMapping/>
   </p:clrMapOvr>
-  <mc:AlternateContent xmlns:mc="http://schemas.openxmlformats.org/markup-compatibility/2006">
-    <mc:Choice xmlns:p14="http://schemas.microsoft.com/office/powerpoint/2010/main" Requires="p14">
-      <p:transition spd="fast" advClick="1" p14:dur="500">
+  <mc:AlternateContent xmlns:mc="http://schemas.openxmlformats.org/markup-compatibility/2006" xmlns:p14="http://schemas.microsoft.com/office/powerpoint/2010/main">
+    <mc:Choice Requires="p14">
+      <p:transition>
         <p:dissolve/>
       </p:transition>
     </mc:Choice>
-    <mc:Fallback>
+    <mc:Fallback xmlns="">
       <p:transition spd="fast">
         <p:fade/>
       </p:transition>
@@ -3995,7 +4091,7 @@
 </file>
 
 <file path=ppt/slides/slide13.xml><?xml version="1.0" encoding="utf-8"?>
-<p:sld xmlns:a="http://schemas.openxmlformats.org/drawingml/2006/main" xmlns:r="http://schemas.openxmlformats.org/officeDocument/2006/relationships" xmlns:p="http://schemas.openxmlformats.org/presentationml/2006/main" showMasterSp="1" showMasterPhAnim="1">
+<p:sld xmlns:a="http://schemas.openxmlformats.org/drawingml/2006/main" xmlns:r="http://schemas.openxmlformats.org/officeDocument/2006/relationships" xmlns:p="http://schemas.openxmlformats.org/presentationml/2006/main">
   <p:cSld>
     <p:spTree>
       <p:nvGrpSpPr>
@@ -4045,13 +4141,13 @@
   <p:clrMapOvr>
     <a:masterClrMapping/>
   </p:clrMapOvr>
-  <mc:AlternateContent xmlns:mc="http://schemas.openxmlformats.org/markup-compatibility/2006">
-    <mc:Choice xmlns:p14="http://schemas.microsoft.com/office/powerpoint/2010/main" Requires="p14">
-      <p:transition spd="fast" advClick="1" p14:dur="500">
+  <mc:AlternateContent xmlns:mc="http://schemas.openxmlformats.org/markup-compatibility/2006" xmlns:p14="http://schemas.microsoft.com/office/powerpoint/2010/main">
+    <mc:Choice Requires="p14">
+      <p:transition>
         <p:dissolve/>
       </p:transition>
     </mc:Choice>
-    <mc:Fallback>
+    <mc:Fallback xmlns="">
       <p:transition spd="fast">
         <p:fade/>
       </p:transition>
@@ -4061,7 +4157,7 @@
 </file>
 
 <file path=ppt/slides/slide14.xml><?xml version="1.0" encoding="utf-8"?>
-<p:sld xmlns:a="http://schemas.openxmlformats.org/drawingml/2006/main" xmlns:r="http://schemas.openxmlformats.org/officeDocument/2006/relationships" xmlns:p="http://schemas.openxmlformats.org/presentationml/2006/main" showMasterSp="1" showMasterPhAnim="1">
+<p:sld xmlns:a="http://schemas.openxmlformats.org/drawingml/2006/main" xmlns:r="http://schemas.openxmlformats.org/officeDocument/2006/relationships" xmlns:p="http://schemas.openxmlformats.org/presentationml/2006/main">
   <p:cSld>
     <p:spTree>
       <p:nvGrpSpPr>
@@ -4111,13 +4207,13 @@
   <p:clrMapOvr>
     <a:masterClrMapping/>
   </p:clrMapOvr>
-  <mc:AlternateContent xmlns:mc="http://schemas.openxmlformats.org/markup-compatibility/2006">
-    <mc:Choice xmlns:p14="http://schemas.microsoft.com/office/powerpoint/2010/main" Requires="p14">
-      <p:transition spd="fast" advClick="1" p14:dur="500">
+  <mc:AlternateContent xmlns:mc="http://schemas.openxmlformats.org/markup-compatibility/2006" xmlns:p14="http://schemas.microsoft.com/office/powerpoint/2010/main">
+    <mc:Choice Requires="p14">
+      <p:transition>
         <p:dissolve/>
       </p:transition>
     </mc:Choice>
-    <mc:Fallback>
+    <mc:Fallback xmlns="">
       <p:transition spd="fast">
         <p:fade/>
       </p:transition>
@@ -4127,7 +4223,7 @@
 </file>
 
 <file path=ppt/slides/slide15.xml><?xml version="1.0" encoding="utf-8"?>
-<p:sld xmlns:a="http://schemas.openxmlformats.org/drawingml/2006/main" xmlns:r="http://schemas.openxmlformats.org/officeDocument/2006/relationships" xmlns:p="http://schemas.openxmlformats.org/presentationml/2006/main" showMasterSp="1" showMasterPhAnim="1">
+<p:sld xmlns:a="http://schemas.openxmlformats.org/drawingml/2006/main" xmlns:r="http://schemas.openxmlformats.org/officeDocument/2006/relationships" xmlns:p="http://schemas.openxmlformats.org/presentationml/2006/main">
   <p:cSld>
     <p:spTree>
       <p:nvGrpSpPr>
@@ -4162,7 +4258,7 @@
           </a:ln>
           <a:extLst>
             <a:ext uri="{C572A759-6A51-4108-AA02-DFA0A04FC94B}">
-              <ma14:wrappingTextBoxFlag xmlns:ma14="http://schemas.microsoft.com/office/mac/drawingml/2011/main" val="1"/>
+              <ma14:wrappingTextBoxFlag xmlns="" xmlns:ma14="http://schemas.microsoft.com/office/mac/drawingml/2011/main" val="1"/>
             </a:ext>
           </a:extLst>
         </p:spPr>
@@ -4184,7 +4280,6 @@
             </a:lvl1pPr>
           </a:lstStyle>
           <a:p>
-            <a:pPr/>
             <a:r>
               <a:t>04</a:t>
             </a:r>
@@ -4210,7 +4305,7 @@
           </a:ln>
           <a:extLst>
             <a:ext uri="{C572A759-6A51-4108-AA02-DFA0A04FC94B}">
-              <ma14:wrappingTextBoxFlag xmlns:ma14="http://schemas.microsoft.com/office/mac/drawingml/2011/main" val="1"/>
+              <ma14:wrappingTextBoxFlag xmlns="" xmlns:ma14="http://schemas.microsoft.com/office/mac/drawingml/2011/main" val="1"/>
             </a:ext>
           </a:extLst>
         </p:spPr>
@@ -4232,7 +4327,6 @@
             </a:lvl1pPr>
           </a:lstStyle>
           <a:p>
-            <a:pPr/>
             <a:r>
               <a:t>TypeScript + VSCode + Vue</a:t>
             </a:r>
@@ -4244,13 +4338,13 @@
   <p:clrMapOvr>
     <a:masterClrMapping/>
   </p:clrMapOvr>
-  <mc:AlternateContent xmlns:mc="http://schemas.openxmlformats.org/markup-compatibility/2006">
-    <mc:Choice xmlns:p14="http://schemas.microsoft.com/office/powerpoint/2010/main" Requires="p14">
-      <p:transition spd="fast" advClick="1" p14:dur="500">
+  <mc:AlternateContent xmlns:mc="http://schemas.openxmlformats.org/markup-compatibility/2006" xmlns:p14="http://schemas.microsoft.com/office/powerpoint/2010/main">
+    <mc:Choice Requires="p14">
+      <p:transition>
         <p:dissolve/>
       </p:transition>
     </mc:Choice>
-    <mc:Fallback>
+    <mc:Fallback xmlns="">
       <p:transition spd="fast">
         <p:fade/>
       </p:transition>
@@ -4260,7 +4354,7 @@
 </file>
 
 <file path=ppt/slides/slide16.xml><?xml version="1.0" encoding="utf-8"?>
-<p:sld xmlns:a="http://schemas.openxmlformats.org/drawingml/2006/main" xmlns:r="http://schemas.openxmlformats.org/officeDocument/2006/relationships" xmlns:p="http://schemas.openxmlformats.org/presentationml/2006/main" showMasterSp="1" showMasterPhAnim="1">
+<p:sld xmlns:a="http://schemas.openxmlformats.org/drawingml/2006/main" xmlns:r="http://schemas.openxmlformats.org/officeDocument/2006/relationships" xmlns:p="http://schemas.openxmlformats.org/presentationml/2006/main">
   <p:cSld>
     <p:spTree>
       <p:nvGrpSpPr>
@@ -4280,7 +4374,7 @@
         <p:nvPicPr>
           <p:cNvPr id="183" name="list1.gif" descr="list1.gif"/>
           <p:cNvPicPr>
-            <a:picLocks noChangeAspect="0"/>
+            <a:picLocks/>
           </p:cNvPicPr>
           <p:nvPr/>
         </p:nvPicPr>
@@ -4310,13 +4404,13 @@
   <p:clrMapOvr>
     <a:masterClrMapping/>
   </p:clrMapOvr>
-  <mc:AlternateContent xmlns:mc="http://schemas.openxmlformats.org/markup-compatibility/2006">
-    <mc:Choice xmlns:p14="http://schemas.microsoft.com/office/powerpoint/2010/main" Requires="p14">
-      <p:transition spd="fast" advClick="1" p14:dur="500">
+  <mc:AlternateContent xmlns:mc="http://schemas.openxmlformats.org/markup-compatibility/2006" xmlns:p14="http://schemas.microsoft.com/office/powerpoint/2010/main">
+    <mc:Choice Requires="p14">
+      <p:transition>
         <p:dissolve/>
       </p:transition>
     </mc:Choice>
-    <mc:Fallback>
+    <mc:Fallback xmlns="">
       <p:transition spd="fast">
         <p:fade/>
       </p:transition>
@@ -4326,7 +4420,7 @@
 </file>
 
 <file path=ppt/slides/slide17.xml><?xml version="1.0" encoding="utf-8"?>
-<p:sld xmlns:a="http://schemas.openxmlformats.org/drawingml/2006/main" xmlns:r="http://schemas.openxmlformats.org/officeDocument/2006/relationships" xmlns:p="http://schemas.openxmlformats.org/presentationml/2006/main" showMasterSp="1" showMasterPhAnim="1">
+<p:sld xmlns:a="http://schemas.openxmlformats.org/drawingml/2006/main" xmlns:r="http://schemas.openxmlformats.org/officeDocument/2006/relationships" xmlns:p="http://schemas.openxmlformats.org/presentationml/2006/main">
   <p:cSld>
     <p:spTree>
       <p:nvGrpSpPr>
@@ -4346,7 +4440,7 @@
         <p:nvPicPr>
           <p:cNvPr id="185" name="list3.gif" descr="list3.gif"/>
           <p:cNvPicPr>
-            <a:picLocks noChangeAspect="0"/>
+            <a:picLocks/>
           </p:cNvPicPr>
           <p:nvPr/>
         </p:nvPicPr>
@@ -4376,12 +4470,12 @@
   <p:clrMapOvr>
     <a:masterClrMapping/>
   </p:clrMapOvr>
-  <p:transition xmlns:p14="http://schemas.microsoft.com/office/powerpoint/2010/main" spd="med" advClick="1"/>
+  <p:transition spd="med"/>
 </p:sld>
 </file>
 
 <file path=ppt/slides/slide18.xml><?xml version="1.0" encoding="utf-8"?>
-<p:sld xmlns:a="http://schemas.openxmlformats.org/drawingml/2006/main" xmlns:r="http://schemas.openxmlformats.org/officeDocument/2006/relationships" xmlns:p="http://schemas.openxmlformats.org/presentationml/2006/main" showMasterSp="1" showMasterPhAnim="1">
+<p:sld xmlns:a="http://schemas.openxmlformats.org/drawingml/2006/main" xmlns:r="http://schemas.openxmlformats.org/officeDocument/2006/relationships" xmlns:p="http://schemas.openxmlformats.org/presentationml/2006/main">
   <p:cSld>
     <p:spTree>
       <p:nvGrpSpPr>
@@ -4406,7 +4500,7 @@
         <p:spPr>
           <a:xfrm>
             <a:off x="4630454" y="4719506"/>
-            <a:ext cx="5005398" cy="1031241"/>
+            <a:ext cx="5684424" cy="1046440"/>
           </a:xfrm>
           <a:prstGeom prst="rect">
             <a:avLst/>
@@ -4416,12 +4510,12 @@
           </a:ln>
           <a:extLst>
             <a:ext uri="{C572A759-6A51-4108-AA02-DFA0A04FC94B}">
-              <ma14:wrappingTextBoxFlag xmlns:ma14="http://schemas.microsoft.com/office/mac/drawingml/2011/main" val="1"/>
+              <ma14:wrappingTextBoxFlag xmlns="" xmlns:ma14="http://schemas.microsoft.com/office/mac/drawingml/2011/main" val="1"/>
             </a:ext>
           </a:extLst>
         </p:spPr>
         <p:txBody>
-          <a:bodyPr wrap="none" lIns="45719" rIns="45719">
+          <a:bodyPr wrap="square" lIns="45719" rIns="45719">
             <a:spAutoFit/>
           </a:bodyPr>
           <a:lstStyle/>
@@ -4435,19 +4529,8 @@
               </a:defRPr>
             </a:pPr>
             <a:r>
+              <a:rPr dirty="0"/>
               <a:t>Thanks</a:t>
-            </a:r>
-            <a:r>
-              <a:t> </a:t>
-            </a:r>
-            <a:r>
-              <a:t>&amp;</a:t>
-            </a:r>
-            <a:r>
-              <a:t> </a:t>
-            </a:r>
-            <a:r>
-              <a:t>Q/A</a:t>
             </a:r>
           </a:p>
         </p:txBody>
@@ -4457,12 +4540,12 @@
   <p:clrMapOvr>
     <a:masterClrMapping/>
   </p:clrMapOvr>
-  <p:transition xmlns:p14="http://schemas.microsoft.com/office/powerpoint/2010/main" spd="med" advClick="1"/>
+  <p:transition spd="med"/>
 </p:sld>
 </file>
 
 <file path=ppt/slides/slide2.xml><?xml version="1.0" encoding="utf-8"?>
-<p:sld xmlns:a="http://schemas.openxmlformats.org/drawingml/2006/main" xmlns:r="http://schemas.openxmlformats.org/officeDocument/2006/relationships" xmlns:p="http://schemas.openxmlformats.org/presentationml/2006/main" showMasterSp="1" showMasterPhAnim="1">
+<p:sld xmlns:a="http://schemas.openxmlformats.org/drawingml/2006/main" xmlns:r="http://schemas.openxmlformats.org/officeDocument/2006/relationships" xmlns:p="http://schemas.openxmlformats.org/presentationml/2006/main">
   <p:cSld>
     <p:spTree>
       <p:nvGrpSpPr>
@@ -4500,7 +4583,7 @@
           </a:ln>
           <a:extLst>
             <a:ext uri="{C572A759-6A51-4108-AA02-DFA0A04FC94B}">
-              <ma14:wrappingTextBoxFlag xmlns:ma14="http://schemas.microsoft.com/office/mac/drawingml/2011/main" val="1"/>
+              <ma14:wrappingTextBoxFlag xmlns="" xmlns:ma14="http://schemas.microsoft.com/office/mac/drawingml/2011/main" val="1"/>
             </a:ext>
           </a:extLst>
         </p:spPr>
@@ -4522,7 +4605,6 @@
             </a:lvl1pPr>
           </a:lstStyle>
           <a:p>
-            <a:pPr/>
             <a:r>
               <a:t>01</a:t>
             </a:r>
@@ -4551,7 +4633,7 @@
           </a:ln>
           <a:extLst>
             <a:ext uri="{C572A759-6A51-4108-AA02-DFA0A04FC94B}">
-              <ma14:wrappingTextBoxFlag xmlns:ma14="http://schemas.microsoft.com/office/mac/drawingml/2011/main" val="1"/>
+              <ma14:wrappingTextBoxFlag xmlns="" xmlns:ma14="http://schemas.microsoft.com/office/mac/drawingml/2011/main" val="1"/>
             </a:ext>
           </a:extLst>
         </p:spPr>
@@ -4573,7 +4655,6 @@
             </a:lvl1pPr>
           </a:lstStyle>
           <a:p>
-            <a:pPr/>
             <a:r>
               <a:t>02</a:t>
             </a:r>
@@ -4602,7 +4683,7 @@
           </a:ln>
           <a:extLst>
             <a:ext uri="{C572A759-6A51-4108-AA02-DFA0A04FC94B}">
-              <ma14:wrappingTextBoxFlag xmlns:ma14="http://schemas.microsoft.com/office/mac/drawingml/2011/main" val="1"/>
+              <ma14:wrappingTextBoxFlag xmlns="" xmlns:ma14="http://schemas.microsoft.com/office/mac/drawingml/2011/main" val="1"/>
             </a:ext>
           </a:extLst>
         </p:spPr>
@@ -4624,7 +4705,6 @@
             </a:lvl1pPr>
           </a:lstStyle>
           <a:p>
-            <a:pPr/>
             <a:r>
               <a:t>03</a:t>
             </a:r>
@@ -4639,8 +4719,8 @@
         </p:nvSpPr>
         <p:spPr>
           <a:xfrm>
-            <a:off x="4609393" y="2172548"/>
-            <a:ext cx="3937570" cy="726441"/>
+            <a:off x="4609392" y="2172548"/>
+            <a:ext cx="4877507" cy="812530"/>
           </a:xfrm>
           <a:prstGeom prst="rect">
             <a:avLst/>
@@ -4650,7 +4730,64 @@
           </a:ln>
           <a:extLst>
             <a:ext uri="{C572A759-6A51-4108-AA02-DFA0A04FC94B}">
-              <ma14:wrappingTextBoxFlag xmlns:ma14="http://schemas.microsoft.com/office/mac/drawingml/2011/main" val="1"/>
+              <ma14:wrappingTextBoxFlag xmlns="" xmlns:ma14="http://schemas.microsoft.com/office/mac/drawingml/2011/main" val="1"/>
+            </a:ext>
+          </a:extLst>
+        </p:spPr>
+        <p:txBody>
+          <a:bodyPr wrap="square" lIns="45719" rIns="45719">
+            <a:spAutoFit/>
+          </a:bodyPr>
+          <a:lstStyle>
+            <a:lvl1pPr>
+              <a:lnSpc>
+                <a:spcPct val="130000"/>
+              </a:lnSpc>
+              <a:defRPr sz="3600" b="1">
+                <a:latin typeface="微软雅黑"/>
+                <a:ea typeface="微软雅黑"/>
+                <a:cs typeface="微软雅黑"/>
+                <a:sym typeface="微软雅黑"/>
+              </a:defRPr>
+            </a:lvl1pPr>
+          </a:lstStyle>
+          <a:p>
+            <a:r>
+              <a:rPr dirty="0" err="1"/>
+              <a:t>什么是</a:t>
+            </a:r>
+            <a:r>
+              <a:rPr dirty="0"/>
+              <a:t> </a:t>
+            </a:r>
+            <a:r>
+              <a:rPr dirty="0" err="1"/>
+              <a:t>TypeScript</a:t>
+            </a:r>
+            <a:endParaRPr dirty="0"/>
+          </a:p>
+        </p:txBody>
+      </p:sp>
+      <p:sp>
+        <p:nvSpPr>
+          <p:cNvPr id="139" name="文本框 16"/>
+          <p:cNvSpPr txBox="1"/>
+          <p:nvPr/>
+        </p:nvSpPr>
+        <p:spPr>
+          <a:xfrm>
+            <a:off x="4603453" y="4789323"/>
+            <a:ext cx="5591100" cy="726441"/>
+          </a:xfrm>
+          <a:prstGeom prst="rect">
+            <a:avLst/>
+          </a:prstGeom>
+          <a:ln w="12700">
+            <a:miter lim="400000"/>
+          </a:ln>
+          <a:extLst>
+            <a:ext uri="{C572A759-6A51-4108-AA02-DFA0A04FC94B}">
+              <ma14:wrappingTextBoxFlag xmlns="" xmlns:ma14="http://schemas.microsoft.com/office/mac/drawingml/2011/main" val="1"/>
             </a:ext>
           </a:extLst>
         </p:spPr>
@@ -4663,7 +4800,7 @@
               <a:lnSpc>
                 <a:spcPct val="130000"/>
               </a:lnSpc>
-              <a:defRPr b="1" sz="3600">
+              <a:defRPr sz="3600" b="1">
                 <a:latin typeface="微软雅黑"/>
                 <a:ea typeface="微软雅黑"/>
                 <a:cs typeface="微软雅黑"/>
@@ -4672,23 +4809,22 @@
             </a:lvl1pPr>
           </a:lstStyle>
           <a:p>
-            <a:pPr/>
-            <a:r>
-              <a:t>什么是 TypeScript</a:t>
+            <a:r>
+              <a:t>TypeScript 语法简单介绍</a:t>
             </a:r>
           </a:p>
         </p:txBody>
       </p:sp>
       <p:sp>
         <p:nvSpPr>
-          <p:cNvPr id="139" name="文本框 16"/>
+          <p:cNvPr id="140" name="文本框 16"/>
           <p:cNvSpPr txBox="1"/>
           <p:nvPr/>
         </p:nvSpPr>
         <p:spPr>
           <a:xfrm>
-            <a:off x="4603453" y="4789323"/>
-            <a:ext cx="5591100" cy="726441"/>
+            <a:off x="4603453" y="3486035"/>
+            <a:ext cx="5015681" cy="726441"/>
           </a:xfrm>
           <a:prstGeom prst="rect">
             <a:avLst/>
@@ -4698,7 +4834,7 @@
           </a:ln>
           <a:extLst>
             <a:ext uri="{C572A759-6A51-4108-AA02-DFA0A04FC94B}">
-              <ma14:wrappingTextBoxFlag xmlns:ma14="http://schemas.microsoft.com/office/mac/drawingml/2011/main" val="1"/>
+              <ma14:wrappingTextBoxFlag xmlns="" xmlns:ma14="http://schemas.microsoft.com/office/mac/drawingml/2011/main" val="1"/>
             </a:ext>
           </a:extLst>
         </p:spPr>
@@ -4711,7 +4847,7 @@
               <a:lnSpc>
                 <a:spcPct val="130000"/>
               </a:lnSpc>
-              <a:defRPr b="1" sz="3600">
+              <a:defRPr sz="3600" b="1">
                 <a:latin typeface="微软雅黑"/>
                 <a:ea typeface="微软雅黑"/>
                 <a:cs typeface="微软雅黑"/>
@@ -4720,58 +4856,19 @@
             </a:lvl1pPr>
           </a:lstStyle>
           <a:p>
-            <a:pPr/>
-            <a:r>
-              <a:t>TypeScript 语法简单介绍</a:t>
-            </a:r>
-          </a:p>
-        </p:txBody>
-      </p:sp>
-      <p:sp>
-        <p:nvSpPr>
-          <p:cNvPr id="140" name="文本框 16"/>
-          <p:cNvSpPr txBox="1"/>
-          <p:nvPr/>
-        </p:nvSpPr>
-        <p:spPr>
-          <a:xfrm>
-            <a:off x="4603453" y="3486035"/>
-            <a:ext cx="5015681" cy="726441"/>
-          </a:xfrm>
-          <a:prstGeom prst="rect">
-            <a:avLst/>
-          </a:prstGeom>
-          <a:ln w="12700">
-            <a:miter lim="400000"/>
-          </a:ln>
-          <a:extLst>
-            <a:ext uri="{C572A759-6A51-4108-AA02-DFA0A04FC94B}">
-              <ma14:wrappingTextBoxFlag xmlns:ma14="http://schemas.microsoft.com/office/mac/drawingml/2011/main" val="1"/>
-            </a:ext>
-          </a:extLst>
-        </p:spPr>
-        <p:txBody>
-          <a:bodyPr lIns="45719" rIns="45719">
-            <a:spAutoFit/>
-          </a:bodyPr>
-          <a:lstStyle>
-            <a:lvl1pPr>
-              <a:lnSpc>
-                <a:spcPct val="130000"/>
-              </a:lnSpc>
-              <a:defRPr b="1" sz="3600">
-                <a:latin typeface="微软雅黑"/>
-                <a:ea typeface="微软雅黑"/>
-                <a:cs typeface="微软雅黑"/>
-                <a:sym typeface="微软雅黑"/>
-              </a:defRPr>
-            </a:lvl1pPr>
-          </a:lstStyle>
-          <a:p>
-            <a:pPr/>
-            <a:r>
-              <a:t>为什么选择 TypeScript</a:t>
-            </a:r>
+            <a:r>
+              <a:rPr dirty="0" err="1"/>
+              <a:t>为什么选择</a:t>
+            </a:r>
+            <a:r>
+              <a:rPr dirty="0"/>
+              <a:t> </a:t>
+            </a:r>
+            <a:r>
+              <a:rPr dirty="0" err="1"/>
+              <a:t>TypeScript</a:t>
+            </a:r>
+            <a:endParaRPr dirty="0"/>
           </a:p>
         </p:txBody>
       </p:sp>
@@ -4797,7 +4894,7 @@
           </a:ln>
           <a:extLst>
             <a:ext uri="{C572A759-6A51-4108-AA02-DFA0A04FC94B}">
-              <ma14:wrappingTextBoxFlag xmlns:ma14="http://schemas.microsoft.com/office/mac/drawingml/2011/main" val="1"/>
+              <ma14:wrappingTextBoxFlag xmlns="" xmlns:ma14="http://schemas.microsoft.com/office/mac/drawingml/2011/main" val="1"/>
             </a:ext>
           </a:extLst>
         </p:spPr>
@@ -4819,7 +4916,6 @@
             </a:lvl1pPr>
           </a:lstStyle>
           <a:p>
-            <a:pPr/>
             <a:r>
               <a:t>04</a:t>
             </a:r>
@@ -4845,7 +4941,7 @@
           </a:ln>
           <a:extLst>
             <a:ext uri="{C572A759-6A51-4108-AA02-DFA0A04FC94B}">
-              <ma14:wrappingTextBoxFlag xmlns:ma14="http://schemas.microsoft.com/office/mac/drawingml/2011/main" val="1"/>
+              <ma14:wrappingTextBoxFlag xmlns="" xmlns:ma14="http://schemas.microsoft.com/office/mac/drawingml/2011/main" val="1"/>
             </a:ext>
           </a:extLst>
         </p:spPr>
@@ -4858,7 +4954,7 @@
               <a:lnSpc>
                 <a:spcPct val="130000"/>
               </a:lnSpc>
-              <a:defRPr b="1" sz="3600">
+              <a:defRPr sz="3600" b="1">
                 <a:latin typeface="微软雅黑"/>
                 <a:ea typeface="微软雅黑"/>
                 <a:cs typeface="微软雅黑"/>
@@ -4867,7 +4963,6 @@
             </a:lvl1pPr>
           </a:lstStyle>
           <a:p>
-            <a:pPr/>
             <a:r>
               <a:t>TypeScript + VSCode + Vue</a:t>
             </a:r>
@@ -4879,13 +4974,13 @@
   <p:clrMapOvr>
     <a:masterClrMapping/>
   </p:clrMapOvr>
-  <mc:AlternateContent xmlns:mc="http://schemas.openxmlformats.org/markup-compatibility/2006">
-    <mc:Choice xmlns:p14="http://schemas.microsoft.com/office/powerpoint/2010/main" Requires="p14">
-      <p:transition spd="fast" advClick="1" p14:dur="500">
+  <mc:AlternateContent xmlns:mc="http://schemas.openxmlformats.org/markup-compatibility/2006" xmlns:p14="http://schemas.microsoft.com/office/powerpoint/2010/main">
+    <mc:Choice Requires="p14">
+      <p:transition>
         <p:dissolve/>
       </p:transition>
     </mc:Choice>
-    <mc:Fallback>
+    <mc:Fallback xmlns="">
       <p:transition spd="fast">
         <p:fade/>
       </p:transition>
@@ -4895,7 +4990,7 @@
 </file>
 
 <file path=ppt/slides/slide3.xml><?xml version="1.0" encoding="utf-8"?>
-<p:sld xmlns:a="http://schemas.openxmlformats.org/drawingml/2006/main" xmlns:r="http://schemas.openxmlformats.org/officeDocument/2006/relationships" xmlns:p="http://schemas.openxmlformats.org/presentationml/2006/main" showMasterSp="1" showMasterPhAnim="1">
+<p:sld xmlns:a="http://schemas.openxmlformats.org/drawingml/2006/main" xmlns:r="http://schemas.openxmlformats.org/officeDocument/2006/relationships" xmlns:p="http://schemas.openxmlformats.org/presentationml/2006/main">
   <p:cSld>
     <p:spTree>
       <p:nvGrpSpPr>
@@ -4930,7 +5025,7 @@
           </a:ln>
           <a:extLst>
             <a:ext uri="{C572A759-6A51-4108-AA02-DFA0A04FC94B}">
-              <ma14:wrappingTextBoxFlag xmlns:ma14="http://schemas.microsoft.com/office/mac/drawingml/2011/main" val="1"/>
+              <ma14:wrappingTextBoxFlag xmlns="" xmlns:ma14="http://schemas.microsoft.com/office/mac/drawingml/2011/main" val="1"/>
             </a:ext>
           </a:extLst>
         </p:spPr>
@@ -4952,7 +5047,6 @@
             </a:lvl1pPr>
           </a:lstStyle>
           <a:p>
-            <a:pPr/>
             <a:r>
               <a:t>01</a:t>
             </a:r>
@@ -4978,7 +5072,7 @@
           </a:ln>
           <a:extLst>
             <a:ext uri="{C572A759-6A51-4108-AA02-DFA0A04FC94B}">
-              <ma14:wrappingTextBoxFlag xmlns:ma14="http://schemas.microsoft.com/office/mac/drawingml/2011/main" val="1"/>
+              <ma14:wrappingTextBoxFlag xmlns="" xmlns:ma14="http://schemas.microsoft.com/office/mac/drawingml/2011/main" val="1"/>
             </a:ext>
           </a:extLst>
         </p:spPr>
@@ -5000,7 +5094,6 @@
             </a:lvl1pPr>
           </a:lstStyle>
           <a:p>
-            <a:pPr/>
             <a:r>
               <a:t>什么是 TypeScript</a:t>
             </a:r>
@@ -5012,13 +5105,13 @@
   <p:clrMapOvr>
     <a:masterClrMapping/>
   </p:clrMapOvr>
-  <mc:AlternateContent xmlns:mc="http://schemas.openxmlformats.org/markup-compatibility/2006">
-    <mc:Choice xmlns:p14="http://schemas.microsoft.com/office/powerpoint/2010/main" Requires="p14">
-      <p:transition spd="fast" advClick="1" p14:dur="500">
+  <mc:AlternateContent xmlns:mc="http://schemas.openxmlformats.org/markup-compatibility/2006" xmlns:p14="http://schemas.microsoft.com/office/powerpoint/2010/main">
+    <mc:Choice Requires="p14">
+      <p:transition>
         <p:dissolve/>
       </p:transition>
     </mc:Choice>
-    <mc:Fallback>
+    <mc:Fallback xmlns="">
       <p:transition spd="fast">
         <p:fade/>
       </p:transition>
@@ -5028,7 +5121,7 @@
 </file>
 
 <file path=ppt/slides/slide4.xml><?xml version="1.0" encoding="utf-8"?>
-<p:sld xmlns:a="http://schemas.openxmlformats.org/drawingml/2006/main" xmlns:r="http://schemas.openxmlformats.org/officeDocument/2006/relationships" xmlns:p="http://schemas.openxmlformats.org/presentationml/2006/main" showMasterSp="1" showMasterPhAnim="1">
+<p:sld xmlns:a="http://schemas.openxmlformats.org/drawingml/2006/main" xmlns:r="http://schemas.openxmlformats.org/officeDocument/2006/relationships" xmlns:p="http://schemas.openxmlformats.org/presentationml/2006/main">
   <p:cSld>
     <p:spTree>
       <p:nvGrpSpPr>
@@ -5063,7 +5156,7 @@
           </a:ln>
           <a:extLst>
             <a:ext uri="{C572A759-6A51-4108-AA02-DFA0A04FC94B}">
-              <ma14:wrappingTextBoxFlag xmlns:ma14="http://schemas.microsoft.com/office/mac/drawingml/2011/main" val="1"/>
+              <ma14:wrappingTextBoxFlag xmlns="" xmlns:ma14="http://schemas.microsoft.com/office/mac/drawingml/2011/main" val="1"/>
             </a:ext>
           </a:extLst>
         </p:spPr>
@@ -5087,13 +5180,13 @@
   <p:clrMapOvr>
     <a:masterClrMapping/>
   </p:clrMapOvr>
-  <mc:AlternateContent xmlns:mc="http://schemas.openxmlformats.org/markup-compatibility/2006">
-    <mc:Choice xmlns:p14="http://schemas.microsoft.com/office/powerpoint/2010/main" Requires="p14">
-      <p:transition spd="fast" advClick="1" p14:dur="500">
+  <mc:AlternateContent xmlns:mc="http://schemas.openxmlformats.org/markup-compatibility/2006" xmlns:p14="http://schemas.microsoft.com/office/powerpoint/2010/main">
+    <mc:Choice Requires="p14">
+      <p:transition>
         <p:dissolve/>
       </p:transition>
     </mc:Choice>
-    <mc:Fallback>
+    <mc:Fallback xmlns="">
       <p:transition spd="fast">
         <p:fade/>
       </p:transition>
@@ -5103,7 +5196,7 @@
 </file>
 
 <file path=ppt/slides/slide5.xml><?xml version="1.0" encoding="utf-8"?>
-<p:sld xmlns:a="http://schemas.openxmlformats.org/drawingml/2006/main" xmlns:r="http://schemas.openxmlformats.org/officeDocument/2006/relationships" xmlns:p="http://schemas.openxmlformats.org/presentationml/2006/main" showMasterSp="1" showMasterPhAnim="1">
+<p:sld xmlns:a="http://schemas.openxmlformats.org/drawingml/2006/main" xmlns:r="http://schemas.openxmlformats.org/officeDocument/2006/relationships" xmlns:p="http://schemas.openxmlformats.org/presentationml/2006/main">
   <p:cSld>
     <p:spTree>
       <p:nvGrpSpPr>
@@ -5153,13 +5246,13 @@
   <p:clrMapOvr>
     <a:masterClrMapping/>
   </p:clrMapOvr>
-  <mc:AlternateContent xmlns:mc="http://schemas.openxmlformats.org/markup-compatibility/2006">
-    <mc:Choice xmlns:p14="http://schemas.microsoft.com/office/powerpoint/2010/main" Requires="p14">
-      <p:transition spd="fast" advClick="1" p14:dur="500">
+  <mc:AlternateContent xmlns:mc="http://schemas.openxmlformats.org/markup-compatibility/2006" xmlns:p14="http://schemas.microsoft.com/office/powerpoint/2010/main">
+    <mc:Choice Requires="p14">
+      <p:transition>
         <p:dissolve/>
       </p:transition>
     </mc:Choice>
-    <mc:Fallback>
+    <mc:Fallback xmlns="">
       <p:transition spd="fast">
         <p:fade/>
       </p:transition>
@@ -5169,7 +5262,7 @@
 </file>
 
 <file path=ppt/slides/slide6.xml><?xml version="1.0" encoding="utf-8"?>
-<p:sld xmlns:a="http://schemas.openxmlformats.org/drawingml/2006/main" xmlns:r="http://schemas.openxmlformats.org/officeDocument/2006/relationships" xmlns:p="http://schemas.openxmlformats.org/presentationml/2006/main" showMasterSp="1" showMasterPhAnim="1">
+<p:sld xmlns:a="http://schemas.openxmlformats.org/drawingml/2006/main" xmlns:r="http://schemas.openxmlformats.org/officeDocument/2006/relationships" xmlns:p="http://schemas.openxmlformats.org/presentationml/2006/main">
   <p:cSld>
     <p:spTree>
       <p:nvGrpSpPr>
@@ -5187,14 +5280,14 @@
       </p:grpSpPr>
       <p:sp>
         <p:nvSpPr>
-          <p:cNvPr id="151" name="文本框 81"/>
+          <p:cNvPr id="144" name="文本框 81"/>
           <p:cNvSpPr txBox="1"/>
           <p:nvPr/>
         </p:nvSpPr>
         <p:spPr>
           <a:xfrm>
-            <a:off x="6120779" y="2015505"/>
-            <a:ext cx="2482611" cy="2328419"/>
+            <a:off x="4896091" y="3048000"/>
+            <a:ext cx="5112087" cy="4817619"/>
           </a:xfrm>
           <a:prstGeom prst="rect">
             <a:avLst/>
@@ -5204,7 +5297,7 @@
           </a:ln>
           <a:extLst>
             <a:ext uri="{C572A759-6A51-4108-AA02-DFA0A04FC94B}">
-              <ma14:wrappingTextBoxFlag xmlns:ma14="http://schemas.microsoft.com/office/mac/drawingml/2011/main" val="1"/>
+              <ma14:wrappingTextBoxFlag xmlns="" xmlns:ma14="http://schemas.microsoft.com/office/mac/drawingml/2011/main" val="1"/>
             </a:ext>
           </a:extLst>
         </p:spPr>
@@ -5214,7 +5307,7 @@
           </a:bodyPr>
           <a:lstStyle>
             <a:lvl1pPr>
-              <a:defRPr sz="14000">
+              <a:defRPr sz="30000">
                 <a:solidFill>
                   <a:srgbClr val="DBEEF4"/>
                 </a:solidFill>
@@ -5226,23 +5319,28 @@
             </a:lvl1pPr>
           </a:lstStyle>
           <a:p>
-            <a:pPr/>
-            <a:r>
-              <a:t>02</a:t>
-            </a:r>
+            <a:r>
+              <a:rPr dirty="0"/>
+              <a:t>0</a:t>
+            </a:r>
+            <a:r>
+              <a:rPr lang="en-US" altLang="zh-Hans" dirty="0"/>
+              <a:t>2</a:t>
+            </a:r>
+            <a:endParaRPr dirty="0"/>
           </a:p>
         </p:txBody>
       </p:sp>
       <p:sp>
         <p:nvSpPr>
-          <p:cNvPr id="152" name="标题 1"/>
+          <p:cNvPr id="145" name="Rectangle 18"/>
           <p:cNvSpPr txBox="1"/>
           <p:nvPr/>
         </p:nvSpPr>
         <p:spPr>
           <a:xfrm>
-            <a:off x="3753355" y="2631480"/>
-            <a:ext cx="7196074" cy="1096469"/>
+            <a:off x="3092406" y="4680493"/>
+            <a:ext cx="8860108" cy="2123658"/>
           </a:xfrm>
           <a:prstGeom prst="rect">
             <a:avLst/>
@@ -5252,133 +5350,63 @@
           </a:ln>
           <a:extLst>
             <a:ext uri="{C572A759-6A51-4108-AA02-DFA0A04FC94B}">
-              <ma14:wrappingTextBoxFlag xmlns:ma14="http://schemas.microsoft.com/office/mac/drawingml/2011/main" val="1"/>
+              <ma14:wrappingTextBoxFlag xmlns="" xmlns:ma14="http://schemas.microsoft.com/office/mac/drawingml/2011/main" val="1"/>
             </a:ext>
           </a:extLst>
         </p:spPr>
         <p:txBody>
-          <a:bodyPr lIns="71984" tIns="71984" rIns="71984" bIns="71984" anchor="ctr">
+          <a:bodyPr wrap="square" lIns="45719" rIns="45719">
             <a:spAutoFit/>
           </a:bodyPr>
           <a:lstStyle>
-            <a:lvl1pPr defTabSz="1439681">
-              <a:lnSpc>
-                <a:spcPct val="90000"/>
-              </a:lnSpc>
-              <a:defRPr sz="5400">
-                <a:latin typeface="Century Gothic"/>
-                <a:ea typeface="Century Gothic"/>
-                <a:cs typeface="Century Gothic"/>
-                <a:sym typeface="Century Gothic"/>
+            <a:lvl1pPr>
+              <a:defRPr sz="6600">
+                <a:solidFill>
+                  <a:srgbClr val="262626"/>
+                </a:solidFill>
+                <a:latin typeface="Microsoft YaHei"/>
+                <a:ea typeface="Microsoft YaHei"/>
+                <a:cs typeface="Microsoft YaHei"/>
+                <a:sym typeface="Microsoft YaHei"/>
               </a:defRPr>
             </a:lvl1pPr>
           </a:lstStyle>
           <a:p>
-            <a:pPr/>
-            <a:r>
-              <a:t>为什么选择 Typescript </a:t>
-            </a:r>
-          </a:p>
-        </p:txBody>
-      </p:sp>
-      <p:sp>
-        <p:nvSpPr>
-          <p:cNvPr id="153" name="对标准 JavaScript 的支持"/>
-          <p:cNvSpPr txBox="1"/>
-          <p:nvPr/>
-        </p:nvSpPr>
-        <p:spPr>
-          <a:xfrm>
-            <a:off x="4143290" y="4996179"/>
-            <a:ext cx="6416205" cy="802639"/>
-          </a:xfrm>
-          <a:prstGeom prst="rect">
-            <a:avLst/>
-          </a:prstGeom>
-          <a:ln w="12700">
-            <a:miter lim="400000"/>
-          </a:ln>
-          <a:extLst>
-            <a:ext uri="{C572A759-6A51-4108-AA02-DFA0A04FC94B}">
-              <ma14:wrappingTextBoxFlag xmlns:ma14="http://schemas.microsoft.com/office/mac/drawingml/2011/main" val="1"/>
-            </a:ext>
-          </a:extLst>
-        </p:spPr>
-        <p:txBody>
-          <a:bodyPr lIns="45718" tIns="45718" rIns="45718" bIns="45718">
-            <a:spAutoFit/>
-          </a:bodyPr>
-          <a:lstStyle>
-            <a:lvl1pPr marL="431999" indent="-431999" algn="ctr">
-              <a:buSzPct val="100000"/>
-              <a:buFont typeface="Arial"/>
-              <a:buChar char="•"/>
-              <a:defRPr sz="4000"/>
-            </a:lvl1pPr>
-          </a:lstStyle>
-          <a:p>
-            <a:pPr/>
-            <a:r>
-              <a:t>对标准 JavaScript 的支持</a:t>
-            </a:r>
-          </a:p>
-        </p:txBody>
-      </p:sp>
-      <p:sp>
-        <p:nvSpPr>
-          <p:cNvPr id="154" name="静态类型检查"/>
-          <p:cNvSpPr txBox="1"/>
-          <p:nvPr/>
-        </p:nvSpPr>
-        <p:spPr>
-          <a:xfrm>
-            <a:off x="4139257" y="6451076"/>
-            <a:ext cx="3822166" cy="802639"/>
-          </a:xfrm>
-          <a:prstGeom prst="rect">
-            <a:avLst/>
-          </a:prstGeom>
-          <a:ln w="12700">
-            <a:miter lim="400000"/>
-          </a:ln>
-          <a:extLst>
-            <a:ext uri="{C572A759-6A51-4108-AA02-DFA0A04FC94B}">
-              <ma14:wrappingTextBoxFlag xmlns:ma14="http://schemas.microsoft.com/office/mac/drawingml/2011/main" val="1"/>
-            </a:ext>
-          </a:extLst>
-        </p:spPr>
-        <p:txBody>
-          <a:bodyPr lIns="45718" tIns="45718" rIns="45718" bIns="45718">
-            <a:spAutoFit/>
-          </a:bodyPr>
-          <a:lstStyle>
-            <a:lvl1pPr marL="431999" indent="-431999" algn="ctr">
-              <a:buSzPct val="100000"/>
-              <a:buFont typeface="Arial"/>
-              <a:buChar char="•"/>
-              <a:defRPr sz="4000"/>
-            </a:lvl1pPr>
-          </a:lstStyle>
-          <a:p>
-            <a:pPr/>
-            <a:r>
-              <a:t>静态类型检查</a:t>
-            </a:r>
+            <a:r>
+              <a:rPr lang="zh-CN" altLang="en-US" dirty="0"/>
+              <a:t>为什么选择 </a:t>
+            </a:r>
+            <a:r>
+              <a:rPr lang="en-US" altLang="zh-CN" dirty="0" err="1"/>
+              <a:t>TypeScript</a:t>
+            </a:r>
+            <a:r>
+              <a:rPr lang="en-US" altLang="zh-CN" dirty="0"/>
+              <a:t> </a:t>
+            </a:r>
+          </a:p>
+          <a:p>
+            <a:endParaRPr dirty="0"/>
           </a:p>
         </p:txBody>
       </p:sp>
     </p:spTree>
+    <p:extLst>
+      <p:ext uri="{BB962C8B-B14F-4D97-AF65-F5344CB8AC3E}">
+        <p14:creationId xmlns:p14="http://schemas.microsoft.com/office/powerpoint/2010/main" val="3941948822"/>
+      </p:ext>
+    </p:extLst>
   </p:cSld>
   <p:clrMapOvr>
     <a:masterClrMapping/>
   </p:clrMapOvr>
-  <mc:AlternateContent xmlns:mc="http://schemas.openxmlformats.org/markup-compatibility/2006">
-    <mc:Choice xmlns:p14="http://schemas.microsoft.com/office/powerpoint/2010/main" Requires="p14">
-      <p:transition spd="fast" advClick="1" p14:dur="500">
+  <mc:AlternateContent xmlns:mc="http://schemas.openxmlformats.org/markup-compatibility/2006" xmlns:p14="http://schemas.microsoft.com/office/powerpoint/2010/main">
+    <mc:Choice Requires="p14">
+      <p:transition>
         <p:dissolve/>
       </p:transition>
     </mc:Choice>
-    <mc:Fallback>
+    <mc:Fallback xmlns="">
       <p:transition spd="fast">
         <p:fade/>
       </p:transition>
@@ -5388,7 +5416,7 @@
 </file>
 
 <file path=ppt/slides/slide7.xml><?xml version="1.0" encoding="utf-8"?>
-<p:sld xmlns:a="http://schemas.openxmlformats.org/drawingml/2006/main" xmlns:r="http://schemas.openxmlformats.org/officeDocument/2006/relationships" xmlns:p="http://schemas.openxmlformats.org/presentationml/2006/main" showMasterSp="1" showMasterPhAnim="1">
+<p:sld xmlns:a="http://schemas.openxmlformats.org/drawingml/2006/main" xmlns:r="http://schemas.openxmlformats.org/officeDocument/2006/relationships" xmlns:p="http://schemas.openxmlformats.org/presentationml/2006/main">
   <p:cSld>
     <p:spTree>
       <p:nvGrpSpPr>
@@ -5423,7 +5451,7 @@
           </a:ln>
           <a:extLst>
             <a:ext uri="{C572A759-6A51-4108-AA02-DFA0A04FC94B}">
-              <ma14:wrappingTextBoxFlag xmlns:ma14="http://schemas.microsoft.com/office/mac/drawingml/2011/main" val="1"/>
+              <ma14:wrappingTextBoxFlag xmlns="" xmlns:ma14="http://schemas.microsoft.com/office/mac/drawingml/2011/main" val="1"/>
             </a:ext>
           </a:extLst>
         </p:spPr>
@@ -5437,10 +5465,19 @@
             </a:lvl1pPr>
           </a:lstStyle>
           <a:p>
-            <a:pPr/>
-            <a:r>
-              <a:t>对标准 JavaScript 支持</a:t>
-            </a:r>
+            <a:r>
+              <a:rPr dirty="0" err="1"/>
+              <a:t>对标准</a:t>
+            </a:r>
+            <a:r>
+              <a:rPr dirty="0"/>
+              <a:t> JavaScript </a:t>
+            </a:r>
+            <a:r>
+              <a:rPr dirty="0" err="1"/>
+              <a:t>支持</a:t>
+            </a:r>
+            <a:endParaRPr dirty="0"/>
           </a:p>
         </p:txBody>
       </p:sp>
@@ -5463,7 +5500,7 @@
           </a:ln>
           <a:extLst>
             <a:ext uri="{C572A759-6A51-4108-AA02-DFA0A04FC94B}">
-              <ma14:wrappingTextBoxFlag xmlns:ma14="http://schemas.microsoft.com/office/mac/drawingml/2011/main" val="1"/>
+              <ma14:wrappingTextBoxFlag xmlns="" xmlns:ma14="http://schemas.microsoft.com/office/mac/drawingml/2011/main" val="1"/>
             </a:ext>
           </a:extLst>
         </p:spPr>
@@ -5501,25 +5538,7 @@
                 <a:cs typeface="Trebuchet MS"/>
                 <a:sym typeface="Trebuchet MS"/>
               </a:rPr>
-              <a:t> J</a:t>
-            </a:r>
-            <a:r>
-              <a:rPr>
-                <a:latin typeface="Trebuchet MS"/>
-                <a:ea typeface="Trebuchet MS"/>
-                <a:cs typeface="Trebuchet MS"/>
-                <a:sym typeface="Trebuchet MS"/>
-              </a:rPr>
-              <a:t>ava</a:t>
-            </a:r>
-            <a:r>
-              <a:rPr>
-                <a:latin typeface="Trebuchet MS"/>
-                <a:ea typeface="Trebuchet MS"/>
-                <a:cs typeface="Trebuchet MS"/>
-                <a:sym typeface="Trebuchet MS"/>
-              </a:rPr>
-              <a:t>Sript </a:t>
+              <a:t> JavaSript </a:t>
             </a:r>
             <a:r>
               <a:t>代码都是可行的</a:t>
@@ -5558,7 +5577,7 @@
           </a:ln>
           <a:extLst>
             <a:ext uri="{C572A759-6A51-4108-AA02-DFA0A04FC94B}">
-              <ma14:wrappingTextBoxFlag xmlns:ma14="http://schemas.microsoft.com/office/mac/drawingml/2011/main" val="1"/>
+              <ma14:wrappingTextBoxFlag xmlns="" xmlns:ma14="http://schemas.microsoft.com/office/mac/drawingml/2011/main" val="1"/>
             </a:ext>
           </a:extLst>
         </p:spPr>
@@ -5608,7 +5627,7 @@
           </a:ln>
           <a:extLst>
             <a:ext uri="{C572A759-6A51-4108-AA02-DFA0A04FC94B}">
-              <ma14:wrappingTextBoxFlag xmlns:ma14="http://schemas.microsoft.com/office/mac/drawingml/2011/main" val="1"/>
+              <ma14:wrappingTextBoxFlag xmlns="" xmlns:ma14="http://schemas.microsoft.com/office/mac/drawingml/2011/main" val="1"/>
             </a:ext>
           </a:extLst>
         </p:spPr>
@@ -5687,7 +5706,7 @@
           </a:ln>
           <a:extLst>
             <a:ext uri="{C572A759-6A51-4108-AA02-DFA0A04FC94B}">
-              <ma14:wrappingTextBoxFlag xmlns:ma14="http://schemas.microsoft.com/office/mac/drawingml/2011/main" val="1"/>
+              <ma14:wrappingTextBoxFlag xmlns="" xmlns:ma14="http://schemas.microsoft.com/office/mac/drawingml/2011/main" val="1"/>
             </a:ext>
           </a:extLst>
         </p:spPr>
@@ -5709,7 +5728,6 @@
             </a:lvl1pPr>
           </a:lstStyle>
           <a:p>
-            <a:pPr/>
             <a:r>
               <a:t>TypeScript lib =&gt; tsc + tsserver  </a:t>
             </a:r>
@@ -5721,13 +5739,13 @@
   <p:clrMapOvr>
     <a:masterClrMapping/>
   </p:clrMapOvr>
-  <mc:AlternateContent xmlns:mc="http://schemas.openxmlformats.org/markup-compatibility/2006">
-    <mc:Choice xmlns:p14="http://schemas.microsoft.com/office/powerpoint/2010/main" Requires="p14">
-      <p:transition spd="fast" advClick="1" p14:dur="500">
+  <mc:AlternateContent xmlns:mc="http://schemas.openxmlformats.org/markup-compatibility/2006" xmlns:p14="http://schemas.microsoft.com/office/powerpoint/2010/main">
+    <mc:Choice Requires="p14">
+      <p:transition>
         <p:dissolve/>
       </p:transition>
     </mc:Choice>
-    <mc:Fallback>
+    <mc:Fallback xmlns="">
       <p:transition spd="fast">
         <p:fade/>
       </p:transition>
@@ -5737,7 +5755,7 @@
 </file>
 
 <file path=ppt/slides/slide8.xml><?xml version="1.0" encoding="utf-8"?>
-<p:sld xmlns:a="http://schemas.openxmlformats.org/drawingml/2006/main" xmlns:r="http://schemas.openxmlformats.org/officeDocument/2006/relationships" xmlns:p="http://schemas.openxmlformats.org/presentationml/2006/main" showMasterSp="1" showMasterPhAnim="1">
+<p:sld xmlns:a="http://schemas.openxmlformats.org/drawingml/2006/main" xmlns:r="http://schemas.openxmlformats.org/officeDocument/2006/relationships" xmlns:p="http://schemas.openxmlformats.org/presentationml/2006/main">
   <p:cSld>
     <p:spTree>
       <p:nvGrpSpPr>
@@ -5772,7 +5790,7 @@
           </a:ln>
           <a:extLst>
             <a:ext uri="{C572A759-6A51-4108-AA02-DFA0A04FC94B}">
-              <ma14:wrappingTextBoxFlag xmlns:ma14="http://schemas.microsoft.com/office/mac/drawingml/2011/main" val="1"/>
+              <ma14:wrappingTextBoxFlag xmlns="" xmlns:ma14="http://schemas.microsoft.com/office/mac/drawingml/2011/main" val="1"/>
             </a:ext>
           </a:extLst>
         </p:spPr>
@@ -5786,7 +5804,6 @@
             </a:lvl1pPr>
           </a:lstStyle>
           <a:p>
-            <a:pPr/>
             <a:r>
               <a:t>静态类型检查</a:t>
             </a:r>
@@ -5812,7 +5829,7 @@
           </a:ln>
           <a:extLst>
             <a:ext uri="{C572A759-6A51-4108-AA02-DFA0A04FC94B}">
-              <ma14:wrappingTextBoxFlag xmlns:ma14="http://schemas.microsoft.com/office/mac/drawingml/2011/main" val="1"/>
+              <ma14:wrappingTextBoxFlag xmlns="" xmlns:ma14="http://schemas.microsoft.com/office/mac/drawingml/2011/main" val="1"/>
             </a:ext>
           </a:extLst>
         </p:spPr>
@@ -5829,7 +5846,6 @@
             </a:lvl1pPr>
           </a:lstStyle>
           <a:p>
-            <a:pPr/>
             <a:r>
               <a:t>Early fail</a:t>
             </a:r>
@@ -5855,7 +5871,7 @@
           </a:ln>
           <a:extLst>
             <a:ext uri="{C572A759-6A51-4108-AA02-DFA0A04FC94B}">
-              <ma14:wrappingTextBoxFlag xmlns:ma14="http://schemas.microsoft.com/office/mac/drawingml/2011/main" val="1"/>
+              <ma14:wrappingTextBoxFlag xmlns="" xmlns:ma14="http://schemas.microsoft.com/office/mac/drawingml/2011/main" val="1"/>
             </a:ext>
           </a:extLst>
         </p:spPr>
@@ -5872,7 +5888,6 @@
             </a:lvl1pPr>
           </a:lstStyle>
           <a:p>
-            <a:pPr/>
             <a:r>
               <a:t>Make code more readable</a:t>
             </a:r>
@@ -5884,13 +5899,13 @@
   <p:clrMapOvr>
     <a:masterClrMapping/>
   </p:clrMapOvr>
-  <mc:AlternateContent xmlns:mc="http://schemas.openxmlformats.org/markup-compatibility/2006">
-    <mc:Choice xmlns:p14="http://schemas.microsoft.com/office/powerpoint/2010/main" Requires="p14">
-      <p:transition spd="fast" advClick="1" p14:dur="500">
+  <mc:AlternateContent xmlns:mc="http://schemas.openxmlformats.org/markup-compatibility/2006" xmlns:p14="http://schemas.microsoft.com/office/powerpoint/2010/main">
+    <mc:Choice Requires="p14">
+      <p:transition>
         <p:dissolve/>
       </p:transition>
     </mc:Choice>
-    <mc:Fallback>
+    <mc:Fallback xmlns="">
       <p:transition spd="fast">
         <p:fade/>
       </p:transition>
@@ -5900,7 +5915,7 @@
 </file>
 
 <file path=ppt/slides/slide9.xml><?xml version="1.0" encoding="utf-8"?>
-<p:sld xmlns:a="http://schemas.openxmlformats.org/drawingml/2006/main" xmlns:r="http://schemas.openxmlformats.org/officeDocument/2006/relationships" xmlns:p="http://schemas.openxmlformats.org/presentationml/2006/main" showMasterSp="1" showMasterPhAnim="1">
+<p:sld xmlns:a="http://schemas.openxmlformats.org/drawingml/2006/main" xmlns:r="http://schemas.openxmlformats.org/officeDocument/2006/relationships" xmlns:p="http://schemas.openxmlformats.org/presentationml/2006/main">
   <p:cSld>
     <p:spTree>
       <p:nvGrpSpPr>
@@ -5950,13 +5965,13 @@
   <p:clrMapOvr>
     <a:masterClrMapping/>
   </p:clrMapOvr>
-  <mc:AlternateContent xmlns:mc="http://schemas.openxmlformats.org/markup-compatibility/2006">
-    <mc:Choice xmlns:p14="http://schemas.microsoft.com/office/powerpoint/2010/main" Requires="p14">
-      <p:transition spd="fast" advClick="1" p14:dur="500">
+  <mc:AlternateContent xmlns:mc="http://schemas.openxmlformats.org/markup-compatibility/2006" xmlns:p14="http://schemas.microsoft.com/office/powerpoint/2010/main">
+    <mc:Choice Requires="p14">
+      <p:transition>
         <p:dissolve/>
       </p:transition>
     </mc:Choice>
-    <mc:Fallback>
+    <mc:Fallback xmlns="">
       <p:transition spd="fast">
         <p:fade/>
       </p:transition>
@@ -5966,7 +5981,7 @@
 </file>
 
 <file path=ppt/theme/theme1.xml><?xml version="1.0" encoding="utf-8"?>
-<a:theme xmlns:a="http://schemas.openxmlformats.org/drawingml/2006/main" xmlns:r="http://schemas.openxmlformats.org/officeDocument/2006/relationships" name="White">
+<a:theme xmlns:a="http://schemas.openxmlformats.org/drawingml/2006/main" name="White">
   <a:themeElements>
     <a:clrScheme name="White">
       <a:dk1>
@@ -6092,7 +6107,7 @@
       <a:effectStyleLst>
         <a:effectStyle>
           <a:effectLst>
-            <a:outerShdw sx="100000" sy="100000" kx="0" ky="0" algn="b" rotWithShape="0" blurRad="38100" dist="23000" dir="5400000">
+            <a:outerShdw blurRad="38100" dist="23000" dir="5400000" rotWithShape="0">
               <a:srgbClr val="000000">
                 <a:alpha val="35000"/>
               </a:srgbClr>
@@ -6101,7 +6116,7 @@
         </a:effectStyle>
         <a:effectStyle>
           <a:effectLst>
-            <a:outerShdw sx="100000" sy="100000" kx="0" ky="0" algn="b" rotWithShape="0" blurRad="38100" dist="23000" dir="5400000">
+            <a:outerShdw blurRad="38100" dist="23000" dir="5400000" rotWithShape="0">
               <a:srgbClr val="000000">
                 <a:alpha val="35000"/>
               </a:srgbClr>
@@ -6110,7 +6125,7 @@
         </a:effectStyle>
         <a:effectStyle>
           <a:effectLst>
-            <a:outerShdw sx="100000" sy="100000" kx="0" ky="0" algn="b" rotWithShape="0" blurRad="38100" dist="23000" dir="5400000">
+            <a:outerShdw blurRad="38100" dist="23000" dir="5400000" rotWithShape="0">
               <a:srgbClr val="000000">
                 <a:alpha val="35000"/>
               </a:srgbClr>
@@ -6184,7 +6199,7 @@
           <a:round/>
         </a:ln>
         <a:effectLst>
-          <a:outerShdw sx="100000" sy="100000" kx="0" ky="0" algn="b" rotWithShape="0" blurRad="38100" dist="23000" dir="5400000">
+          <a:outerShdw blurRad="38100" dist="23000" dir="5400000" rotWithShape="0">
             <a:srgbClr val="000000">
               <a:alpha val="35000"/>
             </a:srgbClr>
@@ -6192,7 +6207,7 @@
         </a:effectLst>
         <a:sp3d/>
       </a:spPr>
-      <a:bodyPr rot="0" spcFirstLastPara="1" vertOverflow="overflow" horzOverflow="overflow" vert="horz" wrap="square" lIns="45718" tIns="45718" rIns="45718" bIns="45718" numCol="1" spcCol="38100" rtlCol="0" anchor="ctr" upright="0">
+      <a:bodyPr rot="0" spcFirstLastPara="1" vertOverflow="overflow" horzOverflow="overflow" vert="horz" wrap="square" lIns="45718" tIns="45718" rIns="45718" bIns="45718" numCol="1" spcCol="38100" rtlCol="0" anchor="ctr">
         <a:spAutoFit/>
       </a:bodyPr>
       <a:lstStyle>
@@ -6211,7 +6226,7 @@
           <a:buFontTx/>
           <a:buNone/>
           <a:tabLst/>
-          <a:defRPr b="0" baseline="0" cap="none" i="0" spc="0" strike="noStrike" sz="2800" u="none" kumimoji="0" normalizeH="0">
+          <a:defRPr kumimoji="0" sz="2800" b="0" i="0" u="none" strike="noStrike" cap="none" spc="0" normalizeH="0" baseline="0">
             <a:ln>
               <a:noFill/>
             </a:ln>
@@ -6241,7 +6256,7 @@
           <a:buFontTx/>
           <a:buNone/>
           <a:tabLst/>
-          <a:defRPr b="0" baseline="0" cap="none" i="0" spc="0" strike="noStrike" sz="1800" u="none" kumimoji="0" normalizeH="0">
+          <a:defRPr kumimoji="0" sz="1800" b="0" i="0" u="none" strike="noStrike" cap="none" spc="0" normalizeH="0" baseline="0">
             <a:ln>
               <a:noFill/>
             </a:ln>
@@ -6267,7 +6282,7 @@
           <a:buFontTx/>
           <a:buNone/>
           <a:tabLst/>
-          <a:defRPr b="0" baseline="0" cap="none" i="0" spc="0" strike="noStrike" sz="1800" u="none" kumimoji="0" normalizeH="0">
+          <a:defRPr kumimoji="0" sz="1800" b="0" i="0" u="none" strike="noStrike" cap="none" spc="0" normalizeH="0" baseline="0">
             <a:ln>
               <a:noFill/>
             </a:ln>
@@ -6293,7 +6308,7 @@
           <a:buFontTx/>
           <a:buNone/>
           <a:tabLst/>
-          <a:defRPr b="0" baseline="0" cap="none" i="0" spc="0" strike="noStrike" sz="1800" u="none" kumimoji="0" normalizeH="0">
+          <a:defRPr kumimoji="0" sz="1800" b="0" i="0" u="none" strike="noStrike" cap="none" spc="0" normalizeH="0" baseline="0">
             <a:ln>
               <a:noFill/>
             </a:ln>
@@ -6319,7 +6334,7 @@
           <a:buFontTx/>
           <a:buNone/>
           <a:tabLst/>
-          <a:defRPr b="0" baseline="0" cap="none" i="0" spc="0" strike="noStrike" sz="1800" u="none" kumimoji="0" normalizeH="0">
+          <a:defRPr kumimoji="0" sz="1800" b="0" i="0" u="none" strike="noStrike" cap="none" spc="0" normalizeH="0" baseline="0">
             <a:ln>
               <a:noFill/>
             </a:ln>
@@ -6345,7 +6360,7 @@
           <a:buFontTx/>
           <a:buNone/>
           <a:tabLst/>
-          <a:defRPr b="0" baseline="0" cap="none" i="0" spc="0" strike="noStrike" sz="1800" u="none" kumimoji="0" normalizeH="0">
+          <a:defRPr kumimoji="0" sz="1800" b="0" i="0" u="none" strike="noStrike" cap="none" spc="0" normalizeH="0" baseline="0">
             <a:ln>
               <a:noFill/>
             </a:ln>
@@ -6371,7 +6386,7 @@
           <a:buFontTx/>
           <a:buNone/>
           <a:tabLst/>
-          <a:defRPr b="0" baseline="0" cap="none" i="0" spc="0" strike="noStrike" sz="1800" u="none" kumimoji="0" normalizeH="0">
+          <a:defRPr kumimoji="0" sz="1800" b="0" i="0" u="none" strike="noStrike" cap="none" spc="0" normalizeH="0" baseline="0">
             <a:ln>
               <a:noFill/>
             </a:ln>
@@ -6397,7 +6412,7 @@
           <a:buFontTx/>
           <a:buNone/>
           <a:tabLst/>
-          <a:defRPr b="0" baseline="0" cap="none" i="0" spc="0" strike="noStrike" sz="1800" u="none" kumimoji="0" normalizeH="0">
+          <a:defRPr kumimoji="0" sz="1800" b="0" i="0" u="none" strike="noStrike" cap="none" spc="0" normalizeH="0" baseline="0">
             <a:ln>
               <a:noFill/>
             </a:ln>
@@ -6423,7 +6438,7 @@
           <a:buFontTx/>
           <a:buNone/>
           <a:tabLst/>
-          <a:defRPr b="0" baseline="0" cap="none" i="0" spc="0" strike="noStrike" sz="1800" u="none" kumimoji="0" normalizeH="0">
+          <a:defRPr kumimoji="0" sz="1800" b="0" i="0" u="none" strike="noStrike" cap="none" spc="0" normalizeH="0" baseline="0">
             <a:ln>
               <a:noFill/>
             </a:ln>
@@ -6449,7 +6464,7 @@
           <a:buFontTx/>
           <a:buNone/>
           <a:tabLst/>
-          <a:defRPr b="0" baseline="0" cap="none" i="0" spc="0" strike="noStrike" sz="1800" u="none" kumimoji="0" normalizeH="0">
+          <a:defRPr kumimoji="0" sz="1800" b="0" i="0" u="none" strike="noStrike" cap="none" spc="0" normalizeH="0" baseline="0">
             <a:ln>
               <a:noFill/>
             </a:ln>
@@ -6462,9 +6477,15 @@
         </a:lvl9pPr>
       </a:lstStyle>
       <a:style>
-        <a:lnRef idx="0"/>
-        <a:fillRef idx="0"/>
-        <a:effectRef idx="0"/>
+        <a:lnRef idx="0">
+          <a:scrgbClr r="0" g="0" b="0"/>
+        </a:lnRef>
+        <a:fillRef idx="0">
+          <a:scrgbClr r="0" g="0" b="0"/>
+        </a:fillRef>
+        <a:effectRef idx="0">
+          <a:scrgbClr r="0" g="0" b="0"/>
+        </a:effectRef>
         <a:fontRef idx="none"/>
       </a:style>
     </a:spDef>
@@ -6479,7 +6500,7 @@
           <a:round/>
         </a:ln>
         <a:effectLst>
-          <a:outerShdw sx="100000" sy="100000" kx="0" ky="0" algn="b" rotWithShape="0" blurRad="38100" dist="23000" dir="5400000">
+          <a:outerShdw blurRad="38100" dist="23000" dir="5400000" rotWithShape="0">
             <a:srgbClr val="000000">
               <a:alpha val="35000"/>
             </a:srgbClr>
@@ -6487,7 +6508,7 @@
         </a:effectLst>
         <a:sp3d/>
       </a:spPr>
-      <a:bodyPr rot="0" spcFirstLastPara="1" vertOverflow="overflow" horzOverflow="overflow" vert="horz" wrap="square" lIns="91439" tIns="45719" rIns="91439" bIns="45719" numCol="1" spcCol="38100" rtlCol="0" anchor="t" upright="0">
+      <a:bodyPr rot="0" spcFirstLastPara="1" vertOverflow="overflow" horzOverflow="overflow" vert="horz" wrap="square" lIns="91439" tIns="45719" rIns="91439" bIns="45719" numCol="1" spcCol="38100" rtlCol="0" anchor="t">
         <a:noAutofit/>
       </a:bodyPr>
       <a:lstStyle>
@@ -6506,7 +6527,7 @@
           <a:buFontTx/>
           <a:buNone/>
           <a:tabLst/>
-          <a:defRPr b="0" baseline="0" cap="none" i="0" spc="0" strike="noStrike" sz="1800" u="none" kumimoji="0" normalizeH="0">
+          <a:defRPr kumimoji="0" sz="1800" b="0" i="0" u="none" strike="noStrike" cap="none" spc="0" normalizeH="0" baseline="0">
             <a:ln>
               <a:noFill/>
             </a:ln>
@@ -6532,7 +6553,7 @@
           <a:buFontTx/>
           <a:buNone/>
           <a:tabLst/>
-          <a:defRPr b="0" baseline="0" cap="none" i="0" spc="0" strike="noStrike" sz="1800" u="none" kumimoji="0" normalizeH="0">
+          <a:defRPr kumimoji="0" sz="1800" b="0" i="0" u="none" strike="noStrike" cap="none" spc="0" normalizeH="0" baseline="0">
             <a:ln>
               <a:noFill/>
             </a:ln>
@@ -6558,7 +6579,7 @@
           <a:buFontTx/>
           <a:buNone/>
           <a:tabLst/>
-          <a:defRPr b="0" baseline="0" cap="none" i="0" spc="0" strike="noStrike" sz="1800" u="none" kumimoji="0" normalizeH="0">
+          <a:defRPr kumimoji="0" sz="1800" b="0" i="0" u="none" strike="noStrike" cap="none" spc="0" normalizeH="0" baseline="0">
             <a:ln>
               <a:noFill/>
             </a:ln>
@@ -6584,7 +6605,7 @@
           <a:buFontTx/>
           <a:buNone/>
           <a:tabLst/>
-          <a:defRPr b="0" baseline="0" cap="none" i="0" spc="0" strike="noStrike" sz="1800" u="none" kumimoji="0" normalizeH="0">
+          <a:defRPr kumimoji="0" sz="1800" b="0" i="0" u="none" strike="noStrike" cap="none" spc="0" normalizeH="0" baseline="0">
             <a:ln>
               <a:noFill/>
             </a:ln>
@@ -6610,7 +6631,7 @@
           <a:buFontTx/>
           <a:buNone/>
           <a:tabLst/>
-          <a:defRPr b="0" baseline="0" cap="none" i="0" spc="0" strike="noStrike" sz="1800" u="none" kumimoji="0" normalizeH="0">
+          <a:defRPr kumimoji="0" sz="1800" b="0" i="0" u="none" strike="noStrike" cap="none" spc="0" normalizeH="0" baseline="0">
             <a:ln>
               <a:noFill/>
             </a:ln>
@@ -6636,7 +6657,7 @@
           <a:buFontTx/>
           <a:buNone/>
           <a:tabLst/>
-          <a:defRPr b="0" baseline="0" cap="none" i="0" spc="0" strike="noStrike" sz="1800" u="none" kumimoji="0" normalizeH="0">
+          <a:defRPr kumimoji="0" sz="1800" b="0" i="0" u="none" strike="noStrike" cap="none" spc="0" normalizeH="0" baseline="0">
             <a:ln>
               <a:noFill/>
             </a:ln>
@@ -6662,7 +6683,7 @@
           <a:buFontTx/>
           <a:buNone/>
           <a:tabLst/>
-          <a:defRPr b="0" baseline="0" cap="none" i="0" spc="0" strike="noStrike" sz="1800" u="none" kumimoji="0" normalizeH="0">
+          <a:defRPr kumimoji="0" sz="1800" b="0" i="0" u="none" strike="noStrike" cap="none" spc="0" normalizeH="0" baseline="0">
             <a:ln>
               <a:noFill/>
             </a:ln>
@@ -6688,7 +6709,7 @@
           <a:buFontTx/>
           <a:buNone/>
           <a:tabLst/>
-          <a:defRPr b="0" baseline="0" cap="none" i="0" spc="0" strike="noStrike" sz="1800" u="none" kumimoji="0" normalizeH="0">
+          <a:defRPr kumimoji="0" sz="1800" b="0" i="0" u="none" strike="noStrike" cap="none" spc="0" normalizeH="0" baseline="0">
             <a:ln>
               <a:noFill/>
             </a:ln>
@@ -6714,7 +6735,7 @@
           <a:buFontTx/>
           <a:buNone/>
           <a:tabLst/>
-          <a:defRPr b="0" baseline="0" cap="none" i="0" spc="0" strike="noStrike" sz="1800" u="none" kumimoji="0" normalizeH="0">
+          <a:defRPr kumimoji="0" sz="1800" b="0" i="0" u="none" strike="noStrike" cap="none" spc="0" normalizeH="0" baseline="0">
             <a:ln>
               <a:noFill/>
             </a:ln>
@@ -6740,7 +6761,7 @@
           <a:buFontTx/>
           <a:buNone/>
           <a:tabLst/>
-          <a:defRPr b="0" baseline="0" cap="none" i="0" spc="0" strike="noStrike" sz="1800" u="none" kumimoji="0" normalizeH="0">
+          <a:defRPr kumimoji="0" sz="1800" b="0" i="0" u="none" strike="noStrike" cap="none" spc="0" normalizeH="0" baseline="0">
             <a:ln>
               <a:noFill/>
             </a:ln>
@@ -6753,9 +6774,15 @@
         </a:lvl9pPr>
       </a:lstStyle>
       <a:style>
-        <a:lnRef idx="0"/>
-        <a:fillRef idx="0"/>
-        <a:effectRef idx="0"/>
+        <a:lnRef idx="0">
+          <a:scrgbClr r="0" g="0" b="0"/>
+        </a:lnRef>
+        <a:fillRef idx="0">
+          <a:scrgbClr r="0" g="0" b="0"/>
+        </a:fillRef>
+        <a:effectRef idx="0">
+          <a:scrgbClr r="0" g="0" b="0"/>
+        </a:effectRef>
         <a:fontRef idx="none"/>
       </a:style>
     </a:lnDef>
@@ -6769,7 +6796,7 @@
         <a:effectLst/>
         <a:sp3d/>
       </a:spPr>
-      <a:bodyPr rot="0" spcFirstLastPara="1" vertOverflow="overflow" horzOverflow="overflow" vert="horz" wrap="square" lIns="50800" tIns="50800" rIns="50800" bIns="50800" numCol="1" spcCol="38100" rtlCol="0" anchor="ctr" upright="0">
+      <a:bodyPr rot="0" spcFirstLastPara="1" vertOverflow="overflow" horzOverflow="overflow" vert="horz" wrap="square" lIns="50800" tIns="50800" rIns="50800" bIns="50800" numCol="1" spcCol="38100" rtlCol="0" anchor="ctr">
         <a:spAutoFit/>
       </a:bodyPr>
       <a:lstStyle>
@@ -6788,7 +6815,7 @@
           <a:buFontTx/>
           <a:buNone/>
           <a:tabLst/>
-          <a:defRPr b="0" baseline="0" cap="none" i="0" spc="0" strike="noStrike" sz="2800" u="none" kumimoji="0" normalizeH="0">
+          <a:defRPr kumimoji="0" sz="2800" b="0" i="0" u="none" strike="noStrike" cap="none" spc="0" normalizeH="0" baseline="0">
             <a:ln>
               <a:noFill/>
             </a:ln>
@@ -6818,7 +6845,7 @@
           <a:buFontTx/>
           <a:buNone/>
           <a:tabLst/>
-          <a:defRPr b="0" baseline="0" cap="none" i="0" spc="0" strike="noStrike" sz="1800" u="none" kumimoji="0" normalizeH="0">
+          <a:defRPr kumimoji="0" sz="1800" b="0" i="0" u="none" strike="noStrike" cap="none" spc="0" normalizeH="0" baseline="0">
             <a:ln>
               <a:noFill/>
             </a:ln>
@@ -6844,7 +6871,7 @@
           <a:buFontTx/>
           <a:buNone/>
           <a:tabLst/>
-          <a:defRPr b="0" baseline="0" cap="none" i="0" spc="0" strike="noStrike" sz="1800" u="none" kumimoji="0" normalizeH="0">
+          <a:defRPr kumimoji="0" sz="1800" b="0" i="0" u="none" strike="noStrike" cap="none" spc="0" normalizeH="0" baseline="0">
             <a:ln>
               <a:noFill/>
             </a:ln>
@@ -6870,7 +6897,7 @@
           <a:buFontTx/>
           <a:buNone/>
           <a:tabLst/>
-          <a:defRPr b="0" baseline="0" cap="none" i="0" spc="0" strike="noStrike" sz="1800" u="none" kumimoji="0" normalizeH="0">
+          <a:defRPr kumimoji="0" sz="1800" b="0" i="0" u="none" strike="noStrike" cap="none" spc="0" normalizeH="0" baseline="0">
             <a:ln>
               <a:noFill/>
             </a:ln>
@@ -6896,7 +6923,7 @@
           <a:buFontTx/>
           <a:buNone/>
           <a:tabLst/>
-          <a:defRPr b="0" baseline="0" cap="none" i="0" spc="0" strike="noStrike" sz="1800" u="none" kumimoji="0" normalizeH="0">
+          <a:defRPr kumimoji="0" sz="1800" b="0" i="0" u="none" strike="noStrike" cap="none" spc="0" normalizeH="0" baseline="0">
             <a:ln>
               <a:noFill/>
             </a:ln>
@@ -6922,7 +6949,7 @@
           <a:buFontTx/>
           <a:buNone/>
           <a:tabLst/>
-          <a:defRPr b="0" baseline="0" cap="none" i="0" spc="0" strike="noStrike" sz="1800" u="none" kumimoji="0" normalizeH="0">
+          <a:defRPr kumimoji="0" sz="1800" b="0" i="0" u="none" strike="noStrike" cap="none" spc="0" normalizeH="0" baseline="0">
             <a:ln>
               <a:noFill/>
             </a:ln>
@@ -6948,7 +6975,7 @@
           <a:buFontTx/>
           <a:buNone/>
           <a:tabLst/>
-          <a:defRPr b="0" baseline="0" cap="none" i="0" spc="0" strike="noStrike" sz="1800" u="none" kumimoji="0" normalizeH="0">
+          <a:defRPr kumimoji="0" sz="1800" b="0" i="0" u="none" strike="noStrike" cap="none" spc="0" normalizeH="0" baseline="0">
             <a:ln>
               <a:noFill/>
             </a:ln>
@@ -6974,7 +7001,7 @@
           <a:buFontTx/>
           <a:buNone/>
           <a:tabLst/>
-          <a:defRPr b="0" baseline="0" cap="none" i="0" spc="0" strike="noStrike" sz="1800" u="none" kumimoji="0" normalizeH="0">
+          <a:defRPr kumimoji="0" sz="1800" b="0" i="0" u="none" strike="noStrike" cap="none" spc="0" normalizeH="0" baseline="0">
             <a:ln>
               <a:noFill/>
             </a:ln>
@@ -7000,7 +7027,7 @@
           <a:buFontTx/>
           <a:buNone/>
           <a:tabLst/>
-          <a:defRPr b="0" baseline="0" cap="none" i="0" spc="0" strike="noStrike" sz="1800" u="none" kumimoji="0" normalizeH="0">
+          <a:defRPr kumimoji="0" sz="1800" b="0" i="0" u="none" strike="noStrike" cap="none" spc="0" normalizeH="0" baseline="0">
             <a:ln>
               <a:noFill/>
             </a:ln>
@@ -7026,7 +7053,7 @@
           <a:buFontTx/>
           <a:buNone/>
           <a:tabLst/>
-          <a:defRPr b="0" baseline="0" cap="none" i="0" spc="0" strike="noStrike" sz="1800" u="none" kumimoji="0" normalizeH="0">
+          <a:defRPr kumimoji="0" sz="1800" b="0" i="0" u="none" strike="noStrike" cap="none" spc="0" normalizeH="0" baseline="0">
             <a:ln>
               <a:noFill/>
             </a:ln>
@@ -7039,18 +7066,25 @@
         </a:lvl9pPr>
       </a:lstStyle>
       <a:style>
-        <a:lnRef idx="0"/>
-        <a:fillRef idx="0"/>
-        <a:effectRef idx="0"/>
+        <a:lnRef idx="0">
+          <a:scrgbClr r="0" g="0" b="0"/>
+        </a:lnRef>
+        <a:fillRef idx="0">
+          <a:scrgbClr r="0" g="0" b="0"/>
+        </a:fillRef>
+        <a:effectRef idx="0">
+          <a:scrgbClr r="0" g="0" b="0"/>
+        </a:effectRef>
         <a:fontRef idx="none"/>
       </a:style>
     </a:txDef>
   </a:objectDefaults>
+  <a:extraClrSchemeLst/>
 </a:theme>
 </file>
 
 <file path=ppt/theme/theme2.xml><?xml version="1.0" encoding="utf-8"?>
-<a:theme xmlns:a="http://schemas.openxmlformats.org/drawingml/2006/main" xmlns:r="http://schemas.openxmlformats.org/officeDocument/2006/relationships" name="White">
+<a:theme xmlns:a="http://schemas.openxmlformats.org/drawingml/2006/main" name="White">
   <a:themeElements>
     <a:clrScheme name="White">
       <a:dk1>
@@ -7176,7 +7210,7 @@
       <a:effectStyleLst>
         <a:effectStyle>
           <a:effectLst>
-            <a:outerShdw sx="100000" sy="100000" kx="0" ky="0" algn="b" rotWithShape="0" blurRad="38100" dist="23000" dir="5400000">
+            <a:outerShdw blurRad="38100" dist="23000" dir="5400000" rotWithShape="0">
               <a:srgbClr val="000000">
                 <a:alpha val="35000"/>
               </a:srgbClr>
@@ -7185,7 +7219,7 @@
         </a:effectStyle>
         <a:effectStyle>
           <a:effectLst>
-            <a:outerShdw sx="100000" sy="100000" kx="0" ky="0" algn="b" rotWithShape="0" blurRad="38100" dist="23000" dir="5400000">
+            <a:outerShdw blurRad="38100" dist="23000" dir="5400000" rotWithShape="0">
               <a:srgbClr val="000000">
                 <a:alpha val="35000"/>
               </a:srgbClr>
@@ -7194,7 +7228,7 @@
         </a:effectStyle>
         <a:effectStyle>
           <a:effectLst>
-            <a:outerShdw sx="100000" sy="100000" kx="0" ky="0" algn="b" rotWithShape="0" blurRad="38100" dist="23000" dir="5400000">
+            <a:outerShdw blurRad="38100" dist="23000" dir="5400000" rotWithShape="0">
               <a:srgbClr val="000000">
                 <a:alpha val="35000"/>
               </a:srgbClr>
@@ -7268,7 +7302,7 @@
           <a:round/>
         </a:ln>
         <a:effectLst>
-          <a:outerShdw sx="100000" sy="100000" kx="0" ky="0" algn="b" rotWithShape="0" blurRad="38100" dist="23000" dir="5400000">
+          <a:outerShdw blurRad="38100" dist="23000" dir="5400000" rotWithShape="0">
             <a:srgbClr val="000000">
               <a:alpha val="35000"/>
             </a:srgbClr>
@@ -7276,7 +7310,7 @@
         </a:effectLst>
         <a:sp3d/>
       </a:spPr>
-      <a:bodyPr rot="0" spcFirstLastPara="1" vertOverflow="overflow" horzOverflow="overflow" vert="horz" wrap="square" lIns="45718" tIns="45718" rIns="45718" bIns="45718" numCol="1" spcCol="38100" rtlCol="0" anchor="ctr" upright="0">
+      <a:bodyPr rot="0" spcFirstLastPara="1" vertOverflow="overflow" horzOverflow="overflow" vert="horz" wrap="square" lIns="45718" tIns="45718" rIns="45718" bIns="45718" numCol="1" spcCol="38100" rtlCol="0" anchor="ctr">
         <a:spAutoFit/>
       </a:bodyPr>
       <a:lstStyle>
@@ -7295,7 +7329,7 @@
           <a:buFontTx/>
           <a:buNone/>
           <a:tabLst/>
-          <a:defRPr b="0" baseline="0" cap="none" i="0" spc="0" strike="noStrike" sz="2800" u="none" kumimoji="0" normalizeH="0">
+          <a:defRPr kumimoji="0" sz="2800" b="0" i="0" u="none" strike="noStrike" cap="none" spc="0" normalizeH="0" baseline="0">
             <a:ln>
               <a:noFill/>
             </a:ln>
@@ -7325,7 +7359,7 @@
           <a:buFontTx/>
           <a:buNone/>
           <a:tabLst/>
-          <a:defRPr b="0" baseline="0" cap="none" i="0" spc="0" strike="noStrike" sz="1800" u="none" kumimoji="0" normalizeH="0">
+          <a:defRPr kumimoji="0" sz="1800" b="0" i="0" u="none" strike="noStrike" cap="none" spc="0" normalizeH="0" baseline="0">
             <a:ln>
               <a:noFill/>
             </a:ln>
@@ -7351,7 +7385,7 @@
           <a:buFontTx/>
           <a:buNone/>
           <a:tabLst/>
-          <a:defRPr b="0" baseline="0" cap="none" i="0" spc="0" strike="noStrike" sz="1800" u="none" kumimoji="0" normalizeH="0">
+          <a:defRPr kumimoji="0" sz="1800" b="0" i="0" u="none" strike="noStrike" cap="none" spc="0" normalizeH="0" baseline="0">
             <a:ln>
               <a:noFill/>
             </a:ln>
@@ -7377,7 +7411,7 @@
           <a:buFontTx/>
           <a:buNone/>
           <a:tabLst/>
-          <a:defRPr b="0" baseline="0" cap="none" i="0" spc="0" strike="noStrike" sz="1800" u="none" kumimoji="0" normalizeH="0">
+          <a:defRPr kumimoji="0" sz="1800" b="0" i="0" u="none" strike="noStrike" cap="none" spc="0" normalizeH="0" baseline="0">
             <a:ln>
               <a:noFill/>
             </a:ln>
@@ -7403,7 +7437,7 @@
           <a:buFontTx/>
           <a:buNone/>
           <a:tabLst/>
-          <a:defRPr b="0" baseline="0" cap="none" i="0" spc="0" strike="noStrike" sz="1800" u="none" kumimoji="0" normalizeH="0">
+          <a:defRPr kumimoji="0" sz="1800" b="0" i="0" u="none" strike="noStrike" cap="none" spc="0" normalizeH="0" baseline="0">
             <a:ln>
               <a:noFill/>
             </a:ln>
@@ -7429,7 +7463,7 @@
           <a:buFontTx/>
           <a:buNone/>
           <a:tabLst/>
-          <a:defRPr b="0" baseline="0" cap="none" i="0" spc="0" strike="noStrike" sz="1800" u="none" kumimoji="0" normalizeH="0">
+          <a:defRPr kumimoji="0" sz="1800" b="0" i="0" u="none" strike="noStrike" cap="none" spc="0" normalizeH="0" baseline="0">
             <a:ln>
               <a:noFill/>
             </a:ln>
@@ -7455,7 +7489,7 @@
           <a:buFontTx/>
           <a:buNone/>
           <a:tabLst/>
-          <a:defRPr b="0" baseline="0" cap="none" i="0" spc="0" strike="noStrike" sz="1800" u="none" kumimoji="0" normalizeH="0">
+          <a:defRPr kumimoji="0" sz="1800" b="0" i="0" u="none" strike="noStrike" cap="none" spc="0" normalizeH="0" baseline="0">
             <a:ln>
               <a:noFill/>
             </a:ln>
@@ -7481,7 +7515,7 @@
           <a:buFontTx/>
           <a:buNone/>
           <a:tabLst/>
-          <a:defRPr b="0" baseline="0" cap="none" i="0" spc="0" strike="noStrike" sz="1800" u="none" kumimoji="0" normalizeH="0">
+          <a:defRPr kumimoji="0" sz="1800" b="0" i="0" u="none" strike="noStrike" cap="none" spc="0" normalizeH="0" baseline="0">
             <a:ln>
               <a:noFill/>
             </a:ln>
@@ -7507,7 +7541,7 @@
           <a:buFontTx/>
           <a:buNone/>
           <a:tabLst/>
-          <a:defRPr b="0" baseline="0" cap="none" i="0" spc="0" strike="noStrike" sz="1800" u="none" kumimoji="0" normalizeH="0">
+          <a:defRPr kumimoji="0" sz="1800" b="0" i="0" u="none" strike="noStrike" cap="none" spc="0" normalizeH="0" baseline="0">
             <a:ln>
               <a:noFill/>
             </a:ln>
@@ -7533,7 +7567,7 @@
           <a:buFontTx/>
           <a:buNone/>
           <a:tabLst/>
-          <a:defRPr b="0" baseline="0" cap="none" i="0" spc="0" strike="noStrike" sz="1800" u="none" kumimoji="0" normalizeH="0">
+          <a:defRPr kumimoji="0" sz="1800" b="0" i="0" u="none" strike="noStrike" cap="none" spc="0" normalizeH="0" baseline="0">
             <a:ln>
               <a:noFill/>
             </a:ln>
@@ -7546,9 +7580,15 @@
         </a:lvl9pPr>
       </a:lstStyle>
       <a:style>
-        <a:lnRef idx="0"/>
-        <a:fillRef idx="0"/>
-        <a:effectRef idx="0"/>
+        <a:lnRef idx="0">
+          <a:scrgbClr r="0" g="0" b="0"/>
+        </a:lnRef>
+        <a:fillRef idx="0">
+          <a:scrgbClr r="0" g="0" b="0"/>
+        </a:fillRef>
+        <a:effectRef idx="0">
+          <a:scrgbClr r="0" g="0" b="0"/>
+        </a:effectRef>
         <a:fontRef idx="none"/>
       </a:style>
     </a:spDef>
@@ -7563,7 +7603,7 @@
           <a:round/>
         </a:ln>
         <a:effectLst>
-          <a:outerShdw sx="100000" sy="100000" kx="0" ky="0" algn="b" rotWithShape="0" blurRad="38100" dist="23000" dir="5400000">
+          <a:outerShdw blurRad="38100" dist="23000" dir="5400000" rotWithShape="0">
             <a:srgbClr val="000000">
               <a:alpha val="35000"/>
             </a:srgbClr>
@@ -7571,7 +7611,7 @@
         </a:effectLst>
         <a:sp3d/>
       </a:spPr>
-      <a:bodyPr rot="0" spcFirstLastPara="1" vertOverflow="overflow" horzOverflow="overflow" vert="horz" wrap="square" lIns="91439" tIns="45719" rIns="91439" bIns="45719" numCol="1" spcCol="38100" rtlCol="0" anchor="t" upright="0">
+      <a:bodyPr rot="0" spcFirstLastPara="1" vertOverflow="overflow" horzOverflow="overflow" vert="horz" wrap="square" lIns="91439" tIns="45719" rIns="91439" bIns="45719" numCol="1" spcCol="38100" rtlCol="0" anchor="t">
         <a:noAutofit/>
       </a:bodyPr>
       <a:lstStyle>
@@ -7590,7 +7630,7 @@
           <a:buFontTx/>
           <a:buNone/>
           <a:tabLst/>
-          <a:defRPr b="0" baseline="0" cap="none" i="0" spc="0" strike="noStrike" sz="1800" u="none" kumimoji="0" normalizeH="0">
+          <a:defRPr kumimoji="0" sz="1800" b="0" i="0" u="none" strike="noStrike" cap="none" spc="0" normalizeH="0" baseline="0">
             <a:ln>
               <a:noFill/>
             </a:ln>
@@ -7616,7 +7656,7 @@
           <a:buFontTx/>
           <a:buNone/>
           <a:tabLst/>
-          <a:defRPr b="0" baseline="0" cap="none" i="0" spc="0" strike="noStrike" sz="1800" u="none" kumimoji="0" normalizeH="0">
+          <a:defRPr kumimoji="0" sz="1800" b="0" i="0" u="none" strike="noStrike" cap="none" spc="0" normalizeH="0" baseline="0">
             <a:ln>
               <a:noFill/>
             </a:ln>
@@ -7642,7 +7682,7 @@
           <a:buFontTx/>
           <a:buNone/>
           <a:tabLst/>
-          <a:defRPr b="0" baseline="0" cap="none" i="0" spc="0" strike="noStrike" sz="1800" u="none" kumimoji="0" normalizeH="0">
+          <a:defRPr kumimoji="0" sz="1800" b="0" i="0" u="none" strike="noStrike" cap="none" spc="0" normalizeH="0" baseline="0">
             <a:ln>
               <a:noFill/>
             </a:ln>
@@ -7668,7 +7708,7 @@
           <a:buFontTx/>
           <a:buNone/>
           <a:tabLst/>
-          <a:defRPr b="0" baseline="0" cap="none" i="0" spc="0" strike="noStrike" sz="1800" u="none" kumimoji="0" normalizeH="0">
+          <a:defRPr kumimoji="0" sz="1800" b="0" i="0" u="none" strike="noStrike" cap="none" spc="0" normalizeH="0" baseline="0">
             <a:ln>
               <a:noFill/>
             </a:ln>
@@ -7694,7 +7734,7 @@
           <a:buFontTx/>
           <a:buNone/>
           <a:tabLst/>
-          <a:defRPr b="0" baseline="0" cap="none" i="0" spc="0" strike="noStrike" sz="1800" u="none" kumimoji="0" normalizeH="0">
+          <a:defRPr kumimoji="0" sz="1800" b="0" i="0" u="none" strike="noStrike" cap="none" spc="0" normalizeH="0" baseline="0">
             <a:ln>
               <a:noFill/>
             </a:ln>
@@ -7720,7 +7760,7 @@
           <a:buFontTx/>
           <a:buNone/>
           <a:tabLst/>
-          <a:defRPr b="0" baseline="0" cap="none" i="0" spc="0" strike="noStrike" sz="1800" u="none" kumimoji="0" normalizeH="0">
+          <a:defRPr kumimoji="0" sz="1800" b="0" i="0" u="none" strike="noStrike" cap="none" spc="0" normalizeH="0" baseline="0">
             <a:ln>
               <a:noFill/>
             </a:ln>
@@ -7746,7 +7786,7 @@
           <a:buFontTx/>
           <a:buNone/>
           <a:tabLst/>
-          <a:defRPr b="0" baseline="0" cap="none" i="0" spc="0" strike="noStrike" sz="1800" u="none" kumimoji="0" normalizeH="0">
+          <a:defRPr kumimoji="0" sz="1800" b="0" i="0" u="none" strike="noStrike" cap="none" spc="0" normalizeH="0" baseline="0">
             <a:ln>
               <a:noFill/>
             </a:ln>
@@ -7772,7 +7812,7 @@
           <a:buFontTx/>
           <a:buNone/>
           <a:tabLst/>
-          <a:defRPr b="0" baseline="0" cap="none" i="0" spc="0" strike="noStrike" sz="1800" u="none" kumimoji="0" normalizeH="0">
+          <a:defRPr kumimoji="0" sz="1800" b="0" i="0" u="none" strike="noStrike" cap="none" spc="0" normalizeH="0" baseline="0">
             <a:ln>
               <a:noFill/>
             </a:ln>
@@ -7798,7 +7838,7 @@
           <a:buFontTx/>
           <a:buNone/>
           <a:tabLst/>
-          <a:defRPr b="0" baseline="0" cap="none" i="0" spc="0" strike="noStrike" sz="1800" u="none" kumimoji="0" normalizeH="0">
+          <a:defRPr kumimoji="0" sz="1800" b="0" i="0" u="none" strike="noStrike" cap="none" spc="0" normalizeH="0" baseline="0">
             <a:ln>
               <a:noFill/>
             </a:ln>
@@ -7824,7 +7864,7 @@
           <a:buFontTx/>
           <a:buNone/>
           <a:tabLst/>
-          <a:defRPr b="0" baseline="0" cap="none" i="0" spc="0" strike="noStrike" sz="1800" u="none" kumimoji="0" normalizeH="0">
+          <a:defRPr kumimoji="0" sz="1800" b="0" i="0" u="none" strike="noStrike" cap="none" spc="0" normalizeH="0" baseline="0">
             <a:ln>
               <a:noFill/>
             </a:ln>
@@ -7837,9 +7877,15 @@
         </a:lvl9pPr>
       </a:lstStyle>
       <a:style>
-        <a:lnRef idx="0"/>
-        <a:fillRef idx="0"/>
-        <a:effectRef idx="0"/>
+        <a:lnRef idx="0">
+          <a:scrgbClr r="0" g="0" b="0"/>
+        </a:lnRef>
+        <a:fillRef idx="0">
+          <a:scrgbClr r="0" g="0" b="0"/>
+        </a:fillRef>
+        <a:effectRef idx="0">
+          <a:scrgbClr r="0" g="0" b="0"/>
+        </a:effectRef>
         <a:fontRef idx="none"/>
       </a:style>
     </a:lnDef>
@@ -7853,7 +7899,7 @@
         <a:effectLst/>
         <a:sp3d/>
       </a:spPr>
-      <a:bodyPr rot="0" spcFirstLastPara="1" vertOverflow="overflow" horzOverflow="overflow" vert="horz" wrap="square" lIns="50800" tIns="50800" rIns="50800" bIns="50800" numCol="1" spcCol="38100" rtlCol="0" anchor="ctr" upright="0">
+      <a:bodyPr rot="0" spcFirstLastPara="1" vertOverflow="overflow" horzOverflow="overflow" vert="horz" wrap="square" lIns="50800" tIns="50800" rIns="50800" bIns="50800" numCol="1" spcCol="38100" rtlCol="0" anchor="ctr">
         <a:spAutoFit/>
       </a:bodyPr>
       <a:lstStyle>
@@ -7872,7 +7918,7 @@
           <a:buFontTx/>
           <a:buNone/>
           <a:tabLst/>
-          <a:defRPr b="0" baseline="0" cap="none" i="0" spc="0" strike="noStrike" sz="2800" u="none" kumimoji="0" normalizeH="0">
+          <a:defRPr kumimoji="0" sz="2800" b="0" i="0" u="none" strike="noStrike" cap="none" spc="0" normalizeH="0" baseline="0">
             <a:ln>
               <a:noFill/>
             </a:ln>
@@ -7902,7 +7948,7 @@
           <a:buFontTx/>
           <a:buNone/>
           <a:tabLst/>
-          <a:defRPr b="0" baseline="0" cap="none" i="0" spc="0" strike="noStrike" sz="1800" u="none" kumimoji="0" normalizeH="0">
+          <a:defRPr kumimoji="0" sz="1800" b="0" i="0" u="none" strike="noStrike" cap="none" spc="0" normalizeH="0" baseline="0">
             <a:ln>
               <a:noFill/>
             </a:ln>
@@ -7928,7 +7974,7 @@
           <a:buFontTx/>
           <a:buNone/>
           <a:tabLst/>
-          <a:defRPr b="0" baseline="0" cap="none" i="0" spc="0" strike="noStrike" sz="1800" u="none" kumimoji="0" normalizeH="0">
+          <a:defRPr kumimoji="0" sz="1800" b="0" i="0" u="none" strike="noStrike" cap="none" spc="0" normalizeH="0" baseline="0">
             <a:ln>
               <a:noFill/>
             </a:ln>
@@ -7954,7 +8000,7 @@
           <a:buFontTx/>
           <a:buNone/>
           <a:tabLst/>
-          <a:defRPr b="0" baseline="0" cap="none" i="0" spc="0" strike="noStrike" sz="1800" u="none" kumimoji="0" normalizeH="0">
+          <a:defRPr kumimoji="0" sz="1800" b="0" i="0" u="none" strike="noStrike" cap="none" spc="0" normalizeH="0" baseline="0">
             <a:ln>
               <a:noFill/>
             </a:ln>
@@ -7980,7 +8026,7 @@
           <a:buFontTx/>
           <a:buNone/>
           <a:tabLst/>
-          <a:defRPr b="0" baseline="0" cap="none" i="0" spc="0" strike="noStrike" sz="1800" u="none" kumimoji="0" normalizeH="0">
+          <a:defRPr kumimoji="0" sz="1800" b="0" i="0" u="none" strike="noStrike" cap="none" spc="0" normalizeH="0" baseline="0">
             <a:ln>
               <a:noFill/>
             </a:ln>
@@ -8006,7 +8052,7 @@
           <a:buFontTx/>
           <a:buNone/>
           <a:tabLst/>
-          <a:defRPr b="0" baseline="0" cap="none" i="0" spc="0" strike="noStrike" sz="1800" u="none" kumimoji="0" normalizeH="0">
+          <a:defRPr kumimoji="0" sz="1800" b="0" i="0" u="none" strike="noStrike" cap="none" spc="0" normalizeH="0" baseline="0">
             <a:ln>
               <a:noFill/>
             </a:ln>
@@ -8032,7 +8078,7 @@
           <a:buFontTx/>
           <a:buNone/>
           <a:tabLst/>
-          <a:defRPr b="0" baseline="0" cap="none" i="0" spc="0" strike="noStrike" sz="1800" u="none" kumimoji="0" normalizeH="0">
+          <a:defRPr kumimoji="0" sz="1800" b="0" i="0" u="none" strike="noStrike" cap="none" spc="0" normalizeH="0" baseline="0">
             <a:ln>
               <a:noFill/>
             </a:ln>
@@ -8058,7 +8104,7 @@
           <a:buFontTx/>
           <a:buNone/>
           <a:tabLst/>
-          <a:defRPr b="0" baseline="0" cap="none" i="0" spc="0" strike="noStrike" sz="1800" u="none" kumimoji="0" normalizeH="0">
+          <a:defRPr kumimoji="0" sz="1800" b="0" i="0" u="none" strike="noStrike" cap="none" spc="0" normalizeH="0" baseline="0">
             <a:ln>
               <a:noFill/>
             </a:ln>
@@ -8084,7 +8130,7 @@
           <a:buFontTx/>
           <a:buNone/>
           <a:tabLst/>
-          <a:defRPr b="0" baseline="0" cap="none" i="0" spc="0" strike="noStrike" sz="1800" u="none" kumimoji="0" normalizeH="0">
+          <a:defRPr kumimoji="0" sz="1800" b="0" i="0" u="none" strike="noStrike" cap="none" spc="0" normalizeH="0" baseline="0">
             <a:ln>
               <a:noFill/>
             </a:ln>
@@ -8110,7 +8156,7 @@
           <a:buFontTx/>
           <a:buNone/>
           <a:tabLst/>
-          <a:defRPr b="0" baseline="0" cap="none" i="0" spc="0" strike="noStrike" sz="1800" u="none" kumimoji="0" normalizeH="0">
+          <a:defRPr kumimoji="0" sz="1800" b="0" i="0" u="none" strike="noStrike" cap="none" spc="0" normalizeH="0" baseline="0">
             <a:ln>
               <a:noFill/>
             </a:ln>
@@ -8123,12 +8169,19 @@
         </a:lvl9pPr>
       </a:lstStyle>
       <a:style>
-        <a:lnRef idx="0"/>
-        <a:fillRef idx="0"/>
-        <a:effectRef idx="0"/>
+        <a:lnRef idx="0">
+          <a:scrgbClr r="0" g="0" b="0"/>
+        </a:lnRef>
+        <a:fillRef idx="0">
+          <a:scrgbClr r="0" g="0" b="0"/>
+        </a:fillRef>
+        <a:effectRef idx="0">
+          <a:scrgbClr r="0" g="0" b="0"/>
+        </a:effectRef>
         <a:fontRef idx="none"/>
       </a:style>
     </a:txDef>
   </a:objectDefaults>
+  <a:extraClrSchemeLst/>
 </a:theme>
 </file>
--- a/ppt/typescript1.pptx
+++ b/ppt/typescript1.pptx
@@ -2,30 +2,31 @@
 <file path=ppt/presentation.xml><?xml version="1.0" encoding="utf-8"?>
 <p:presentation xmlns:a="http://schemas.openxmlformats.org/drawingml/2006/main" xmlns:r="http://schemas.openxmlformats.org/officeDocument/2006/relationships" xmlns:p="http://schemas.openxmlformats.org/presentationml/2006/main">
   <p:sldMasterIdLst>
-    <p:sldMasterId id="2147483648" r:id="rId1"/>
+    <p:sldMasterId id="2147483648" r:id="rId5"/>
   </p:sldMasterIdLst>
   <p:notesMasterIdLst>
-    <p:notesMasterId r:id="rId20"/>
+    <p:notesMasterId r:id="rId7"/>
   </p:notesMasterIdLst>
   <p:sldIdLst>
-    <p:sldId id="256" r:id="rId2"/>
-    <p:sldId id="257" r:id="rId3"/>
-    <p:sldId id="258" r:id="rId4"/>
-    <p:sldId id="259" r:id="rId5"/>
-    <p:sldId id="260" r:id="rId6"/>
-    <p:sldId id="274" r:id="rId7"/>
-    <p:sldId id="262" r:id="rId8"/>
-    <p:sldId id="263" r:id="rId9"/>
-    <p:sldId id="264" r:id="rId10"/>
-    <p:sldId id="265" r:id="rId11"/>
-    <p:sldId id="266" r:id="rId12"/>
-    <p:sldId id="267" r:id="rId13"/>
-    <p:sldId id="268" r:id="rId14"/>
-    <p:sldId id="269" r:id="rId15"/>
-    <p:sldId id="270" r:id="rId16"/>
-    <p:sldId id="271" r:id="rId17"/>
-    <p:sldId id="272" r:id="rId18"/>
-    <p:sldId id="273" r:id="rId19"/>
+    <p:sldId id="256" r:id="rId8"/>
+    <p:sldId id="257" r:id="rId9"/>
+    <p:sldId id="258" r:id="rId10"/>
+    <p:sldId id="259" r:id="rId11"/>
+    <p:sldId id="260" r:id="rId12"/>
+    <p:sldId id="261" r:id="rId13"/>
+    <p:sldId id="262" r:id="rId14"/>
+    <p:sldId id="263" r:id="rId15"/>
+    <p:sldId id="264" r:id="rId16"/>
+    <p:sldId id="265" r:id="rId17"/>
+    <p:sldId id="266" r:id="rId18"/>
+    <p:sldId id="267" r:id="rId19"/>
+    <p:sldId id="268" r:id="rId20"/>
+    <p:sldId id="269" r:id="rId21"/>
+    <p:sldId id="270" r:id="rId22"/>
+    <p:sldId id="271" r:id="rId23"/>
+    <p:sldId id="272" r:id="rId24"/>
+    <p:sldId id="273" r:id="rId25"/>
+    <p:sldId id="274" r:id="rId26"/>
   </p:sldIdLst>
   <p:sldSz cx="14401800" cy="10795000"/>
   <p:notesSz cx="6858000" cy="9144000"/>
@@ -45,7 +46,7 @@
       <a:buFontTx/>
       <a:buNone/>
       <a:tabLst/>
-      <a:defRPr kumimoji="0" sz="1800" b="0" i="0" u="none" strike="noStrike" cap="none" spc="0" normalizeH="0" baseline="0">
+      <a:defRPr b="0" baseline="0" cap="none" i="0" spc="0" strike="noStrike" sz="1800" u="none" kumimoji="0" normalizeH="0">
         <a:ln>
           <a:noFill/>
         </a:ln>
@@ -71,7 +72,7 @@
       <a:buFontTx/>
       <a:buNone/>
       <a:tabLst/>
-      <a:defRPr kumimoji="0" sz="2800" b="0" i="0" u="none" strike="noStrike" cap="none" spc="0" normalizeH="0" baseline="0">
+      <a:defRPr b="0" baseline="0" cap="none" i="0" spc="0" strike="noStrike" sz="2800" u="none" kumimoji="0" normalizeH="0">
         <a:ln>
           <a:noFill/>
         </a:ln>
@@ -101,7 +102,7 @@
       <a:buFontTx/>
       <a:buNone/>
       <a:tabLst/>
-      <a:defRPr kumimoji="0" sz="2800" b="0" i="0" u="none" strike="noStrike" cap="none" spc="0" normalizeH="0" baseline="0">
+      <a:defRPr b="0" baseline="0" cap="none" i="0" spc="0" strike="noStrike" sz="2800" u="none" kumimoji="0" normalizeH="0">
         <a:ln>
           <a:noFill/>
         </a:ln>
@@ -131,7 +132,7 @@
       <a:buFontTx/>
       <a:buNone/>
       <a:tabLst/>
-      <a:defRPr kumimoji="0" sz="2800" b="0" i="0" u="none" strike="noStrike" cap="none" spc="0" normalizeH="0" baseline="0">
+      <a:defRPr b="0" baseline="0" cap="none" i="0" spc="0" strike="noStrike" sz="2800" u="none" kumimoji="0" normalizeH="0">
         <a:ln>
           <a:noFill/>
         </a:ln>
@@ -161,7 +162,7 @@
       <a:buFontTx/>
       <a:buNone/>
       <a:tabLst/>
-      <a:defRPr kumimoji="0" sz="2800" b="0" i="0" u="none" strike="noStrike" cap="none" spc="0" normalizeH="0" baseline="0">
+      <a:defRPr b="0" baseline="0" cap="none" i="0" spc="0" strike="noStrike" sz="2800" u="none" kumimoji="0" normalizeH="0">
         <a:ln>
           <a:noFill/>
         </a:ln>
@@ -191,7 +192,7 @@
       <a:buFontTx/>
       <a:buNone/>
       <a:tabLst/>
-      <a:defRPr kumimoji="0" sz="2800" b="0" i="0" u="none" strike="noStrike" cap="none" spc="0" normalizeH="0" baseline="0">
+      <a:defRPr b="0" baseline="0" cap="none" i="0" spc="0" strike="noStrike" sz="2800" u="none" kumimoji="0" normalizeH="0">
         <a:ln>
           <a:noFill/>
         </a:ln>
@@ -221,7 +222,7 @@
       <a:buFontTx/>
       <a:buNone/>
       <a:tabLst/>
-      <a:defRPr kumimoji="0" sz="2800" b="0" i="0" u="none" strike="noStrike" cap="none" spc="0" normalizeH="0" baseline="0">
+      <a:defRPr b="0" baseline="0" cap="none" i="0" spc="0" strike="noStrike" sz="2800" u="none" kumimoji="0" normalizeH="0">
         <a:ln>
           <a:noFill/>
         </a:ln>
@@ -251,7 +252,7 @@
       <a:buFontTx/>
       <a:buNone/>
       <a:tabLst/>
-      <a:defRPr kumimoji="0" sz="2800" b="0" i="0" u="none" strike="noStrike" cap="none" spc="0" normalizeH="0" baseline="0">
+      <a:defRPr b="0" baseline="0" cap="none" i="0" spc="0" strike="noStrike" sz="2800" u="none" kumimoji="0" normalizeH="0">
         <a:ln>
           <a:noFill/>
         </a:ln>
@@ -281,7 +282,7 @@
       <a:buFontTx/>
       <a:buNone/>
       <a:tabLst/>
-      <a:defRPr kumimoji="0" sz="2800" b="0" i="0" u="none" strike="noStrike" cap="none" spc="0" normalizeH="0" baseline="0">
+      <a:defRPr b="0" baseline="0" cap="none" i="0" spc="0" strike="noStrike" sz="2800" u="none" kumimoji="0" normalizeH="0">
         <a:ln>
           <a:noFill/>
         </a:ln>
@@ -311,7 +312,7 @@
       <a:buFontTx/>
       <a:buNone/>
       <a:tabLst/>
-      <a:defRPr kumimoji="0" sz="2800" b="0" i="0" u="none" strike="noStrike" cap="none" spc="0" normalizeH="0" baseline="0">
+      <a:defRPr b="0" baseline="0" cap="none" i="0" spc="0" strike="noStrike" sz="2800" u="none" kumimoji="0" normalizeH="0">
         <a:ln>
           <a:noFill/>
         </a:ln>
@@ -327,22 +328,16 @@
       </a:defRPr>
     </a:lvl9pPr>
   </p:defaultTextStyle>
-  <p:extLst>
-    <p:ext uri="{EFAFB233-063F-42B5-8137-9DF3F51BA10A}">
-      <p15:sldGuideLst xmlns:p15="http://schemas.microsoft.com/office/powerpoint/2012/main"/>
-    </p:ext>
-  </p:extLst>
 </p:presentation>
+</file>
+
+<file path=ppt/commentAuthors.xml><?xml version="1.0" encoding="utf-8"?>
+<p:cmAuthorLst xmlns:a="http://schemas.openxmlformats.org/drawingml/2006/main" xmlns:r="http://schemas.openxmlformats.org/officeDocument/2006/relationships" xmlns:p="http://schemas.openxmlformats.org/presentationml/2006/main"/>
 </file>
 
 <file path=ppt/notesMasters/notesMaster1.xml><?xml version="1.0" encoding="utf-8"?>
 <p:notesMaster xmlns:a="http://schemas.openxmlformats.org/drawingml/2006/main" xmlns:r="http://schemas.openxmlformats.org/officeDocument/2006/relationships" xmlns:p="http://schemas.openxmlformats.org/presentationml/2006/main">
   <p:cSld>
-    <p:bg>
-      <p:bgRef idx="1001">
-        <a:schemeClr val="bg1"/>
-      </p:bgRef>
-    </p:bg>
     <p:spTree>
       <p:nvGrpSpPr>
         <p:cNvPr id="1" name=""/>
@@ -360,9 +355,7 @@
       <p:sp>
         <p:nvSpPr>
           <p:cNvPr id="129" name="Shape 129"/>
-          <p:cNvSpPr>
-            <a:spLocks noGrp="1" noRot="1" noChangeAspect="1"/>
-          </p:cNvSpPr>
+          <p:cNvSpPr/>
           <p:nvPr>
             <p:ph type="sldImg"/>
           </p:nvPr>
@@ -380,16 +373,14 @@
           <a:bodyPr/>
           <a:lstStyle/>
           <a:p>
-            <a:endParaRPr/>
+            <a:pPr/>
           </a:p>
         </p:txBody>
       </p:sp>
       <p:sp>
         <p:nvSpPr>
           <p:cNvPr id="130" name="Shape 130"/>
-          <p:cNvSpPr>
-            <a:spLocks noGrp="1"/>
-          </p:cNvSpPr>
+          <p:cNvSpPr/>
           <p:nvPr>
             <p:ph type="body" sz="quarter" idx="1"/>
           </p:nvPr>
@@ -407,7 +398,7 @@
           <a:bodyPr/>
           <a:lstStyle/>
           <a:p>
-            <a:endParaRPr/>
+            <a:pPr/>
           </a:p>
         </p:txBody>
       </p:sp>
@@ -492,7 +483,7 @@
 </file>
 
 <file path=ppt/slideLayouts/slideLayout1.xml><?xml version="1.0" encoding="utf-8"?>
-<p:sldLayout xmlns:a="http://schemas.openxmlformats.org/drawingml/2006/main" xmlns:r="http://schemas.openxmlformats.org/officeDocument/2006/relationships" xmlns:p="http://schemas.openxmlformats.org/presentationml/2006/main" type="title">
+<p:sldLayout xmlns:a="http://schemas.openxmlformats.org/drawingml/2006/main" xmlns:r="http://schemas.openxmlformats.org/officeDocument/2006/relationships" xmlns:p="http://schemas.openxmlformats.org/presentationml/2006/main" type="title" showMasterSp="1" showMasterPhAnim="1">
   <p:cSld name="標題投影片">
     <p:spTree>
       <p:nvGrpSpPr>
@@ -540,9 +531,7 @@
       <p:sp>
         <p:nvSpPr>
           <p:cNvPr id="12" name="标题文本"/>
-          <p:cNvSpPr txBox="1">
-            <a:spLocks noGrp="1"/>
-          </p:cNvSpPr>
+          <p:cNvSpPr txBox="1"/>
           <p:nvPr>
             <p:ph type="title"/>
           </p:nvPr>
@@ -560,6 +549,7 @@
           <a:bodyPr/>
           <a:lstStyle/>
           <a:p>
+            <a:pPr/>
             <a:r>
               <a:t>标题文本</a:t>
             </a:r>
@@ -569,9 +559,7 @@
       <p:sp>
         <p:nvSpPr>
           <p:cNvPr id="13" name="正文级别 1…"/>
-          <p:cNvSpPr txBox="1">
-            <a:spLocks noGrp="1"/>
-          </p:cNvSpPr>
+          <p:cNvSpPr txBox="1"/>
           <p:nvPr>
             <p:ph type="body" sz="quarter" idx="1"/>
           </p:nvPr>
@@ -579,7 +567,7 @@
         <p:spPr>
           <a:xfrm>
             <a:off x="2160270" y="6119864"/>
-            <a:ext cx="10081260" cy="2759942"/>
+            <a:ext cx="10081260" cy="2759943"/>
           </a:xfrm>
           <a:prstGeom prst="rect">
             <a:avLst/>
@@ -640,6 +628,7 @@
             </a:lvl5pPr>
           </a:lstStyle>
           <a:p>
+            <a:pPr/>
             <a:r>
               <a:t>正文级别 1</a:t>
             </a:r>
@@ -673,9 +662,7 @@
       <p:sp>
         <p:nvSpPr>
           <p:cNvPr id="14" name="幻灯片编号"/>
-          <p:cNvSpPr txBox="1">
-            <a:spLocks noGrp="1"/>
-          </p:cNvSpPr>
+          <p:cNvSpPr txBox="1"/>
           <p:nvPr>
             <p:ph type="sldNum" sz="quarter" idx="2"/>
           </p:nvPr>
@@ -689,10 +676,8 @@
           <a:bodyPr/>
           <a:lstStyle/>
           <a:p>
-            <a:fld id="{86CB4B4D-7CA3-9044-876B-883B54F8677D}" type="slidenum">
-              <a:t>‹#›</a:t>
-            </a:fld>
-            <a:endParaRPr/>
+            <a:pPr/>
+            <a:fld id="{86CB4B4D-7CA3-9044-876B-883B54F8677D}" type="slidenum"/>
           </a:p>
         </p:txBody>
       </p:sp>
@@ -701,12 +686,12 @@
   <p:clrMapOvr>
     <a:masterClrMapping/>
   </p:clrMapOvr>
-  <p:transition spd="med"/>
+  <p:transition xmlns:p14="http://schemas.microsoft.com/office/powerpoint/2010/main" spd="med" advClick="1"/>
 </p:sldLayout>
 </file>
 
 <file path=ppt/slideLayouts/slideLayout10.xml><?xml version="1.0" encoding="utf-8"?>
-<p:sldLayout xmlns:a="http://schemas.openxmlformats.org/drawingml/2006/main" xmlns:r="http://schemas.openxmlformats.org/officeDocument/2006/relationships" xmlns:p="http://schemas.openxmlformats.org/presentationml/2006/main" type="tx">
+<p:sldLayout xmlns:a="http://schemas.openxmlformats.org/drawingml/2006/main" xmlns:r="http://schemas.openxmlformats.org/officeDocument/2006/relationships" xmlns:p="http://schemas.openxmlformats.org/presentationml/2006/main" type="tx" showMasterSp="1" showMasterPhAnim="1">
   <p:cSld name="標題及直排文字">
     <p:spTree>
       <p:nvGrpSpPr>
@@ -725,9 +710,7 @@
       <p:sp>
         <p:nvSpPr>
           <p:cNvPr id="93" name="标题文本"/>
-          <p:cNvSpPr txBox="1">
-            <a:spLocks noGrp="1"/>
-          </p:cNvSpPr>
+          <p:cNvSpPr txBox="1"/>
           <p:nvPr>
             <p:ph type="title"/>
           </p:nvPr>
@@ -741,6 +724,7 @@
           <a:bodyPr/>
           <a:lstStyle/>
           <a:p>
+            <a:pPr/>
             <a:r>
               <a:t>标题文本</a:t>
             </a:r>
@@ -750,9 +734,7 @@
       <p:sp>
         <p:nvSpPr>
           <p:cNvPr id="94" name="正文级别 1…"/>
-          <p:cNvSpPr txBox="1">
-            <a:spLocks noGrp="1"/>
-          </p:cNvSpPr>
+          <p:cNvSpPr txBox="1"/>
           <p:nvPr>
             <p:ph type="body" idx="1"/>
           </p:nvPr>
@@ -766,6 +748,7 @@
           <a:bodyPr/>
           <a:lstStyle/>
           <a:p>
+            <a:pPr/>
             <a:r>
               <a:t>正文级别 1</a:t>
             </a:r>
@@ -799,9 +782,7 @@
       <p:sp>
         <p:nvSpPr>
           <p:cNvPr id="95" name="幻灯片编号"/>
-          <p:cNvSpPr txBox="1">
-            <a:spLocks noGrp="1"/>
-          </p:cNvSpPr>
+          <p:cNvSpPr txBox="1"/>
           <p:nvPr>
             <p:ph type="sldNum" sz="quarter" idx="2"/>
           </p:nvPr>
@@ -815,10 +796,8 @@
           <a:bodyPr/>
           <a:lstStyle/>
           <a:p>
-            <a:fld id="{86CB4B4D-7CA3-9044-876B-883B54F8677D}" type="slidenum">
-              <a:t>‹#›</a:t>
-            </a:fld>
-            <a:endParaRPr/>
+            <a:pPr/>
+            <a:fld id="{86CB4B4D-7CA3-9044-876B-883B54F8677D}" type="slidenum"/>
           </a:p>
         </p:txBody>
       </p:sp>
@@ -827,12 +806,12 @@
   <p:clrMapOvr>
     <a:masterClrMapping/>
   </p:clrMapOvr>
-  <p:transition spd="med"/>
+  <p:transition xmlns:p14="http://schemas.microsoft.com/office/powerpoint/2010/main" spd="med" advClick="1"/>
 </p:sldLayout>
 </file>
 
 <file path=ppt/slideLayouts/slideLayout11.xml><?xml version="1.0" encoding="utf-8"?>
-<p:sldLayout xmlns:a="http://schemas.openxmlformats.org/drawingml/2006/main" xmlns:r="http://schemas.openxmlformats.org/officeDocument/2006/relationships" xmlns:p="http://schemas.openxmlformats.org/presentationml/2006/main" type="tx">
+<p:sldLayout xmlns:a="http://schemas.openxmlformats.org/drawingml/2006/main" xmlns:r="http://schemas.openxmlformats.org/officeDocument/2006/relationships" xmlns:p="http://schemas.openxmlformats.org/presentationml/2006/main" type="tx" showMasterSp="1" showMasterPhAnim="1">
   <p:cSld name="直排標題及文字">
     <p:spTree>
       <p:nvGrpSpPr>
@@ -851,9 +830,7 @@
       <p:sp>
         <p:nvSpPr>
           <p:cNvPr id="102" name="标题文本"/>
-          <p:cNvSpPr txBox="1">
-            <a:spLocks noGrp="1"/>
-          </p:cNvSpPr>
+          <p:cNvSpPr txBox="1"/>
           <p:nvPr>
             <p:ph type="title"/>
           </p:nvPr>
@@ -861,7 +838,7 @@
         <p:spPr>
           <a:xfrm>
             <a:off x="10441305" y="432492"/>
-            <a:ext cx="3240407" cy="9214799"/>
+            <a:ext cx="3240408" cy="9214799"/>
           </a:xfrm>
           <a:prstGeom prst="rect">
             <a:avLst/>
@@ -871,6 +848,7 @@
           <a:bodyPr/>
           <a:lstStyle/>
           <a:p>
+            <a:pPr/>
             <a:r>
               <a:t>标题文本</a:t>
             </a:r>
@@ -880,9 +858,7 @@
       <p:sp>
         <p:nvSpPr>
           <p:cNvPr id="103" name="正文级别 1…"/>
-          <p:cNvSpPr txBox="1">
-            <a:spLocks noGrp="1"/>
-          </p:cNvSpPr>
+          <p:cNvSpPr txBox="1"/>
           <p:nvPr>
             <p:ph type="body" idx="1"/>
           </p:nvPr>
@@ -900,6 +876,7 @@
           <a:bodyPr/>
           <a:lstStyle/>
           <a:p>
+            <a:pPr/>
             <a:r>
               <a:t>正文级别 1</a:t>
             </a:r>
@@ -933,9 +910,7 @@
       <p:sp>
         <p:nvSpPr>
           <p:cNvPr id="104" name="幻灯片编号"/>
-          <p:cNvSpPr txBox="1">
-            <a:spLocks noGrp="1"/>
-          </p:cNvSpPr>
+          <p:cNvSpPr txBox="1"/>
           <p:nvPr>
             <p:ph type="sldNum" sz="quarter" idx="2"/>
           </p:nvPr>
@@ -949,10 +924,8 @@
           <a:bodyPr/>
           <a:lstStyle/>
           <a:p>
-            <a:fld id="{86CB4B4D-7CA3-9044-876B-883B54F8677D}" type="slidenum">
-              <a:t>‹#›</a:t>
-            </a:fld>
-            <a:endParaRPr/>
+            <a:pPr/>
+            <a:fld id="{86CB4B4D-7CA3-9044-876B-883B54F8677D}" type="slidenum"/>
           </a:p>
         </p:txBody>
       </p:sp>
@@ -961,12 +934,12 @@
   <p:clrMapOvr>
     <a:masterClrMapping/>
   </p:clrMapOvr>
-  <p:transition spd="med"/>
+  <p:transition xmlns:p14="http://schemas.microsoft.com/office/powerpoint/2010/main" spd="med" advClick="1"/>
 </p:sldLayout>
 </file>
 
 <file path=ppt/slideLayouts/slideLayout12.xml><?xml version="1.0" encoding="utf-8"?>
-<p:sldLayout xmlns:a="http://schemas.openxmlformats.org/drawingml/2006/main" xmlns:r="http://schemas.openxmlformats.org/officeDocument/2006/relationships" xmlns:p="http://schemas.openxmlformats.org/presentationml/2006/main" type="tx">
+<p:sldLayout xmlns:a="http://schemas.openxmlformats.org/drawingml/2006/main" xmlns:r="http://schemas.openxmlformats.org/officeDocument/2006/relationships" xmlns:p="http://schemas.openxmlformats.org/presentationml/2006/main" type="tx" showMasterSp="1" showMasterPhAnim="1">
   <p:cSld name="標題投影片">
     <p:spTree>
       <p:nvGrpSpPr>
@@ -985,9 +958,7 @@
       <p:sp>
         <p:nvSpPr>
           <p:cNvPr id="111" name="标题文本"/>
-          <p:cNvSpPr txBox="1">
-            <a:spLocks noGrp="1"/>
-          </p:cNvSpPr>
+          <p:cNvSpPr txBox="1"/>
           <p:nvPr>
             <p:ph type="title"/>
           </p:nvPr>
@@ -995,16 +966,16 @@
         <p:spPr>
           <a:xfrm>
             <a:off x="1080135" y="3354927"/>
-            <a:ext cx="12241531" cy="2314950"/>
+            <a:ext cx="12241532" cy="2314950"/>
           </a:xfrm>
           <a:prstGeom prst="rect">
             <a:avLst/>
           </a:prstGeom>
         </p:spPr>
         <p:txBody>
-          <a:bodyPr lIns="45719" tIns="45719" rIns="45719" bIns="45719"/>
+          <a:bodyPr lIns="45718" tIns="45718" rIns="45718" bIns="45718"/>
           <a:lstStyle>
-            <a:lvl1pPr defTabSz="1439996">
+            <a:lvl1pPr>
               <a:defRPr>
                 <a:latin typeface="微軟正黑體"/>
                 <a:ea typeface="微軟正黑體"/>
@@ -1014,6 +985,7 @@
             </a:lvl1pPr>
           </a:lstStyle>
           <a:p>
+            <a:pPr/>
             <a:r>
               <a:t>标题文本</a:t>
             </a:r>
@@ -1023,26 +995,24 @@
       <p:sp>
         <p:nvSpPr>
           <p:cNvPr id="112" name="正文级别 1…"/>
-          <p:cNvSpPr txBox="1">
-            <a:spLocks noGrp="1"/>
-          </p:cNvSpPr>
+          <p:cNvSpPr txBox="1"/>
           <p:nvPr>
             <p:ph type="body" sz="quarter" idx="1"/>
           </p:nvPr>
         </p:nvSpPr>
         <p:spPr>
           <a:xfrm>
-            <a:off x="2160270" y="6119865"/>
-            <a:ext cx="10081260" cy="2759941"/>
+            <a:off x="2160270" y="6119864"/>
+            <a:ext cx="10081260" cy="2759942"/>
           </a:xfrm>
           <a:prstGeom prst="rect">
             <a:avLst/>
           </a:prstGeom>
         </p:spPr>
         <p:txBody>
-          <a:bodyPr lIns="45719" tIns="45719" rIns="45719" bIns="45719"/>
+          <a:bodyPr lIns="45718" tIns="45718" rIns="45718" bIns="45718"/>
           <a:lstStyle>
-            <a:lvl1pPr marL="0" indent="0" algn="ctr" defTabSz="1439996">
+            <a:lvl1pPr marL="0" indent="0" algn="ctr">
               <a:buSzTx/>
               <a:buFontTx/>
               <a:buNone/>
@@ -1056,7 +1026,7 @@
                 <a:sym typeface="微軟正黑體"/>
               </a:defRPr>
             </a:lvl1pPr>
-            <a:lvl2pPr marL="0" indent="719998" algn="ctr" defTabSz="1439996">
+            <a:lvl2pPr marL="0" indent="0" algn="ctr">
               <a:buSzTx/>
               <a:buFontTx/>
               <a:buNone/>
@@ -1070,7 +1040,7 @@
                 <a:sym typeface="微軟正黑體"/>
               </a:defRPr>
             </a:lvl2pPr>
-            <a:lvl3pPr marL="0" indent="1439996" algn="ctr" defTabSz="1439996">
+            <a:lvl3pPr marL="0" indent="0" algn="ctr">
               <a:buSzTx/>
               <a:buFontTx/>
               <a:buNone/>
@@ -1084,7 +1054,7 @@
                 <a:sym typeface="微軟正黑體"/>
               </a:defRPr>
             </a:lvl3pPr>
-            <a:lvl4pPr marL="0" indent="2159996" algn="ctr" defTabSz="1439996">
+            <a:lvl4pPr marL="0" indent="0" algn="ctr">
               <a:buSzTx/>
               <a:buFontTx/>
               <a:buNone/>
@@ -1098,7 +1068,7 @@
                 <a:sym typeface="微軟正黑體"/>
               </a:defRPr>
             </a:lvl4pPr>
-            <a:lvl5pPr marL="0" indent="2879993" algn="ctr" defTabSz="1439996">
+            <a:lvl5pPr marL="0" indent="0" algn="ctr">
               <a:buSzTx/>
               <a:buFontTx/>
               <a:buNone/>
@@ -1114,6 +1084,7 @@
             </a:lvl5pPr>
           </a:lstStyle>
           <a:p>
+            <a:pPr/>
             <a:r>
               <a:t>正文级别 1</a:t>
             </a:r>
@@ -1162,8 +1133,8 @@
         </p:blipFill>
         <p:spPr>
           <a:xfrm>
-            <a:off x="-57180" y="297065"/>
-            <a:ext cx="2948402" cy="537310"/>
+            <a:off x="-57181" y="297065"/>
+            <a:ext cx="2948404" cy="537310"/>
           </a:xfrm>
           <a:prstGeom prst="rect">
             <a:avLst/>
@@ -1176,24 +1147,22 @@
       <p:sp>
         <p:nvSpPr>
           <p:cNvPr id="114" name="幻灯片编号"/>
-          <p:cNvSpPr txBox="1">
-            <a:spLocks noGrp="1"/>
-          </p:cNvSpPr>
+          <p:cNvSpPr txBox="1"/>
           <p:nvPr>
             <p:ph type="sldNum" sz="quarter" idx="2"/>
           </p:nvPr>
         </p:nvSpPr>
         <p:spPr>
           <a:xfrm>
-            <a:off x="13337808" y="10118204"/>
-            <a:ext cx="343903" cy="358141"/>
+            <a:off x="13337810" y="10118205"/>
+            <a:ext cx="343901" cy="358139"/>
           </a:xfrm>
           <a:prstGeom prst="rect">
             <a:avLst/>
           </a:prstGeom>
         </p:spPr>
         <p:txBody>
-          <a:bodyPr lIns="45719" tIns="45719" rIns="45719" bIns="45719"/>
+          <a:bodyPr lIns="45718" tIns="45718" rIns="45718" bIns="45718"/>
           <a:lstStyle>
             <a:lvl1pPr>
               <a:defRPr>
@@ -1205,10 +1174,8 @@
             </a:lvl1pPr>
           </a:lstStyle>
           <a:p>
-            <a:fld id="{86CB4B4D-7CA3-9044-876B-883B54F8677D}" type="slidenum">
-              <a:t>‹#›</a:t>
-            </a:fld>
-            <a:endParaRPr/>
+            <a:pPr/>
+            <a:fld id="{86CB4B4D-7CA3-9044-876B-883B54F8677D}" type="slidenum"/>
           </a:p>
         </p:txBody>
       </p:sp>
@@ -1217,12 +1184,12 @@
   <p:clrMapOvr>
     <a:masterClrMapping/>
   </p:clrMapOvr>
-  <p:transition spd="med"/>
+  <p:transition xmlns:p14="http://schemas.microsoft.com/office/powerpoint/2010/main" spd="med" advClick="1"/>
 </p:sldLayout>
 </file>
 
 <file path=ppt/slideLayouts/slideLayout13.xml><?xml version="1.0" encoding="utf-8"?>
-<p:sldLayout xmlns:a="http://schemas.openxmlformats.org/drawingml/2006/main" xmlns:r="http://schemas.openxmlformats.org/officeDocument/2006/relationships" xmlns:p="http://schemas.openxmlformats.org/presentationml/2006/main" type="tx">
+<p:sldLayout xmlns:a="http://schemas.openxmlformats.org/drawingml/2006/main" xmlns:r="http://schemas.openxmlformats.org/officeDocument/2006/relationships" xmlns:p="http://schemas.openxmlformats.org/presentationml/2006/main" type="tx" showMasterSp="1" showMasterPhAnim="1">
   <p:cSld name="標題及物件">
     <p:spTree>
       <p:nvGrpSpPr>
@@ -1241,26 +1208,24 @@
       <p:sp>
         <p:nvSpPr>
           <p:cNvPr id="121" name="标题文本"/>
-          <p:cNvSpPr txBox="1">
-            <a:spLocks noGrp="1"/>
-          </p:cNvSpPr>
+          <p:cNvSpPr txBox="1"/>
           <p:nvPr>
             <p:ph type="title"/>
           </p:nvPr>
         </p:nvSpPr>
         <p:spPr>
           <a:xfrm>
-            <a:off x="720090" y="432490"/>
-            <a:ext cx="12961620" cy="1799963"/>
+            <a:off x="720090" y="432489"/>
+            <a:ext cx="12961620" cy="1799964"/>
           </a:xfrm>
           <a:prstGeom prst="rect">
             <a:avLst/>
           </a:prstGeom>
         </p:spPr>
         <p:txBody>
-          <a:bodyPr lIns="45719" tIns="45719" rIns="45719" bIns="45719"/>
+          <a:bodyPr lIns="45718" tIns="45718" rIns="45718" bIns="45718"/>
           <a:lstStyle>
-            <a:lvl1pPr defTabSz="1439996">
+            <a:lvl1pPr>
               <a:defRPr>
                 <a:latin typeface="微軟正黑體"/>
                 <a:ea typeface="微軟正黑體"/>
@@ -1270,6 +1235,7 @@
             </a:lvl1pPr>
           </a:lstStyle>
           <a:p>
+            <a:pPr/>
             <a:r>
               <a:t>标题文本</a:t>
             </a:r>
@@ -1279,9 +1245,7 @@
       <p:sp>
         <p:nvSpPr>
           <p:cNvPr id="122" name="正文级别 1…"/>
-          <p:cNvSpPr txBox="1">
-            <a:spLocks noGrp="1"/>
-          </p:cNvSpPr>
+          <p:cNvSpPr txBox="1"/>
           <p:nvPr>
             <p:ph type="body" idx="1"/>
           </p:nvPr>
@@ -1289,16 +1253,16 @@
         <p:spPr>
           <a:xfrm>
             <a:off x="720090" y="2519945"/>
-            <a:ext cx="12961620" cy="7127346"/>
+            <a:ext cx="12961620" cy="7127347"/>
           </a:xfrm>
           <a:prstGeom prst="rect">
             <a:avLst/>
           </a:prstGeom>
         </p:spPr>
         <p:txBody>
-          <a:bodyPr lIns="45719" tIns="45719" rIns="45719" bIns="45719"/>
+          <a:bodyPr lIns="45718" tIns="45718" rIns="45718" bIns="45718"/>
           <a:lstStyle>
-            <a:lvl1pPr defTabSz="1439996">
+            <a:lvl1pPr>
               <a:defRPr>
                 <a:latin typeface="微軟正黑體"/>
                 <a:ea typeface="微軟正黑體"/>
@@ -1306,7 +1270,7 @@
                 <a:sym typeface="微軟正黑體"/>
               </a:defRPr>
             </a:lvl1pPr>
-            <a:lvl2pPr marL="1231361" indent="-511362" defTabSz="1439996">
+            <a:lvl2pPr marL="1231360">
               <a:defRPr>
                 <a:latin typeface="微軟正黑體"/>
                 <a:ea typeface="微軟正黑體"/>
@@ -1314,7 +1278,7 @@
                 <a:sym typeface="微軟正黑體"/>
               </a:defRPr>
             </a:lvl2pPr>
-            <a:lvl3pPr indent="-486485" defTabSz="1439996">
+            <a:lvl3pPr indent="-486485">
               <a:defRPr>
                 <a:latin typeface="微軟正黑體"/>
                 <a:ea typeface="微軟正黑體"/>
@@ -1322,7 +1286,7 @@
                 <a:sym typeface="微軟正黑體"/>
               </a:defRPr>
             </a:lvl3pPr>
-            <a:lvl4pPr marL="2740639" indent="-580643" defTabSz="1439996">
+            <a:lvl4pPr marL="2740638">
               <a:defRPr>
                 <a:latin typeface="微軟正黑體"/>
                 <a:ea typeface="微軟正黑體"/>
@@ -1330,7 +1294,7 @@
                 <a:sym typeface="微軟正黑體"/>
               </a:defRPr>
             </a:lvl4pPr>
-            <a:lvl5pPr marL="3460638" indent="-580643" defTabSz="1439996">
+            <a:lvl5pPr marL="3460637">
               <a:defRPr>
                 <a:latin typeface="微軟正黑體"/>
                 <a:ea typeface="微軟正黑體"/>
@@ -1340,6 +1304,7 @@
             </a:lvl5pPr>
           </a:lstStyle>
           <a:p>
+            <a:pPr/>
             <a:r>
               <a:t>正文级别 1</a:t>
             </a:r>
@@ -1373,24 +1338,22 @@
       <p:sp>
         <p:nvSpPr>
           <p:cNvPr id="123" name="幻灯片编号"/>
-          <p:cNvSpPr txBox="1">
-            <a:spLocks noGrp="1"/>
-          </p:cNvSpPr>
+          <p:cNvSpPr txBox="1"/>
           <p:nvPr>
             <p:ph type="sldNum" sz="quarter" idx="2"/>
           </p:nvPr>
         </p:nvSpPr>
         <p:spPr>
           <a:xfrm>
-            <a:off x="13337808" y="10118204"/>
-            <a:ext cx="343903" cy="358141"/>
+            <a:off x="13337810" y="10118205"/>
+            <a:ext cx="343901" cy="358139"/>
           </a:xfrm>
           <a:prstGeom prst="rect">
             <a:avLst/>
           </a:prstGeom>
         </p:spPr>
         <p:txBody>
-          <a:bodyPr lIns="45719" tIns="45719" rIns="45719" bIns="45719"/>
+          <a:bodyPr lIns="45718" tIns="45718" rIns="45718" bIns="45718"/>
           <a:lstStyle>
             <a:lvl1pPr>
               <a:defRPr>
@@ -1402,10 +1365,8 @@
             </a:lvl1pPr>
           </a:lstStyle>
           <a:p>
-            <a:fld id="{86CB4B4D-7CA3-9044-876B-883B54F8677D}" type="slidenum">
-              <a:t>‹#›</a:t>
-            </a:fld>
-            <a:endParaRPr/>
+            <a:pPr/>
+            <a:fld id="{86CB4B4D-7CA3-9044-876B-883B54F8677D}" type="slidenum"/>
           </a:p>
         </p:txBody>
       </p:sp>
@@ -1414,12 +1375,12 @@
   <p:clrMapOvr>
     <a:masterClrMapping/>
   </p:clrMapOvr>
-  <p:transition spd="med"/>
+  <p:transition xmlns:p14="http://schemas.microsoft.com/office/powerpoint/2010/main" spd="med" advClick="1"/>
 </p:sldLayout>
 </file>
 
 <file path=ppt/slideLayouts/slideLayout2.xml><?xml version="1.0" encoding="utf-8"?>
-<p:sldLayout xmlns:a="http://schemas.openxmlformats.org/drawingml/2006/main" xmlns:r="http://schemas.openxmlformats.org/officeDocument/2006/relationships" xmlns:p="http://schemas.openxmlformats.org/presentationml/2006/main" type="tx">
+<p:sldLayout xmlns:a="http://schemas.openxmlformats.org/drawingml/2006/main" xmlns:r="http://schemas.openxmlformats.org/officeDocument/2006/relationships" xmlns:p="http://schemas.openxmlformats.org/presentationml/2006/main" type="tx" showMasterSp="1" showMasterPhAnim="1">
   <p:cSld name="標題及物件">
     <p:spTree>
       <p:nvGrpSpPr>
@@ -1438,9 +1399,7 @@
       <p:sp>
         <p:nvSpPr>
           <p:cNvPr id="21" name="标题文本"/>
-          <p:cNvSpPr txBox="1">
-            <a:spLocks noGrp="1"/>
-          </p:cNvSpPr>
+          <p:cNvSpPr txBox="1"/>
           <p:nvPr>
             <p:ph type="title"/>
           </p:nvPr>
@@ -1454,6 +1413,7 @@
           <a:bodyPr/>
           <a:lstStyle/>
           <a:p>
+            <a:pPr/>
             <a:r>
               <a:t>标题文本</a:t>
             </a:r>
@@ -1463,9 +1423,7 @@
       <p:sp>
         <p:nvSpPr>
           <p:cNvPr id="22" name="正文级别 1…"/>
-          <p:cNvSpPr txBox="1">
-            <a:spLocks noGrp="1"/>
-          </p:cNvSpPr>
+          <p:cNvSpPr txBox="1"/>
           <p:nvPr>
             <p:ph type="body" idx="1"/>
           </p:nvPr>
@@ -1479,6 +1437,7 @@
           <a:bodyPr/>
           <a:lstStyle/>
           <a:p>
+            <a:pPr/>
             <a:r>
               <a:t>正文级别 1</a:t>
             </a:r>
@@ -1512,9 +1471,7 @@
       <p:sp>
         <p:nvSpPr>
           <p:cNvPr id="23" name="幻灯片编号"/>
-          <p:cNvSpPr txBox="1">
-            <a:spLocks noGrp="1"/>
-          </p:cNvSpPr>
+          <p:cNvSpPr txBox="1"/>
           <p:nvPr>
             <p:ph type="sldNum" sz="quarter" idx="2"/>
           </p:nvPr>
@@ -1528,10 +1485,8 @@
           <a:bodyPr/>
           <a:lstStyle/>
           <a:p>
-            <a:fld id="{86CB4B4D-7CA3-9044-876B-883B54F8677D}" type="slidenum">
-              <a:t>‹#›</a:t>
-            </a:fld>
-            <a:endParaRPr/>
+            <a:pPr/>
+            <a:fld id="{86CB4B4D-7CA3-9044-876B-883B54F8677D}" type="slidenum"/>
           </a:p>
         </p:txBody>
       </p:sp>
@@ -1540,12 +1495,12 @@
   <p:clrMapOvr>
     <a:masterClrMapping/>
   </p:clrMapOvr>
-  <p:transition spd="med"/>
+  <p:transition xmlns:p14="http://schemas.microsoft.com/office/powerpoint/2010/main" spd="med" advClick="1"/>
 </p:sldLayout>
 </file>
 
 <file path=ppt/slideLayouts/slideLayout3.xml><?xml version="1.0" encoding="utf-8"?>
-<p:sldLayout xmlns:a="http://schemas.openxmlformats.org/drawingml/2006/main" xmlns:r="http://schemas.openxmlformats.org/officeDocument/2006/relationships" xmlns:p="http://schemas.openxmlformats.org/presentationml/2006/main" type="tx">
+<p:sldLayout xmlns:a="http://schemas.openxmlformats.org/drawingml/2006/main" xmlns:r="http://schemas.openxmlformats.org/officeDocument/2006/relationships" xmlns:p="http://schemas.openxmlformats.org/presentationml/2006/main" type="tx" showMasterSp="1" showMasterPhAnim="1">
   <p:cSld name="章節標題">
     <p:spTree>
       <p:nvGrpSpPr>
@@ -1564,9 +1519,7 @@
       <p:sp>
         <p:nvSpPr>
           <p:cNvPr id="30" name="标题文本"/>
-          <p:cNvSpPr txBox="1">
-            <a:spLocks noGrp="1"/>
-          </p:cNvSpPr>
+          <p:cNvSpPr txBox="1"/>
           <p:nvPr>
             <p:ph type="title"/>
           </p:nvPr>
@@ -1574,7 +1527,7 @@
         <p:spPr>
           <a:xfrm>
             <a:off x="1137641" y="6939846"/>
-            <a:ext cx="12241533" cy="2144955"/>
+            <a:ext cx="12241533" cy="2144956"/>
           </a:xfrm>
           <a:prstGeom prst="rect">
             <a:avLst/>
@@ -1584,10 +1537,11 @@
           <a:bodyPr anchor="t"/>
           <a:lstStyle>
             <a:lvl1pPr algn="l">
-              <a:defRPr sz="6200" b="1" cap="all"/>
+              <a:defRPr b="1" cap="all" sz="6200"/>
             </a:lvl1pPr>
           </a:lstStyle>
           <a:p>
+            <a:pPr/>
             <a:r>
               <a:t>标题文本</a:t>
             </a:r>
@@ -1597,9 +1551,7 @@
       <p:sp>
         <p:nvSpPr>
           <p:cNvPr id="31" name="正文级别 1…"/>
-          <p:cNvSpPr txBox="1">
-            <a:spLocks noGrp="1"/>
-          </p:cNvSpPr>
+          <p:cNvSpPr txBox="1"/>
           <p:nvPr>
             <p:ph type="body" sz="quarter" idx="1"/>
           </p:nvPr>
@@ -1607,7 +1559,7 @@
         <p:spPr>
           <a:xfrm>
             <a:off x="1137641" y="4577400"/>
-            <a:ext cx="12241533" cy="2362449"/>
+            <a:ext cx="12241533" cy="2362450"/>
           </a:xfrm>
           <a:prstGeom prst="rect">
             <a:avLst/>
@@ -1683,6 +1635,7 @@
             </a:lvl5pPr>
           </a:lstStyle>
           <a:p>
+            <a:pPr/>
             <a:r>
               <a:t>正文级别 1</a:t>
             </a:r>
@@ -1716,9 +1669,7 @@
       <p:sp>
         <p:nvSpPr>
           <p:cNvPr id="32" name="幻灯片编号"/>
-          <p:cNvSpPr txBox="1">
-            <a:spLocks noGrp="1"/>
-          </p:cNvSpPr>
+          <p:cNvSpPr txBox="1"/>
           <p:nvPr>
             <p:ph type="sldNum" sz="quarter" idx="2"/>
           </p:nvPr>
@@ -1732,10 +1683,8 @@
           <a:bodyPr/>
           <a:lstStyle/>
           <a:p>
-            <a:fld id="{86CB4B4D-7CA3-9044-876B-883B54F8677D}" type="slidenum">
-              <a:t>‹#›</a:t>
-            </a:fld>
-            <a:endParaRPr/>
+            <a:pPr/>
+            <a:fld id="{86CB4B4D-7CA3-9044-876B-883B54F8677D}" type="slidenum"/>
           </a:p>
         </p:txBody>
       </p:sp>
@@ -1744,12 +1693,12 @@
   <p:clrMapOvr>
     <a:masterClrMapping/>
   </p:clrMapOvr>
-  <p:transition spd="med"/>
+  <p:transition xmlns:p14="http://schemas.microsoft.com/office/powerpoint/2010/main" spd="med" advClick="1"/>
 </p:sldLayout>
 </file>
 
 <file path=ppt/slideLayouts/slideLayout4.xml><?xml version="1.0" encoding="utf-8"?>
-<p:sldLayout xmlns:a="http://schemas.openxmlformats.org/drawingml/2006/main" xmlns:r="http://schemas.openxmlformats.org/officeDocument/2006/relationships" xmlns:p="http://schemas.openxmlformats.org/presentationml/2006/main" type="tx">
+<p:sldLayout xmlns:a="http://schemas.openxmlformats.org/drawingml/2006/main" xmlns:r="http://schemas.openxmlformats.org/officeDocument/2006/relationships" xmlns:p="http://schemas.openxmlformats.org/presentationml/2006/main" type="tx" showMasterSp="1" showMasterPhAnim="1">
   <p:cSld name="兩項物件">
     <p:spTree>
       <p:nvGrpSpPr>
@@ -1768,9 +1717,7 @@
       <p:sp>
         <p:nvSpPr>
           <p:cNvPr id="39" name="标题文本"/>
-          <p:cNvSpPr txBox="1">
-            <a:spLocks noGrp="1"/>
-          </p:cNvSpPr>
+          <p:cNvSpPr txBox="1"/>
           <p:nvPr>
             <p:ph type="title"/>
           </p:nvPr>
@@ -1784,6 +1731,7 @@
           <a:bodyPr/>
           <a:lstStyle/>
           <a:p>
+            <a:pPr/>
             <a:r>
               <a:t>标题文本</a:t>
             </a:r>
@@ -1793,9 +1741,7 @@
       <p:sp>
         <p:nvSpPr>
           <p:cNvPr id="40" name="正文级别 1…"/>
-          <p:cNvSpPr txBox="1">
-            <a:spLocks noGrp="1"/>
-          </p:cNvSpPr>
+          <p:cNvSpPr txBox="1"/>
           <p:nvPr>
             <p:ph type="body" sz="half" idx="1"/>
           </p:nvPr>
@@ -1803,7 +1749,7 @@
         <p:spPr>
           <a:xfrm>
             <a:off x="720090" y="2519945"/>
-            <a:ext cx="6360796" cy="7127347"/>
+            <a:ext cx="6360796" cy="7127348"/>
           </a:xfrm>
           <a:prstGeom prst="rect">
             <a:avLst/>
@@ -1844,6 +1790,7 @@
             </a:lvl5pPr>
           </a:lstStyle>
           <a:p>
+            <a:pPr/>
             <a:r>
               <a:t>正文级别 1</a:t>
             </a:r>
@@ -1877,9 +1824,7 @@
       <p:sp>
         <p:nvSpPr>
           <p:cNvPr id="41" name="幻灯片编号"/>
-          <p:cNvSpPr txBox="1">
-            <a:spLocks noGrp="1"/>
-          </p:cNvSpPr>
+          <p:cNvSpPr txBox="1"/>
           <p:nvPr>
             <p:ph type="sldNum" sz="quarter" idx="2"/>
           </p:nvPr>
@@ -1893,10 +1838,8 @@
           <a:bodyPr/>
           <a:lstStyle/>
           <a:p>
-            <a:fld id="{86CB4B4D-7CA3-9044-876B-883B54F8677D}" type="slidenum">
-              <a:t>‹#›</a:t>
-            </a:fld>
-            <a:endParaRPr/>
+            <a:pPr/>
+            <a:fld id="{86CB4B4D-7CA3-9044-876B-883B54F8677D}" type="slidenum"/>
           </a:p>
         </p:txBody>
       </p:sp>
@@ -1905,12 +1848,12 @@
   <p:clrMapOvr>
     <a:masterClrMapping/>
   </p:clrMapOvr>
-  <p:transition spd="med"/>
+  <p:transition xmlns:p14="http://schemas.microsoft.com/office/powerpoint/2010/main" spd="med" advClick="1"/>
 </p:sldLayout>
 </file>
 
 <file path=ppt/slideLayouts/slideLayout5.xml><?xml version="1.0" encoding="utf-8"?>
-<p:sldLayout xmlns:a="http://schemas.openxmlformats.org/drawingml/2006/main" xmlns:r="http://schemas.openxmlformats.org/officeDocument/2006/relationships" xmlns:p="http://schemas.openxmlformats.org/presentationml/2006/main" type="tx">
+<p:sldLayout xmlns:a="http://schemas.openxmlformats.org/drawingml/2006/main" xmlns:r="http://schemas.openxmlformats.org/officeDocument/2006/relationships" xmlns:p="http://schemas.openxmlformats.org/presentationml/2006/main" type="tx" showMasterSp="1" showMasterPhAnim="1">
   <p:cSld name="比對">
     <p:spTree>
       <p:nvGrpSpPr>
@@ -1929,9 +1872,7 @@
       <p:sp>
         <p:nvSpPr>
           <p:cNvPr id="48" name="正文级别 1…"/>
-          <p:cNvSpPr txBox="1">
-            <a:spLocks noGrp="1"/>
-          </p:cNvSpPr>
+          <p:cNvSpPr txBox="1"/>
           <p:nvPr>
             <p:ph type="body" sz="quarter" idx="1"/>
           </p:nvPr>
@@ -1939,7 +1880,7 @@
         <p:spPr>
           <a:xfrm>
             <a:off x="7315913" y="2417447"/>
-            <a:ext cx="6365799" cy="1007479"/>
+            <a:ext cx="6365800" cy="1007480"/>
           </a:xfrm>
           <a:prstGeom prst="rect">
             <a:avLst/>
@@ -1955,38 +1896,39 @@
               <a:buSzTx/>
               <a:buFontTx/>
               <a:buNone/>
-              <a:defRPr sz="3700" b="1"/>
+              <a:defRPr b="1" sz="3700"/>
             </a:lvl1pPr>
-            <a:lvl2pPr marL="1098406" indent="-378407">
+            <a:lvl2pPr marL="1098406" indent="-378406">
               <a:spcBef>
                 <a:spcPts val="800"/>
               </a:spcBef>
               <a:buFontTx/>
-              <a:defRPr sz="3700" b="1"/>
+              <a:defRPr b="1" sz="3700"/>
             </a:lvl2pPr>
-            <a:lvl3pPr marL="1799996" indent="-359998">
+            <a:lvl3pPr marL="1799995" indent="-359997">
               <a:spcBef>
                 <a:spcPts val="800"/>
               </a:spcBef>
               <a:buFontTx/>
-              <a:defRPr sz="3700" b="1"/>
+              <a:defRPr b="1" sz="3700"/>
             </a:lvl3pPr>
-            <a:lvl4pPr marL="2589671" indent="-429675">
+            <a:lvl4pPr marL="2589670" indent="-429674">
               <a:spcBef>
                 <a:spcPts val="800"/>
               </a:spcBef>
               <a:buFontTx/>
-              <a:defRPr sz="3700" b="1"/>
+              <a:defRPr b="1" sz="3700"/>
             </a:lvl4pPr>
-            <a:lvl5pPr marL="3309672" indent="-429675">
+            <a:lvl5pPr marL="3309672" indent="-429674">
               <a:spcBef>
                 <a:spcPts val="800"/>
               </a:spcBef>
               <a:buFontTx/>
-              <a:defRPr sz="3700" b="1"/>
+              <a:defRPr b="1" sz="3700"/>
             </a:lvl5pPr>
           </a:lstStyle>
           <a:p>
+            <a:pPr/>
             <a:r>
               <a:t>正文级别 1</a:t>
             </a:r>
@@ -2020,9 +1962,7 @@
       <p:sp>
         <p:nvSpPr>
           <p:cNvPr id="49" name="标题文本"/>
-          <p:cNvSpPr txBox="1">
-            <a:spLocks noGrp="1"/>
-          </p:cNvSpPr>
+          <p:cNvSpPr txBox="1"/>
           <p:nvPr>
             <p:ph type="title"/>
           </p:nvPr>
@@ -2036,6 +1976,7 @@
           <a:bodyPr/>
           <a:lstStyle/>
           <a:p>
+            <a:pPr/>
             <a:r>
               <a:t>标题文本</a:t>
             </a:r>
@@ -2045,17 +1986,15 @@
       <p:sp>
         <p:nvSpPr>
           <p:cNvPr id="50" name="正文级别 1…"/>
-          <p:cNvSpPr txBox="1">
-            <a:spLocks noGrp="1"/>
-          </p:cNvSpPr>
+          <p:cNvSpPr txBox="1"/>
           <p:nvPr>
             <p:ph type="body" sz="quarter" idx="13"/>
           </p:nvPr>
         </p:nvSpPr>
         <p:spPr>
           <a:xfrm>
-            <a:off x="720089" y="2417447"/>
-            <a:ext cx="6363299" cy="1007479"/>
+            <a:off x="720088" y="2417447"/>
+            <a:ext cx="6363301" cy="1007480"/>
           </a:xfrm>
           <a:prstGeom prst="rect">
             <a:avLst/>
@@ -2065,25 +2004,14 @@
           <a:bodyPr anchor="b"/>
           <a:lstStyle/>
           <a:p>
-            <a:pPr marL="0" indent="0">
-              <a:spcBef>
-                <a:spcPts val="800"/>
-              </a:spcBef>
-              <a:buSzTx/>
-              <a:buFontTx/>
-              <a:buNone/>
-              <a:defRPr sz="3700" b="1"/>
-            </a:pPr>
-            <a:endParaRPr/>
+            <a:pPr/>
           </a:p>
         </p:txBody>
       </p:sp>
       <p:sp>
         <p:nvSpPr>
           <p:cNvPr id="51" name="幻灯片编号"/>
-          <p:cNvSpPr txBox="1">
-            <a:spLocks noGrp="1"/>
-          </p:cNvSpPr>
+          <p:cNvSpPr txBox="1"/>
           <p:nvPr>
             <p:ph type="sldNum" sz="quarter" idx="2"/>
           </p:nvPr>
@@ -2097,10 +2025,8 @@
           <a:bodyPr/>
           <a:lstStyle/>
           <a:p>
-            <a:fld id="{86CB4B4D-7CA3-9044-876B-883B54F8677D}" type="slidenum">
-              <a:t>‹#›</a:t>
-            </a:fld>
-            <a:endParaRPr/>
+            <a:pPr/>
+            <a:fld id="{86CB4B4D-7CA3-9044-876B-883B54F8677D}" type="slidenum"/>
           </a:p>
         </p:txBody>
       </p:sp>
@@ -2109,12 +2035,12 @@
   <p:clrMapOvr>
     <a:masterClrMapping/>
   </p:clrMapOvr>
-  <p:transition spd="med"/>
+  <p:transition xmlns:p14="http://schemas.microsoft.com/office/powerpoint/2010/main" spd="med" advClick="1"/>
 </p:sldLayout>
 </file>
 
 <file path=ppt/slideLayouts/slideLayout6.xml><?xml version="1.0" encoding="utf-8"?>
-<p:sldLayout xmlns:a="http://schemas.openxmlformats.org/drawingml/2006/main" xmlns:r="http://schemas.openxmlformats.org/officeDocument/2006/relationships" xmlns:p="http://schemas.openxmlformats.org/presentationml/2006/main" type="tx">
+<p:sldLayout xmlns:a="http://schemas.openxmlformats.org/drawingml/2006/main" xmlns:r="http://schemas.openxmlformats.org/officeDocument/2006/relationships" xmlns:p="http://schemas.openxmlformats.org/presentationml/2006/main" type="tx" showMasterSp="1" showMasterPhAnim="1">
   <p:cSld name="只有標題">
     <p:spTree>
       <p:nvGrpSpPr>
@@ -2133,9 +2059,7 @@
       <p:sp>
         <p:nvSpPr>
           <p:cNvPr id="58" name="标题文本"/>
-          <p:cNvSpPr txBox="1">
-            <a:spLocks noGrp="1"/>
-          </p:cNvSpPr>
+          <p:cNvSpPr txBox="1"/>
           <p:nvPr>
             <p:ph type="title"/>
           </p:nvPr>
@@ -2149,6 +2073,7 @@
           <a:bodyPr/>
           <a:lstStyle/>
           <a:p>
+            <a:pPr/>
             <a:r>
               <a:t>标题文本</a:t>
             </a:r>
@@ -2158,9 +2083,7 @@
       <p:sp>
         <p:nvSpPr>
           <p:cNvPr id="59" name="幻灯片编号"/>
-          <p:cNvSpPr txBox="1">
-            <a:spLocks noGrp="1"/>
-          </p:cNvSpPr>
+          <p:cNvSpPr txBox="1"/>
           <p:nvPr>
             <p:ph type="sldNum" sz="quarter" idx="2"/>
           </p:nvPr>
@@ -2174,10 +2097,8 @@
           <a:bodyPr/>
           <a:lstStyle/>
           <a:p>
-            <a:fld id="{86CB4B4D-7CA3-9044-876B-883B54F8677D}" type="slidenum">
-              <a:t>‹#›</a:t>
-            </a:fld>
-            <a:endParaRPr/>
+            <a:pPr/>
+            <a:fld id="{86CB4B4D-7CA3-9044-876B-883B54F8677D}" type="slidenum"/>
           </a:p>
         </p:txBody>
       </p:sp>
@@ -2186,12 +2107,12 @@
   <p:clrMapOvr>
     <a:masterClrMapping/>
   </p:clrMapOvr>
-  <p:transition spd="med"/>
+  <p:transition xmlns:p14="http://schemas.microsoft.com/office/powerpoint/2010/main" spd="med" advClick="1"/>
 </p:sldLayout>
 </file>
 
 <file path=ppt/slideLayouts/slideLayout7.xml><?xml version="1.0" encoding="utf-8"?>
-<p:sldLayout xmlns:a="http://schemas.openxmlformats.org/drawingml/2006/main" xmlns:r="http://schemas.openxmlformats.org/officeDocument/2006/relationships" xmlns:p="http://schemas.openxmlformats.org/presentationml/2006/main" type="tx">
+<p:sldLayout xmlns:a="http://schemas.openxmlformats.org/drawingml/2006/main" xmlns:r="http://schemas.openxmlformats.org/officeDocument/2006/relationships" xmlns:p="http://schemas.openxmlformats.org/presentationml/2006/main" type="tx" showMasterSp="1" showMasterPhAnim="1">
   <p:cSld name="空白">
     <p:spTree>
       <p:nvGrpSpPr>
@@ -2210,9 +2131,7 @@
       <p:sp>
         <p:nvSpPr>
           <p:cNvPr id="66" name="幻灯片编号"/>
-          <p:cNvSpPr txBox="1">
-            <a:spLocks noGrp="1"/>
-          </p:cNvSpPr>
+          <p:cNvSpPr txBox="1"/>
           <p:nvPr>
             <p:ph type="sldNum" sz="quarter" idx="2"/>
           </p:nvPr>
@@ -2226,10 +2145,8 @@
           <a:bodyPr/>
           <a:lstStyle/>
           <a:p>
-            <a:fld id="{86CB4B4D-7CA3-9044-876B-883B54F8677D}" type="slidenum">
-              <a:t>‹#›</a:t>
-            </a:fld>
-            <a:endParaRPr/>
+            <a:pPr/>
+            <a:fld id="{86CB4B4D-7CA3-9044-876B-883B54F8677D}" type="slidenum"/>
           </a:p>
         </p:txBody>
       </p:sp>
@@ -2238,12 +2155,12 @@
   <p:clrMapOvr>
     <a:masterClrMapping/>
   </p:clrMapOvr>
-  <p:transition spd="med"/>
+  <p:transition xmlns:p14="http://schemas.microsoft.com/office/powerpoint/2010/main" spd="med" advClick="1"/>
 </p:sldLayout>
 </file>
 
 <file path=ppt/slideLayouts/slideLayout8.xml><?xml version="1.0" encoding="utf-8"?>
-<p:sldLayout xmlns:a="http://schemas.openxmlformats.org/drawingml/2006/main" xmlns:r="http://schemas.openxmlformats.org/officeDocument/2006/relationships" xmlns:p="http://schemas.openxmlformats.org/presentationml/2006/main" type="tx">
+<p:sldLayout xmlns:a="http://schemas.openxmlformats.org/drawingml/2006/main" xmlns:r="http://schemas.openxmlformats.org/officeDocument/2006/relationships" xmlns:p="http://schemas.openxmlformats.org/presentationml/2006/main" type="tx" showMasterSp="1" showMasterPhAnim="1">
   <p:cSld name="含標題的內容">
     <p:spTree>
       <p:nvGrpSpPr>
@@ -2262,9 +2179,7 @@
       <p:sp>
         <p:nvSpPr>
           <p:cNvPr id="73" name="正文级别 1…"/>
-          <p:cNvSpPr txBox="1">
-            <a:spLocks noGrp="1"/>
-          </p:cNvSpPr>
+          <p:cNvSpPr txBox="1"/>
           <p:nvPr>
             <p:ph type="body" sz="half" idx="1"/>
           </p:nvPr>
@@ -2304,14 +2219,14 @@
               <a:buFontTx/>
               <a:defRPr sz="2200"/>
             </a:lvl3pPr>
-            <a:lvl4pPr marL="2415478" indent="-255482">
+            <a:lvl4pPr marL="2415477" indent="-255482">
               <a:spcBef>
                 <a:spcPts val="500"/>
               </a:spcBef>
               <a:buFontTx/>
               <a:defRPr sz="2200"/>
             </a:lvl4pPr>
-            <a:lvl5pPr marL="3135478" indent="-255482">
+            <a:lvl5pPr marL="3135477" indent="-255482">
               <a:spcBef>
                 <a:spcPts val="500"/>
               </a:spcBef>
@@ -2320,6 +2235,7 @@
             </a:lvl5pPr>
           </a:lstStyle>
           <a:p>
+            <a:pPr/>
             <a:r>
               <a:t>正文级别 1</a:t>
             </a:r>
@@ -2353,9 +2269,7 @@
       <p:sp>
         <p:nvSpPr>
           <p:cNvPr id="74" name="标题文本"/>
-          <p:cNvSpPr txBox="1">
-            <a:spLocks noGrp="1"/>
-          </p:cNvSpPr>
+          <p:cNvSpPr txBox="1"/>
           <p:nvPr>
             <p:ph type="title"/>
           </p:nvPr>
@@ -2373,10 +2287,11 @@
           <a:bodyPr anchor="b"/>
           <a:lstStyle>
             <a:lvl1pPr algn="l">
-              <a:defRPr sz="3100" b="1"/>
+              <a:defRPr b="1" sz="3100"/>
             </a:lvl1pPr>
           </a:lstStyle>
           <a:p>
+            <a:pPr/>
             <a:r>
               <a:t>标题文本</a:t>
             </a:r>
@@ -2386,17 +2301,15 @@
       <p:sp>
         <p:nvSpPr>
           <p:cNvPr id="75" name="正文级别 1…"/>
-          <p:cNvSpPr txBox="1">
-            <a:spLocks noGrp="1"/>
-          </p:cNvSpPr>
+          <p:cNvSpPr txBox="1"/>
           <p:nvPr>
             <p:ph type="body" idx="13"/>
           </p:nvPr>
         </p:nvSpPr>
         <p:spPr>
           <a:xfrm>
-            <a:off x="5630702" y="429991"/>
-            <a:ext cx="8051009" cy="9217299"/>
+            <a:off x="5630701" y="429991"/>
+            <a:ext cx="8051011" cy="9217299"/>
           </a:xfrm>
           <a:prstGeom prst="rect">
             <a:avLst/>
@@ -2406,16 +2319,14 @@
           <a:bodyPr/>
           <a:lstStyle/>
           <a:p>
-            <a:endParaRPr/>
+            <a:pPr/>
           </a:p>
         </p:txBody>
       </p:sp>
       <p:sp>
         <p:nvSpPr>
           <p:cNvPr id="76" name="幻灯片编号"/>
-          <p:cNvSpPr txBox="1">
-            <a:spLocks noGrp="1"/>
-          </p:cNvSpPr>
+          <p:cNvSpPr txBox="1"/>
           <p:nvPr>
             <p:ph type="sldNum" sz="quarter" idx="2"/>
           </p:nvPr>
@@ -2429,10 +2340,8 @@
           <a:bodyPr/>
           <a:lstStyle/>
           <a:p>
-            <a:fld id="{86CB4B4D-7CA3-9044-876B-883B54F8677D}" type="slidenum">
-              <a:t>‹#›</a:t>
-            </a:fld>
-            <a:endParaRPr/>
+            <a:pPr/>
+            <a:fld id="{86CB4B4D-7CA3-9044-876B-883B54F8677D}" type="slidenum"/>
           </a:p>
         </p:txBody>
       </p:sp>
@@ -2441,12 +2350,12 @@
   <p:clrMapOvr>
     <a:masterClrMapping/>
   </p:clrMapOvr>
-  <p:transition spd="med"/>
+  <p:transition xmlns:p14="http://schemas.microsoft.com/office/powerpoint/2010/main" spd="med" advClick="1"/>
 </p:sldLayout>
 </file>
 
 <file path=ppt/slideLayouts/slideLayout9.xml><?xml version="1.0" encoding="utf-8"?>
-<p:sldLayout xmlns:a="http://schemas.openxmlformats.org/drawingml/2006/main" xmlns:r="http://schemas.openxmlformats.org/officeDocument/2006/relationships" xmlns:p="http://schemas.openxmlformats.org/presentationml/2006/main" type="tx">
+<p:sldLayout xmlns:a="http://schemas.openxmlformats.org/drawingml/2006/main" xmlns:r="http://schemas.openxmlformats.org/officeDocument/2006/relationships" xmlns:p="http://schemas.openxmlformats.org/presentationml/2006/main" type="tx" showMasterSp="1" showMasterPhAnim="1">
   <p:cSld name="含標題的圖片">
     <p:spTree>
       <p:nvGrpSpPr>
@@ -2465,9 +2374,7 @@
       <p:sp>
         <p:nvSpPr>
           <p:cNvPr id="83" name="图像"/>
-          <p:cNvSpPr>
-            <a:spLocks noGrp="1"/>
-          </p:cNvSpPr>
+          <p:cNvSpPr/>
           <p:nvPr>
             <p:ph type="pic" sz="half" idx="13"/>
           </p:nvPr>
@@ -2487,16 +2394,14 @@
           </a:bodyPr>
           <a:lstStyle/>
           <a:p>
-            <a:endParaRPr/>
+            <a:pPr/>
           </a:p>
         </p:txBody>
       </p:sp>
       <p:sp>
         <p:nvSpPr>
           <p:cNvPr id="84" name="标题文本"/>
-          <p:cNvSpPr txBox="1">
-            <a:spLocks noGrp="1"/>
-          </p:cNvSpPr>
+          <p:cNvSpPr txBox="1"/>
           <p:nvPr>
             <p:ph type="title"/>
           </p:nvPr>
@@ -2504,7 +2409,7 @@
         <p:spPr>
           <a:xfrm>
             <a:off x="2822854" y="7559833"/>
-            <a:ext cx="8641082" cy="892483"/>
+            <a:ext cx="8641082" cy="892484"/>
           </a:xfrm>
           <a:prstGeom prst="rect">
             <a:avLst/>
@@ -2514,10 +2419,11 @@
           <a:bodyPr anchor="b"/>
           <a:lstStyle>
             <a:lvl1pPr algn="l">
-              <a:defRPr sz="3100" b="1"/>
+              <a:defRPr b="1" sz="3100"/>
             </a:lvl1pPr>
           </a:lstStyle>
           <a:p>
+            <a:pPr/>
             <a:r>
               <a:t>标题文本</a:t>
             </a:r>
@@ -2527,9 +2433,7 @@
       <p:sp>
         <p:nvSpPr>
           <p:cNvPr id="85" name="正文级别 1…"/>
-          <p:cNvSpPr txBox="1">
-            <a:spLocks noGrp="1"/>
-          </p:cNvSpPr>
+          <p:cNvSpPr txBox="1"/>
           <p:nvPr>
             <p:ph type="body" sz="quarter" idx="1"/>
           </p:nvPr>
@@ -2537,7 +2441,7 @@
         <p:spPr>
           <a:xfrm>
             <a:off x="2822854" y="8452315"/>
-            <a:ext cx="8641082" cy="1267473"/>
+            <a:ext cx="8641082" cy="1267474"/>
           </a:xfrm>
           <a:prstGeom prst="rect">
             <a:avLst/>
@@ -2593,6 +2497,7 @@
             </a:lvl5pPr>
           </a:lstStyle>
           <a:p>
+            <a:pPr/>
             <a:r>
               <a:t>正文级别 1</a:t>
             </a:r>
@@ -2626,9 +2531,7 @@
       <p:sp>
         <p:nvSpPr>
           <p:cNvPr id="86" name="幻灯片编号"/>
-          <p:cNvSpPr txBox="1">
-            <a:spLocks noGrp="1"/>
-          </p:cNvSpPr>
+          <p:cNvSpPr txBox="1"/>
           <p:nvPr>
             <p:ph type="sldNum" sz="quarter" idx="2"/>
           </p:nvPr>
@@ -2642,10 +2545,8 @@
           <a:bodyPr/>
           <a:lstStyle/>
           <a:p>
-            <a:fld id="{86CB4B4D-7CA3-9044-876B-883B54F8677D}" type="slidenum">
-              <a:t>‹#›</a:t>
-            </a:fld>
-            <a:endParaRPr/>
+            <a:pPr/>
+            <a:fld id="{86CB4B4D-7CA3-9044-876B-883B54F8677D}" type="slidenum"/>
           </a:p>
         </p:txBody>
       </p:sp>
@@ -2654,7 +2555,7 @@
   <p:clrMapOvr>
     <a:masterClrMapping/>
   </p:clrMapOvr>
-  <p:transition spd="med"/>
+  <p:transition xmlns:p14="http://schemas.microsoft.com/office/powerpoint/2010/main" spd="med" advClick="1"/>
 </p:sldLayout>
 </file>
 
@@ -2664,13 +2565,12 @@
     <p:bg>
       <p:bgPr>
         <a:blipFill rotWithShape="1">
-          <a:blip r:embed="rId15"/>
-          <a:srcRect/>
+          <a:blip r:embed="rId2"/>
+          <a:srcRect l="0" t="0" r="0" b="0"/>
           <a:stretch>
             <a:fillRect/>
           </a:stretch>
         </a:blipFill>
-        <a:effectLst/>
       </p:bgPr>
     </p:bg>
     <p:spTree>
@@ -2690,9 +2590,7 @@
       <p:sp>
         <p:nvSpPr>
           <p:cNvPr id="2" name="标题文本"/>
-          <p:cNvSpPr txBox="1">
-            <a:spLocks noGrp="1"/>
-          </p:cNvSpPr>
+          <p:cNvSpPr txBox="1"/>
           <p:nvPr>
             <p:ph type="title"/>
           </p:nvPr>
@@ -2710,16 +2608,17 @@
           </a:ln>
           <a:extLst>
             <a:ext uri="{C572A759-6A51-4108-AA02-DFA0A04FC94B}">
-              <ma14:wrappingTextBoxFlag xmlns="" xmlns:ma14="http://schemas.microsoft.com/office/mac/drawingml/2011/main" val="1"/>
+              <ma14:wrappingTextBoxFlag xmlns:ma14="http://schemas.microsoft.com/office/mac/drawingml/2011/main" val="1"/>
             </a:ext>
           </a:extLst>
         </p:spPr>
         <p:txBody>
           <a:bodyPr lIns="45718" tIns="45718" rIns="45718" bIns="45718" anchor="ctr">
-            <a:normAutofit/>
+            <a:normAutofit fontScale="100000" lnSpcReduction="0"/>
           </a:bodyPr>
           <a:lstStyle/>
           <a:p>
+            <a:pPr/>
             <a:r>
               <a:t>标题文本</a:t>
             </a:r>
@@ -2729,9 +2628,7 @@
       <p:sp>
         <p:nvSpPr>
           <p:cNvPr id="3" name="正文级别 1…"/>
-          <p:cNvSpPr txBox="1">
-            <a:spLocks noGrp="1"/>
-          </p:cNvSpPr>
+          <p:cNvSpPr txBox="1"/>
           <p:nvPr>
             <p:ph type="body" idx="1"/>
           </p:nvPr>
@@ -2739,7 +2636,7 @@
         <p:spPr>
           <a:xfrm>
             <a:off x="720090" y="2519945"/>
-            <a:ext cx="12961620" cy="7127347"/>
+            <a:ext cx="12961620" cy="7127348"/>
           </a:xfrm>
           <a:prstGeom prst="rect">
             <a:avLst/>
@@ -2749,16 +2646,17 @@
           </a:ln>
           <a:extLst>
             <a:ext uri="{C572A759-6A51-4108-AA02-DFA0A04FC94B}">
-              <ma14:wrappingTextBoxFlag xmlns="" xmlns:ma14="http://schemas.microsoft.com/office/mac/drawingml/2011/main" val="1"/>
+              <ma14:wrappingTextBoxFlag xmlns:ma14="http://schemas.microsoft.com/office/mac/drawingml/2011/main" val="1"/>
             </a:ext>
           </a:extLst>
         </p:spPr>
         <p:txBody>
           <a:bodyPr lIns="45718" tIns="45718" rIns="45718" bIns="45718">
-            <a:normAutofit/>
+            <a:normAutofit fontScale="100000" lnSpcReduction="0"/>
           </a:bodyPr>
           <a:lstStyle/>
           <a:p>
+            <a:pPr/>
             <a:r>
               <a:t>正文级别 1</a:t>
             </a:r>
@@ -2792,17 +2690,15 @@
       <p:sp>
         <p:nvSpPr>
           <p:cNvPr id="4" name="幻灯片编号"/>
-          <p:cNvSpPr txBox="1">
-            <a:spLocks noGrp="1"/>
-          </p:cNvSpPr>
+          <p:cNvSpPr txBox="1"/>
           <p:nvPr>
             <p:ph type="sldNum" sz="quarter" idx="2"/>
           </p:nvPr>
         </p:nvSpPr>
         <p:spPr>
           <a:xfrm>
-            <a:off x="13337810" y="10118205"/>
-            <a:ext cx="343901" cy="358139"/>
+            <a:off x="13337813" y="10118206"/>
+            <a:ext cx="343899" cy="358137"/>
           </a:xfrm>
           <a:prstGeom prst="rect">
             <a:avLst/>
@@ -2829,10 +2725,8 @@
             </a:lvl1pPr>
           </a:lstStyle>
           <a:p>
-            <a:fld id="{86CB4B4D-7CA3-9044-876B-883B54F8677D}" type="slidenum">
-              <a:t>‹#›</a:t>
-            </a:fld>
-            <a:endParaRPr/>
+            <a:pPr/>
+            <a:fld id="{86CB4B4D-7CA3-9044-876B-883B54F8677D}" type="slidenum"/>
           </a:p>
         </p:txBody>
       </p:sp>
@@ -2840,21 +2734,21 @@
   </p:cSld>
   <p:clrMap bg1="lt1" tx1="dk1" bg2="lt2" tx2="dk2" accent1="accent1" accent2="accent2" accent3="accent3" accent4="accent4" accent5="accent5" accent6="accent6" hlink="hlink" folHlink="folHlink"/>
   <p:sldLayoutIdLst>
-    <p:sldLayoutId id="2147483649" r:id="rId1"/>
-    <p:sldLayoutId id="2147483650" r:id="rId2"/>
-    <p:sldLayoutId id="2147483651" r:id="rId3"/>
-    <p:sldLayoutId id="2147483652" r:id="rId4"/>
-    <p:sldLayoutId id="2147483653" r:id="rId5"/>
-    <p:sldLayoutId id="2147483654" r:id="rId6"/>
-    <p:sldLayoutId id="2147483655" r:id="rId7"/>
-    <p:sldLayoutId id="2147483656" r:id="rId8"/>
-    <p:sldLayoutId id="2147483657" r:id="rId9"/>
-    <p:sldLayoutId id="2147483658" r:id="rId10"/>
-    <p:sldLayoutId id="2147483659" r:id="rId11"/>
-    <p:sldLayoutId id="2147483660" r:id="rId12"/>
-    <p:sldLayoutId id="2147483661" r:id="rId13"/>
+    <p:sldLayoutId id="2147483649" r:id="rId3"/>
+    <p:sldLayoutId id="2147483650" r:id="rId4"/>
+    <p:sldLayoutId id="2147483651" r:id="rId5"/>
+    <p:sldLayoutId id="2147483652" r:id="rId6"/>
+    <p:sldLayoutId id="2147483653" r:id="rId7"/>
+    <p:sldLayoutId id="2147483654" r:id="rId8"/>
+    <p:sldLayoutId id="2147483655" r:id="rId9"/>
+    <p:sldLayoutId id="2147483656" r:id="rId10"/>
+    <p:sldLayoutId id="2147483657" r:id="rId11"/>
+    <p:sldLayoutId id="2147483658" r:id="rId12"/>
+    <p:sldLayoutId id="2147483659" r:id="rId13"/>
+    <p:sldLayoutId id="2147483660" r:id="rId14"/>
+    <p:sldLayoutId id="2147483661" r:id="rId15"/>
   </p:sldLayoutIdLst>
-  <p:transition spd="med"/>
+  <p:transition xmlns:p14="http://schemas.microsoft.com/office/powerpoint/2010/main" spd="med" advClick="1"/>
   <p:txStyles>
     <p:titleStyle>
       <a:lvl1pPr marL="0" marR="0" indent="0" algn="ctr" defTabSz="1439996" rtl="0" latinLnBrk="0">
@@ -2872,7 +2766,7 @@
         <a:buFontTx/>
         <a:buNone/>
         <a:tabLst/>
-        <a:defRPr sz="6900" b="0" i="0" u="none" strike="noStrike" cap="none" spc="0" baseline="0">
+        <a:defRPr b="0" baseline="0" cap="none" i="0" spc="0" strike="noStrike" sz="6900" u="none">
           <a:ln>
             <a:noFill/>
           </a:ln>
@@ -2901,7 +2795,7 @@
         <a:buFontTx/>
         <a:buNone/>
         <a:tabLst/>
-        <a:defRPr sz="6900" b="0" i="0" u="none" strike="noStrike" cap="none" spc="0" baseline="0">
+        <a:defRPr b="0" baseline="0" cap="none" i="0" spc="0" strike="noStrike" sz="6900" u="none">
           <a:ln>
             <a:noFill/>
           </a:ln>
@@ -2930,7 +2824,7 @@
         <a:buFontTx/>
         <a:buNone/>
         <a:tabLst/>
-        <a:defRPr sz="6900" b="0" i="0" u="none" strike="noStrike" cap="none" spc="0" baseline="0">
+        <a:defRPr b="0" baseline="0" cap="none" i="0" spc="0" strike="noStrike" sz="6900" u="none">
           <a:ln>
             <a:noFill/>
           </a:ln>
@@ -2959,7 +2853,7 @@
         <a:buFontTx/>
         <a:buNone/>
         <a:tabLst/>
-        <a:defRPr sz="6900" b="0" i="0" u="none" strike="noStrike" cap="none" spc="0" baseline="0">
+        <a:defRPr b="0" baseline="0" cap="none" i="0" spc="0" strike="noStrike" sz="6900" u="none">
           <a:ln>
             <a:noFill/>
           </a:ln>
@@ -2988,7 +2882,7 @@
         <a:buFontTx/>
         <a:buNone/>
         <a:tabLst/>
-        <a:defRPr sz="6900" b="0" i="0" u="none" strike="noStrike" cap="none" spc="0" baseline="0">
+        <a:defRPr b="0" baseline="0" cap="none" i="0" spc="0" strike="noStrike" sz="6900" u="none">
           <a:ln>
             <a:noFill/>
           </a:ln>
@@ -3017,7 +2911,7 @@
         <a:buFontTx/>
         <a:buNone/>
         <a:tabLst/>
-        <a:defRPr sz="6900" b="0" i="0" u="none" strike="noStrike" cap="none" spc="0" baseline="0">
+        <a:defRPr b="0" baseline="0" cap="none" i="0" spc="0" strike="noStrike" sz="6900" u="none">
           <a:ln>
             <a:noFill/>
           </a:ln>
@@ -3046,7 +2940,7 @@
         <a:buFontTx/>
         <a:buNone/>
         <a:tabLst/>
-        <a:defRPr sz="6900" b="0" i="0" u="none" strike="noStrike" cap="none" spc="0" baseline="0">
+        <a:defRPr b="0" baseline="0" cap="none" i="0" spc="0" strike="noStrike" sz="6900" u="none">
           <a:ln>
             <a:noFill/>
           </a:ln>
@@ -3075,7 +2969,7 @@
         <a:buFontTx/>
         <a:buNone/>
         <a:tabLst/>
-        <a:defRPr sz="6900" b="0" i="0" u="none" strike="noStrike" cap="none" spc="0" baseline="0">
+        <a:defRPr b="0" baseline="0" cap="none" i="0" spc="0" strike="noStrike" sz="6900" u="none">
           <a:ln>
             <a:noFill/>
           </a:ln>
@@ -3104,7 +2998,7 @@
         <a:buFontTx/>
         <a:buNone/>
         <a:tabLst/>
-        <a:defRPr sz="6900" b="0" i="0" u="none" strike="noStrike" cap="none" spc="0" baseline="0">
+        <a:defRPr b="0" baseline="0" cap="none" i="0" spc="0" strike="noStrike" sz="6900" u="none">
           <a:ln>
             <a:noFill/>
           </a:ln>
@@ -3135,7 +3029,7 @@
         <a:buFont typeface="Arial"/>
         <a:buChar char="•"/>
         <a:tabLst/>
-        <a:defRPr sz="5000" b="0" i="0" u="none" strike="noStrike" cap="none" spc="0" baseline="0">
+        <a:defRPr b="0" baseline="0" cap="none" i="0" spc="0" strike="noStrike" sz="5000" u="none">
           <a:ln>
             <a:noFill/>
           </a:ln>
@@ -3164,7 +3058,7 @@
         <a:buFont typeface="Arial"/>
         <a:buChar char="–"/>
         <a:tabLst/>
-        <a:defRPr sz="5000" b="0" i="0" u="none" strike="noStrike" cap="none" spc="0" baseline="0">
+        <a:defRPr b="0" baseline="0" cap="none" i="0" spc="0" strike="noStrike" sz="5000" u="none">
           <a:ln>
             <a:noFill/>
           </a:ln>
@@ -3193,7 +3087,7 @@
         <a:buFont typeface="Arial"/>
         <a:buChar char="•"/>
         <a:tabLst/>
-        <a:defRPr sz="5000" b="0" i="0" u="none" strike="noStrike" cap="none" spc="0" baseline="0">
+        <a:defRPr b="0" baseline="0" cap="none" i="0" spc="0" strike="noStrike" sz="5000" u="none">
           <a:ln>
             <a:noFill/>
           </a:ln>
@@ -3207,7 +3101,7 @@
           <a:sym typeface="Helvetica"/>
         </a:defRPr>
       </a:lvl3pPr>
-      <a:lvl4pPr marL="2740638" marR="0" indent="-580643" algn="l" defTabSz="1439996" rtl="0" latinLnBrk="0">
+      <a:lvl4pPr marL="2740637" marR="0" indent="-580643" algn="l" defTabSz="1439996" rtl="0" latinLnBrk="0">
         <a:lnSpc>
           <a:spcPct val="100000"/>
         </a:lnSpc>
@@ -3222,7 +3116,7 @@
         <a:buFont typeface="Arial"/>
         <a:buChar char="–"/>
         <a:tabLst/>
-        <a:defRPr sz="5000" b="0" i="0" u="none" strike="noStrike" cap="none" spc="0" baseline="0">
+        <a:defRPr b="0" baseline="0" cap="none" i="0" spc="0" strike="noStrike" sz="5000" u="none">
           <a:ln>
             <a:noFill/>
           </a:ln>
@@ -3251,7 +3145,7 @@
         <a:buFont typeface="Arial"/>
         <a:buChar char="»"/>
         <a:tabLst/>
-        <a:defRPr sz="5000" b="0" i="0" u="none" strike="noStrike" cap="none" spc="0" baseline="0">
+        <a:defRPr b="0" baseline="0" cap="none" i="0" spc="0" strike="noStrike" sz="5000" u="none">
           <a:ln>
             <a:noFill/>
           </a:ln>
@@ -3280,7 +3174,7 @@
         <a:buFont typeface="Arial"/>
         <a:buChar char="•"/>
         <a:tabLst/>
-        <a:defRPr sz="5000" b="0" i="0" u="none" strike="noStrike" cap="none" spc="0" baseline="0">
+        <a:defRPr b="0" baseline="0" cap="none" i="0" spc="0" strike="noStrike" sz="5000" u="none">
           <a:ln>
             <a:noFill/>
           </a:ln>
@@ -3309,7 +3203,7 @@
         <a:buFont typeface="Arial"/>
         <a:buChar char="•"/>
         <a:tabLst/>
-        <a:defRPr sz="5000" b="0" i="0" u="none" strike="noStrike" cap="none" spc="0" baseline="0">
+        <a:defRPr b="0" baseline="0" cap="none" i="0" spc="0" strike="noStrike" sz="5000" u="none">
           <a:ln>
             <a:noFill/>
           </a:ln>
@@ -3338,7 +3232,7 @@
         <a:buFont typeface="Arial"/>
         <a:buChar char="•"/>
         <a:tabLst/>
-        <a:defRPr sz="5000" b="0" i="0" u="none" strike="noStrike" cap="none" spc="0" baseline="0">
+        <a:defRPr b="0" baseline="0" cap="none" i="0" spc="0" strike="noStrike" sz="5000" u="none">
           <a:ln>
             <a:noFill/>
           </a:ln>
@@ -3367,7 +3261,7 @@
         <a:buFont typeface="Arial"/>
         <a:buChar char="•"/>
         <a:tabLst/>
-        <a:defRPr sz="5000" b="0" i="0" u="none" strike="noStrike" cap="none" spc="0" baseline="0">
+        <a:defRPr b="0" baseline="0" cap="none" i="0" spc="0" strike="noStrike" sz="5000" u="none">
           <a:ln>
             <a:noFill/>
           </a:ln>
@@ -3398,7 +3292,7 @@
         <a:buFontTx/>
         <a:buNone/>
         <a:tabLst/>
-        <a:defRPr sz="1800" b="0" i="0" u="none" strike="noStrike" cap="none" spc="0" baseline="0">
+        <a:defRPr b="0" baseline="0" cap="none" i="0" spc="0" strike="noStrike" sz="1800" u="none">
           <a:ln>
             <a:noFill/>
           </a:ln>
@@ -3427,7 +3321,7 @@
         <a:buFontTx/>
         <a:buNone/>
         <a:tabLst/>
-        <a:defRPr sz="1800" b="0" i="0" u="none" strike="noStrike" cap="none" spc="0" baseline="0">
+        <a:defRPr b="0" baseline="0" cap="none" i="0" spc="0" strike="noStrike" sz="1800" u="none">
           <a:ln>
             <a:noFill/>
           </a:ln>
@@ -3456,7 +3350,7 @@
         <a:buFontTx/>
         <a:buNone/>
         <a:tabLst/>
-        <a:defRPr sz="1800" b="0" i="0" u="none" strike="noStrike" cap="none" spc="0" baseline="0">
+        <a:defRPr b="0" baseline="0" cap="none" i="0" spc="0" strike="noStrike" sz="1800" u="none">
           <a:ln>
             <a:noFill/>
           </a:ln>
@@ -3485,7 +3379,7 @@
         <a:buFontTx/>
         <a:buNone/>
         <a:tabLst/>
-        <a:defRPr sz="1800" b="0" i="0" u="none" strike="noStrike" cap="none" spc="0" baseline="0">
+        <a:defRPr b="0" baseline="0" cap="none" i="0" spc="0" strike="noStrike" sz="1800" u="none">
           <a:ln>
             <a:noFill/>
           </a:ln>
@@ -3514,7 +3408,7 @@
         <a:buFontTx/>
         <a:buNone/>
         <a:tabLst/>
-        <a:defRPr sz="1800" b="0" i="0" u="none" strike="noStrike" cap="none" spc="0" baseline="0">
+        <a:defRPr b="0" baseline="0" cap="none" i="0" spc="0" strike="noStrike" sz="1800" u="none">
           <a:ln>
             <a:noFill/>
           </a:ln>
@@ -3543,7 +3437,7 @@
         <a:buFontTx/>
         <a:buNone/>
         <a:tabLst/>
-        <a:defRPr sz="1800" b="0" i="0" u="none" strike="noStrike" cap="none" spc="0" baseline="0">
+        <a:defRPr b="0" baseline="0" cap="none" i="0" spc="0" strike="noStrike" sz="1800" u="none">
           <a:ln>
             <a:noFill/>
           </a:ln>
@@ -3572,7 +3466,7 @@
         <a:buFontTx/>
         <a:buNone/>
         <a:tabLst/>
-        <a:defRPr sz="1800" b="0" i="0" u="none" strike="noStrike" cap="none" spc="0" baseline="0">
+        <a:defRPr b="0" baseline="0" cap="none" i="0" spc="0" strike="noStrike" sz="1800" u="none">
           <a:ln>
             <a:noFill/>
           </a:ln>
@@ -3601,7 +3495,7 @@
         <a:buFontTx/>
         <a:buNone/>
         <a:tabLst/>
-        <a:defRPr sz="1800" b="0" i="0" u="none" strike="noStrike" cap="none" spc="0" baseline="0">
+        <a:defRPr b="0" baseline="0" cap="none" i="0" spc="0" strike="noStrike" sz="1800" u="none">
           <a:ln>
             <a:noFill/>
           </a:ln>
@@ -3630,7 +3524,7 @@
         <a:buFontTx/>
         <a:buNone/>
         <a:tabLst/>
-        <a:defRPr sz="1800" b="0" i="0" u="none" strike="noStrike" cap="none" spc="0" baseline="0">
+        <a:defRPr b="0" baseline="0" cap="none" i="0" spc="0" strike="noStrike" sz="1800" u="none">
           <a:ln>
             <a:noFill/>
           </a:ln>
@@ -3650,7 +3544,7 @@
 </file>
 
 <file path=ppt/slides/slide1.xml><?xml version="1.0" encoding="utf-8"?>
-<p:sld xmlns:a="http://schemas.openxmlformats.org/drawingml/2006/main" xmlns:r="http://schemas.openxmlformats.org/officeDocument/2006/relationships" xmlns:p="http://schemas.openxmlformats.org/presentationml/2006/main">
+<p:sld xmlns:a="http://schemas.openxmlformats.org/drawingml/2006/main" xmlns:r="http://schemas.openxmlformats.org/officeDocument/2006/relationships" xmlns:p="http://schemas.openxmlformats.org/presentationml/2006/main" showMasterSp="1" showMasterPhAnim="1">
   <p:cSld>
     <p:spTree>
       <p:nvGrpSpPr>
@@ -3675,7 +3569,7 @@
         <p:spPr>
           <a:xfrm>
             <a:off x="5758948" y="6552009"/>
-            <a:ext cx="2858849" cy="1386839"/>
+            <a:ext cx="2858846" cy="1386837"/>
           </a:xfrm>
           <a:prstGeom prst="rect">
             <a:avLst/>
@@ -3685,7 +3579,7 @@
           </a:ln>
           <a:extLst>
             <a:ext uri="{C572A759-6A51-4108-AA02-DFA0A04FC94B}">
-              <ma14:wrappingTextBoxFlag xmlns="" xmlns:ma14="http://schemas.microsoft.com/office/mac/drawingml/2011/main" val="1"/>
+              <ma14:wrappingTextBoxFlag xmlns:ma14="http://schemas.microsoft.com/office/mac/drawingml/2011/main" val="1"/>
             </a:ext>
           </a:extLst>
         </p:spPr>
@@ -3731,7 +3625,7 @@
         <p:spPr>
           <a:xfrm>
             <a:off x="1751770" y="3599681"/>
-            <a:ext cx="10873208" cy="1259839"/>
+            <a:ext cx="10873208" cy="1259837"/>
           </a:xfrm>
           <a:prstGeom prst="rect">
             <a:avLst/>
@@ -3741,7 +3635,7 @@
           </a:ln>
           <a:extLst>
             <a:ext uri="{C572A759-6A51-4108-AA02-DFA0A04FC94B}">
-              <ma14:wrappingTextBoxFlag xmlns="" xmlns:ma14="http://schemas.microsoft.com/office/mac/drawingml/2011/main" val="1"/>
+              <ma14:wrappingTextBoxFlag xmlns:ma14="http://schemas.microsoft.com/office/mac/drawingml/2011/main" val="1"/>
             </a:ext>
           </a:extLst>
         </p:spPr>
@@ -3779,12 +3673,12 @@
   <p:clrMapOvr>
     <a:masterClrMapping/>
   </p:clrMapOvr>
-  <p:transition spd="med"/>
+  <p:transition xmlns:p14="http://schemas.microsoft.com/office/powerpoint/2010/main" spd="med" advClick="1"/>
 </p:sld>
 </file>
 
 <file path=ppt/slides/slide10.xml><?xml version="1.0" encoding="utf-8"?>
-<p:sld xmlns:a="http://schemas.openxmlformats.org/drawingml/2006/main" xmlns:r="http://schemas.openxmlformats.org/officeDocument/2006/relationships" xmlns:p="http://schemas.openxmlformats.org/presentationml/2006/main">
+<p:sld xmlns:a="http://schemas.openxmlformats.org/drawingml/2006/main" xmlns:r="http://schemas.openxmlformats.org/officeDocument/2006/relationships" xmlns:p="http://schemas.openxmlformats.org/presentationml/2006/main" showMasterSp="1" showMasterPhAnim="1">
   <p:cSld>
     <p:spTree>
       <p:nvGrpSpPr>
@@ -3802,7 +3696,7 @@
       </p:grpSpPr>
       <p:sp>
         <p:nvSpPr>
-          <p:cNvPr id="168" name="文档式接口，提供程序的行为提示与约束"/>
+          <p:cNvPr id="166" name="文档式接口，提供程序的行为提示与约束"/>
           <p:cNvSpPr txBox="1"/>
           <p:nvPr/>
         </p:nvSpPr>
@@ -3819,7 +3713,7 @@
           </a:ln>
           <a:extLst>
             <a:ext uri="{C572A759-6A51-4108-AA02-DFA0A04FC94B}">
-              <ma14:wrappingTextBoxFlag xmlns="" xmlns:ma14="http://schemas.microsoft.com/office/mac/drawingml/2011/main" val="1"/>
+              <ma14:wrappingTextBoxFlag xmlns:ma14="http://schemas.microsoft.com/office/mac/drawingml/2011/main" val="1"/>
             </a:ext>
           </a:extLst>
         </p:spPr>
@@ -3838,6 +3732,7 @@
             </a:lvl1pPr>
           </a:lstStyle>
           <a:p>
+            <a:pPr/>
             <a:r>
               <a:t>文档式接口，提供程序的行为提示与约束</a:t>
             </a:r>
@@ -3846,7 +3741,7 @@
       </p:sp>
       <p:pic>
         <p:nvPicPr>
-          <p:cNvPr id="169" name="屏幕快照 2018-03-18 下午1.25.24.png" descr="屏幕快照 2018-03-18 下午1.25.24.png"/>
+          <p:cNvPr id="167" name="屏幕快照 2018-03-18 下午1.25.24.png" descr="屏幕快照 2018-03-18 下午1.25.24.png"/>
           <p:cNvPicPr>
             <a:picLocks noChangeAspect="1"/>
           </p:cNvPicPr>
@@ -3863,7 +3758,7 @@
         <p:spPr>
           <a:xfrm>
             <a:off x="2869969" y="395458"/>
-            <a:ext cx="9072282" cy="8421644"/>
+            <a:ext cx="9072282" cy="8421645"/>
           </a:xfrm>
           <a:prstGeom prst="rect">
             <a:avLst/>
@@ -3878,14 +3773,14 @@
   <p:clrMapOvr>
     <a:masterClrMapping/>
   </p:clrMapOvr>
-  <mc:AlternateContent xmlns:mc="http://schemas.openxmlformats.org/markup-compatibility/2006" xmlns:p14="http://schemas.microsoft.com/office/powerpoint/2010/main">
-    <mc:Choice Requires="p14">
-      <p:transition>
+  <mc:AlternateContent xmlns:mc="http://schemas.openxmlformats.org/markup-compatibility/2006">
+    <mc:Choice xmlns:p14="http://schemas.microsoft.com/office/powerpoint/2010/main" Requires="p14">
+      <p:transition spd="med" advClick="1" p14:dur="1000">
         <p:dissolve/>
       </p:transition>
     </mc:Choice>
-    <mc:Fallback xmlns="">
-      <p:transition spd="fast">
+    <mc:Fallback>
+      <p:transition spd="med">
         <p:fade/>
       </p:transition>
     </mc:Fallback>
@@ -3894,7 +3789,7 @@
 </file>
 
 <file path=ppt/slides/slide11.xml><?xml version="1.0" encoding="utf-8"?>
-<p:sld xmlns:a="http://schemas.openxmlformats.org/drawingml/2006/main" xmlns:r="http://schemas.openxmlformats.org/officeDocument/2006/relationships" xmlns:p="http://schemas.openxmlformats.org/presentationml/2006/main">
+<p:sld xmlns:a="http://schemas.openxmlformats.org/drawingml/2006/main" xmlns:r="http://schemas.openxmlformats.org/officeDocument/2006/relationships" xmlns:p="http://schemas.openxmlformats.org/presentationml/2006/main" showMasterSp="1" showMasterPhAnim="1">
   <p:cSld>
     <p:spTree>
       <p:nvGrpSpPr>
@@ -3912,14 +3807,14 @@
       </p:grpSpPr>
       <p:sp>
         <p:nvSpPr>
-          <p:cNvPr id="171" name="文本框 81"/>
+          <p:cNvPr id="169" name="文本框 81"/>
           <p:cNvSpPr txBox="1"/>
           <p:nvPr/>
         </p:nvSpPr>
         <p:spPr>
           <a:xfrm>
-            <a:off x="4896091" y="3048000"/>
-            <a:ext cx="5112087" cy="4817619"/>
+            <a:off x="4896090" y="3047999"/>
+            <a:ext cx="5112089" cy="4817619"/>
           </a:xfrm>
           <a:prstGeom prst="rect">
             <a:avLst/>
@@ -3929,7 +3824,7 @@
           </a:ln>
           <a:extLst>
             <a:ext uri="{C572A759-6A51-4108-AA02-DFA0A04FC94B}">
-              <ma14:wrappingTextBoxFlag xmlns="" xmlns:ma14="http://schemas.microsoft.com/office/mac/drawingml/2011/main" val="1"/>
+              <ma14:wrappingTextBoxFlag xmlns:ma14="http://schemas.microsoft.com/office/mac/drawingml/2011/main" val="1"/>
             </a:ext>
           </a:extLst>
         </p:spPr>
@@ -3951,6 +3846,7 @@
             </a:lvl1pPr>
           </a:lstStyle>
           <a:p>
+            <a:pPr/>
             <a:r>
               <a:t>03</a:t>
             </a:r>
@@ -3959,14 +3855,14 @@
       </p:sp>
       <p:sp>
         <p:nvSpPr>
-          <p:cNvPr id="172" name="Rectangle 18"/>
+          <p:cNvPr id="170" name="Rectangle 18"/>
           <p:cNvSpPr txBox="1"/>
           <p:nvPr/>
         </p:nvSpPr>
         <p:spPr>
           <a:xfrm>
-            <a:off x="2788941" y="4826889"/>
-            <a:ext cx="9326387" cy="1259841"/>
+            <a:off x="2788940" y="4826889"/>
+            <a:ext cx="9326386" cy="1259839"/>
           </a:xfrm>
           <a:prstGeom prst="rect">
             <a:avLst/>
@@ -3976,12 +3872,12 @@
           </a:ln>
           <a:extLst>
             <a:ext uri="{C572A759-6A51-4108-AA02-DFA0A04FC94B}">
-              <ma14:wrappingTextBoxFlag xmlns="" xmlns:ma14="http://schemas.microsoft.com/office/mac/drawingml/2011/main" val="1"/>
+              <ma14:wrappingTextBoxFlag xmlns:ma14="http://schemas.microsoft.com/office/mac/drawingml/2011/main" val="1"/>
             </a:ext>
           </a:extLst>
         </p:spPr>
         <p:txBody>
-          <a:bodyPr wrap="none" lIns="45719" rIns="45719">
+          <a:bodyPr wrap="none" lIns="45718" tIns="45718" rIns="45718" bIns="45718">
             <a:spAutoFit/>
           </a:bodyPr>
           <a:lstStyle>
@@ -3998,6 +3894,7 @@
             </a:lvl1pPr>
           </a:lstStyle>
           <a:p>
+            <a:pPr/>
             <a:r>
               <a:t>TypeScript 语法简单介绍</a:t>
             </a:r>
@@ -4009,14 +3906,14 @@
   <p:clrMapOvr>
     <a:masterClrMapping/>
   </p:clrMapOvr>
-  <mc:AlternateContent xmlns:mc="http://schemas.openxmlformats.org/markup-compatibility/2006" xmlns:p14="http://schemas.microsoft.com/office/powerpoint/2010/main">
-    <mc:Choice Requires="p14">
-      <p:transition>
+  <mc:AlternateContent xmlns:mc="http://schemas.openxmlformats.org/markup-compatibility/2006">
+    <mc:Choice xmlns:p14="http://schemas.microsoft.com/office/powerpoint/2010/main" Requires="p14">
+      <p:transition spd="med" advClick="1" p14:dur="1000">
         <p:dissolve/>
       </p:transition>
     </mc:Choice>
-    <mc:Fallback xmlns="">
-      <p:transition spd="fast">
+    <mc:Fallback>
+      <p:transition spd="med">
         <p:fade/>
       </p:transition>
     </mc:Fallback>
@@ -4025,7 +3922,7 @@
 </file>
 
 <file path=ppt/slides/slide12.xml><?xml version="1.0" encoding="utf-8"?>
-<p:sld xmlns:a="http://schemas.openxmlformats.org/drawingml/2006/main" xmlns:r="http://schemas.openxmlformats.org/officeDocument/2006/relationships" xmlns:p="http://schemas.openxmlformats.org/presentationml/2006/main">
+<p:sld xmlns:a="http://schemas.openxmlformats.org/drawingml/2006/main" xmlns:r="http://schemas.openxmlformats.org/officeDocument/2006/relationships" xmlns:p="http://schemas.openxmlformats.org/presentationml/2006/main" showMasterSp="1" showMasterPhAnim="1">
   <p:cSld>
     <p:spTree>
       <p:nvGrpSpPr>
@@ -4043,7 +3940,7 @@
       </p:grpSpPr>
       <p:pic>
         <p:nvPicPr>
-          <p:cNvPr id="174" name="屏幕快照 2018-03-10 下午3.28.28.png" descr="屏幕快照 2018-03-10 下午3.28.28.png"/>
+          <p:cNvPr id="172" name="屏幕快照 2018-03-10 下午3.28.28.png" descr="屏幕快照 2018-03-10 下午3.28.28.png"/>
           <p:cNvPicPr>
             <a:picLocks noChangeAspect="1"/>
           </p:cNvPicPr>
@@ -4075,14 +3972,14 @@
   <p:clrMapOvr>
     <a:masterClrMapping/>
   </p:clrMapOvr>
-  <mc:AlternateContent xmlns:mc="http://schemas.openxmlformats.org/markup-compatibility/2006" xmlns:p14="http://schemas.microsoft.com/office/powerpoint/2010/main">
-    <mc:Choice Requires="p14">
-      <p:transition>
+  <mc:AlternateContent xmlns:mc="http://schemas.openxmlformats.org/markup-compatibility/2006">
+    <mc:Choice xmlns:p14="http://schemas.microsoft.com/office/powerpoint/2010/main" Requires="p14">
+      <p:transition spd="med" advClick="1" p14:dur="1000">
         <p:dissolve/>
       </p:transition>
     </mc:Choice>
-    <mc:Fallback xmlns="">
-      <p:transition spd="fast">
+    <mc:Fallback>
+      <p:transition spd="med">
         <p:fade/>
       </p:transition>
     </mc:Fallback>
@@ -4091,7 +3988,7 @@
 </file>
 
 <file path=ppt/slides/slide13.xml><?xml version="1.0" encoding="utf-8"?>
-<p:sld xmlns:a="http://schemas.openxmlformats.org/drawingml/2006/main" xmlns:r="http://schemas.openxmlformats.org/officeDocument/2006/relationships" xmlns:p="http://schemas.openxmlformats.org/presentationml/2006/main">
+<p:sld xmlns:a="http://schemas.openxmlformats.org/drawingml/2006/main" xmlns:r="http://schemas.openxmlformats.org/officeDocument/2006/relationships" xmlns:p="http://schemas.openxmlformats.org/presentationml/2006/main" showMasterSp="1" showMasterPhAnim="1">
   <p:cSld>
     <p:spTree>
       <p:nvGrpSpPr>
@@ -4109,7 +4006,7 @@
       </p:grpSpPr>
       <p:pic>
         <p:nvPicPr>
-          <p:cNvPr id="176" name="屏幕快照 2018-03-10 下午4.22.26.png" descr="屏幕快照 2018-03-10 下午4.22.26.png"/>
+          <p:cNvPr id="174" name="屏幕快照 2018-03-10 下午4.22.26.png" descr="屏幕快照 2018-03-10 下午4.22.26.png"/>
           <p:cNvPicPr>
             <a:picLocks noChangeAspect="1"/>
           </p:cNvPicPr>
@@ -4125,8 +4022,8 @@
         </p:blipFill>
         <p:spPr>
           <a:xfrm>
-            <a:off x="2735857" y="823685"/>
-            <a:ext cx="8930149" cy="8182429"/>
+            <a:off x="2735857" y="823684"/>
+            <a:ext cx="8930149" cy="8182431"/>
           </a:xfrm>
           <a:prstGeom prst="rect">
             <a:avLst/>
@@ -4141,14 +4038,14 @@
   <p:clrMapOvr>
     <a:masterClrMapping/>
   </p:clrMapOvr>
-  <mc:AlternateContent xmlns:mc="http://schemas.openxmlformats.org/markup-compatibility/2006" xmlns:p14="http://schemas.microsoft.com/office/powerpoint/2010/main">
-    <mc:Choice Requires="p14">
-      <p:transition>
+  <mc:AlternateContent xmlns:mc="http://schemas.openxmlformats.org/markup-compatibility/2006">
+    <mc:Choice xmlns:p14="http://schemas.microsoft.com/office/powerpoint/2010/main" Requires="p14">
+      <p:transition spd="med" advClick="1" p14:dur="1000">
         <p:dissolve/>
       </p:transition>
     </mc:Choice>
-    <mc:Fallback xmlns="">
-      <p:transition spd="fast">
+    <mc:Fallback>
+      <p:transition spd="med">
         <p:fade/>
       </p:transition>
     </mc:Fallback>
@@ -4157,7 +4054,7 @@
 </file>
 
 <file path=ppt/slides/slide14.xml><?xml version="1.0" encoding="utf-8"?>
-<p:sld xmlns:a="http://schemas.openxmlformats.org/drawingml/2006/main" xmlns:r="http://schemas.openxmlformats.org/officeDocument/2006/relationships" xmlns:p="http://schemas.openxmlformats.org/presentationml/2006/main">
+<p:sld xmlns:a="http://schemas.openxmlformats.org/drawingml/2006/main" xmlns:r="http://schemas.openxmlformats.org/officeDocument/2006/relationships" xmlns:p="http://schemas.openxmlformats.org/presentationml/2006/main" showMasterSp="1" showMasterPhAnim="1">
   <p:cSld>
     <p:spTree>
       <p:nvGrpSpPr>
@@ -4175,7 +4072,7 @@
       </p:grpSpPr>
       <p:pic>
         <p:nvPicPr>
-          <p:cNvPr id="178" name="屏幕快照 2018-03-10 下午5.08.11.png" descr="屏幕快照 2018-03-10 下午5.08.11.png"/>
+          <p:cNvPr id="176" name="屏幕快照 2018-03-10 下午5.08.11.png" descr="屏幕快照 2018-03-10 下午5.08.11.png"/>
           <p:cNvPicPr>
             <a:picLocks noChangeAspect="1"/>
           </p:cNvPicPr>
@@ -4192,7 +4089,7 @@
         <p:spPr>
           <a:xfrm>
             <a:off x="2617353" y="876646"/>
-            <a:ext cx="9167093" cy="8299811"/>
+            <a:ext cx="9167094" cy="8299812"/>
           </a:xfrm>
           <a:prstGeom prst="rect">
             <a:avLst/>
@@ -4207,14 +4104,14 @@
   <p:clrMapOvr>
     <a:masterClrMapping/>
   </p:clrMapOvr>
-  <mc:AlternateContent xmlns:mc="http://schemas.openxmlformats.org/markup-compatibility/2006" xmlns:p14="http://schemas.microsoft.com/office/powerpoint/2010/main">
-    <mc:Choice Requires="p14">
-      <p:transition>
+  <mc:AlternateContent xmlns:mc="http://schemas.openxmlformats.org/markup-compatibility/2006">
+    <mc:Choice xmlns:p14="http://schemas.microsoft.com/office/powerpoint/2010/main" Requires="p14">
+      <p:transition spd="med" advClick="1" p14:dur="1000">
         <p:dissolve/>
       </p:transition>
     </mc:Choice>
-    <mc:Fallback xmlns="">
-      <p:transition spd="fast">
+    <mc:Fallback>
+      <p:transition spd="med">
         <p:fade/>
       </p:transition>
     </mc:Fallback>
@@ -4223,7 +4120,84 @@
 </file>
 
 <file path=ppt/slides/slide15.xml><?xml version="1.0" encoding="utf-8"?>
-<p:sld xmlns:a="http://schemas.openxmlformats.org/drawingml/2006/main" xmlns:r="http://schemas.openxmlformats.org/officeDocument/2006/relationships" xmlns:p="http://schemas.openxmlformats.org/presentationml/2006/main">
+<p:sld xmlns:a="http://schemas.openxmlformats.org/drawingml/2006/main" xmlns:r="http://schemas.openxmlformats.org/officeDocument/2006/relationships" xmlns:p="http://schemas.openxmlformats.org/presentationml/2006/main" showMasterSp="1" showMasterPhAnim="1">
+  <p:cSld>
+    <p:spTree>
+      <p:nvGrpSpPr>
+        <p:cNvPr id="1" name=""/>
+        <p:cNvGrpSpPr/>
+        <p:nvPr/>
+      </p:nvGrpSpPr>
+      <p:grpSpPr>
+        <a:xfrm>
+          <a:off x="0" y="0"/>
+          <a:ext cx="0" cy="0"/>
+          <a:chOff x="0" y="0"/>
+          <a:chExt cx="0" cy="0"/>
+        </a:xfrm>
+      </p:grpSpPr>
+      <p:sp>
+        <p:nvSpPr>
+          <p:cNvPr id="178" name="Talk is cheap, show me the code"/>
+          <p:cNvSpPr txBox="1"/>
+          <p:nvPr/>
+        </p:nvSpPr>
+        <p:spPr>
+          <a:xfrm>
+            <a:off x="2891804" y="4438649"/>
+            <a:ext cx="8618192" cy="774701"/>
+          </a:xfrm>
+          <a:prstGeom prst="rect">
+            <a:avLst/>
+          </a:prstGeom>
+          <a:ln w="12700">
+            <a:miter lim="400000"/>
+          </a:ln>
+          <a:extLst>
+            <a:ext uri="{C572A759-6A51-4108-AA02-DFA0A04FC94B}">
+              <ma14:wrappingTextBoxFlag xmlns:ma14="http://schemas.microsoft.com/office/mac/drawingml/2011/main" val="1"/>
+            </a:ext>
+          </a:extLst>
+        </p:spPr>
+        <p:txBody>
+          <a:bodyPr lIns="50800" tIns="50800" rIns="50800" bIns="50800" anchor="ctr">
+            <a:spAutoFit/>
+          </a:bodyPr>
+          <a:lstStyle>
+            <a:lvl1pPr>
+              <a:defRPr sz="4400"/>
+            </a:lvl1pPr>
+          </a:lstStyle>
+          <a:p>
+            <a:pPr/>
+            <a:r>
+              <a:t>Talk is cheap, show me the code</a:t>
+            </a:r>
+          </a:p>
+        </p:txBody>
+      </p:sp>
+    </p:spTree>
+  </p:cSld>
+  <p:clrMapOvr>
+    <a:masterClrMapping/>
+  </p:clrMapOvr>
+  <mc:AlternateContent xmlns:mc="http://schemas.openxmlformats.org/markup-compatibility/2006">
+    <mc:Choice xmlns:p14="http://schemas.microsoft.com/office/powerpoint/2010/main" Requires="p14">
+      <p:transition spd="med" advClick="1" p14:dur="1000">
+        <p:dissolve/>
+      </p:transition>
+    </mc:Choice>
+    <mc:Fallback>
+      <p:transition spd="med">
+        <p:fade/>
+      </p:transition>
+    </mc:Fallback>
+  </mc:AlternateContent>
+</p:sld>
+</file>
+
+<file path=ppt/slides/slide16.xml><?xml version="1.0" encoding="utf-8"?>
+<p:sld xmlns:a="http://schemas.openxmlformats.org/drawingml/2006/main" xmlns:r="http://schemas.openxmlformats.org/officeDocument/2006/relationships" xmlns:p="http://schemas.openxmlformats.org/presentationml/2006/main" showMasterSp="1" showMasterPhAnim="1">
   <p:cSld>
     <p:spTree>
       <p:nvGrpSpPr>
@@ -4247,8 +4221,8 @@
         </p:nvSpPr>
         <p:spPr>
           <a:xfrm>
-            <a:off x="4896091" y="3048000"/>
-            <a:ext cx="5112087" cy="4817619"/>
+            <a:off x="4896090" y="3047999"/>
+            <a:ext cx="5112089" cy="4817619"/>
           </a:xfrm>
           <a:prstGeom prst="rect">
             <a:avLst/>
@@ -4258,7 +4232,7 @@
           </a:ln>
           <a:extLst>
             <a:ext uri="{C572A759-6A51-4108-AA02-DFA0A04FC94B}">
-              <ma14:wrappingTextBoxFlag xmlns="" xmlns:ma14="http://schemas.microsoft.com/office/mac/drawingml/2011/main" val="1"/>
+              <ma14:wrappingTextBoxFlag xmlns:ma14="http://schemas.microsoft.com/office/mac/drawingml/2011/main" val="1"/>
             </a:ext>
           </a:extLst>
         </p:spPr>
@@ -4280,6 +4254,7 @@
             </a:lvl1pPr>
           </a:lstStyle>
           <a:p>
+            <a:pPr/>
             <a:r>
               <a:t>04</a:t>
             </a:r>
@@ -4294,8 +4269,8 @@
         </p:nvSpPr>
         <p:spPr>
           <a:xfrm>
-            <a:off x="2180754" y="4909439"/>
-            <a:ext cx="10557494" cy="1094741"/>
+            <a:off x="2180753" y="4909439"/>
+            <a:ext cx="10557492" cy="1094739"/>
           </a:xfrm>
           <a:prstGeom prst="rect">
             <a:avLst/>
@@ -4305,12 +4280,12 @@
           </a:ln>
           <a:extLst>
             <a:ext uri="{C572A759-6A51-4108-AA02-DFA0A04FC94B}">
-              <ma14:wrappingTextBoxFlag xmlns="" xmlns:ma14="http://schemas.microsoft.com/office/mac/drawingml/2011/main" val="1"/>
+              <ma14:wrappingTextBoxFlag xmlns:ma14="http://schemas.microsoft.com/office/mac/drawingml/2011/main" val="1"/>
             </a:ext>
           </a:extLst>
         </p:spPr>
         <p:txBody>
-          <a:bodyPr wrap="none" lIns="45719" rIns="45719">
+          <a:bodyPr wrap="none" lIns="45718" tIns="45718" rIns="45718" bIns="45718">
             <a:spAutoFit/>
           </a:bodyPr>
           <a:lstStyle>
@@ -4327,6 +4302,7 @@
             </a:lvl1pPr>
           </a:lstStyle>
           <a:p>
+            <a:pPr/>
             <a:r>
               <a:t>TypeScript + VSCode + Vue</a:t>
             </a:r>
@@ -4338,14 +4314,14 @@
   <p:clrMapOvr>
     <a:masterClrMapping/>
   </p:clrMapOvr>
-  <mc:AlternateContent xmlns:mc="http://schemas.openxmlformats.org/markup-compatibility/2006" xmlns:p14="http://schemas.microsoft.com/office/powerpoint/2010/main">
-    <mc:Choice Requires="p14">
-      <p:transition>
+  <mc:AlternateContent xmlns:mc="http://schemas.openxmlformats.org/markup-compatibility/2006">
+    <mc:Choice xmlns:p14="http://schemas.microsoft.com/office/powerpoint/2010/main" Requires="p14">
+      <p:transition spd="med" advClick="1" p14:dur="1000">
         <p:dissolve/>
       </p:transition>
     </mc:Choice>
-    <mc:Fallback xmlns="">
-      <p:transition spd="fast">
+    <mc:Fallback>
+      <p:transition spd="med">
         <p:fade/>
       </p:transition>
     </mc:Fallback>
@@ -4353,8 +4329,8 @@
 </p:sld>
 </file>
 
-<file path=ppt/slides/slide16.xml><?xml version="1.0" encoding="utf-8"?>
-<p:sld xmlns:a="http://schemas.openxmlformats.org/drawingml/2006/main" xmlns:r="http://schemas.openxmlformats.org/officeDocument/2006/relationships" xmlns:p="http://schemas.openxmlformats.org/presentationml/2006/main">
+<file path=ppt/slides/slide17.xml><?xml version="1.0" encoding="utf-8"?>
+<p:sld xmlns:a="http://schemas.openxmlformats.org/drawingml/2006/main" xmlns:r="http://schemas.openxmlformats.org/officeDocument/2006/relationships" xmlns:p="http://schemas.openxmlformats.org/presentationml/2006/main" showMasterSp="1" showMasterPhAnim="1">
   <p:cSld>
     <p:spTree>
       <p:nvGrpSpPr>
@@ -4374,7 +4350,7 @@
         <p:nvPicPr>
           <p:cNvPr id="183" name="list1.gif" descr="list1.gif"/>
           <p:cNvPicPr>
-            <a:picLocks/>
+            <a:picLocks noChangeAspect="0"/>
           </p:cNvPicPr>
           <p:nvPr/>
         </p:nvPicPr>
@@ -4388,8 +4364,8 @@
         </p:blipFill>
         <p:spPr>
           <a:xfrm>
-            <a:off x="2783801" y="1434702"/>
-            <a:ext cx="8834198" cy="7120237"/>
+            <a:off x="2783801" y="1434701"/>
+            <a:ext cx="8834198" cy="7120238"/>
           </a:xfrm>
           <a:prstGeom prst="rect">
             <a:avLst/>
@@ -4404,14 +4380,14 @@
   <p:clrMapOvr>
     <a:masterClrMapping/>
   </p:clrMapOvr>
-  <mc:AlternateContent xmlns:mc="http://schemas.openxmlformats.org/markup-compatibility/2006" xmlns:p14="http://schemas.microsoft.com/office/powerpoint/2010/main">
-    <mc:Choice Requires="p14">
-      <p:transition>
+  <mc:AlternateContent xmlns:mc="http://schemas.openxmlformats.org/markup-compatibility/2006">
+    <mc:Choice xmlns:p14="http://schemas.microsoft.com/office/powerpoint/2010/main" Requires="p14">
+      <p:transition spd="med" advClick="1" p14:dur="1000">
         <p:dissolve/>
       </p:transition>
     </mc:Choice>
-    <mc:Fallback xmlns="">
-      <p:transition spd="fast">
+    <mc:Fallback>
+      <p:transition spd="med">
         <p:fade/>
       </p:transition>
     </mc:Fallback>
@@ -4419,8 +4395,8 @@
 </p:sld>
 </file>
 
-<file path=ppt/slides/slide17.xml><?xml version="1.0" encoding="utf-8"?>
-<p:sld xmlns:a="http://schemas.openxmlformats.org/drawingml/2006/main" xmlns:r="http://schemas.openxmlformats.org/officeDocument/2006/relationships" xmlns:p="http://schemas.openxmlformats.org/presentationml/2006/main">
+<file path=ppt/slides/slide18.xml><?xml version="1.0" encoding="utf-8"?>
+<p:sld xmlns:a="http://schemas.openxmlformats.org/drawingml/2006/main" xmlns:r="http://schemas.openxmlformats.org/officeDocument/2006/relationships" xmlns:p="http://schemas.openxmlformats.org/presentationml/2006/main" showMasterSp="1" showMasterPhAnim="1">
   <p:cSld>
     <p:spTree>
       <p:nvGrpSpPr>
@@ -4440,7 +4416,7 @@
         <p:nvPicPr>
           <p:cNvPr id="185" name="list3.gif" descr="list3.gif"/>
           <p:cNvPicPr>
-            <a:picLocks/>
+            <a:picLocks noChangeAspect="0"/>
           </p:cNvPicPr>
           <p:nvPr/>
         </p:nvPicPr>
@@ -4454,8 +4430,8 @@
         </p:blipFill>
         <p:spPr>
           <a:xfrm>
-            <a:off x="2501806" y="877473"/>
-            <a:ext cx="9398188" cy="8100254"/>
+            <a:off x="2501806" y="877472"/>
+            <a:ext cx="9398189" cy="8100255"/>
           </a:xfrm>
           <a:prstGeom prst="rect">
             <a:avLst/>
@@ -4470,12 +4446,12 @@
   <p:clrMapOvr>
     <a:masterClrMapping/>
   </p:clrMapOvr>
-  <p:transition spd="med"/>
+  <p:transition xmlns:p14="http://schemas.microsoft.com/office/powerpoint/2010/main" spd="med" advClick="1"/>
 </p:sld>
 </file>
 
-<file path=ppt/slides/slide18.xml><?xml version="1.0" encoding="utf-8"?>
-<p:sld xmlns:a="http://schemas.openxmlformats.org/drawingml/2006/main" xmlns:r="http://schemas.openxmlformats.org/officeDocument/2006/relationships" xmlns:p="http://schemas.openxmlformats.org/presentationml/2006/main">
+<file path=ppt/slides/slide19.xml><?xml version="1.0" encoding="utf-8"?>
+<p:sld xmlns:a="http://schemas.openxmlformats.org/drawingml/2006/main" xmlns:r="http://schemas.openxmlformats.org/officeDocument/2006/relationships" xmlns:p="http://schemas.openxmlformats.org/presentationml/2006/main" showMasterSp="1" showMasterPhAnim="1">
   <p:cSld>
     <p:spTree>
       <p:nvGrpSpPr>
@@ -4500,7 +4476,7 @@
         <p:spPr>
           <a:xfrm>
             <a:off x="4630454" y="4719506"/>
-            <a:ext cx="5684424" cy="1046440"/>
+            <a:ext cx="5684425" cy="1031239"/>
           </a:xfrm>
           <a:prstGeom prst="rect">
             <a:avLst/>
@@ -4510,26 +4486,27 @@
           </a:ln>
           <a:extLst>
             <a:ext uri="{C572A759-6A51-4108-AA02-DFA0A04FC94B}">
-              <ma14:wrappingTextBoxFlag xmlns="" xmlns:ma14="http://schemas.microsoft.com/office/mac/drawingml/2011/main" val="1"/>
+              <ma14:wrappingTextBoxFlag xmlns:ma14="http://schemas.microsoft.com/office/mac/drawingml/2011/main" val="1"/>
             </a:ext>
           </a:extLst>
         </p:spPr>
         <p:txBody>
-          <a:bodyPr wrap="square" lIns="45719" rIns="45719">
+          <a:bodyPr lIns="45718" tIns="45718" rIns="45718" bIns="45718">
             <a:spAutoFit/>
           </a:bodyPr>
-          <a:lstStyle/>
-          <a:p>
-            <a:pPr algn="ctr">
+          <a:lstStyle>
+            <a:lvl1pPr algn="ctr">
               <a:defRPr sz="6200">
                 <a:latin typeface="Microsoft YaHei"/>
                 <a:ea typeface="Microsoft YaHei"/>
                 <a:cs typeface="Microsoft YaHei"/>
                 <a:sym typeface="Microsoft YaHei"/>
               </a:defRPr>
-            </a:pPr>
-            <a:r>
-              <a:rPr dirty="0"/>
+            </a:lvl1pPr>
+          </a:lstStyle>
+          <a:p>
+            <a:pPr/>
+            <a:r>
               <a:t>Thanks</a:t>
             </a:r>
           </a:p>
@@ -4540,12 +4517,12 @@
   <p:clrMapOvr>
     <a:masterClrMapping/>
   </p:clrMapOvr>
-  <p:transition spd="med"/>
+  <p:transition xmlns:p14="http://schemas.microsoft.com/office/powerpoint/2010/main" spd="med" advClick="1"/>
 </p:sld>
 </file>
 
 <file path=ppt/slides/slide2.xml><?xml version="1.0" encoding="utf-8"?>
-<p:sld xmlns:a="http://schemas.openxmlformats.org/drawingml/2006/main" xmlns:r="http://schemas.openxmlformats.org/officeDocument/2006/relationships" xmlns:p="http://schemas.openxmlformats.org/presentationml/2006/main">
+<p:sld xmlns:a="http://schemas.openxmlformats.org/drawingml/2006/main" xmlns:r="http://schemas.openxmlformats.org/officeDocument/2006/relationships" xmlns:p="http://schemas.openxmlformats.org/presentationml/2006/main" showMasterSp="1" showMasterPhAnim="1">
   <p:cSld>
     <p:spTree>
       <p:nvGrpSpPr>
@@ -4569,8 +4546,8 @@
         </p:nvSpPr>
         <p:spPr>
           <a:xfrm>
-            <a:off x="3210897" y="2051009"/>
-            <a:ext cx="919538" cy="969519"/>
+            <a:off x="3210897" y="2051008"/>
+            <a:ext cx="919537" cy="969519"/>
           </a:xfrm>
           <a:prstGeom prst="rect">
             <a:avLst/>
@@ -4583,7 +4560,7 @@
           </a:ln>
           <a:extLst>
             <a:ext uri="{C572A759-6A51-4108-AA02-DFA0A04FC94B}">
-              <ma14:wrappingTextBoxFlag xmlns="" xmlns:ma14="http://schemas.microsoft.com/office/mac/drawingml/2011/main" val="1"/>
+              <ma14:wrappingTextBoxFlag xmlns:ma14="http://schemas.microsoft.com/office/mac/drawingml/2011/main" val="1"/>
             </a:ext>
           </a:extLst>
         </p:spPr>
@@ -4605,6 +4582,7 @@
             </a:lvl1pPr>
           </a:lstStyle>
           <a:p>
+            <a:pPr/>
             <a:r>
               <a:t>01</a:t>
             </a:r>
@@ -4619,7 +4597,7 @@
         </p:nvSpPr>
         <p:spPr>
           <a:xfrm>
-            <a:off x="3218895" y="3364496"/>
+            <a:off x="3218894" y="3364496"/>
             <a:ext cx="919538" cy="969519"/>
           </a:xfrm>
           <a:prstGeom prst="rect">
@@ -4633,7 +4611,7 @@
           </a:ln>
           <a:extLst>
             <a:ext uri="{C572A759-6A51-4108-AA02-DFA0A04FC94B}">
-              <ma14:wrappingTextBoxFlag xmlns="" xmlns:ma14="http://schemas.microsoft.com/office/mac/drawingml/2011/main" val="1"/>
+              <ma14:wrappingTextBoxFlag xmlns:ma14="http://schemas.microsoft.com/office/mac/drawingml/2011/main" val="1"/>
             </a:ext>
           </a:extLst>
         </p:spPr>
@@ -4655,6 +4633,7 @@
             </a:lvl1pPr>
           </a:lstStyle>
           <a:p>
+            <a:pPr/>
             <a:r>
               <a:t>02</a:t>
             </a:r>
@@ -4670,7 +4649,7 @@
         <p:spPr>
           <a:xfrm>
             <a:off x="3210897" y="4667784"/>
-            <a:ext cx="919538" cy="969519"/>
+            <a:ext cx="919537" cy="969519"/>
           </a:xfrm>
           <a:prstGeom prst="rect">
             <a:avLst/>
@@ -4683,7 +4662,7 @@
           </a:ln>
           <a:extLst>
             <a:ext uri="{C572A759-6A51-4108-AA02-DFA0A04FC94B}">
-              <ma14:wrappingTextBoxFlag xmlns="" xmlns:ma14="http://schemas.microsoft.com/office/mac/drawingml/2011/main" val="1"/>
+              <ma14:wrappingTextBoxFlag xmlns:ma14="http://schemas.microsoft.com/office/mac/drawingml/2011/main" val="1"/>
             </a:ext>
           </a:extLst>
         </p:spPr>
@@ -4705,6 +4684,7 @@
             </a:lvl1pPr>
           </a:lstStyle>
           <a:p>
+            <a:pPr/>
             <a:r>
               <a:t>03</a:t>
             </a:r>
@@ -4719,8 +4699,8 @@
         </p:nvSpPr>
         <p:spPr>
           <a:xfrm>
-            <a:off x="4609392" y="2172548"/>
-            <a:ext cx="4877507" cy="812530"/>
+            <a:off x="4609391" y="2172548"/>
+            <a:ext cx="4877508" cy="726439"/>
           </a:xfrm>
           <a:prstGeom prst="rect">
             <a:avLst/>
@@ -4730,12 +4710,12 @@
           </a:ln>
           <a:extLst>
             <a:ext uri="{C572A759-6A51-4108-AA02-DFA0A04FC94B}">
-              <ma14:wrappingTextBoxFlag xmlns="" xmlns:ma14="http://schemas.microsoft.com/office/mac/drawingml/2011/main" val="1"/>
+              <ma14:wrappingTextBoxFlag xmlns:ma14="http://schemas.microsoft.com/office/mac/drawingml/2011/main" val="1"/>
             </a:ext>
           </a:extLst>
         </p:spPr>
         <p:txBody>
-          <a:bodyPr wrap="square" lIns="45719" rIns="45719">
+          <a:bodyPr lIns="45718" tIns="45718" rIns="45718" bIns="45718">
             <a:spAutoFit/>
           </a:bodyPr>
           <a:lstStyle>
@@ -4743,7 +4723,7 @@
               <a:lnSpc>
                 <a:spcPct val="130000"/>
               </a:lnSpc>
-              <a:defRPr sz="3600" b="1">
+              <a:defRPr b="1" sz="3600">
                 <a:latin typeface="微软雅黑"/>
                 <a:ea typeface="微软雅黑"/>
                 <a:cs typeface="微软雅黑"/>
@@ -4752,19 +4732,10 @@
             </a:lvl1pPr>
           </a:lstStyle>
           <a:p>
-            <a:r>
-              <a:rPr dirty="0" err="1"/>
-              <a:t>什么是</a:t>
-            </a:r>
-            <a:r>
-              <a:rPr dirty="0"/>
-              <a:t> </a:t>
-            </a:r>
-            <a:r>
-              <a:rPr dirty="0" err="1"/>
-              <a:t>TypeScript</a:t>
-            </a:r>
-            <a:endParaRPr dirty="0"/>
+            <a:pPr/>
+            <a:r>
+              <a:t>什么是 TypeScript</a:t>
+            </a:r>
           </a:p>
         </p:txBody>
       </p:sp>
@@ -4777,7 +4748,7 @@
         <p:spPr>
           <a:xfrm>
             <a:off x="4603453" y="4789323"/>
-            <a:ext cx="5591100" cy="726441"/>
+            <a:ext cx="7786513" cy="726439"/>
           </a:xfrm>
           <a:prstGeom prst="rect">
             <a:avLst/>
@@ -4787,12 +4758,12 @@
           </a:ln>
           <a:extLst>
             <a:ext uri="{C572A759-6A51-4108-AA02-DFA0A04FC94B}">
-              <ma14:wrappingTextBoxFlag xmlns="" xmlns:ma14="http://schemas.microsoft.com/office/mac/drawingml/2011/main" val="1"/>
+              <ma14:wrappingTextBoxFlag xmlns:ma14="http://schemas.microsoft.com/office/mac/drawingml/2011/main" val="1"/>
             </a:ext>
           </a:extLst>
         </p:spPr>
         <p:txBody>
-          <a:bodyPr lIns="45719" rIns="45719">
+          <a:bodyPr lIns="45718" tIns="45718" rIns="45718" bIns="45718">
             <a:spAutoFit/>
           </a:bodyPr>
           <a:lstStyle>
@@ -4800,7 +4771,7 @@
               <a:lnSpc>
                 <a:spcPct val="130000"/>
               </a:lnSpc>
-              <a:defRPr sz="3600" b="1">
+              <a:defRPr b="1" sz="3600">
                 <a:latin typeface="微软雅黑"/>
                 <a:ea typeface="微软雅黑"/>
                 <a:cs typeface="微软雅黑"/>
@@ -4809,8 +4780,9 @@
             </a:lvl1pPr>
           </a:lstStyle>
           <a:p>
-            <a:r>
-              <a:t>TypeScript 语法简单介绍</a:t>
+            <a:pPr/>
+            <a:r>
+              <a:t>TypeScript 语法简单介绍 / Live code</a:t>
             </a:r>
           </a:p>
         </p:txBody>
@@ -4823,8 +4795,8 @@
         </p:nvSpPr>
         <p:spPr>
           <a:xfrm>
-            <a:off x="4603453" y="3486035"/>
-            <a:ext cx="5015681" cy="726441"/>
+            <a:off x="4603453" y="3486034"/>
+            <a:ext cx="5015682" cy="726439"/>
           </a:xfrm>
           <a:prstGeom prst="rect">
             <a:avLst/>
@@ -4834,12 +4806,12 @@
           </a:ln>
           <a:extLst>
             <a:ext uri="{C572A759-6A51-4108-AA02-DFA0A04FC94B}">
-              <ma14:wrappingTextBoxFlag xmlns="" xmlns:ma14="http://schemas.microsoft.com/office/mac/drawingml/2011/main" val="1"/>
+              <ma14:wrappingTextBoxFlag xmlns:ma14="http://schemas.microsoft.com/office/mac/drawingml/2011/main" val="1"/>
             </a:ext>
           </a:extLst>
         </p:spPr>
         <p:txBody>
-          <a:bodyPr lIns="45719" rIns="45719">
+          <a:bodyPr lIns="45718" tIns="45718" rIns="45718" bIns="45718">
             <a:spAutoFit/>
           </a:bodyPr>
           <a:lstStyle>
@@ -4847,7 +4819,7 @@
               <a:lnSpc>
                 <a:spcPct val="130000"/>
               </a:lnSpc>
-              <a:defRPr sz="3600" b="1">
+              <a:defRPr b="1" sz="3600">
                 <a:latin typeface="微软雅黑"/>
                 <a:ea typeface="微软雅黑"/>
                 <a:cs typeface="微软雅黑"/>
@@ -4856,19 +4828,10 @@
             </a:lvl1pPr>
           </a:lstStyle>
           <a:p>
-            <a:r>
-              <a:rPr dirty="0" err="1"/>
-              <a:t>为什么选择</a:t>
-            </a:r>
-            <a:r>
-              <a:rPr dirty="0"/>
-              <a:t> </a:t>
-            </a:r>
-            <a:r>
-              <a:rPr dirty="0" err="1"/>
-              <a:t>TypeScript</a:t>
-            </a:r>
-            <a:endParaRPr dirty="0"/>
+            <a:pPr/>
+            <a:r>
+              <a:t>为什么选择 TypeScript</a:t>
+            </a:r>
           </a:p>
         </p:txBody>
       </p:sp>
@@ -4880,7 +4843,7 @@
         </p:nvSpPr>
         <p:spPr>
           <a:xfrm>
-            <a:off x="3187950" y="5971072"/>
+            <a:off x="3187949" y="5971071"/>
             <a:ext cx="919538" cy="969519"/>
           </a:xfrm>
           <a:prstGeom prst="rect">
@@ -4894,7 +4857,7 @@
           </a:ln>
           <a:extLst>
             <a:ext uri="{C572A759-6A51-4108-AA02-DFA0A04FC94B}">
-              <ma14:wrappingTextBoxFlag xmlns="" xmlns:ma14="http://schemas.microsoft.com/office/mac/drawingml/2011/main" val="1"/>
+              <ma14:wrappingTextBoxFlag xmlns:ma14="http://schemas.microsoft.com/office/mac/drawingml/2011/main" val="1"/>
             </a:ext>
           </a:extLst>
         </p:spPr>
@@ -4916,6 +4879,7 @@
             </a:lvl1pPr>
           </a:lstStyle>
           <a:p>
+            <a:pPr/>
             <a:r>
               <a:t>04</a:t>
             </a:r>
@@ -4931,7 +4895,7 @@
         <p:spPr>
           <a:xfrm>
             <a:off x="4580506" y="6137061"/>
-            <a:ext cx="6633344" cy="637541"/>
+            <a:ext cx="6633345" cy="637539"/>
           </a:xfrm>
           <a:prstGeom prst="rect">
             <a:avLst/>
@@ -4941,12 +4905,12 @@
           </a:ln>
           <a:extLst>
             <a:ext uri="{C572A759-6A51-4108-AA02-DFA0A04FC94B}">
-              <ma14:wrappingTextBoxFlag xmlns="" xmlns:ma14="http://schemas.microsoft.com/office/mac/drawingml/2011/main" val="1"/>
+              <ma14:wrappingTextBoxFlag xmlns:ma14="http://schemas.microsoft.com/office/mac/drawingml/2011/main" val="1"/>
             </a:ext>
           </a:extLst>
         </p:spPr>
         <p:txBody>
-          <a:bodyPr lIns="45719" rIns="45719">
+          <a:bodyPr lIns="45718" tIns="45718" rIns="45718" bIns="45718">
             <a:spAutoFit/>
           </a:bodyPr>
           <a:lstStyle>
@@ -4954,7 +4918,7 @@
               <a:lnSpc>
                 <a:spcPct val="130000"/>
               </a:lnSpc>
-              <a:defRPr sz="3600" b="1">
+              <a:defRPr b="1" sz="3600">
                 <a:latin typeface="微软雅黑"/>
                 <a:ea typeface="微软雅黑"/>
                 <a:cs typeface="微软雅黑"/>
@@ -4963,6 +4927,7 @@
             </a:lvl1pPr>
           </a:lstStyle>
           <a:p>
+            <a:pPr/>
             <a:r>
               <a:t>TypeScript + VSCode + Vue</a:t>
             </a:r>
@@ -4974,14 +4939,14 @@
   <p:clrMapOvr>
     <a:masterClrMapping/>
   </p:clrMapOvr>
-  <mc:AlternateContent xmlns:mc="http://schemas.openxmlformats.org/markup-compatibility/2006" xmlns:p14="http://schemas.microsoft.com/office/powerpoint/2010/main">
-    <mc:Choice Requires="p14">
-      <p:transition>
+  <mc:AlternateContent xmlns:mc="http://schemas.openxmlformats.org/markup-compatibility/2006">
+    <mc:Choice xmlns:p14="http://schemas.microsoft.com/office/powerpoint/2010/main" Requires="p14">
+      <p:transition spd="med" advClick="1" p14:dur="1000">
         <p:dissolve/>
       </p:transition>
     </mc:Choice>
-    <mc:Fallback xmlns="">
-      <p:transition spd="fast">
+    <mc:Fallback>
+      <p:transition spd="med">
         <p:fade/>
       </p:transition>
     </mc:Fallback>
@@ -4990,7 +4955,7 @@
 </file>
 
 <file path=ppt/slides/slide3.xml><?xml version="1.0" encoding="utf-8"?>
-<p:sld xmlns:a="http://schemas.openxmlformats.org/drawingml/2006/main" xmlns:r="http://schemas.openxmlformats.org/officeDocument/2006/relationships" xmlns:p="http://schemas.openxmlformats.org/presentationml/2006/main">
+<p:sld xmlns:a="http://schemas.openxmlformats.org/drawingml/2006/main" xmlns:r="http://schemas.openxmlformats.org/officeDocument/2006/relationships" xmlns:p="http://schemas.openxmlformats.org/presentationml/2006/main" showMasterSp="1" showMasterPhAnim="1">
   <p:cSld>
     <p:spTree>
       <p:nvGrpSpPr>
@@ -5014,8 +4979,8 @@
         </p:nvSpPr>
         <p:spPr>
           <a:xfrm>
-            <a:off x="4896091" y="3048000"/>
-            <a:ext cx="5112087" cy="4817619"/>
+            <a:off x="4896090" y="3047999"/>
+            <a:ext cx="5112089" cy="4817619"/>
           </a:xfrm>
           <a:prstGeom prst="rect">
             <a:avLst/>
@@ -5025,7 +4990,7 @@
           </a:ln>
           <a:extLst>
             <a:ext uri="{C572A759-6A51-4108-AA02-DFA0A04FC94B}">
-              <ma14:wrappingTextBoxFlag xmlns="" xmlns:ma14="http://schemas.microsoft.com/office/mac/drawingml/2011/main" val="1"/>
+              <ma14:wrappingTextBoxFlag xmlns:ma14="http://schemas.microsoft.com/office/mac/drawingml/2011/main" val="1"/>
             </a:ext>
           </a:extLst>
         </p:spPr>
@@ -5047,6 +5012,7 @@
             </a:lvl1pPr>
           </a:lstStyle>
           <a:p>
+            <a:pPr/>
             <a:r>
               <a:t>01</a:t>
             </a:r>
@@ -5061,8 +5027,8 @@
         </p:nvSpPr>
         <p:spPr>
           <a:xfrm>
-            <a:off x="3802373" y="4767579"/>
-            <a:ext cx="6797054" cy="1259841"/>
+            <a:off x="3802372" y="4767579"/>
+            <a:ext cx="6797052" cy="1259839"/>
           </a:xfrm>
           <a:prstGeom prst="rect">
             <a:avLst/>
@@ -5072,12 +5038,12 @@
           </a:ln>
           <a:extLst>
             <a:ext uri="{C572A759-6A51-4108-AA02-DFA0A04FC94B}">
-              <ma14:wrappingTextBoxFlag xmlns="" xmlns:ma14="http://schemas.microsoft.com/office/mac/drawingml/2011/main" val="1"/>
+              <ma14:wrappingTextBoxFlag xmlns:ma14="http://schemas.microsoft.com/office/mac/drawingml/2011/main" val="1"/>
             </a:ext>
           </a:extLst>
         </p:spPr>
         <p:txBody>
-          <a:bodyPr wrap="none" lIns="45719" rIns="45719">
+          <a:bodyPr wrap="none" lIns="45718" tIns="45718" rIns="45718" bIns="45718">
             <a:spAutoFit/>
           </a:bodyPr>
           <a:lstStyle>
@@ -5094,6 +5060,7 @@
             </a:lvl1pPr>
           </a:lstStyle>
           <a:p>
+            <a:pPr/>
             <a:r>
               <a:t>什么是 TypeScript</a:t>
             </a:r>
@@ -5105,14 +5072,14 @@
   <p:clrMapOvr>
     <a:masterClrMapping/>
   </p:clrMapOvr>
-  <mc:AlternateContent xmlns:mc="http://schemas.openxmlformats.org/markup-compatibility/2006" xmlns:p14="http://schemas.microsoft.com/office/powerpoint/2010/main">
-    <mc:Choice Requires="p14">
-      <p:transition>
+  <mc:AlternateContent xmlns:mc="http://schemas.openxmlformats.org/markup-compatibility/2006">
+    <mc:Choice xmlns:p14="http://schemas.microsoft.com/office/powerpoint/2010/main" Requires="p14">
+      <p:transition spd="med" advClick="1" p14:dur="1000">
         <p:dissolve/>
       </p:transition>
     </mc:Choice>
-    <mc:Fallback xmlns="">
-      <p:transition spd="fast">
+    <mc:Fallback>
+      <p:transition spd="med">
         <p:fade/>
       </p:transition>
     </mc:Fallback>
@@ -5121,7 +5088,7 @@
 </file>
 
 <file path=ppt/slides/slide4.xml><?xml version="1.0" encoding="utf-8"?>
-<p:sld xmlns:a="http://schemas.openxmlformats.org/drawingml/2006/main" xmlns:r="http://schemas.openxmlformats.org/officeDocument/2006/relationships" xmlns:p="http://schemas.openxmlformats.org/presentationml/2006/main">
+<p:sld xmlns:a="http://schemas.openxmlformats.org/drawingml/2006/main" xmlns:r="http://schemas.openxmlformats.org/officeDocument/2006/relationships" xmlns:p="http://schemas.openxmlformats.org/presentationml/2006/main" showMasterSp="1" showMasterPhAnim="1">
   <p:cSld>
     <p:spTree>
       <p:nvGrpSpPr>
@@ -5145,8 +5112,8 @@
         </p:nvSpPr>
         <p:spPr>
           <a:xfrm>
-            <a:off x="1740123" y="3873500"/>
-            <a:ext cx="10921554" cy="1498601"/>
+            <a:off x="1740122" y="3873499"/>
+            <a:ext cx="10921556" cy="1498601"/>
           </a:xfrm>
           <a:prstGeom prst="rect">
             <a:avLst/>
@@ -5156,7 +5123,7 @@
           </a:ln>
           <a:extLst>
             <a:ext uri="{C572A759-6A51-4108-AA02-DFA0A04FC94B}">
-              <ma14:wrappingTextBoxFlag xmlns="" xmlns:ma14="http://schemas.microsoft.com/office/mac/drawingml/2011/main" val="1"/>
+              <ma14:wrappingTextBoxFlag xmlns:ma14="http://schemas.microsoft.com/office/mac/drawingml/2011/main" val="1"/>
             </a:ext>
           </a:extLst>
         </p:spPr>
@@ -5180,14 +5147,14 @@
   <p:clrMapOvr>
     <a:masterClrMapping/>
   </p:clrMapOvr>
-  <mc:AlternateContent xmlns:mc="http://schemas.openxmlformats.org/markup-compatibility/2006" xmlns:p14="http://schemas.microsoft.com/office/powerpoint/2010/main">
-    <mc:Choice Requires="p14">
-      <p:transition>
+  <mc:AlternateContent xmlns:mc="http://schemas.openxmlformats.org/markup-compatibility/2006">
+    <mc:Choice xmlns:p14="http://schemas.microsoft.com/office/powerpoint/2010/main" Requires="p14">
+      <p:transition spd="med" advClick="1" p14:dur="1000">
         <p:dissolve/>
       </p:transition>
     </mc:Choice>
-    <mc:Fallback xmlns="">
-      <p:transition spd="fast">
+    <mc:Fallback>
+      <p:transition spd="med">
         <p:fade/>
       </p:transition>
     </mc:Fallback>
@@ -5196,7 +5163,7 @@
 </file>
 
 <file path=ppt/slides/slide5.xml><?xml version="1.0" encoding="utf-8"?>
-<p:sld xmlns:a="http://schemas.openxmlformats.org/drawingml/2006/main" xmlns:r="http://schemas.openxmlformats.org/officeDocument/2006/relationships" xmlns:p="http://schemas.openxmlformats.org/presentationml/2006/main">
+<p:sld xmlns:a="http://schemas.openxmlformats.org/drawingml/2006/main" xmlns:r="http://schemas.openxmlformats.org/officeDocument/2006/relationships" xmlns:p="http://schemas.openxmlformats.org/presentationml/2006/main" showMasterSp="1" showMasterPhAnim="1">
   <p:cSld>
     <p:spTree>
       <p:nvGrpSpPr>
@@ -5230,8 +5197,8 @@
         </p:blipFill>
         <p:spPr>
           <a:xfrm>
-            <a:off x="698500" y="1202481"/>
-            <a:ext cx="12700000" cy="7112001"/>
+            <a:off x="698500" y="1202480"/>
+            <a:ext cx="12700000" cy="7112002"/>
           </a:xfrm>
           <a:prstGeom prst="rect">
             <a:avLst/>
@@ -5246,14 +5213,14 @@
   <p:clrMapOvr>
     <a:masterClrMapping/>
   </p:clrMapOvr>
-  <mc:AlternateContent xmlns:mc="http://schemas.openxmlformats.org/markup-compatibility/2006" xmlns:p14="http://schemas.microsoft.com/office/powerpoint/2010/main">
-    <mc:Choice Requires="p14">
-      <p:transition>
+  <mc:AlternateContent xmlns:mc="http://schemas.openxmlformats.org/markup-compatibility/2006">
+    <mc:Choice xmlns:p14="http://schemas.microsoft.com/office/powerpoint/2010/main" Requires="p14">
+      <p:transition spd="med" advClick="1" p14:dur="1000">
         <p:dissolve/>
       </p:transition>
     </mc:Choice>
-    <mc:Fallback xmlns="">
-      <p:transition spd="fast">
+    <mc:Fallback>
+      <p:transition spd="med">
         <p:fade/>
       </p:transition>
     </mc:Fallback>
@@ -5262,7 +5229,7 @@
 </file>
 
 <file path=ppt/slides/slide6.xml><?xml version="1.0" encoding="utf-8"?>
-<p:sld xmlns:a="http://schemas.openxmlformats.org/drawingml/2006/main" xmlns:r="http://schemas.openxmlformats.org/officeDocument/2006/relationships" xmlns:p="http://schemas.openxmlformats.org/presentationml/2006/main">
+<p:sld xmlns:a="http://schemas.openxmlformats.org/drawingml/2006/main" xmlns:r="http://schemas.openxmlformats.org/officeDocument/2006/relationships" xmlns:p="http://schemas.openxmlformats.org/presentationml/2006/main" showMasterSp="1" showMasterPhAnim="1">
   <p:cSld>
     <p:spTree>
       <p:nvGrpSpPr>
@@ -5280,14 +5247,14 @@
       </p:grpSpPr>
       <p:sp>
         <p:nvSpPr>
-          <p:cNvPr id="144" name="文本框 81"/>
+          <p:cNvPr id="151" name="文本框 81"/>
           <p:cNvSpPr txBox="1"/>
           <p:nvPr/>
         </p:nvSpPr>
         <p:spPr>
           <a:xfrm>
-            <a:off x="4896091" y="3048000"/>
-            <a:ext cx="5112087" cy="4817619"/>
+            <a:off x="4896090" y="3047999"/>
+            <a:ext cx="5112089" cy="4817619"/>
           </a:xfrm>
           <a:prstGeom prst="rect">
             <a:avLst/>
@@ -5297,7 +5264,7 @@
           </a:ln>
           <a:extLst>
             <a:ext uri="{C572A759-6A51-4108-AA02-DFA0A04FC94B}">
-              <ma14:wrappingTextBoxFlag xmlns="" xmlns:ma14="http://schemas.microsoft.com/office/mac/drawingml/2011/main" val="1"/>
+              <ma14:wrappingTextBoxFlag xmlns:ma14="http://schemas.microsoft.com/office/mac/drawingml/2011/main" val="1"/>
             </a:ext>
           </a:extLst>
         </p:spPr>
@@ -5305,8 +5272,9 @@
           <a:bodyPr lIns="72009" tIns="72009" rIns="72009" bIns="72009">
             <a:spAutoFit/>
           </a:bodyPr>
-          <a:lstStyle>
-            <a:lvl1pPr>
+          <a:lstStyle/>
+          <a:p>
+            <a:pPr>
               <a:defRPr sz="30000">
                 <a:solidFill>
                   <a:srgbClr val="DBEEF4"/>
@@ -5316,31 +5284,26 @@
                 <a:cs typeface="Century Gothic"/>
                 <a:sym typeface="Century Gothic"/>
               </a:defRPr>
-            </a:lvl1pPr>
-          </a:lstStyle>
-          <a:p>
-            <a:r>
-              <a:rPr dirty="0"/>
+            </a:pPr>
+            <a:r>
               <a:t>0</a:t>
             </a:r>
             <a:r>
-              <a:rPr lang="en-US" altLang="zh-Hans" dirty="0"/>
               <a:t>2</a:t>
             </a:r>
-            <a:endParaRPr dirty="0"/>
           </a:p>
         </p:txBody>
       </p:sp>
       <p:sp>
         <p:nvSpPr>
-          <p:cNvPr id="145" name="Rectangle 18"/>
+          <p:cNvPr id="152" name="Rectangle 18"/>
           <p:cNvSpPr txBox="1"/>
           <p:nvPr/>
         </p:nvSpPr>
         <p:spPr>
           <a:xfrm>
-            <a:off x="3092406" y="4680493"/>
-            <a:ext cx="8860108" cy="2123658"/>
+            <a:off x="3092405" y="4680493"/>
+            <a:ext cx="8860110" cy="2263139"/>
           </a:xfrm>
           <a:prstGeom prst="rect">
             <a:avLst/>
@@ -5350,16 +5313,17 @@
           </a:ln>
           <a:extLst>
             <a:ext uri="{C572A759-6A51-4108-AA02-DFA0A04FC94B}">
-              <ma14:wrappingTextBoxFlag xmlns="" xmlns:ma14="http://schemas.microsoft.com/office/mac/drawingml/2011/main" val="1"/>
+              <ma14:wrappingTextBoxFlag xmlns:ma14="http://schemas.microsoft.com/office/mac/drawingml/2011/main" val="1"/>
             </a:ext>
           </a:extLst>
         </p:spPr>
         <p:txBody>
-          <a:bodyPr wrap="square" lIns="45719" rIns="45719">
+          <a:bodyPr lIns="45718" tIns="45718" rIns="45718" bIns="45718">
             <a:spAutoFit/>
           </a:bodyPr>
-          <a:lstStyle>
-            <a:lvl1pPr>
+          <a:lstStyle/>
+          <a:p>
+            <a:pPr>
               <a:defRPr sz="6600">
                 <a:solidFill>
                   <a:srgbClr val="262626"/>
@@ -5369,45 +5333,29 @@
                 <a:cs typeface="Microsoft YaHei"/>
                 <a:sym typeface="Microsoft YaHei"/>
               </a:defRPr>
-            </a:lvl1pPr>
-          </a:lstStyle>
-          <a:p>
-            <a:r>
-              <a:rPr lang="zh-CN" altLang="en-US" dirty="0"/>
+            </a:pPr>
+            <a:r>
               <a:t>为什么选择 </a:t>
             </a:r>
             <a:r>
-              <a:rPr lang="en-US" altLang="zh-CN" dirty="0" err="1"/>
-              <a:t>TypeScript</a:t>
-            </a:r>
-            <a:r>
-              <a:rPr lang="en-US" altLang="zh-CN" dirty="0"/>
-              <a:t> </a:t>
-            </a:r>
-          </a:p>
-          <a:p>
-            <a:endParaRPr dirty="0"/>
+              <a:t>TypeScript </a:t>
+            </a:r>
           </a:p>
         </p:txBody>
       </p:sp>
     </p:spTree>
-    <p:extLst>
-      <p:ext uri="{BB962C8B-B14F-4D97-AF65-F5344CB8AC3E}">
-        <p14:creationId xmlns:p14="http://schemas.microsoft.com/office/powerpoint/2010/main" val="3941948822"/>
-      </p:ext>
-    </p:extLst>
   </p:cSld>
   <p:clrMapOvr>
     <a:masterClrMapping/>
   </p:clrMapOvr>
-  <mc:AlternateContent xmlns:mc="http://schemas.openxmlformats.org/markup-compatibility/2006" xmlns:p14="http://schemas.microsoft.com/office/powerpoint/2010/main">
-    <mc:Choice Requires="p14">
-      <p:transition>
+  <mc:AlternateContent xmlns:mc="http://schemas.openxmlformats.org/markup-compatibility/2006">
+    <mc:Choice xmlns:p14="http://schemas.microsoft.com/office/powerpoint/2010/main" Requires="p14">
+      <p:transition spd="med" advClick="1" p14:dur="1000">
         <p:dissolve/>
       </p:transition>
     </mc:Choice>
-    <mc:Fallback xmlns="">
-      <p:transition spd="fast">
+    <mc:Fallback>
+      <p:transition spd="med">
         <p:fade/>
       </p:transition>
     </mc:Fallback>
@@ -5416,7 +5364,7 @@
 </file>
 
 <file path=ppt/slides/slide7.xml><?xml version="1.0" encoding="utf-8"?>
-<p:sld xmlns:a="http://schemas.openxmlformats.org/drawingml/2006/main" xmlns:r="http://schemas.openxmlformats.org/officeDocument/2006/relationships" xmlns:p="http://schemas.openxmlformats.org/presentationml/2006/main">
+<p:sld xmlns:a="http://schemas.openxmlformats.org/drawingml/2006/main" xmlns:r="http://schemas.openxmlformats.org/officeDocument/2006/relationships" xmlns:p="http://schemas.openxmlformats.org/presentationml/2006/main" showMasterSp="1" showMasterPhAnim="1">
   <p:cSld>
     <p:spTree>
       <p:nvGrpSpPr>
@@ -5434,14 +5382,14 @@
       </p:grpSpPr>
       <p:sp>
         <p:nvSpPr>
-          <p:cNvPr id="156" name="对标准 JavaScript 支持"/>
+          <p:cNvPr id="154" name="对标准 JavaScript 支持"/>
           <p:cNvSpPr txBox="1"/>
           <p:nvPr/>
         </p:nvSpPr>
         <p:spPr>
           <a:xfrm>
             <a:off x="689712" y="1205988"/>
-            <a:ext cx="6336764" cy="942339"/>
+            <a:ext cx="6336761" cy="942337"/>
           </a:xfrm>
           <a:prstGeom prst="rect">
             <a:avLst/>
@@ -5451,7 +5399,7 @@
           </a:ln>
           <a:extLst>
             <a:ext uri="{C572A759-6A51-4108-AA02-DFA0A04FC94B}">
-              <ma14:wrappingTextBoxFlag xmlns="" xmlns:ma14="http://schemas.microsoft.com/office/mac/drawingml/2011/main" val="1"/>
+              <ma14:wrappingTextBoxFlag xmlns:ma14="http://schemas.microsoft.com/office/mac/drawingml/2011/main" val="1"/>
             </a:ext>
           </a:extLst>
         </p:spPr>
@@ -5465,32 +5413,23 @@
             </a:lvl1pPr>
           </a:lstStyle>
           <a:p>
-            <a:r>
-              <a:rPr dirty="0" err="1"/>
-              <a:t>对标准</a:t>
-            </a:r>
-            <a:r>
-              <a:rPr dirty="0"/>
-              <a:t> JavaScript </a:t>
-            </a:r>
-            <a:r>
-              <a:rPr dirty="0" err="1"/>
-              <a:t>支持</a:t>
-            </a:r>
-            <a:endParaRPr dirty="0"/>
+            <a:pPr/>
+            <a:r>
+              <a:t>对标准 JavaScript 支持</a:t>
+            </a:r>
           </a:p>
         </p:txBody>
       </p:sp>
       <p:sp>
         <p:nvSpPr>
-          <p:cNvPr id="157" name="任何你在 ECMA stage 3 之后写的 JS 代码都是可行的 TS 代码"/>
+          <p:cNvPr id="155" name="任何你在 ECMA stage 3 之后写的 JS 代码都是可行的 TS 代码"/>
           <p:cNvSpPr txBox="1"/>
           <p:nvPr/>
         </p:nvSpPr>
         <p:spPr>
           <a:xfrm>
             <a:off x="882197" y="3005240"/>
-            <a:ext cx="13383642" cy="1361439"/>
+            <a:ext cx="13383643" cy="1361437"/>
           </a:xfrm>
           <a:prstGeom prst="rect">
             <a:avLst/>
@@ -5500,7 +5439,7 @@
           </a:ln>
           <a:extLst>
             <a:ext uri="{C572A759-6A51-4108-AA02-DFA0A04FC94B}">
-              <ma14:wrappingTextBoxFlag xmlns="" xmlns:ma14="http://schemas.microsoft.com/office/mac/drawingml/2011/main" val="1"/>
+              <ma14:wrappingTextBoxFlag xmlns:ma14="http://schemas.microsoft.com/office/mac/drawingml/2011/main" val="1"/>
             </a:ext>
           </a:extLst>
         </p:spPr>
@@ -5560,14 +5499,14 @@
       </p:sp>
       <p:sp>
         <p:nvSpPr>
-          <p:cNvPr id="158" name="VS Babel"/>
+          <p:cNvPr id="156" name="VS Babel"/>
           <p:cNvSpPr txBox="1"/>
           <p:nvPr/>
         </p:nvSpPr>
         <p:spPr>
           <a:xfrm>
             <a:off x="742497" y="5223590"/>
-            <a:ext cx="5243584" cy="624839"/>
+            <a:ext cx="5243584" cy="624837"/>
           </a:xfrm>
           <a:prstGeom prst="rect">
             <a:avLst/>
@@ -5577,7 +5516,7 @@
           </a:ln>
           <a:extLst>
             <a:ext uri="{C572A759-6A51-4108-AA02-DFA0A04FC94B}">
-              <ma14:wrappingTextBoxFlag xmlns="" xmlns:ma14="http://schemas.microsoft.com/office/mac/drawingml/2011/main" val="1"/>
+              <ma14:wrappingTextBoxFlag xmlns:ma14="http://schemas.microsoft.com/office/mac/drawingml/2011/main" val="1"/>
             </a:ext>
           </a:extLst>
         </p:spPr>
@@ -5610,14 +5549,14 @@
       </p:sp>
       <p:sp>
         <p:nvSpPr>
-          <p:cNvPr id="159" name="Babel 为 ES6 而生，现在也只是个 preset 而已，扩展强，功能多"/>
+          <p:cNvPr id="157" name="Babel 为 ES6 而生，现在也只是个 preset 而已，扩展强，功能多"/>
           <p:cNvSpPr txBox="1"/>
           <p:nvPr/>
         </p:nvSpPr>
         <p:spPr>
           <a:xfrm>
             <a:off x="1624346" y="6217237"/>
-            <a:ext cx="12483542" cy="662939"/>
+            <a:ext cx="12483542" cy="662937"/>
           </a:xfrm>
           <a:prstGeom prst="rect">
             <a:avLst/>
@@ -5627,7 +5566,7 @@
           </a:ln>
           <a:extLst>
             <a:ext uri="{C572A759-6A51-4108-AA02-DFA0A04FC94B}">
-              <ma14:wrappingTextBoxFlag xmlns="" xmlns:ma14="http://schemas.microsoft.com/office/mac/drawingml/2011/main" val="1"/>
+              <ma14:wrappingTextBoxFlag xmlns:ma14="http://schemas.microsoft.com/office/mac/drawingml/2011/main" val="1"/>
             </a:ext>
           </a:extLst>
         </p:spPr>
@@ -5689,14 +5628,14 @@
       </p:sp>
       <p:sp>
         <p:nvSpPr>
-          <p:cNvPr id="160" name="TypeScript lib =&gt; tsc + tsserver"/>
+          <p:cNvPr id="158" name="TypeScript lib =&gt; tsc + tsserver"/>
           <p:cNvSpPr txBox="1"/>
           <p:nvPr/>
         </p:nvSpPr>
         <p:spPr>
           <a:xfrm>
             <a:off x="1625600" y="7248983"/>
-            <a:ext cx="8598449" cy="561339"/>
+            <a:ext cx="8598449" cy="561337"/>
           </a:xfrm>
           <a:prstGeom prst="rect">
             <a:avLst/>
@@ -5706,7 +5645,7 @@
           </a:ln>
           <a:extLst>
             <a:ext uri="{C572A759-6A51-4108-AA02-DFA0A04FC94B}">
-              <ma14:wrappingTextBoxFlag xmlns="" xmlns:ma14="http://schemas.microsoft.com/office/mac/drawingml/2011/main" val="1"/>
+              <ma14:wrappingTextBoxFlag xmlns:ma14="http://schemas.microsoft.com/office/mac/drawingml/2011/main" val="1"/>
             </a:ext>
           </a:extLst>
         </p:spPr>
@@ -5728,6 +5667,7 @@
             </a:lvl1pPr>
           </a:lstStyle>
           <a:p>
+            <a:pPr/>
             <a:r>
               <a:t>TypeScript lib =&gt; tsc + tsserver  </a:t>
             </a:r>
@@ -5739,14 +5679,14 @@
   <p:clrMapOvr>
     <a:masterClrMapping/>
   </p:clrMapOvr>
-  <mc:AlternateContent xmlns:mc="http://schemas.openxmlformats.org/markup-compatibility/2006" xmlns:p14="http://schemas.microsoft.com/office/powerpoint/2010/main">
-    <mc:Choice Requires="p14">
-      <p:transition>
+  <mc:AlternateContent xmlns:mc="http://schemas.openxmlformats.org/markup-compatibility/2006">
+    <mc:Choice xmlns:p14="http://schemas.microsoft.com/office/powerpoint/2010/main" Requires="p14">
+      <p:transition spd="med" advClick="1" p14:dur="1000">
         <p:dissolve/>
       </p:transition>
     </mc:Choice>
-    <mc:Fallback xmlns="">
-      <p:transition spd="fast">
+    <mc:Fallback>
+      <p:transition spd="med">
         <p:fade/>
       </p:transition>
     </mc:Fallback>
@@ -5755,7 +5695,7 @@
 </file>
 
 <file path=ppt/slides/slide8.xml><?xml version="1.0" encoding="utf-8"?>
-<p:sld xmlns:a="http://schemas.openxmlformats.org/drawingml/2006/main" xmlns:r="http://schemas.openxmlformats.org/officeDocument/2006/relationships" xmlns:p="http://schemas.openxmlformats.org/presentationml/2006/main">
+<p:sld xmlns:a="http://schemas.openxmlformats.org/drawingml/2006/main" xmlns:r="http://schemas.openxmlformats.org/officeDocument/2006/relationships" xmlns:p="http://schemas.openxmlformats.org/presentationml/2006/main" showMasterSp="1" showMasterPhAnim="1">
   <p:cSld>
     <p:spTree>
       <p:nvGrpSpPr>
@@ -5773,14 +5713,14 @@
       </p:grpSpPr>
       <p:sp>
         <p:nvSpPr>
-          <p:cNvPr id="162" name="静态类型检查"/>
+          <p:cNvPr id="160" name="静态类型检查"/>
           <p:cNvSpPr txBox="1"/>
           <p:nvPr/>
         </p:nvSpPr>
         <p:spPr>
           <a:xfrm>
-            <a:off x="1333500" y="1371600"/>
-            <a:ext cx="4608513" cy="942338"/>
+            <a:off x="1333500" y="1371599"/>
+            <a:ext cx="4608513" cy="942337"/>
           </a:xfrm>
           <a:prstGeom prst="rect">
             <a:avLst/>
@@ -5790,7 +5730,7 @@
           </a:ln>
           <a:extLst>
             <a:ext uri="{C572A759-6A51-4108-AA02-DFA0A04FC94B}">
-              <ma14:wrappingTextBoxFlag xmlns="" xmlns:ma14="http://schemas.microsoft.com/office/mac/drawingml/2011/main" val="1"/>
+              <ma14:wrappingTextBoxFlag xmlns:ma14="http://schemas.microsoft.com/office/mac/drawingml/2011/main" val="1"/>
             </a:ext>
           </a:extLst>
         </p:spPr>
@@ -5804,6 +5744,7 @@
             </a:lvl1pPr>
           </a:lstStyle>
           <a:p>
+            <a:pPr/>
             <a:r>
               <a:t>静态类型检查</a:t>
             </a:r>
@@ -5812,14 +5753,14 @@
       </p:sp>
       <p:sp>
         <p:nvSpPr>
-          <p:cNvPr id="163" name="Early fail"/>
+          <p:cNvPr id="161" name="Early fail"/>
           <p:cNvSpPr txBox="1"/>
           <p:nvPr/>
         </p:nvSpPr>
         <p:spPr>
           <a:xfrm>
             <a:off x="2159471" y="3263800"/>
-            <a:ext cx="5580660" cy="701039"/>
+            <a:ext cx="5580661" cy="701037"/>
           </a:xfrm>
           <a:prstGeom prst="rect">
             <a:avLst/>
@@ -5829,7 +5770,7 @@
           </a:ln>
           <a:extLst>
             <a:ext uri="{C572A759-6A51-4108-AA02-DFA0A04FC94B}">
-              <ma14:wrappingTextBoxFlag xmlns="" xmlns:ma14="http://schemas.microsoft.com/office/mac/drawingml/2011/main" val="1"/>
+              <ma14:wrappingTextBoxFlag xmlns:ma14="http://schemas.microsoft.com/office/mac/drawingml/2011/main" val="1"/>
             </a:ext>
           </a:extLst>
         </p:spPr>
@@ -5846,6 +5787,7 @@
             </a:lvl1pPr>
           </a:lstStyle>
           <a:p>
+            <a:pPr/>
             <a:r>
               <a:t>Early fail</a:t>
             </a:r>
@@ -5854,14 +5796,14 @@
       </p:sp>
       <p:sp>
         <p:nvSpPr>
-          <p:cNvPr id="164" name="Make code more readable"/>
+          <p:cNvPr id="162" name="Make code more readable"/>
           <p:cNvSpPr txBox="1"/>
           <p:nvPr/>
         </p:nvSpPr>
         <p:spPr>
           <a:xfrm>
-            <a:off x="2159471" y="4368700"/>
-            <a:ext cx="8495261" cy="701039"/>
+            <a:off x="2159470" y="4368700"/>
+            <a:ext cx="8495263" cy="701037"/>
           </a:xfrm>
           <a:prstGeom prst="rect">
             <a:avLst/>
@@ -5871,7 +5813,7 @@
           </a:ln>
           <a:extLst>
             <a:ext uri="{C572A759-6A51-4108-AA02-DFA0A04FC94B}">
-              <ma14:wrappingTextBoxFlag xmlns="" xmlns:ma14="http://schemas.microsoft.com/office/mac/drawingml/2011/main" val="1"/>
+              <ma14:wrappingTextBoxFlag xmlns:ma14="http://schemas.microsoft.com/office/mac/drawingml/2011/main" val="1"/>
             </a:ext>
           </a:extLst>
         </p:spPr>
@@ -5888,6 +5830,7 @@
             </a:lvl1pPr>
           </a:lstStyle>
           <a:p>
+            <a:pPr/>
             <a:r>
               <a:t>Make code more readable</a:t>
             </a:r>
@@ -5899,14 +5842,14 @@
   <p:clrMapOvr>
     <a:masterClrMapping/>
   </p:clrMapOvr>
-  <mc:AlternateContent xmlns:mc="http://schemas.openxmlformats.org/markup-compatibility/2006" xmlns:p14="http://schemas.microsoft.com/office/powerpoint/2010/main">
-    <mc:Choice Requires="p14">
-      <p:transition>
+  <mc:AlternateContent xmlns:mc="http://schemas.openxmlformats.org/markup-compatibility/2006">
+    <mc:Choice xmlns:p14="http://schemas.microsoft.com/office/powerpoint/2010/main" Requires="p14">
+      <p:transition spd="med" advClick="1" p14:dur="1000">
         <p:dissolve/>
       </p:transition>
     </mc:Choice>
-    <mc:Fallback xmlns="">
-      <p:transition spd="fast">
+    <mc:Fallback>
+      <p:transition spd="med">
         <p:fade/>
       </p:transition>
     </mc:Fallback>
@@ -5915,7 +5858,7 @@
 </file>
 
 <file path=ppt/slides/slide9.xml><?xml version="1.0" encoding="utf-8"?>
-<p:sld xmlns:a="http://schemas.openxmlformats.org/drawingml/2006/main" xmlns:r="http://schemas.openxmlformats.org/officeDocument/2006/relationships" xmlns:p="http://schemas.openxmlformats.org/presentationml/2006/main">
+<p:sld xmlns:a="http://schemas.openxmlformats.org/drawingml/2006/main" xmlns:r="http://schemas.openxmlformats.org/officeDocument/2006/relationships" xmlns:p="http://schemas.openxmlformats.org/presentationml/2006/main" showMasterSp="1" showMasterPhAnim="1">
   <p:cSld>
     <p:spTree>
       <p:nvGrpSpPr>
@@ -5933,7 +5876,7 @@
       </p:grpSpPr>
       <p:pic>
         <p:nvPicPr>
-          <p:cNvPr id="166" name="1001520651588_.pic_hd.jpg" descr="1001520651588_.pic_hd.jpg"/>
+          <p:cNvPr id="164" name="1001520651588_.pic_hd.jpg" descr="1001520651588_.pic_hd.jpg"/>
           <p:cNvPicPr>
             <a:picLocks noChangeAspect="1"/>
           </p:cNvPicPr>
@@ -5950,7 +5893,7 @@
         <p:spPr>
           <a:xfrm>
             <a:off x="2289836" y="838140"/>
-            <a:ext cx="9822129" cy="8463750"/>
+            <a:ext cx="9822130" cy="8463751"/>
           </a:xfrm>
           <a:prstGeom prst="rect">
             <a:avLst/>
@@ -5965,14 +5908,14 @@
   <p:clrMapOvr>
     <a:masterClrMapping/>
   </p:clrMapOvr>
-  <mc:AlternateContent xmlns:mc="http://schemas.openxmlformats.org/markup-compatibility/2006" xmlns:p14="http://schemas.microsoft.com/office/powerpoint/2010/main">
-    <mc:Choice Requires="p14">
-      <p:transition>
+  <mc:AlternateContent xmlns:mc="http://schemas.openxmlformats.org/markup-compatibility/2006">
+    <mc:Choice xmlns:p14="http://schemas.microsoft.com/office/powerpoint/2010/main" Requires="p14">
+      <p:transition spd="med" advClick="1" p14:dur="1000">
         <p:dissolve/>
       </p:transition>
     </mc:Choice>
-    <mc:Fallback xmlns="">
-      <p:transition spd="fast">
+    <mc:Fallback>
+      <p:transition spd="med">
         <p:fade/>
       </p:transition>
     </mc:Fallback>
@@ -5981,7 +5924,7 @@
 </file>
 
 <file path=ppt/theme/theme1.xml><?xml version="1.0" encoding="utf-8"?>
-<a:theme xmlns:a="http://schemas.openxmlformats.org/drawingml/2006/main" name="White">
+<a:theme xmlns:a="http://schemas.openxmlformats.org/drawingml/2006/main" xmlns:r="http://schemas.openxmlformats.org/officeDocument/2006/relationships" name="White">
   <a:themeElements>
     <a:clrScheme name="White">
       <a:dk1>
@@ -6107,7 +6050,7 @@
       <a:effectStyleLst>
         <a:effectStyle>
           <a:effectLst>
-            <a:outerShdw blurRad="38100" dist="23000" dir="5400000" rotWithShape="0">
+            <a:outerShdw sx="100000" sy="100000" kx="0" ky="0" algn="b" rotWithShape="0" blurRad="38100" dist="23000" dir="5400000">
               <a:srgbClr val="000000">
                 <a:alpha val="35000"/>
               </a:srgbClr>
@@ -6116,7 +6059,7 @@
         </a:effectStyle>
         <a:effectStyle>
           <a:effectLst>
-            <a:outerShdw blurRad="38100" dist="23000" dir="5400000" rotWithShape="0">
+            <a:outerShdw sx="100000" sy="100000" kx="0" ky="0" algn="b" rotWithShape="0" blurRad="38100" dist="23000" dir="5400000">
               <a:srgbClr val="000000">
                 <a:alpha val="35000"/>
               </a:srgbClr>
@@ -6125,7 +6068,7 @@
         </a:effectStyle>
         <a:effectStyle>
           <a:effectLst>
-            <a:outerShdw blurRad="38100" dist="23000" dir="5400000" rotWithShape="0">
+            <a:outerShdw sx="100000" sy="100000" kx="0" ky="0" algn="b" rotWithShape="0" blurRad="38100" dist="23000" dir="5400000">
               <a:srgbClr val="000000">
                 <a:alpha val="35000"/>
               </a:srgbClr>
@@ -6199,7 +6142,7 @@
           <a:round/>
         </a:ln>
         <a:effectLst>
-          <a:outerShdw blurRad="38100" dist="23000" dir="5400000" rotWithShape="0">
+          <a:outerShdw sx="100000" sy="100000" kx="0" ky="0" algn="b" rotWithShape="0" blurRad="38100" dist="23000" dir="5400000">
             <a:srgbClr val="000000">
               <a:alpha val="35000"/>
             </a:srgbClr>
@@ -6207,7 +6150,7 @@
         </a:effectLst>
         <a:sp3d/>
       </a:spPr>
-      <a:bodyPr rot="0" spcFirstLastPara="1" vertOverflow="overflow" horzOverflow="overflow" vert="horz" wrap="square" lIns="45718" tIns="45718" rIns="45718" bIns="45718" numCol="1" spcCol="38100" rtlCol="0" anchor="ctr">
+      <a:bodyPr rot="0" spcFirstLastPara="1" vertOverflow="overflow" horzOverflow="overflow" vert="horz" wrap="square" lIns="45718" tIns="45718" rIns="45718" bIns="45718" numCol="1" spcCol="38100" rtlCol="0" anchor="ctr" upright="0">
         <a:spAutoFit/>
       </a:bodyPr>
       <a:lstStyle>
@@ -6226,7 +6169,7 @@
           <a:buFontTx/>
           <a:buNone/>
           <a:tabLst/>
-          <a:defRPr kumimoji="0" sz="2800" b="0" i="0" u="none" strike="noStrike" cap="none" spc="0" normalizeH="0" baseline="0">
+          <a:defRPr b="0" baseline="0" cap="none" i="0" spc="0" strike="noStrike" sz="2800" u="none" kumimoji="0" normalizeH="0">
             <a:ln>
               <a:noFill/>
             </a:ln>
@@ -6256,7 +6199,7 @@
           <a:buFontTx/>
           <a:buNone/>
           <a:tabLst/>
-          <a:defRPr kumimoji="0" sz="1800" b="0" i="0" u="none" strike="noStrike" cap="none" spc="0" normalizeH="0" baseline="0">
+          <a:defRPr b="0" baseline="0" cap="none" i="0" spc="0" strike="noStrike" sz="1800" u="none" kumimoji="0" normalizeH="0">
             <a:ln>
               <a:noFill/>
             </a:ln>
@@ -6282,7 +6225,7 @@
           <a:buFontTx/>
           <a:buNone/>
           <a:tabLst/>
-          <a:defRPr kumimoji="0" sz="1800" b="0" i="0" u="none" strike="noStrike" cap="none" spc="0" normalizeH="0" baseline="0">
+          <a:defRPr b="0" baseline="0" cap="none" i="0" spc="0" strike="noStrike" sz="1800" u="none" kumimoji="0" normalizeH="0">
             <a:ln>
               <a:noFill/>
             </a:ln>
@@ -6308,7 +6251,7 @@
           <a:buFontTx/>
           <a:buNone/>
           <a:tabLst/>
-          <a:defRPr kumimoji="0" sz="1800" b="0" i="0" u="none" strike="noStrike" cap="none" spc="0" normalizeH="0" baseline="0">
+          <a:defRPr b="0" baseline="0" cap="none" i="0" spc="0" strike="noStrike" sz="1800" u="none" kumimoji="0" normalizeH="0">
             <a:ln>
               <a:noFill/>
             </a:ln>
@@ -6334,7 +6277,7 @@
           <a:buFontTx/>
           <a:buNone/>
           <a:tabLst/>
-          <a:defRPr kumimoji="0" sz="1800" b="0" i="0" u="none" strike="noStrike" cap="none" spc="0" normalizeH="0" baseline="0">
+          <a:defRPr b="0" baseline="0" cap="none" i="0" spc="0" strike="noStrike" sz="1800" u="none" kumimoji="0" normalizeH="0">
             <a:ln>
               <a:noFill/>
             </a:ln>
@@ -6360,7 +6303,7 @@
           <a:buFontTx/>
           <a:buNone/>
           <a:tabLst/>
-          <a:defRPr kumimoji="0" sz="1800" b="0" i="0" u="none" strike="noStrike" cap="none" spc="0" normalizeH="0" baseline="0">
+          <a:defRPr b="0" baseline="0" cap="none" i="0" spc="0" strike="noStrike" sz="1800" u="none" kumimoji="0" normalizeH="0">
             <a:ln>
               <a:noFill/>
             </a:ln>
@@ -6386,7 +6329,7 @@
           <a:buFontTx/>
           <a:buNone/>
           <a:tabLst/>
-          <a:defRPr kumimoji="0" sz="1800" b="0" i="0" u="none" strike="noStrike" cap="none" spc="0" normalizeH="0" baseline="0">
+          <a:defRPr b="0" baseline="0" cap="none" i="0" spc="0" strike="noStrike" sz="1800" u="none" kumimoji="0" normalizeH="0">
             <a:ln>
               <a:noFill/>
             </a:ln>
@@ -6412,7 +6355,7 @@
           <a:buFontTx/>
           <a:buNone/>
           <a:tabLst/>
-          <a:defRPr kumimoji="0" sz="1800" b="0" i="0" u="none" strike="noStrike" cap="none" spc="0" normalizeH="0" baseline="0">
+          <a:defRPr b="0" baseline="0" cap="none" i="0" spc="0" strike="noStrike" sz="1800" u="none" kumimoji="0" normalizeH="0">
             <a:ln>
               <a:noFill/>
             </a:ln>
@@ -6438,7 +6381,7 @@
           <a:buFontTx/>
           <a:buNone/>
           <a:tabLst/>
-          <a:defRPr kumimoji="0" sz="1800" b="0" i="0" u="none" strike="noStrike" cap="none" spc="0" normalizeH="0" baseline="0">
+          <a:defRPr b="0" baseline="0" cap="none" i="0" spc="0" strike="noStrike" sz="1800" u="none" kumimoji="0" normalizeH="0">
             <a:ln>
               <a:noFill/>
             </a:ln>
@@ -6464,7 +6407,7 @@
           <a:buFontTx/>
           <a:buNone/>
           <a:tabLst/>
-          <a:defRPr kumimoji="0" sz="1800" b="0" i="0" u="none" strike="noStrike" cap="none" spc="0" normalizeH="0" baseline="0">
+          <a:defRPr b="0" baseline="0" cap="none" i="0" spc="0" strike="noStrike" sz="1800" u="none" kumimoji="0" normalizeH="0">
             <a:ln>
               <a:noFill/>
             </a:ln>
@@ -6477,15 +6420,9 @@
         </a:lvl9pPr>
       </a:lstStyle>
       <a:style>
-        <a:lnRef idx="0">
-          <a:scrgbClr r="0" g="0" b="0"/>
-        </a:lnRef>
-        <a:fillRef idx="0">
-          <a:scrgbClr r="0" g="0" b="0"/>
-        </a:fillRef>
-        <a:effectRef idx="0">
-          <a:scrgbClr r="0" g="0" b="0"/>
-        </a:effectRef>
+        <a:lnRef idx="0"/>
+        <a:fillRef idx="0"/>
+        <a:effectRef idx="0"/>
         <a:fontRef idx="none"/>
       </a:style>
     </a:spDef>
@@ -6500,7 +6437,7 @@
           <a:round/>
         </a:ln>
         <a:effectLst>
-          <a:outerShdw blurRad="38100" dist="23000" dir="5400000" rotWithShape="0">
+          <a:outerShdw sx="100000" sy="100000" kx="0" ky="0" algn="b" rotWithShape="0" blurRad="38100" dist="23000" dir="5400000">
             <a:srgbClr val="000000">
               <a:alpha val="35000"/>
             </a:srgbClr>
@@ -6508,7 +6445,7 @@
         </a:effectLst>
         <a:sp3d/>
       </a:spPr>
-      <a:bodyPr rot="0" spcFirstLastPara="1" vertOverflow="overflow" horzOverflow="overflow" vert="horz" wrap="square" lIns="91439" tIns="45719" rIns="91439" bIns="45719" numCol="1" spcCol="38100" rtlCol="0" anchor="t">
+      <a:bodyPr rot="0" spcFirstLastPara="1" vertOverflow="overflow" horzOverflow="overflow" vert="horz" wrap="square" lIns="91439" tIns="45719" rIns="91439" bIns="45719" numCol="1" spcCol="38100" rtlCol="0" anchor="t" upright="0">
         <a:noAutofit/>
       </a:bodyPr>
       <a:lstStyle>
@@ -6527,7 +6464,7 @@
           <a:buFontTx/>
           <a:buNone/>
           <a:tabLst/>
-          <a:defRPr kumimoji="0" sz="1800" b="0" i="0" u="none" strike="noStrike" cap="none" spc="0" normalizeH="0" baseline="0">
+          <a:defRPr b="0" baseline="0" cap="none" i="0" spc="0" strike="noStrike" sz="1800" u="none" kumimoji="0" normalizeH="0">
             <a:ln>
               <a:noFill/>
             </a:ln>
@@ -6553,7 +6490,7 @@
           <a:buFontTx/>
           <a:buNone/>
           <a:tabLst/>
-          <a:defRPr kumimoji="0" sz="1800" b="0" i="0" u="none" strike="noStrike" cap="none" spc="0" normalizeH="0" baseline="0">
+          <a:defRPr b="0" baseline="0" cap="none" i="0" spc="0" strike="noStrike" sz="1800" u="none" kumimoji="0" normalizeH="0">
             <a:ln>
               <a:noFill/>
             </a:ln>
@@ -6579,7 +6516,7 @@
           <a:buFontTx/>
           <a:buNone/>
           <a:tabLst/>
-          <a:defRPr kumimoji="0" sz="1800" b="0" i="0" u="none" strike="noStrike" cap="none" spc="0" normalizeH="0" baseline="0">
+          <a:defRPr b="0" baseline="0" cap="none" i="0" spc="0" strike="noStrike" sz="1800" u="none" kumimoji="0" normalizeH="0">
             <a:ln>
               <a:noFill/>
             </a:ln>
@@ -6605,7 +6542,7 @@
           <a:buFontTx/>
           <a:buNone/>
           <a:tabLst/>
-          <a:defRPr kumimoji="0" sz="1800" b="0" i="0" u="none" strike="noStrike" cap="none" spc="0" normalizeH="0" baseline="0">
+          <a:defRPr b="0" baseline="0" cap="none" i="0" spc="0" strike="noStrike" sz="1800" u="none" kumimoji="0" normalizeH="0">
             <a:ln>
               <a:noFill/>
             </a:ln>
@@ -6631,7 +6568,7 @@
           <a:buFontTx/>
           <a:buNone/>
           <a:tabLst/>
-          <a:defRPr kumimoji="0" sz="1800" b="0" i="0" u="none" strike="noStrike" cap="none" spc="0" normalizeH="0" baseline="0">
+          <a:defRPr b="0" baseline="0" cap="none" i="0" spc="0" strike="noStrike" sz="1800" u="none" kumimoji="0" normalizeH="0">
             <a:ln>
               <a:noFill/>
             </a:ln>
@@ -6657,7 +6594,7 @@
           <a:buFontTx/>
           <a:buNone/>
           <a:tabLst/>
-          <a:defRPr kumimoji="0" sz="1800" b="0" i="0" u="none" strike="noStrike" cap="none" spc="0" normalizeH="0" baseline="0">
+          <a:defRPr b="0" baseline="0" cap="none" i="0" spc="0" strike="noStrike" sz="1800" u="none" kumimoji="0" normalizeH="0">
             <a:ln>
               <a:noFill/>
             </a:ln>
@@ -6683,7 +6620,7 @@
           <a:buFontTx/>
           <a:buNone/>
           <a:tabLst/>
-          <a:defRPr kumimoji="0" sz="1800" b="0" i="0" u="none" strike="noStrike" cap="none" spc="0" normalizeH="0" baseline="0">
+          <a:defRPr b="0" baseline="0" cap="none" i="0" spc="0" strike="noStrike" sz="1800" u="none" kumimoji="0" normalizeH="0">
             <a:ln>
               <a:noFill/>
             </a:ln>
@@ -6709,7 +6646,7 @@
           <a:buFontTx/>
           <a:buNone/>
           <a:tabLst/>
-          <a:defRPr kumimoji="0" sz="1800" b="0" i="0" u="none" strike="noStrike" cap="none" spc="0" normalizeH="0" baseline="0">
+          <a:defRPr b="0" baseline="0" cap="none" i="0" spc="0" strike="noStrike" sz="1800" u="none" kumimoji="0" normalizeH="0">
             <a:ln>
               <a:noFill/>
             </a:ln>
@@ -6735,7 +6672,7 @@
           <a:buFontTx/>
           <a:buNone/>
           <a:tabLst/>
-          <a:defRPr kumimoji="0" sz="1800" b="0" i="0" u="none" strike="noStrike" cap="none" spc="0" normalizeH="0" baseline="0">
+          <a:defRPr b="0" baseline="0" cap="none" i="0" spc="0" strike="noStrike" sz="1800" u="none" kumimoji="0" normalizeH="0">
             <a:ln>
               <a:noFill/>
             </a:ln>
@@ -6761,7 +6698,7 @@
           <a:buFontTx/>
           <a:buNone/>
           <a:tabLst/>
-          <a:defRPr kumimoji="0" sz="1800" b="0" i="0" u="none" strike="noStrike" cap="none" spc="0" normalizeH="0" baseline="0">
+          <a:defRPr b="0" baseline="0" cap="none" i="0" spc="0" strike="noStrike" sz="1800" u="none" kumimoji="0" normalizeH="0">
             <a:ln>
               <a:noFill/>
             </a:ln>
@@ -6774,15 +6711,9 @@
         </a:lvl9pPr>
       </a:lstStyle>
       <a:style>
-        <a:lnRef idx="0">
-          <a:scrgbClr r="0" g="0" b="0"/>
-        </a:lnRef>
-        <a:fillRef idx="0">
-          <a:scrgbClr r="0" g="0" b="0"/>
-        </a:fillRef>
-        <a:effectRef idx="0">
-          <a:scrgbClr r="0" g="0" b="0"/>
-        </a:effectRef>
+        <a:lnRef idx="0"/>
+        <a:fillRef idx="0"/>
+        <a:effectRef idx="0"/>
         <a:fontRef idx="none"/>
       </a:style>
     </a:lnDef>
@@ -6796,7 +6727,7 @@
         <a:effectLst/>
         <a:sp3d/>
       </a:spPr>
-      <a:bodyPr rot="0" spcFirstLastPara="1" vertOverflow="overflow" horzOverflow="overflow" vert="horz" wrap="square" lIns="50800" tIns="50800" rIns="50800" bIns="50800" numCol="1" spcCol="38100" rtlCol="0" anchor="ctr">
+      <a:bodyPr rot="0" spcFirstLastPara="1" vertOverflow="overflow" horzOverflow="overflow" vert="horz" wrap="square" lIns="50800" tIns="50800" rIns="50800" bIns="50800" numCol="1" spcCol="38100" rtlCol="0" anchor="ctr" upright="0">
         <a:spAutoFit/>
       </a:bodyPr>
       <a:lstStyle>
@@ -6815,7 +6746,7 @@
           <a:buFontTx/>
           <a:buNone/>
           <a:tabLst/>
-          <a:defRPr kumimoji="0" sz="2800" b="0" i="0" u="none" strike="noStrike" cap="none" spc="0" normalizeH="0" baseline="0">
+          <a:defRPr b="0" baseline="0" cap="none" i="0" spc="0" strike="noStrike" sz="2800" u="none" kumimoji="0" normalizeH="0">
             <a:ln>
               <a:noFill/>
             </a:ln>
@@ -6845,7 +6776,7 @@
           <a:buFontTx/>
           <a:buNone/>
           <a:tabLst/>
-          <a:defRPr kumimoji="0" sz="1800" b="0" i="0" u="none" strike="noStrike" cap="none" spc="0" normalizeH="0" baseline="0">
+          <a:defRPr b="0" baseline="0" cap="none" i="0" spc="0" strike="noStrike" sz="1800" u="none" kumimoji="0" normalizeH="0">
             <a:ln>
               <a:noFill/>
             </a:ln>
@@ -6871,7 +6802,7 @@
           <a:buFontTx/>
           <a:buNone/>
           <a:tabLst/>
-          <a:defRPr kumimoji="0" sz="1800" b="0" i="0" u="none" strike="noStrike" cap="none" spc="0" normalizeH="0" baseline="0">
+          <a:defRPr b="0" baseline="0" cap="none" i="0" spc="0" strike="noStrike" sz="1800" u="none" kumimoji="0" normalizeH="0">
             <a:ln>
               <a:noFill/>
             </a:ln>
@@ -6897,7 +6828,7 @@
           <a:buFontTx/>
           <a:buNone/>
           <a:tabLst/>
-          <a:defRPr kumimoji="0" sz="1800" b="0" i="0" u="none" strike="noStrike" cap="none" spc="0" normalizeH="0" baseline="0">
+          <a:defRPr b="0" baseline="0" cap="none" i="0" spc="0" strike="noStrike" sz="1800" u="none" kumimoji="0" normalizeH="0">
             <a:ln>
               <a:noFill/>
             </a:ln>
@@ -6923,7 +6854,7 @@
           <a:buFontTx/>
           <a:buNone/>
           <a:tabLst/>
-          <a:defRPr kumimoji="0" sz="1800" b="0" i="0" u="none" strike="noStrike" cap="none" spc="0" normalizeH="0" baseline="0">
+          <a:defRPr b="0" baseline="0" cap="none" i="0" spc="0" strike="noStrike" sz="1800" u="none" kumimoji="0" normalizeH="0">
             <a:ln>
               <a:noFill/>
             </a:ln>
@@ -6949,7 +6880,7 @@
           <a:buFontTx/>
           <a:buNone/>
           <a:tabLst/>
-          <a:defRPr kumimoji="0" sz="1800" b="0" i="0" u="none" strike="noStrike" cap="none" spc="0" normalizeH="0" baseline="0">
+          <a:defRPr b="0" baseline="0" cap="none" i="0" spc="0" strike="noStrike" sz="1800" u="none" kumimoji="0" normalizeH="0">
             <a:ln>
               <a:noFill/>
             </a:ln>
@@ -6975,7 +6906,7 @@
           <a:buFontTx/>
           <a:buNone/>
           <a:tabLst/>
-          <a:defRPr kumimoji="0" sz="1800" b="0" i="0" u="none" strike="noStrike" cap="none" spc="0" normalizeH="0" baseline="0">
+          <a:defRPr b="0" baseline="0" cap="none" i="0" spc="0" strike="noStrike" sz="1800" u="none" kumimoji="0" normalizeH="0">
             <a:ln>
               <a:noFill/>
             </a:ln>
@@ -7001,7 +6932,7 @@
           <a:buFontTx/>
           <a:buNone/>
           <a:tabLst/>
-          <a:defRPr kumimoji="0" sz="1800" b="0" i="0" u="none" strike="noStrike" cap="none" spc="0" normalizeH="0" baseline="0">
+          <a:defRPr b="0" baseline="0" cap="none" i="0" spc="0" strike="noStrike" sz="1800" u="none" kumimoji="0" normalizeH="0">
             <a:ln>
               <a:noFill/>
             </a:ln>
@@ -7027,7 +6958,7 @@
           <a:buFontTx/>
           <a:buNone/>
           <a:tabLst/>
-          <a:defRPr kumimoji="0" sz="1800" b="0" i="0" u="none" strike="noStrike" cap="none" spc="0" normalizeH="0" baseline="0">
+          <a:defRPr b="0" baseline="0" cap="none" i="0" spc="0" strike="noStrike" sz="1800" u="none" kumimoji="0" normalizeH="0">
             <a:ln>
               <a:noFill/>
             </a:ln>
@@ -7053,7 +6984,7 @@
           <a:buFontTx/>
           <a:buNone/>
           <a:tabLst/>
-          <a:defRPr kumimoji="0" sz="1800" b="0" i="0" u="none" strike="noStrike" cap="none" spc="0" normalizeH="0" baseline="0">
+          <a:defRPr b="0" baseline="0" cap="none" i="0" spc="0" strike="noStrike" sz="1800" u="none" kumimoji="0" normalizeH="0">
             <a:ln>
               <a:noFill/>
             </a:ln>
@@ -7066,25 +6997,18 @@
         </a:lvl9pPr>
       </a:lstStyle>
       <a:style>
-        <a:lnRef idx="0">
-          <a:scrgbClr r="0" g="0" b="0"/>
-        </a:lnRef>
-        <a:fillRef idx="0">
-          <a:scrgbClr r="0" g="0" b="0"/>
-        </a:fillRef>
-        <a:effectRef idx="0">
-          <a:scrgbClr r="0" g="0" b="0"/>
-        </a:effectRef>
+        <a:lnRef idx="0"/>
+        <a:fillRef idx="0"/>
+        <a:effectRef idx="0"/>
         <a:fontRef idx="none"/>
       </a:style>
     </a:txDef>
   </a:objectDefaults>
-  <a:extraClrSchemeLst/>
 </a:theme>
 </file>
 
 <file path=ppt/theme/theme2.xml><?xml version="1.0" encoding="utf-8"?>
-<a:theme xmlns:a="http://schemas.openxmlformats.org/drawingml/2006/main" name="White">
+<a:theme xmlns:a="http://schemas.openxmlformats.org/drawingml/2006/main" xmlns:r="http://schemas.openxmlformats.org/officeDocument/2006/relationships" name="White">
   <a:themeElements>
     <a:clrScheme name="White">
       <a:dk1>
@@ -7210,7 +7134,7 @@
       <a:effectStyleLst>
         <a:effectStyle>
           <a:effectLst>
-            <a:outerShdw blurRad="38100" dist="23000" dir="5400000" rotWithShape="0">
+            <a:outerShdw sx="100000" sy="100000" kx="0" ky="0" algn="b" rotWithShape="0" blurRad="38100" dist="23000" dir="5400000">
               <a:srgbClr val="000000">
                 <a:alpha val="35000"/>
               </a:srgbClr>
@@ -7219,7 +7143,7 @@
         </a:effectStyle>
         <a:effectStyle>
           <a:effectLst>
-            <a:outerShdw blurRad="38100" dist="23000" dir="5400000" rotWithShape="0">
+            <a:outerShdw sx="100000" sy="100000" kx="0" ky="0" algn="b" rotWithShape="0" blurRad="38100" dist="23000" dir="5400000">
               <a:srgbClr val="000000">
                 <a:alpha val="35000"/>
               </a:srgbClr>
@@ -7228,7 +7152,7 @@
         </a:effectStyle>
         <a:effectStyle>
           <a:effectLst>
-            <a:outerShdw blurRad="38100" dist="23000" dir="5400000" rotWithShape="0">
+            <a:outerShdw sx="100000" sy="100000" kx="0" ky="0" algn="b" rotWithShape="0" blurRad="38100" dist="23000" dir="5400000">
               <a:srgbClr val="000000">
                 <a:alpha val="35000"/>
               </a:srgbClr>
@@ -7302,7 +7226,7 @@
           <a:round/>
         </a:ln>
         <a:effectLst>
-          <a:outerShdw blurRad="38100" dist="23000" dir="5400000" rotWithShape="0">
+          <a:outerShdw sx="100000" sy="100000" kx="0" ky="0" algn="b" rotWithShape="0" blurRad="38100" dist="23000" dir="5400000">
             <a:srgbClr val="000000">
               <a:alpha val="35000"/>
             </a:srgbClr>
@@ -7310,7 +7234,7 @@
         </a:effectLst>
         <a:sp3d/>
       </a:spPr>
-      <a:bodyPr rot="0" spcFirstLastPara="1" vertOverflow="overflow" horzOverflow="overflow" vert="horz" wrap="square" lIns="45718" tIns="45718" rIns="45718" bIns="45718" numCol="1" spcCol="38100" rtlCol="0" anchor="ctr">
+      <a:bodyPr rot="0" spcFirstLastPara="1" vertOverflow="overflow" horzOverflow="overflow" vert="horz" wrap="square" lIns="45718" tIns="45718" rIns="45718" bIns="45718" numCol="1" spcCol="38100" rtlCol="0" anchor="ctr" upright="0">
         <a:spAutoFit/>
       </a:bodyPr>
       <a:lstStyle>
@@ -7329,7 +7253,7 @@
           <a:buFontTx/>
           <a:buNone/>
           <a:tabLst/>
-          <a:defRPr kumimoji="0" sz="2800" b="0" i="0" u="none" strike="noStrike" cap="none" spc="0" normalizeH="0" baseline="0">
+          <a:defRPr b="0" baseline="0" cap="none" i="0" spc="0" strike="noStrike" sz="2800" u="none" kumimoji="0" normalizeH="0">
             <a:ln>
               <a:noFill/>
             </a:ln>
@@ -7359,7 +7283,7 @@
           <a:buFontTx/>
           <a:buNone/>
           <a:tabLst/>
-          <a:defRPr kumimoji="0" sz="1800" b="0" i="0" u="none" strike="noStrike" cap="none" spc="0" normalizeH="0" baseline="0">
+          <a:defRPr b="0" baseline="0" cap="none" i="0" spc="0" strike="noStrike" sz="1800" u="none" kumimoji="0" normalizeH="0">
             <a:ln>
               <a:noFill/>
             </a:ln>
@@ -7385,7 +7309,7 @@
           <a:buFontTx/>
           <a:buNone/>
           <a:tabLst/>
-          <a:defRPr kumimoji="0" sz="1800" b="0" i="0" u="none" strike="noStrike" cap="none" spc="0" normalizeH="0" baseline="0">
+          <a:defRPr b="0" baseline="0" cap="none" i="0" spc="0" strike="noStrike" sz="1800" u="none" kumimoji="0" normalizeH="0">
             <a:ln>
               <a:noFill/>
             </a:ln>
@@ -7411,7 +7335,7 @@
           <a:buFontTx/>
           <a:buNone/>
           <a:tabLst/>
-          <a:defRPr kumimoji="0" sz="1800" b="0" i="0" u="none" strike="noStrike" cap="none" spc="0" normalizeH="0" baseline="0">
+          <a:defRPr b="0" baseline="0" cap="none" i="0" spc="0" strike="noStrike" sz="1800" u="none" kumimoji="0" normalizeH="0">
             <a:ln>
               <a:noFill/>
             </a:ln>
@@ -7437,7 +7361,7 @@
           <a:buFontTx/>
           <a:buNone/>
           <a:tabLst/>
-          <a:defRPr kumimoji="0" sz="1800" b="0" i="0" u="none" strike="noStrike" cap="none" spc="0" normalizeH="0" baseline="0">
+          <a:defRPr b="0" baseline="0" cap="none" i="0" spc="0" strike="noStrike" sz="1800" u="none" kumimoji="0" normalizeH="0">
             <a:ln>
               <a:noFill/>
             </a:ln>
@@ -7463,7 +7387,7 @@
           <a:buFontTx/>
           <a:buNone/>
           <a:tabLst/>
-          <a:defRPr kumimoji="0" sz="1800" b="0" i="0" u="none" strike="noStrike" cap="none" spc="0" normalizeH="0" baseline="0">
+          <a:defRPr b="0" baseline="0" cap="none" i="0" spc="0" strike="noStrike" sz="1800" u="none" kumimoji="0" normalizeH="0">
             <a:ln>
               <a:noFill/>
             </a:ln>
@@ -7489,7 +7413,7 @@
           <a:buFontTx/>
           <a:buNone/>
           <a:tabLst/>
-          <a:defRPr kumimoji="0" sz="1800" b="0" i="0" u="none" strike="noStrike" cap="none" spc="0" normalizeH="0" baseline="0">
+          <a:defRPr b="0" baseline="0" cap="none" i="0" spc="0" strike="noStrike" sz="1800" u="none" kumimoji="0" normalizeH="0">
             <a:ln>
               <a:noFill/>
             </a:ln>
@@ -7515,7 +7439,7 @@
           <a:buFontTx/>
           <a:buNone/>
           <a:tabLst/>
-          <a:defRPr kumimoji="0" sz="1800" b="0" i="0" u="none" strike="noStrike" cap="none" spc="0" normalizeH="0" baseline="0">
+          <a:defRPr b="0" baseline="0" cap="none" i="0" spc="0" strike="noStrike" sz="1800" u="none" kumimoji="0" normalizeH="0">
             <a:ln>
               <a:noFill/>
             </a:ln>
@@ -7541,7 +7465,7 @@
           <a:buFontTx/>
           <a:buNone/>
           <a:tabLst/>
-          <a:defRPr kumimoji="0" sz="1800" b="0" i="0" u="none" strike="noStrike" cap="none" spc="0" normalizeH="0" baseline="0">
+          <a:defRPr b="0" baseline="0" cap="none" i="0" spc="0" strike="noStrike" sz="1800" u="none" kumimoji="0" normalizeH="0">
             <a:ln>
               <a:noFill/>
             </a:ln>
@@ -7567,7 +7491,7 @@
           <a:buFontTx/>
           <a:buNone/>
           <a:tabLst/>
-          <a:defRPr kumimoji="0" sz="1800" b="0" i="0" u="none" strike="noStrike" cap="none" spc="0" normalizeH="0" baseline="0">
+          <a:defRPr b="0" baseline="0" cap="none" i="0" spc="0" strike="noStrike" sz="1800" u="none" kumimoji="0" normalizeH="0">
             <a:ln>
               <a:noFill/>
             </a:ln>
@@ -7580,15 +7504,9 @@
         </a:lvl9pPr>
       </a:lstStyle>
       <a:style>
-        <a:lnRef idx="0">
-          <a:scrgbClr r="0" g="0" b="0"/>
-        </a:lnRef>
-        <a:fillRef idx="0">
-          <a:scrgbClr r="0" g="0" b="0"/>
-        </a:fillRef>
-        <a:effectRef idx="0">
-          <a:scrgbClr r="0" g="0" b="0"/>
-        </a:effectRef>
+        <a:lnRef idx="0"/>
+        <a:fillRef idx="0"/>
+        <a:effectRef idx="0"/>
         <a:fontRef idx="none"/>
       </a:style>
     </a:spDef>
@@ -7603,7 +7521,7 @@
           <a:round/>
         </a:ln>
         <a:effectLst>
-          <a:outerShdw blurRad="38100" dist="23000" dir="5400000" rotWithShape="0">
+          <a:outerShdw sx="100000" sy="100000" kx="0" ky="0" algn="b" rotWithShape="0" blurRad="38100" dist="23000" dir="5400000">
             <a:srgbClr val="000000">
               <a:alpha val="35000"/>
             </a:srgbClr>
@@ -7611,7 +7529,7 @@
         </a:effectLst>
         <a:sp3d/>
       </a:spPr>
-      <a:bodyPr rot="0" spcFirstLastPara="1" vertOverflow="overflow" horzOverflow="overflow" vert="horz" wrap="square" lIns="91439" tIns="45719" rIns="91439" bIns="45719" numCol="1" spcCol="38100" rtlCol="0" anchor="t">
+      <a:bodyPr rot="0" spcFirstLastPara="1" vertOverflow="overflow" horzOverflow="overflow" vert="horz" wrap="square" lIns="91439" tIns="45719" rIns="91439" bIns="45719" numCol="1" spcCol="38100" rtlCol="0" anchor="t" upright="0">
         <a:noAutofit/>
       </a:bodyPr>
       <a:lstStyle>
@@ -7630,7 +7548,7 @@
           <a:buFontTx/>
           <a:buNone/>
           <a:tabLst/>
-          <a:defRPr kumimoji="0" sz="1800" b="0" i="0" u="none" strike="noStrike" cap="none" spc="0" normalizeH="0" baseline="0">
+          <a:defRPr b="0" baseline="0" cap="none" i="0" spc="0" strike="noStrike" sz="1800" u="none" kumimoji="0" normalizeH="0">
             <a:ln>
               <a:noFill/>
             </a:ln>
@@ -7656,7 +7574,7 @@
           <a:buFontTx/>
           <a:buNone/>
           <a:tabLst/>
-          <a:defRPr kumimoji="0" sz="1800" b="0" i="0" u="none" strike="noStrike" cap="none" spc="0" normalizeH="0" baseline="0">
+          <a:defRPr b="0" baseline="0" cap="none" i="0" spc="0" strike="noStrike" sz="1800" u="none" kumimoji="0" normalizeH="0">
             <a:ln>
               <a:noFill/>
             </a:ln>
@@ -7682,7 +7600,7 @@
           <a:buFontTx/>
           <a:buNone/>
           <a:tabLst/>
-          <a:defRPr kumimoji="0" sz="1800" b="0" i="0" u="none" strike="noStrike" cap="none" spc="0" normalizeH="0" baseline="0">
+          <a:defRPr b="0" baseline="0" cap="none" i="0" spc="0" strike="noStrike" sz="1800" u="none" kumimoji="0" normalizeH="0">
             <a:ln>
               <a:noFill/>
             </a:ln>
@@ -7708,7 +7626,7 @@
           <a:buFontTx/>
           <a:buNone/>
           <a:tabLst/>
-          <a:defRPr kumimoji="0" sz="1800" b="0" i="0" u="none" strike="noStrike" cap="none" spc="0" normalizeH="0" baseline="0">
+          <a:defRPr b="0" baseline="0" cap="none" i="0" spc="0" strike="noStrike" sz="1800" u="none" kumimoji="0" normalizeH="0">
             <a:ln>
               <a:noFill/>
             </a:ln>
@@ -7734,7 +7652,7 @@
           <a:buFontTx/>
           <a:buNone/>
           <a:tabLst/>
-          <a:defRPr kumimoji="0" sz="1800" b="0" i="0" u="none" strike="noStrike" cap="none" spc="0" normalizeH="0" baseline="0">
+          <a:defRPr b="0" baseline="0" cap="none" i="0" spc="0" strike="noStrike" sz="1800" u="none" kumimoji="0" normalizeH="0">
             <a:ln>
               <a:noFill/>
             </a:ln>
@@ -7760,7 +7678,7 @@
           <a:buFontTx/>
           <a:buNone/>
           <a:tabLst/>
-          <a:defRPr kumimoji="0" sz="1800" b="0" i="0" u="none" strike="noStrike" cap="none" spc="0" normalizeH="0" baseline="0">
+          <a:defRPr b="0" baseline="0" cap="none" i="0" spc="0" strike="noStrike" sz="1800" u="none" kumimoji="0" normalizeH="0">
             <a:ln>
               <a:noFill/>
             </a:ln>
@@ -7786,7 +7704,7 @@
           <a:buFontTx/>
           <a:buNone/>
           <a:tabLst/>
-          <a:defRPr kumimoji="0" sz="1800" b="0" i="0" u="none" strike="noStrike" cap="none" spc="0" normalizeH="0" baseline="0">
+          <a:defRPr b="0" baseline="0" cap="none" i="0" spc="0" strike="noStrike" sz="1800" u="none" kumimoji="0" normalizeH="0">
             <a:ln>
               <a:noFill/>
             </a:ln>
@@ -7812,7 +7730,7 @@
           <a:buFontTx/>
           <a:buNone/>
           <a:tabLst/>
-          <a:defRPr kumimoji="0" sz="1800" b="0" i="0" u="none" strike="noStrike" cap="none" spc="0" normalizeH="0" baseline="0">
+          <a:defRPr b="0" baseline="0" cap="none" i="0" spc="0" strike="noStrike" sz="1800" u="none" kumimoji="0" normalizeH="0">
             <a:ln>
               <a:noFill/>
             </a:ln>
@@ -7838,7 +7756,7 @@
           <a:buFontTx/>
           <a:buNone/>
           <a:tabLst/>
-          <a:defRPr kumimoji="0" sz="1800" b="0" i="0" u="none" strike="noStrike" cap="none" spc="0" normalizeH="0" baseline="0">
+          <a:defRPr b="0" baseline="0" cap="none" i="0" spc="0" strike="noStrike" sz="1800" u="none" kumimoji="0" normalizeH="0">
             <a:ln>
               <a:noFill/>
             </a:ln>
@@ -7864,7 +7782,7 @@
           <a:buFontTx/>
           <a:buNone/>
           <a:tabLst/>
-          <a:defRPr kumimoji="0" sz="1800" b="0" i="0" u="none" strike="noStrike" cap="none" spc="0" normalizeH="0" baseline="0">
+          <a:defRPr b="0" baseline="0" cap="none" i="0" spc="0" strike="noStrike" sz="1800" u="none" kumimoji="0" normalizeH="0">
             <a:ln>
               <a:noFill/>
             </a:ln>
@@ -7877,15 +7795,9 @@
         </a:lvl9pPr>
       </a:lstStyle>
       <a:style>
-        <a:lnRef idx="0">
-          <a:scrgbClr r="0" g="0" b="0"/>
-        </a:lnRef>
-        <a:fillRef idx="0">
-          <a:scrgbClr r="0" g="0" b="0"/>
-        </a:fillRef>
-        <a:effectRef idx="0">
-          <a:scrgbClr r="0" g="0" b="0"/>
-        </a:effectRef>
+        <a:lnRef idx="0"/>
+        <a:fillRef idx="0"/>
+        <a:effectRef idx="0"/>
         <a:fontRef idx="none"/>
       </a:style>
     </a:lnDef>
@@ -7899,7 +7811,7 @@
         <a:effectLst/>
         <a:sp3d/>
       </a:spPr>
-      <a:bodyPr rot="0" spcFirstLastPara="1" vertOverflow="overflow" horzOverflow="overflow" vert="horz" wrap="square" lIns="50800" tIns="50800" rIns="50800" bIns="50800" numCol="1" spcCol="38100" rtlCol="0" anchor="ctr">
+      <a:bodyPr rot="0" spcFirstLastPara="1" vertOverflow="overflow" horzOverflow="overflow" vert="horz" wrap="square" lIns="50800" tIns="50800" rIns="50800" bIns="50800" numCol="1" spcCol="38100" rtlCol="0" anchor="ctr" upright="0">
         <a:spAutoFit/>
       </a:bodyPr>
       <a:lstStyle>
@@ -7918,7 +7830,7 @@
           <a:buFontTx/>
           <a:buNone/>
           <a:tabLst/>
-          <a:defRPr kumimoji="0" sz="2800" b="0" i="0" u="none" strike="noStrike" cap="none" spc="0" normalizeH="0" baseline="0">
+          <a:defRPr b="0" baseline="0" cap="none" i="0" spc="0" strike="noStrike" sz="2800" u="none" kumimoji="0" normalizeH="0">
             <a:ln>
               <a:noFill/>
             </a:ln>
@@ -7948,7 +7860,7 @@
           <a:buFontTx/>
           <a:buNone/>
           <a:tabLst/>
-          <a:defRPr kumimoji="0" sz="1800" b="0" i="0" u="none" strike="noStrike" cap="none" spc="0" normalizeH="0" baseline="0">
+          <a:defRPr b="0" baseline="0" cap="none" i="0" spc="0" strike="noStrike" sz="1800" u="none" kumimoji="0" normalizeH="0">
             <a:ln>
               <a:noFill/>
             </a:ln>
@@ -7974,7 +7886,7 @@
           <a:buFontTx/>
           <a:buNone/>
           <a:tabLst/>
-          <a:defRPr kumimoji="0" sz="1800" b="0" i="0" u="none" strike="noStrike" cap="none" spc="0" normalizeH="0" baseline="0">
+          <a:defRPr b="0" baseline="0" cap="none" i="0" spc="0" strike="noStrike" sz="1800" u="none" kumimoji="0" normalizeH="0">
             <a:ln>
               <a:noFill/>
             </a:ln>
@@ -8000,7 +7912,7 @@
           <a:buFontTx/>
           <a:buNone/>
           <a:tabLst/>
-          <a:defRPr kumimoji="0" sz="1800" b="0" i="0" u="none" strike="noStrike" cap="none" spc="0" normalizeH="0" baseline="0">
+          <a:defRPr b="0" baseline="0" cap="none" i="0" spc="0" strike="noStrike" sz="1800" u="none" kumimoji="0" normalizeH="0">
             <a:ln>
               <a:noFill/>
             </a:ln>
@@ -8026,7 +7938,7 @@
           <a:buFontTx/>
           <a:buNone/>
           <a:tabLst/>
-          <a:defRPr kumimoji="0" sz="1800" b="0" i="0" u="none" strike="noStrike" cap="none" spc="0" normalizeH="0" baseline="0">
+          <a:defRPr b="0" baseline="0" cap="none" i="0" spc="0" strike="noStrike" sz="1800" u="none" kumimoji="0" normalizeH="0">
             <a:ln>
               <a:noFill/>
             </a:ln>
@@ -8052,7 +7964,7 @@
           <a:buFontTx/>
           <a:buNone/>
           <a:tabLst/>
-          <a:defRPr kumimoji="0" sz="1800" b="0" i="0" u="none" strike="noStrike" cap="none" spc="0" normalizeH="0" baseline="0">
+          <a:defRPr b="0" baseline="0" cap="none" i="0" spc="0" strike="noStrike" sz="1800" u="none" kumimoji="0" normalizeH="0">
             <a:ln>
               <a:noFill/>
             </a:ln>
@@ -8078,7 +7990,7 @@
           <a:buFontTx/>
           <a:buNone/>
           <a:tabLst/>
-          <a:defRPr kumimoji="0" sz="1800" b="0" i="0" u="none" strike="noStrike" cap="none" spc="0" normalizeH="0" baseline="0">
+          <a:defRPr b="0" baseline="0" cap="none" i="0" spc="0" strike="noStrike" sz="1800" u="none" kumimoji="0" normalizeH="0">
             <a:ln>
               <a:noFill/>
             </a:ln>
@@ -8104,7 +8016,7 @@
           <a:buFontTx/>
           <a:buNone/>
           <a:tabLst/>
-          <a:defRPr kumimoji="0" sz="1800" b="0" i="0" u="none" strike="noStrike" cap="none" spc="0" normalizeH="0" baseline="0">
+          <a:defRPr b="0" baseline="0" cap="none" i="0" spc="0" strike="noStrike" sz="1800" u="none" kumimoji="0" normalizeH="0">
             <a:ln>
               <a:noFill/>
             </a:ln>
@@ -8130,7 +8042,7 @@
           <a:buFontTx/>
           <a:buNone/>
           <a:tabLst/>
-          <a:defRPr kumimoji="0" sz="1800" b="0" i="0" u="none" strike="noStrike" cap="none" spc="0" normalizeH="0" baseline="0">
+          <a:defRPr b="0" baseline="0" cap="none" i="0" spc="0" strike="noStrike" sz="1800" u="none" kumimoji="0" normalizeH="0">
             <a:ln>
               <a:noFill/>
             </a:ln>
@@ -8156,7 +8068,7 @@
           <a:buFontTx/>
           <a:buNone/>
           <a:tabLst/>
-          <a:defRPr kumimoji="0" sz="1800" b="0" i="0" u="none" strike="noStrike" cap="none" spc="0" normalizeH="0" baseline="0">
+          <a:defRPr b="0" baseline="0" cap="none" i="0" spc="0" strike="noStrike" sz="1800" u="none" kumimoji="0" normalizeH="0">
             <a:ln>
               <a:noFill/>
             </a:ln>
@@ -8169,19 +8081,12 @@
         </a:lvl9pPr>
       </a:lstStyle>
       <a:style>
-        <a:lnRef idx="0">
-          <a:scrgbClr r="0" g="0" b="0"/>
-        </a:lnRef>
-        <a:fillRef idx="0">
-          <a:scrgbClr r="0" g="0" b="0"/>
-        </a:fillRef>
-        <a:effectRef idx="0">
-          <a:scrgbClr r="0" g="0" b="0"/>
-        </a:effectRef>
+        <a:lnRef idx="0"/>
+        <a:fillRef idx="0"/>
+        <a:effectRef idx="0"/>
         <a:fontRef idx="none"/>
       </a:style>
     </a:txDef>
   </a:objectDefaults>
-  <a:extraClrSchemeLst/>
 </a:theme>
 </file>
--- a/ppt/typescript1.pptx
+++ b/ppt/typescript1.pptx
@@ -2,31 +2,31 @@
 <file path=ppt/presentation.xml><?xml version="1.0" encoding="utf-8"?>
 <p:presentation xmlns:a="http://schemas.openxmlformats.org/drawingml/2006/main" xmlns:r="http://schemas.openxmlformats.org/officeDocument/2006/relationships" xmlns:p="http://schemas.openxmlformats.org/presentationml/2006/main">
   <p:sldMasterIdLst>
-    <p:sldMasterId id="2147483648" r:id="rId5"/>
+    <p:sldMasterId id="2147483648" r:id="rId1"/>
   </p:sldMasterIdLst>
   <p:notesMasterIdLst>
-    <p:notesMasterId r:id="rId7"/>
+    <p:notesMasterId r:id="rId21"/>
   </p:notesMasterIdLst>
   <p:sldIdLst>
-    <p:sldId id="256" r:id="rId8"/>
-    <p:sldId id="257" r:id="rId9"/>
-    <p:sldId id="258" r:id="rId10"/>
-    <p:sldId id="259" r:id="rId11"/>
-    <p:sldId id="260" r:id="rId12"/>
-    <p:sldId id="261" r:id="rId13"/>
-    <p:sldId id="262" r:id="rId14"/>
-    <p:sldId id="263" r:id="rId15"/>
-    <p:sldId id="264" r:id="rId16"/>
-    <p:sldId id="265" r:id="rId17"/>
-    <p:sldId id="266" r:id="rId18"/>
-    <p:sldId id="267" r:id="rId19"/>
-    <p:sldId id="268" r:id="rId20"/>
-    <p:sldId id="269" r:id="rId21"/>
-    <p:sldId id="270" r:id="rId22"/>
-    <p:sldId id="271" r:id="rId23"/>
-    <p:sldId id="272" r:id="rId24"/>
-    <p:sldId id="273" r:id="rId25"/>
-    <p:sldId id="274" r:id="rId26"/>
+    <p:sldId id="256" r:id="rId2"/>
+    <p:sldId id="257" r:id="rId3"/>
+    <p:sldId id="258" r:id="rId4"/>
+    <p:sldId id="259" r:id="rId5"/>
+    <p:sldId id="260" r:id="rId6"/>
+    <p:sldId id="261" r:id="rId7"/>
+    <p:sldId id="262" r:id="rId8"/>
+    <p:sldId id="263" r:id="rId9"/>
+    <p:sldId id="264" r:id="rId10"/>
+    <p:sldId id="265" r:id="rId11"/>
+    <p:sldId id="266" r:id="rId12"/>
+    <p:sldId id="267" r:id="rId13"/>
+    <p:sldId id="268" r:id="rId14"/>
+    <p:sldId id="269" r:id="rId15"/>
+    <p:sldId id="270" r:id="rId16"/>
+    <p:sldId id="271" r:id="rId17"/>
+    <p:sldId id="272" r:id="rId18"/>
+    <p:sldId id="273" r:id="rId19"/>
+    <p:sldId id="274" r:id="rId20"/>
   </p:sldIdLst>
   <p:sldSz cx="14401800" cy="10795000"/>
   <p:notesSz cx="6858000" cy="9144000"/>
@@ -46,7 +46,7 @@
       <a:buFontTx/>
       <a:buNone/>
       <a:tabLst/>
-      <a:defRPr b="0" baseline="0" cap="none" i="0" spc="0" strike="noStrike" sz="1800" u="none" kumimoji="0" normalizeH="0">
+      <a:defRPr kumimoji="0" sz="1800" b="0" i="0" u="none" strike="noStrike" cap="none" spc="0" normalizeH="0" baseline="0">
         <a:ln>
           <a:noFill/>
         </a:ln>
@@ -72,7 +72,7 @@
       <a:buFontTx/>
       <a:buNone/>
       <a:tabLst/>
-      <a:defRPr b="0" baseline="0" cap="none" i="0" spc="0" strike="noStrike" sz="2800" u="none" kumimoji="0" normalizeH="0">
+      <a:defRPr kumimoji="0" sz="2800" b="0" i="0" u="none" strike="noStrike" cap="none" spc="0" normalizeH="0" baseline="0">
         <a:ln>
           <a:noFill/>
         </a:ln>
@@ -102,7 +102,7 @@
       <a:buFontTx/>
       <a:buNone/>
       <a:tabLst/>
-      <a:defRPr b="0" baseline="0" cap="none" i="0" spc="0" strike="noStrike" sz="2800" u="none" kumimoji="0" normalizeH="0">
+      <a:defRPr kumimoji="0" sz="2800" b="0" i="0" u="none" strike="noStrike" cap="none" spc="0" normalizeH="0" baseline="0">
         <a:ln>
           <a:noFill/>
         </a:ln>
@@ -132,7 +132,7 @@
       <a:buFontTx/>
       <a:buNone/>
       <a:tabLst/>
-      <a:defRPr b="0" baseline="0" cap="none" i="0" spc="0" strike="noStrike" sz="2800" u="none" kumimoji="0" normalizeH="0">
+      <a:defRPr kumimoji="0" sz="2800" b="0" i="0" u="none" strike="noStrike" cap="none" spc="0" normalizeH="0" baseline="0">
         <a:ln>
           <a:noFill/>
         </a:ln>
@@ -162,7 +162,7 @@
       <a:buFontTx/>
       <a:buNone/>
       <a:tabLst/>
-      <a:defRPr b="0" baseline="0" cap="none" i="0" spc="0" strike="noStrike" sz="2800" u="none" kumimoji="0" normalizeH="0">
+      <a:defRPr kumimoji="0" sz="2800" b="0" i="0" u="none" strike="noStrike" cap="none" spc="0" normalizeH="0" baseline="0">
         <a:ln>
           <a:noFill/>
         </a:ln>
@@ -192,7 +192,7 @@
       <a:buFontTx/>
       <a:buNone/>
       <a:tabLst/>
-      <a:defRPr b="0" baseline="0" cap="none" i="0" spc="0" strike="noStrike" sz="2800" u="none" kumimoji="0" normalizeH="0">
+      <a:defRPr kumimoji="0" sz="2800" b="0" i="0" u="none" strike="noStrike" cap="none" spc="0" normalizeH="0" baseline="0">
         <a:ln>
           <a:noFill/>
         </a:ln>
@@ -222,7 +222,7 @@
       <a:buFontTx/>
       <a:buNone/>
       <a:tabLst/>
-      <a:defRPr b="0" baseline="0" cap="none" i="0" spc="0" strike="noStrike" sz="2800" u="none" kumimoji="0" normalizeH="0">
+      <a:defRPr kumimoji="0" sz="2800" b="0" i="0" u="none" strike="noStrike" cap="none" spc="0" normalizeH="0" baseline="0">
         <a:ln>
           <a:noFill/>
         </a:ln>
@@ -252,7 +252,7 @@
       <a:buFontTx/>
       <a:buNone/>
       <a:tabLst/>
-      <a:defRPr b="0" baseline="0" cap="none" i="0" spc="0" strike="noStrike" sz="2800" u="none" kumimoji="0" normalizeH="0">
+      <a:defRPr kumimoji="0" sz="2800" b="0" i="0" u="none" strike="noStrike" cap="none" spc="0" normalizeH="0" baseline="0">
         <a:ln>
           <a:noFill/>
         </a:ln>
@@ -282,7 +282,7 @@
       <a:buFontTx/>
       <a:buNone/>
       <a:tabLst/>
-      <a:defRPr b="0" baseline="0" cap="none" i="0" spc="0" strike="noStrike" sz="2800" u="none" kumimoji="0" normalizeH="0">
+      <a:defRPr kumimoji="0" sz="2800" b="0" i="0" u="none" strike="noStrike" cap="none" spc="0" normalizeH="0" baseline="0">
         <a:ln>
           <a:noFill/>
         </a:ln>
@@ -312,7 +312,7 @@
       <a:buFontTx/>
       <a:buNone/>
       <a:tabLst/>
-      <a:defRPr b="0" baseline="0" cap="none" i="0" spc="0" strike="noStrike" sz="2800" u="none" kumimoji="0" normalizeH="0">
+      <a:defRPr kumimoji="0" sz="2800" b="0" i="0" u="none" strike="noStrike" cap="none" spc="0" normalizeH="0" baseline="0">
         <a:ln>
           <a:noFill/>
         </a:ln>
@@ -331,13 +331,14 @@
 </p:presentation>
 </file>
 
-<file path=ppt/commentAuthors.xml><?xml version="1.0" encoding="utf-8"?>
-<p:cmAuthorLst xmlns:a="http://schemas.openxmlformats.org/drawingml/2006/main" xmlns:r="http://schemas.openxmlformats.org/officeDocument/2006/relationships" xmlns:p="http://schemas.openxmlformats.org/presentationml/2006/main"/>
-</file>
-
 <file path=ppt/notesMasters/notesMaster1.xml><?xml version="1.0" encoding="utf-8"?>
 <p:notesMaster xmlns:a="http://schemas.openxmlformats.org/drawingml/2006/main" xmlns:r="http://schemas.openxmlformats.org/officeDocument/2006/relationships" xmlns:p="http://schemas.openxmlformats.org/presentationml/2006/main">
   <p:cSld>
+    <p:bg>
+      <p:bgRef idx="1001">
+        <a:schemeClr val="bg1"/>
+      </p:bgRef>
+    </p:bg>
     <p:spTree>
       <p:nvGrpSpPr>
         <p:cNvPr id="1" name=""/>
@@ -355,7 +356,9 @@
       <p:sp>
         <p:nvSpPr>
           <p:cNvPr id="129" name="Shape 129"/>
-          <p:cNvSpPr/>
+          <p:cNvSpPr>
+            <a:spLocks noGrp="1" noRot="1" noChangeAspect="1"/>
+          </p:cNvSpPr>
           <p:nvPr>
             <p:ph type="sldImg"/>
           </p:nvPr>
@@ -373,14 +376,16 @@
           <a:bodyPr/>
           <a:lstStyle/>
           <a:p>
-            <a:pPr/>
+            <a:endParaRPr/>
           </a:p>
         </p:txBody>
       </p:sp>
       <p:sp>
         <p:nvSpPr>
           <p:cNvPr id="130" name="Shape 130"/>
-          <p:cNvSpPr/>
+          <p:cNvSpPr>
+            <a:spLocks noGrp="1"/>
+          </p:cNvSpPr>
           <p:nvPr>
             <p:ph type="body" sz="quarter" idx="1"/>
           </p:nvPr>
@@ -398,7 +403,7 @@
           <a:bodyPr/>
           <a:lstStyle/>
           <a:p>
-            <a:pPr/>
+            <a:endParaRPr/>
           </a:p>
         </p:txBody>
       </p:sp>
@@ -483,7 +488,7 @@
 </file>
 
 <file path=ppt/slideLayouts/slideLayout1.xml><?xml version="1.0" encoding="utf-8"?>
-<p:sldLayout xmlns:a="http://schemas.openxmlformats.org/drawingml/2006/main" xmlns:r="http://schemas.openxmlformats.org/officeDocument/2006/relationships" xmlns:p="http://schemas.openxmlformats.org/presentationml/2006/main" type="title" showMasterSp="1" showMasterPhAnim="1">
+<p:sldLayout xmlns:a="http://schemas.openxmlformats.org/drawingml/2006/main" xmlns:r="http://schemas.openxmlformats.org/officeDocument/2006/relationships" xmlns:p="http://schemas.openxmlformats.org/presentationml/2006/main" type="title">
   <p:cSld name="標題投影片">
     <p:spTree>
       <p:nvGrpSpPr>
@@ -531,7 +536,9 @@
       <p:sp>
         <p:nvSpPr>
           <p:cNvPr id="12" name="标题文本"/>
-          <p:cNvSpPr txBox="1"/>
+          <p:cNvSpPr txBox="1">
+            <a:spLocks noGrp="1"/>
+          </p:cNvSpPr>
           <p:nvPr>
             <p:ph type="title"/>
           </p:nvPr>
@@ -549,7 +556,6 @@
           <a:bodyPr/>
           <a:lstStyle/>
           <a:p>
-            <a:pPr/>
             <a:r>
               <a:t>标题文本</a:t>
             </a:r>
@@ -559,7 +565,9 @@
       <p:sp>
         <p:nvSpPr>
           <p:cNvPr id="13" name="正文级别 1…"/>
-          <p:cNvSpPr txBox="1"/>
+          <p:cNvSpPr txBox="1">
+            <a:spLocks noGrp="1"/>
+          </p:cNvSpPr>
           <p:nvPr>
             <p:ph type="body" sz="quarter" idx="1"/>
           </p:nvPr>
@@ -628,7 +636,6 @@
             </a:lvl5pPr>
           </a:lstStyle>
           <a:p>
-            <a:pPr/>
             <a:r>
               <a:t>正文级别 1</a:t>
             </a:r>
@@ -662,7 +669,9 @@
       <p:sp>
         <p:nvSpPr>
           <p:cNvPr id="14" name="幻灯片编号"/>
-          <p:cNvSpPr txBox="1"/>
+          <p:cNvSpPr txBox="1">
+            <a:spLocks noGrp="1"/>
+          </p:cNvSpPr>
           <p:nvPr>
             <p:ph type="sldNum" sz="quarter" idx="2"/>
           </p:nvPr>
@@ -676,8 +685,10 @@
           <a:bodyPr/>
           <a:lstStyle/>
           <a:p>
-            <a:pPr/>
-            <a:fld id="{86CB4B4D-7CA3-9044-876B-883B54F8677D}" type="slidenum"/>
+            <a:fld id="{86CB4B4D-7CA3-9044-876B-883B54F8677D}" type="slidenum">
+              <a:t>‹#›</a:t>
+            </a:fld>
+            <a:endParaRPr/>
           </a:p>
         </p:txBody>
       </p:sp>
@@ -686,12 +697,12 @@
   <p:clrMapOvr>
     <a:masterClrMapping/>
   </p:clrMapOvr>
-  <p:transition xmlns:p14="http://schemas.microsoft.com/office/powerpoint/2010/main" spd="med" advClick="1"/>
+  <p:transition spd="med"/>
 </p:sldLayout>
 </file>
 
 <file path=ppt/slideLayouts/slideLayout10.xml><?xml version="1.0" encoding="utf-8"?>
-<p:sldLayout xmlns:a="http://schemas.openxmlformats.org/drawingml/2006/main" xmlns:r="http://schemas.openxmlformats.org/officeDocument/2006/relationships" xmlns:p="http://schemas.openxmlformats.org/presentationml/2006/main" type="tx" showMasterSp="1" showMasterPhAnim="1">
+<p:sldLayout xmlns:a="http://schemas.openxmlformats.org/drawingml/2006/main" xmlns:r="http://schemas.openxmlformats.org/officeDocument/2006/relationships" xmlns:p="http://schemas.openxmlformats.org/presentationml/2006/main" type="tx">
   <p:cSld name="標題及直排文字">
     <p:spTree>
       <p:nvGrpSpPr>
@@ -710,7 +721,9 @@
       <p:sp>
         <p:nvSpPr>
           <p:cNvPr id="93" name="标题文本"/>
-          <p:cNvSpPr txBox="1"/>
+          <p:cNvSpPr txBox="1">
+            <a:spLocks noGrp="1"/>
+          </p:cNvSpPr>
           <p:nvPr>
             <p:ph type="title"/>
           </p:nvPr>
@@ -724,7 +737,6 @@
           <a:bodyPr/>
           <a:lstStyle/>
           <a:p>
-            <a:pPr/>
             <a:r>
               <a:t>标题文本</a:t>
             </a:r>
@@ -734,7 +746,9 @@
       <p:sp>
         <p:nvSpPr>
           <p:cNvPr id="94" name="正文级别 1…"/>
-          <p:cNvSpPr txBox="1"/>
+          <p:cNvSpPr txBox="1">
+            <a:spLocks noGrp="1"/>
+          </p:cNvSpPr>
           <p:nvPr>
             <p:ph type="body" idx="1"/>
           </p:nvPr>
@@ -748,7 +762,6 @@
           <a:bodyPr/>
           <a:lstStyle/>
           <a:p>
-            <a:pPr/>
             <a:r>
               <a:t>正文级别 1</a:t>
             </a:r>
@@ -782,7 +795,9 @@
       <p:sp>
         <p:nvSpPr>
           <p:cNvPr id="95" name="幻灯片编号"/>
-          <p:cNvSpPr txBox="1"/>
+          <p:cNvSpPr txBox="1">
+            <a:spLocks noGrp="1"/>
+          </p:cNvSpPr>
           <p:nvPr>
             <p:ph type="sldNum" sz="quarter" idx="2"/>
           </p:nvPr>
@@ -796,8 +811,10 @@
           <a:bodyPr/>
           <a:lstStyle/>
           <a:p>
-            <a:pPr/>
-            <a:fld id="{86CB4B4D-7CA3-9044-876B-883B54F8677D}" type="slidenum"/>
+            <a:fld id="{86CB4B4D-7CA3-9044-876B-883B54F8677D}" type="slidenum">
+              <a:t>‹#›</a:t>
+            </a:fld>
+            <a:endParaRPr/>
           </a:p>
         </p:txBody>
       </p:sp>
@@ -806,12 +823,12 @@
   <p:clrMapOvr>
     <a:masterClrMapping/>
   </p:clrMapOvr>
-  <p:transition xmlns:p14="http://schemas.microsoft.com/office/powerpoint/2010/main" spd="med" advClick="1"/>
+  <p:transition spd="med"/>
 </p:sldLayout>
 </file>
 
 <file path=ppt/slideLayouts/slideLayout11.xml><?xml version="1.0" encoding="utf-8"?>
-<p:sldLayout xmlns:a="http://schemas.openxmlformats.org/drawingml/2006/main" xmlns:r="http://schemas.openxmlformats.org/officeDocument/2006/relationships" xmlns:p="http://schemas.openxmlformats.org/presentationml/2006/main" type="tx" showMasterSp="1" showMasterPhAnim="1">
+<p:sldLayout xmlns:a="http://schemas.openxmlformats.org/drawingml/2006/main" xmlns:r="http://schemas.openxmlformats.org/officeDocument/2006/relationships" xmlns:p="http://schemas.openxmlformats.org/presentationml/2006/main" type="tx">
   <p:cSld name="直排標題及文字">
     <p:spTree>
       <p:nvGrpSpPr>
@@ -830,7 +847,9 @@
       <p:sp>
         <p:nvSpPr>
           <p:cNvPr id="102" name="标题文本"/>
-          <p:cNvSpPr txBox="1"/>
+          <p:cNvSpPr txBox="1">
+            <a:spLocks noGrp="1"/>
+          </p:cNvSpPr>
           <p:nvPr>
             <p:ph type="title"/>
           </p:nvPr>
@@ -848,7 +867,6 @@
           <a:bodyPr/>
           <a:lstStyle/>
           <a:p>
-            <a:pPr/>
             <a:r>
               <a:t>标题文本</a:t>
             </a:r>
@@ -858,7 +876,9 @@
       <p:sp>
         <p:nvSpPr>
           <p:cNvPr id="103" name="正文级别 1…"/>
-          <p:cNvSpPr txBox="1"/>
+          <p:cNvSpPr txBox="1">
+            <a:spLocks noGrp="1"/>
+          </p:cNvSpPr>
           <p:nvPr>
             <p:ph type="body" idx="1"/>
           </p:nvPr>
@@ -876,7 +896,6 @@
           <a:bodyPr/>
           <a:lstStyle/>
           <a:p>
-            <a:pPr/>
             <a:r>
               <a:t>正文级别 1</a:t>
             </a:r>
@@ -910,7 +929,9 @@
       <p:sp>
         <p:nvSpPr>
           <p:cNvPr id="104" name="幻灯片编号"/>
-          <p:cNvSpPr txBox="1"/>
+          <p:cNvSpPr txBox="1">
+            <a:spLocks noGrp="1"/>
+          </p:cNvSpPr>
           <p:nvPr>
             <p:ph type="sldNum" sz="quarter" idx="2"/>
           </p:nvPr>
@@ -924,8 +945,10 @@
           <a:bodyPr/>
           <a:lstStyle/>
           <a:p>
-            <a:pPr/>
-            <a:fld id="{86CB4B4D-7CA3-9044-876B-883B54F8677D}" type="slidenum"/>
+            <a:fld id="{86CB4B4D-7CA3-9044-876B-883B54F8677D}" type="slidenum">
+              <a:t>‹#›</a:t>
+            </a:fld>
+            <a:endParaRPr/>
           </a:p>
         </p:txBody>
       </p:sp>
@@ -934,12 +957,12 @@
   <p:clrMapOvr>
     <a:masterClrMapping/>
   </p:clrMapOvr>
-  <p:transition xmlns:p14="http://schemas.microsoft.com/office/powerpoint/2010/main" spd="med" advClick="1"/>
+  <p:transition spd="med"/>
 </p:sldLayout>
 </file>
 
 <file path=ppt/slideLayouts/slideLayout12.xml><?xml version="1.0" encoding="utf-8"?>
-<p:sldLayout xmlns:a="http://schemas.openxmlformats.org/drawingml/2006/main" xmlns:r="http://schemas.openxmlformats.org/officeDocument/2006/relationships" xmlns:p="http://schemas.openxmlformats.org/presentationml/2006/main" type="tx" showMasterSp="1" showMasterPhAnim="1">
+<p:sldLayout xmlns:a="http://schemas.openxmlformats.org/drawingml/2006/main" xmlns:r="http://schemas.openxmlformats.org/officeDocument/2006/relationships" xmlns:p="http://schemas.openxmlformats.org/presentationml/2006/main" type="tx">
   <p:cSld name="標題投影片">
     <p:spTree>
       <p:nvGrpSpPr>
@@ -958,7 +981,9 @@
       <p:sp>
         <p:nvSpPr>
           <p:cNvPr id="111" name="标题文本"/>
-          <p:cNvSpPr txBox="1"/>
+          <p:cNvSpPr txBox="1">
+            <a:spLocks noGrp="1"/>
+          </p:cNvSpPr>
           <p:nvPr>
             <p:ph type="title"/>
           </p:nvPr>
@@ -985,7 +1010,6 @@
             </a:lvl1pPr>
           </a:lstStyle>
           <a:p>
-            <a:pPr/>
             <a:r>
               <a:t>标题文本</a:t>
             </a:r>
@@ -995,7 +1019,9 @@
       <p:sp>
         <p:nvSpPr>
           <p:cNvPr id="112" name="正文级别 1…"/>
-          <p:cNvSpPr txBox="1"/>
+          <p:cNvSpPr txBox="1">
+            <a:spLocks noGrp="1"/>
+          </p:cNvSpPr>
           <p:nvPr>
             <p:ph type="body" sz="quarter" idx="1"/>
           </p:nvPr>
@@ -1084,7 +1110,6 @@
             </a:lvl5pPr>
           </a:lstStyle>
           <a:p>
-            <a:pPr/>
             <a:r>
               <a:t>正文级别 1</a:t>
             </a:r>
@@ -1147,7 +1172,9 @@
       <p:sp>
         <p:nvSpPr>
           <p:cNvPr id="114" name="幻灯片编号"/>
-          <p:cNvSpPr txBox="1"/>
+          <p:cNvSpPr txBox="1">
+            <a:spLocks noGrp="1"/>
+          </p:cNvSpPr>
           <p:nvPr>
             <p:ph type="sldNum" sz="quarter" idx="2"/>
           </p:nvPr>
@@ -1174,8 +1201,10 @@
             </a:lvl1pPr>
           </a:lstStyle>
           <a:p>
-            <a:pPr/>
-            <a:fld id="{86CB4B4D-7CA3-9044-876B-883B54F8677D}" type="slidenum"/>
+            <a:fld id="{86CB4B4D-7CA3-9044-876B-883B54F8677D}" type="slidenum">
+              <a:t>‹#›</a:t>
+            </a:fld>
+            <a:endParaRPr/>
           </a:p>
         </p:txBody>
       </p:sp>
@@ -1184,12 +1213,12 @@
   <p:clrMapOvr>
     <a:masterClrMapping/>
   </p:clrMapOvr>
-  <p:transition xmlns:p14="http://schemas.microsoft.com/office/powerpoint/2010/main" spd="med" advClick="1"/>
+  <p:transition spd="med"/>
 </p:sldLayout>
 </file>
 
 <file path=ppt/slideLayouts/slideLayout13.xml><?xml version="1.0" encoding="utf-8"?>
-<p:sldLayout xmlns:a="http://schemas.openxmlformats.org/drawingml/2006/main" xmlns:r="http://schemas.openxmlformats.org/officeDocument/2006/relationships" xmlns:p="http://schemas.openxmlformats.org/presentationml/2006/main" type="tx" showMasterSp="1" showMasterPhAnim="1">
+<p:sldLayout xmlns:a="http://schemas.openxmlformats.org/drawingml/2006/main" xmlns:r="http://schemas.openxmlformats.org/officeDocument/2006/relationships" xmlns:p="http://schemas.openxmlformats.org/presentationml/2006/main" type="tx">
   <p:cSld name="標題及物件">
     <p:spTree>
       <p:nvGrpSpPr>
@@ -1208,7 +1237,9 @@
       <p:sp>
         <p:nvSpPr>
           <p:cNvPr id="121" name="标题文本"/>
-          <p:cNvSpPr txBox="1"/>
+          <p:cNvSpPr txBox="1">
+            <a:spLocks noGrp="1"/>
+          </p:cNvSpPr>
           <p:nvPr>
             <p:ph type="title"/>
           </p:nvPr>
@@ -1235,7 +1266,6 @@
             </a:lvl1pPr>
           </a:lstStyle>
           <a:p>
-            <a:pPr/>
             <a:r>
               <a:t>标题文本</a:t>
             </a:r>
@@ -1245,7 +1275,9 @@
       <p:sp>
         <p:nvSpPr>
           <p:cNvPr id="122" name="正文级别 1…"/>
-          <p:cNvSpPr txBox="1"/>
+          <p:cNvSpPr txBox="1">
+            <a:spLocks noGrp="1"/>
+          </p:cNvSpPr>
           <p:nvPr>
             <p:ph type="body" idx="1"/>
           </p:nvPr>
@@ -1304,7 +1336,6 @@
             </a:lvl5pPr>
           </a:lstStyle>
           <a:p>
-            <a:pPr/>
             <a:r>
               <a:t>正文级别 1</a:t>
             </a:r>
@@ -1338,7 +1369,9 @@
       <p:sp>
         <p:nvSpPr>
           <p:cNvPr id="123" name="幻灯片编号"/>
-          <p:cNvSpPr txBox="1"/>
+          <p:cNvSpPr txBox="1">
+            <a:spLocks noGrp="1"/>
+          </p:cNvSpPr>
           <p:nvPr>
             <p:ph type="sldNum" sz="quarter" idx="2"/>
           </p:nvPr>
@@ -1365,8 +1398,10 @@
             </a:lvl1pPr>
           </a:lstStyle>
           <a:p>
-            <a:pPr/>
-            <a:fld id="{86CB4B4D-7CA3-9044-876B-883B54F8677D}" type="slidenum"/>
+            <a:fld id="{86CB4B4D-7CA3-9044-876B-883B54F8677D}" type="slidenum">
+              <a:t>‹#›</a:t>
+            </a:fld>
+            <a:endParaRPr/>
           </a:p>
         </p:txBody>
       </p:sp>
@@ -1375,12 +1410,12 @@
   <p:clrMapOvr>
     <a:masterClrMapping/>
   </p:clrMapOvr>
-  <p:transition xmlns:p14="http://schemas.microsoft.com/office/powerpoint/2010/main" spd="med" advClick="1"/>
+  <p:transition spd="med"/>
 </p:sldLayout>
 </file>
 
 <file path=ppt/slideLayouts/slideLayout2.xml><?xml version="1.0" encoding="utf-8"?>
-<p:sldLayout xmlns:a="http://schemas.openxmlformats.org/drawingml/2006/main" xmlns:r="http://schemas.openxmlformats.org/officeDocument/2006/relationships" xmlns:p="http://schemas.openxmlformats.org/presentationml/2006/main" type="tx" showMasterSp="1" showMasterPhAnim="1">
+<p:sldLayout xmlns:a="http://schemas.openxmlformats.org/drawingml/2006/main" xmlns:r="http://schemas.openxmlformats.org/officeDocument/2006/relationships" xmlns:p="http://schemas.openxmlformats.org/presentationml/2006/main" type="tx">
   <p:cSld name="標題及物件">
     <p:spTree>
       <p:nvGrpSpPr>
@@ -1399,7 +1434,9 @@
       <p:sp>
         <p:nvSpPr>
           <p:cNvPr id="21" name="标题文本"/>
-          <p:cNvSpPr txBox="1"/>
+          <p:cNvSpPr txBox="1">
+            <a:spLocks noGrp="1"/>
+          </p:cNvSpPr>
           <p:nvPr>
             <p:ph type="title"/>
           </p:nvPr>
@@ -1413,7 +1450,6 @@
           <a:bodyPr/>
           <a:lstStyle/>
           <a:p>
-            <a:pPr/>
             <a:r>
               <a:t>标题文本</a:t>
             </a:r>
@@ -1423,7 +1459,9 @@
       <p:sp>
         <p:nvSpPr>
           <p:cNvPr id="22" name="正文级别 1…"/>
-          <p:cNvSpPr txBox="1"/>
+          <p:cNvSpPr txBox="1">
+            <a:spLocks noGrp="1"/>
+          </p:cNvSpPr>
           <p:nvPr>
             <p:ph type="body" idx="1"/>
           </p:nvPr>
@@ -1437,7 +1475,6 @@
           <a:bodyPr/>
           <a:lstStyle/>
           <a:p>
-            <a:pPr/>
             <a:r>
               <a:t>正文级别 1</a:t>
             </a:r>
@@ -1471,7 +1508,9 @@
       <p:sp>
         <p:nvSpPr>
           <p:cNvPr id="23" name="幻灯片编号"/>
-          <p:cNvSpPr txBox="1"/>
+          <p:cNvSpPr txBox="1">
+            <a:spLocks noGrp="1"/>
+          </p:cNvSpPr>
           <p:nvPr>
             <p:ph type="sldNum" sz="quarter" idx="2"/>
           </p:nvPr>
@@ -1485,8 +1524,10 @@
           <a:bodyPr/>
           <a:lstStyle/>
           <a:p>
-            <a:pPr/>
-            <a:fld id="{86CB4B4D-7CA3-9044-876B-883B54F8677D}" type="slidenum"/>
+            <a:fld id="{86CB4B4D-7CA3-9044-876B-883B54F8677D}" type="slidenum">
+              <a:t>‹#›</a:t>
+            </a:fld>
+            <a:endParaRPr/>
           </a:p>
         </p:txBody>
       </p:sp>
@@ -1495,12 +1536,12 @@
   <p:clrMapOvr>
     <a:masterClrMapping/>
   </p:clrMapOvr>
-  <p:transition xmlns:p14="http://schemas.microsoft.com/office/powerpoint/2010/main" spd="med" advClick="1"/>
+  <p:transition spd="med"/>
 </p:sldLayout>
 </file>
 
 <file path=ppt/slideLayouts/slideLayout3.xml><?xml version="1.0" encoding="utf-8"?>
-<p:sldLayout xmlns:a="http://schemas.openxmlformats.org/drawingml/2006/main" xmlns:r="http://schemas.openxmlformats.org/officeDocument/2006/relationships" xmlns:p="http://schemas.openxmlformats.org/presentationml/2006/main" type="tx" showMasterSp="1" showMasterPhAnim="1">
+<p:sldLayout xmlns:a="http://schemas.openxmlformats.org/drawingml/2006/main" xmlns:r="http://schemas.openxmlformats.org/officeDocument/2006/relationships" xmlns:p="http://schemas.openxmlformats.org/presentationml/2006/main" type="tx">
   <p:cSld name="章節標題">
     <p:spTree>
       <p:nvGrpSpPr>
@@ -1519,7 +1560,9 @@
       <p:sp>
         <p:nvSpPr>
           <p:cNvPr id="30" name="标题文本"/>
-          <p:cNvSpPr txBox="1"/>
+          <p:cNvSpPr txBox="1">
+            <a:spLocks noGrp="1"/>
+          </p:cNvSpPr>
           <p:nvPr>
             <p:ph type="title"/>
           </p:nvPr>
@@ -1537,11 +1580,10 @@
           <a:bodyPr anchor="t"/>
           <a:lstStyle>
             <a:lvl1pPr algn="l">
-              <a:defRPr b="1" cap="all" sz="6200"/>
+              <a:defRPr sz="6200" b="1" cap="all"/>
             </a:lvl1pPr>
           </a:lstStyle>
           <a:p>
-            <a:pPr/>
             <a:r>
               <a:t>标题文本</a:t>
             </a:r>
@@ -1551,7 +1593,9 @@
       <p:sp>
         <p:nvSpPr>
           <p:cNvPr id="31" name="正文级别 1…"/>
-          <p:cNvSpPr txBox="1"/>
+          <p:cNvSpPr txBox="1">
+            <a:spLocks noGrp="1"/>
+          </p:cNvSpPr>
           <p:nvPr>
             <p:ph type="body" sz="quarter" idx="1"/>
           </p:nvPr>
@@ -1635,7 +1679,6 @@
             </a:lvl5pPr>
           </a:lstStyle>
           <a:p>
-            <a:pPr/>
             <a:r>
               <a:t>正文级别 1</a:t>
             </a:r>
@@ -1669,7 +1712,9 @@
       <p:sp>
         <p:nvSpPr>
           <p:cNvPr id="32" name="幻灯片编号"/>
-          <p:cNvSpPr txBox="1"/>
+          <p:cNvSpPr txBox="1">
+            <a:spLocks noGrp="1"/>
+          </p:cNvSpPr>
           <p:nvPr>
             <p:ph type="sldNum" sz="quarter" idx="2"/>
           </p:nvPr>
@@ -1683,8 +1728,10 @@
           <a:bodyPr/>
           <a:lstStyle/>
           <a:p>
-            <a:pPr/>
-            <a:fld id="{86CB4B4D-7CA3-9044-876B-883B54F8677D}" type="slidenum"/>
+            <a:fld id="{86CB4B4D-7CA3-9044-876B-883B54F8677D}" type="slidenum">
+              <a:t>‹#›</a:t>
+            </a:fld>
+            <a:endParaRPr/>
           </a:p>
         </p:txBody>
       </p:sp>
@@ -1693,12 +1740,12 @@
   <p:clrMapOvr>
     <a:masterClrMapping/>
   </p:clrMapOvr>
-  <p:transition xmlns:p14="http://schemas.microsoft.com/office/powerpoint/2010/main" spd="med" advClick="1"/>
+  <p:transition spd="med"/>
 </p:sldLayout>
 </file>
 
 <file path=ppt/slideLayouts/slideLayout4.xml><?xml version="1.0" encoding="utf-8"?>
-<p:sldLayout xmlns:a="http://schemas.openxmlformats.org/drawingml/2006/main" xmlns:r="http://schemas.openxmlformats.org/officeDocument/2006/relationships" xmlns:p="http://schemas.openxmlformats.org/presentationml/2006/main" type="tx" showMasterSp="1" showMasterPhAnim="1">
+<p:sldLayout xmlns:a="http://schemas.openxmlformats.org/drawingml/2006/main" xmlns:r="http://schemas.openxmlformats.org/officeDocument/2006/relationships" xmlns:p="http://schemas.openxmlformats.org/presentationml/2006/main" type="tx">
   <p:cSld name="兩項物件">
     <p:spTree>
       <p:nvGrpSpPr>
@@ -1717,7 +1764,9 @@
       <p:sp>
         <p:nvSpPr>
           <p:cNvPr id="39" name="标题文本"/>
-          <p:cNvSpPr txBox="1"/>
+          <p:cNvSpPr txBox="1">
+            <a:spLocks noGrp="1"/>
+          </p:cNvSpPr>
           <p:nvPr>
             <p:ph type="title"/>
           </p:nvPr>
@@ -1731,7 +1780,6 @@
           <a:bodyPr/>
           <a:lstStyle/>
           <a:p>
-            <a:pPr/>
             <a:r>
               <a:t>标题文本</a:t>
             </a:r>
@@ -1741,7 +1789,9 @@
       <p:sp>
         <p:nvSpPr>
           <p:cNvPr id="40" name="正文级别 1…"/>
-          <p:cNvSpPr txBox="1"/>
+          <p:cNvSpPr txBox="1">
+            <a:spLocks noGrp="1"/>
+          </p:cNvSpPr>
           <p:nvPr>
             <p:ph type="body" sz="half" idx="1"/>
           </p:nvPr>
@@ -1790,7 +1840,6 @@
             </a:lvl5pPr>
           </a:lstStyle>
           <a:p>
-            <a:pPr/>
             <a:r>
               <a:t>正文级别 1</a:t>
             </a:r>
@@ -1824,7 +1873,9 @@
       <p:sp>
         <p:nvSpPr>
           <p:cNvPr id="41" name="幻灯片编号"/>
-          <p:cNvSpPr txBox="1"/>
+          <p:cNvSpPr txBox="1">
+            <a:spLocks noGrp="1"/>
+          </p:cNvSpPr>
           <p:nvPr>
             <p:ph type="sldNum" sz="quarter" idx="2"/>
           </p:nvPr>
@@ -1838,8 +1889,10 @@
           <a:bodyPr/>
           <a:lstStyle/>
           <a:p>
-            <a:pPr/>
-            <a:fld id="{86CB4B4D-7CA3-9044-876B-883B54F8677D}" type="slidenum"/>
+            <a:fld id="{86CB4B4D-7CA3-9044-876B-883B54F8677D}" type="slidenum">
+              <a:t>‹#›</a:t>
+            </a:fld>
+            <a:endParaRPr/>
           </a:p>
         </p:txBody>
       </p:sp>
@@ -1848,12 +1901,12 @@
   <p:clrMapOvr>
     <a:masterClrMapping/>
   </p:clrMapOvr>
-  <p:transition xmlns:p14="http://schemas.microsoft.com/office/powerpoint/2010/main" spd="med" advClick="1"/>
+  <p:transition spd="med"/>
 </p:sldLayout>
 </file>
 
 <file path=ppt/slideLayouts/slideLayout5.xml><?xml version="1.0" encoding="utf-8"?>
-<p:sldLayout xmlns:a="http://schemas.openxmlformats.org/drawingml/2006/main" xmlns:r="http://schemas.openxmlformats.org/officeDocument/2006/relationships" xmlns:p="http://schemas.openxmlformats.org/presentationml/2006/main" type="tx" showMasterSp="1" showMasterPhAnim="1">
+<p:sldLayout xmlns:a="http://schemas.openxmlformats.org/drawingml/2006/main" xmlns:r="http://schemas.openxmlformats.org/officeDocument/2006/relationships" xmlns:p="http://schemas.openxmlformats.org/presentationml/2006/main" type="tx">
   <p:cSld name="比對">
     <p:spTree>
       <p:nvGrpSpPr>
@@ -1872,7 +1925,9 @@
       <p:sp>
         <p:nvSpPr>
           <p:cNvPr id="48" name="正文级别 1…"/>
-          <p:cNvSpPr txBox="1"/>
+          <p:cNvSpPr txBox="1">
+            <a:spLocks noGrp="1"/>
+          </p:cNvSpPr>
           <p:nvPr>
             <p:ph type="body" sz="quarter" idx="1"/>
           </p:nvPr>
@@ -1896,39 +1951,38 @@
               <a:buSzTx/>
               <a:buFontTx/>
               <a:buNone/>
-              <a:defRPr b="1" sz="3700"/>
+              <a:defRPr sz="3700" b="1"/>
             </a:lvl1pPr>
             <a:lvl2pPr marL="1098406" indent="-378406">
               <a:spcBef>
                 <a:spcPts val="800"/>
               </a:spcBef>
               <a:buFontTx/>
-              <a:defRPr b="1" sz="3700"/>
+              <a:defRPr sz="3700" b="1"/>
             </a:lvl2pPr>
             <a:lvl3pPr marL="1799995" indent="-359997">
               <a:spcBef>
                 <a:spcPts val="800"/>
               </a:spcBef>
               <a:buFontTx/>
-              <a:defRPr b="1" sz="3700"/>
+              <a:defRPr sz="3700" b="1"/>
             </a:lvl3pPr>
             <a:lvl4pPr marL="2589670" indent="-429674">
               <a:spcBef>
                 <a:spcPts val="800"/>
               </a:spcBef>
               <a:buFontTx/>
-              <a:defRPr b="1" sz="3700"/>
+              <a:defRPr sz="3700" b="1"/>
             </a:lvl4pPr>
             <a:lvl5pPr marL="3309672" indent="-429674">
               <a:spcBef>
                 <a:spcPts val="800"/>
               </a:spcBef>
               <a:buFontTx/>
-              <a:defRPr b="1" sz="3700"/>
+              <a:defRPr sz="3700" b="1"/>
             </a:lvl5pPr>
           </a:lstStyle>
           <a:p>
-            <a:pPr/>
             <a:r>
               <a:t>正文级别 1</a:t>
             </a:r>
@@ -1962,7 +2016,9 @@
       <p:sp>
         <p:nvSpPr>
           <p:cNvPr id="49" name="标题文本"/>
-          <p:cNvSpPr txBox="1"/>
+          <p:cNvSpPr txBox="1">
+            <a:spLocks noGrp="1"/>
+          </p:cNvSpPr>
           <p:nvPr>
             <p:ph type="title"/>
           </p:nvPr>
@@ -1976,7 +2032,6 @@
           <a:bodyPr/>
           <a:lstStyle/>
           <a:p>
-            <a:pPr/>
             <a:r>
               <a:t>标题文本</a:t>
             </a:r>
@@ -1986,7 +2041,9 @@
       <p:sp>
         <p:nvSpPr>
           <p:cNvPr id="50" name="正文级别 1…"/>
-          <p:cNvSpPr txBox="1"/>
+          <p:cNvSpPr txBox="1">
+            <a:spLocks noGrp="1"/>
+          </p:cNvSpPr>
           <p:nvPr>
             <p:ph type="body" sz="quarter" idx="13"/>
           </p:nvPr>
@@ -2004,14 +2061,16 @@
           <a:bodyPr anchor="b"/>
           <a:lstStyle/>
           <a:p>
-            <a:pPr/>
+            <a:endParaRPr/>
           </a:p>
         </p:txBody>
       </p:sp>
       <p:sp>
         <p:nvSpPr>
           <p:cNvPr id="51" name="幻灯片编号"/>
-          <p:cNvSpPr txBox="1"/>
+          <p:cNvSpPr txBox="1">
+            <a:spLocks noGrp="1"/>
+          </p:cNvSpPr>
           <p:nvPr>
             <p:ph type="sldNum" sz="quarter" idx="2"/>
           </p:nvPr>
@@ -2025,8 +2084,10 @@
           <a:bodyPr/>
           <a:lstStyle/>
           <a:p>
-            <a:pPr/>
-            <a:fld id="{86CB4B4D-7CA3-9044-876B-883B54F8677D}" type="slidenum"/>
+            <a:fld id="{86CB4B4D-7CA3-9044-876B-883B54F8677D}" type="slidenum">
+              <a:t>‹#›</a:t>
+            </a:fld>
+            <a:endParaRPr/>
           </a:p>
         </p:txBody>
       </p:sp>
@@ -2035,12 +2096,12 @@
   <p:clrMapOvr>
     <a:masterClrMapping/>
   </p:clrMapOvr>
-  <p:transition xmlns:p14="http://schemas.microsoft.com/office/powerpoint/2010/main" spd="med" advClick="1"/>
+  <p:transition spd="med"/>
 </p:sldLayout>
 </file>
 
 <file path=ppt/slideLayouts/slideLayout6.xml><?xml version="1.0" encoding="utf-8"?>
-<p:sldLayout xmlns:a="http://schemas.openxmlformats.org/drawingml/2006/main" xmlns:r="http://schemas.openxmlformats.org/officeDocument/2006/relationships" xmlns:p="http://schemas.openxmlformats.org/presentationml/2006/main" type="tx" showMasterSp="1" showMasterPhAnim="1">
+<p:sldLayout xmlns:a="http://schemas.openxmlformats.org/drawingml/2006/main" xmlns:r="http://schemas.openxmlformats.org/officeDocument/2006/relationships" xmlns:p="http://schemas.openxmlformats.org/presentationml/2006/main" type="tx">
   <p:cSld name="只有標題">
     <p:spTree>
       <p:nvGrpSpPr>
@@ -2059,7 +2120,9 @@
       <p:sp>
         <p:nvSpPr>
           <p:cNvPr id="58" name="标题文本"/>
-          <p:cNvSpPr txBox="1"/>
+          <p:cNvSpPr txBox="1">
+            <a:spLocks noGrp="1"/>
+          </p:cNvSpPr>
           <p:nvPr>
             <p:ph type="title"/>
           </p:nvPr>
@@ -2073,7 +2136,6 @@
           <a:bodyPr/>
           <a:lstStyle/>
           <a:p>
-            <a:pPr/>
             <a:r>
               <a:t>标题文本</a:t>
             </a:r>
@@ -2083,7 +2145,9 @@
       <p:sp>
         <p:nvSpPr>
           <p:cNvPr id="59" name="幻灯片编号"/>
-          <p:cNvSpPr txBox="1"/>
+          <p:cNvSpPr txBox="1">
+            <a:spLocks noGrp="1"/>
+          </p:cNvSpPr>
           <p:nvPr>
             <p:ph type="sldNum" sz="quarter" idx="2"/>
           </p:nvPr>
@@ -2097,8 +2161,10 @@
           <a:bodyPr/>
           <a:lstStyle/>
           <a:p>
-            <a:pPr/>
-            <a:fld id="{86CB4B4D-7CA3-9044-876B-883B54F8677D}" type="slidenum"/>
+            <a:fld id="{86CB4B4D-7CA3-9044-876B-883B54F8677D}" type="slidenum">
+              <a:t>‹#›</a:t>
+            </a:fld>
+            <a:endParaRPr/>
           </a:p>
         </p:txBody>
       </p:sp>
@@ -2107,12 +2173,12 @@
   <p:clrMapOvr>
     <a:masterClrMapping/>
   </p:clrMapOvr>
-  <p:transition xmlns:p14="http://schemas.microsoft.com/office/powerpoint/2010/main" spd="med" advClick="1"/>
+  <p:transition spd="med"/>
 </p:sldLayout>
 </file>
 
 <file path=ppt/slideLayouts/slideLayout7.xml><?xml version="1.0" encoding="utf-8"?>
-<p:sldLayout xmlns:a="http://schemas.openxmlformats.org/drawingml/2006/main" xmlns:r="http://schemas.openxmlformats.org/officeDocument/2006/relationships" xmlns:p="http://schemas.openxmlformats.org/presentationml/2006/main" type="tx" showMasterSp="1" showMasterPhAnim="1">
+<p:sldLayout xmlns:a="http://schemas.openxmlformats.org/drawingml/2006/main" xmlns:r="http://schemas.openxmlformats.org/officeDocument/2006/relationships" xmlns:p="http://schemas.openxmlformats.org/presentationml/2006/main" type="tx">
   <p:cSld name="空白">
     <p:spTree>
       <p:nvGrpSpPr>
@@ -2131,7 +2197,9 @@
       <p:sp>
         <p:nvSpPr>
           <p:cNvPr id="66" name="幻灯片编号"/>
-          <p:cNvSpPr txBox="1"/>
+          <p:cNvSpPr txBox="1">
+            <a:spLocks noGrp="1"/>
+          </p:cNvSpPr>
           <p:nvPr>
             <p:ph type="sldNum" sz="quarter" idx="2"/>
           </p:nvPr>
@@ -2145,8 +2213,10 @@
           <a:bodyPr/>
           <a:lstStyle/>
           <a:p>
-            <a:pPr/>
-            <a:fld id="{86CB4B4D-7CA3-9044-876B-883B54F8677D}" type="slidenum"/>
+            <a:fld id="{86CB4B4D-7CA3-9044-876B-883B54F8677D}" type="slidenum">
+              <a:t>‹#›</a:t>
+            </a:fld>
+            <a:endParaRPr/>
           </a:p>
         </p:txBody>
       </p:sp>
@@ -2155,12 +2225,12 @@
   <p:clrMapOvr>
     <a:masterClrMapping/>
   </p:clrMapOvr>
-  <p:transition xmlns:p14="http://schemas.microsoft.com/office/powerpoint/2010/main" spd="med" advClick="1"/>
+  <p:transition spd="med"/>
 </p:sldLayout>
 </file>
 
 <file path=ppt/slideLayouts/slideLayout8.xml><?xml version="1.0" encoding="utf-8"?>
-<p:sldLayout xmlns:a="http://schemas.openxmlformats.org/drawingml/2006/main" xmlns:r="http://schemas.openxmlformats.org/officeDocument/2006/relationships" xmlns:p="http://schemas.openxmlformats.org/presentationml/2006/main" type="tx" showMasterSp="1" showMasterPhAnim="1">
+<p:sldLayout xmlns:a="http://schemas.openxmlformats.org/drawingml/2006/main" xmlns:r="http://schemas.openxmlformats.org/officeDocument/2006/relationships" xmlns:p="http://schemas.openxmlformats.org/presentationml/2006/main" type="tx">
   <p:cSld name="含標題的內容">
     <p:spTree>
       <p:nvGrpSpPr>
@@ -2179,7 +2249,9 @@
       <p:sp>
         <p:nvSpPr>
           <p:cNvPr id="73" name="正文级别 1…"/>
-          <p:cNvSpPr txBox="1"/>
+          <p:cNvSpPr txBox="1">
+            <a:spLocks noGrp="1"/>
+          </p:cNvSpPr>
           <p:nvPr>
             <p:ph type="body" sz="half" idx="1"/>
           </p:nvPr>
@@ -2235,7 +2307,6 @@
             </a:lvl5pPr>
           </a:lstStyle>
           <a:p>
-            <a:pPr/>
             <a:r>
               <a:t>正文级别 1</a:t>
             </a:r>
@@ -2269,7 +2340,9 @@
       <p:sp>
         <p:nvSpPr>
           <p:cNvPr id="74" name="标题文本"/>
-          <p:cNvSpPr txBox="1"/>
+          <p:cNvSpPr txBox="1">
+            <a:spLocks noGrp="1"/>
+          </p:cNvSpPr>
           <p:nvPr>
             <p:ph type="title"/>
           </p:nvPr>
@@ -2287,11 +2360,10 @@
           <a:bodyPr anchor="b"/>
           <a:lstStyle>
             <a:lvl1pPr algn="l">
-              <a:defRPr b="1" sz="3100"/>
+              <a:defRPr sz="3100" b="1"/>
             </a:lvl1pPr>
           </a:lstStyle>
           <a:p>
-            <a:pPr/>
             <a:r>
               <a:t>标题文本</a:t>
             </a:r>
@@ -2301,7 +2373,9 @@
       <p:sp>
         <p:nvSpPr>
           <p:cNvPr id="75" name="正文级别 1…"/>
-          <p:cNvSpPr txBox="1"/>
+          <p:cNvSpPr txBox="1">
+            <a:spLocks noGrp="1"/>
+          </p:cNvSpPr>
           <p:nvPr>
             <p:ph type="body" idx="13"/>
           </p:nvPr>
@@ -2319,14 +2393,16 @@
           <a:bodyPr/>
           <a:lstStyle/>
           <a:p>
-            <a:pPr/>
+            <a:endParaRPr/>
           </a:p>
         </p:txBody>
       </p:sp>
       <p:sp>
         <p:nvSpPr>
           <p:cNvPr id="76" name="幻灯片编号"/>
-          <p:cNvSpPr txBox="1"/>
+          <p:cNvSpPr txBox="1">
+            <a:spLocks noGrp="1"/>
+          </p:cNvSpPr>
           <p:nvPr>
             <p:ph type="sldNum" sz="quarter" idx="2"/>
           </p:nvPr>
@@ -2340,8 +2416,10 @@
           <a:bodyPr/>
           <a:lstStyle/>
           <a:p>
-            <a:pPr/>
-            <a:fld id="{86CB4B4D-7CA3-9044-876B-883B54F8677D}" type="slidenum"/>
+            <a:fld id="{86CB4B4D-7CA3-9044-876B-883B54F8677D}" type="slidenum">
+              <a:t>‹#›</a:t>
+            </a:fld>
+            <a:endParaRPr/>
           </a:p>
         </p:txBody>
       </p:sp>
@@ -2350,12 +2428,12 @@
   <p:clrMapOvr>
     <a:masterClrMapping/>
   </p:clrMapOvr>
-  <p:transition xmlns:p14="http://schemas.microsoft.com/office/powerpoint/2010/main" spd="med" advClick="1"/>
+  <p:transition spd="med"/>
 </p:sldLayout>
 </file>
 
 <file path=ppt/slideLayouts/slideLayout9.xml><?xml version="1.0" encoding="utf-8"?>
-<p:sldLayout xmlns:a="http://schemas.openxmlformats.org/drawingml/2006/main" xmlns:r="http://schemas.openxmlformats.org/officeDocument/2006/relationships" xmlns:p="http://schemas.openxmlformats.org/presentationml/2006/main" type="tx" showMasterSp="1" showMasterPhAnim="1">
+<p:sldLayout xmlns:a="http://schemas.openxmlformats.org/drawingml/2006/main" xmlns:r="http://schemas.openxmlformats.org/officeDocument/2006/relationships" xmlns:p="http://schemas.openxmlformats.org/presentationml/2006/main" type="tx">
   <p:cSld name="含標題的圖片">
     <p:spTree>
       <p:nvGrpSpPr>
@@ -2374,7 +2452,9 @@
       <p:sp>
         <p:nvSpPr>
           <p:cNvPr id="83" name="图像"/>
-          <p:cNvSpPr/>
+          <p:cNvSpPr>
+            <a:spLocks noGrp="1"/>
+          </p:cNvSpPr>
           <p:nvPr>
             <p:ph type="pic" sz="half" idx="13"/>
           </p:nvPr>
@@ -2394,14 +2474,16 @@
           </a:bodyPr>
           <a:lstStyle/>
           <a:p>
-            <a:pPr/>
+            <a:endParaRPr/>
           </a:p>
         </p:txBody>
       </p:sp>
       <p:sp>
         <p:nvSpPr>
           <p:cNvPr id="84" name="标题文本"/>
-          <p:cNvSpPr txBox="1"/>
+          <p:cNvSpPr txBox="1">
+            <a:spLocks noGrp="1"/>
+          </p:cNvSpPr>
           <p:nvPr>
             <p:ph type="title"/>
           </p:nvPr>
@@ -2419,11 +2501,10 @@
           <a:bodyPr anchor="b"/>
           <a:lstStyle>
             <a:lvl1pPr algn="l">
-              <a:defRPr b="1" sz="3100"/>
+              <a:defRPr sz="3100" b="1"/>
             </a:lvl1pPr>
           </a:lstStyle>
           <a:p>
-            <a:pPr/>
             <a:r>
               <a:t>标题文本</a:t>
             </a:r>
@@ -2433,7 +2514,9 @@
       <p:sp>
         <p:nvSpPr>
           <p:cNvPr id="85" name="正文级别 1…"/>
-          <p:cNvSpPr txBox="1"/>
+          <p:cNvSpPr txBox="1">
+            <a:spLocks noGrp="1"/>
+          </p:cNvSpPr>
           <p:nvPr>
             <p:ph type="body" sz="quarter" idx="1"/>
           </p:nvPr>
@@ -2497,7 +2580,6 @@
             </a:lvl5pPr>
           </a:lstStyle>
           <a:p>
-            <a:pPr/>
             <a:r>
               <a:t>正文级别 1</a:t>
             </a:r>
@@ -2531,7 +2613,9 @@
       <p:sp>
         <p:nvSpPr>
           <p:cNvPr id="86" name="幻灯片编号"/>
-          <p:cNvSpPr txBox="1"/>
+          <p:cNvSpPr txBox="1">
+            <a:spLocks noGrp="1"/>
+          </p:cNvSpPr>
           <p:nvPr>
             <p:ph type="sldNum" sz="quarter" idx="2"/>
           </p:nvPr>
@@ -2545,8 +2629,10 @@
           <a:bodyPr/>
           <a:lstStyle/>
           <a:p>
-            <a:pPr/>
-            <a:fld id="{86CB4B4D-7CA3-9044-876B-883B54F8677D}" type="slidenum"/>
+            <a:fld id="{86CB4B4D-7CA3-9044-876B-883B54F8677D}" type="slidenum">
+              <a:t>‹#›</a:t>
+            </a:fld>
+            <a:endParaRPr/>
           </a:p>
         </p:txBody>
       </p:sp>
@@ -2555,7 +2641,7 @@
   <p:clrMapOvr>
     <a:masterClrMapping/>
   </p:clrMapOvr>
-  <p:transition xmlns:p14="http://schemas.microsoft.com/office/powerpoint/2010/main" spd="med" advClick="1"/>
+  <p:transition spd="med"/>
 </p:sldLayout>
 </file>
 
@@ -2565,12 +2651,13 @@
     <p:bg>
       <p:bgPr>
         <a:blipFill rotWithShape="1">
-          <a:blip r:embed="rId2"/>
-          <a:srcRect l="0" t="0" r="0" b="0"/>
+          <a:blip r:embed="rId15"/>
+          <a:srcRect/>
           <a:stretch>
             <a:fillRect/>
           </a:stretch>
         </a:blipFill>
+        <a:effectLst/>
       </p:bgPr>
     </p:bg>
     <p:spTree>
@@ -2590,7 +2677,9 @@
       <p:sp>
         <p:nvSpPr>
           <p:cNvPr id="2" name="标题文本"/>
-          <p:cNvSpPr txBox="1"/>
+          <p:cNvSpPr txBox="1">
+            <a:spLocks noGrp="1"/>
+          </p:cNvSpPr>
           <p:nvPr>
             <p:ph type="title"/>
           </p:nvPr>
@@ -2608,17 +2697,16 @@
           </a:ln>
           <a:extLst>
             <a:ext uri="{C572A759-6A51-4108-AA02-DFA0A04FC94B}">
-              <ma14:wrappingTextBoxFlag xmlns:ma14="http://schemas.microsoft.com/office/mac/drawingml/2011/main" val="1"/>
+              <ma14:wrappingTextBoxFlag xmlns:ma14="http://schemas.microsoft.com/office/mac/drawingml/2011/main" xmlns="" val="1"/>
             </a:ext>
           </a:extLst>
         </p:spPr>
         <p:txBody>
           <a:bodyPr lIns="45718" tIns="45718" rIns="45718" bIns="45718" anchor="ctr">
-            <a:normAutofit fontScale="100000" lnSpcReduction="0"/>
+            <a:normAutofit/>
           </a:bodyPr>
           <a:lstStyle/>
           <a:p>
-            <a:pPr/>
             <a:r>
               <a:t>标题文本</a:t>
             </a:r>
@@ -2628,7 +2716,9 @@
       <p:sp>
         <p:nvSpPr>
           <p:cNvPr id="3" name="正文级别 1…"/>
-          <p:cNvSpPr txBox="1"/>
+          <p:cNvSpPr txBox="1">
+            <a:spLocks noGrp="1"/>
+          </p:cNvSpPr>
           <p:nvPr>
             <p:ph type="body" idx="1"/>
           </p:nvPr>
@@ -2646,17 +2736,16 @@
           </a:ln>
           <a:extLst>
             <a:ext uri="{C572A759-6A51-4108-AA02-DFA0A04FC94B}">
-              <ma14:wrappingTextBoxFlag xmlns:ma14="http://schemas.microsoft.com/office/mac/drawingml/2011/main" val="1"/>
+              <ma14:wrappingTextBoxFlag xmlns:ma14="http://schemas.microsoft.com/office/mac/drawingml/2011/main" xmlns="" val="1"/>
             </a:ext>
           </a:extLst>
         </p:spPr>
         <p:txBody>
           <a:bodyPr lIns="45718" tIns="45718" rIns="45718" bIns="45718">
-            <a:normAutofit fontScale="100000" lnSpcReduction="0"/>
+            <a:normAutofit/>
           </a:bodyPr>
           <a:lstStyle/>
           <a:p>
-            <a:pPr/>
             <a:r>
               <a:t>正文级别 1</a:t>
             </a:r>
@@ -2690,7 +2779,9 @@
       <p:sp>
         <p:nvSpPr>
           <p:cNvPr id="4" name="幻灯片编号"/>
-          <p:cNvSpPr txBox="1"/>
+          <p:cNvSpPr txBox="1">
+            <a:spLocks noGrp="1"/>
+          </p:cNvSpPr>
           <p:nvPr>
             <p:ph type="sldNum" sz="quarter" idx="2"/>
           </p:nvPr>
@@ -2725,8 +2816,10 @@
             </a:lvl1pPr>
           </a:lstStyle>
           <a:p>
-            <a:pPr/>
-            <a:fld id="{86CB4B4D-7CA3-9044-876B-883B54F8677D}" type="slidenum"/>
+            <a:fld id="{86CB4B4D-7CA3-9044-876B-883B54F8677D}" type="slidenum">
+              <a:t>‹#›</a:t>
+            </a:fld>
+            <a:endParaRPr/>
           </a:p>
         </p:txBody>
       </p:sp>
@@ -2734,21 +2827,21 @@
   </p:cSld>
   <p:clrMap bg1="lt1" tx1="dk1" bg2="lt2" tx2="dk2" accent1="accent1" accent2="accent2" accent3="accent3" accent4="accent4" accent5="accent5" accent6="accent6" hlink="hlink" folHlink="folHlink"/>
   <p:sldLayoutIdLst>
-    <p:sldLayoutId id="2147483649" r:id="rId3"/>
-    <p:sldLayoutId id="2147483650" r:id="rId4"/>
-    <p:sldLayoutId id="2147483651" r:id="rId5"/>
-    <p:sldLayoutId id="2147483652" r:id="rId6"/>
-    <p:sldLayoutId id="2147483653" r:id="rId7"/>
-    <p:sldLayoutId id="2147483654" r:id="rId8"/>
-    <p:sldLayoutId id="2147483655" r:id="rId9"/>
-    <p:sldLayoutId id="2147483656" r:id="rId10"/>
-    <p:sldLayoutId id="2147483657" r:id="rId11"/>
-    <p:sldLayoutId id="2147483658" r:id="rId12"/>
-    <p:sldLayoutId id="2147483659" r:id="rId13"/>
-    <p:sldLayoutId id="2147483660" r:id="rId14"/>
-    <p:sldLayoutId id="2147483661" r:id="rId15"/>
+    <p:sldLayoutId id="2147483649" r:id="rId1"/>
+    <p:sldLayoutId id="2147483650" r:id="rId2"/>
+    <p:sldLayoutId id="2147483651" r:id="rId3"/>
+    <p:sldLayoutId id="2147483652" r:id="rId4"/>
+    <p:sldLayoutId id="2147483653" r:id="rId5"/>
+    <p:sldLayoutId id="2147483654" r:id="rId6"/>
+    <p:sldLayoutId id="2147483655" r:id="rId7"/>
+    <p:sldLayoutId id="2147483656" r:id="rId8"/>
+    <p:sldLayoutId id="2147483657" r:id="rId9"/>
+    <p:sldLayoutId id="2147483658" r:id="rId10"/>
+    <p:sldLayoutId id="2147483659" r:id="rId11"/>
+    <p:sldLayoutId id="2147483660" r:id="rId12"/>
+    <p:sldLayoutId id="2147483661" r:id="rId13"/>
   </p:sldLayoutIdLst>
-  <p:transition xmlns:p14="http://schemas.microsoft.com/office/powerpoint/2010/main" spd="med" advClick="1"/>
+  <p:transition spd="med"/>
   <p:txStyles>
     <p:titleStyle>
       <a:lvl1pPr marL="0" marR="0" indent="0" algn="ctr" defTabSz="1439996" rtl="0" latinLnBrk="0">
@@ -2766,7 +2859,7 @@
         <a:buFontTx/>
         <a:buNone/>
         <a:tabLst/>
-        <a:defRPr b="0" baseline="0" cap="none" i="0" spc="0" strike="noStrike" sz="6900" u="none">
+        <a:defRPr sz="6900" b="0" i="0" u="none" strike="noStrike" cap="none" spc="0" baseline="0">
           <a:ln>
             <a:noFill/>
           </a:ln>
@@ -2795,7 +2888,7 @@
         <a:buFontTx/>
         <a:buNone/>
         <a:tabLst/>
-        <a:defRPr b="0" baseline="0" cap="none" i="0" spc="0" strike="noStrike" sz="6900" u="none">
+        <a:defRPr sz="6900" b="0" i="0" u="none" strike="noStrike" cap="none" spc="0" baseline="0">
           <a:ln>
             <a:noFill/>
           </a:ln>
@@ -2824,7 +2917,7 @@
         <a:buFontTx/>
         <a:buNone/>
         <a:tabLst/>
-        <a:defRPr b="0" baseline="0" cap="none" i="0" spc="0" strike="noStrike" sz="6900" u="none">
+        <a:defRPr sz="6900" b="0" i="0" u="none" strike="noStrike" cap="none" spc="0" baseline="0">
           <a:ln>
             <a:noFill/>
           </a:ln>
@@ -2853,7 +2946,7 @@
         <a:buFontTx/>
         <a:buNone/>
         <a:tabLst/>
-        <a:defRPr b="0" baseline="0" cap="none" i="0" spc="0" strike="noStrike" sz="6900" u="none">
+        <a:defRPr sz="6900" b="0" i="0" u="none" strike="noStrike" cap="none" spc="0" baseline="0">
           <a:ln>
             <a:noFill/>
           </a:ln>
@@ -2882,7 +2975,7 @@
         <a:buFontTx/>
         <a:buNone/>
         <a:tabLst/>
-        <a:defRPr b="0" baseline="0" cap="none" i="0" spc="0" strike="noStrike" sz="6900" u="none">
+        <a:defRPr sz="6900" b="0" i="0" u="none" strike="noStrike" cap="none" spc="0" baseline="0">
           <a:ln>
             <a:noFill/>
           </a:ln>
@@ -2911,7 +3004,7 @@
         <a:buFontTx/>
         <a:buNone/>
         <a:tabLst/>
-        <a:defRPr b="0" baseline="0" cap="none" i="0" spc="0" strike="noStrike" sz="6900" u="none">
+        <a:defRPr sz="6900" b="0" i="0" u="none" strike="noStrike" cap="none" spc="0" baseline="0">
           <a:ln>
             <a:noFill/>
           </a:ln>
@@ -2940,7 +3033,7 @@
         <a:buFontTx/>
         <a:buNone/>
         <a:tabLst/>
-        <a:defRPr b="0" baseline="0" cap="none" i="0" spc="0" strike="noStrike" sz="6900" u="none">
+        <a:defRPr sz="6900" b="0" i="0" u="none" strike="noStrike" cap="none" spc="0" baseline="0">
           <a:ln>
             <a:noFill/>
           </a:ln>
@@ -2969,7 +3062,7 @@
         <a:buFontTx/>
         <a:buNone/>
         <a:tabLst/>
-        <a:defRPr b="0" baseline="0" cap="none" i="0" spc="0" strike="noStrike" sz="6900" u="none">
+        <a:defRPr sz="6900" b="0" i="0" u="none" strike="noStrike" cap="none" spc="0" baseline="0">
           <a:ln>
             <a:noFill/>
           </a:ln>
@@ -2998,7 +3091,7 @@
         <a:buFontTx/>
         <a:buNone/>
         <a:tabLst/>
-        <a:defRPr b="0" baseline="0" cap="none" i="0" spc="0" strike="noStrike" sz="6900" u="none">
+        <a:defRPr sz="6900" b="0" i="0" u="none" strike="noStrike" cap="none" spc="0" baseline="0">
           <a:ln>
             <a:noFill/>
           </a:ln>
@@ -3029,7 +3122,7 @@
         <a:buFont typeface="Arial"/>
         <a:buChar char="•"/>
         <a:tabLst/>
-        <a:defRPr b="0" baseline="0" cap="none" i="0" spc="0" strike="noStrike" sz="5000" u="none">
+        <a:defRPr sz="5000" b="0" i="0" u="none" strike="noStrike" cap="none" spc="0" baseline="0">
           <a:ln>
             <a:noFill/>
           </a:ln>
@@ -3058,7 +3151,7 @@
         <a:buFont typeface="Arial"/>
         <a:buChar char="–"/>
         <a:tabLst/>
-        <a:defRPr b="0" baseline="0" cap="none" i="0" spc="0" strike="noStrike" sz="5000" u="none">
+        <a:defRPr sz="5000" b="0" i="0" u="none" strike="noStrike" cap="none" spc="0" baseline="0">
           <a:ln>
             <a:noFill/>
           </a:ln>
@@ -3087,7 +3180,7 @@
         <a:buFont typeface="Arial"/>
         <a:buChar char="•"/>
         <a:tabLst/>
-        <a:defRPr b="0" baseline="0" cap="none" i="0" spc="0" strike="noStrike" sz="5000" u="none">
+        <a:defRPr sz="5000" b="0" i="0" u="none" strike="noStrike" cap="none" spc="0" baseline="0">
           <a:ln>
             <a:noFill/>
           </a:ln>
@@ -3116,7 +3209,7 @@
         <a:buFont typeface="Arial"/>
         <a:buChar char="–"/>
         <a:tabLst/>
-        <a:defRPr b="0" baseline="0" cap="none" i="0" spc="0" strike="noStrike" sz="5000" u="none">
+        <a:defRPr sz="5000" b="0" i="0" u="none" strike="noStrike" cap="none" spc="0" baseline="0">
           <a:ln>
             <a:noFill/>
           </a:ln>
@@ -3145,7 +3238,7 @@
         <a:buFont typeface="Arial"/>
         <a:buChar char="»"/>
         <a:tabLst/>
-        <a:defRPr b="0" baseline="0" cap="none" i="0" spc="0" strike="noStrike" sz="5000" u="none">
+        <a:defRPr sz="5000" b="0" i="0" u="none" strike="noStrike" cap="none" spc="0" baseline="0">
           <a:ln>
             <a:noFill/>
           </a:ln>
@@ -3174,7 +3267,7 @@
         <a:buFont typeface="Arial"/>
         <a:buChar char="•"/>
         <a:tabLst/>
-        <a:defRPr b="0" baseline="0" cap="none" i="0" spc="0" strike="noStrike" sz="5000" u="none">
+        <a:defRPr sz="5000" b="0" i="0" u="none" strike="noStrike" cap="none" spc="0" baseline="0">
           <a:ln>
             <a:noFill/>
           </a:ln>
@@ -3203,7 +3296,7 @@
         <a:buFont typeface="Arial"/>
         <a:buChar char="•"/>
         <a:tabLst/>
-        <a:defRPr b="0" baseline="0" cap="none" i="0" spc="0" strike="noStrike" sz="5000" u="none">
+        <a:defRPr sz="5000" b="0" i="0" u="none" strike="noStrike" cap="none" spc="0" baseline="0">
           <a:ln>
             <a:noFill/>
           </a:ln>
@@ -3232,7 +3325,7 @@
         <a:buFont typeface="Arial"/>
         <a:buChar char="•"/>
         <a:tabLst/>
-        <a:defRPr b="0" baseline="0" cap="none" i="0" spc="0" strike="noStrike" sz="5000" u="none">
+        <a:defRPr sz="5000" b="0" i="0" u="none" strike="noStrike" cap="none" spc="0" baseline="0">
           <a:ln>
             <a:noFill/>
           </a:ln>
@@ -3261,7 +3354,7 @@
         <a:buFont typeface="Arial"/>
         <a:buChar char="•"/>
         <a:tabLst/>
-        <a:defRPr b="0" baseline="0" cap="none" i="0" spc="0" strike="noStrike" sz="5000" u="none">
+        <a:defRPr sz="5000" b="0" i="0" u="none" strike="noStrike" cap="none" spc="0" baseline="0">
           <a:ln>
             <a:noFill/>
           </a:ln>
@@ -3292,7 +3385,7 @@
         <a:buFontTx/>
         <a:buNone/>
         <a:tabLst/>
-        <a:defRPr b="0" baseline="0" cap="none" i="0" spc="0" strike="noStrike" sz="1800" u="none">
+        <a:defRPr sz="1800" b="0" i="0" u="none" strike="noStrike" cap="none" spc="0" baseline="0">
           <a:ln>
             <a:noFill/>
           </a:ln>
@@ -3321,7 +3414,7 @@
         <a:buFontTx/>
         <a:buNone/>
         <a:tabLst/>
-        <a:defRPr b="0" baseline="0" cap="none" i="0" spc="0" strike="noStrike" sz="1800" u="none">
+        <a:defRPr sz="1800" b="0" i="0" u="none" strike="noStrike" cap="none" spc="0" baseline="0">
           <a:ln>
             <a:noFill/>
           </a:ln>
@@ -3350,7 +3443,7 @@
         <a:buFontTx/>
         <a:buNone/>
         <a:tabLst/>
-        <a:defRPr b="0" baseline="0" cap="none" i="0" spc="0" strike="noStrike" sz="1800" u="none">
+        <a:defRPr sz="1800" b="0" i="0" u="none" strike="noStrike" cap="none" spc="0" baseline="0">
           <a:ln>
             <a:noFill/>
           </a:ln>
@@ -3379,7 +3472,7 @@
         <a:buFontTx/>
         <a:buNone/>
         <a:tabLst/>
-        <a:defRPr b="0" baseline="0" cap="none" i="0" spc="0" strike="noStrike" sz="1800" u="none">
+        <a:defRPr sz="1800" b="0" i="0" u="none" strike="noStrike" cap="none" spc="0" baseline="0">
           <a:ln>
             <a:noFill/>
           </a:ln>
@@ -3408,7 +3501,7 @@
         <a:buFontTx/>
         <a:buNone/>
         <a:tabLst/>
-        <a:defRPr b="0" baseline="0" cap="none" i="0" spc="0" strike="noStrike" sz="1800" u="none">
+        <a:defRPr sz="1800" b="0" i="0" u="none" strike="noStrike" cap="none" spc="0" baseline="0">
           <a:ln>
             <a:noFill/>
           </a:ln>
@@ -3437,7 +3530,7 @@
         <a:buFontTx/>
         <a:buNone/>
         <a:tabLst/>
-        <a:defRPr b="0" baseline="0" cap="none" i="0" spc="0" strike="noStrike" sz="1800" u="none">
+        <a:defRPr sz="1800" b="0" i="0" u="none" strike="noStrike" cap="none" spc="0" baseline="0">
           <a:ln>
             <a:noFill/>
           </a:ln>
@@ -3466,7 +3559,7 @@
         <a:buFontTx/>
         <a:buNone/>
         <a:tabLst/>
-        <a:defRPr b="0" baseline="0" cap="none" i="0" spc="0" strike="noStrike" sz="1800" u="none">
+        <a:defRPr sz="1800" b="0" i="0" u="none" strike="noStrike" cap="none" spc="0" baseline="0">
           <a:ln>
             <a:noFill/>
           </a:ln>
@@ -3495,7 +3588,7 @@
         <a:buFontTx/>
         <a:buNone/>
         <a:tabLst/>
-        <a:defRPr b="0" baseline="0" cap="none" i="0" spc="0" strike="noStrike" sz="1800" u="none">
+        <a:defRPr sz="1800" b="0" i="0" u="none" strike="noStrike" cap="none" spc="0" baseline="0">
           <a:ln>
             <a:noFill/>
           </a:ln>
@@ -3524,7 +3617,7 @@
         <a:buFontTx/>
         <a:buNone/>
         <a:tabLst/>
-        <a:defRPr b="0" baseline="0" cap="none" i="0" spc="0" strike="noStrike" sz="1800" u="none">
+        <a:defRPr sz="1800" b="0" i="0" u="none" strike="noStrike" cap="none" spc="0" baseline="0">
           <a:ln>
             <a:noFill/>
           </a:ln>
@@ -3544,7 +3637,7 @@
 </file>
 
 <file path=ppt/slides/slide1.xml><?xml version="1.0" encoding="utf-8"?>
-<p:sld xmlns:a="http://schemas.openxmlformats.org/drawingml/2006/main" xmlns:r="http://schemas.openxmlformats.org/officeDocument/2006/relationships" xmlns:p="http://schemas.openxmlformats.org/presentationml/2006/main" showMasterSp="1" showMasterPhAnim="1">
+<p:sld xmlns:a="http://schemas.openxmlformats.org/drawingml/2006/main" xmlns:r="http://schemas.openxmlformats.org/officeDocument/2006/relationships" xmlns:p="http://schemas.openxmlformats.org/presentationml/2006/main">
   <p:cSld>
     <p:spTree>
       <p:nvGrpSpPr>
@@ -3579,7 +3672,7 @@
           </a:ln>
           <a:extLst>
             <a:ext uri="{C572A759-6A51-4108-AA02-DFA0A04FC94B}">
-              <ma14:wrappingTextBoxFlag xmlns:ma14="http://schemas.microsoft.com/office/mac/drawingml/2011/main" val="1"/>
+              <ma14:wrappingTextBoxFlag xmlns:ma14="http://schemas.microsoft.com/office/mac/drawingml/2011/main" xmlns="" val="1"/>
             </a:ext>
           </a:extLst>
         </p:spPr>
@@ -3625,7 +3718,7 @@
         <p:spPr>
           <a:xfrm>
             <a:off x="1751770" y="3599681"/>
-            <a:ext cx="10873208" cy="1259837"/>
+            <a:ext cx="10873208" cy="1107992"/>
           </a:xfrm>
           <a:prstGeom prst="rect">
             <a:avLst/>
@@ -3635,7 +3728,7 @@
           </a:ln>
           <a:extLst>
             <a:ext uri="{C572A759-6A51-4108-AA02-DFA0A04FC94B}">
-              <ma14:wrappingTextBoxFlag xmlns:ma14="http://schemas.microsoft.com/office/mac/drawingml/2011/main" val="1"/>
+              <ma14:wrappingTextBoxFlag xmlns:ma14="http://schemas.microsoft.com/office/mac/drawingml/2011/main" xmlns="" val="1"/>
             </a:ext>
           </a:extLst>
         </p:spPr>
@@ -3654,17 +3747,37 @@
               </a:defRPr>
             </a:pPr>
             <a:r>
+              <a:rPr dirty="0" err="1"/>
               <a:t>TypeScript</a:t>
             </a:r>
             <a:r>
-              <a:rPr>
+              <a:rPr dirty="0">
                 <a:latin typeface="+mn-lt"/>
                 <a:ea typeface="+mn-ea"/>
                 <a:cs typeface="+mn-cs"/>
                 <a:sym typeface="Helvetica"/>
               </a:rPr>
-              <a:t> 介绍</a:t>
-            </a:r>
+              <a:t> </a:t>
+            </a:r>
+            <a:r>
+              <a:rPr dirty="0" err="1">
+                <a:latin typeface="+mn-lt"/>
+                <a:ea typeface="+mn-ea"/>
+                <a:cs typeface="+mn-cs"/>
+                <a:sym typeface="Helvetica"/>
+              </a:rPr>
+              <a:t>介绍</a:t>
+            </a:r>
+            <a:r>
+              <a:rPr lang="zh-Hans" altLang="en-US" dirty="0"/>
+              <a:t>（一）</a:t>
+            </a:r>
+            <a:endParaRPr dirty="0">
+              <a:latin typeface="+mn-lt"/>
+              <a:ea typeface="+mn-ea"/>
+              <a:cs typeface="+mn-cs"/>
+              <a:sym typeface="Helvetica"/>
+            </a:endParaRPr>
           </a:p>
         </p:txBody>
       </p:sp>
@@ -3673,12 +3786,12 @@
   <p:clrMapOvr>
     <a:masterClrMapping/>
   </p:clrMapOvr>
-  <p:transition xmlns:p14="http://schemas.microsoft.com/office/powerpoint/2010/main" spd="med" advClick="1"/>
+  <p:transition spd="med"/>
 </p:sld>
 </file>
 
 <file path=ppt/slides/slide10.xml><?xml version="1.0" encoding="utf-8"?>
-<p:sld xmlns:a="http://schemas.openxmlformats.org/drawingml/2006/main" xmlns:r="http://schemas.openxmlformats.org/officeDocument/2006/relationships" xmlns:p="http://schemas.openxmlformats.org/presentationml/2006/main" showMasterSp="1" showMasterPhAnim="1">
+<p:sld xmlns:a="http://schemas.openxmlformats.org/drawingml/2006/main" xmlns:r="http://schemas.openxmlformats.org/officeDocument/2006/relationships" xmlns:p="http://schemas.openxmlformats.org/presentationml/2006/main">
   <p:cSld>
     <p:spTree>
       <p:nvGrpSpPr>
@@ -3713,7 +3826,7 @@
           </a:ln>
           <a:extLst>
             <a:ext uri="{C572A759-6A51-4108-AA02-DFA0A04FC94B}">
-              <ma14:wrappingTextBoxFlag xmlns:ma14="http://schemas.microsoft.com/office/mac/drawingml/2011/main" val="1"/>
+              <ma14:wrappingTextBoxFlag xmlns:ma14="http://schemas.microsoft.com/office/mac/drawingml/2011/main" xmlns="" val="1"/>
             </a:ext>
           </a:extLst>
         </p:spPr>
@@ -3732,7 +3845,6 @@
             </a:lvl1pPr>
           </a:lstStyle>
           <a:p>
-            <a:pPr/>
             <a:r>
               <a:t>文档式接口，提供程序的行为提示与约束</a:t>
             </a:r>
@@ -3773,13 +3885,13 @@
   <p:clrMapOvr>
     <a:masterClrMapping/>
   </p:clrMapOvr>
-  <mc:AlternateContent xmlns:mc="http://schemas.openxmlformats.org/markup-compatibility/2006">
-    <mc:Choice xmlns:p14="http://schemas.microsoft.com/office/powerpoint/2010/main" Requires="p14">
-      <p:transition spd="med" advClick="1" p14:dur="1000">
+  <mc:AlternateContent xmlns:mc="http://schemas.openxmlformats.org/markup-compatibility/2006" xmlns:p14="http://schemas.microsoft.com/office/powerpoint/2010/main">
+    <mc:Choice Requires="p14">
+      <p:transition spd="slow">
         <p:dissolve/>
       </p:transition>
     </mc:Choice>
-    <mc:Fallback>
+    <mc:Fallback xmlns="">
       <p:transition spd="med">
         <p:fade/>
       </p:transition>
@@ -3789,7 +3901,7 @@
 </file>
 
 <file path=ppt/slides/slide11.xml><?xml version="1.0" encoding="utf-8"?>
-<p:sld xmlns:a="http://schemas.openxmlformats.org/drawingml/2006/main" xmlns:r="http://schemas.openxmlformats.org/officeDocument/2006/relationships" xmlns:p="http://schemas.openxmlformats.org/presentationml/2006/main" showMasterSp="1" showMasterPhAnim="1">
+<p:sld xmlns:a="http://schemas.openxmlformats.org/drawingml/2006/main" xmlns:r="http://schemas.openxmlformats.org/officeDocument/2006/relationships" xmlns:p="http://schemas.openxmlformats.org/presentationml/2006/main">
   <p:cSld>
     <p:spTree>
       <p:nvGrpSpPr>
@@ -3824,7 +3936,7 @@
           </a:ln>
           <a:extLst>
             <a:ext uri="{C572A759-6A51-4108-AA02-DFA0A04FC94B}">
-              <ma14:wrappingTextBoxFlag xmlns:ma14="http://schemas.microsoft.com/office/mac/drawingml/2011/main" val="1"/>
+              <ma14:wrappingTextBoxFlag xmlns:ma14="http://schemas.microsoft.com/office/mac/drawingml/2011/main" xmlns="" val="1"/>
             </a:ext>
           </a:extLst>
         </p:spPr>
@@ -3846,7 +3958,6 @@
             </a:lvl1pPr>
           </a:lstStyle>
           <a:p>
-            <a:pPr/>
             <a:r>
               <a:t>03</a:t>
             </a:r>
@@ -3872,7 +3983,7 @@
           </a:ln>
           <a:extLst>
             <a:ext uri="{C572A759-6A51-4108-AA02-DFA0A04FC94B}">
-              <ma14:wrappingTextBoxFlag xmlns:ma14="http://schemas.microsoft.com/office/mac/drawingml/2011/main" val="1"/>
+              <ma14:wrappingTextBoxFlag xmlns:ma14="http://schemas.microsoft.com/office/mac/drawingml/2011/main" xmlns="" val="1"/>
             </a:ext>
           </a:extLst>
         </p:spPr>
@@ -3894,7 +4005,6 @@
             </a:lvl1pPr>
           </a:lstStyle>
           <a:p>
-            <a:pPr/>
             <a:r>
               <a:t>TypeScript 语法简单介绍</a:t>
             </a:r>
@@ -3906,13 +4016,13 @@
   <p:clrMapOvr>
     <a:masterClrMapping/>
   </p:clrMapOvr>
-  <mc:AlternateContent xmlns:mc="http://schemas.openxmlformats.org/markup-compatibility/2006">
-    <mc:Choice xmlns:p14="http://schemas.microsoft.com/office/powerpoint/2010/main" Requires="p14">
-      <p:transition spd="med" advClick="1" p14:dur="1000">
+  <mc:AlternateContent xmlns:mc="http://schemas.openxmlformats.org/markup-compatibility/2006" xmlns:p14="http://schemas.microsoft.com/office/powerpoint/2010/main">
+    <mc:Choice Requires="p14">
+      <p:transition spd="slow">
         <p:dissolve/>
       </p:transition>
     </mc:Choice>
-    <mc:Fallback>
+    <mc:Fallback xmlns="">
       <p:transition spd="med">
         <p:fade/>
       </p:transition>
@@ -3922,7 +4032,7 @@
 </file>
 
 <file path=ppt/slides/slide12.xml><?xml version="1.0" encoding="utf-8"?>
-<p:sld xmlns:a="http://schemas.openxmlformats.org/drawingml/2006/main" xmlns:r="http://schemas.openxmlformats.org/officeDocument/2006/relationships" xmlns:p="http://schemas.openxmlformats.org/presentationml/2006/main" showMasterSp="1" showMasterPhAnim="1">
+<p:sld xmlns:a="http://schemas.openxmlformats.org/drawingml/2006/main" xmlns:r="http://schemas.openxmlformats.org/officeDocument/2006/relationships" xmlns:p="http://schemas.openxmlformats.org/presentationml/2006/main">
   <p:cSld>
     <p:spTree>
       <p:nvGrpSpPr>
@@ -3972,13 +4082,13 @@
   <p:clrMapOvr>
     <a:masterClrMapping/>
   </p:clrMapOvr>
-  <mc:AlternateContent xmlns:mc="http://schemas.openxmlformats.org/markup-compatibility/2006">
-    <mc:Choice xmlns:p14="http://schemas.microsoft.com/office/powerpoint/2010/main" Requires="p14">
-      <p:transition spd="med" advClick="1" p14:dur="1000">
+  <mc:AlternateContent xmlns:mc="http://schemas.openxmlformats.org/markup-compatibility/2006" xmlns:p14="http://schemas.microsoft.com/office/powerpoint/2010/main">
+    <mc:Choice Requires="p14">
+      <p:transition spd="slow">
         <p:dissolve/>
       </p:transition>
     </mc:Choice>
-    <mc:Fallback>
+    <mc:Fallback xmlns="">
       <p:transition spd="med">
         <p:fade/>
       </p:transition>
@@ -3988,7 +4098,7 @@
 </file>
 
 <file path=ppt/slides/slide13.xml><?xml version="1.0" encoding="utf-8"?>
-<p:sld xmlns:a="http://schemas.openxmlformats.org/drawingml/2006/main" xmlns:r="http://schemas.openxmlformats.org/officeDocument/2006/relationships" xmlns:p="http://schemas.openxmlformats.org/presentationml/2006/main" showMasterSp="1" showMasterPhAnim="1">
+<p:sld xmlns:a="http://schemas.openxmlformats.org/drawingml/2006/main" xmlns:r="http://schemas.openxmlformats.org/officeDocument/2006/relationships" xmlns:p="http://schemas.openxmlformats.org/presentationml/2006/main">
   <p:cSld>
     <p:spTree>
       <p:nvGrpSpPr>
@@ -4038,13 +4148,13 @@
   <p:clrMapOvr>
     <a:masterClrMapping/>
   </p:clrMapOvr>
-  <mc:AlternateContent xmlns:mc="http://schemas.openxmlformats.org/markup-compatibility/2006">
-    <mc:Choice xmlns:p14="http://schemas.microsoft.com/office/powerpoint/2010/main" Requires="p14">
-      <p:transition spd="med" advClick="1" p14:dur="1000">
+  <mc:AlternateContent xmlns:mc="http://schemas.openxmlformats.org/markup-compatibility/2006" xmlns:p14="http://schemas.microsoft.com/office/powerpoint/2010/main">
+    <mc:Choice Requires="p14">
+      <p:transition spd="slow">
         <p:dissolve/>
       </p:transition>
     </mc:Choice>
-    <mc:Fallback>
+    <mc:Fallback xmlns="">
       <p:transition spd="med">
         <p:fade/>
       </p:transition>
@@ -4054,7 +4164,7 @@
 </file>
 
 <file path=ppt/slides/slide14.xml><?xml version="1.0" encoding="utf-8"?>
-<p:sld xmlns:a="http://schemas.openxmlformats.org/drawingml/2006/main" xmlns:r="http://schemas.openxmlformats.org/officeDocument/2006/relationships" xmlns:p="http://schemas.openxmlformats.org/presentationml/2006/main" showMasterSp="1" showMasterPhAnim="1">
+<p:sld xmlns:a="http://schemas.openxmlformats.org/drawingml/2006/main" xmlns:r="http://schemas.openxmlformats.org/officeDocument/2006/relationships" xmlns:p="http://schemas.openxmlformats.org/presentationml/2006/main">
   <p:cSld>
     <p:spTree>
       <p:nvGrpSpPr>
@@ -4104,13 +4214,13 @@
   <p:clrMapOvr>
     <a:masterClrMapping/>
   </p:clrMapOvr>
-  <mc:AlternateContent xmlns:mc="http://schemas.openxmlformats.org/markup-compatibility/2006">
-    <mc:Choice xmlns:p14="http://schemas.microsoft.com/office/powerpoint/2010/main" Requires="p14">
-      <p:transition spd="med" advClick="1" p14:dur="1000">
+  <mc:AlternateContent xmlns:mc="http://schemas.openxmlformats.org/markup-compatibility/2006" xmlns:p14="http://schemas.microsoft.com/office/powerpoint/2010/main">
+    <mc:Choice Requires="p14">
+      <p:transition spd="slow">
         <p:dissolve/>
       </p:transition>
     </mc:Choice>
-    <mc:Fallback>
+    <mc:Fallback xmlns="">
       <p:transition spd="med">
         <p:fade/>
       </p:transition>
@@ -4120,7 +4230,7 @@
 </file>
 
 <file path=ppt/slides/slide15.xml><?xml version="1.0" encoding="utf-8"?>
-<p:sld xmlns:a="http://schemas.openxmlformats.org/drawingml/2006/main" xmlns:r="http://schemas.openxmlformats.org/officeDocument/2006/relationships" xmlns:p="http://schemas.openxmlformats.org/presentationml/2006/main" showMasterSp="1" showMasterPhAnim="1">
+<p:sld xmlns:a="http://schemas.openxmlformats.org/drawingml/2006/main" xmlns:r="http://schemas.openxmlformats.org/officeDocument/2006/relationships" xmlns:p="http://schemas.openxmlformats.org/presentationml/2006/main">
   <p:cSld>
     <p:spTree>
       <p:nvGrpSpPr>
@@ -4155,7 +4265,7 @@
           </a:ln>
           <a:extLst>
             <a:ext uri="{C572A759-6A51-4108-AA02-DFA0A04FC94B}">
-              <ma14:wrappingTextBoxFlag xmlns:ma14="http://schemas.microsoft.com/office/mac/drawingml/2011/main" val="1"/>
+              <ma14:wrappingTextBoxFlag xmlns:ma14="http://schemas.microsoft.com/office/mac/drawingml/2011/main" xmlns="" val="1"/>
             </a:ext>
           </a:extLst>
         </p:spPr>
@@ -4169,7 +4279,6 @@
             </a:lvl1pPr>
           </a:lstStyle>
           <a:p>
-            <a:pPr/>
             <a:r>
               <a:t>Talk is cheap, show me the code</a:t>
             </a:r>
@@ -4181,13 +4290,13 @@
   <p:clrMapOvr>
     <a:masterClrMapping/>
   </p:clrMapOvr>
-  <mc:AlternateContent xmlns:mc="http://schemas.openxmlformats.org/markup-compatibility/2006">
-    <mc:Choice xmlns:p14="http://schemas.microsoft.com/office/powerpoint/2010/main" Requires="p14">
-      <p:transition spd="med" advClick="1" p14:dur="1000">
+  <mc:AlternateContent xmlns:mc="http://schemas.openxmlformats.org/markup-compatibility/2006" xmlns:p14="http://schemas.microsoft.com/office/powerpoint/2010/main">
+    <mc:Choice Requires="p14">
+      <p:transition spd="slow">
         <p:dissolve/>
       </p:transition>
     </mc:Choice>
-    <mc:Fallback>
+    <mc:Fallback xmlns="">
       <p:transition spd="med">
         <p:fade/>
       </p:transition>
@@ -4197,7 +4306,7 @@
 </file>
 
 <file path=ppt/slides/slide16.xml><?xml version="1.0" encoding="utf-8"?>
-<p:sld xmlns:a="http://schemas.openxmlformats.org/drawingml/2006/main" xmlns:r="http://schemas.openxmlformats.org/officeDocument/2006/relationships" xmlns:p="http://schemas.openxmlformats.org/presentationml/2006/main" showMasterSp="1" showMasterPhAnim="1">
+<p:sld xmlns:a="http://schemas.openxmlformats.org/drawingml/2006/main" xmlns:r="http://schemas.openxmlformats.org/officeDocument/2006/relationships" xmlns:p="http://schemas.openxmlformats.org/presentationml/2006/main">
   <p:cSld>
     <p:spTree>
       <p:nvGrpSpPr>
@@ -4232,7 +4341,7 @@
           </a:ln>
           <a:extLst>
             <a:ext uri="{C572A759-6A51-4108-AA02-DFA0A04FC94B}">
-              <ma14:wrappingTextBoxFlag xmlns:ma14="http://schemas.microsoft.com/office/mac/drawingml/2011/main" val="1"/>
+              <ma14:wrappingTextBoxFlag xmlns:ma14="http://schemas.microsoft.com/office/mac/drawingml/2011/main" xmlns="" val="1"/>
             </a:ext>
           </a:extLst>
         </p:spPr>
@@ -4254,7 +4363,6 @@
             </a:lvl1pPr>
           </a:lstStyle>
           <a:p>
-            <a:pPr/>
             <a:r>
               <a:t>04</a:t>
             </a:r>
@@ -4280,7 +4388,7 @@
           </a:ln>
           <a:extLst>
             <a:ext uri="{C572A759-6A51-4108-AA02-DFA0A04FC94B}">
-              <ma14:wrappingTextBoxFlag xmlns:ma14="http://schemas.microsoft.com/office/mac/drawingml/2011/main" val="1"/>
+              <ma14:wrappingTextBoxFlag xmlns:ma14="http://schemas.microsoft.com/office/mac/drawingml/2011/main" xmlns="" val="1"/>
             </a:ext>
           </a:extLst>
         </p:spPr>
@@ -4302,7 +4410,6 @@
             </a:lvl1pPr>
           </a:lstStyle>
           <a:p>
-            <a:pPr/>
             <a:r>
               <a:t>TypeScript + VSCode + Vue</a:t>
             </a:r>
@@ -4314,13 +4421,13 @@
   <p:clrMapOvr>
     <a:masterClrMapping/>
   </p:clrMapOvr>
-  <mc:AlternateContent xmlns:mc="http://schemas.openxmlformats.org/markup-compatibility/2006">
-    <mc:Choice xmlns:p14="http://schemas.microsoft.com/office/powerpoint/2010/main" Requires="p14">
-      <p:transition spd="med" advClick="1" p14:dur="1000">
+  <mc:AlternateContent xmlns:mc="http://schemas.openxmlformats.org/markup-compatibility/2006" xmlns:p14="http://schemas.microsoft.com/office/powerpoint/2010/main">
+    <mc:Choice Requires="p14">
+      <p:transition spd="slow">
         <p:dissolve/>
       </p:transition>
     </mc:Choice>
-    <mc:Fallback>
+    <mc:Fallback xmlns="">
       <p:transition spd="med">
         <p:fade/>
       </p:transition>
@@ -4330,7 +4437,7 @@
 </file>
 
 <file path=ppt/slides/slide17.xml><?xml version="1.0" encoding="utf-8"?>
-<p:sld xmlns:a="http://schemas.openxmlformats.org/drawingml/2006/main" xmlns:r="http://schemas.openxmlformats.org/officeDocument/2006/relationships" xmlns:p="http://schemas.openxmlformats.org/presentationml/2006/main" showMasterSp="1" showMasterPhAnim="1">
+<p:sld xmlns:a="http://schemas.openxmlformats.org/drawingml/2006/main" xmlns:r="http://schemas.openxmlformats.org/officeDocument/2006/relationships" xmlns:p="http://schemas.openxmlformats.org/presentationml/2006/main">
   <p:cSld>
     <p:spTree>
       <p:nvGrpSpPr>
@@ -4350,7 +4457,7 @@
         <p:nvPicPr>
           <p:cNvPr id="183" name="list1.gif" descr="list1.gif"/>
           <p:cNvPicPr>
-            <a:picLocks noChangeAspect="0"/>
+            <a:picLocks/>
           </p:cNvPicPr>
           <p:nvPr/>
         </p:nvPicPr>
@@ -4380,13 +4487,13 @@
   <p:clrMapOvr>
     <a:masterClrMapping/>
   </p:clrMapOvr>
-  <mc:AlternateContent xmlns:mc="http://schemas.openxmlformats.org/markup-compatibility/2006">
-    <mc:Choice xmlns:p14="http://schemas.microsoft.com/office/powerpoint/2010/main" Requires="p14">
-      <p:transition spd="med" advClick="1" p14:dur="1000">
+  <mc:AlternateContent xmlns:mc="http://schemas.openxmlformats.org/markup-compatibility/2006" xmlns:p14="http://schemas.microsoft.com/office/powerpoint/2010/main">
+    <mc:Choice Requires="p14">
+      <p:transition spd="slow">
         <p:dissolve/>
       </p:transition>
     </mc:Choice>
-    <mc:Fallback>
+    <mc:Fallback xmlns="">
       <p:transition spd="med">
         <p:fade/>
       </p:transition>
@@ -4396,7 +4503,7 @@
 </file>
 
 <file path=ppt/slides/slide18.xml><?xml version="1.0" encoding="utf-8"?>
-<p:sld xmlns:a="http://schemas.openxmlformats.org/drawingml/2006/main" xmlns:r="http://schemas.openxmlformats.org/officeDocument/2006/relationships" xmlns:p="http://schemas.openxmlformats.org/presentationml/2006/main" showMasterSp="1" showMasterPhAnim="1">
+<p:sld xmlns:a="http://schemas.openxmlformats.org/drawingml/2006/main" xmlns:r="http://schemas.openxmlformats.org/officeDocument/2006/relationships" xmlns:p="http://schemas.openxmlformats.org/presentationml/2006/main">
   <p:cSld>
     <p:spTree>
       <p:nvGrpSpPr>
@@ -4416,7 +4523,7 @@
         <p:nvPicPr>
           <p:cNvPr id="185" name="list3.gif" descr="list3.gif"/>
           <p:cNvPicPr>
-            <a:picLocks noChangeAspect="0"/>
+            <a:picLocks/>
           </p:cNvPicPr>
           <p:nvPr/>
         </p:nvPicPr>
@@ -4446,12 +4553,12 @@
   <p:clrMapOvr>
     <a:masterClrMapping/>
   </p:clrMapOvr>
-  <p:transition xmlns:p14="http://schemas.microsoft.com/office/powerpoint/2010/main" spd="med" advClick="1"/>
+  <p:transition spd="med"/>
 </p:sld>
 </file>
 
 <file path=ppt/slides/slide19.xml><?xml version="1.0" encoding="utf-8"?>
-<p:sld xmlns:a="http://schemas.openxmlformats.org/drawingml/2006/main" xmlns:r="http://schemas.openxmlformats.org/officeDocument/2006/relationships" xmlns:p="http://schemas.openxmlformats.org/presentationml/2006/main" showMasterSp="1" showMasterPhAnim="1">
+<p:sld xmlns:a="http://schemas.openxmlformats.org/drawingml/2006/main" xmlns:r="http://schemas.openxmlformats.org/officeDocument/2006/relationships" xmlns:p="http://schemas.openxmlformats.org/presentationml/2006/main">
   <p:cSld>
     <p:spTree>
       <p:nvGrpSpPr>
@@ -4486,7 +4593,7 @@
           </a:ln>
           <a:extLst>
             <a:ext uri="{C572A759-6A51-4108-AA02-DFA0A04FC94B}">
-              <ma14:wrappingTextBoxFlag xmlns:ma14="http://schemas.microsoft.com/office/mac/drawingml/2011/main" val="1"/>
+              <ma14:wrappingTextBoxFlag xmlns:ma14="http://schemas.microsoft.com/office/mac/drawingml/2011/main" xmlns="" val="1"/>
             </a:ext>
           </a:extLst>
         </p:spPr>
@@ -4505,7 +4612,6 @@
             </a:lvl1pPr>
           </a:lstStyle>
           <a:p>
-            <a:pPr/>
             <a:r>
               <a:t>Thanks</a:t>
             </a:r>
@@ -4517,12 +4623,12 @@
   <p:clrMapOvr>
     <a:masterClrMapping/>
   </p:clrMapOvr>
-  <p:transition xmlns:p14="http://schemas.microsoft.com/office/powerpoint/2010/main" spd="med" advClick="1"/>
+  <p:transition spd="med"/>
 </p:sld>
 </file>
 
 <file path=ppt/slides/slide2.xml><?xml version="1.0" encoding="utf-8"?>
-<p:sld xmlns:a="http://schemas.openxmlformats.org/drawingml/2006/main" xmlns:r="http://schemas.openxmlformats.org/officeDocument/2006/relationships" xmlns:p="http://schemas.openxmlformats.org/presentationml/2006/main" showMasterSp="1" showMasterPhAnim="1">
+<p:sld xmlns:a="http://schemas.openxmlformats.org/drawingml/2006/main" xmlns:r="http://schemas.openxmlformats.org/officeDocument/2006/relationships" xmlns:p="http://schemas.openxmlformats.org/presentationml/2006/main">
   <p:cSld>
     <p:spTree>
       <p:nvGrpSpPr>
@@ -4560,7 +4666,7 @@
           </a:ln>
           <a:extLst>
             <a:ext uri="{C572A759-6A51-4108-AA02-DFA0A04FC94B}">
-              <ma14:wrappingTextBoxFlag xmlns:ma14="http://schemas.microsoft.com/office/mac/drawingml/2011/main" val="1"/>
+              <ma14:wrappingTextBoxFlag xmlns:ma14="http://schemas.microsoft.com/office/mac/drawingml/2011/main" xmlns="" val="1"/>
             </a:ext>
           </a:extLst>
         </p:spPr>
@@ -4582,7 +4688,6 @@
             </a:lvl1pPr>
           </a:lstStyle>
           <a:p>
-            <a:pPr/>
             <a:r>
               <a:t>01</a:t>
             </a:r>
@@ -4611,7 +4716,7 @@
           </a:ln>
           <a:extLst>
             <a:ext uri="{C572A759-6A51-4108-AA02-DFA0A04FC94B}">
-              <ma14:wrappingTextBoxFlag xmlns:ma14="http://schemas.microsoft.com/office/mac/drawingml/2011/main" val="1"/>
+              <ma14:wrappingTextBoxFlag xmlns:ma14="http://schemas.microsoft.com/office/mac/drawingml/2011/main" xmlns="" val="1"/>
             </a:ext>
           </a:extLst>
         </p:spPr>
@@ -4633,7 +4738,6 @@
             </a:lvl1pPr>
           </a:lstStyle>
           <a:p>
-            <a:pPr/>
             <a:r>
               <a:t>02</a:t>
             </a:r>
@@ -4662,7 +4766,7 @@
           </a:ln>
           <a:extLst>
             <a:ext uri="{C572A759-6A51-4108-AA02-DFA0A04FC94B}">
-              <ma14:wrappingTextBoxFlag xmlns:ma14="http://schemas.microsoft.com/office/mac/drawingml/2011/main" val="1"/>
+              <ma14:wrappingTextBoxFlag xmlns:ma14="http://schemas.microsoft.com/office/mac/drawingml/2011/main" xmlns="" val="1"/>
             </a:ext>
           </a:extLst>
         </p:spPr>
@@ -4684,7 +4788,6 @@
             </a:lvl1pPr>
           </a:lstStyle>
           <a:p>
-            <a:pPr/>
             <a:r>
               <a:t>03</a:t>
             </a:r>
@@ -4710,7 +4813,7 @@
           </a:ln>
           <a:extLst>
             <a:ext uri="{C572A759-6A51-4108-AA02-DFA0A04FC94B}">
-              <ma14:wrappingTextBoxFlag xmlns:ma14="http://schemas.microsoft.com/office/mac/drawingml/2011/main" val="1"/>
+              <ma14:wrappingTextBoxFlag xmlns:ma14="http://schemas.microsoft.com/office/mac/drawingml/2011/main" xmlns="" val="1"/>
             </a:ext>
           </a:extLst>
         </p:spPr>
@@ -4723,7 +4826,7 @@
               <a:lnSpc>
                 <a:spcPct val="130000"/>
               </a:lnSpc>
-              <a:defRPr b="1" sz="3600">
+              <a:defRPr sz="3600" b="1">
                 <a:latin typeface="微软雅黑"/>
                 <a:ea typeface="微软雅黑"/>
                 <a:cs typeface="微软雅黑"/>
@@ -4732,7 +4835,6 @@
             </a:lvl1pPr>
           </a:lstStyle>
           <a:p>
-            <a:pPr/>
             <a:r>
               <a:t>什么是 TypeScript</a:t>
             </a:r>
@@ -4748,7 +4850,7 @@
         <p:spPr>
           <a:xfrm>
             <a:off x="4603453" y="4789323"/>
-            <a:ext cx="7786513" cy="726439"/>
+            <a:ext cx="8307004" cy="742315"/>
           </a:xfrm>
           <a:prstGeom prst="rect">
             <a:avLst/>
@@ -4758,7 +4860,64 @@
           </a:ln>
           <a:extLst>
             <a:ext uri="{C572A759-6A51-4108-AA02-DFA0A04FC94B}">
-              <ma14:wrappingTextBoxFlag xmlns:ma14="http://schemas.microsoft.com/office/mac/drawingml/2011/main" val="1"/>
+              <ma14:wrappingTextBoxFlag xmlns:ma14="http://schemas.microsoft.com/office/mac/drawingml/2011/main" xmlns="" val="1"/>
+            </a:ext>
+          </a:extLst>
+        </p:spPr>
+        <p:txBody>
+          <a:bodyPr wrap="square" lIns="45718" tIns="45718" rIns="45718" bIns="45718">
+            <a:spAutoFit/>
+          </a:bodyPr>
+          <a:lstStyle>
+            <a:lvl1pPr>
+              <a:lnSpc>
+                <a:spcPct val="130000"/>
+              </a:lnSpc>
+              <a:defRPr sz="3600" b="1">
+                <a:latin typeface="微软雅黑"/>
+                <a:ea typeface="微软雅黑"/>
+                <a:cs typeface="微软雅黑"/>
+                <a:sym typeface="微软雅黑"/>
+              </a:defRPr>
+            </a:lvl1pPr>
+          </a:lstStyle>
+          <a:p>
+            <a:r>
+              <a:rPr lang="en-US" dirty="0"/>
+              <a:t>Talk is </a:t>
+            </a:r>
+            <a:r>
+              <a:rPr lang="en-US" dirty="0" err="1"/>
+              <a:t>sheap</a:t>
+            </a:r>
+            <a:r>
+              <a:rPr lang="en-US" dirty="0"/>
+              <a:t>, show me the code.</a:t>
+            </a:r>
+            <a:endParaRPr dirty="0"/>
+          </a:p>
+        </p:txBody>
+      </p:sp>
+      <p:sp>
+        <p:nvSpPr>
+          <p:cNvPr id="140" name="文本框 16"/>
+          <p:cNvSpPr txBox="1"/>
+          <p:nvPr/>
+        </p:nvSpPr>
+        <p:spPr>
+          <a:xfrm>
+            <a:off x="4603453" y="3486034"/>
+            <a:ext cx="5015682" cy="726439"/>
+          </a:xfrm>
+          <a:prstGeom prst="rect">
+            <a:avLst/>
+          </a:prstGeom>
+          <a:ln w="12700">
+            <a:miter lim="400000"/>
+          </a:ln>
+          <a:extLst>
+            <a:ext uri="{C572A759-6A51-4108-AA02-DFA0A04FC94B}">
+              <ma14:wrappingTextBoxFlag xmlns:ma14="http://schemas.microsoft.com/office/mac/drawingml/2011/main" xmlns="" val="1"/>
             </a:ext>
           </a:extLst>
         </p:spPr>
@@ -4771,7 +4930,7 @@
               <a:lnSpc>
                 <a:spcPct val="130000"/>
               </a:lnSpc>
-              <a:defRPr b="1" sz="3600">
+              <a:defRPr sz="3600" b="1">
                 <a:latin typeface="微软雅黑"/>
                 <a:ea typeface="微软雅黑"/>
                 <a:cs typeface="微软雅黑"/>
@@ -4780,55 +4939,6 @@
             </a:lvl1pPr>
           </a:lstStyle>
           <a:p>
-            <a:pPr/>
-            <a:r>
-              <a:t>TypeScript 语法简单介绍 / Live code</a:t>
-            </a:r>
-          </a:p>
-        </p:txBody>
-      </p:sp>
-      <p:sp>
-        <p:nvSpPr>
-          <p:cNvPr id="140" name="文本框 16"/>
-          <p:cNvSpPr txBox="1"/>
-          <p:nvPr/>
-        </p:nvSpPr>
-        <p:spPr>
-          <a:xfrm>
-            <a:off x="4603453" y="3486034"/>
-            <a:ext cx="5015682" cy="726439"/>
-          </a:xfrm>
-          <a:prstGeom prst="rect">
-            <a:avLst/>
-          </a:prstGeom>
-          <a:ln w="12700">
-            <a:miter lim="400000"/>
-          </a:ln>
-          <a:extLst>
-            <a:ext uri="{C572A759-6A51-4108-AA02-DFA0A04FC94B}">
-              <ma14:wrappingTextBoxFlag xmlns:ma14="http://schemas.microsoft.com/office/mac/drawingml/2011/main" val="1"/>
-            </a:ext>
-          </a:extLst>
-        </p:spPr>
-        <p:txBody>
-          <a:bodyPr lIns="45718" tIns="45718" rIns="45718" bIns="45718">
-            <a:spAutoFit/>
-          </a:bodyPr>
-          <a:lstStyle>
-            <a:lvl1pPr>
-              <a:lnSpc>
-                <a:spcPct val="130000"/>
-              </a:lnSpc>
-              <a:defRPr b="1" sz="3600">
-                <a:latin typeface="微软雅黑"/>
-                <a:ea typeface="微软雅黑"/>
-                <a:cs typeface="微软雅黑"/>
-                <a:sym typeface="微软雅黑"/>
-              </a:defRPr>
-            </a:lvl1pPr>
-          </a:lstStyle>
-          <a:p>
-            <a:pPr/>
             <a:r>
               <a:t>为什么选择 TypeScript</a:t>
             </a:r>
@@ -4857,7 +4967,7 @@
           </a:ln>
           <a:extLst>
             <a:ext uri="{C572A759-6A51-4108-AA02-DFA0A04FC94B}">
-              <ma14:wrappingTextBoxFlag xmlns:ma14="http://schemas.microsoft.com/office/mac/drawingml/2011/main" val="1"/>
+              <ma14:wrappingTextBoxFlag xmlns:ma14="http://schemas.microsoft.com/office/mac/drawingml/2011/main" xmlns="" val="1"/>
             </a:ext>
           </a:extLst>
         </p:spPr>
@@ -4879,7 +4989,6 @@
             </a:lvl1pPr>
           </a:lstStyle>
           <a:p>
-            <a:pPr/>
             <a:r>
               <a:t>04</a:t>
             </a:r>
@@ -4905,7 +5014,7 @@
           </a:ln>
           <a:extLst>
             <a:ext uri="{C572A759-6A51-4108-AA02-DFA0A04FC94B}">
-              <ma14:wrappingTextBoxFlag xmlns:ma14="http://schemas.microsoft.com/office/mac/drawingml/2011/main" val="1"/>
+              <ma14:wrappingTextBoxFlag xmlns:ma14="http://schemas.microsoft.com/office/mac/drawingml/2011/main" xmlns="" val="1"/>
             </a:ext>
           </a:extLst>
         </p:spPr>
@@ -4918,7 +5027,7 @@
               <a:lnSpc>
                 <a:spcPct val="130000"/>
               </a:lnSpc>
-              <a:defRPr b="1" sz="3600">
+              <a:defRPr sz="3600" b="1">
                 <a:latin typeface="微软雅黑"/>
                 <a:ea typeface="微软雅黑"/>
                 <a:cs typeface="微软雅黑"/>
@@ -4927,7 +5036,6 @@
             </a:lvl1pPr>
           </a:lstStyle>
           <a:p>
-            <a:pPr/>
             <a:r>
               <a:t>TypeScript + VSCode + Vue</a:t>
             </a:r>
@@ -4939,13 +5047,13 @@
   <p:clrMapOvr>
     <a:masterClrMapping/>
   </p:clrMapOvr>
-  <mc:AlternateContent xmlns:mc="http://schemas.openxmlformats.org/markup-compatibility/2006">
-    <mc:Choice xmlns:p14="http://schemas.microsoft.com/office/powerpoint/2010/main" Requires="p14">
-      <p:transition spd="med" advClick="1" p14:dur="1000">
+  <mc:AlternateContent xmlns:mc="http://schemas.openxmlformats.org/markup-compatibility/2006" xmlns:p14="http://schemas.microsoft.com/office/powerpoint/2010/main">
+    <mc:Choice Requires="p14">
+      <p:transition spd="slow">
         <p:dissolve/>
       </p:transition>
     </mc:Choice>
-    <mc:Fallback>
+    <mc:Fallback xmlns="">
       <p:transition spd="med">
         <p:fade/>
       </p:transition>
@@ -4955,7 +5063,7 @@
 </file>
 
 <file path=ppt/slides/slide3.xml><?xml version="1.0" encoding="utf-8"?>
-<p:sld xmlns:a="http://schemas.openxmlformats.org/drawingml/2006/main" xmlns:r="http://schemas.openxmlformats.org/officeDocument/2006/relationships" xmlns:p="http://schemas.openxmlformats.org/presentationml/2006/main" showMasterSp="1" showMasterPhAnim="1">
+<p:sld xmlns:a="http://schemas.openxmlformats.org/drawingml/2006/main" xmlns:r="http://schemas.openxmlformats.org/officeDocument/2006/relationships" xmlns:p="http://schemas.openxmlformats.org/presentationml/2006/main">
   <p:cSld>
     <p:spTree>
       <p:nvGrpSpPr>
@@ -4990,7 +5098,7 @@
           </a:ln>
           <a:extLst>
             <a:ext uri="{C572A759-6A51-4108-AA02-DFA0A04FC94B}">
-              <ma14:wrappingTextBoxFlag xmlns:ma14="http://schemas.microsoft.com/office/mac/drawingml/2011/main" val="1"/>
+              <ma14:wrappingTextBoxFlag xmlns:ma14="http://schemas.microsoft.com/office/mac/drawingml/2011/main" xmlns="" val="1"/>
             </a:ext>
           </a:extLst>
         </p:spPr>
@@ -5012,7 +5120,6 @@
             </a:lvl1pPr>
           </a:lstStyle>
           <a:p>
-            <a:pPr/>
             <a:r>
               <a:t>01</a:t>
             </a:r>
@@ -5038,7 +5145,7 @@
           </a:ln>
           <a:extLst>
             <a:ext uri="{C572A759-6A51-4108-AA02-DFA0A04FC94B}">
-              <ma14:wrappingTextBoxFlag xmlns:ma14="http://schemas.microsoft.com/office/mac/drawingml/2011/main" val="1"/>
+              <ma14:wrappingTextBoxFlag xmlns:ma14="http://schemas.microsoft.com/office/mac/drawingml/2011/main" xmlns="" val="1"/>
             </a:ext>
           </a:extLst>
         </p:spPr>
@@ -5060,7 +5167,6 @@
             </a:lvl1pPr>
           </a:lstStyle>
           <a:p>
-            <a:pPr/>
             <a:r>
               <a:t>什么是 TypeScript</a:t>
             </a:r>
@@ -5072,13 +5178,13 @@
   <p:clrMapOvr>
     <a:masterClrMapping/>
   </p:clrMapOvr>
-  <mc:AlternateContent xmlns:mc="http://schemas.openxmlformats.org/markup-compatibility/2006">
-    <mc:Choice xmlns:p14="http://schemas.microsoft.com/office/powerpoint/2010/main" Requires="p14">
-      <p:transition spd="med" advClick="1" p14:dur="1000">
+  <mc:AlternateContent xmlns:mc="http://schemas.openxmlformats.org/markup-compatibility/2006" xmlns:p14="http://schemas.microsoft.com/office/powerpoint/2010/main">
+    <mc:Choice Requires="p14">
+      <p:transition spd="slow">
         <p:dissolve/>
       </p:transition>
     </mc:Choice>
-    <mc:Fallback>
+    <mc:Fallback xmlns="">
       <p:transition spd="med">
         <p:fade/>
       </p:transition>
@@ -5088,7 +5194,7 @@
 </file>
 
 <file path=ppt/slides/slide4.xml><?xml version="1.0" encoding="utf-8"?>
-<p:sld xmlns:a="http://schemas.openxmlformats.org/drawingml/2006/main" xmlns:r="http://schemas.openxmlformats.org/officeDocument/2006/relationships" xmlns:p="http://schemas.openxmlformats.org/presentationml/2006/main" showMasterSp="1" showMasterPhAnim="1">
+<p:sld xmlns:a="http://schemas.openxmlformats.org/drawingml/2006/main" xmlns:r="http://schemas.openxmlformats.org/officeDocument/2006/relationships" xmlns:p="http://schemas.openxmlformats.org/presentationml/2006/main">
   <p:cSld>
     <p:spTree>
       <p:nvGrpSpPr>
@@ -5123,7 +5229,7 @@
           </a:ln>
           <a:extLst>
             <a:ext uri="{C572A759-6A51-4108-AA02-DFA0A04FC94B}">
-              <ma14:wrappingTextBoxFlag xmlns:ma14="http://schemas.microsoft.com/office/mac/drawingml/2011/main" val="1"/>
+              <ma14:wrappingTextBoxFlag xmlns:ma14="http://schemas.microsoft.com/office/mac/drawingml/2011/main" xmlns="" val="1"/>
             </a:ext>
           </a:extLst>
         </p:spPr>
@@ -5147,13 +5253,13 @@
   <p:clrMapOvr>
     <a:masterClrMapping/>
   </p:clrMapOvr>
-  <mc:AlternateContent xmlns:mc="http://schemas.openxmlformats.org/markup-compatibility/2006">
-    <mc:Choice xmlns:p14="http://schemas.microsoft.com/office/powerpoint/2010/main" Requires="p14">
-      <p:transition spd="med" advClick="1" p14:dur="1000">
+  <mc:AlternateContent xmlns:mc="http://schemas.openxmlformats.org/markup-compatibility/2006" xmlns:p14="http://schemas.microsoft.com/office/powerpoint/2010/main">
+    <mc:Choice Requires="p14">
+      <p:transition spd="slow">
         <p:dissolve/>
       </p:transition>
     </mc:Choice>
-    <mc:Fallback>
+    <mc:Fallback xmlns="">
       <p:transition spd="med">
         <p:fade/>
       </p:transition>
@@ -5163,7 +5269,7 @@
 </file>
 
 <file path=ppt/slides/slide5.xml><?xml version="1.0" encoding="utf-8"?>
-<p:sld xmlns:a="http://schemas.openxmlformats.org/drawingml/2006/main" xmlns:r="http://schemas.openxmlformats.org/officeDocument/2006/relationships" xmlns:p="http://schemas.openxmlformats.org/presentationml/2006/main" showMasterSp="1" showMasterPhAnim="1">
+<p:sld xmlns:a="http://schemas.openxmlformats.org/drawingml/2006/main" xmlns:r="http://schemas.openxmlformats.org/officeDocument/2006/relationships" xmlns:p="http://schemas.openxmlformats.org/presentationml/2006/main">
   <p:cSld>
     <p:spTree>
       <p:nvGrpSpPr>
@@ -5213,13 +5319,13 @@
   <p:clrMapOvr>
     <a:masterClrMapping/>
   </p:clrMapOvr>
-  <mc:AlternateContent xmlns:mc="http://schemas.openxmlformats.org/markup-compatibility/2006">
-    <mc:Choice xmlns:p14="http://schemas.microsoft.com/office/powerpoint/2010/main" Requires="p14">
-      <p:transition spd="med" advClick="1" p14:dur="1000">
+  <mc:AlternateContent xmlns:mc="http://schemas.openxmlformats.org/markup-compatibility/2006" xmlns:p14="http://schemas.microsoft.com/office/powerpoint/2010/main">
+    <mc:Choice Requires="p14">
+      <p:transition spd="slow">
         <p:dissolve/>
       </p:transition>
     </mc:Choice>
-    <mc:Fallback>
+    <mc:Fallback xmlns="">
       <p:transition spd="med">
         <p:fade/>
       </p:transition>
@@ -5229,7 +5335,7 @@
 </file>
 
 <file path=ppt/slides/slide6.xml><?xml version="1.0" encoding="utf-8"?>
-<p:sld xmlns:a="http://schemas.openxmlformats.org/drawingml/2006/main" xmlns:r="http://schemas.openxmlformats.org/officeDocument/2006/relationships" xmlns:p="http://schemas.openxmlformats.org/presentationml/2006/main" showMasterSp="1" showMasterPhAnim="1">
+<p:sld xmlns:a="http://schemas.openxmlformats.org/drawingml/2006/main" xmlns:r="http://schemas.openxmlformats.org/officeDocument/2006/relationships" xmlns:p="http://schemas.openxmlformats.org/presentationml/2006/main">
   <p:cSld>
     <p:spTree>
       <p:nvGrpSpPr>
@@ -5264,7 +5370,7 @@
           </a:ln>
           <a:extLst>
             <a:ext uri="{C572A759-6A51-4108-AA02-DFA0A04FC94B}">
-              <ma14:wrappingTextBoxFlag xmlns:ma14="http://schemas.microsoft.com/office/mac/drawingml/2011/main" val="1"/>
+              <ma14:wrappingTextBoxFlag xmlns:ma14="http://schemas.microsoft.com/office/mac/drawingml/2011/main" xmlns="" val="1"/>
             </a:ext>
           </a:extLst>
         </p:spPr>
@@ -5286,10 +5392,7 @@
               </a:defRPr>
             </a:pPr>
             <a:r>
-              <a:t>0</a:t>
-            </a:r>
-            <a:r>
-              <a:t>2</a:t>
+              <a:t>02</a:t>
             </a:r>
           </a:p>
         </p:txBody>
@@ -5313,7 +5416,7 @@
           </a:ln>
           <a:extLst>
             <a:ext uri="{C572A759-6A51-4108-AA02-DFA0A04FC94B}">
-              <ma14:wrappingTextBoxFlag xmlns:ma14="http://schemas.microsoft.com/office/mac/drawingml/2011/main" val="1"/>
+              <ma14:wrappingTextBoxFlag xmlns:ma14="http://schemas.microsoft.com/office/mac/drawingml/2011/main" xmlns="" val="1"/>
             </a:ext>
           </a:extLst>
         </p:spPr>
@@ -5335,10 +5438,7 @@
               </a:defRPr>
             </a:pPr>
             <a:r>
-              <a:t>为什么选择 </a:t>
-            </a:r>
-            <a:r>
-              <a:t>TypeScript </a:t>
+              <a:t>为什么选择 TypeScript </a:t>
             </a:r>
           </a:p>
         </p:txBody>
@@ -5348,13 +5448,13 @@
   <p:clrMapOvr>
     <a:masterClrMapping/>
   </p:clrMapOvr>
-  <mc:AlternateContent xmlns:mc="http://schemas.openxmlformats.org/markup-compatibility/2006">
-    <mc:Choice xmlns:p14="http://schemas.microsoft.com/office/powerpoint/2010/main" Requires="p14">
-      <p:transition spd="med" advClick="1" p14:dur="1000">
+  <mc:AlternateContent xmlns:mc="http://schemas.openxmlformats.org/markup-compatibility/2006" xmlns:p14="http://schemas.microsoft.com/office/powerpoint/2010/main">
+    <mc:Choice Requires="p14">
+      <p:transition spd="slow">
         <p:dissolve/>
       </p:transition>
     </mc:Choice>
-    <mc:Fallback>
+    <mc:Fallback xmlns="">
       <p:transition spd="med">
         <p:fade/>
       </p:transition>
@@ -5364,7 +5464,7 @@
 </file>
 
 <file path=ppt/slides/slide7.xml><?xml version="1.0" encoding="utf-8"?>
-<p:sld xmlns:a="http://schemas.openxmlformats.org/drawingml/2006/main" xmlns:r="http://schemas.openxmlformats.org/officeDocument/2006/relationships" xmlns:p="http://schemas.openxmlformats.org/presentationml/2006/main" showMasterSp="1" showMasterPhAnim="1">
+<p:sld xmlns:a="http://schemas.openxmlformats.org/drawingml/2006/main" xmlns:r="http://schemas.openxmlformats.org/officeDocument/2006/relationships" xmlns:p="http://schemas.openxmlformats.org/presentationml/2006/main">
   <p:cSld>
     <p:spTree>
       <p:nvGrpSpPr>
@@ -5399,7 +5499,7 @@
           </a:ln>
           <a:extLst>
             <a:ext uri="{C572A759-6A51-4108-AA02-DFA0A04FC94B}">
-              <ma14:wrappingTextBoxFlag xmlns:ma14="http://schemas.microsoft.com/office/mac/drawingml/2011/main" val="1"/>
+              <ma14:wrappingTextBoxFlag xmlns:ma14="http://schemas.microsoft.com/office/mac/drawingml/2011/main" xmlns="" val="1"/>
             </a:ext>
           </a:extLst>
         </p:spPr>
@@ -5413,7 +5513,6 @@
             </a:lvl1pPr>
           </a:lstStyle>
           <a:p>
-            <a:pPr/>
             <a:r>
               <a:t>对标准 JavaScript 支持</a:t>
             </a:r>
@@ -5439,7 +5538,7 @@
           </a:ln>
           <a:extLst>
             <a:ext uri="{C572A759-6A51-4108-AA02-DFA0A04FC94B}">
-              <ma14:wrappingTextBoxFlag xmlns:ma14="http://schemas.microsoft.com/office/mac/drawingml/2011/main" val="1"/>
+              <ma14:wrappingTextBoxFlag xmlns:ma14="http://schemas.microsoft.com/office/mac/drawingml/2011/main" xmlns="" val="1"/>
             </a:ext>
           </a:extLst>
         </p:spPr>
@@ -5516,7 +5615,7 @@
           </a:ln>
           <a:extLst>
             <a:ext uri="{C572A759-6A51-4108-AA02-DFA0A04FC94B}">
-              <ma14:wrappingTextBoxFlag xmlns:ma14="http://schemas.microsoft.com/office/mac/drawingml/2011/main" val="1"/>
+              <ma14:wrappingTextBoxFlag xmlns:ma14="http://schemas.microsoft.com/office/mac/drawingml/2011/main" xmlns="" val="1"/>
             </a:ext>
           </a:extLst>
         </p:spPr>
@@ -5566,7 +5665,7 @@
           </a:ln>
           <a:extLst>
             <a:ext uri="{C572A759-6A51-4108-AA02-DFA0A04FC94B}">
-              <ma14:wrappingTextBoxFlag xmlns:ma14="http://schemas.microsoft.com/office/mac/drawingml/2011/main" val="1"/>
+              <ma14:wrappingTextBoxFlag xmlns:ma14="http://schemas.microsoft.com/office/mac/drawingml/2011/main" xmlns="" val="1"/>
             </a:ext>
           </a:extLst>
         </p:spPr>
@@ -5645,7 +5744,7 @@
           </a:ln>
           <a:extLst>
             <a:ext uri="{C572A759-6A51-4108-AA02-DFA0A04FC94B}">
-              <ma14:wrappingTextBoxFlag xmlns:ma14="http://schemas.microsoft.com/office/mac/drawingml/2011/main" val="1"/>
+              <ma14:wrappingTextBoxFlag xmlns:ma14="http://schemas.microsoft.com/office/mac/drawingml/2011/main" xmlns="" val="1"/>
             </a:ext>
           </a:extLst>
         </p:spPr>
@@ -5667,7 +5766,6 @@
             </a:lvl1pPr>
           </a:lstStyle>
           <a:p>
-            <a:pPr/>
             <a:r>
               <a:t>TypeScript lib =&gt; tsc + tsserver  </a:t>
             </a:r>
@@ -5679,13 +5777,13 @@
   <p:clrMapOvr>
     <a:masterClrMapping/>
   </p:clrMapOvr>
-  <mc:AlternateContent xmlns:mc="http://schemas.openxmlformats.org/markup-compatibility/2006">
-    <mc:Choice xmlns:p14="http://schemas.microsoft.com/office/powerpoint/2010/main" Requires="p14">
-      <p:transition spd="med" advClick="1" p14:dur="1000">
+  <mc:AlternateContent xmlns:mc="http://schemas.openxmlformats.org/markup-compatibility/2006" xmlns:p14="http://schemas.microsoft.com/office/powerpoint/2010/main">
+    <mc:Choice Requires="p14">
+      <p:transition spd="slow">
         <p:dissolve/>
       </p:transition>
     </mc:Choice>
-    <mc:Fallback>
+    <mc:Fallback xmlns="">
       <p:transition spd="med">
         <p:fade/>
       </p:transition>
@@ -5695,7 +5793,7 @@
 </file>
 
 <file path=ppt/slides/slide8.xml><?xml version="1.0" encoding="utf-8"?>
-<p:sld xmlns:a="http://schemas.openxmlformats.org/drawingml/2006/main" xmlns:r="http://schemas.openxmlformats.org/officeDocument/2006/relationships" xmlns:p="http://schemas.openxmlformats.org/presentationml/2006/main" showMasterSp="1" showMasterPhAnim="1">
+<p:sld xmlns:a="http://schemas.openxmlformats.org/drawingml/2006/main" xmlns:r="http://schemas.openxmlformats.org/officeDocument/2006/relationships" xmlns:p="http://schemas.openxmlformats.org/presentationml/2006/main">
   <p:cSld>
     <p:spTree>
       <p:nvGrpSpPr>
@@ -5730,7 +5828,7 @@
           </a:ln>
           <a:extLst>
             <a:ext uri="{C572A759-6A51-4108-AA02-DFA0A04FC94B}">
-              <ma14:wrappingTextBoxFlag xmlns:ma14="http://schemas.microsoft.com/office/mac/drawingml/2011/main" val="1"/>
+              <ma14:wrappingTextBoxFlag xmlns:ma14="http://schemas.microsoft.com/office/mac/drawingml/2011/main" xmlns="" val="1"/>
             </a:ext>
           </a:extLst>
         </p:spPr>
@@ -5744,7 +5842,6 @@
             </a:lvl1pPr>
           </a:lstStyle>
           <a:p>
-            <a:pPr/>
             <a:r>
               <a:t>静态类型检查</a:t>
             </a:r>
@@ -5770,7 +5867,7 @@
           </a:ln>
           <a:extLst>
             <a:ext uri="{C572A759-6A51-4108-AA02-DFA0A04FC94B}">
-              <ma14:wrappingTextBoxFlag xmlns:ma14="http://schemas.microsoft.com/office/mac/drawingml/2011/main" val="1"/>
+              <ma14:wrappingTextBoxFlag xmlns:ma14="http://schemas.microsoft.com/office/mac/drawingml/2011/main" xmlns="" val="1"/>
             </a:ext>
           </a:extLst>
         </p:spPr>
@@ -5787,7 +5884,6 @@
             </a:lvl1pPr>
           </a:lstStyle>
           <a:p>
-            <a:pPr/>
             <a:r>
               <a:t>Early fail</a:t>
             </a:r>
@@ -5813,7 +5909,7 @@
           </a:ln>
           <a:extLst>
             <a:ext uri="{C572A759-6A51-4108-AA02-DFA0A04FC94B}">
-              <ma14:wrappingTextBoxFlag xmlns:ma14="http://schemas.microsoft.com/office/mac/drawingml/2011/main" val="1"/>
+              <ma14:wrappingTextBoxFlag xmlns:ma14="http://schemas.microsoft.com/office/mac/drawingml/2011/main" xmlns="" val="1"/>
             </a:ext>
           </a:extLst>
         </p:spPr>
@@ -5830,7 +5926,6 @@
             </a:lvl1pPr>
           </a:lstStyle>
           <a:p>
-            <a:pPr/>
             <a:r>
               <a:t>Make code more readable</a:t>
             </a:r>
@@ -5842,13 +5937,13 @@
   <p:clrMapOvr>
     <a:masterClrMapping/>
   </p:clrMapOvr>
-  <mc:AlternateContent xmlns:mc="http://schemas.openxmlformats.org/markup-compatibility/2006">
-    <mc:Choice xmlns:p14="http://schemas.microsoft.com/office/powerpoint/2010/main" Requires="p14">
-      <p:transition spd="med" advClick="1" p14:dur="1000">
+  <mc:AlternateContent xmlns:mc="http://schemas.openxmlformats.org/markup-compatibility/2006" xmlns:p14="http://schemas.microsoft.com/office/powerpoint/2010/main">
+    <mc:Choice Requires="p14">
+      <p:transition spd="slow">
         <p:dissolve/>
       </p:transition>
     </mc:Choice>
-    <mc:Fallback>
+    <mc:Fallback xmlns="">
       <p:transition spd="med">
         <p:fade/>
       </p:transition>
@@ -5858,7 +5953,7 @@
 </file>
 
 <file path=ppt/slides/slide9.xml><?xml version="1.0" encoding="utf-8"?>
-<p:sld xmlns:a="http://schemas.openxmlformats.org/drawingml/2006/main" xmlns:r="http://schemas.openxmlformats.org/officeDocument/2006/relationships" xmlns:p="http://schemas.openxmlformats.org/presentationml/2006/main" showMasterSp="1" showMasterPhAnim="1">
+<p:sld xmlns:a="http://schemas.openxmlformats.org/drawingml/2006/main" xmlns:r="http://schemas.openxmlformats.org/officeDocument/2006/relationships" xmlns:p="http://schemas.openxmlformats.org/presentationml/2006/main">
   <p:cSld>
     <p:spTree>
       <p:nvGrpSpPr>
@@ -5908,13 +6003,13 @@
   <p:clrMapOvr>
     <a:masterClrMapping/>
   </p:clrMapOvr>
-  <mc:AlternateContent xmlns:mc="http://schemas.openxmlformats.org/markup-compatibility/2006">
-    <mc:Choice xmlns:p14="http://schemas.microsoft.com/office/powerpoint/2010/main" Requires="p14">
-      <p:transition spd="med" advClick="1" p14:dur="1000">
+  <mc:AlternateContent xmlns:mc="http://schemas.openxmlformats.org/markup-compatibility/2006" xmlns:p14="http://schemas.microsoft.com/office/powerpoint/2010/main">
+    <mc:Choice Requires="p14">
+      <p:transition spd="slow">
         <p:dissolve/>
       </p:transition>
     </mc:Choice>
-    <mc:Fallback>
+    <mc:Fallback xmlns="">
       <p:transition spd="med">
         <p:fade/>
       </p:transition>
@@ -5924,7 +6019,7 @@
 </file>
 
 <file path=ppt/theme/theme1.xml><?xml version="1.0" encoding="utf-8"?>
-<a:theme xmlns:a="http://schemas.openxmlformats.org/drawingml/2006/main" xmlns:r="http://schemas.openxmlformats.org/officeDocument/2006/relationships" name="White">
+<a:theme xmlns:a="http://schemas.openxmlformats.org/drawingml/2006/main" name="White">
   <a:themeElements>
     <a:clrScheme name="White">
       <a:dk1>
@@ -6050,7 +6145,7 @@
       <a:effectStyleLst>
         <a:effectStyle>
           <a:effectLst>
-            <a:outerShdw sx="100000" sy="100000" kx="0" ky="0" algn="b" rotWithShape="0" blurRad="38100" dist="23000" dir="5400000">
+            <a:outerShdw blurRad="38100" dist="23000" dir="5400000" rotWithShape="0">
               <a:srgbClr val="000000">
                 <a:alpha val="35000"/>
               </a:srgbClr>
@@ -6059,7 +6154,7 @@
         </a:effectStyle>
         <a:effectStyle>
           <a:effectLst>
-            <a:outerShdw sx="100000" sy="100000" kx="0" ky="0" algn="b" rotWithShape="0" blurRad="38100" dist="23000" dir="5400000">
+            <a:outerShdw blurRad="38100" dist="23000" dir="5400000" rotWithShape="0">
               <a:srgbClr val="000000">
                 <a:alpha val="35000"/>
               </a:srgbClr>
@@ -6068,7 +6163,7 @@
         </a:effectStyle>
         <a:effectStyle>
           <a:effectLst>
-            <a:outerShdw sx="100000" sy="100000" kx="0" ky="0" algn="b" rotWithShape="0" blurRad="38100" dist="23000" dir="5400000">
+            <a:outerShdw blurRad="38100" dist="23000" dir="5400000" rotWithShape="0">
               <a:srgbClr val="000000">
                 <a:alpha val="35000"/>
               </a:srgbClr>
@@ -6142,7 +6237,7 @@
           <a:round/>
         </a:ln>
         <a:effectLst>
-          <a:outerShdw sx="100000" sy="100000" kx="0" ky="0" algn="b" rotWithShape="0" blurRad="38100" dist="23000" dir="5400000">
+          <a:outerShdw blurRad="38100" dist="23000" dir="5400000" rotWithShape="0">
             <a:srgbClr val="000000">
               <a:alpha val="35000"/>
             </a:srgbClr>
@@ -6150,7 +6245,7 @@
         </a:effectLst>
         <a:sp3d/>
       </a:spPr>
-      <a:bodyPr rot="0" spcFirstLastPara="1" vertOverflow="overflow" horzOverflow="overflow" vert="horz" wrap="square" lIns="45718" tIns="45718" rIns="45718" bIns="45718" numCol="1" spcCol="38100" rtlCol="0" anchor="ctr" upright="0">
+      <a:bodyPr rot="0" spcFirstLastPara="1" vertOverflow="overflow" horzOverflow="overflow" vert="horz" wrap="square" lIns="45718" tIns="45718" rIns="45718" bIns="45718" numCol="1" spcCol="38100" rtlCol="0" anchor="ctr">
         <a:spAutoFit/>
       </a:bodyPr>
       <a:lstStyle>
@@ -6169,7 +6264,7 @@
           <a:buFontTx/>
           <a:buNone/>
           <a:tabLst/>
-          <a:defRPr b="0" baseline="0" cap="none" i="0" spc="0" strike="noStrike" sz="2800" u="none" kumimoji="0" normalizeH="0">
+          <a:defRPr kumimoji="0" sz="2800" b="0" i="0" u="none" strike="noStrike" cap="none" spc="0" normalizeH="0" baseline="0">
             <a:ln>
               <a:noFill/>
             </a:ln>
@@ -6199,7 +6294,7 @@
           <a:buFontTx/>
           <a:buNone/>
           <a:tabLst/>
-          <a:defRPr b="0" baseline="0" cap="none" i="0" spc="0" strike="noStrike" sz="1800" u="none" kumimoji="0" normalizeH="0">
+          <a:defRPr kumimoji="0" sz="1800" b="0" i="0" u="none" strike="noStrike" cap="none" spc="0" normalizeH="0" baseline="0">
             <a:ln>
               <a:noFill/>
             </a:ln>
@@ -6225,7 +6320,7 @@
           <a:buFontTx/>
           <a:buNone/>
           <a:tabLst/>
-          <a:defRPr b="0" baseline="0" cap="none" i="0" spc="0" strike="noStrike" sz="1800" u="none" kumimoji="0" normalizeH="0">
+          <a:defRPr kumimoji="0" sz="1800" b="0" i="0" u="none" strike="noStrike" cap="none" spc="0" normalizeH="0" baseline="0">
             <a:ln>
               <a:noFill/>
             </a:ln>
@@ -6251,7 +6346,7 @@
           <a:buFontTx/>
           <a:buNone/>
           <a:tabLst/>
-          <a:defRPr b="0" baseline="0" cap="none" i="0" spc="0" strike="noStrike" sz="1800" u="none" kumimoji="0" normalizeH="0">
+          <a:defRPr kumimoji="0" sz="1800" b="0" i="0" u="none" strike="noStrike" cap="none" spc="0" normalizeH="0" baseline="0">
             <a:ln>
               <a:noFill/>
             </a:ln>
@@ -6277,7 +6372,7 @@
           <a:buFontTx/>
           <a:buNone/>
           <a:tabLst/>
-          <a:defRPr b="0" baseline="0" cap="none" i="0" spc="0" strike="noStrike" sz="1800" u="none" kumimoji="0" normalizeH="0">
+          <a:defRPr kumimoji="0" sz="1800" b="0" i="0" u="none" strike="noStrike" cap="none" spc="0" normalizeH="0" baseline="0">
             <a:ln>
               <a:noFill/>
             </a:ln>
@@ -6303,7 +6398,7 @@
           <a:buFontTx/>
           <a:buNone/>
           <a:tabLst/>
-          <a:defRPr b="0" baseline="0" cap="none" i="0" spc="0" strike="noStrike" sz="1800" u="none" kumimoji="0" normalizeH="0">
+          <a:defRPr kumimoji="0" sz="1800" b="0" i="0" u="none" strike="noStrike" cap="none" spc="0" normalizeH="0" baseline="0">
             <a:ln>
               <a:noFill/>
             </a:ln>
@@ -6329,7 +6424,7 @@
           <a:buFontTx/>
           <a:buNone/>
           <a:tabLst/>
-          <a:defRPr b="0" baseline="0" cap="none" i="0" spc="0" strike="noStrike" sz="1800" u="none" kumimoji="0" normalizeH="0">
+          <a:defRPr kumimoji="0" sz="1800" b="0" i="0" u="none" strike="noStrike" cap="none" spc="0" normalizeH="0" baseline="0">
             <a:ln>
               <a:noFill/>
             </a:ln>
@@ -6355,7 +6450,7 @@
           <a:buFontTx/>
           <a:buNone/>
           <a:tabLst/>
-          <a:defRPr b="0" baseline="0" cap="none" i="0" spc="0" strike="noStrike" sz="1800" u="none" kumimoji="0" normalizeH="0">
+          <a:defRPr kumimoji="0" sz="1800" b="0" i="0" u="none" strike="noStrike" cap="none" spc="0" normalizeH="0" baseline="0">
             <a:ln>
               <a:noFill/>
             </a:ln>
@@ -6381,7 +6476,7 @@
           <a:buFontTx/>
           <a:buNone/>
           <a:tabLst/>
-          <a:defRPr b="0" baseline="0" cap="none" i="0" spc="0" strike="noStrike" sz="1800" u="none" kumimoji="0" normalizeH="0">
+          <a:defRPr kumimoji="0" sz="1800" b="0" i="0" u="none" strike="noStrike" cap="none" spc="0" normalizeH="0" baseline="0">
             <a:ln>
               <a:noFill/>
             </a:ln>
@@ -6407,7 +6502,7 @@
           <a:buFontTx/>
           <a:buNone/>
           <a:tabLst/>
-          <a:defRPr b="0" baseline="0" cap="none" i="0" spc="0" strike="noStrike" sz="1800" u="none" kumimoji="0" normalizeH="0">
+          <a:defRPr kumimoji="0" sz="1800" b="0" i="0" u="none" strike="noStrike" cap="none" spc="0" normalizeH="0" baseline="0">
             <a:ln>
               <a:noFill/>
             </a:ln>
@@ -6420,9 +6515,15 @@
         </a:lvl9pPr>
       </a:lstStyle>
       <a:style>
-        <a:lnRef idx="0"/>
-        <a:fillRef idx="0"/>
-        <a:effectRef idx="0"/>
+        <a:lnRef idx="0">
+          <a:scrgbClr r="0" g="0" b="0"/>
+        </a:lnRef>
+        <a:fillRef idx="0">
+          <a:scrgbClr r="0" g="0" b="0"/>
+        </a:fillRef>
+        <a:effectRef idx="0">
+          <a:scrgbClr r="0" g="0" b="0"/>
+        </a:effectRef>
         <a:fontRef idx="none"/>
       </a:style>
     </a:spDef>
@@ -6437,7 +6538,7 @@
           <a:round/>
         </a:ln>
         <a:effectLst>
-          <a:outerShdw sx="100000" sy="100000" kx="0" ky="0" algn="b" rotWithShape="0" blurRad="38100" dist="23000" dir="5400000">
+          <a:outerShdw blurRad="38100" dist="23000" dir="5400000" rotWithShape="0">
             <a:srgbClr val="000000">
               <a:alpha val="35000"/>
             </a:srgbClr>
@@ -6445,7 +6546,7 @@
         </a:effectLst>
         <a:sp3d/>
       </a:spPr>
-      <a:bodyPr rot="0" spcFirstLastPara="1" vertOverflow="overflow" horzOverflow="overflow" vert="horz" wrap="square" lIns="91439" tIns="45719" rIns="91439" bIns="45719" numCol="1" spcCol="38100" rtlCol="0" anchor="t" upright="0">
+      <a:bodyPr rot="0" spcFirstLastPara="1" vertOverflow="overflow" horzOverflow="overflow" vert="horz" wrap="square" lIns="91439" tIns="45719" rIns="91439" bIns="45719" numCol="1" spcCol="38100" rtlCol="0" anchor="t">
         <a:noAutofit/>
       </a:bodyPr>
       <a:lstStyle>
@@ -6464,7 +6565,7 @@
           <a:buFontTx/>
           <a:buNone/>
           <a:tabLst/>
-          <a:defRPr b="0" baseline="0" cap="none" i="0" spc="0" strike="noStrike" sz="1800" u="none" kumimoji="0" normalizeH="0">
+          <a:defRPr kumimoji="0" sz="1800" b="0" i="0" u="none" strike="noStrike" cap="none" spc="0" normalizeH="0" baseline="0">
             <a:ln>
               <a:noFill/>
             </a:ln>
@@ -6490,7 +6591,7 @@
           <a:buFontTx/>
           <a:buNone/>
           <a:tabLst/>
-          <a:defRPr b="0" baseline="0" cap="none" i="0" spc="0" strike="noStrike" sz="1800" u="none" kumimoji="0" normalizeH="0">
+          <a:defRPr kumimoji="0" sz="1800" b="0" i="0" u="none" strike="noStrike" cap="none" spc="0" normalizeH="0" baseline="0">
             <a:ln>
               <a:noFill/>
             </a:ln>
@@ -6516,7 +6617,7 @@
           <a:buFontTx/>
           <a:buNone/>
           <a:tabLst/>
-          <a:defRPr b="0" baseline="0" cap="none" i="0" spc="0" strike="noStrike" sz="1800" u="none" kumimoji="0" normalizeH="0">
+          <a:defRPr kumimoji="0" sz="1800" b="0" i="0" u="none" strike="noStrike" cap="none" spc="0" normalizeH="0" baseline="0">
             <a:ln>
               <a:noFill/>
             </a:ln>
@@ -6542,7 +6643,7 @@
           <a:buFontTx/>
           <a:buNone/>
           <a:tabLst/>
-          <a:defRPr b="0" baseline="0" cap="none" i="0" spc="0" strike="noStrike" sz="1800" u="none" kumimoji="0" normalizeH="0">
+          <a:defRPr kumimoji="0" sz="1800" b="0" i="0" u="none" strike="noStrike" cap="none" spc="0" normalizeH="0" baseline="0">
             <a:ln>
               <a:noFill/>
             </a:ln>
@@ -6568,7 +6669,7 @@
           <a:buFontTx/>
           <a:buNone/>
           <a:tabLst/>
-          <a:defRPr b="0" baseline="0" cap="none" i="0" spc="0" strike="noStrike" sz="1800" u="none" kumimoji="0" normalizeH="0">
+          <a:defRPr kumimoji="0" sz="1800" b="0" i="0" u="none" strike="noStrike" cap="none" spc="0" normalizeH="0" baseline="0">
             <a:ln>
               <a:noFill/>
             </a:ln>
@@ -6594,7 +6695,7 @@
           <a:buFontTx/>
           <a:buNone/>
           <a:tabLst/>
-          <a:defRPr b="0" baseline="0" cap="none" i="0" spc="0" strike="noStrike" sz="1800" u="none" kumimoji="0" normalizeH="0">
+          <a:defRPr kumimoji="0" sz="1800" b="0" i="0" u="none" strike="noStrike" cap="none" spc="0" normalizeH="0" baseline="0">
             <a:ln>
               <a:noFill/>
             </a:ln>
@@ -6620,7 +6721,7 @@
           <a:buFontTx/>
           <a:buNone/>
           <a:tabLst/>
-          <a:defRPr b="0" baseline="0" cap="none" i="0" spc="0" strike="noStrike" sz="1800" u="none" kumimoji="0" normalizeH="0">
+          <a:defRPr kumimoji="0" sz="1800" b="0" i="0" u="none" strike="noStrike" cap="none" spc="0" normalizeH="0" baseline="0">
             <a:ln>
               <a:noFill/>
             </a:ln>
@@ -6646,7 +6747,7 @@
           <a:buFontTx/>
           <a:buNone/>
           <a:tabLst/>
-          <a:defRPr b="0" baseline="0" cap="none" i="0" spc="0" strike="noStrike" sz="1800" u="none" kumimoji="0" normalizeH="0">
+          <a:defRPr kumimoji="0" sz="1800" b="0" i="0" u="none" strike="noStrike" cap="none" spc="0" normalizeH="0" baseline="0">
             <a:ln>
               <a:noFill/>
             </a:ln>
@@ -6672,7 +6773,7 @@
           <a:buFontTx/>
           <a:buNone/>
           <a:tabLst/>
-          <a:defRPr b="0" baseline="0" cap="none" i="0" spc="0" strike="noStrike" sz="1800" u="none" kumimoji="0" normalizeH="0">
+          <a:defRPr kumimoji="0" sz="1800" b="0" i="0" u="none" strike="noStrike" cap="none" spc="0" normalizeH="0" baseline="0">
             <a:ln>
               <a:noFill/>
             </a:ln>
@@ -6698,7 +6799,7 @@
           <a:buFontTx/>
           <a:buNone/>
           <a:tabLst/>
-          <a:defRPr b="0" baseline="0" cap="none" i="0" spc="0" strike="noStrike" sz="1800" u="none" kumimoji="0" normalizeH="0">
+          <a:defRPr kumimoji="0" sz="1800" b="0" i="0" u="none" strike="noStrike" cap="none" spc="0" normalizeH="0" baseline="0">
             <a:ln>
               <a:noFill/>
             </a:ln>
@@ -6711,9 +6812,15 @@
         </a:lvl9pPr>
       </a:lstStyle>
       <a:style>
-        <a:lnRef idx="0"/>
-        <a:fillRef idx="0"/>
-        <a:effectRef idx="0"/>
+        <a:lnRef idx="0">
+          <a:scrgbClr r="0" g="0" b="0"/>
+        </a:lnRef>
+        <a:fillRef idx="0">
+          <a:scrgbClr r="0" g="0" b="0"/>
+        </a:fillRef>
+        <a:effectRef idx="0">
+          <a:scrgbClr r="0" g="0" b="0"/>
+        </a:effectRef>
         <a:fontRef idx="none"/>
       </a:style>
     </a:lnDef>
@@ -6727,7 +6834,7 @@
         <a:effectLst/>
         <a:sp3d/>
       </a:spPr>
-      <a:bodyPr rot="0" spcFirstLastPara="1" vertOverflow="overflow" horzOverflow="overflow" vert="horz" wrap="square" lIns="50800" tIns="50800" rIns="50800" bIns="50800" numCol="1" spcCol="38100" rtlCol="0" anchor="ctr" upright="0">
+      <a:bodyPr rot="0" spcFirstLastPara="1" vertOverflow="overflow" horzOverflow="overflow" vert="horz" wrap="square" lIns="50800" tIns="50800" rIns="50800" bIns="50800" numCol="1" spcCol="38100" rtlCol="0" anchor="ctr">
         <a:spAutoFit/>
       </a:bodyPr>
       <a:lstStyle>
@@ -6746,7 +6853,7 @@
           <a:buFontTx/>
           <a:buNone/>
           <a:tabLst/>
-          <a:defRPr b="0" baseline="0" cap="none" i="0" spc="0" strike="noStrike" sz="2800" u="none" kumimoji="0" normalizeH="0">
+          <a:defRPr kumimoji="0" sz="2800" b="0" i="0" u="none" strike="noStrike" cap="none" spc="0" normalizeH="0" baseline="0">
             <a:ln>
               <a:noFill/>
             </a:ln>
@@ -6776,7 +6883,7 @@
           <a:buFontTx/>
           <a:buNone/>
           <a:tabLst/>
-          <a:defRPr b="0" baseline="0" cap="none" i="0" spc="0" strike="noStrike" sz="1800" u="none" kumimoji="0" normalizeH="0">
+          <a:defRPr kumimoji="0" sz="1800" b="0" i="0" u="none" strike="noStrike" cap="none" spc="0" normalizeH="0" baseline="0">
             <a:ln>
               <a:noFill/>
             </a:ln>
@@ -6802,7 +6909,7 @@
           <a:buFontTx/>
           <a:buNone/>
           <a:tabLst/>
-          <a:defRPr b="0" baseline="0" cap="none" i="0" spc="0" strike="noStrike" sz="1800" u="none" kumimoji="0" normalizeH="0">
+          <a:defRPr kumimoji="0" sz="1800" b="0" i="0" u="none" strike="noStrike" cap="none" spc="0" normalizeH="0" baseline="0">
             <a:ln>
               <a:noFill/>
             </a:ln>
@@ -6828,7 +6935,7 @@
           <a:buFontTx/>
           <a:buNone/>
           <a:tabLst/>
-          <a:defRPr b="0" baseline="0" cap="none" i="0" spc="0" strike="noStrike" sz="1800" u="none" kumimoji="0" normalizeH="0">
+          <a:defRPr kumimoji="0" sz="1800" b="0" i="0" u="none" strike="noStrike" cap="none" spc="0" normalizeH="0" baseline="0">
             <a:ln>
               <a:noFill/>
             </a:ln>
@@ -6854,7 +6961,7 @@
           <a:buFontTx/>
           <a:buNone/>
           <a:tabLst/>
-          <a:defRPr b="0" baseline="0" cap="none" i="0" spc="0" strike="noStrike" sz="1800" u="none" kumimoji="0" normalizeH="0">
+          <a:defRPr kumimoji="0" sz="1800" b="0" i="0" u="none" strike="noStrike" cap="none" spc="0" normalizeH="0" baseline="0">
             <a:ln>
               <a:noFill/>
             </a:ln>
@@ -6880,7 +6987,7 @@
           <a:buFontTx/>
           <a:buNone/>
           <a:tabLst/>
-          <a:defRPr b="0" baseline="0" cap="none" i="0" spc="0" strike="noStrike" sz="1800" u="none" kumimoji="0" normalizeH="0">
+          <a:defRPr kumimoji="0" sz="1800" b="0" i="0" u="none" strike="noStrike" cap="none" spc="0" normalizeH="0" baseline="0">
             <a:ln>
               <a:noFill/>
             </a:ln>
@@ -6906,7 +7013,7 @@
           <a:buFontTx/>
           <a:buNone/>
           <a:tabLst/>
-          <a:defRPr b="0" baseline="0" cap="none" i="0" spc="0" strike="noStrike" sz="1800" u="none" kumimoji="0" normalizeH="0">
+          <a:defRPr kumimoji="0" sz="1800" b="0" i="0" u="none" strike="noStrike" cap="none" spc="0" normalizeH="0" baseline="0">
             <a:ln>
               <a:noFill/>
             </a:ln>
@@ -6932,7 +7039,7 @@
           <a:buFontTx/>
           <a:buNone/>
           <a:tabLst/>
-          <a:defRPr b="0" baseline="0" cap="none" i="0" spc="0" strike="noStrike" sz="1800" u="none" kumimoji="0" normalizeH="0">
+          <a:defRPr kumimoji="0" sz="1800" b="0" i="0" u="none" strike="noStrike" cap="none" spc="0" normalizeH="0" baseline="0">
             <a:ln>
               <a:noFill/>
             </a:ln>
@@ -6958,7 +7065,7 @@
           <a:buFontTx/>
           <a:buNone/>
           <a:tabLst/>
-          <a:defRPr b="0" baseline="0" cap="none" i="0" spc="0" strike="noStrike" sz="1800" u="none" kumimoji="0" normalizeH="0">
+          <a:defRPr kumimoji="0" sz="1800" b="0" i="0" u="none" strike="noStrike" cap="none" spc="0" normalizeH="0" baseline="0">
             <a:ln>
               <a:noFill/>
             </a:ln>
@@ -6984,7 +7091,7 @@
           <a:buFontTx/>
           <a:buNone/>
           <a:tabLst/>
-          <a:defRPr b="0" baseline="0" cap="none" i="0" spc="0" strike="noStrike" sz="1800" u="none" kumimoji="0" normalizeH="0">
+          <a:defRPr kumimoji="0" sz="1800" b="0" i="0" u="none" strike="noStrike" cap="none" spc="0" normalizeH="0" baseline="0">
             <a:ln>
               <a:noFill/>
             </a:ln>
@@ -6997,18 +7104,25 @@
         </a:lvl9pPr>
       </a:lstStyle>
       <a:style>
-        <a:lnRef idx="0"/>
-        <a:fillRef idx="0"/>
-        <a:effectRef idx="0"/>
+        <a:lnRef idx="0">
+          <a:scrgbClr r="0" g="0" b="0"/>
+        </a:lnRef>
+        <a:fillRef idx="0">
+          <a:scrgbClr r="0" g="0" b="0"/>
+        </a:fillRef>
+        <a:effectRef idx="0">
+          <a:scrgbClr r="0" g="0" b="0"/>
+        </a:effectRef>
         <a:fontRef idx="none"/>
       </a:style>
     </a:txDef>
   </a:objectDefaults>
+  <a:extraClrSchemeLst/>
 </a:theme>
 </file>
 
 <file path=ppt/theme/theme2.xml><?xml version="1.0" encoding="utf-8"?>
-<a:theme xmlns:a="http://schemas.openxmlformats.org/drawingml/2006/main" xmlns:r="http://schemas.openxmlformats.org/officeDocument/2006/relationships" name="White">
+<a:theme xmlns:a="http://schemas.openxmlformats.org/drawingml/2006/main" name="White">
   <a:themeElements>
     <a:clrScheme name="White">
       <a:dk1>
@@ -7134,7 +7248,7 @@
       <a:effectStyleLst>
         <a:effectStyle>
           <a:effectLst>
-            <a:outerShdw sx="100000" sy="100000" kx="0" ky="0" algn="b" rotWithShape="0" blurRad="38100" dist="23000" dir="5400000">
+            <a:outerShdw blurRad="38100" dist="23000" dir="5400000" rotWithShape="0">
               <a:srgbClr val="000000">
                 <a:alpha val="35000"/>
               </a:srgbClr>
@@ -7143,7 +7257,7 @@
         </a:effectStyle>
         <a:effectStyle>
           <a:effectLst>
-            <a:outerShdw sx="100000" sy="100000" kx="0" ky="0" algn="b" rotWithShape="0" blurRad="38100" dist="23000" dir="5400000">
+            <a:outerShdw blurRad="38100" dist="23000" dir="5400000" rotWithShape="0">
               <a:srgbClr val="000000">
                 <a:alpha val="35000"/>
               </a:srgbClr>
@@ -7152,7 +7266,7 @@
         </a:effectStyle>
         <a:effectStyle>
           <a:effectLst>
-            <a:outerShdw sx="100000" sy="100000" kx="0" ky="0" algn="b" rotWithShape="0" blurRad="38100" dist="23000" dir="5400000">
+            <a:outerShdw blurRad="38100" dist="23000" dir="5400000" rotWithShape="0">
               <a:srgbClr val="000000">
                 <a:alpha val="35000"/>
               </a:srgbClr>
@@ -7226,7 +7340,7 @@
           <a:round/>
         </a:ln>
         <a:effectLst>
-          <a:outerShdw sx="100000" sy="100000" kx="0" ky="0" algn="b" rotWithShape="0" blurRad="38100" dist="23000" dir="5400000">
+          <a:outerShdw blurRad="38100" dist="23000" dir="5400000" rotWithShape="0">
             <a:srgbClr val="000000">
               <a:alpha val="35000"/>
             </a:srgbClr>
@@ -7234,7 +7348,7 @@
         </a:effectLst>
         <a:sp3d/>
       </a:spPr>
-      <a:bodyPr rot="0" spcFirstLastPara="1" vertOverflow="overflow" horzOverflow="overflow" vert="horz" wrap="square" lIns="45718" tIns="45718" rIns="45718" bIns="45718" numCol="1" spcCol="38100" rtlCol="0" anchor="ctr" upright="0">
+      <a:bodyPr rot="0" spcFirstLastPara="1" vertOverflow="overflow" horzOverflow="overflow" vert="horz" wrap="square" lIns="45718" tIns="45718" rIns="45718" bIns="45718" numCol="1" spcCol="38100" rtlCol="0" anchor="ctr">
         <a:spAutoFit/>
       </a:bodyPr>
       <a:lstStyle>
@@ -7253,7 +7367,7 @@
           <a:buFontTx/>
           <a:buNone/>
           <a:tabLst/>
-          <a:defRPr b="0" baseline="0" cap="none" i="0" spc="0" strike="noStrike" sz="2800" u="none" kumimoji="0" normalizeH="0">
+          <a:defRPr kumimoji="0" sz="2800" b="0" i="0" u="none" strike="noStrike" cap="none" spc="0" normalizeH="0" baseline="0">
             <a:ln>
               <a:noFill/>
             </a:ln>
@@ -7283,7 +7397,7 @@
           <a:buFontTx/>
           <a:buNone/>
           <a:tabLst/>
-          <a:defRPr b="0" baseline="0" cap="none" i="0" spc="0" strike="noStrike" sz="1800" u="none" kumimoji="0" normalizeH="0">
+          <a:defRPr kumimoji="0" sz="1800" b="0" i="0" u="none" strike="noStrike" cap="none" spc="0" normalizeH="0" baseline="0">
             <a:ln>
               <a:noFill/>
             </a:ln>
@@ -7309,7 +7423,7 @@
           <a:buFontTx/>
           <a:buNone/>
           <a:tabLst/>
-          <a:defRPr b="0" baseline="0" cap="none" i="0" spc="0" strike="noStrike" sz="1800" u="none" kumimoji="0" normalizeH="0">
+          <a:defRPr kumimoji="0" sz="1800" b="0" i="0" u="none" strike="noStrike" cap="none" spc="0" normalizeH="0" baseline="0">
             <a:ln>
               <a:noFill/>
             </a:ln>
@@ -7335,7 +7449,7 @@
           <a:buFontTx/>
           <a:buNone/>
           <a:tabLst/>
-          <a:defRPr b="0" baseline="0" cap="none" i="0" spc="0" strike="noStrike" sz="1800" u="none" kumimoji="0" normalizeH="0">
+          <a:defRPr kumimoji="0" sz="1800" b="0" i="0" u="none" strike="noStrike" cap="none" spc="0" normalizeH="0" baseline="0">
             <a:ln>
               <a:noFill/>
             </a:ln>
@@ -7361,7 +7475,7 @@
           <a:buFontTx/>
           <a:buNone/>
           <a:tabLst/>
-          <a:defRPr b="0" baseline="0" cap="none" i="0" spc="0" strike="noStrike" sz="1800" u="none" kumimoji="0" normalizeH="0">
+          <a:defRPr kumimoji="0" sz="1800" b="0" i="0" u="none" strike="noStrike" cap="none" spc="0" normalizeH="0" baseline="0">
             <a:ln>
               <a:noFill/>
             </a:ln>
@@ -7387,7 +7501,7 @@
           <a:buFontTx/>
           <a:buNone/>
           <a:tabLst/>
-          <a:defRPr b="0" baseline="0" cap="none" i="0" spc="0" strike="noStrike" sz="1800" u="none" kumimoji="0" normalizeH="0">
+          <a:defRPr kumimoji="0" sz="1800" b="0" i="0" u="none" strike="noStrike" cap="none" spc="0" normalizeH="0" baseline="0">
             <a:ln>
               <a:noFill/>
             </a:ln>
@@ -7413,7 +7527,7 @@
           <a:buFontTx/>
           <a:buNone/>
           <a:tabLst/>
-          <a:defRPr b="0" baseline="0" cap="none" i="0" spc="0" strike="noStrike" sz="1800" u="none" kumimoji="0" normalizeH="0">
+          <a:defRPr kumimoji="0" sz="1800" b="0" i="0" u="none" strike="noStrike" cap="none" spc="0" normalizeH="0" baseline="0">
             <a:ln>
               <a:noFill/>
             </a:ln>
@@ -7439,7 +7553,7 @@
           <a:buFontTx/>
           <a:buNone/>
           <a:tabLst/>
-          <a:defRPr b="0" baseline="0" cap="none" i="0" spc="0" strike="noStrike" sz="1800" u="none" kumimoji="0" normalizeH="0">
+          <a:defRPr kumimoji="0" sz="1800" b="0" i="0" u="none" strike="noStrike" cap="none" spc="0" normalizeH="0" baseline="0">
             <a:ln>
               <a:noFill/>
             </a:ln>
@@ -7465,7 +7579,7 @@
           <a:buFontTx/>
           <a:buNone/>
           <a:tabLst/>
-          <a:defRPr b="0" baseline="0" cap="none" i="0" spc="0" strike="noStrike" sz="1800" u="none" kumimoji="0" normalizeH="0">
+          <a:defRPr kumimoji="0" sz="1800" b="0" i="0" u="none" strike="noStrike" cap="none" spc="0" normalizeH="0" baseline="0">
             <a:ln>
               <a:noFill/>
             </a:ln>
@@ -7491,7 +7605,7 @@
           <a:buFontTx/>
           <a:buNone/>
           <a:tabLst/>
-          <a:defRPr b="0" baseline="0" cap="none" i="0" spc="0" strike="noStrike" sz="1800" u="none" kumimoji="0" normalizeH="0">
+          <a:defRPr kumimoji="0" sz="1800" b="0" i="0" u="none" strike="noStrike" cap="none" spc="0" normalizeH="0" baseline="0">
             <a:ln>
               <a:noFill/>
             </a:ln>
@@ -7504,9 +7618,15 @@
         </a:lvl9pPr>
       </a:lstStyle>
       <a:style>
-        <a:lnRef idx="0"/>
-        <a:fillRef idx="0"/>
-        <a:effectRef idx="0"/>
+        <a:lnRef idx="0">
+          <a:scrgbClr r="0" g="0" b="0"/>
+        </a:lnRef>
+        <a:fillRef idx="0">
+          <a:scrgbClr r="0" g="0" b="0"/>
+        </a:fillRef>
+        <a:effectRef idx="0">
+          <a:scrgbClr r="0" g="0" b="0"/>
+        </a:effectRef>
         <a:fontRef idx="none"/>
       </a:style>
     </a:spDef>
@@ -7521,7 +7641,7 @@
           <a:round/>
         </a:ln>
         <a:effectLst>
-          <a:outerShdw sx="100000" sy="100000" kx="0" ky="0" algn="b" rotWithShape="0" blurRad="38100" dist="23000" dir="5400000">
+          <a:outerShdw blurRad="38100" dist="23000" dir="5400000" rotWithShape="0">
             <a:srgbClr val="000000">
               <a:alpha val="35000"/>
             </a:srgbClr>
@@ -7529,7 +7649,7 @@
         </a:effectLst>
         <a:sp3d/>
       </a:spPr>
-      <a:bodyPr rot="0" spcFirstLastPara="1" vertOverflow="overflow" horzOverflow="overflow" vert="horz" wrap="square" lIns="91439" tIns="45719" rIns="91439" bIns="45719" numCol="1" spcCol="38100" rtlCol="0" anchor="t" upright="0">
+      <a:bodyPr rot="0" spcFirstLastPara="1" vertOverflow="overflow" horzOverflow="overflow" vert="horz" wrap="square" lIns="91439" tIns="45719" rIns="91439" bIns="45719" numCol="1" spcCol="38100" rtlCol="0" anchor="t">
         <a:noAutofit/>
       </a:bodyPr>
       <a:lstStyle>
@@ -7548,7 +7668,7 @@
           <a:buFontTx/>
           <a:buNone/>
           <a:tabLst/>
-          <a:defRPr b="0" baseline="0" cap="none" i="0" spc="0" strike="noStrike" sz="1800" u="none" kumimoji="0" normalizeH="0">
+          <a:defRPr kumimoji="0" sz="1800" b="0" i="0" u="none" strike="noStrike" cap="none" spc="0" normalizeH="0" baseline="0">
             <a:ln>
               <a:noFill/>
             </a:ln>
@@ -7574,7 +7694,7 @@
           <a:buFontTx/>
           <a:buNone/>
           <a:tabLst/>
-          <a:defRPr b="0" baseline="0" cap="none" i="0" spc="0" strike="noStrike" sz="1800" u="none" kumimoji="0" normalizeH="0">
+          <a:defRPr kumimoji="0" sz="1800" b="0" i="0" u="none" strike="noStrike" cap="none" spc="0" normalizeH="0" baseline="0">
             <a:ln>
               <a:noFill/>
             </a:ln>
@@ -7600,7 +7720,7 @@
           <a:buFontTx/>
           <a:buNone/>
           <a:tabLst/>
-          <a:defRPr b="0" baseline="0" cap="none" i="0" spc="0" strike="noStrike" sz="1800" u="none" kumimoji="0" normalizeH="0">
+          <a:defRPr kumimoji="0" sz="1800" b="0" i="0" u="none" strike="noStrike" cap="none" spc="0" normalizeH="0" baseline="0">
             <a:ln>
               <a:noFill/>
             </a:ln>
@@ -7626,7 +7746,7 @@
           <a:buFontTx/>
           <a:buNone/>
           <a:tabLst/>
-          <a:defRPr b="0" baseline="0" cap="none" i="0" spc="0" strike="noStrike" sz="1800" u="none" kumimoji="0" normalizeH="0">
+          <a:defRPr kumimoji="0" sz="1800" b="0" i="0" u="none" strike="noStrike" cap="none" spc="0" normalizeH="0" baseline="0">
             <a:ln>
               <a:noFill/>
             </a:ln>
@@ -7652,7 +7772,7 @@
           <a:buFontTx/>
           <a:buNone/>
           <a:tabLst/>
-          <a:defRPr b="0" baseline="0" cap="none" i="0" spc="0" strike="noStrike" sz="1800" u="none" kumimoji="0" normalizeH="0">
+          <a:defRPr kumimoji="0" sz="1800" b="0" i="0" u="none" strike="noStrike" cap="none" spc="0" normalizeH="0" baseline="0">
             <a:ln>
               <a:noFill/>
             </a:ln>
@@ -7678,7 +7798,7 @@
           <a:buFontTx/>
           <a:buNone/>
           <a:tabLst/>
-          <a:defRPr b="0" baseline="0" cap="none" i="0" spc="0" strike="noStrike" sz="1800" u="none" kumimoji="0" normalizeH="0">
+          <a:defRPr kumimoji="0" sz="1800" b="0" i="0" u="none" strike="noStrike" cap="none" spc="0" normalizeH="0" baseline="0">
             <a:ln>
               <a:noFill/>
             </a:ln>
@@ -7704,7 +7824,7 @@
           <a:buFontTx/>
           <a:buNone/>
           <a:tabLst/>
-          <a:defRPr b="0" baseline="0" cap="none" i="0" spc="0" strike="noStrike" sz="1800" u="none" kumimoji="0" normalizeH="0">
+          <a:defRPr kumimoji="0" sz="1800" b="0" i="0" u="none" strike="noStrike" cap="none" spc="0" normalizeH="0" baseline="0">
             <a:ln>
               <a:noFill/>
             </a:ln>
@@ -7730,7 +7850,7 @@
           <a:buFontTx/>
           <a:buNone/>
           <a:tabLst/>
-          <a:defRPr b="0" baseline="0" cap="none" i="0" spc="0" strike="noStrike" sz="1800" u="none" kumimoji="0" normalizeH="0">
+          <a:defRPr kumimoji="0" sz="1800" b="0" i="0" u="none" strike="noStrike" cap="none" spc="0" normalizeH="0" baseline="0">
             <a:ln>
               <a:noFill/>
             </a:ln>
@@ -7756,7 +7876,7 @@
           <a:buFontTx/>
           <a:buNone/>
           <a:tabLst/>
-          <a:defRPr b="0" baseline="0" cap="none" i="0" spc="0" strike="noStrike" sz="1800" u="none" kumimoji="0" normalizeH="0">
+          <a:defRPr kumimoji="0" sz="1800" b="0" i="0" u="none" strike="noStrike" cap="none" spc="0" normalizeH="0" baseline="0">
             <a:ln>
               <a:noFill/>
             </a:ln>
@@ -7782,7 +7902,7 @@
           <a:buFontTx/>
           <a:buNone/>
           <a:tabLst/>
-          <a:defRPr b="0" baseline="0" cap="none" i="0" spc="0" strike="noStrike" sz="1800" u="none" kumimoji="0" normalizeH="0">
+          <a:defRPr kumimoji="0" sz="1800" b="0" i="0" u="none" strike="noStrike" cap="none" spc="0" normalizeH="0" baseline="0">
             <a:ln>
               <a:noFill/>
             </a:ln>
@@ -7795,9 +7915,15 @@
         </a:lvl9pPr>
       </a:lstStyle>
       <a:style>
-        <a:lnRef idx="0"/>
-        <a:fillRef idx="0"/>
-        <a:effectRef idx="0"/>
+        <a:lnRef idx="0">
+          <a:scrgbClr r="0" g="0" b="0"/>
+        </a:lnRef>
+        <a:fillRef idx="0">
+          <a:scrgbClr r="0" g="0" b="0"/>
+        </a:fillRef>
+        <a:effectRef idx="0">
+          <a:scrgbClr r="0" g="0" b="0"/>
+        </a:effectRef>
         <a:fontRef idx="none"/>
       </a:style>
     </a:lnDef>
@@ -7811,7 +7937,7 @@
         <a:effectLst/>
         <a:sp3d/>
       </a:spPr>
-      <a:bodyPr rot="0" spcFirstLastPara="1" vertOverflow="overflow" horzOverflow="overflow" vert="horz" wrap="square" lIns="50800" tIns="50800" rIns="50800" bIns="50800" numCol="1" spcCol="38100" rtlCol="0" anchor="ctr" upright="0">
+      <a:bodyPr rot="0" spcFirstLastPara="1" vertOverflow="overflow" horzOverflow="overflow" vert="horz" wrap="square" lIns="50800" tIns="50800" rIns="50800" bIns="50800" numCol="1" spcCol="38100" rtlCol="0" anchor="ctr">
         <a:spAutoFit/>
       </a:bodyPr>
       <a:lstStyle>
@@ -7830,7 +7956,7 @@
           <a:buFontTx/>
           <a:buNone/>
           <a:tabLst/>
-          <a:defRPr b="0" baseline="0" cap="none" i="0" spc="0" strike="noStrike" sz="2800" u="none" kumimoji="0" normalizeH="0">
+          <a:defRPr kumimoji="0" sz="2800" b="0" i="0" u="none" strike="noStrike" cap="none" spc="0" normalizeH="0" baseline="0">
             <a:ln>
               <a:noFill/>
             </a:ln>
@@ -7860,7 +7986,7 @@
           <a:buFontTx/>
           <a:buNone/>
           <a:tabLst/>
-          <a:defRPr b="0" baseline="0" cap="none" i="0" spc="0" strike="noStrike" sz="1800" u="none" kumimoji="0" normalizeH="0">
+          <a:defRPr kumimoji="0" sz="1800" b="0" i="0" u="none" strike="noStrike" cap="none" spc="0" normalizeH="0" baseline="0">
             <a:ln>
               <a:noFill/>
             </a:ln>
@@ -7886,7 +8012,7 @@
           <a:buFontTx/>
           <a:buNone/>
           <a:tabLst/>
-          <a:defRPr b="0" baseline="0" cap="none" i="0" spc="0" strike="noStrike" sz="1800" u="none" kumimoji="0" normalizeH="0">
+          <a:defRPr kumimoji="0" sz="1800" b="0" i="0" u="none" strike="noStrike" cap="none" spc="0" normalizeH="0" baseline="0">
             <a:ln>
               <a:noFill/>
             </a:ln>
@@ -7912,7 +8038,7 @@
           <a:buFontTx/>
           <a:buNone/>
           <a:tabLst/>
-          <a:defRPr b="0" baseline="0" cap="none" i="0" spc="0" strike="noStrike" sz="1800" u="none" kumimoji="0" normalizeH="0">
+          <a:defRPr kumimoji="0" sz="1800" b="0" i="0" u="none" strike="noStrike" cap="none" spc="0" normalizeH="0" baseline="0">
             <a:ln>
               <a:noFill/>
             </a:ln>
@@ -7938,7 +8064,7 @@
           <a:buFontTx/>
           <a:buNone/>
           <a:tabLst/>
-          <a:defRPr b="0" baseline="0" cap="none" i="0" spc="0" strike="noStrike" sz="1800" u="none" kumimoji="0" normalizeH="0">
+          <a:defRPr kumimoji="0" sz="1800" b="0" i="0" u="none" strike="noStrike" cap="none" spc="0" normalizeH="0" baseline="0">
             <a:ln>
               <a:noFill/>
             </a:ln>
@@ -7964,7 +8090,7 @@
           <a:buFontTx/>
           <a:buNone/>
           <a:tabLst/>
-          <a:defRPr b="0" baseline="0" cap="none" i="0" spc="0" strike="noStrike" sz="1800" u="none" kumimoji="0" normalizeH="0">
+          <a:defRPr kumimoji="0" sz="1800" b="0" i="0" u="none" strike="noStrike" cap="none" spc="0" normalizeH="0" baseline="0">
             <a:ln>
               <a:noFill/>
             </a:ln>
@@ -7990,7 +8116,7 @@
           <a:buFontTx/>
           <a:buNone/>
           <a:tabLst/>
-          <a:defRPr b="0" baseline="0" cap="none" i="0" spc="0" strike="noStrike" sz="1800" u="none" kumimoji="0" normalizeH="0">
+          <a:defRPr kumimoji="0" sz="1800" b="0" i="0" u="none" strike="noStrike" cap="none" spc="0" normalizeH="0" baseline="0">
             <a:ln>
               <a:noFill/>
             </a:ln>
@@ -8016,7 +8142,7 @@
           <a:buFontTx/>
           <a:buNone/>
           <a:tabLst/>
-          <a:defRPr b="0" baseline="0" cap="none" i="0" spc="0" strike="noStrike" sz="1800" u="none" kumimoji="0" normalizeH="0">
+          <a:defRPr kumimoji="0" sz="1800" b="0" i="0" u="none" strike="noStrike" cap="none" spc="0" normalizeH="0" baseline="0">
             <a:ln>
               <a:noFill/>
             </a:ln>
@@ -8042,7 +8168,7 @@
           <a:buFontTx/>
           <a:buNone/>
           <a:tabLst/>
-          <a:defRPr b="0" baseline="0" cap="none" i="0" spc="0" strike="noStrike" sz="1800" u="none" kumimoji="0" normalizeH="0">
+          <a:defRPr kumimoji="0" sz="1800" b="0" i="0" u="none" strike="noStrike" cap="none" spc="0" normalizeH="0" baseline="0">
             <a:ln>
               <a:noFill/>
             </a:ln>
@@ -8068,7 +8194,7 @@
           <a:buFontTx/>
           <a:buNone/>
           <a:tabLst/>
-          <a:defRPr b="0" baseline="0" cap="none" i="0" spc="0" strike="noStrike" sz="1800" u="none" kumimoji="0" normalizeH="0">
+          <a:defRPr kumimoji="0" sz="1800" b="0" i="0" u="none" strike="noStrike" cap="none" spc="0" normalizeH="0" baseline="0">
             <a:ln>
               <a:noFill/>
             </a:ln>
@@ -8081,12 +8207,19 @@
         </a:lvl9pPr>
       </a:lstStyle>
       <a:style>
-        <a:lnRef idx="0"/>
-        <a:fillRef idx="0"/>
-        <a:effectRef idx="0"/>
+        <a:lnRef idx="0">
+          <a:scrgbClr r="0" g="0" b="0"/>
+        </a:lnRef>
+        <a:fillRef idx="0">
+          <a:scrgbClr r="0" g="0" b="0"/>
+        </a:fillRef>
+        <a:effectRef idx="0">
+          <a:scrgbClr r="0" g="0" b="0"/>
+        </a:effectRef>
         <a:fontRef idx="none"/>
       </a:style>
     </a:txDef>
   </a:objectDefaults>
+  <a:extraClrSchemeLst/>
 </a:theme>
 </file>
--- a/ppt/typescript1.pptx
+++ b/ppt/typescript1.pptx
@@ -5,7 +5,7 @@
     <p:sldMasterId id="2147483648" r:id="rId1"/>
   </p:sldMasterIdLst>
   <p:notesMasterIdLst>
-    <p:notesMasterId r:id="rId21"/>
+    <p:notesMasterId r:id="rId14"/>
   </p:notesMasterIdLst>
   <p:sldIdLst>
     <p:sldId id="256" r:id="rId2"/>
@@ -18,15 +18,8 @@
     <p:sldId id="263" r:id="rId9"/>
     <p:sldId id="264" r:id="rId10"/>
     <p:sldId id="265" r:id="rId11"/>
-    <p:sldId id="266" r:id="rId12"/>
-    <p:sldId id="267" r:id="rId13"/>
-    <p:sldId id="268" r:id="rId14"/>
-    <p:sldId id="269" r:id="rId15"/>
-    <p:sldId id="270" r:id="rId16"/>
-    <p:sldId id="271" r:id="rId17"/>
-    <p:sldId id="272" r:id="rId18"/>
-    <p:sldId id="273" r:id="rId19"/>
-    <p:sldId id="274" r:id="rId20"/>
+    <p:sldId id="270" r:id="rId12"/>
+    <p:sldId id="274" r:id="rId13"/>
   </p:sldIdLst>
   <p:sldSz cx="14401800" cy="10795000"/>
   <p:notesSz cx="6858000" cy="9144000"/>
@@ -328,6 +321,11 @@
       </a:defRPr>
     </a:lvl9pPr>
   </p:defaultTextStyle>
+  <p:extLst>
+    <p:ext uri="{EFAFB233-063F-42B5-8137-9DF3F51BA10A}">
+      <p15:sldGuideLst xmlns:p15="http://schemas.microsoft.com/office/powerpoint/2012/main"/>
+    </p:ext>
+  </p:extLst>
 </p:presentation>
 </file>
 
@@ -2697,7 +2695,7 @@
           </a:ln>
           <a:extLst>
             <a:ext uri="{C572A759-6A51-4108-AA02-DFA0A04FC94B}">
-              <ma14:wrappingTextBoxFlag xmlns:ma14="http://schemas.microsoft.com/office/mac/drawingml/2011/main" xmlns="" val="1"/>
+              <ma14:wrappingTextBoxFlag xmlns="" xmlns:ma14="http://schemas.microsoft.com/office/mac/drawingml/2011/main" val="1"/>
             </a:ext>
           </a:extLst>
         </p:spPr>
@@ -2736,7 +2734,7 @@
           </a:ln>
           <a:extLst>
             <a:ext uri="{C572A759-6A51-4108-AA02-DFA0A04FC94B}">
-              <ma14:wrappingTextBoxFlag xmlns:ma14="http://schemas.microsoft.com/office/mac/drawingml/2011/main" xmlns="" val="1"/>
+              <ma14:wrappingTextBoxFlag xmlns="" xmlns:ma14="http://schemas.microsoft.com/office/mac/drawingml/2011/main" val="1"/>
             </a:ext>
           </a:extLst>
         </p:spPr>
@@ -3672,7 +3670,7 @@
           </a:ln>
           <a:extLst>
             <a:ext uri="{C572A759-6A51-4108-AA02-DFA0A04FC94B}">
-              <ma14:wrappingTextBoxFlag xmlns:ma14="http://schemas.microsoft.com/office/mac/drawingml/2011/main" xmlns="" val="1"/>
+              <ma14:wrappingTextBoxFlag xmlns="" xmlns:ma14="http://schemas.microsoft.com/office/mac/drawingml/2011/main" val="1"/>
             </a:ext>
           </a:extLst>
         </p:spPr>
@@ -3728,7 +3726,7 @@
           </a:ln>
           <a:extLst>
             <a:ext uri="{C572A759-6A51-4108-AA02-DFA0A04FC94B}">
-              <ma14:wrappingTextBoxFlag xmlns:ma14="http://schemas.microsoft.com/office/mac/drawingml/2011/main" xmlns="" val="1"/>
+              <ma14:wrappingTextBoxFlag xmlns="" xmlns:ma14="http://schemas.microsoft.com/office/mac/drawingml/2011/main" val="1"/>
             </a:ext>
           </a:extLst>
         </p:spPr>
@@ -3826,7 +3824,7 @@
           </a:ln>
           <a:extLst>
             <a:ext uri="{C572A759-6A51-4108-AA02-DFA0A04FC94B}">
-              <ma14:wrappingTextBoxFlag xmlns:ma14="http://schemas.microsoft.com/office/mac/drawingml/2011/main" xmlns="" val="1"/>
+              <ma14:wrappingTextBoxFlag xmlns="" xmlns:ma14="http://schemas.microsoft.com/office/mac/drawingml/2011/main" val="1"/>
             </a:ext>
           </a:extLst>
         </p:spPr>
@@ -3919,14 +3917,14 @@
       </p:grpSpPr>
       <p:sp>
         <p:nvSpPr>
-          <p:cNvPr id="169" name="文本框 81"/>
+          <p:cNvPr id="178" name="Talk is cheap, show me the code"/>
           <p:cNvSpPr txBox="1"/>
           <p:nvPr/>
         </p:nvSpPr>
         <p:spPr>
           <a:xfrm>
-            <a:off x="4896090" y="3047999"/>
-            <a:ext cx="5112089" cy="4817619"/>
+            <a:off x="2891804" y="4438649"/>
+            <a:ext cx="8618192" cy="774701"/>
           </a:xfrm>
           <a:prstGeom prst="rect">
             <a:avLst/>
@@ -3936,77 +3934,22 @@
           </a:ln>
           <a:extLst>
             <a:ext uri="{C572A759-6A51-4108-AA02-DFA0A04FC94B}">
-              <ma14:wrappingTextBoxFlag xmlns:ma14="http://schemas.microsoft.com/office/mac/drawingml/2011/main" xmlns="" val="1"/>
+              <ma14:wrappingTextBoxFlag xmlns="" xmlns:ma14="http://schemas.microsoft.com/office/mac/drawingml/2011/main" val="1"/>
             </a:ext>
           </a:extLst>
         </p:spPr>
         <p:txBody>
-          <a:bodyPr lIns="72009" tIns="72009" rIns="72009" bIns="72009">
+          <a:bodyPr lIns="50800" tIns="50800" rIns="50800" bIns="50800" anchor="ctr">
             <a:spAutoFit/>
           </a:bodyPr>
           <a:lstStyle>
             <a:lvl1pPr>
-              <a:defRPr sz="30000">
-                <a:solidFill>
-                  <a:srgbClr val="DBEEF4"/>
-                </a:solidFill>
-                <a:latin typeface="Century Gothic"/>
-                <a:ea typeface="Century Gothic"/>
-                <a:cs typeface="Century Gothic"/>
-                <a:sym typeface="Century Gothic"/>
-              </a:defRPr>
+              <a:defRPr sz="4400"/>
             </a:lvl1pPr>
           </a:lstStyle>
           <a:p>
             <a:r>
-              <a:t>03</a:t>
-            </a:r>
-          </a:p>
-        </p:txBody>
-      </p:sp>
-      <p:sp>
-        <p:nvSpPr>
-          <p:cNvPr id="170" name="Rectangle 18"/>
-          <p:cNvSpPr txBox="1"/>
-          <p:nvPr/>
-        </p:nvSpPr>
-        <p:spPr>
-          <a:xfrm>
-            <a:off x="2788940" y="4826889"/>
-            <a:ext cx="9326386" cy="1259839"/>
-          </a:xfrm>
-          <a:prstGeom prst="rect">
-            <a:avLst/>
-          </a:prstGeom>
-          <a:ln w="12700">
-            <a:miter lim="400000"/>
-          </a:ln>
-          <a:extLst>
-            <a:ext uri="{C572A759-6A51-4108-AA02-DFA0A04FC94B}">
-              <ma14:wrappingTextBoxFlag xmlns:ma14="http://schemas.microsoft.com/office/mac/drawingml/2011/main" xmlns="" val="1"/>
-            </a:ext>
-          </a:extLst>
-        </p:spPr>
-        <p:txBody>
-          <a:bodyPr wrap="none" lIns="45718" tIns="45718" rIns="45718" bIns="45718">
-            <a:spAutoFit/>
-          </a:bodyPr>
-          <a:lstStyle>
-            <a:lvl1pPr>
-              <a:defRPr sz="6600">
-                <a:solidFill>
-                  <a:srgbClr val="262626"/>
-                </a:solidFill>
-                <a:latin typeface="Microsoft YaHei"/>
-                <a:ea typeface="Microsoft YaHei"/>
-                <a:cs typeface="Microsoft YaHei"/>
-                <a:sym typeface="Microsoft YaHei"/>
-              </a:defRPr>
-            </a:lvl1pPr>
-          </a:lstStyle>
-          <a:p>
-            <a:r>
-              <a:t>TypeScript 语法简单介绍</a:t>
+              <a:t>Talk is cheap, show me the code</a:t>
             </a:r>
           </a:p>
         </p:txBody>
@@ -4048,532 +3991,6 @@
           <a:chExt cx="0" cy="0"/>
         </a:xfrm>
       </p:grpSpPr>
-      <p:pic>
-        <p:nvPicPr>
-          <p:cNvPr id="172" name="屏幕快照 2018-03-10 下午3.28.28.png" descr="屏幕快照 2018-03-10 下午3.28.28.png"/>
-          <p:cNvPicPr>
-            <a:picLocks noChangeAspect="1"/>
-          </p:cNvPicPr>
-          <p:nvPr/>
-        </p:nvPicPr>
-        <p:blipFill>
-          <a:blip r:embed="rId2">
-            <a:extLst/>
-          </a:blip>
-          <a:stretch>
-            <a:fillRect/>
-          </a:stretch>
-        </p:blipFill>
-        <p:spPr>
-          <a:xfrm>
-            <a:off x="2704026" y="1675064"/>
-            <a:ext cx="8993748" cy="7444872"/>
-          </a:xfrm>
-          <a:prstGeom prst="rect">
-            <a:avLst/>
-          </a:prstGeom>
-          <a:ln w="12700">
-            <a:miter lim="400000"/>
-          </a:ln>
-        </p:spPr>
-      </p:pic>
-    </p:spTree>
-  </p:cSld>
-  <p:clrMapOvr>
-    <a:masterClrMapping/>
-  </p:clrMapOvr>
-  <mc:AlternateContent xmlns:mc="http://schemas.openxmlformats.org/markup-compatibility/2006" xmlns:p14="http://schemas.microsoft.com/office/powerpoint/2010/main">
-    <mc:Choice Requires="p14">
-      <p:transition spd="slow">
-        <p:dissolve/>
-      </p:transition>
-    </mc:Choice>
-    <mc:Fallback xmlns="">
-      <p:transition spd="med">
-        <p:fade/>
-      </p:transition>
-    </mc:Fallback>
-  </mc:AlternateContent>
-</p:sld>
-</file>
-
-<file path=ppt/slides/slide13.xml><?xml version="1.0" encoding="utf-8"?>
-<p:sld xmlns:a="http://schemas.openxmlformats.org/drawingml/2006/main" xmlns:r="http://schemas.openxmlformats.org/officeDocument/2006/relationships" xmlns:p="http://schemas.openxmlformats.org/presentationml/2006/main">
-  <p:cSld>
-    <p:spTree>
-      <p:nvGrpSpPr>
-        <p:cNvPr id="1" name=""/>
-        <p:cNvGrpSpPr/>
-        <p:nvPr/>
-      </p:nvGrpSpPr>
-      <p:grpSpPr>
-        <a:xfrm>
-          <a:off x="0" y="0"/>
-          <a:ext cx="0" cy="0"/>
-          <a:chOff x="0" y="0"/>
-          <a:chExt cx="0" cy="0"/>
-        </a:xfrm>
-      </p:grpSpPr>
-      <p:pic>
-        <p:nvPicPr>
-          <p:cNvPr id="174" name="屏幕快照 2018-03-10 下午4.22.26.png" descr="屏幕快照 2018-03-10 下午4.22.26.png"/>
-          <p:cNvPicPr>
-            <a:picLocks noChangeAspect="1"/>
-          </p:cNvPicPr>
-          <p:nvPr/>
-        </p:nvPicPr>
-        <p:blipFill>
-          <a:blip r:embed="rId2">
-            <a:extLst/>
-          </a:blip>
-          <a:stretch>
-            <a:fillRect/>
-          </a:stretch>
-        </p:blipFill>
-        <p:spPr>
-          <a:xfrm>
-            <a:off x="2735857" y="823684"/>
-            <a:ext cx="8930149" cy="8182431"/>
-          </a:xfrm>
-          <a:prstGeom prst="rect">
-            <a:avLst/>
-          </a:prstGeom>
-          <a:ln w="12700">
-            <a:miter lim="400000"/>
-          </a:ln>
-        </p:spPr>
-      </p:pic>
-    </p:spTree>
-  </p:cSld>
-  <p:clrMapOvr>
-    <a:masterClrMapping/>
-  </p:clrMapOvr>
-  <mc:AlternateContent xmlns:mc="http://schemas.openxmlformats.org/markup-compatibility/2006" xmlns:p14="http://schemas.microsoft.com/office/powerpoint/2010/main">
-    <mc:Choice Requires="p14">
-      <p:transition spd="slow">
-        <p:dissolve/>
-      </p:transition>
-    </mc:Choice>
-    <mc:Fallback xmlns="">
-      <p:transition spd="med">
-        <p:fade/>
-      </p:transition>
-    </mc:Fallback>
-  </mc:AlternateContent>
-</p:sld>
-</file>
-
-<file path=ppt/slides/slide14.xml><?xml version="1.0" encoding="utf-8"?>
-<p:sld xmlns:a="http://schemas.openxmlformats.org/drawingml/2006/main" xmlns:r="http://schemas.openxmlformats.org/officeDocument/2006/relationships" xmlns:p="http://schemas.openxmlformats.org/presentationml/2006/main">
-  <p:cSld>
-    <p:spTree>
-      <p:nvGrpSpPr>
-        <p:cNvPr id="1" name=""/>
-        <p:cNvGrpSpPr/>
-        <p:nvPr/>
-      </p:nvGrpSpPr>
-      <p:grpSpPr>
-        <a:xfrm>
-          <a:off x="0" y="0"/>
-          <a:ext cx="0" cy="0"/>
-          <a:chOff x="0" y="0"/>
-          <a:chExt cx="0" cy="0"/>
-        </a:xfrm>
-      </p:grpSpPr>
-      <p:pic>
-        <p:nvPicPr>
-          <p:cNvPr id="176" name="屏幕快照 2018-03-10 下午5.08.11.png" descr="屏幕快照 2018-03-10 下午5.08.11.png"/>
-          <p:cNvPicPr>
-            <a:picLocks noChangeAspect="1"/>
-          </p:cNvPicPr>
-          <p:nvPr/>
-        </p:nvPicPr>
-        <p:blipFill>
-          <a:blip r:embed="rId2">
-            <a:extLst/>
-          </a:blip>
-          <a:stretch>
-            <a:fillRect/>
-          </a:stretch>
-        </p:blipFill>
-        <p:spPr>
-          <a:xfrm>
-            <a:off x="2617353" y="876646"/>
-            <a:ext cx="9167094" cy="8299812"/>
-          </a:xfrm>
-          <a:prstGeom prst="rect">
-            <a:avLst/>
-          </a:prstGeom>
-          <a:ln w="12700">
-            <a:miter lim="400000"/>
-          </a:ln>
-        </p:spPr>
-      </p:pic>
-    </p:spTree>
-  </p:cSld>
-  <p:clrMapOvr>
-    <a:masterClrMapping/>
-  </p:clrMapOvr>
-  <mc:AlternateContent xmlns:mc="http://schemas.openxmlformats.org/markup-compatibility/2006" xmlns:p14="http://schemas.microsoft.com/office/powerpoint/2010/main">
-    <mc:Choice Requires="p14">
-      <p:transition spd="slow">
-        <p:dissolve/>
-      </p:transition>
-    </mc:Choice>
-    <mc:Fallback xmlns="">
-      <p:transition spd="med">
-        <p:fade/>
-      </p:transition>
-    </mc:Fallback>
-  </mc:AlternateContent>
-</p:sld>
-</file>
-
-<file path=ppt/slides/slide15.xml><?xml version="1.0" encoding="utf-8"?>
-<p:sld xmlns:a="http://schemas.openxmlformats.org/drawingml/2006/main" xmlns:r="http://schemas.openxmlformats.org/officeDocument/2006/relationships" xmlns:p="http://schemas.openxmlformats.org/presentationml/2006/main">
-  <p:cSld>
-    <p:spTree>
-      <p:nvGrpSpPr>
-        <p:cNvPr id="1" name=""/>
-        <p:cNvGrpSpPr/>
-        <p:nvPr/>
-      </p:nvGrpSpPr>
-      <p:grpSpPr>
-        <a:xfrm>
-          <a:off x="0" y="0"/>
-          <a:ext cx="0" cy="0"/>
-          <a:chOff x="0" y="0"/>
-          <a:chExt cx="0" cy="0"/>
-        </a:xfrm>
-      </p:grpSpPr>
-      <p:sp>
-        <p:nvSpPr>
-          <p:cNvPr id="178" name="Talk is cheap, show me the code"/>
-          <p:cNvSpPr txBox="1"/>
-          <p:nvPr/>
-        </p:nvSpPr>
-        <p:spPr>
-          <a:xfrm>
-            <a:off x="2891804" y="4438649"/>
-            <a:ext cx="8618192" cy="774701"/>
-          </a:xfrm>
-          <a:prstGeom prst="rect">
-            <a:avLst/>
-          </a:prstGeom>
-          <a:ln w="12700">
-            <a:miter lim="400000"/>
-          </a:ln>
-          <a:extLst>
-            <a:ext uri="{C572A759-6A51-4108-AA02-DFA0A04FC94B}">
-              <ma14:wrappingTextBoxFlag xmlns:ma14="http://schemas.microsoft.com/office/mac/drawingml/2011/main" xmlns="" val="1"/>
-            </a:ext>
-          </a:extLst>
-        </p:spPr>
-        <p:txBody>
-          <a:bodyPr lIns="50800" tIns="50800" rIns="50800" bIns="50800" anchor="ctr">
-            <a:spAutoFit/>
-          </a:bodyPr>
-          <a:lstStyle>
-            <a:lvl1pPr>
-              <a:defRPr sz="4400"/>
-            </a:lvl1pPr>
-          </a:lstStyle>
-          <a:p>
-            <a:r>
-              <a:t>Talk is cheap, show me the code</a:t>
-            </a:r>
-          </a:p>
-        </p:txBody>
-      </p:sp>
-    </p:spTree>
-  </p:cSld>
-  <p:clrMapOvr>
-    <a:masterClrMapping/>
-  </p:clrMapOvr>
-  <mc:AlternateContent xmlns:mc="http://schemas.openxmlformats.org/markup-compatibility/2006" xmlns:p14="http://schemas.microsoft.com/office/powerpoint/2010/main">
-    <mc:Choice Requires="p14">
-      <p:transition spd="slow">
-        <p:dissolve/>
-      </p:transition>
-    </mc:Choice>
-    <mc:Fallback xmlns="">
-      <p:transition spd="med">
-        <p:fade/>
-      </p:transition>
-    </mc:Fallback>
-  </mc:AlternateContent>
-</p:sld>
-</file>
-
-<file path=ppt/slides/slide16.xml><?xml version="1.0" encoding="utf-8"?>
-<p:sld xmlns:a="http://schemas.openxmlformats.org/drawingml/2006/main" xmlns:r="http://schemas.openxmlformats.org/officeDocument/2006/relationships" xmlns:p="http://schemas.openxmlformats.org/presentationml/2006/main">
-  <p:cSld>
-    <p:spTree>
-      <p:nvGrpSpPr>
-        <p:cNvPr id="1" name=""/>
-        <p:cNvGrpSpPr/>
-        <p:nvPr/>
-      </p:nvGrpSpPr>
-      <p:grpSpPr>
-        <a:xfrm>
-          <a:off x="0" y="0"/>
-          <a:ext cx="0" cy="0"/>
-          <a:chOff x="0" y="0"/>
-          <a:chExt cx="0" cy="0"/>
-        </a:xfrm>
-      </p:grpSpPr>
-      <p:sp>
-        <p:nvSpPr>
-          <p:cNvPr id="180" name="文本框 81"/>
-          <p:cNvSpPr txBox="1"/>
-          <p:nvPr/>
-        </p:nvSpPr>
-        <p:spPr>
-          <a:xfrm>
-            <a:off x="4896090" y="3047999"/>
-            <a:ext cx="5112089" cy="4817619"/>
-          </a:xfrm>
-          <a:prstGeom prst="rect">
-            <a:avLst/>
-          </a:prstGeom>
-          <a:ln w="12700">
-            <a:miter lim="400000"/>
-          </a:ln>
-          <a:extLst>
-            <a:ext uri="{C572A759-6A51-4108-AA02-DFA0A04FC94B}">
-              <ma14:wrappingTextBoxFlag xmlns:ma14="http://schemas.microsoft.com/office/mac/drawingml/2011/main" xmlns="" val="1"/>
-            </a:ext>
-          </a:extLst>
-        </p:spPr>
-        <p:txBody>
-          <a:bodyPr lIns="72009" tIns="72009" rIns="72009" bIns="72009">
-            <a:spAutoFit/>
-          </a:bodyPr>
-          <a:lstStyle>
-            <a:lvl1pPr>
-              <a:defRPr sz="30000">
-                <a:solidFill>
-                  <a:srgbClr val="DBEEF4"/>
-                </a:solidFill>
-                <a:latin typeface="Century Gothic"/>
-                <a:ea typeface="Century Gothic"/>
-                <a:cs typeface="Century Gothic"/>
-                <a:sym typeface="Century Gothic"/>
-              </a:defRPr>
-            </a:lvl1pPr>
-          </a:lstStyle>
-          <a:p>
-            <a:r>
-              <a:t>04</a:t>
-            </a:r>
-          </a:p>
-        </p:txBody>
-      </p:sp>
-      <p:sp>
-        <p:nvSpPr>
-          <p:cNvPr id="181" name="Rectangle 18"/>
-          <p:cNvSpPr txBox="1"/>
-          <p:nvPr/>
-        </p:nvSpPr>
-        <p:spPr>
-          <a:xfrm>
-            <a:off x="2180753" y="4909439"/>
-            <a:ext cx="10557492" cy="1094739"/>
-          </a:xfrm>
-          <a:prstGeom prst="rect">
-            <a:avLst/>
-          </a:prstGeom>
-          <a:ln w="12700">
-            <a:miter lim="400000"/>
-          </a:ln>
-          <a:extLst>
-            <a:ext uri="{C572A759-6A51-4108-AA02-DFA0A04FC94B}">
-              <ma14:wrappingTextBoxFlag xmlns:ma14="http://schemas.microsoft.com/office/mac/drawingml/2011/main" xmlns="" val="1"/>
-            </a:ext>
-          </a:extLst>
-        </p:spPr>
-        <p:txBody>
-          <a:bodyPr wrap="none" lIns="45718" tIns="45718" rIns="45718" bIns="45718">
-            <a:spAutoFit/>
-          </a:bodyPr>
-          <a:lstStyle>
-            <a:lvl1pPr>
-              <a:defRPr sz="6600">
-                <a:solidFill>
-                  <a:srgbClr val="262626"/>
-                </a:solidFill>
-                <a:latin typeface="Microsoft YaHei"/>
-                <a:ea typeface="Microsoft YaHei"/>
-                <a:cs typeface="Microsoft YaHei"/>
-                <a:sym typeface="Microsoft YaHei"/>
-              </a:defRPr>
-            </a:lvl1pPr>
-          </a:lstStyle>
-          <a:p>
-            <a:r>
-              <a:t>TypeScript + VSCode + Vue</a:t>
-            </a:r>
-          </a:p>
-        </p:txBody>
-      </p:sp>
-    </p:spTree>
-  </p:cSld>
-  <p:clrMapOvr>
-    <a:masterClrMapping/>
-  </p:clrMapOvr>
-  <mc:AlternateContent xmlns:mc="http://schemas.openxmlformats.org/markup-compatibility/2006" xmlns:p14="http://schemas.microsoft.com/office/powerpoint/2010/main">
-    <mc:Choice Requires="p14">
-      <p:transition spd="slow">
-        <p:dissolve/>
-      </p:transition>
-    </mc:Choice>
-    <mc:Fallback xmlns="">
-      <p:transition spd="med">
-        <p:fade/>
-      </p:transition>
-    </mc:Fallback>
-  </mc:AlternateContent>
-</p:sld>
-</file>
-
-<file path=ppt/slides/slide17.xml><?xml version="1.0" encoding="utf-8"?>
-<p:sld xmlns:a="http://schemas.openxmlformats.org/drawingml/2006/main" xmlns:r="http://schemas.openxmlformats.org/officeDocument/2006/relationships" xmlns:p="http://schemas.openxmlformats.org/presentationml/2006/main">
-  <p:cSld>
-    <p:spTree>
-      <p:nvGrpSpPr>
-        <p:cNvPr id="1" name=""/>
-        <p:cNvGrpSpPr/>
-        <p:nvPr/>
-      </p:nvGrpSpPr>
-      <p:grpSpPr>
-        <a:xfrm>
-          <a:off x="0" y="0"/>
-          <a:ext cx="0" cy="0"/>
-          <a:chOff x="0" y="0"/>
-          <a:chExt cx="0" cy="0"/>
-        </a:xfrm>
-      </p:grpSpPr>
-      <p:pic>
-        <p:nvPicPr>
-          <p:cNvPr id="183" name="list1.gif" descr="list1.gif"/>
-          <p:cNvPicPr>
-            <a:picLocks/>
-          </p:cNvPicPr>
-          <p:nvPr/>
-        </p:nvPicPr>
-        <p:blipFill>
-          <a:blip r:embed="rId2">
-            <a:extLst/>
-          </a:blip>
-          <a:stretch>
-            <a:fillRect/>
-          </a:stretch>
-        </p:blipFill>
-        <p:spPr>
-          <a:xfrm>
-            <a:off x="2783801" y="1434701"/>
-            <a:ext cx="8834198" cy="7120238"/>
-          </a:xfrm>
-          <a:prstGeom prst="rect">
-            <a:avLst/>
-          </a:prstGeom>
-          <a:ln w="12700">
-            <a:miter lim="400000"/>
-          </a:ln>
-        </p:spPr>
-      </p:pic>
-    </p:spTree>
-  </p:cSld>
-  <p:clrMapOvr>
-    <a:masterClrMapping/>
-  </p:clrMapOvr>
-  <mc:AlternateContent xmlns:mc="http://schemas.openxmlformats.org/markup-compatibility/2006" xmlns:p14="http://schemas.microsoft.com/office/powerpoint/2010/main">
-    <mc:Choice Requires="p14">
-      <p:transition spd="slow">
-        <p:dissolve/>
-      </p:transition>
-    </mc:Choice>
-    <mc:Fallback xmlns="">
-      <p:transition spd="med">
-        <p:fade/>
-      </p:transition>
-    </mc:Fallback>
-  </mc:AlternateContent>
-</p:sld>
-</file>
-
-<file path=ppt/slides/slide18.xml><?xml version="1.0" encoding="utf-8"?>
-<p:sld xmlns:a="http://schemas.openxmlformats.org/drawingml/2006/main" xmlns:r="http://schemas.openxmlformats.org/officeDocument/2006/relationships" xmlns:p="http://schemas.openxmlformats.org/presentationml/2006/main">
-  <p:cSld>
-    <p:spTree>
-      <p:nvGrpSpPr>
-        <p:cNvPr id="1" name=""/>
-        <p:cNvGrpSpPr/>
-        <p:nvPr/>
-      </p:nvGrpSpPr>
-      <p:grpSpPr>
-        <a:xfrm>
-          <a:off x="0" y="0"/>
-          <a:ext cx="0" cy="0"/>
-          <a:chOff x="0" y="0"/>
-          <a:chExt cx="0" cy="0"/>
-        </a:xfrm>
-      </p:grpSpPr>
-      <p:pic>
-        <p:nvPicPr>
-          <p:cNvPr id="185" name="list3.gif" descr="list3.gif"/>
-          <p:cNvPicPr>
-            <a:picLocks/>
-          </p:cNvPicPr>
-          <p:nvPr/>
-        </p:nvPicPr>
-        <p:blipFill>
-          <a:blip r:embed="rId2">
-            <a:extLst/>
-          </a:blip>
-          <a:stretch>
-            <a:fillRect/>
-          </a:stretch>
-        </p:blipFill>
-        <p:spPr>
-          <a:xfrm>
-            <a:off x="2501806" y="877472"/>
-            <a:ext cx="9398189" cy="8100255"/>
-          </a:xfrm>
-          <a:prstGeom prst="rect">
-            <a:avLst/>
-          </a:prstGeom>
-          <a:ln w="12700">
-            <a:miter lim="400000"/>
-          </a:ln>
-        </p:spPr>
-      </p:pic>
-    </p:spTree>
-  </p:cSld>
-  <p:clrMapOvr>
-    <a:masterClrMapping/>
-  </p:clrMapOvr>
-  <p:transition spd="med"/>
-</p:sld>
-</file>
-
-<file path=ppt/slides/slide19.xml><?xml version="1.0" encoding="utf-8"?>
-<p:sld xmlns:a="http://schemas.openxmlformats.org/drawingml/2006/main" xmlns:r="http://schemas.openxmlformats.org/officeDocument/2006/relationships" xmlns:p="http://schemas.openxmlformats.org/presentationml/2006/main">
-  <p:cSld>
-    <p:spTree>
-      <p:nvGrpSpPr>
-        <p:cNvPr id="1" name=""/>
-        <p:cNvGrpSpPr/>
-        <p:nvPr/>
-      </p:nvGrpSpPr>
-      <p:grpSpPr>
-        <a:xfrm>
-          <a:off x="0" y="0"/>
-          <a:ext cx="0" cy="0"/>
-          <a:chOff x="0" y="0"/>
-          <a:chExt cx="0" cy="0"/>
-        </a:xfrm>
-      </p:grpSpPr>
       <p:sp>
         <p:nvSpPr>
           <p:cNvPr id="187" name="TextBox 5"/>
@@ -4593,7 +4010,7 @@
           </a:ln>
           <a:extLst>
             <a:ext uri="{C572A759-6A51-4108-AA02-DFA0A04FC94B}">
-              <ma14:wrappingTextBoxFlag xmlns:ma14="http://schemas.microsoft.com/office/mac/drawingml/2011/main" xmlns="" val="1"/>
+              <ma14:wrappingTextBoxFlag xmlns="" xmlns:ma14="http://schemas.microsoft.com/office/mac/drawingml/2011/main" val="1"/>
             </a:ext>
           </a:extLst>
         </p:spPr>
@@ -4652,7 +4069,7 @@
         </p:nvSpPr>
         <p:spPr>
           <a:xfrm>
-            <a:off x="3210897" y="2051008"/>
+            <a:off x="3131384" y="2740473"/>
             <a:ext cx="919537" cy="969519"/>
           </a:xfrm>
           <a:prstGeom prst="rect">
@@ -4666,7 +4083,7 @@
           </a:ln>
           <a:extLst>
             <a:ext uri="{C572A759-6A51-4108-AA02-DFA0A04FC94B}">
-              <ma14:wrappingTextBoxFlag xmlns:ma14="http://schemas.microsoft.com/office/mac/drawingml/2011/main" xmlns="" val="1"/>
+              <ma14:wrappingTextBoxFlag xmlns="" xmlns:ma14="http://schemas.microsoft.com/office/mac/drawingml/2011/main" val="1"/>
             </a:ext>
           </a:extLst>
         </p:spPr>
@@ -4702,7 +4119,7 @@
         </p:nvSpPr>
         <p:spPr>
           <a:xfrm>
-            <a:off x="3218894" y="3364496"/>
+            <a:off x="3139381" y="4053961"/>
             <a:ext cx="919538" cy="969519"/>
           </a:xfrm>
           <a:prstGeom prst="rect">
@@ -4716,7 +4133,7 @@
           </a:ln>
           <a:extLst>
             <a:ext uri="{C572A759-6A51-4108-AA02-DFA0A04FC94B}">
-              <ma14:wrappingTextBoxFlag xmlns:ma14="http://schemas.microsoft.com/office/mac/drawingml/2011/main" xmlns="" val="1"/>
+              <ma14:wrappingTextBoxFlag xmlns="" xmlns:ma14="http://schemas.microsoft.com/office/mac/drawingml/2011/main" val="1"/>
             </a:ext>
           </a:extLst>
         </p:spPr>
@@ -4752,7 +4169,7 @@
         </p:nvSpPr>
         <p:spPr>
           <a:xfrm>
-            <a:off x="3210897" y="4667784"/>
+            <a:off x="3131384" y="5357249"/>
             <a:ext cx="919537" cy="969519"/>
           </a:xfrm>
           <a:prstGeom prst="rect">
@@ -4766,7 +4183,7 @@
           </a:ln>
           <a:extLst>
             <a:ext uri="{C572A759-6A51-4108-AA02-DFA0A04FC94B}">
-              <ma14:wrappingTextBoxFlag xmlns:ma14="http://schemas.microsoft.com/office/mac/drawingml/2011/main" xmlns="" val="1"/>
+              <ma14:wrappingTextBoxFlag xmlns="" xmlns:ma14="http://schemas.microsoft.com/office/mac/drawingml/2011/main" val="1"/>
             </a:ext>
           </a:extLst>
         </p:spPr>
@@ -4802,8 +4219,8 @@
         </p:nvSpPr>
         <p:spPr>
           <a:xfrm>
-            <a:off x="4609391" y="2172548"/>
-            <a:ext cx="4877508" cy="726439"/>
+            <a:off x="4529878" y="2862013"/>
+            <a:ext cx="4877508" cy="742315"/>
           </a:xfrm>
           <a:prstGeom prst="rect">
             <a:avLst/>
@@ -4813,7 +4230,7 @@
           </a:ln>
           <a:extLst>
             <a:ext uri="{C572A759-6A51-4108-AA02-DFA0A04FC94B}">
-              <ma14:wrappingTextBoxFlag xmlns:ma14="http://schemas.microsoft.com/office/mac/drawingml/2011/main" xmlns="" val="1"/>
+              <ma14:wrappingTextBoxFlag xmlns="" xmlns:ma14="http://schemas.microsoft.com/office/mac/drawingml/2011/main" val="1"/>
             </a:ext>
           </a:extLst>
         </p:spPr>
@@ -4836,8 +4253,14 @@
           </a:lstStyle>
           <a:p>
             <a:r>
-              <a:t>什么是 TypeScript</a:t>
-            </a:r>
+              <a:rPr lang="zh-Hans" altLang="en-US" dirty="0"/>
+              <a:t>关于 </a:t>
+            </a:r>
+            <a:r>
+              <a:rPr dirty="0" err="1"/>
+              <a:t>TypeScript</a:t>
+            </a:r>
+            <a:endParaRPr dirty="0"/>
           </a:p>
         </p:txBody>
       </p:sp>
@@ -4849,7 +4272,7 @@
         </p:nvSpPr>
         <p:spPr>
           <a:xfrm>
-            <a:off x="4603453" y="4789323"/>
+            <a:off x="4533879" y="5584453"/>
             <a:ext cx="8307004" cy="742315"/>
           </a:xfrm>
           <a:prstGeom prst="rect">
@@ -4860,7 +4283,7 @@
           </a:ln>
           <a:extLst>
             <a:ext uri="{C572A759-6A51-4108-AA02-DFA0A04FC94B}">
-              <ma14:wrappingTextBoxFlag xmlns:ma14="http://schemas.microsoft.com/office/mac/drawingml/2011/main" xmlns="" val="1"/>
+              <ma14:wrappingTextBoxFlag xmlns="" xmlns:ma14="http://schemas.microsoft.com/office/mac/drawingml/2011/main" val="1"/>
             </a:ext>
           </a:extLst>
         </p:spPr>
@@ -4906,8 +4329,8 @@
         </p:nvSpPr>
         <p:spPr>
           <a:xfrm>
-            <a:off x="4603453" y="3486034"/>
-            <a:ext cx="5015682" cy="726439"/>
+            <a:off x="4523940" y="4175499"/>
+            <a:ext cx="5015682" cy="742315"/>
           </a:xfrm>
           <a:prstGeom prst="rect">
             <a:avLst/>
@@ -4917,7 +4340,7 @@
           </a:ln>
           <a:extLst>
             <a:ext uri="{C572A759-6A51-4108-AA02-DFA0A04FC94B}">
-              <ma14:wrappingTextBoxFlag xmlns:ma14="http://schemas.microsoft.com/office/mac/drawingml/2011/main" xmlns="" val="1"/>
+              <ma14:wrappingTextBoxFlag xmlns="" xmlns:ma14="http://schemas.microsoft.com/office/mac/drawingml/2011/main" val="1"/>
             </a:ext>
           </a:extLst>
         </p:spPr>
@@ -4940,105 +4363,14 @@
           </a:lstStyle>
           <a:p>
             <a:r>
-              <a:t>为什么选择 TypeScript</a:t>
-            </a:r>
-          </a:p>
-        </p:txBody>
-      </p:sp>
-      <p:sp>
-        <p:nvSpPr>
-          <p:cNvPr id="141" name="文本框 75"/>
-          <p:cNvSpPr txBox="1"/>
-          <p:nvPr/>
-        </p:nvSpPr>
-        <p:spPr>
-          <a:xfrm>
-            <a:off x="3187949" y="5971071"/>
-            <a:ext cx="919538" cy="969519"/>
-          </a:xfrm>
-          <a:prstGeom prst="rect">
-            <a:avLst/>
-          </a:prstGeom>
-          <a:solidFill>
-            <a:srgbClr val="C0504D"/>
-          </a:solidFill>
-          <a:ln w="12700">
-            <a:miter lim="400000"/>
-          </a:ln>
-          <a:extLst>
-            <a:ext uri="{C572A759-6A51-4108-AA02-DFA0A04FC94B}">
-              <ma14:wrappingTextBoxFlag xmlns:ma14="http://schemas.microsoft.com/office/mac/drawingml/2011/main" xmlns="" val="1"/>
-            </a:ext>
-          </a:extLst>
-        </p:spPr>
-        <p:txBody>
-          <a:bodyPr wrap="none" lIns="72009" tIns="72009" rIns="72009" bIns="72009">
-            <a:spAutoFit/>
-          </a:bodyPr>
-          <a:lstStyle>
-            <a:lvl1pPr>
-              <a:defRPr sz="5400">
-                <a:solidFill>
-                  <a:srgbClr val="FFFFFF"/>
-                </a:solidFill>
-                <a:latin typeface="微软雅黑"/>
-                <a:ea typeface="微软雅黑"/>
-                <a:cs typeface="微软雅黑"/>
-                <a:sym typeface="微软雅黑"/>
-              </a:defRPr>
-            </a:lvl1pPr>
-          </a:lstStyle>
-          <a:p>
-            <a:r>
-              <a:t>04</a:t>
-            </a:r>
-          </a:p>
-        </p:txBody>
-      </p:sp>
-      <p:sp>
-        <p:nvSpPr>
-          <p:cNvPr id="142" name="文本框 16"/>
-          <p:cNvSpPr txBox="1"/>
-          <p:nvPr/>
-        </p:nvSpPr>
-        <p:spPr>
-          <a:xfrm>
-            <a:off x="4580506" y="6137061"/>
-            <a:ext cx="6633345" cy="637539"/>
-          </a:xfrm>
-          <a:prstGeom prst="rect">
-            <a:avLst/>
-          </a:prstGeom>
-          <a:ln w="12700">
-            <a:miter lim="400000"/>
-          </a:ln>
-          <a:extLst>
-            <a:ext uri="{C572A759-6A51-4108-AA02-DFA0A04FC94B}">
-              <ma14:wrappingTextBoxFlag xmlns:ma14="http://schemas.microsoft.com/office/mac/drawingml/2011/main" xmlns="" val="1"/>
-            </a:ext>
-          </a:extLst>
-        </p:spPr>
-        <p:txBody>
-          <a:bodyPr lIns="45718" tIns="45718" rIns="45718" bIns="45718">
-            <a:spAutoFit/>
-          </a:bodyPr>
-          <a:lstStyle>
-            <a:lvl1pPr>
-              <a:lnSpc>
-                <a:spcPct val="130000"/>
-              </a:lnSpc>
-              <a:defRPr sz="3600" b="1">
-                <a:latin typeface="微软雅黑"/>
-                <a:ea typeface="微软雅黑"/>
-                <a:cs typeface="微软雅黑"/>
-                <a:sym typeface="微软雅黑"/>
-              </a:defRPr>
-            </a:lvl1pPr>
-          </a:lstStyle>
-          <a:p>
-            <a:r>
-              <a:t>TypeScript + VSCode + Vue</a:t>
-            </a:r>
+              <a:rPr lang="en-US" dirty="0"/>
+              <a:t>Why </a:t>
+            </a:r>
+            <a:r>
+              <a:rPr dirty="0" err="1"/>
+              <a:t>TypeScript</a:t>
+            </a:r>
+            <a:endParaRPr dirty="0"/>
           </a:p>
         </p:txBody>
       </p:sp>
@@ -5098,7 +4430,7 @@
           </a:ln>
           <a:extLst>
             <a:ext uri="{C572A759-6A51-4108-AA02-DFA0A04FC94B}">
-              <ma14:wrappingTextBoxFlag xmlns:ma14="http://schemas.microsoft.com/office/mac/drawingml/2011/main" xmlns="" val="1"/>
+              <ma14:wrappingTextBoxFlag xmlns="" xmlns:ma14="http://schemas.microsoft.com/office/mac/drawingml/2011/main" val="1"/>
             </a:ext>
           </a:extLst>
         </p:spPr>
@@ -5135,7 +4467,7 @@
         <p:spPr>
           <a:xfrm>
             <a:off x="3802372" y="4767579"/>
-            <a:ext cx="6797052" cy="1259839"/>
+            <a:ext cx="6308774" cy="1107992"/>
           </a:xfrm>
           <a:prstGeom prst="rect">
             <a:avLst/>
@@ -5145,7 +4477,7 @@
           </a:ln>
           <a:extLst>
             <a:ext uri="{C572A759-6A51-4108-AA02-DFA0A04FC94B}">
-              <ma14:wrappingTextBoxFlag xmlns:ma14="http://schemas.microsoft.com/office/mac/drawingml/2011/main" xmlns="" val="1"/>
+              <ma14:wrappingTextBoxFlag xmlns="" xmlns:ma14="http://schemas.microsoft.com/office/mac/drawingml/2011/main" val="1"/>
             </a:ext>
           </a:extLst>
         </p:spPr>
@@ -5168,8 +4500,14 @@
           </a:lstStyle>
           <a:p>
             <a:r>
-              <a:t>什么是 TypeScript</a:t>
-            </a:r>
+              <a:rPr lang="zh-Hans" altLang="en-US" dirty="0"/>
+              <a:t>关于 </a:t>
+            </a:r>
+            <a:r>
+              <a:rPr dirty="0" err="1"/>
+              <a:t>TypeScript</a:t>
+            </a:r>
+            <a:endParaRPr dirty="0"/>
           </a:p>
         </p:txBody>
       </p:sp>
@@ -5229,7 +4567,7 @@
           </a:ln>
           <a:extLst>
             <a:ext uri="{C572A759-6A51-4108-AA02-DFA0A04FC94B}">
-              <ma14:wrappingTextBoxFlag xmlns:ma14="http://schemas.microsoft.com/office/mac/drawingml/2011/main" xmlns="" val="1"/>
+              <ma14:wrappingTextBoxFlag xmlns="" xmlns:ma14="http://schemas.microsoft.com/office/mac/drawingml/2011/main" val="1"/>
             </a:ext>
           </a:extLst>
         </p:spPr>
@@ -5370,7 +4708,7 @@
           </a:ln>
           <a:extLst>
             <a:ext uri="{C572A759-6A51-4108-AA02-DFA0A04FC94B}">
-              <ma14:wrappingTextBoxFlag xmlns:ma14="http://schemas.microsoft.com/office/mac/drawingml/2011/main" xmlns="" val="1"/>
+              <ma14:wrappingTextBoxFlag xmlns="" xmlns:ma14="http://schemas.microsoft.com/office/mac/drawingml/2011/main" val="1"/>
             </a:ext>
           </a:extLst>
         </p:spPr>
@@ -5416,7 +4754,7 @@
           </a:ln>
           <a:extLst>
             <a:ext uri="{C572A759-6A51-4108-AA02-DFA0A04FC94B}">
-              <ma14:wrappingTextBoxFlag xmlns:ma14="http://schemas.microsoft.com/office/mac/drawingml/2011/main" xmlns="" val="1"/>
+              <ma14:wrappingTextBoxFlag xmlns="" xmlns:ma14="http://schemas.microsoft.com/office/mac/drawingml/2011/main" val="1"/>
             </a:ext>
           </a:extLst>
         </p:spPr>
@@ -5488,8 +4826,8 @@
         </p:nvSpPr>
         <p:spPr>
           <a:xfrm>
-            <a:off x="689712" y="1205988"/>
-            <a:ext cx="6336761" cy="942337"/>
+            <a:off x="742497" y="1189187"/>
+            <a:ext cx="2833465" cy="830993"/>
           </a:xfrm>
           <a:prstGeom prst="rect">
             <a:avLst/>
@@ -5499,7 +4837,7 @@
           </a:ln>
           <a:extLst>
             <a:ext uri="{C572A759-6A51-4108-AA02-DFA0A04FC94B}">
-              <ma14:wrappingTextBoxFlag xmlns:ma14="http://schemas.microsoft.com/office/mac/drawingml/2011/main" xmlns="" val="1"/>
+              <ma14:wrappingTextBoxFlag xmlns="" xmlns:ma14="http://schemas.microsoft.com/office/mac/drawingml/2011/main" val="1"/>
             </a:ext>
           </a:extLst>
         </p:spPr>
@@ -5514,8 +4852,10 @@
           </a:lstStyle>
           <a:p>
             <a:r>
-              <a:t>对标准 JavaScript 支持</a:t>
-            </a:r>
+              <a:rPr lang="en-US" dirty="0"/>
+              <a:t>ES future </a:t>
+            </a:r>
+            <a:endParaRPr dirty="0"/>
           </a:p>
         </p:txBody>
       </p:sp>
@@ -5538,7 +4878,7 @@
           </a:ln>
           <a:extLst>
             <a:ext uri="{C572A759-6A51-4108-AA02-DFA0A04FC94B}">
-              <ma14:wrappingTextBoxFlag xmlns:ma14="http://schemas.microsoft.com/office/mac/drawingml/2011/main" xmlns="" val="1"/>
+              <ma14:wrappingTextBoxFlag xmlns="" xmlns:ma14="http://schemas.microsoft.com/office/mac/drawingml/2011/main" val="1"/>
             </a:ext>
           </a:extLst>
         </p:spPr>
@@ -5615,7 +4955,7 @@
           </a:ln>
           <a:extLst>
             <a:ext uri="{C572A759-6A51-4108-AA02-DFA0A04FC94B}">
-              <ma14:wrappingTextBoxFlag xmlns:ma14="http://schemas.microsoft.com/office/mac/drawingml/2011/main" xmlns="" val="1"/>
+              <ma14:wrappingTextBoxFlag xmlns="" xmlns:ma14="http://schemas.microsoft.com/office/mac/drawingml/2011/main" val="1"/>
             </a:ext>
           </a:extLst>
         </p:spPr>
@@ -5665,7 +5005,7 @@
           </a:ln>
           <a:extLst>
             <a:ext uri="{C572A759-6A51-4108-AA02-DFA0A04FC94B}">
-              <ma14:wrappingTextBoxFlag xmlns:ma14="http://schemas.microsoft.com/office/mac/drawingml/2011/main" xmlns="" val="1"/>
+              <ma14:wrappingTextBoxFlag xmlns="" xmlns:ma14="http://schemas.microsoft.com/office/mac/drawingml/2011/main" val="1"/>
             </a:ext>
           </a:extLst>
         </p:spPr>
@@ -5744,7 +5084,7 @@
           </a:ln>
           <a:extLst>
             <a:ext uri="{C572A759-6A51-4108-AA02-DFA0A04FC94B}">
-              <ma14:wrappingTextBoxFlag xmlns:ma14="http://schemas.microsoft.com/office/mac/drawingml/2011/main" xmlns="" val="1"/>
+              <ma14:wrappingTextBoxFlag xmlns="" xmlns:ma14="http://schemas.microsoft.com/office/mac/drawingml/2011/main" val="1"/>
             </a:ext>
           </a:extLst>
         </p:spPr>
@@ -5828,7 +5168,7 @@
           </a:ln>
           <a:extLst>
             <a:ext uri="{C572A759-6A51-4108-AA02-DFA0A04FC94B}">
-              <ma14:wrappingTextBoxFlag xmlns:ma14="http://schemas.microsoft.com/office/mac/drawingml/2011/main" xmlns="" val="1"/>
+              <ma14:wrappingTextBoxFlag xmlns="" xmlns:ma14="http://schemas.microsoft.com/office/mac/drawingml/2011/main" val="1"/>
             </a:ext>
           </a:extLst>
         </p:spPr>
@@ -5867,7 +5207,7 @@
           </a:ln>
           <a:extLst>
             <a:ext uri="{C572A759-6A51-4108-AA02-DFA0A04FC94B}">
-              <ma14:wrappingTextBoxFlag xmlns:ma14="http://schemas.microsoft.com/office/mac/drawingml/2011/main" xmlns="" val="1"/>
+              <ma14:wrappingTextBoxFlag xmlns="" xmlns:ma14="http://schemas.microsoft.com/office/mac/drawingml/2011/main" val="1"/>
             </a:ext>
           </a:extLst>
         </p:spPr>
@@ -5909,7 +5249,7 @@
           </a:ln>
           <a:extLst>
             <a:ext uri="{C572A759-6A51-4108-AA02-DFA0A04FC94B}">
-              <ma14:wrappingTextBoxFlag xmlns:ma14="http://schemas.microsoft.com/office/mac/drawingml/2011/main" xmlns="" val="1"/>
+              <ma14:wrappingTextBoxFlag xmlns="" xmlns:ma14="http://schemas.microsoft.com/office/mac/drawingml/2011/main" val="1"/>
             </a:ext>
           </a:extLst>
         </p:spPr>

--- a/ppt/typescript1.pptx
+++ b/ppt/typescript1.pptx
@@ -5,21 +5,27 @@
     <p:sldMasterId id="2147483648" r:id="rId1"/>
   </p:sldMasterIdLst>
   <p:notesMasterIdLst>
-    <p:notesMasterId r:id="rId14"/>
+    <p:notesMasterId r:id="rId20"/>
   </p:notesMasterIdLst>
   <p:sldIdLst>
     <p:sldId id="256" r:id="rId2"/>
     <p:sldId id="257" r:id="rId3"/>
     <p:sldId id="258" r:id="rId4"/>
     <p:sldId id="259" r:id="rId5"/>
-    <p:sldId id="260" r:id="rId6"/>
-    <p:sldId id="261" r:id="rId7"/>
-    <p:sldId id="262" r:id="rId8"/>
-    <p:sldId id="263" r:id="rId9"/>
-    <p:sldId id="264" r:id="rId10"/>
-    <p:sldId id="265" r:id="rId11"/>
-    <p:sldId id="270" r:id="rId12"/>
-    <p:sldId id="274" r:id="rId13"/>
+    <p:sldId id="281" r:id="rId6"/>
+    <p:sldId id="278" r:id="rId7"/>
+    <p:sldId id="282" r:id="rId8"/>
+    <p:sldId id="279" r:id="rId9"/>
+    <p:sldId id="260" r:id="rId10"/>
+    <p:sldId id="284" r:id="rId11"/>
+    <p:sldId id="261" r:id="rId12"/>
+    <p:sldId id="283" r:id="rId13"/>
+    <p:sldId id="262" r:id="rId14"/>
+    <p:sldId id="263" r:id="rId15"/>
+    <p:sldId id="264" r:id="rId16"/>
+    <p:sldId id="265" r:id="rId17"/>
+    <p:sldId id="270" r:id="rId18"/>
+    <p:sldId id="274" r:id="rId19"/>
   </p:sldIdLst>
   <p:sldSz cx="14401800" cy="10795000"/>
   <p:notesSz cx="6858000" cy="9144000"/>
@@ -827,140 +833,6 @@
 
 <file path=ppt/slideLayouts/slideLayout11.xml><?xml version="1.0" encoding="utf-8"?>
 <p:sldLayout xmlns:a="http://schemas.openxmlformats.org/drawingml/2006/main" xmlns:r="http://schemas.openxmlformats.org/officeDocument/2006/relationships" xmlns:p="http://schemas.openxmlformats.org/presentationml/2006/main" type="tx">
-  <p:cSld name="直排標題及文字">
-    <p:spTree>
-      <p:nvGrpSpPr>
-        <p:cNvPr id="1" name=""/>
-        <p:cNvGrpSpPr/>
-        <p:nvPr/>
-      </p:nvGrpSpPr>
-      <p:grpSpPr>
-        <a:xfrm>
-          <a:off x="0" y="0"/>
-          <a:ext cx="0" cy="0"/>
-          <a:chOff x="0" y="0"/>
-          <a:chExt cx="0" cy="0"/>
-        </a:xfrm>
-      </p:grpSpPr>
-      <p:sp>
-        <p:nvSpPr>
-          <p:cNvPr id="102" name="标题文本"/>
-          <p:cNvSpPr txBox="1">
-            <a:spLocks noGrp="1"/>
-          </p:cNvSpPr>
-          <p:nvPr>
-            <p:ph type="title"/>
-          </p:nvPr>
-        </p:nvSpPr>
-        <p:spPr>
-          <a:xfrm>
-            <a:off x="10441305" y="432492"/>
-            <a:ext cx="3240408" cy="9214799"/>
-          </a:xfrm>
-          <a:prstGeom prst="rect">
-            <a:avLst/>
-          </a:prstGeom>
-        </p:spPr>
-        <p:txBody>
-          <a:bodyPr/>
-          <a:lstStyle/>
-          <a:p>
-            <a:r>
-              <a:t>标题文本</a:t>
-            </a:r>
-          </a:p>
-        </p:txBody>
-      </p:sp>
-      <p:sp>
-        <p:nvSpPr>
-          <p:cNvPr id="103" name="正文级别 1…"/>
-          <p:cNvSpPr txBox="1">
-            <a:spLocks noGrp="1"/>
-          </p:cNvSpPr>
-          <p:nvPr>
-            <p:ph type="body" idx="1"/>
-          </p:nvPr>
-        </p:nvSpPr>
-        <p:spPr>
-          <a:xfrm>
-            <a:off x="720090" y="432492"/>
-            <a:ext cx="9481185" cy="9214799"/>
-          </a:xfrm>
-          <a:prstGeom prst="rect">
-            <a:avLst/>
-          </a:prstGeom>
-        </p:spPr>
-        <p:txBody>
-          <a:bodyPr/>
-          <a:lstStyle/>
-          <a:p>
-            <a:r>
-              <a:t>正文级别 1</a:t>
-            </a:r>
-          </a:p>
-          <a:p>
-            <a:pPr lvl="1"/>
-            <a:r>
-              <a:t>正文级别 2</a:t>
-            </a:r>
-          </a:p>
-          <a:p>
-            <a:pPr lvl="2"/>
-            <a:r>
-              <a:t>正文级别 3</a:t>
-            </a:r>
-          </a:p>
-          <a:p>
-            <a:pPr lvl="3"/>
-            <a:r>
-              <a:t>正文级别 4</a:t>
-            </a:r>
-          </a:p>
-          <a:p>
-            <a:pPr lvl="4"/>
-            <a:r>
-              <a:t>正文级别 5</a:t>
-            </a:r>
-          </a:p>
-        </p:txBody>
-      </p:sp>
-      <p:sp>
-        <p:nvSpPr>
-          <p:cNvPr id="104" name="幻灯片编号"/>
-          <p:cNvSpPr txBox="1">
-            <a:spLocks noGrp="1"/>
-          </p:cNvSpPr>
-          <p:nvPr>
-            <p:ph type="sldNum" sz="quarter" idx="2"/>
-          </p:nvPr>
-        </p:nvSpPr>
-        <p:spPr>
-          <a:prstGeom prst="rect">
-            <a:avLst/>
-          </a:prstGeom>
-        </p:spPr>
-        <p:txBody>
-          <a:bodyPr/>
-          <a:lstStyle/>
-          <a:p>
-            <a:fld id="{86CB4B4D-7CA3-9044-876B-883B54F8677D}" type="slidenum">
-              <a:t>‹#›</a:t>
-            </a:fld>
-            <a:endParaRPr/>
-          </a:p>
-        </p:txBody>
-      </p:sp>
-    </p:spTree>
-  </p:cSld>
-  <p:clrMapOvr>
-    <a:masterClrMapping/>
-  </p:clrMapOvr>
-  <p:transition spd="med"/>
-</p:sldLayout>
-</file>
-
-<file path=ppt/slideLayouts/slideLayout12.xml><?xml version="1.0" encoding="utf-8"?>
-<p:sldLayout xmlns:a="http://schemas.openxmlformats.org/drawingml/2006/main" xmlns:r="http://schemas.openxmlformats.org/officeDocument/2006/relationships" xmlns:p="http://schemas.openxmlformats.org/presentationml/2006/main" type="tx">
   <p:cSld name="標題投影片">
     <p:spTree>
       <p:nvGrpSpPr>
@@ -1215,7 +1087,7 @@
 </p:sldLayout>
 </file>
 
-<file path=ppt/slideLayouts/slideLayout13.xml><?xml version="1.0" encoding="utf-8"?>
+<file path=ppt/slideLayouts/slideLayout12.xml><?xml version="1.0" encoding="utf-8"?>
 <p:sldLayout xmlns:a="http://schemas.openxmlformats.org/drawingml/2006/main" xmlns:r="http://schemas.openxmlformats.org/officeDocument/2006/relationships" xmlns:p="http://schemas.openxmlformats.org/presentationml/2006/main" type="tx">
   <p:cSld name="標題及物件">
     <p:spTree>
@@ -2649,7 +2521,7 @@
     <p:bg>
       <p:bgPr>
         <a:blipFill rotWithShape="1">
-          <a:blip r:embed="rId15"/>
+          <a:blip r:embed="rId14"/>
           <a:srcRect/>
           <a:stretch>
             <a:fillRect/>
@@ -2695,7 +2567,7 @@
           </a:ln>
           <a:extLst>
             <a:ext uri="{C572A759-6A51-4108-AA02-DFA0A04FC94B}">
-              <ma14:wrappingTextBoxFlag xmlns="" xmlns:ma14="http://schemas.microsoft.com/office/mac/drawingml/2011/main" val="1"/>
+              <ma14:wrappingTextBoxFlag xmlns:ma14="http://schemas.microsoft.com/office/mac/drawingml/2011/main" xmlns="" val="1"/>
             </a:ext>
           </a:extLst>
         </p:spPr>
@@ -2734,7 +2606,7 @@
           </a:ln>
           <a:extLst>
             <a:ext uri="{C572A759-6A51-4108-AA02-DFA0A04FC94B}">
-              <ma14:wrappingTextBoxFlag xmlns="" xmlns:ma14="http://schemas.microsoft.com/office/mac/drawingml/2011/main" val="1"/>
+              <ma14:wrappingTextBoxFlag xmlns:ma14="http://schemas.microsoft.com/office/mac/drawingml/2011/main" xmlns="" val="1"/>
             </a:ext>
           </a:extLst>
         </p:spPr>
@@ -2835,9 +2707,8 @@
     <p:sldLayoutId id="2147483656" r:id="rId8"/>
     <p:sldLayoutId id="2147483657" r:id="rId9"/>
     <p:sldLayoutId id="2147483658" r:id="rId10"/>
-    <p:sldLayoutId id="2147483659" r:id="rId11"/>
-    <p:sldLayoutId id="2147483660" r:id="rId12"/>
-    <p:sldLayoutId id="2147483661" r:id="rId13"/>
+    <p:sldLayoutId id="2147483660" r:id="rId11"/>
+    <p:sldLayoutId id="2147483661" r:id="rId12"/>
   </p:sldLayoutIdLst>
   <p:transition spd="med"/>
   <p:txStyles>
@@ -3670,7 +3541,7 @@
           </a:ln>
           <a:extLst>
             <a:ext uri="{C572A759-6A51-4108-AA02-DFA0A04FC94B}">
-              <ma14:wrappingTextBoxFlag xmlns="" xmlns:ma14="http://schemas.microsoft.com/office/mac/drawingml/2011/main" val="1"/>
+              <ma14:wrappingTextBoxFlag xmlns:ma14="http://schemas.microsoft.com/office/mac/drawingml/2011/main" xmlns="" val="1"/>
             </a:ext>
           </a:extLst>
         </p:spPr>
@@ -3726,7 +3597,7 @@
           </a:ln>
           <a:extLst>
             <a:ext uri="{C572A759-6A51-4108-AA02-DFA0A04FC94B}">
-              <ma14:wrappingTextBoxFlag xmlns="" xmlns:ma14="http://schemas.microsoft.com/office/mac/drawingml/2011/main" val="1"/>
+              <ma14:wrappingTextBoxFlag xmlns:ma14="http://schemas.microsoft.com/office/mac/drawingml/2011/main" xmlns="" val="1"/>
             </a:ext>
           </a:extLst>
         </p:spPr>
@@ -3789,6 +3660,890 @@
 </file>
 
 <file path=ppt/slides/slide10.xml><?xml version="1.0" encoding="utf-8"?>
+<p:sld xmlns:a="http://schemas.openxmlformats.org/drawingml/2006/main" xmlns:r="http://schemas.openxmlformats.org/officeDocument/2006/relationships" xmlns:p="http://schemas.openxmlformats.org/presentationml/2006/main">
+  <p:cSld>
+    <p:spTree>
+      <p:nvGrpSpPr>
+        <p:cNvPr id="1" name=""/>
+        <p:cNvGrpSpPr/>
+        <p:nvPr/>
+      </p:nvGrpSpPr>
+      <p:grpSpPr>
+        <a:xfrm>
+          <a:off x="0" y="0"/>
+          <a:ext cx="0" cy="0"/>
+          <a:chOff x="0" y="0"/>
+          <a:chExt cx="0" cy="0"/>
+        </a:xfrm>
+      </p:grpSpPr>
+      <p:pic>
+        <p:nvPicPr>
+          <p:cNvPr id="3" name="图片 2">
+            <a:extLst>
+              <a:ext uri="{FF2B5EF4-FFF2-40B4-BE49-F238E27FC236}">
+                <a16:creationId xmlns:a16="http://schemas.microsoft.com/office/drawing/2014/main" id="{02D9E42E-A16F-E446-8E43-8C3259422641}"/>
+              </a:ext>
+            </a:extLst>
+          </p:cNvPr>
+          <p:cNvPicPr>
+            <a:picLocks noChangeAspect="1"/>
+          </p:cNvPicPr>
+          <p:nvPr/>
+        </p:nvPicPr>
+        <p:blipFill>
+          <a:blip r:embed="rId2">
+            <a:extLst>
+              <a:ext uri="{28A0092B-C50C-407E-A947-70E740481C1C}">
+                <a14:useLocalDpi xmlns:a14="http://schemas.microsoft.com/office/drawing/2010/main" val="0"/>
+              </a:ext>
+            </a:extLst>
+          </a:blip>
+          <a:stretch>
+            <a:fillRect/>
+          </a:stretch>
+        </p:blipFill>
+        <p:spPr>
+          <a:xfrm>
+            <a:off x="806450" y="2832100"/>
+            <a:ext cx="12788900" cy="5130800"/>
+          </a:xfrm>
+          <a:prstGeom prst="rect">
+            <a:avLst/>
+          </a:prstGeom>
+        </p:spPr>
+      </p:pic>
+    </p:spTree>
+    <p:extLst>
+      <p:ext uri="{BB962C8B-B14F-4D97-AF65-F5344CB8AC3E}">
+        <p14:creationId xmlns:p14="http://schemas.microsoft.com/office/powerpoint/2010/main" val="2414289556"/>
+      </p:ext>
+    </p:extLst>
+  </p:cSld>
+  <p:clrMapOvr>
+    <a:masterClrMapping/>
+  </p:clrMapOvr>
+  <mc:AlternateContent xmlns:mc="http://schemas.openxmlformats.org/markup-compatibility/2006" xmlns:p14="http://schemas.microsoft.com/office/powerpoint/2010/main">
+    <mc:Choice Requires="p14">
+      <p:transition spd="slow">
+        <p:dissolve/>
+      </p:transition>
+    </mc:Choice>
+    <mc:Fallback xmlns="">
+      <p:transition spd="med">
+        <p:fade/>
+      </p:transition>
+    </mc:Fallback>
+  </mc:AlternateContent>
+</p:sld>
+</file>
+
+<file path=ppt/slides/slide11.xml><?xml version="1.0" encoding="utf-8"?>
+<p:sld xmlns:a="http://schemas.openxmlformats.org/drawingml/2006/main" xmlns:r="http://schemas.openxmlformats.org/officeDocument/2006/relationships" xmlns:p="http://schemas.openxmlformats.org/presentationml/2006/main">
+  <p:cSld>
+    <p:spTree>
+      <p:nvGrpSpPr>
+        <p:cNvPr id="1" name=""/>
+        <p:cNvGrpSpPr/>
+        <p:nvPr/>
+      </p:nvGrpSpPr>
+      <p:grpSpPr>
+        <a:xfrm>
+          <a:off x="0" y="0"/>
+          <a:ext cx="0" cy="0"/>
+          <a:chOff x="0" y="0"/>
+          <a:chExt cx="0" cy="0"/>
+        </a:xfrm>
+      </p:grpSpPr>
+      <p:pic>
+        <p:nvPicPr>
+          <p:cNvPr id="4" name="图片 3">
+            <a:extLst>
+              <a:ext uri="{FF2B5EF4-FFF2-40B4-BE49-F238E27FC236}">
+                <a16:creationId xmlns:a16="http://schemas.microsoft.com/office/drawing/2014/main" id="{5E66D55F-87C6-4446-BC7E-2162DB19AEFB}"/>
+              </a:ext>
+            </a:extLst>
+          </p:cNvPr>
+          <p:cNvPicPr>
+            <a:picLocks noChangeAspect="1"/>
+          </p:cNvPicPr>
+          <p:nvPr/>
+        </p:nvPicPr>
+        <p:blipFill>
+          <a:blip r:embed="rId2">
+            <a:extLst>
+              <a:ext uri="{28A0092B-C50C-407E-A947-70E740481C1C}">
+                <a14:useLocalDpi xmlns:a14="http://schemas.microsoft.com/office/drawing/2010/main" val="0"/>
+              </a:ext>
+            </a:extLst>
+          </a:blip>
+          <a:stretch>
+            <a:fillRect/>
+          </a:stretch>
+        </p:blipFill>
+        <p:spPr>
+          <a:xfrm>
+            <a:off x="3905789" y="676893"/>
+            <a:ext cx="6247614" cy="8414323"/>
+          </a:xfrm>
+          <a:prstGeom prst="rect">
+            <a:avLst/>
+          </a:prstGeom>
+        </p:spPr>
+      </p:pic>
+    </p:spTree>
+  </p:cSld>
+  <p:clrMapOvr>
+    <a:masterClrMapping/>
+  </p:clrMapOvr>
+  <mc:AlternateContent xmlns:mc="http://schemas.openxmlformats.org/markup-compatibility/2006" xmlns:p14="http://schemas.microsoft.com/office/powerpoint/2010/main">
+    <mc:Choice Requires="p14">
+      <p:transition spd="slow">
+        <p:dissolve/>
+      </p:transition>
+    </mc:Choice>
+    <mc:Fallback xmlns="">
+      <p:transition spd="med">
+        <p:fade/>
+      </p:transition>
+    </mc:Fallback>
+  </mc:AlternateContent>
+</p:sld>
+</file>
+
+<file path=ppt/slides/slide12.xml><?xml version="1.0" encoding="utf-8"?>
+<p:sld xmlns:a="http://schemas.openxmlformats.org/drawingml/2006/main" xmlns:r="http://schemas.openxmlformats.org/officeDocument/2006/relationships" xmlns:p="http://schemas.openxmlformats.org/presentationml/2006/main">
+  <p:cSld>
+    <p:spTree>
+      <p:nvGrpSpPr>
+        <p:cNvPr id="1" name=""/>
+        <p:cNvGrpSpPr/>
+        <p:nvPr/>
+      </p:nvGrpSpPr>
+      <p:grpSpPr>
+        <a:xfrm>
+          <a:off x="0" y="0"/>
+          <a:ext cx="0" cy="0"/>
+          <a:chOff x="0" y="0"/>
+          <a:chExt cx="0" cy="0"/>
+        </a:xfrm>
+      </p:grpSpPr>
+      <p:sp>
+        <p:nvSpPr>
+          <p:cNvPr id="151" name="文本框 81"/>
+          <p:cNvSpPr txBox="1"/>
+          <p:nvPr/>
+        </p:nvSpPr>
+        <p:spPr>
+          <a:xfrm>
+            <a:off x="4896090" y="3047999"/>
+            <a:ext cx="5112089" cy="4817619"/>
+          </a:xfrm>
+          <a:prstGeom prst="rect">
+            <a:avLst/>
+          </a:prstGeom>
+          <a:ln w="12700">
+            <a:miter lim="400000"/>
+          </a:ln>
+          <a:extLst>
+            <a:ext uri="{C572A759-6A51-4108-AA02-DFA0A04FC94B}">
+              <ma14:wrappingTextBoxFlag xmlns:ma14="http://schemas.microsoft.com/office/mac/drawingml/2011/main" xmlns="" val="1"/>
+            </a:ext>
+          </a:extLst>
+        </p:spPr>
+        <p:txBody>
+          <a:bodyPr lIns="72009" tIns="72009" rIns="72009" bIns="72009">
+            <a:spAutoFit/>
+          </a:bodyPr>
+          <a:lstStyle/>
+          <a:p>
+            <a:pPr>
+              <a:defRPr sz="30000">
+                <a:solidFill>
+                  <a:srgbClr val="DBEEF4"/>
+                </a:solidFill>
+                <a:latin typeface="Century Gothic"/>
+                <a:ea typeface="Century Gothic"/>
+                <a:cs typeface="Century Gothic"/>
+                <a:sym typeface="Century Gothic"/>
+              </a:defRPr>
+            </a:pPr>
+            <a:r>
+              <a:t>02</a:t>
+            </a:r>
+          </a:p>
+        </p:txBody>
+      </p:sp>
+      <p:sp>
+        <p:nvSpPr>
+          <p:cNvPr id="152" name="Rectangle 18"/>
+          <p:cNvSpPr txBox="1"/>
+          <p:nvPr/>
+        </p:nvSpPr>
+        <p:spPr>
+          <a:xfrm>
+            <a:off x="3092405" y="4680493"/>
+            <a:ext cx="8860110" cy="2263139"/>
+          </a:xfrm>
+          <a:prstGeom prst="rect">
+            <a:avLst/>
+          </a:prstGeom>
+          <a:ln w="12700">
+            <a:miter lim="400000"/>
+          </a:ln>
+          <a:extLst>
+            <a:ext uri="{C572A759-6A51-4108-AA02-DFA0A04FC94B}">
+              <ma14:wrappingTextBoxFlag xmlns:ma14="http://schemas.microsoft.com/office/mac/drawingml/2011/main" xmlns="" val="1"/>
+            </a:ext>
+          </a:extLst>
+        </p:spPr>
+        <p:txBody>
+          <a:bodyPr lIns="45718" tIns="45718" rIns="45718" bIns="45718">
+            <a:spAutoFit/>
+          </a:bodyPr>
+          <a:lstStyle/>
+          <a:p>
+            <a:pPr>
+              <a:defRPr sz="6600">
+                <a:solidFill>
+                  <a:srgbClr val="262626"/>
+                </a:solidFill>
+                <a:latin typeface="Microsoft YaHei"/>
+                <a:ea typeface="Microsoft YaHei"/>
+                <a:cs typeface="Microsoft YaHei"/>
+                <a:sym typeface="Microsoft YaHei"/>
+              </a:defRPr>
+            </a:pPr>
+            <a:r>
+              <a:t>为什么选择 TypeScript </a:t>
+            </a:r>
+          </a:p>
+        </p:txBody>
+      </p:sp>
+    </p:spTree>
+    <p:extLst>
+      <p:ext uri="{BB962C8B-B14F-4D97-AF65-F5344CB8AC3E}">
+        <p14:creationId xmlns:p14="http://schemas.microsoft.com/office/powerpoint/2010/main" val="2225459466"/>
+      </p:ext>
+    </p:extLst>
+  </p:cSld>
+  <p:clrMapOvr>
+    <a:masterClrMapping/>
+  </p:clrMapOvr>
+  <mc:AlternateContent xmlns:mc="http://schemas.openxmlformats.org/markup-compatibility/2006" xmlns:p14="http://schemas.microsoft.com/office/powerpoint/2010/main">
+    <mc:Choice Requires="p14">
+      <p:transition spd="slow">
+        <p:dissolve/>
+      </p:transition>
+    </mc:Choice>
+    <mc:Fallback xmlns="">
+      <p:transition spd="med">
+        <p:fade/>
+      </p:transition>
+    </mc:Fallback>
+  </mc:AlternateContent>
+</p:sld>
+</file>
+
+<file path=ppt/slides/slide13.xml><?xml version="1.0" encoding="utf-8"?>
+<p:sld xmlns:a="http://schemas.openxmlformats.org/drawingml/2006/main" xmlns:r="http://schemas.openxmlformats.org/officeDocument/2006/relationships" xmlns:p="http://schemas.openxmlformats.org/presentationml/2006/main">
+  <p:cSld>
+    <p:spTree>
+      <p:nvGrpSpPr>
+        <p:cNvPr id="1" name=""/>
+        <p:cNvGrpSpPr/>
+        <p:nvPr/>
+      </p:nvGrpSpPr>
+      <p:grpSpPr>
+        <a:xfrm>
+          <a:off x="0" y="0"/>
+          <a:ext cx="0" cy="0"/>
+          <a:chOff x="0" y="0"/>
+          <a:chExt cx="0" cy="0"/>
+        </a:xfrm>
+      </p:grpSpPr>
+      <p:sp>
+        <p:nvSpPr>
+          <p:cNvPr id="154" name="对标准 JavaScript 支持"/>
+          <p:cNvSpPr txBox="1"/>
+          <p:nvPr/>
+        </p:nvSpPr>
+        <p:spPr>
+          <a:xfrm>
+            <a:off x="742497" y="1189187"/>
+            <a:ext cx="2833465" cy="830993"/>
+          </a:xfrm>
+          <a:prstGeom prst="rect">
+            <a:avLst/>
+          </a:prstGeom>
+          <a:ln w="12700">
+            <a:miter lim="400000"/>
+          </a:ln>
+          <a:extLst>
+            <a:ext uri="{C572A759-6A51-4108-AA02-DFA0A04FC94B}">
+              <ma14:wrappingTextBoxFlag xmlns:ma14="http://schemas.microsoft.com/office/mac/drawingml/2011/main" xmlns="" val="1"/>
+            </a:ext>
+          </a:extLst>
+        </p:spPr>
+        <p:txBody>
+          <a:bodyPr wrap="none" lIns="45718" tIns="45718" rIns="45718" bIns="45718">
+            <a:spAutoFit/>
+          </a:bodyPr>
+          <a:lstStyle>
+            <a:lvl1pPr algn="ctr">
+              <a:defRPr sz="4800"/>
+            </a:lvl1pPr>
+          </a:lstStyle>
+          <a:p>
+            <a:r>
+              <a:rPr lang="en-US" dirty="0"/>
+              <a:t>ES future </a:t>
+            </a:r>
+            <a:endParaRPr dirty="0"/>
+          </a:p>
+        </p:txBody>
+      </p:sp>
+      <p:sp>
+        <p:nvSpPr>
+          <p:cNvPr id="155" name="任何你在 ECMA stage 3 之后写的 JS 代码都是可行的 TS 代码"/>
+          <p:cNvSpPr txBox="1"/>
+          <p:nvPr/>
+        </p:nvSpPr>
+        <p:spPr>
+          <a:xfrm>
+            <a:off x="882197" y="3005240"/>
+            <a:ext cx="13383643" cy="1361437"/>
+          </a:xfrm>
+          <a:prstGeom prst="rect">
+            <a:avLst/>
+          </a:prstGeom>
+          <a:ln w="12700">
+            <a:miter lim="400000"/>
+          </a:ln>
+          <a:extLst>
+            <a:ext uri="{C572A759-6A51-4108-AA02-DFA0A04FC94B}">
+              <ma14:wrappingTextBoxFlag xmlns:ma14="http://schemas.microsoft.com/office/mac/drawingml/2011/main" xmlns="" val="1"/>
+            </a:ext>
+          </a:extLst>
+        </p:spPr>
+        <p:txBody>
+          <a:bodyPr lIns="45718" tIns="45718" rIns="45718" bIns="45718">
+            <a:spAutoFit/>
+          </a:bodyPr>
+          <a:lstStyle/>
+          <a:p>
+            <a:pPr marL="571500" indent="-571500">
+              <a:buSzPct val="100000"/>
+              <a:buFont typeface="Arial"/>
+              <a:buChar char="•"/>
+              <a:defRPr sz="3600"/>
+            </a:pPr>
+            <a:r>
+              <a:rPr dirty="0" err="1"/>
+              <a:t>任何你在</a:t>
+            </a:r>
+            <a:r>
+              <a:rPr dirty="0">
+                <a:latin typeface="Trebuchet MS"/>
+                <a:ea typeface="Trebuchet MS"/>
+                <a:cs typeface="Trebuchet MS"/>
+                <a:sym typeface="Trebuchet MS"/>
+              </a:rPr>
+              <a:t> ECMA stage 3 </a:t>
+            </a:r>
+            <a:r>
+              <a:rPr dirty="0" err="1"/>
+              <a:t>之后写的</a:t>
+            </a:r>
+            <a:r>
+              <a:rPr dirty="0">
+                <a:latin typeface="Trebuchet MS"/>
+                <a:ea typeface="Trebuchet MS"/>
+                <a:cs typeface="Trebuchet MS"/>
+                <a:sym typeface="Trebuchet MS"/>
+              </a:rPr>
+              <a:t> </a:t>
+            </a:r>
+            <a:r>
+              <a:rPr dirty="0" err="1">
+                <a:latin typeface="Trebuchet MS"/>
+                <a:ea typeface="Trebuchet MS"/>
+                <a:cs typeface="Trebuchet MS"/>
+                <a:sym typeface="Trebuchet MS"/>
+              </a:rPr>
+              <a:t>JavaSript</a:t>
+            </a:r>
+            <a:r>
+              <a:rPr dirty="0">
+                <a:latin typeface="Trebuchet MS"/>
+                <a:ea typeface="Trebuchet MS"/>
+                <a:cs typeface="Trebuchet MS"/>
+                <a:sym typeface="Trebuchet MS"/>
+              </a:rPr>
+              <a:t> </a:t>
+            </a:r>
+            <a:r>
+              <a:rPr dirty="0" err="1"/>
+              <a:t>代码都是可行的</a:t>
+            </a:r>
+            <a:r>
+              <a:rPr dirty="0">
+                <a:latin typeface="Trebuchet MS"/>
+                <a:ea typeface="Trebuchet MS"/>
+                <a:cs typeface="Trebuchet MS"/>
+                <a:sym typeface="Trebuchet MS"/>
+              </a:rPr>
+              <a:t> </a:t>
+            </a:r>
+            <a:r>
+              <a:rPr dirty="0" err="1">
+                <a:latin typeface="Trebuchet MS"/>
+                <a:ea typeface="Trebuchet MS"/>
+                <a:cs typeface="Trebuchet MS"/>
+                <a:sym typeface="Trebuchet MS"/>
+              </a:rPr>
+              <a:t>TypeScript</a:t>
+            </a:r>
+            <a:r>
+              <a:rPr dirty="0">
+                <a:latin typeface="Trebuchet MS"/>
+                <a:ea typeface="Trebuchet MS"/>
+                <a:cs typeface="Trebuchet MS"/>
+                <a:sym typeface="Trebuchet MS"/>
+              </a:rPr>
+              <a:t> </a:t>
+            </a:r>
+            <a:r>
+              <a:rPr dirty="0" err="1"/>
+              <a:t>代码</a:t>
+            </a:r>
+            <a:endParaRPr dirty="0"/>
+          </a:p>
+        </p:txBody>
+      </p:sp>
+      <p:sp>
+        <p:nvSpPr>
+          <p:cNvPr id="156" name="VS Babel"/>
+          <p:cNvSpPr txBox="1"/>
+          <p:nvPr/>
+        </p:nvSpPr>
+        <p:spPr>
+          <a:xfrm>
+            <a:off x="742497" y="5223590"/>
+            <a:ext cx="5243584" cy="624837"/>
+          </a:xfrm>
+          <a:prstGeom prst="rect">
+            <a:avLst/>
+          </a:prstGeom>
+          <a:ln w="12700">
+            <a:miter lim="400000"/>
+          </a:ln>
+          <a:extLst>
+            <a:ext uri="{C572A759-6A51-4108-AA02-DFA0A04FC94B}">
+              <ma14:wrappingTextBoxFlag xmlns:ma14="http://schemas.microsoft.com/office/mac/drawingml/2011/main" xmlns="" val="1"/>
+            </a:ext>
+          </a:extLst>
+        </p:spPr>
+        <p:txBody>
+          <a:bodyPr lIns="45718" tIns="45718" rIns="45718" bIns="45718">
+            <a:spAutoFit/>
+          </a:bodyPr>
+          <a:lstStyle/>
+          <a:p>
+            <a:pPr marL="457200" indent="-457200">
+              <a:buSzPct val="100000"/>
+              <a:buFont typeface="Arial"/>
+              <a:buChar char="•"/>
+              <a:defRPr sz="3200">
+                <a:latin typeface="Trebuchet MS"/>
+                <a:ea typeface="Trebuchet MS"/>
+                <a:cs typeface="Trebuchet MS"/>
+                <a:sym typeface="Trebuchet MS"/>
+              </a:defRPr>
+            </a:pPr>
+            <a:r>
+              <a:rPr dirty="0"/>
+              <a:t>  VS </a:t>
+            </a:r>
+            <a:r>
+              <a:rPr sz="3600" dirty="0"/>
+              <a:t>Babel</a:t>
+            </a:r>
+          </a:p>
+        </p:txBody>
+      </p:sp>
+      <p:sp>
+        <p:nvSpPr>
+          <p:cNvPr id="157" name="Babel 为 ES6 而生，现在也只是个 preset 而已，扩展强，功能多"/>
+          <p:cNvSpPr txBox="1"/>
+          <p:nvPr/>
+        </p:nvSpPr>
+        <p:spPr>
+          <a:xfrm>
+            <a:off x="1624346" y="6217237"/>
+            <a:ext cx="12483542" cy="662937"/>
+          </a:xfrm>
+          <a:prstGeom prst="rect">
+            <a:avLst/>
+          </a:prstGeom>
+          <a:ln w="12700">
+            <a:miter lim="400000"/>
+          </a:ln>
+          <a:extLst>
+            <a:ext uri="{C572A759-6A51-4108-AA02-DFA0A04FC94B}">
+              <ma14:wrappingTextBoxFlag xmlns:ma14="http://schemas.microsoft.com/office/mac/drawingml/2011/main" xmlns="" val="1"/>
+            </a:ext>
+          </a:extLst>
+        </p:spPr>
+        <p:txBody>
+          <a:bodyPr lIns="45718" tIns="45718" rIns="45718" bIns="45718">
+            <a:spAutoFit/>
+          </a:bodyPr>
+          <a:lstStyle/>
+          <a:p>
+            <a:pPr marL="457200" indent="-457200">
+              <a:buSzPct val="100000"/>
+              <a:buFont typeface="Arial"/>
+              <a:buChar char="•"/>
+              <a:defRPr sz="3200">
+                <a:latin typeface="Trebuchet MS"/>
+                <a:ea typeface="Trebuchet MS"/>
+                <a:cs typeface="Trebuchet MS"/>
+                <a:sym typeface="Trebuchet MS"/>
+              </a:defRPr>
+            </a:pPr>
+            <a:r>
+              <a:t>Babel</a:t>
+            </a:r>
+            <a:r>
+              <a:rPr>
+                <a:latin typeface="+mn-lt"/>
+                <a:ea typeface="+mn-ea"/>
+                <a:cs typeface="+mn-cs"/>
+                <a:sym typeface="Helvetica"/>
+              </a:rPr>
+              <a:t> 为 </a:t>
+            </a:r>
+            <a:r>
+              <a:t>ES6 </a:t>
+            </a:r>
+            <a:r>
+              <a:rPr>
+                <a:latin typeface="+mn-lt"/>
+                <a:ea typeface="+mn-ea"/>
+                <a:cs typeface="+mn-cs"/>
+                <a:sym typeface="Helvetica"/>
+              </a:rPr>
+              <a:t>而生，现在也只是个 </a:t>
+            </a:r>
+            <a:r>
+              <a:t>preset</a:t>
+            </a:r>
+            <a:r>
+              <a:rPr>
+                <a:latin typeface="+mn-lt"/>
+                <a:ea typeface="+mn-ea"/>
+                <a:cs typeface="+mn-cs"/>
+                <a:sym typeface="Helvetica"/>
+              </a:rPr>
+              <a:t> 而已，扩展强，功能多</a:t>
+            </a:r>
+          </a:p>
+        </p:txBody>
+      </p:sp>
+      <p:sp>
+        <p:nvSpPr>
+          <p:cNvPr id="158" name="TypeScript lib =&gt; tsc + tsserver"/>
+          <p:cNvSpPr txBox="1"/>
+          <p:nvPr/>
+        </p:nvSpPr>
+        <p:spPr>
+          <a:xfrm>
+            <a:off x="1625600" y="7248983"/>
+            <a:ext cx="8598449" cy="561337"/>
+          </a:xfrm>
+          <a:prstGeom prst="rect">
+            <a:avLst/>
+          </a:prstGeom>
+          <a:ln w="12700">
+            <a:miter lim="400000"/>
+          </a:ln>
+          <a:extLst>
+            <a:ext uri="{C572A759-6A51-4108-AA02-DFA0A04FC94B}">
+              <ma14:wrappingTextBoxFlag xmlns:ma14="http://schemas.microsoft.com/office/mac/drawingml/2011/main" xmlns="" val="1"/>
+            </a:ext>
+          </a:extLst>
+        </p:spPr>
+        <p:txBody>
+          <a:bodyPr lIns="45718" tIns="45718" rIns="45718" bIns="45718">
+            <a:spAutoFit/>
+          </a:bodyPr>
+          <a:lstStyle>
+            <a:lvl1pPr marL="457200" indent="-457200">
+              <a:buSzPct val="100000"/>
+              <a:buFont typeface="Arial"/>
+              <a:buChar char="•"/>
+              <a:defRPr sz="3200">
+                <a:latin typeface="Trebuchet MS"/>
+                <a:ea typeface="Trebuchet MS"/>
+                <a:cs typeface="Trebuchet MS"/>
+                <a:sym typeface="Trebuchet MS"/>
+              </a:defRPr>
+            </a:lvl1pPr>
+          </a:lstStyle>
+          <a:p>
+            <a:r>
+              <a:t>TypeScript lib =&gt; tsc + tsserver  </a:t>
+            </a:r>
+          </a:p>
+        </p:txBody>
+      </p:sp>
+    </p:spTree>
+  </p:cSld>
+  <p:clrMapOvr>
+    <a:masterClrMapping/>
+  </p:clrMapOvr>
+  <mc:AlternateContent xmlns:mc="http://schemas.openxmlformats.org/markup-compatibility/2006" xmlns:p14="http://schemas.microsoft.com/office/powerpoint/2010/main">
+    <mc:Choice Requires="p14">
+      <p:transition spd="slow">
+        <p:dissolve/>
+      </p:transition>
+    </mc:Choice>
+    <mc:Fallback xmlns="">
+      <p:transition spd="med">
+        <p:fade/>
+      </p:transition>
+    </mc:Fallback>
+  </mc:AlternateContent>
+</p:sld>
+</file>
+
+<file path=ppt/slides/slide14.xml><?xml version="1.0" encoding="utf-8"?>
+<p:sld xmlns:a="http://schemas.openxmlformats.org/drawingml/2006/main" xmlns:r="http://schemas.openxmlformats.org/officeDocument/2006/relationships" xmlns:p="http://schemas.openxmlformats.org/presentationml/2006/main">
+  <p:cSld>
+    <p:spTree>
+      <p:nvGrpSpPr>
+        <p:cNvPr id="1" name=""/>
+        <p:cNvGrpSpPr/>
+        <p:nvPr/>
+      </p:nvGrpSpPr>
+      <p:grpSpPr>
+        <a:xfrm>
+          <a:off x="0" y="0"/>
+          <a:ext cx="0" cy="0"/>
+          <a:chOff x="0" y="0"/>
+          <a:chExt cx="0" cy="0"/>
+        </a:xfrm>
+      </p:grpSpPr>
+      <p:sp>
+        <p:nvSpPr>
+          <p:cNvPr id="160" name="静态类型检查"/>
+          <p:cNvSpPr txBox="1"/>
+          <p:nvPr/>
+        </p:nvSpPr>
+        <p:spPr>
+          <a:xfrm>
+            <a:off x="1333500" y="1371599"/>
+            <a:ext cx="4608513" cy="942337"/>
+          </a:xfrm>
+          <a:prstGeom prst="rect">
+            <a:avLst/>
+          </a:prstGeom>
+          <a:ln w="12700">
+            <a:miter lim="400000"/>
+          </a:ln>
+          <a:extLst>
+            <a:ext uri="{C572A759-6A51-4108-AA02-DFA0A04FC94B}">
+              <ma14:wrappingTextBoxFlag xmlns:ma14="http://schemas.microsoft.com/office/mac/drawingml/2011/main" xmlns="" val="1"/>
+            </a:ext>
+          </a:extLst>
+        </p:spPr>
+        <p:txBody>
+          <a:bodyPr lIns="45718" tIns="45718" rIns="45718" bIns="45718">
+            <a:spAutoFit/>
+          </a:bodyPr>
+          <a:lstStyle>
+            <a:lvl1pPr>
+              <a:defRPr sz="4800"/>
+            </a:lvl1pPr>
+          </a:lstStyle>
+          <a:p>
+            <a:r>
+              <a:t>静态类型检查</a:t>
+            </a:r>
+          </a:p>
+        </p:txBody>
+      </p:sp>
+      <p:sp>
+        <p:nvSpPr>
+          <p:cNvPr id="161" name="Early fail"/>
+          <p:cNvSpPr txBox="1"/>
+          <p:nvPr/>
+        </p:nvSpPr>
+        <p:spPr>
+          <a:xfrm>
+            <a:off x="2159471" y="3263800"/>
+            <a:ext cx="5580661" cy="701037"/>
+          </a:xfrm>
+          <a:prstGeom prst="rect">
+            <a:avLst/>
+          </a:prstGeom>
+          <a:ln w="12700">
+            <a:miter lim="400000"/>
+          </a:ln>
+          <a:extLst>
+            <a:ext uri="{C572A759-6A51-4108-AA02-DFA0A04FC94B}">
+              <ma14:wrappingTextBoxFlag xmlns:ma14="http://schemas.microsoft.com/office/mac/drawingml/2011/main" xmlns="" val="1"/>
+            </a:ext>
+          </a:extLst>
+        </p:spPr>
+        <p:txBody>
+          <a:bodyPr lIns="45718" tIns="45718" rIns="45718" bIns="45718">
+            <a:spAutoFit/>
+          </a:bodyPr>
+          <a:lstStyle>
+            <a:lvl1pPr marL="431999" indent="-431999">
+              <a:buSzPct val="100000"/>
+              <a:buFont typeface="Arial"/>
+              <a:buChar char="•"/>
+              <a:defRPr sz="4000"/>
+            </a:lvl1pPr>
+          </a:lstStyle>
+          <a:p>
+            <a:r>
+              <a:t>Early fail</a:t>
+            </a:r>
+          </a:p>
+        </p:txBody>
+      </p:sp>
+      <p:sp>
+        <p:nvSpPr>
+          <p:cNvPr id="162" name="Make code more readable"/>
+          <p:cNvSpPr txBox="1"/>
+          <p:nvPr/>
+        </p:nvSpPr>
+        <p:spPr>
+          <a:xfrm>
+            <a:off x="2159470" y="4368700"/>
+            <a:ext cx="8495263" cy="701037"/>
+          </a:xfrm>
+          <a:prstGeom prst="rect">
+            <a:avLst/>
+          </a:prstGeom>
+          <a:ln w="12700">
+            <a:miter lim="400000"/>
+          </a:ln>
+          <a:extLst>
+            <a:ext uri="{C572A759-6A51-4108-AA02-DFA0A04FC94B}">
+              <ma14:wrappingTextBoxFlag xmlns:ma14="http://schemas.microsoft.com/office/mac/drawingml/2011/main" xmlns="" val="1"/>
+            </a:ext>
+          </a:extLst>
+        </p:spPr>
+        <p:txBody>
+          <a:bodyPr lIns="45718" tIns="45718" rIns="45718" bIns="45718">
+            <a:spAutoFit/>
+          </a:bodyPr>
+          <a:lstStyle>
+            <a:lvl1pPr marL="431999" indent="-431999">
+              <a:buSzPct val="100000"/>
+              <a:buFont typeface="Arial"/>
+              <a:buChar char="•"/>
+              <a:defRPr sz="4000"/>
+            </a:lvl1pPr>
+          </a:lstStyle>
+          <a:p>
+            <a:r>
+              <a:t>Make code more readable</a:t>
+            </a:r>
+          </a:p>
+        </p:txBody>
+      </p:sp>
+    </p:spTree>
+  </p:cSld>
+  <p:clrMapOvr>
+    <a:masterClrMapping/>
+  </p:clrMapOvr>
+  <mc:AlternateContent xmlns:mc="http://schemas.openxmlformats.org/markup-compatibility/2006" xmlns:p14="http://schemas.microsoft.com/office/powerpoint/2010/main">
+    <mc:Choice Requires="p14">
+      <p:transition spd="slow">
+        <p:dissolve/>
+      </p:transition>
+    </mc:Choice>
+    <mc:Fallback xmlns="">
+      <p:transition spd="med">
+        <p:fade/>
+      </p:transition>
+    </mc:Fallback>
+  </mc:AlternateContent>
+</p:sld>
+</file>
+
+<file path=ppt/slides/slide15.xml><?xml version="1.0" encoding="utf-8"?>
+<p:sld xmlns:a="http://schemas.openxmlformats.org/drawingml/2006/main" xmlns:r="http://schemas.openxmlformats.org/officeDocument/2006/relationships" xmlns:p="http://schemas.openxmlformats.org/presentationml/2006/main">
+  <p:cSld>
+    <p:spTree>
+      <p:nvGrpSpPr>
+        <p:cNvPr id="1" name=""/>
+        <p:cNvGrpSpPr/>
+        <p:nvPr/>
+      </p:nvGrpSpPr>
+      <p:grpSpPr>
+        <a:xfrm>
+          <a:off x="0" y="0"/>
+          <a:ext cx="0" cy="0"/>
+          <a:chOff x="0" y="0"/>
+          <a:chExt cx="0" cy="0"/>
+        </a:xfrm>
+      </p:grpSpPr>
+      <p:pic>
+        <p:nvPicPr>
+          <p:cNvPr id="164" name="1001520651588_.pic_hd.jpg" descr="1001520651588_.pic_hd.jpg"/>
+          <p:cNvPicPr>
+            <a:picLocks noChangeAspect="1"/>
+          </p:cNvPicPr>
+          <p:nvPr/>
+        </p:nvPicPr>
+        <p:blipFill>
+          <a:blip r:embed="rId2">
+            <a:extLst/>
+          </a:blip>
+          <a:stretch>
+            <a:fillRect/>
+          </a:stretch>
+        </p:blipFill>
+        <p:spPr>
+          <a:xfrm>
+            <a:off x="2289836" y="838140"/>
+            <a:ext cx="9822130" cy="8463751"/>
+          </a:xfrm>
+          <a:prstGeom prst="rect">
+            <a:avLst/>
+          </a:prstGeom>
+          <a:ln w="12700">
+            <a:miter lim="400000"/>
+          </a:ln>
+        </p:spPr>
+      </p:pic>
+    </p:spTree>
+  </p:cSld>
+  <p:clrMapOvr>
+    <a:masterClrMapping/>
+  </p:clrMapOvr>
+  <mc:AlternateContent xmlns:mc="http://schemas.openxmlformats.org/markup-compatibility/2006" xmlns:p14="http://schemas.microsoft.com/office/powerpoint/2010/main">
+    <mc:Choice Requires="p14">
+      <p:transition spd="slow">
+        <p:dissolve/>
+      </p:transition>
+    </mc:Choice>
+    <mc:Fallback xmlns="">
+      <p:transition spd="med">
+        <p:fade/>
+      </p:transition>
+    </mc:Fallback>
+  </mc:AlternateContent>
+</p:sld>
+</file>
+
+<file path=ppt/slides/slide16.xml><?xml version="1.0" encoding="utf-8"?>
 <p:sld xmlns:a="http://schemas.openxmlformats.org/drawingml/2006/main" xmlns:r="http://schemas.openxmlformats.org/officeDocument/2006/relationships" xmlns:p="http://schemas.openxmlformats.org/presentationml/2006/main">
   <p:cSld>
     <p:spTree>
@@ -3824,7 +4579,7 @@
           </a:ln>
           <a:extLst>
             <a:ext uri="{C572A759-6A51-4108-AA02-DFA0A04FC94B}">
-              <ma14:wrappingTextBoxFlag xmlns="" xmlns:ma14="http://schemas.microsoft.com/office/mac/drawingml/2011/main" val="1"/>
+              <ma14:wrappingTextBoxFlag xmlns:ma14="http://schemas.microsoft.com/office/mac/drawingml/2011/main" xmlns="" val="1"/>
             </a:ext>
           </a:extLst>
         </p:spPr>
@@ -3898,7 +4653,7 @@
 </p:sld>
 </file>
 
-<file path=ppt/slides/slide11.xml><?xml version="1.0" encoding="utf-8"?>
+<file path=ppt/slides/slide17.xml><?xml version="1.0" encoding="utf-8"?>
 <p:sld xmlns:a="http://schemas.openxmlformats.org/drawingml/2006/main" xmlns:r="http://schemas.openxmlformats.org/officeDocument/2006/relationships" xmlns:p="http://schemas.openxmlformats.org/presentationml/2006/main">
   <p:cSld>
     <p:spTree>
@@ -3934,7 +4689,7 @@
           </a:ln>
           <a:extLst>
             <a:ext uri="{C572A759-6A51-4108-AA02-DFA0A04FC94B}">
-              <ma14:wrappingTextBoxFlag xmlns="" xmlns:ma14="http://schemas.microsoft.com/office/mac/drawingml/2011/main" val="1"/>
+              <ma14:wrappingTextBoxFlag xmlns:ma14="http://schemas.microsoft.com/office/mac/drawingml/2011/main" xmlns="" val="1"/>
             </a:ext>
           </a:extLst>
         </p:spPr>
@@ -3974,7 +4729,7 @@
 </p:sld>
 </file>
 
-<file path=ppt/slides/slide12.xml><?xml version="1.0" encoding="utf-8"?>
+<file path=ppt/slides/slide18.xml><?xml version="1.0" encoding="utf-8"?>
 <p:sld xmlns:a="http://schemas.openxmlformats.org/drawingml/2006/main" xmlns:r="http://schemas.openxmlformats.org/officeDocument/2006/relationships" xmlns:p="http://schemas.openxmlformats.org/presentationml/2006/main">
   <p:cSld>
     <p:spTree>
@@ -4010,7 +4765,7 @@
           </a:ln>
           <a:extLst>
             <a:ext uri="{C572A759-6A51-4108-AA02-DFA0A04FC94B}">
-              <ma14:wrappingTextBoxFlag xmlns="" xmlns:ma14="http://schemas.microsoft.com/office/mac/drawingml/2011/main" val="1"/>
+              <ma14:wrappingTextBoxFlag xmlns:ma14="http://schemas.microsoft.com/office/mac/drawingml/2011/main" xmlns="" val="1"/>
             </a:ext>
           </a:extLst>
         </p:spPr>
@@ -4083,7 +4838,7 @@
           </a:ln>
           <a:extLst>
             <a:ext uri="{C572A759-6A51-4108-AA02-DFA0A04FC94B}">
-              <ma14:wrappingTextBoxFlag xmlns="" xmlns:ma14="http://schemas.microsoft.com/office/mac/drawingml/2011/main" val="1"/>
+              <ma14:wrappingTextBoxFlag xmlns:ma14="http://schemas.microsoft.com/office/mac/drawingml/2011/main" xmlns="" val="1"/>
             </a:ext>
           </a:extLst>
         </p:spPr>
@@ -4133,7 +4888,7 @@
           </a:ln>
           <a:extLst>
             <a:ext uri="{C572A759-6A51-4108-AA02-DFA0A04FC94B}">
-              <ma14:wrappingTextBoxFlag xmlns="" xmlns:ma14="http://schemas.microsoft.com/office/mac/drawingml/2011/main" val="1"/>
+              <ma14:wrappingTextBoxFlag xmlns:ma14="http://schemas.microsoft.com/office/mac/drawingml/2011/main" xmlns="" val="1"/>
             </a:ext>
           </a:extLst>
         </p:spPr>
@@ -4183,7 +4938,7 @@
           </a:ln>
           <a:extLst>
             <a:ext uri="{C572A759-6A51-4108-AA02-DFA0A04FC94B}">
-              <ma14:wrappingTextBoxFlag xmlns="" xmlns:ma14="http://schemas.microsoft.com/office/mac/drawingml/2011/main" val="1"/>
+              <ma14:wrappingTextBoxFlag xmlns:ma14="http://schemas.microsoft.com/office/mac/drawingml/2011/main" xmlns="" val="1"/>
             </a:ext>
           </a:extLst>
         </p:spPr>
@@ -4230,7 +4985,7 @@
           </a:ln>
           <a:extLst>
             <a:ext uri="{C572A759-6A51-4108-AA02-DFA0A04FC94B}">
-              <ma14:wrappingTextBoxFlag xmlns="" xmlns:ma14="http://schemas.microsoft.com/office/mac/drawingml/2011/main" val="1"/>
+              <ma14:wrappingTextBoxFlag xmlns:ma14="http://schemas.microsoft.com/office/mac/drawingml/2011/main" xmlns="" val="1"/>
             </a:ext>
           </a:extLst>
         </p:spPr>
@@ -4283,7 +5038,7 @@
           </a:ln>
           <a:extLst>
             <a:ext uri="{C572A759-6A51-4108-AA02-DFA0A04FC94B}">
-              <ma14:wrappingTextBoxFlag xmlns="" xmlns:ma14="http://schemas.microsoft.com/office/mac/drawingml/2011/main" val="1"/>
+              <ma14:wrappingTextBoxFlag xmlns:ma14="http://schemas.microsoft.com/office/mac/drawingml/2011/main" xmlns="" val="1"/>
             </a:ext>
           </a:extLst>
         </p:spPr>
@@ -4340,7 +5095,7 @@
           </a:ln>
           <a:extLst>
             <a:ext uri="{C572A759-6A51-4108-AA02-DFA0A04FC94B}">
-              <ma14:wrappingTextBoxFlag xmlns="" xmlns:ma14="http://schemas.microsoft.com/office/mac/drawingml/2011/main" val="1"/>
+              <ma14:wrappingTextBoxFlag xmlns:ma14="http://schemas.microsoft.com/office/mac/drawingml/2011/main" xmlns="" val="1"/>
             </a:ext>
           </a:extLst>
         </p:spPr>
@@ -4430,7 +5185,7 @@
           </a:ln>
           <a:extLst>
             <a:ext uri="{C572A759-6A51-4108-AA02-DFA0A04FC94B}">
-              <ma14:wrappingTextBoxFlag xmlns="" xmlns:ma14="http://schemas.microsoft.com/office/mac/drawingml/2011/main" val="1"/>
+              <ma14:wrappingTextBoxFlag xmlns:ma14="http://schemas.microsoft.com/office/mac/drawingml/2011/main" xmlns="" val="1"/>
             </a:ext>
           </a:extLst>
         </p:spPr>
@@ -4477,7 +5232,7 @@
           </a:ln>
           <a:extLst>
             <a:ext uri="{C572A759-6A51-4108-AA02-DFA0A04FC94B}">
-              <ma14:wrappingTextBoxFlag xmlns="" xmlns:ma14="http://schemas.microsoft.com/office/mac/drawingml/2011/main" val="1"/>
+              <ma14:wrappingTextBoxFlag xmlns:ma14="http://schemas.microsoft.com/office/mac/drawingml/2011/main" xmlns="" val="1"/>
             </a:ext>
           </a:extLst>
         </p:spPr>
@@ -4550,14 +5305,20 @@
       </p:grpSpPr>
       <p:sp>
         <p:nvSpPr>
-          <p:cNvPr id="147" name="A statically typed superset of JavaScript that compiles to plain JavaScript"/>
+          <p:cNvPr id="5" name="A statically typed superset of JavaScript that compiles to plain JavaScript">
+            <a:extLst>
+              <a:ext uri="{FF2B5EF4-FFF2-40B4-BE49-F238E27FC236}">
+                <a16:creationId xmlns:a16="http://schemas.microsoft.com/office/drawing/2014/main" id="{FE939F09-7349-9346-A430-90149F66CA5A}"/>
+              </a:ext>
+            </a:extLst>
+          </p:cNvPr>
           <p:cNvSpPr txBox="1"/>
           <p:nvPr/>
         </p:nvSpPr>
         <p:spPr>
           <a:xfrm>
-            <a:off x="1740122" y="3873499"/>
-            <a:ext cx="10921556" cy="1498601"/>
+            <a:off x="545373" y="339225"/>
+            <a:ext cx="10921556" cy="810478"/>
           </a:xfrm>
           <a:prstGeom prst="rect">
             <a:avLst/>
@@ -4567,7 +5328,7 @@
           </a:ln>
           <a:extLst>
             <a:ext uri="{C572A759-6A51-4108-AA02-DFA0A04FC94B}">
-              <ma14:wrappingTextBoxFlag xmlns="" xmlns:ma14="http://schemas.microsoft.com/office/mac/drawingml/2011/main" val="1"/>
+              <ma14:wrappingTextBoxFlag xmlns:ma14="http://schemas.microsoft.com/office/mac/drawingml/2011/main" xmlns="" val="1"/>
             </a:ext>
           </a:extLst>
         </p:spPr>
@@ -4581,11 +5342,53 @@
               <a:defRPr sz="4600"/>
             </a:pPr>
             <a:r>
-              <a:t>A statically typed superset of JavaScript that compiles to plain JavaScript</a:t>
-            </a:r>
+              <a:rPr lang="en-US" dirty="0"/>
+              <a:t>JavaScript</a:t>
+            </a:r>
+            <a:r>
+              <a:rPr lang="zh-Hans" altLang="en-US" dirty="0"/>
+              <a:t> 发展现状</a:t>
+            </a:r>
+            <a:endParaRPr dirty="0"/>
           </a:p>
         </p:txBody>
       </p:sp>
+      <p:pic>
+        <p:nvPicPr>
+          <p:cNvPr id="9" name="图片 8">
+            <a:extLst>
+              <a:ext uri="{FF2B5EF4-FFF2-40B4-BE49-F238E27FC236}">
+                <a16:creationId xmlns:a16="http://schemas.microsoft.com/office/drawing/2014/main" id="{4726DB38-55A7-3C41-BAB4-E753012176F2}"/>
+              </a:ext>
+            </a:extLst>
+          </p:cNvPr>
+          <p:cNvPicPr>
+            <a:picLocks noChangeAspect="1"/>
+          </p:cNvPicPr>
+          <p:nvPr/>
+        </p:nvPicPr>
+        <p:blipFill>
+          <a:blip r:embed="rId2">
+            <a:extLst>
+              <a:ext uri="{28A0092B-C50C-407E-A947-70E740481C1C}">
+                <a14:useLocalDpi xmlns:a14="http://schemas.microsoft.com/office/drawing/2010/main" val="0"/>
+              </a:ext>
+            </a:extLst>
+          </a:blip>
+          <a:stretch>
+            <a:fillRect/>
+          </a:stretch>
+        </p:blipFill>
+        <p:spPr>
+          <a:xfrm>
+            <a:off x="3016250" y="1963519"/>
+            <a:ext cx="8944102" cy="6772122"/>
+          </a:xfrm>
+          <a:prstGeom prst="rect">
+            <a:avLst/>
+          </a:prstGeom>
+        </p:spPr>
+      </p:pic>
     </p:spTree>
   </p:cSld>
   <p:clrMapOvr>
@@ -4623,26 +5426,22 @@
           <a:chExt cx="0" cy="0"/>
         </a:xfrm>
       </p:grpSpPr>
-      <p:pic>
-        <p:nvPicPr>
-          <p:cNvPr id="149" name="693bf5a67c81cbe007fc83311f29571f.png" descr="693bf5a67c81cbe007fc83311f29571f.png"/>
-          <p:cNvPicPr>
-            <a:picLocks noChangeAspect="1"/>
-          </p:cNvPicPr>
+      <p:sp>
+        <p:nvSpPr>
+          <p:cNvPr id="7" name="任何你在 ECMA stage 3 之后写的 JS 代码都是可行的 TS 代码">
+            <a:extLst>
+              <a:ext uri="{FF2B5EF4-FFF2-40B4-BE49-F238E27FC236}">
+                <a16:creationId xmlns:a16="http://schemas.microsoft.com/office/drawing/2014/main" id="{0C3BD0A9-AB75-CF48-9DB2-8257617531A1}"/>
+              </a:ext>
+            </a:extLst>
+          </p:cNvPr>
+          <p:cNvSpPr txBox="1"/>
           <p:nvPr/>
-        </p:nvPicPr>
-        <p:blipFill>
-          <a:blip r:embed="rId2">
-            <a:extLst/>
-          </a:blip>
-          <a:stretch>
-            <a:fillRect/>
-          </a:stretch>
-        </p:blipFill>
+        </p:nvSpPr>
         <p:spPr>
           <a:xfrm>
-            <a:off x="698500" y="1202480"/>
-            <a:ext cx="12700000" cy="7112002"/>
+            <a:off x="4137875" y="5773672"/>
+            <a:ext cx="6896138" cy="646327"/>
           </a:xfrm>
           <a:prstGeom prst="rect">
             <a:avLst/>
@@ -4650,25 +5449,165 @@
           <a:ln w="12700">
             <a:miter lim="400000"/>
           </a:ln>
+          <a:extLst>
+            <a:ext uri="{C572A759-6A51-4108-AA02-DFA0A04FC94B}">
+              <ma14:wrappingTextBoxFlag xmlns:ma14="http://schemas.microsoft.com/office/mac/drawingml/2011/main" xmlns="" val="1"/>
+            </a:ext>
+          </a:extLst>
         </p:spPr>
-      </p:pic>
+        <p:txBody>
+          <a:bodyPr wrap="square" lIns="45718" tIns="45718" rIns="45718" bIns="45718">
+            <a:spAutoFit/>
+          </a:bodyPr>
+          <a:lstStyle/>
+          <a:p>
+            <a:pPr marL="571500" indent="-571500">
+              <a:buSzPct val="100000"/>
+              <a:buFont typeface="Arial"/>
+              <a:buChar char="•"/>
+              <a:defRPr sz="3600"/>
+            </a:pPr>
+            <a:r>
+              <a:rPr lang="zh-Hans" altLang="en-US" dirty="0"/>
+              <a:t>越来越多的 </a:t>
+            </a:r>
+            <a:r>
+              <a:rPr lang="en-US" altLang="zh-Hans" dirty="0"/>
+              <a:t>JavaScript </a:t>
+            </a:r>
+            <a:r>
+              <a:rPr lang="zh-Hans" altLang="en-US" dirty="0"/>
+              <a:t>开发者</a:t>
+            </a:r>
+            <a:r>
+              <a:rPr lang="en-US" altLang="zh-Hans" dirty="0"/>
+              <a:t> </a:t>
+            </a:r>
+            <a:endParaRPr dirty="0"/>
+          </a:p>
+        </p:txBody>
+      </p:sp>
+      <p:sp>
+        <p:nvSpPr>
+          <p:cNvPr id="8" name="任何你在 ECMA stage 3 之后写的 JS 代码都是可行的 TS 代码">
+            <a:extLst>
+              <a:ext uri="{FF2B5EF4-FFF2-40B4-BE49-F238E27FC236}">
+                <a16:creationId xmlns:a16="http://schemas.microsoft.com/office/drawing/2014/main" id="{25297779-5950-2F4F-81FB-1D13C2CAFDE1}"/>
+              </a:ext>
+            </a:extLst>
+          </p:cNvPr>
+          <p:cNvSpPr txBox="1"/>
+          <p:nvPr/>
+        </p:nvSpPr>
+        <p:spPr>
+          <a:xfrm>
+            <a:off x="4137875" y="4719200"/>
+            <a:ext cx="7489904" cy="646327"/>
+          </a:xfrm>
+          <a:prstGeom prst="rect">
+            <a:avLst/>
+          </a:prstGeom>
+          <a:ln w="12700">
+            <a:miter lim="400000"/>
+          </a:ln>
+          <a:extLst>
+            <a:ext uri="{C572A759-6A51-4108-AA02-DFA0A04FC94B}">
+              <ma14:wrappingTextBoxFlag xmlns:ma14="http://schemas.microsoft.com/office/mac/drawingml/2011/main" xmlns="" val="1"/>
+            </a:ext>
+          </a:extLst>
+        </p:spPr>
+        <p:txBody>
+          <a:bodyPr wrap="square" lIns="45718" tIns="45718" rIns="45718" bIns="45718">
+            <a:spAutoFit/>
+          </a:bodyPr>
+          <a:lstStyle/>
+          <a:p>
+            <a:pPr marL="571500" indent="-571500">
+              <a:buSzPct val="100000"/>
+              <a:buFont typeface="Arial"/>
+              <a:buChar char="•"/>
+              <a:defRPr sz="3600"/>
+            </a:pPr>
+            <a:r>
+              <a:rPr lang="zh-Hans" altLang="en-US" dirty="0"/>
+              <a:t>无处不在的 </a:t>
+            </a:r>
+            <a:r>
+              <a:rPr lang="en-US" altLang="zh-Hans" dirty="0"/>
+              <a:t>JavaScript</a:t>
+            </a:r>
+            <a:endParaRPr lang="en-US" dirty="0"/>
+          </a:p>
+        </p:txBody>
+      </p:sp>
+      <p:sp>
+        <p:nvSpPr>
+          <p:cNvPr id="9" name="任何你在 ECMA stage 3 之后写的 JS 代码都是可行的 TS 代码">
+            <a:extLst>
+              <a:ext uri="{FF2B5EF4-FFF2-40B4-BE49-F238E27FC236}">
+                <a16:creationId xmlns:a16="http://schemas.microsoft.com/office/drawing/2014/main" id="{C1B6B8AC-D79F-DC43-914A-7B7301AF3E97}"/>
+              </a:ext>
+            </a:extLst>
+          </p:cNvPr>
+          <p:cNvSpPr txBox="1"/>
+          <p:nvPr/>
+        </p:nvSpPr>
+        <p:spPr>
+          <a:xfrm>
+            <a:off x="4137875" y="3664728"/>
+            <a:ext cx="7489904" cy="646327"/>
+          </a:xfrm>
+          <a:prstGeom prst="rect">
+            <a:avLst/>
+          </a:prstGeom>
+          <a:ln w="12700">
+            <a:miter lim="400000"/>
+          </a:ln>
+          <a:extLst>
+            <a:ext uri="{C572A759-6A51-4108-AA02-DFA0A04FC94B}">
+              <ma14:wrappingTextBoxFlag xmlns:ma14="http://schemas.microsoft.com/office/mac/drawingml/2011/main" xmlns="" val="1"/>
+            </a:ext>
+          </a:extLst>
+        </p:spPr>
+        <p:txBody>
+          <a:bodyPr wrap="square" lIns="45718" tIns="45718" rIns="45718" bIns="45718">
+            <a:spAutoFit/>
+          </a:bodyPr>
+          <a:lstStyle/>
+          <a:p>
+            <a:pPr marL="571500" indent="-571500">
+              <a:buSzPct val="100000"/>
+              <a:buFont typeface="Arial"/>
+              <a:buChar char="•"/>
+              <a:defRPr sz="3600"/>
+            </a:pPr>
+            <a:r>
+              <a:rPr lang="zh-Hans" altLang="en-US" dirty="0"/>
+              <a:t>近 </a:t>
+            </a:r>
+            <a:r>
+              <a:rPr lang="en-US" altLang="zh-Hans" dirty="0"/>
+              <a:t>10</a:t>
+            </a:r>
+            <a:r>
+              <a:rPr lang="zh-Hans" altLang="en-US" dirty="0"/>
+              <a:t> 年爆发式增长</a:t>
+            </a:r>
+            <a:endParaRPr lang="en-US" dirty="0"/>
+          </a:p>
+        </p:txBody>
+      </p:sp>
     </p:spTree>
+    <p:extLst>
+      <p:ext uri="{BB962C8B-B14F-4D97-AF65-F5344CB8AC3E}">
+        <p14:creationId xmlns:p14="http://schemas.microsoft.com/office/powerpoint/2010/main" val="1051202865"/>
+      </p:ext>
+    </p:extLst>
   </p:cSld>
   <p:clrMapOvr>
     <a:masterClrMapping/>
   </p:clrMapOvr>
-  <mc:AlternateContent xmlns:mc="http://schemas.openxmlformats.org/markup-compatibility/2006" xmlns:p14="http://schemas.microsoft.com/office/powerpoint/2010/main">
-    <mc:Choice Requires="p14">
-      <p:transition spd="slow">
-        <p:dissolve/>
-      </p:transition>
-    </mc:Choice>
-    <mc:Fallback xmlns="">
-      <p:transition spd="med">
-        <p:fade/>
-      </p:transition>
-    </mc:Fallback>
-  </mc:AlternateContent>
+  <p:transition spd="med"/>
 </p:sld>
 </file>
 
@@ -4691,14 +5630,20 @@
       </p:grpSpPr>
       <p:sp>
         <p:nvSpPr>
-          <p:cNvPr id="151" name="文本框 81"/>
+          <p:cNvPr id="3" name="A statically typed superset of JavaScript that compiles to plain JavaScript">
+            <a:extLst>
+              <a:ext uri="{FF2B5EF4-FFF2-40B4-BE49-F238E27FC236}">
+                <a16:creationId xmlns:a16="http://schemas.microsoft.com/office/drawing/2014/main" id="{7E64D19A-C510-F948-A8B9-409F1078C96F}"/>
+              </a:ext>
+            </a:extLst>
+          </p:cNvPr>
           <p:cNvSpPr txBox="1"/>
           <p:nvPr/>
         </p:nvSpPr>
         <p:spPr>
           <a:xfrm>
-            <a:off x="4896090" y="3047999"/>
-            <a:ext cx="5112089" cy="4817619"/>
+            <a:off x="1907829" y="1774833"/>
+            <a:ext cx="10921556" cy="810478"/>
           </a:xfrm>
           <a:prstGeom prst="rect">
             <a:avLst/>
@@ -4708,43 +5653,47 @@
           </a:ln>
           <a:extLst>
             <a:ext uri="{C572A759-6A51-4108-AA02-DFA0A04FC94B}">
-              <ma14:wrappingTextBoxFlag xmlns="" xmlns:ma14="http://schemas.microsoft.com/office/mac/drawingml/2011/main" val="1"/>
+              <ma14:wrappingTextBoxFlag xmlns:ma14="http://schemas.microsoft.com/office/mac/drawingml/2011/main" xmlns="" val="1"/>
             </a:ext>
           </a:extLst>
         </p:spPr>
         <p:txBody>
-          <a:bodyPr lIns="72009" tIns="72009" rIns="72009" bIns="72009">
+          <a:bodyPr lIns="50800" tIns="50800" rIns="50800" bIns="50800" anchor="ctr">
             <a:spAutoFit/>
           </a:bodyPr>
           <a:lstStyle/>
           <a:p>
-            <a:pPr>
-              <a:defRPr sz="30000">
-                <a:solidFill>
-                  <a:srgbClr val="DBEEF4"/>
-                </a:solidFill>
-                <a:latin typeface="Century Gothic"/>
-                <a:ea typeface="Century Gothic"/>
-                <a:cs typeface="Century Gothic"/>
-                <a:sym typeface="Century Gothic"/>
-              </a:defRPr>
+            <a:pPr lvl="1">
+              <a:defRPr sz="4600"/>
             </a:pPr>
             <a:r>
-              <a:t>02</a:t>
-            </a:r>
+              <a:rPr lang="en-US" dirty="0"/>
+              <a:t>JavaScript </a:t>
+            </a:r>
+            <a:r>
+              <a:rPr lang="zh-Hans" altLang="en-US" dirty="0"/>
+              <a:t>并不是为大型应用而设计</a:t>
+            </a:r>
+            <a:endParaRPr dirty="0"/>
           </a:p>
         </p:txBody>
       </p:sp>
       <p:sp>
         <p:nvSpPr>
-          <p:cNvPr id="152" name="Rectangle 18"/>
+          <p:cNvPr id="4" name="任何你在 ECMA stage 3 之后写的 JS 代码都是可行的 TS 代码">
+            <a:extLst>
+              <a:ext uri="{FF2B5EF4-FFF2-40B4-BE49-F238E27FC236}">
+                <a16:creationId xmlns:a16="http://schemas.microsoft.com/office/drawing/2014/main" id="{8D928C89-C260-964C-AE41-860EFA53DAAD}"/>
+              </a:ext>
+            </a:extLst>
+          </p:cNvPr>
           <p:cNvSpPr txBox="1"/>
           <p:nvPr/>
         </p:nvSpPr>
         <p:spPr>
           <a:xfrm>
-            <a:off x="3092405" y="4680493"/>
-            <a:ext cx="8860110" cy="2263139"/>
+            <a:off x="4456672" y="4747605"/>
+            <a:ext cx="5079214" cy="646327"/>
           </a:xfrm>
           <a:prstGeom prst="rect">
             <a:avLst/>
@@ -4754,34 +5703,133 @@
           </a:ln>
           <a:extLst>
             <a:ext uri="{C572A759-6A51-4108-AA02-DFA0A04FC94B}">
-              <ma14:wrappingTextBoxFlag xmlns="" xmlns:ma14="http://schemas.microsoft.com/office/mac/drawingml/2011/main" val="1"/>
+              <ma14:wrappingTextBoxFlag xmlns:ma14="http://schemas.microsoft.com/office/mac/drawingml/2011/main" xmlns="" val="1"/>
             </a:ext>
           </a:extLst>
         </p:spPr>
         <p:txBody>
-          <a:bodyPr lIns="45718" tIns="45718" rIns="45718" bIns="45718">
+          <a:bodyPr wrap="square" lIns="45718" tIns="45718" rIns="45718" bIns="45718">
             <a:spAutoFit/>
           </a:bodyPr>
           <a:lstStyle/>
           <a:p>
-            <a:pPr>
-              <a:defRPr sz="6600">
-                <a:solidFill>
-                  <a:srgbClr val="262626"/>
-                </a:solidFill>
-                <a:latin typeface="Microsoft YaHei"/>
-                <a:ea typeface="Microsoft YaHei"/>
-                <a:cs typeface="Microsoft YaHei"/>
-                <a:sym typeface="Microsoft YaHei"/>
-              </a:defRPr>
+            <a:pPr marL="571500" indent="-571500">
+              <a:buSzPct val="100000"/>
+              <a:buFont typeface="Arial"/>
+              <a:buChar char="•"/>
+              <a:defRPr sz="3600"/>
             </a:pPr>
             <a:r>
-              <a:t>为什么选择 TypeScript </a:t>
-            </a:r>
+              <a:rPr lang="en-US" dirty="0"/>
+              <a:t>Lack of modularity</a:t>
+            </a:r>
+            <a:endParaRPr dirty="0"/>
+          </a:p>
+        </p:txBody>
+      </p:sp>
+      <p:sp>
+        <p:nvSpPr>
+          <p:cNvPr id="5" name="任何你在 ECMA stage 3 之后写的 JS 代码都是可行的 TS 代码">
+            <a:extLst>
+              <a:ext uri="{FF2B5EF4-FFF2-40B4-BE49-F238E27FC236}">
+                <a16:creationId xmlns:a16="http://schemas.microsoft.com/office/drawing/2014/main" id="{FD96555A-601B-EB4F-B7E1-DB0E72587DF8}"/>
+              </a:ext>
+            </a:extLst>
+          </p:cNvPr>
+          <p:cNvSpPr txBox="1"/>
+          <p:nvPr/>
+        </p:nvSpPr>
+        <p:spPr>
+          <a:xfrm>
+            <a:off x="4456672" y="3711144"/>
+            <a:ext cx="5079214" cy="646327"/>
+          </a:xfrm>
+          <a:prstGeom prst="rect">
+            <a:avLst/>
+          </a:prstGeom>
+          <a:ln w="12700">
+            <a:miter lim="400000"/>
+          </a:ln>
+          <a:extLst>
+            <a:ext uri="{C572A759-6A51-4108-AA02-DFA0A04FC94B}">
+              <ma14:wrappingTextBoxFlag xmlns:ma14="http://schemas.microsoft.com/office/mac/drawingml/2011/main" xmlns="" val="1"/>
+            </a:ext>
+          </a:extLst>
+        </p:spPr>
+        <p:txBody>
+          <a:bodyPr wrap="square" lIns="45718" tIns="45718" rIns="45718" bIns="45718">
+            <a:spAutoFit/>
+          </a:bodyPr>
+          <a:lstStyle/>
+          <a:p>
+            <a:pPr marL="571500" indent="-571500">
+              <a:buSzPct val="100000"/>
+              <a:buFont typeface="Arial"/>
+              <a:buChar char="•"/>
+              <a:defRPr sz="3600"/>
+            </a:pPr>
+            <a:r>
+              <a:rPr lang="en-US" dirty="0"/>
+              <a:t>Dynamic typing</a:t>
+            </a:r>
+          </a:p>
+        </p:txBody>
+      </p:sp>
+      <p:sp>
+        <p:nvSpPr>
+          <p:cNvPr id="6" name="任何你在 ECMA stage 3 之后写的 JS 代码都是可行的 TS 代码">
+            <a:extLst>
+              <a:ext uri="{FF2B5EF4-FFF2-40B4-BE49-F238E27FC236}">
+                <a16:creationId xmlns:a16="http://schemas.microsoft.com/office/drawing/2014/main" id="{0965EFF4-8608-004B-A740-4CCA6489638F}"/>
+              </a:ext>
+            </a:extLst>
+          </p:cNvPr>
+          <p:cNvSpPr txBox="1"/>
+          <p:nvPr/>
+        </p:nvSpPr>
+        <p:spPr>
+          <a:xfrm>
+            <a:off x="4456672" y="5784066"/>
+            <a:ext cx="5079214" cy="646327"/>
+          </a:xfrm>
+          <a:prstGeom prst="rect">
+            <a:avLst/>
+          </a:prstGeom>
+          <a:ln w="12700">
+            <a:miter lim="400000"/>
+          </a:ln>
+          <a:extLst>
+            <a:ext uri="{C572A759-6A51-4108-AA02-DFA0A04FC94B}">
+              <ma14:wrappingTextBoxFlag xmlns:ma14="http://schemas.microsoft.com/office/mac/drawingml/2011/main" xmlns="" val="1"/>
+            </a:ext>
+          </a:extLst>
+        </p:spPr>
+        <p:txBody>
+          <a:bodyPr wrap="square" lIns="45718" tIns="45718" rIns="45718" bIns="45718">
+            <a:spAutoFit/>
+          </a:bodyPr>
+          <a:lstStyle/>
+          <a:p>
+            <a:pPr marL="571500" indent="-571500">
+              <a:buSzPct val="100000"/>
+              <a:buFont typeface="Arial"/>
+              <a:buChar char="•"/>
+              <a:defRPr sz="3600"/>
+            </a:pPr>
+            <a:r>
+              <a:rPr lang="en-US" altLang="zh-CN" dirty="0"/>
+              <a:t>...</a:t>
+            </a:r>
+            <a:endParaRPr dirty="0"/>
           </a:p>
         </p:txBody>
       </p:sp>
     </p:spTree>
+    <p:extLst>
+      <p:ext uri="{BB962C8B-B14F-4D97-AF65-F5344CB8AC3E}">
+        <p14:creationId xmlns:p14="http://schemas.microsoft.com/office/powerpoint/2010/main" val="3154428506"/>
+      </p:ext>
+    </p:extLst>
   </p:cSld>
   <p:clrMapOvr>
     <a:masterClrMapping/>
@@ -4818,301 +5866,12 @@
           <a:chExt cx="0" cy="0"/>
         </a:xfrm>
       </p:grpSpPr>
-      <p:sp>
-        <p:nvSpPr>
-          <p:cNvPr id="154" name="对标准 JavaScript 支持"/>
-          <p:cNvSpPr txBox="1"/>
-          <p:nvPr/>
-        </p:nvSpPr>
-        <p:spPr>
-          <a:xfrm>
-            <a:off x="742497" y="1189187"/>
-            <a:ext cx="2833465" cy="830993"/>
-          </a:xfrm>
-          <a:prstGeom prst="rect">
-            <a:avLst/>
-          </a:prstGeom>
-          <a:ln w="12700">
-            <a:miter lim="400000"/>
-          </a:ln>
-          <a:extLst>
-            <a:ext uri="{C572A759-6A51-4108-AA02-DFA0A04FC94B}">
-              <ma14:wrappingTextBoxFlag xmlns="" xmlns:ma14="http://schemas.microsoft.com/office/mac/drawingml/2011/main" val="1"/>
-            </a:ext>
-          </a:extLst>
-        </p:spPr>
-        <p:txBody>
-          <a:bodyPr wrap="none" lIns="45718" tIns="45718" rIns="45718" bIns="45718">
-            <a:spAutoFit/>
-          </a:bodyPr>
-          <a:lstStyle>
-            <a:lvl1pPr algn="ctr">
-              <a:defRPr sz="4800"/>
-            </a:lvl1pPr>
-          </a:lstStyle>
-          <a:p>
-            <a:r>
-              <a:rPr lang="en-US" dirty="0"/>
-              <a:t>ES future </a:t>
-            </a:r>
-            <a:endParaRPr dirty="0"/>
-          </a:p>
-        </p:txBody>
-      </p:sp>
-      <p:sp>
-        <p:nvSpPr>
-          <p:cNvPr id="155" name="任何你在 ECMA stage 3 之后写的 JS 代码都是可行的 TS 代码"/>
-          <p:cNvSpPr txBox="1"/>
-          <p:nvPr/>
-        </p:nvSpPr>
-        <p:spPr>
-          <a:xfrm>
-            <a:off x="882197" y="3005240"/>
-            <a:ext cx="13383643" cy="1361437"/>
-          </a:xfrm>
-          <a:prstGeom prst="rect">
-            <a:avLst/>
-          </a:prstGeom>
-          <a:ln w="12700">
-            <a:miter lim="400000"/>
-          </a:ln>
-          <a:extLst>
-            <a:ext uri="{C572A759-6A51-4108-AA02-DFA0A04FC94B}">
-              <ma14:wrappingTextBoxFlag xmlns="" xmlns:ma14="http://schemas.microsoft.com/office/mac/drawingml/2011/main" val="1"/>
-            </a:ext>
-          </a:extLst>
-        </p:spPr>
-        <p:txBody>
-          <a:bodyPr lIns="45718" tIns="45718" rIns="45718" bIns="45718">
-            <a:spAutoFit/>
-          </a:bodyPr>
-          <a:lstStyle/>
-          <a:p>
-            <a:pPr marL="571500" indent="-571500">
-              <a:buSzPct val="100000"/>
-              <a:buFont typeface="Arial"/>
-              <a:buChar char="•"/>
-              <a:defRPr sz="3600"/>
-            </a:pPr>
-            <a:r>
-              <a:t>任何你在</a:t>
-            </a:r>
-            <a:r>
-              <a:rPr>
-                <a:latin typeface="Trebuchet MS"/>
-                <a:ea typeface="Trebuchet MS"/>
-                <a:cs typeface="Trebuchet MS"/>
-                <a:sym typeface="Trebuchet MS"/>
-              </a:rPr>
-              <a:t> ECMA stage 3 </a:t>
-            </a:r>
-            <a:r>
-              <a:t>之后写的</a:t>
-            </a:r>
-            <a:r>
-              <a:rPr>
-                <a:latin typeface="Trebuchet MS"/>
-                <a:ea typeface="Trebuchet MS"/>
-                <a:cs typeface="Trebuchet MS"/>
-                <a:sym typeface="Trebuchet MS"/>
-              </a:rPr>
-              <a:t> JavaSript </a:t>
-            </a:r>
-            <a:r>
-              <a:t>代码都是可行的</a:t>
-            </a:r>
-            <a:r>
-              <a:rPr>
-                <a:latin typeface="Trebuchet MS"/>
-                <a:ea typeface="Trebuchet MS"/>
-                <a:cs typeface="Trebuchet MS"/>
-                <a:sym typeface="Trebuchet MS"/>
-              </a:rPr>
-              <a:t> TypeScript </a:t>
-            </a:r>
-            <a:r>
-              <a:t>代码</a:t>
-            </a:r>
-          </a:p>
-        </p:txBody>
-      </p:sp>
-      <p:sp>
-        <p:nvSpPr>
-          <p:cNvPr id="156" name="VS Babel"/>
-          <p:cNvSpPr txBox="1"/>
-          <p:nvPr/>
-        </p:nvSpPr>
-        <p:spPr>
-          <a:xfrm>
-            <a:off x="742497" y="5223590"/>
-            <a:ext cx="5243584" cy="624837"/>
-          </a:xfrm>
-          <a:prstGeom prst="rect">
-            <a:avLst/>
-          </a:prstGeom>
-          <a:ln w="12700">
-            <a:miter lim="400000"/>
-          </a:ln>
-          <a:extLst>
-            <a:ext uri="{C572A759-6A51-4108-AA02-DFA0A04FC94B}">
-              <ma14:wrappingTextBoxFlag xmlns="" xmlns:ma14="http://schemas.microsoft.com/office/mac/drawingml/2011/main" val="1"/>
-            </a:ext>
-          </a:extLst>
-        </p:spPr>
-        <p:txBody>
-          <a:bodyPr lIns="45718" tIns="45718" rIns="45718" bIns="45718">
-            <a:spAutoFit/>
-          </a:bodyPr>
-          <a:lstStyle/>
-          <a:p>
-            <a:pPr marL="457200" indent="-457200">
-              <a:buSzPct val="100000"/>
-              <a:buFont typeface="Arial"/>
-              <a:buChar char="•"/>
-              <a:defRPr sz="3200">
-                <a:latin typeface="Trebuchet MS"/>
-                <a:ea typeface="Trebuchet MS"/>
-                <a:cs typeface="Trebuchet MS"/>
-                <a:sym typeface="Trebuchet MS"/>
-              </a:defRPr>
-            </a:pPr>
-            <a:r>
-              <a:t>  VS </a:t>
-            </a:r>
-            <a:r>
-              <a:rPr sz="3600"/>
-              <a:t>Babel</a:t>
-            </a:r>
-          </a:p>
-        </p:txBody>
-      </p:sp>
-      <p:sp>
-        <p:nvSpPr>
-          <p:cNvPr id="157" name="Babel 为 ES6 而生，现在也只是个 preset 而已，扩展强，功能多"/>
-          <p:cNvSpPr txBox="1"/>
-          <p:nvPr/>
-        </p:nvSpPr>
-        <p:spPr>
-          <a:xfrm>
-            <a:off x="1624346" y="6217237"/>
-            <a:ext cx="12483542" cy="662937"/>
-          </a:xfrm>
-          <a:prstGeom prst="rect">
-            <a:avLst/>
-          </a:prstGeom>
-          <a:ln w="12700">
-            <a:miter lim="400000"/>
-          </a:ln>
-          <a:extLst>
-            <a:ext uri="{C572A759-6A51-4108-AA02-DFA0A04FC94B}">
-              <ma14:wrappingTextBoxFlag xmlns="" xmlns:ma14="http://schemas.microsoft.com/office/mac/drawingml/2011/main" val="1"/>
-            </a:ext>
-          </a:extLst>
-        </p:spPr>
-        <p:txBody>
-          <a:bodyPr lIns="45718" tIns="45718" rIns="45718" bIns="45718">
-            <a:spAutoFit/>
-          </a:bodyPr>
-          <a:lstStyle/>
-          <a:p>
-            <a:pPr marL="457200" indent="-457200">
-              <a:buSzPct val="100000"/>
-              <a:buFont typeface="Arial"/>
-              <a:buChar char="•"/>
-              <a:defRPr sz="3200">
-                <a:latin typeface="Trebuchet MS"/>
-                <a:ea typeface="Trebuchet MS"/>
-                <a:cs typeface="Trebuchet MS"/>
-                <a:sym typeface="Trebuchet MS"/>
-              </a:defRPr>
-            </a:pPr>
-            <a:r>
-              <a:t>Babel</a:t>
-            </a:r>
-            <a:r>
-              <a:rPr>
-                <a:latin typeface="+mn-lt"/>
-                <a:ea typeface="+mn-ea"/>
-                <a:cs typeface="+mn-cs"/>
-                <a:sym typeface="Helvetica"/>
-              </a:rPr>
-              <a:t> 为 </a:t>
-            </a:r>
-            <a:r>
-              <a:t>ES6 </a:t>
-            </a:r>
-            <a:r>
-              <a:rPr>
-                <a:latin typeface="+mn-lt"/>
-                <a:ea typeface="+mn-ea"/>
-                <a:cs typeface="+mn-cs"/>
-                <a:sym typeface="Helvetica"/>
-              </a:rPr>
-              <a:t>而生，现在也只是个 </a:t>
-            </a:r>
-            <a:r>
-              <a:t>preset</a:t>
-            </a:r>
-            <a:r>
-              <a:rPr>
-                <a:latin typeface="+mn-lt"/>
-                <a:ea typeface="+mn-ea"/>
-                <a:cs typeface="+mn-cs"/>
-                <a:sym typeface="Helvetica"/>
-              </a:rPr>
-              <a:t> 而已，扩展强，功能多</a:t>
-            </a:r>
-          </a:p>
-        </p:txBody>
-      </p:sp>
-      <p:sp>
-        <p:nvSpPr>
-          <p:cNvPr id="158" name="TypeScript lib =&gt; tsc + tsserver"/>
-          <p:cNvSpPr txBox="1"/>
-          <p:nvPr/>
-        </p:nvSpPr>
-        <p:spPr>
-          <a:xfrm>
-            <a:off x="1625600" y="7248983"/>
-            <a:ext cx="8598449" cy="561337"/>
-          </a:xfrm>
-          <a:prstGeom prst="rect">
-            <a:avLst/>
-          </a:prstGeom>
-          <a:ln w="12700">
-            <a:miter lim="400000"/>
-          </a:ln>
-          <a:extLst>
-            <a:ext uri="{C572A759-6A51-4108-AA02-DFA0A04FC94B}">
-              <ma14:wrappingTextBoxFlag xmlns="" xmlns:ma14="http://schemas.microsoft.com/office/mac/drawingml/2011/main" val="1"/>
-            </a:ext>
-          </a:extLst>
-        </p:spPr>
-        <p:txBody>
-          <a:bodyPr lIns="45718" tIns="45718" rIns="45718" bIns="45718">
-            <a:spAutoFit/>
-          </a:bodyPr>
-          <a:lstStyle>
-            <a:lvl1pPr marL="457200" indent="-457200">
-              <a:buSzPct val="100000"/>
-              <a:buFont typeface="Arial"/>
-              <a:buChar char="•"/>
-              <a:defRPr sz="3200">
-                <a:latin typeface="Trebuchet MS"/>
-                <a:ea typeface="Trebuchet MS"/>
-                <a:cs typeface="Trebuchet MS"/>
-                <a:sym typeface="Trebuchet MS"/>
-              </a:defRPr>
-            </a:lvl1pPr>
-          </a:lstStyle>
-          <a:p>
-            <a:r>
-              <a:t>TypeScript lib =&gt; tsc + tsserver  </a:t>
-            </a:r>
-          </a:p>
-        </p:txBody>
-      </p:sp>
     </p:spTree>
+    <p:extLst>
+      <p:ext uri="{BB962C8B-B14F-4D97-AF65-F5344CB8AC3E}">
+        <p14:creationId xmlns:p14="http://schemas.microsoft.com/office/powerpoint/2010/main" val="2152843629"/>
+      </p:ext>
+    </p:extLst>
   </p:cSld>
   <p:clrMapOvr>
     <a:masterClrMapping/>
@@ -5151,14 +5910,14 @@
       </p:grpSpPr>
       <p:sp>
         <p:nvSpPr>
-          <p:cNvPr id="160" name="静态类型检查"/>
+          <p:cNvPr id="147" name="A statically typed superset of JavaScript that compiles to plain JavaScript"/>
           <p:cNvSpPr txBox="1"/>
           <p:nvPr/>
         </p:nvSpPr>
         <p:spPr>
           <a:xfrm>
-            <a:off x="1333500" y="1371599"/>
-            <a:ext cx="4608513" cy="942337"/>
+            <a:off x="1740122" y="3873499"/>
+            <a:ext cx="10921556" cy="1498601"/>
           </a:xfrm>
           <a:prstGeom prst="rect">
             <a:avLst/>
@@ -5168,111 +5927,32 @@
           </a:ln>
           <a:extLst>
             <a:ext uri="{C572A759-6A51-4108-AA02-DFA0A04FC94B}">
-              <ma14:wrappingTextBoxFlag xmlns="" xmlns:ma14="http://schemas.microsoft.com/office/mac/drawingml/2011/main" val="1"/>
+              <ma14:wrappingTextBoxFlag xmlns:ma14="http://schemas.microsoft.com/office/mac/drawingml/2011/main" xmlns="" val="1"/>
             </a:ext>
           </a:extLst>
         </p:spPr>
         <p:txBody>
-          <a:bodyPr lIns="45718" tIns="45718" rIns="45718" bIns="45718">
+          <a:bodyPr lIns="50800" tIns="50800" rIns="50800" bIns="50800" anchor="ctr">
             <a:spAutoFit/>
           </a:bodyPr>
-          <a:lstStyle>
-            <a:lvl1pPr>
-              <a:defRPr sz="4800"/>
-            </a:lvl1pPr>
-          </a:lstStyle>
-          <a:p>
-            <a:r>
-              <a:t>静态类型检查</a:t>
-            </a:r>
-          </a:p>
-        </p:txBody>
-      </p:sp>
-      <p:sp>
-        <p:nvSpPr>
-          <p:cNvPr id="161" name="Early fail"/>
-          <p:cNvSpPr txBox="1"/>
-          <p:nvPr/>
-        </p:nvSpPr>
-        <p:spPr>
-          <a:xfrm>
-            <a:off x="2159471" y="3263800"/>
-            <a:ext cx="5580661" cy="701037"/>
-          </a:xfrm>
-          <a:prstGeom prst="rect">
-            <a:avLst/>
-          </a:prstGeom>
-          <a:ln w="12700">
-            <a:miter lim="400000"/>
-          </a:ln>
-          <a:extLst>
-            <a:ext uri="{C572A759-6A51-4108-AA02-DFA0A04FC94B}">
-              <ma14:wrappingTextBoxFlag xmlns="" xmlns:ma14="http://schemas.microsoft.com/office/mac/drawingml/2011/main" val="1"/>
-            </a:ext>
-          </a:extLst>
-        </p:spPr>
-        <p:txBody>
-          <a:bodyPr lIns="45718" tIns="45718" rIns="45718" bIns="45718">
-            <a:spAutoFit/>
-          </a:bodyPr>
-          <a:lstStyle>
-            <a:lvl1pPr marL="431999" indent="-431999">
-              <a:buSzPct val="100000"/>
-              <a:buFont typeface="Arial"/>
-              <a:buChar char="•"/>
-              <a:defRPr sz="4000"/>
-            </a:lvl1pPr>
-          </a:lstStyle>
-          <a:p>
-            <a:r>
-              <a:t>Early fail</a:t>
-            </a:r>
-          </a:p>
-        </p:txBody>
-      </p:sp>
-      <p:sp>
-        <p:nvSpPr>
-          <p:cNvPr id="162" name="Make code more readable"/>
-          <p:cNvSpPr txBox="1"/>
-          <p:nvPr/>
-        </p:nvSpPr>
-        <p:spPr>
-          <a:xfrm>
-            <a:off x="2159470" y="4368700"/>
-            <a:ext cx="8495263" cy="701037"/>
-          </a:xfrm>
-          <a:prstGeom prst="rect">
-            <a:avLst/>
-          </a:prstGeom>
-          <a:ln w="12700">
-            <a:miter lim="400000"/>
-          </a:ln>
-          <a:extLst>
-            <a:ext uri="{C572A759-6A51-4108-AA02-DFA0A04FC94B}">
-              <ma14:wrappingTextBoxFlag xmlns="" xmlns:ma14="http://schemas.microsoft.com/office/mac/drawingml/2011/main" val="1"/>
-            </a:ext>
-          </a:extLst>
-        </p:spPr>
-        <p:txBody>
-          <a:bodyPr lIns="45718" tIns="45718" rIns="45718" bIns="45718">
-            <a:spAutoFit/>
-          </a:bodyPr>
-          <a:lstStyle>
-            <a:lvl1pPr marL="431999" indent="-431999">
-              <a:buSzPct val="100000"/>
-              <a:buFont typeface="Arial"/>
-              <a:buChar char="•"/>
-              <a:defRPr sz="4000"/>
-            </a:lvl1pPr>
-          </a:lstStyle>
-          <a:p>
-            <a:r>
-              <a:t>Make code more readable</a:t>
+          <a:lstStyle/>
+          <a:p>
+            <a:pPr lvl="1">
+              <a:defRPr sz="4600"/>
+            </a:pPr>
+            <a:r>
+              <a:rPr dirty="0"/>
+              <a:t>A statically typed superset of JavaScript that compiles to plain JavaScript</a:t>
             </a:r>
           </a:p>
         </p:txBody>
       </p:sp>
     </p:spTree>
+    <p:extLst>
+      <p:ext uri="{BB962C8B-B14F-4D97-AF65-F5344CB8AC3E}">
+        <p14:creationId xmlns:p14="http://schemas.microsoft.com/office/powerpoint/2010/main" val="816275935"/>
+      </p:ext>
+    </p:extLst>
   </p:cSld>
   <p:clrMapOvr>
     <a:masterClrMapping/>
@@ -5311,7 +5991,7 @@
       </p:grpSpPr>
       <p:pic>
         <p:nvPicPr>
-          <p:cNvPr id="164" name="1001520651588_.pic_hd.jpg" descr="1001520651588_.pic_hd.jpg"/>
+          <p:cNvPr id="149" name="693bf5a67c81cbe007fc83311f29571f.png" descr="693bf5a67c81cbe007fc83311f29571f.png"/>
           <p:cNvPicPr>
             <a:picLocks noChangeAspect="1"/>
           </p:cNvPicPr>
@@ -5327,8 +6007,8 @@
         </p:blipFill>
         <p:spPr>
           <a:xfrm>
-            <a:off x="2289836" y="838140"/>
-            <a:ext cx="9822130" cy="8463751"/>
+            <a:off x="698500" y="1202480"/>
+            <a:ext cx="12700000" cy="7112002"/>
           </a:xfrm>
           <a:prstGeom prst="rect">
             <a:avLst/>

--- a/ppt/typescript1.pptx
+++ b/ppt/typescript1.pptx
@@ -2567,7 +2567,7 @@
           </a:ln>
           <a:extLst>
             <a:ext uri="{C572A759-6A51-4108-AA02-DFA0A04FC94B}">
-              <ma14:wrappingTextBoxFlag xmlns:ma14="http://schemas.microsoft.com/office/mac/drawingml/2011/main" xmlns="" val="1"/>
+              <ma14:wrappingTextBoxFlag xmlns="" xmlns:ma14="http://schemas.microsoft.com/office/mac/drawingml/2011/main" val="1"/>
             </a:ext>
           </a:extLst>
         </p:spPr>
@@ -2606,7 +2606,7 @@
           </a:ln>
           <a:extLst>
             <a:ext uri="{C572A759-6A51-4108-AA02-DFA0A04FC94B}">
-              <ma14:wrappingTextBoxFlag xmlns:ma14="http://schemas.microsoft.com/office/mac/drawingml/2011/main" xmlns="" val="1"/>
+              <ma14:wrappingTextBoxFlag xmlns="" xmlns:ma14="http://schemas.microsoft.com/office/mac/drawingml/2011/main" val="1"/>
             </a:ext>
           </a:extLst>
         </p:spPr>
@@ -3541,7 +3541,7 @@
           </a:ln>
           <a:extLst>
             <a:ext uri="{C572A759-6A51-4108-AA02-DFA0A04FC94B}">
-              <ma14:wrappingTextBoxFlag xmlns:ma14="http://schemas.microsoft.com/office/mac/drawingml/2011/main" xmlns="" val="1"/>
+              <ma14:wrappingTextBoxFlag xmlns="" xmlns:ma14="http://schemas.microsoft.com/office/mac/drawingml/2011/main" val="1"/>
             </a:ext>
           </a:extLst>
         </p:spPr>
@@ -3597,7 +3597,7 @@
           </a:ln>
           <a:extLst>
             <a:ext uri="{C572A759-6A51-4108-AA02-DFA0A04FC94B}">
-              <ma14:wrappingTextBoxFlag xmlns:ma14="http://schemas.microsoft.com/office/mac/drawingml/2011/main" xmlns="" val="1"/>
+              <ma14:wrappingTextBoxFlag xmlns="" xmlns:ma14="http://schemas.microsoft.com/office/mac/drawingml/2011/main" val="1"/>
             </a:ext>
           </a:extLst>
         </p:spPr>
@@ -3846,7 +3846,7 @@
           </a:ln>
           <a:extLst>
             <a:ext uri="{C572A759-6A51-4108-AA02-DFA0A04FC94B}">
-              <ma14:wrappingTextBoxFlag xmlns:ma14="http://schemas.microsoft.com/office/mac/drawingml/2011/main" xmlns="" val="1"/>
+              <ma14:wrappingTextBoxFlag xmlns="" xmlns:ma14="http://schemas.microsoft.com/office/mac/drawingml/2011/main" val="1"/>
             </a:ext>
           </a:extLst>
         </p:spPr>
@@ -3892,7 +3892,7 @@
           </a:ln>
           <a:extLst>
             <a:ext uri="{C572A759-6A51-4108-AA02-DFA0A04FC94B}">
-              <ma14:wrappingTextBoxFlag xmlns:ma14="http://schemas.microsoft.com/office/mac/drawingml/2011/main" xmlns="" val="1"/>
+              <ma14:wrappingTextBoxFlag xmlns="" xmlns:ma14="http://schemas.microsoft.com/office/mac/drawingml/2011/main" val="1"/>
             </a:ext>
           </a:extLst>
         </p:spPr>
@@ -3980,7 +3980,7 @@
           </a:ln>
           <a:extLst>
             <a:ext uri="{C572A759-6A51-4108-AA02-DFA0A04FC94B}">
-              <ma14:wrappingTextBoxFlag xmlns:ma14="http://schemas.microsoft.com/office/mac/drawingml/2011/main" xmlns="" val="1"/>
+              <ma14:wrappingTextBoxFlag xmlns="" xmlns:ma14="http://schemas.microsoft.com/office/mac/drawingml/2011/main" val="1"/>
             </a:ext>
           </a:extLst>
         </p:spPr>
@@ -4021,7 +4021,7 @@
           </a:ln>
           <a:extLst>
             <a:ext uri="{C572A759-6A51-4108-AA02-DFA0A04FC94B}">
-              <ma14:wrappingTextBoxFlag xmlns:ma14="http://schemas.microsoft.com/office/mac/drawingml/2011/main" xmlns="" val="1"/>
+              <ma14:wrappingTextBoxFlag xmlns="" xmlns:ma14="http://schemas.microsoft.com/office/mac/drawingml/2011/main" val="1"/>
             </a:ext>
           </a:extLst>
         </p:spPr>
@@ -4139,7 +4139,7 @@
           </a:ln>
           <a:extLst>
             <a:ext uri="{C572A759-6A51-4108-AA02-DFA0A04FC94B}">
-              <ma14:wrappingTextBoxFlag xmlns:ma14="http://schemas.microsoft.com/office/mac/drawingml/2011/main" xmlns="" val="1"/>
+              <ma14:wrappingTextBoxFlag xmlns="" xmlns:ma14="http://schemas.microsoft.com/office/mac/drawingml/2011/main" val="1"/>
             </a:ext>
           </a:extLst>
         </p:spPr>
@@ -4190,7 +4190,7 @@
           </a:ln>
           <a:extLst>
             <a:ext uri="{C572A759-6A51-4108-AA02-DFA0A04FC94B}">
-              <ma14:wrappingTextBoxFlag xmlns:ma14="http://schemas.microsoft.com/office/mac/drawingml/2011/main" xmlns="" val="1"/>
+              <ma14:wrappingTextBoxFlag xmlns="" xmlns:ma14="http://schemas.microsoft.com/office/mac/drawingml/2011/main" val="1"/>
             </a:ext>
           </a:extLst>
         </p:spPr>
@@ -4269,7 +4269,7 @@
           </a:ln>
           <a:extLst>
             <a:ext uri="{C572A759-6A51-4108-AA02-DFA0A04FC94B}">
-              <ma14:wrappingTextBoxFlag xmlns:ma14="http://schemas.microsoft.com/office/mac/drawingml/2011/main" xmlns="" val="1"/>
+              <ma14:wrappingTextBoxFlag xmlns="" xmlns:ma14="http://schemas.microsoft.com/office/mac/drawingml/2011/main" val="1"/>
             </a:ext>
           </a:extLst>
         </p:spPr>
@@ -4353,7 +4353,7 @@
           </a:ln>
           <a:extLst>
             <a:ext uri="{C572A759-6A51-4108-AA02-DFA0A04FC94B}">
-              <ma14:wrappingTextBoxFlag xmlns:ma14="http://schemas.microsoft.com/office/mac/drawingml/2011/main" xmlns="" val="1"/>
+              <ma14:wrappingTextBoxFlag xmlns="" xmlns:ma14="http://schemas.microsoft.com/office/mac/drawingml/2011/main" val="1"/>
             </a:ext>
           </a:extLst>
         </p:spPr>
@@ -4392,7 +4392,7 @@
           </a:ln>
           <a:extLst>
             <a:ext uri="{C572A759-6A51-4108-AA02-DFA0A04FC94B}">
-              <ma14:wrappingTextBoxFlag xmlns:ma14="http://schemas.microsoft.com/office/mac/drawingml/2011/main" xmlns="" val="1"/>
+              <ma14:wrappingTextBoxFlag xmlns="" xmlns:ma14="http://schemas.microsoft.com/office/mac/drawingml/2011/main" val="1"/>
             </a:ext>
           </a:extLst>
         </p:spPr>
@@ -4434,7 +4434,7 @@
           </a:ln>
           <a:extLst>
             <a:ext uri="{C572A759-6A51-4108-AA02-DFA0A04FC94B}">
-              <ma14:wrappingTextBoxFlag xmlns:ma14="http://schemas.microsoft.com/office/mac/drawingml/2011/main" xmlns="" val="1"/>
+              <ma14:wrappingTextBoxFlag xmlns="" xmlns:ma14="http://schemas.microsoft.com/office/mac/drawingml/2011/main" val="1"/>
             </a:ext>
           </a:extLst>
         </p:spPr>
@@ -4579,7 +4579,7 @@
           </a:ln>
           <a:extLst>
             <a:ext uri="{C572A759-6A51-4108-AA02-DFA0A04FC94B}">
-              <ma14:wrappingTextBoxFlag xmlns:ma14="http://schemas.microsoft.com/office/mac/drawingml/2011/main" xmlns="" val="1"/>
+              <ma14:wrappingTextBoxFlag xmlns="" xmlns:ma14="http://schemas.microsoft.com/office/mac/drawingml/2011/main" val="1"/>
             </a:ext>
           </a:extLst>
         </p:spPr>
@@ -4689,7 +4689,7 @@
           </a:ln>
           <a:extLst>
             <a:ext uri="{C572A759-6A51-4108-AA02-DFA0A04FC94B}">
-              <ma14:wrappingTextBoxFlag xmlns:ma14="http://schemas.microsoft.com/office/mac/drawingml/2011/main" xmlns="" val="1"/>
+              <ma14:wrappingTextBoxFlag xmlns="" xmlns:ma14="http://schemas.microsoft.com/office/mac/drawingml/2011/main" val="1"/>
             </a:ext>
           </a:extLst>
         </p:spPr>
@@ -4765,7 +4765,7 @@
           </a:ln>
           <a:extLst>
             <a:ext uri="{C572A759-6A51-4108-AA02-DFA0A04FC94B}">
-              <ma14:wrappingTextBoxFlag xmlns:ma14="http://schemas.microsoft.com/office/mac/drawingml/2011/main" xmlns="" val="1"/>
+              <ma14:wrappingTextBoxFlag xmlns="" xmlns:ma14="http://schemas.microsoft.com/office/mac/drawingml/2011/main" val="1"/>
             </a:ext>
           </a:extLst>
         </p:spPr>
@@ -4838,7 +4838,7 @@
           </a:ln>
           <a:extLst>
             <a:ext uri="{C572A759-6A51-4108-AA02-DFA0A04FC94B}">
-              <ma14:wrappingTextBoxFlag xmlns:ma14="http://schemas.microsoft.com/office/mac/drawingml/2011/main" xmlns="" val="1"/>
+              <ma14:wrappingTextBoxFlag xmlns="" xmlns:ma14="http://schemas.microsoft.com/office/mac/drawingml/2011/main" val="1"/>
             </a:ext>
           </a:extLst>
         </p:spPr>
@@ -4888,7 +4888,7 @@
           </a:ln>
           <a:extLst>
             <a:ext uri="{C572A759-6A51-4108-AA02-DFA0A04FC94B}">
-              <ma14:wrappingTextBoxFlag xmlns:ma14="http://schemas.microsoft.com/office/mac/drawingml/2011/main" xmlns="" val="1"/>
+              <ma14:wrappingTextBoxFlag xmlns="" xmlns:ma14="http://schemas.microsoft.com/office/mac/drawingml/2011/main" val="1"/>
             </a:ext>
           </a:extLst>
         </p:spPr>
@@ -4938,7 +4938,7 @@
           </a:ln>
           <a:extLst>
             <a:ext uri="{C572A759-6A51-4108-AA02-DFA0A04FC94B}">
-              <ma14:wrappingTextBoxFlag xmlns:ma14="http://schemas.microsoft.com/office/mac/drawingml/2011/main" xmlns="" val="1"/>
+              <ma14:wrappingTextBoxFlag xmlns="" xmlns:ma14="http://schemas.microsoft.com/office/mac/drawingml/2011/main" val="1"/>
             </a:ext>
           </a:extLst>
         </p:spPr>
@@ -4975,7 +4975,7 @@
         <p:spPr>
           <a:xfrm>
             <a:off x="4529878" y="2862013"/>
-            <a:ext cx="4877508" cy="742315"/>
+            <a:ext cx="4877508" cy="812526"/>
           </a:xfrm>
           <a:prstGeom prst="rect">
             <a:avLst/>
@@ -4985,7 +4985,7 @@
           </a:ln>
           <a:extLst>
             <a:ext uri="{C572A759-6A51-4108-AA02-DFA0A04FC94B}">
-              <ma14:wrappingTextBoxFlag xmlns:ma14="http://schemas.microsoft.com/office/mac/drawingml/2011/main" xmlns="" val="1"/>
+              <ma14:wrappingTextBoxFlag xmlns="" xmlns:ma14="http://schemas.microsoft.com/office/mac/drawingml/2011/main" val="1"/>
             </a:ext>
           </a:extLst>
         </p:spPr>
@@ -5008,8 +5008,12 @@
           </a:lstStyle>
           <a:p>
             <a:r>
+              <a:rPr lang="en-US" altLang="zh-Hans" dirty="0"/>
+              <a:t>About</a:t>
+            </a:r>
+            <a:r>
               <a:rPr lang="zh-Hans" altLang="en-US" dirty="0"/>
-              <a:t>关于 </a:t>
+              <a:t> </a:t>
             </a:r>
             <a:r>
               <a:rPr dirty="0" err="1"/>
@@ -5038,7 +5042,7 @@
           </a:ln>
           <a:extLst>
             <a:ext uri="{C572A759-6A51-4108-AA02-DFA0A04FC94B}">
-              <ma14:wrappingTextBoxFlag xmlns:ma14="http://schemas.microsoft.com/office/mac/drawingml/2011/main" xmlns="" val="1"/>
+              <ma14:wrappingTextBoxFlag xmlns="" xmlns:ma14="http://schemas.microsoft.com/office/mac/drawingml/2011/main" val="1"/>
             </a:ext>
           </a:extLst>
         </p:spPr>
@@ -5095,7 +5099,7 @@
           </a:ln>
           <a:extLst>
             <a:ext uri="{C572A759-6A51-4108-AA02-DFA0A04FC94B}">
-              <ma14:wrappingTextBoxFlag xmlns:ma14="http://schemas.microsoft.com/office/mac/drawingml/2011/main" xmlns="" val="1"/>
+              <ma14:wrappingTextBoxFlag xmlns="" xmlns:ma14="http://schemas.microsoft.com/office/mac/drawingml/2011/main" val="1"/>
             </a:ext>
           </a:extLst>
         </p:spPr>
@@ -5185,7 +5189,7 @@
           </a:ln>
           <a:extLst>
             <a:ext uri="{C572A759-6A51-4108-AA02-DFA0A04FC94B}">
-              <ma14:wrappingTextBoxFlag xmlns:ma14="http://schemas.microsoft.com/office/mac/drawingml/2011/main" xmlns="" val="1"/>
+              <ma14:wrappingTextBoxFlag xmlns="" xmlns:ma14="http://schemas.microsoft.com/office/mac/drawingml/2011/main" val="1"/>
             </a:ext>
           </a:extLst>
         </p:spPr>
@@ -5208,6 +5212,7 @@
           </a:lstStyle>
           <a:p>
             <a:r>
+              <a:rPr dirty="0"/>
               <a:t>01</a:t>
             </a:r>
           </a:p>
@@ -5222,7 +5227,7 @@
         <p:spPr>
           <a:xfrm>
             <a:off x="3802372" y="4767579"/>
-            <a:ext cx="6308774" cy="1107992"/>
+            <a:ext cx="7127909" cy="1107992"/>
           </a:xfrm>
           <a:prstGeom prst="rect">
             <a:avLst/>
@@ -5232,7 +5237,7 @@
           </a:ln>
           <a:extLst>
             <a:ext uri="{C572A759-6A51-4108-AA02-DFA0A04FC94B}">
-              <ma14:wrappingTextBoxFlag xmlns:ma14="http://schemas.microsoft.com/office/mac/drawingml/2011/main" xmlns="" val="1"/>
+              <ma14:wrappingTextBoxFlag xmlns="" xmlns:ma14="http://schemas.microsoft.com/office/mac/drawingml/2011/main" val="1"/>
             </a:ext>
           </a:extLst>
         </p:spPr>
@@ -5255,8 +5260,12 @@
           </a:lstStyle>
           <a:p>
             <a:r>
+              <a:rPr lang="en-US" altLang="zh-Hans" dirty="0"/>
+              <a:t>About</a:t>
+            </a:r>
+            <a:r>
               <a:rPr lang="zh-Hans" altLang="en-US" dirty="0"/>
-              <a:t>关于 </a:t>
+              <a:t> </a:t>
             </a:r>
             <a:r>
               <a:rPr dirty="0" err="1"/>
@@ -5328,7 +5337,7 @@
           </a:ln>
           <a:extLst>
             <a:ext uri="{C572A759-6A51-4108-AA02-DFA0A04FC94B}">
-              <ma14:wrappingTextBoxFlag xmlns:ma14="http://schemas.microsoft.com/office/mac/drawingml/2011/main" xmlns="" val="1"/>
+              <ma14:wrappingTextBoxFlag xmlns="" xmlns:ma14="http://schemas.microsoft.com/office/mac/drawingml/2011/main" val="1"/>
             </a:ext>
           </a:extLst>
         </p:spPr>
@@ -5451,7 +5460,7 @@
           </a:ln>
           <a:extLst>
             <a:ext uri="{C572A759-6A51-4108-AA02-DFA0A04FC94B}">
-              <ma14:wrappingTextBoxFlag xmlns:ma14="http://schemas.microsoft.com/office/mac/drawingml/2011/main" xmlns="" val="1"/>
+              <ma14:wrappingTextBoxFlag xmlns="" xmlns:ma14="http://schemas.microsoft.com/office/mac/drawingml/2011/main" val="1"/>
             </a:ext>
           </a:extLst>
         </p:spPr>
@@ -5512,7 +5521,7 @@
           </a:ln>
           <a:extLst>
             <a:ext uri="{C572A759-6A51-4108-AA02-DFA0A04FC94B}">
-              <ma14:wrappingTextBoxFlag xmlns:ma14="http://schemas.microsoft.com/office/mac/drawingml/2011/main" xmlns="" val="1"/>
+              <ma14:wrappingTextBoxFlag xmlns="" xmlns:ma14="http://schemas.microsoft.com/office/mac/drawingml/2011/main" val="1"/>
             </a:ext>
           </a:extLst>
         </p:spPr>
@@ -5565,7 +5574,7 @@
           </a:ln>
           <a:extLst>
             <a:ext uri="{C572A759-6A51-4108-AA02-DFA0A04FC94B}">
-              <ma14:wrappingTextBoxFlag xmlns:ma14="http://schemas.microsoft.com/office/mac/drawingml/2011/main" xmlns="" val="1"/>
+              <ma14:wrappingTextBoxFlag xmlns="" xmlns:ma14="http://schemas.microsoft.com/office/mac/drawingml/2011/main" val="1"/>
             </a:ext>
           </a:extLst>
         </p:spPr>
@@ -5653,7 +5662,7 @@
           </a:ln>
           <a:extLst>
             <a:ext uri="{C572A759-6A51-4108-AA02-DFA0A04FC94B}">
-              <ma14:wrappingTextBoxFlag xmlns:ma14="http://schemas.microsoft.com/office/mac/drawingml/2011/main" xmlns="" val="1"/>
+              <ma14:wrappingTextBoxFlag xmlns="" xmlns:ma14="http://schemas.microsoft.com/office/mac/drawingml/2011/main" val="1"/>
             </a:ext>
           </a:extLst>
         </p:spPr>
@@ -5703,7 +5712,7 @@
           </a:ln>
           <a:extLst>
             <a:ext uri="{C572A759-6A51-4108-AA02-DFA0A04FC94B}">
-              <ma14:wrappingTextBoxFlag xmlns:ma14="http://schemas.microsoft.com/office/mac/drawingml/2011/main" xmlns="" val="1"/>
+              <ma14:wrappingTextBoxFlag xmlns="" xmlns:ma14="http://schemas.microsoft.com/office/mac/drawingml/2011/main" val="1"/>
             </a:ext>
           </a:extLst>
         </p:spPr>
@@ -5752,7 +5761,7 @@
           </a:ln>
           <a:extLst>
             <a:ext uri="{C572A759-6A51-4108-AA02-DFA0A04FC94B}">
-              <ma14:wrappingTextBoxFlag xmlns:ma14="http://schemas.microsoft.com/office/mac/drawingml/2011/main" xmlns="" val="1"/>
+              <ma14:wrappingTextBoxFlag xmlns="" xmlns:ma14="http://schemas.microsoft.com/office/mac/drawingml/2011/main" val="1"/>
             </a:ext>
           </a:extLst>
         </p:spPr>
@@ -5800,7 +5809,7 @@
           </a:ln>
           <a:extLst>
             <a:ext uri="{C572A759-6A51-4108-AA02-DFA0A04FC94B}">
-              <ma14:wrappingTextBoxFlag xmlns:ma14="http://schemas.microsoft.com/office/mac/drawingml/2011/main" xmlns="" val="1"/>
+              <ma14:wrappingTextBoxFlag xmlns="" xmlns:ma14="http://schemas.microsoft.com/office/mac/drawingml/2011/main" val="1"/>
             </a:ext>
           </a:extLst>
         </p:spPr>
@@ -5866,6 +5875,52 @@
           <a:chExt cx="0" cy="0"/>
         </a:xfrm>
       </p:grpSpPr>
+      <p:sp>
+        <p:nvSpPr>
+          <p:cNvPr id="3" name="A statically typed superset of JavaScript that compiles to plain JavaScript">
+            <a:extLst>
+              <a:ext uri="{FF2B5EF4-FFF2-40B4-BE49-F238E27FC236}">
+                <a16:creationId xmlns:a16="http://schemas.microsoft.com/office/drawing/2014/main" id="{867BB9C4-E3E5-CD4D-967C-59552E7E9034}"/>
+              </a:ext>
+            </a:extLst>
+          </p:cNvPr>
+          <p:cNvSpPr txBox="1"/>
+          <p:nvPr/>
+        </p:nvSpPr>
+        <p:spPr>
+          <a:xfrm>
+            <a:off x="1907829" y="1774833"/>
+            <a:ext cx="10921556" cy="810478"/>
+          </a:xfrm>
+          <a:prstGeom prst="rect">
+            <a:avLst/>
+          </a:prstGeom>
+          <a:ln w="12700">
+            <a:miter lim="400000"/>
+          </a:ln>
+          <a:extLst>
+            <a:ext uri="{C572A759-6A51-4108-AA02-DFA0A04FC94B}">
+              <ma14:wrappingTextBoxFlag xmlns="" xmlns:ma14="http://schemas.microsoft.com/office/mac/drawingml/2011/main" val="1"/>
+            </a:ext>
+          </a:extLst>
+        </p:spPr>
+        <p:txBody>
+          <a:bodyPr lIns="50800" tIns="50800" rIns="50800" bIns="50800" anchor="ctr">
+            <a:spAutoFit/>
+          </a:bodyPr>
+          <a:lstStyle/>
+          <a:p>
+            <a:pPr lvl="1">
+              <a:defRPr sz="4600"/>
+            </a:pPr>
+            <a:r>
+              <a:rPr lang="en-US" dirty="0"/>
+              <a:t>Microsoft</a:t>
+            </a:r>
+            <a:endParaRPr dirty="0"/>
+          </a:p>
+        </p:txBody>
+      </p:sp>
     </p:spTree>
     <p:extLst>
       <p:ext uri="{BB962C8B-B14F-4D97-AF65-F5344CB8AC3E}">
@@ -5927,7 +5982,7 @@
           </a:ln>
           <a:extLst>
             <a:ext uri="{C572A759-6A51-4108-AA02-DFA0A04FC94B}">
-              <ma14:wrappingTextBoxFlag xmlns:ma14="http://schemas.microsoft.com/office/mac/drawingml/2011/main" xmlns="" val="1"/>
+              <ma14:wrappingTextBoxFlag xmlns="" xmlns:ma14="http://schemas.microsoft.com/office/mac/drawingml/2011/main" val="1"/>
             </a:ext>
           </a:extLst>
         </p:spPr>

--- a/ppt/typescript1.pptx
+++ b/ppt/typescript1.pptx
@@ -5,7 +5,7 @@
     <p:sldMasterId id="2147483648" r:id="rId1"/>
   </p:sldMasterIdLst>
   <p:notesMasterIdLst>
-    <p:notesMasterId r:id="rId20"/>
+    <p:notesMasterId r:id="rId23"/>
   </p:notesMasterIdLst>
   <p:sldIdLst>
     <p:sldId id="256" r:id="rId2"/>
@@ -16,16 +16,19 @@
     <p:sldId id="278" r:id="rId7"/>
     <p:sldId id="282" r:id="rId8"/>
     <p:sldId id="279" r:id="rId9"/>
-    <p:sldId id="260" r:id="rId10"/>
-    <p:sldId id="284" r:id="rId11"/>
-    <p:sldId id="261" r:id="rId12"/>
-    <p:sldId id="283" r:id="rId13"/>
-    <p:sldId id="262" r:id="rId14"/>
-    <p:sldId id="263" r:id="rId15"/>
-    <p:sldId id="264" r:id="rId16"/>
-    <p:sldId id="265" r:id="rId17"/>
-    <p:sldId id="270" r:id="rId18"/>
-    <p:sldId id="274" r:id="rId19"/>
+    <p:sldId id="287" r:id="rId10"/>
+    <p:sldId id="260" r:id="rId11"/>
+    <p:sldId id="284" r:id="rId12"/>
+    <p:sldId id="261" r:id="rId13"/>
+    <p:sldId id="283" r:id="rId14"/>
+    <p:sldId id="262" r:id="rId15"/>
+    <p:sldId id="285" r:id="rId16"/>
+    <p:sldId id="286" r:id="rId17"/>
+    <p:sldId id="263" r:id="rId18"/>
+    <p:sldId id="264" r:id="rId19"/>
+    <p:sldId id="265" r:id="rId20"/>
+    <p:sldId id="270" r:id="rId21"/>
+    <p:sldId id="274" r:id="rId22"/>
   </p:sldIdLst>
   <p:sldSz cx="14401800" cy="10795000"/>
   <p:notesSz cx="6858000" cy="9144000"/>
@@ -2567,7 +2570,7 @@
           </a:ln>
           <a:extLst>
             <a:ext uri="{C572A759-6A51-4108-AA02-DFA0A04FC94B}">
-              <ma14:wrappingTextBoxFlag xmlns="" xmlns:ma14="http://schemas.microsoft.com/office/mac/drawingml/2011/main" val="1"/>
+              <ma14:wrappingTextBoxFlag xmlns:ma14="http://schemas.microsoft.com/office/mac/drawingml/2011/main" xmlns="" val="1"/>
             </a:ext>
           </a:extLst>
         </p:spPr>
@@ -2606,7 +2609,7 @@
           </a:ln>
           <a:extLst>
             <a:ext uri="{C572A759-6A51-4108-AA02-DFA0A04FC94B}">
-              <ma14:wrappingTextBoxFlag xmlns="" xmlns:ma14="http://schemas.microsoft.com/office/mac/drawingml/2011/main" val="1"/>
+              <ma14:wrappingTextBoxFlag xmlns:ma14="http://schemas.microsoft.com/office/mac/drawingml/2011/main" xmlns="" val="1"/>
             </a:ext>
           </a:extLst>
         </p:spPr>
@@ -3541,7 +3544,7 @@
           </a:ln>
           <a:extLst>
             <a:ext uri="{C572A759-6A51-4108-AA02-DFA0A04FC94B}">
-              <ma14:wrappingTextBoxFlag xmlns="" xmlns:ma14="http://schemas.microsoft.com/office/mac/drawingml/2011/main" val="1"/>
+              <ma14:wrappingTextBoxFlag xmlns:ma14="http://schemas.microsoft.com/office/mac/drawingml/2011/main" xmlns="" val="1"/>
             </a:ext>
           </a:extLst>
         </p:spPr>
@@ -3597,7 +3600,7 @@
           </a:ln>
           <a:extLst>
             <a:ext uri="{C572A759-6A51-4108-AA02-DFA0A04FC94B}">
-              <ma14:wrappingTextBoxFlag xmlns="" xmlns:ma14="http://schemas.microsoft.com/office/mac/drawingml/2011/main" val="1"/>
+              <ma14:wrappingTextBoxFlag xmlns:ma14="http://schemas.microsoft.com/office/mac/drawingml/2011/main" xmlns="" val="1"/>
             </a:ext>
           </a:extLst>
         </p:spPr>
@@ -3660,6 +3663,72 @@
 </file>
 
 <file path=ppt/slides/slide10.xml><?xml version="1.0" encoding="utf-8"?>
+<p:sld xmlns:a="http://schemas.openxmlformats.org/drawingml/2006/main" xmlns:r="http://schemas.openxmlformats.org/officeDocument/2006/relationships" xmlns:p="http://schemas.openxmlformats.org/presentationml/2006/main">
+  <p:cSld>
+    <p:spTree>
+      <p:nvGrpSpPr>
+        <p:cNvPr id="1" name=""/>
+        <p:cNvGrpSpPr/>
+        <p:nvPr/>
+      </p:nvGrpSpPr>
+      <p:grpSpPr>
+        <a:xfrm>
+          <a:off x="0" y="0"/>
+          <a:ext cx="0" cy="0"/>
+          <a:chOff x="0" y="0"/>
+          <a:chExt cx="0" cy="0"/>
+        </a:xfrm>
+      </p:grpSpPr>
+      <p:pic>
+        <p:nvPicPr>
+          <p:cNvPr id="149" name="693bf5a67c81cbe007fc83311f29571f.png" descr="693bf5a67c81cbe007fc83311f29571f.png"/>
+          <p:cNvPicPr>
+            <a:picLocks noChangeAspect="1"/>
+          </p:cNvPicPr>
+          <p:nvPr/>
+        </p:nvPicPr>
+        <p:blipFill>
+          <a:blip r:embed="rId2">
+            <a:extLst/>
+          </a:blip>
+          <a:stretch>
+            <a:fillRect/>
+          </a:stretch>
+        </p:blipFill>
+        <p:spPr>
+          <a:xfrm>
+            <a:off x="698500" y="1202480"/>
+            <a:ext cx="12700000" cy="7112002"/>
+          </a:xfrm>
+          <a:prstGeom prst="rect">
+            <a:avLst/>
+          </a:prstGeom>
+          <a:ln w="12700">
+            <a:miter lim="400000"/>
+          </a:ln>
+        </p:spPr>
+      </p:pic>
+    </p:spTree>
+  </p:cSld>
+  <p:clrMapOvr>
+    <a:masterClrMapping/>
+  </p:clrMapOvr>
+  <mc:AlternateContent xmlns:mc="http://schemas.openxmlformats.org/markup-compatibility/2006" xmlns:p14="http://schemas.microsoft.com/office/powerpoint/2010/main">
+    <mc:Choice Requires="p14">
+      <p:transition spd="slow">
+        <p:dissolve/>
+      </p:transition>
+    </mc:Choice>
+    <mc:Fallback xmlns="">
+      <p:transition spd="med">
+        <p:fade/>
+      </p:transition>
+    </mc:Fallback>
+  </mc:AlternateContent>
+</p:sld>
+</file>
+
+<file path=ppt/slides/slide11.xml><?xml version="1.0" encoding="utf-8"?>
 <p:sld xmlns:a="http://schemas.openxmlformats.org/drawingml/2006/main" xmlns:r="http://schemas.openxmlformats.org/officeDocument/2006/relationships" xmlns:p="http://schemas.openxmlformats.org/presentationml/2006/main">
   <p:cSld>
     <p:spTree>
@@ -3737,7 +3806,7 @@
 </p:sld>
 </file>
 
-<file path=ppt/slides/slide11.xml><?xml version="1.0" encoding="utf-8"?>
+<file path=ppt/slides/slide12.xml><?xml version="1.0" encoding="utf-8"?>
 <p:sld xmlns:a="http://schemas.openxmlformats.org/drawingml/2006/main" xmlns:r="http://schemas.openxmlformats.org/officeDocument/2006/relationships" xmlns:p="http://schemas.openxmlformats.org/presentationml/2006/main">
   <p:cSld>
     <p:spTree>
@@ -3810,7 +3879,7 @@
 </p:sld>
 </file>
 
-<file path=ppt/slides/slide12.xml><?xml version="1.0" encoding="utf-8"?>
+<file path=ppt/slides/slide13.xml><?xml version="1.0" encoding="utf-8"?>
 <p:sld xmlns:a="http://schemas.openxmlformats.org/drawingml/2006/main" xmlns:r="http://schemas.openxmlformats.org/officeDocument/2006/relationships" xmlns:p="http://schemas.openxmlformats.org/presentationml/2006/main">
   <p:cSld>
     <p:spTree>
@@ -3846,7 +3915,7 @@
           </a:ln>
           <a:extLst>
             <a:ext uri="{C572A759-6A51-4108-AA02-DFA0A04FC94B}">
-              <ma14:wrappingTextBoxFlag xmlns="" xmlns:ma14="http://schemas.microsoft.com/office/mac/drawingml/2011/main" val="1"/>
+              <ma14:wrappingTextBoxFlag xmlns:ma14="http://schemas.microsoft.com/office/mac/drawingml/2011/main" xmlns="" val="1"/>
             </a:ext>
           </a:extLst>
         </p:spPr>
@@ -3881,8 +3950,8 @@
         </p:nvSpPr>
         <p:spPr>
           <a:xfrm>
-            <a:off x="3092405" y="4680493"/>
-            <a:ext cx="8860110" cy="2263139"/>
+            <a:off x="3994247" y="4689637"/>
+            <a:ext cx="6915774" cy="1107992"/>
           </a:xfrm>
           <a:prstGeom prst="rect">
             <a:avLst/>
@@ -3892,12 +3961,12 @@
           </a:ln>
           <a:extLst>
             <a:ext uri="{C572A759-6A51-4108-AA02-DFA0A04FC94B}">
-              <ma14:wrappingTextBoxFlag xmlns="" xmlns:ma14="http://schemas.microsoft.com/office/mac/drawingml/2011/main" val="1"/>
+              <ma14:wrappingTextBoxFlag xmlns:ma14="http://schemas.microsoft.com/office/mac/drawingml/2011/main" xmlns="" val="1"/>
             </a:ext>
           </a:extLst>
         </p:spPr>
         <p:txBody>
-          <a:bodyPr lIns="45718" tIns="45718" rIns="45718" bIns="45718">
+          <a:bodyPr wrap="square" lIns="45718" tIns="45718" rIns="45718" bIns="45718">
             <a:spAutoFit/>
           </a:bodyPr>
           <a:lstStyle/>
@@ -3914,7 +3983,16 @@
               </a:defRPr>
             </a:pPr>
             <a:r>
-              <a:t>为什么选择 TypeScript </a:t>
+              <a:rPr lang="en-US" dirty="0"/>
+              <a:t>Why </a:t>
+            </a:r>
+            <a:r>
+              <a:rPr dirty="0" err="1"/>
+              <a:t>TypeScript</a:t>
+            </a:r>
+            <a:r>
+              <a:rPr dirty="0"/>
+              <a:t> </a:t>
             </a:r>
           </a:p>
         </p:txBody>
@@ -3925,379 +4003,6 @@
         <p14:creationId xmlns:p14="http://schemas.microsoft.com/office/powerpoint/2010/main" val="2225459466"/>
       </p:ext>
     </p:extLst>
-  </p:cSld>
-  <p:clrMapOvr>
-    <a:masterClrMapping/>
-  </p:clrMapOvr>
-  <mc:AlternateContent xmlns:mc="http://schemas.openxmlformats.org/markup-compatibility/2006" xmlns:p14="http://schemas.microsoft.com/office/powerpoint/2010/main">
-    <mc:Choice Requires="p14">
-      <p:transition spd="slow">
-        <p:dissolve/>
-      </p:transition>
-    </mc:Choice>
-    <mc:Fallback xmlns="">
-      <p:transition spd="med">
-        <p:fade/>
-      </p:transition>
-    </mc:Fallback>
-  </mc:AlternateContent>
-</p:sld>
-</file>
-
-<file path=ppt/slides/slide13.xml><?xml version="1.0" encoding="utf-8"?>
-<p:sld xmlns:a="http://schemas.openxmlformats.org/drawingml/2006/main" xmlns:r="http://schemas.openxmlformats.org/officeDocument/2006/relationships" xmlns:p="http://schemas.openxmlformats.org/presentationml/2006/main">
-  <p:cSld>
-    <p:spTree>
-      <p:nvGrpSpPr>
-        <p:cNvPr id="1" name=""/>
-        <p:cNvGrpSpPr/>
-        <p:nvPr/>
-      </p:nvGrpSpPr>
-      <p:grpSpPr>
-        <a:xfrm>
-          <a:off x="0" y="0"/>
-          <a:ext cx="0" cy="0"/>
-          <a:chOff x="0" y="0"/>
-          <a:chExt cx="0" cy="0"/>
-        </a:xfrm>
-      </p:grpSpPr>
-      <p:sp>
-        <p:nvSpPr>
-          <p:cNvPr id="154" name="对标准 JavaScript 支持"/>
-          <p:cNvSpPr txBox="1"/>
-          <p:nvPr/>
-        </p:nvSpPr>
-        <p:spPr>
-          <a:xfrm>
-            <a:off x="742497" y="1189187"/>
-            <a:ext cx="2833465" cy="830993"/>
-          </a:xfrm>
-          <a:prstGeom prst="rect">
-            <a:avLst/>
-          </a:prstGeom>
-          <a:ln w="12700">
-            <a:miter lim="400000"/>
-          </a:ln>
-          <a:extLst>
-            <a:ext uri="{C572A759-6A51-4108-AA02-DFA0A04FC94B}">
-              <ma14:wrappingTextBoxFlag xmlns="" xmlns:ma14="http://schemas.microsoft.com/office/mac/drawingml/2011/main" val="1"/>
-            </a:ext>
-          </a:extLst>
-        </p:spPr>
-        <p:txBody>
-          <a:bodyPr wrap="none" lIns="45718" tIns="45718" rIns="45718" bIns="45718">
-            <a:spAutoFit/>
-          </a:bodyPr>
-          <a:lstStyle>
-            <a:lvl1pPr algn="ctr">
-              <a:defRPr sz="4800"/>
-            </a:lvl1pPr>
-          </a:lstStyle>
-          <a:p>
-            <a:r>
-              <a:rPr lang="en-US" dirty="0"/>
-              <a:t>ES future </a:t>
-            </a:r>
-            <a:endParaRPr dirty="0"/>
-          </a:p>
-        </p:txBody>
-      </p:sp>
-      <p:sp>
-        <p:nvSpPr>
-          <p:cNvPr id="155" name="任何你在 ECMA stage 3 之后写的 JS 代码都是可行的 TS 代码"/>
-          <p:cNvSpPr txBox="1"/>
-          <p:nvPr/>
-        </p:nvSpPr>
-        <p:spPr>
-          <a:xfrm>
-            <a:off x="882197" y="3005240"/>
-            <a:ext cx="13383643" cy="1361437"/>
-          </a:xfrm>
-          <a:prstGeom prst="rect">
-            <a:avLst/>
-          </a:prstGeom>
-          <a:ln w="12700">
-            <a:miter lim="400000"/>
-          </a:ln>
-          <a:extLst>
-            <a:ext uri="{C572A759-6A51-4108-AA02-DFA0A04FC94B}">
-              <ma14:wrappingTextBoxFlag xmlns="" xmlns:ma14="http://schemas.microsoft.com/office/mac/drawingml/2011/main" val="1"/>
-            </a:ext>
-          </a:extLst>
-        </p:spPr>
-        <p:txBody>
-          <a:bodyPr lIns="45718" tIns="45718" rIns="45718" bIns="45718">
-            <a:spAutoFit/>
-          </a:bodyPr>
-          <a:lstStyle/>
-          <a:p>
-            <a:pPr marL="571500" indent="-571500">
-              <a:buSzPct val="100000"/>
-              <a:buFont typeface="Arial"/>
-              <a:buChar char="•"/>
-              <a:defRPr sz="3600"/>
-            </a:pPr>
-            <a:r>
-              <a:rPr dirty="0" err="1"/>
-              <a:t>任何你在</a:t>
-            </a:r>
-            <a:r>
-              <a:rPr dirty="0">
-                <a:latin typeface="Trebuchet MS"/>
-                <a:ea typeface="Trebuchet MS"/>
-                <a:cs typeface="Trebuchet MS"/>
-                <a:sym typeface="Trebuchet MS"/>
-              </a:rPr>
-              <a:t> ECMA stage 3 </a:t>
-            </a:r>
-            <a:r>
-              <a:rPr dirty="0" err="1"/>
-              <a:t>之后写的</a:t>
-            </a:r>
-            <a:r>
-              <a:rPr dirty="0">
-                <a:latin typeface="Trebuchet MS"/>
-                <a:ea typeface="Trebuchet MS"/>
-                <a:cs typeface="Trebuchet MS"/>
-                <a:sym typeface="Trebuchet MS"/>
-              </a:rPr>
-              <a:t> </a:t>
-            </a:r>
-            <a:r>
-              <a:rPr dirty="0" err="1">
-                <a:latin typeface="Trebuchet MS"/>
-                <a:ea typeface="Trebuchet MS"/>
-                <a:cs typeface="Trebuchet MS"/>
-                <a:sym typeface="Trebuchet MS"/>
-              </a:rPr>
-              <a:t>JavaSript</a:t>
-            </a:r>
-            <a:r>
-              <a:rPr dirty="0">
-                <a:latin typeface="Trebuchet MS"/>
-                <a:ea typeface="Trebuchet MS"/>
-                <a:cs typeface="Trebuchet MS"/>
-                <a:sym typeface="Trebuchet MS"/>
-              </a:rPr>
-              <a:t> </a:t>
-            </a:r>
-            <a:r>
-              <a:rPr dirty="0" err="1"/>
-              <a:t>代码都是可行的</a:t>
-            </a:r>
-            <a:r>
-              <a:rPr dirty="0">
-                <a:latin typeface="Trebuchet MS"/>
-                <a:ea typeface="Trebuchet MS"/>
-                <a:cs typeface="Trebuchet MS"/>
-                <a:sym typeface="Trebuchet MS"/>
-              </a:rPr>
-              <a:t> </a:t>
-            </a:r>
-            <a:r>
-              <a:rPr dirty="0" err="1">
-                <a:latin typeface="Trebuchet MS"/>
-                <a:ea typeface="Trebuchet MS"/>
-                <a:cs typeface="Trebuchet MS"/>
-                <a:sym typeface="Trebuchet MS"/>
-              </a:rPr>
-              <a:t>TypeScript</a:t>
-            </a:r>
-            <a:r>
-              <a:rPr dirty="0">
-                <a:latin typeface="Trebuchet MS"/>
-                <a:ea typeface="Trebuchet MS"/>
-                <a:cs typeface="Trebuchet MS"/>
-                <a:sym typeface="Trebuchet MS"/>
-              </a:rPr>
-              <a:t> </a:t>
-            </a:r>
-            <a:r>
-              <a:rPr dirty="0" err="1"/>
-              <a:t>代码</a:t>
-            </a:r>
-            <a:endParaRPr dirty="0"/>
-          </a:p>
-        </p:txBody>
-      </p:sp>
-      <p:sp>
-        <p:nvSpPr>
-          <p:cNvPr id="156" name="VS Babel"/>
-          <p:cNvSpPr txBox="1"/>
-          <p:nvPr/>
-        </p:nvSpPr>
-        <p:spPr>
-          <a:xfrm>
-            <a:off x="742497" y="5223590"/>
-            <a:ext cx="5243584" cy="624837"/>
-          </a:xfrm>
-          <a:prstGeom prst="rect">
-            <a:avLst/>
-          </a:prstGeom>
-          <a:ln w="12700">
-            <a:miter lim="400000"/>
-          </a:ln>
-          <a:extLst>
-            <a:ext uri="{C572A759-6A51-4108-AA02-DFA0A04FC94B}">
-              <ma14:wrappingTextBoxFlag xmlns="" xmlns:ma14="http://schemas.microsoft.com/office/mac/drawingml/2011/main" val="1"/>
-            </a:ext>
-          </a:extLst>
-        </p:spPr>
-        <p:txBody>
-          <a:bodyPr lIns="45718" tIns="45718" rIns="45718" bIns="45718">
-            <a:spAutoFit/>
-          </a:bodyPr>
-          <a:lstStyle/>
-          <a:p>
-            <a:pPr marL="457200" indent="-457200">
-              <a:buSzPct val="100000"/>
-              <a:buFont typeface="Arial"/>
-              <a:buChar char="•"/>
-              <a:defRPr sz="3200">
-                <a:latin typeface="Trebuchet MS"/>
-                <a:ea typeface="Trebuchet MS"/>
-                <a:cs typeface="Trebuchet MS"/>
-                <a:sym typeface="Trebuchet MS"/>
-              </a:defRPr>
-            </a:pPr>
-            <a:r>
-              <a:rPr dirty="0"/>
-              <a:t>  VS </a:t>
-            </a:r>
-            <a:r>
-              <a:rPr sz="3600" dirty="0"/>
-              <a:t>Babel</a:t>
-            </a:r>
-          </a:p>
-        </p:txBody>
-      </p:sp>
-      <p:sp>
-        <p:nvSpPr>
-          <p:cNvPr id="157" name="Babel 为 ES6 而生，现在也只是个 preset 而已，扩展强，功能多"/>
-          <p:cNvSpPr txBox="1"/>
-          <p:nvPr/>
-        </p:nvSpPr>
-        <p:spPr>
-          <a:xfrm>
-            <a:off x="1624346" y="6217237"/>
-            <a:ext cx="12483542" cy="662937"/>
-          </a:xfrm>
-          <a:prstGeom prst="rect">
-            <a:avLst/>
-          </a:prstGeom>
-          <a:ln w="12700">
-            <a:miter lim="400000"/>
-          </a:ln>
-          <a:extLst>
-            <a:ext uri="{C572A759-6A51-4108-AA02-DFA0A04FC94B}">
-              <ma14:wrappingTextBoxFlag xmlns="" xmlns:ma14="http://schemas.microsoft.com/office/mac/drawingml/2011/main" val="1"/>
-            </a:ext>
-          </a:extLst>
-        </p:spPr>
-        <p:txBody>
-          <a:bodyPr lIns="45718" tIns="45718" rIns="45718" bIns="45718">
-            <a:spAutoFit/>
-          </a:bodyPr>
-          <a:lstStyle/>
-          <a:p>
-            <a:pPr marL="457200" indent="-457200">
-              <a:buSzPct val="100000"/>
-              <a:buFont typeface="Arial"/>
-              <a:buChar char="•"/>
-              <a:defRPr sz="3200">
-                <a:latin typeface="Trebuchet MS"/>
-                <a:ea typeface="Trebuchet MS"/>
-                <a:cs typeface="Trebuchet MS"/>
-                <a:sym typeface="Trebuchet MS"/>
-              </a:defRPr>
-            </a:pPr>
-            <a:r>
-              <a:t>Babel</a:t>
-            </a:r>
-            <a:r>
-              <a:rPr>
-                <a:latin typeface="+mn-lt"/>
-                <a:ea typeface="+mn-ea"/>
-                <a:cs typeface="+mn-cs"/>
-                <a:sym typeface="Helvetica"/>
-              </a:rPr>
-              <a:t> 为 </a:t>
-            </a:r>
-            <a:r>
-              <a:t>ES6 </a:t>
-            </a:r>
-            <a:r>
-              <a:rPr>
-                <a:latin typeface="+mn-lt"/>
-                <a:ea typeface="+mn-ea"/>
-                <a:cs typeface="+mn-cs"/>
-                <a:sym typeface="Helvetica"/>
-              </a:rPr>
-              <a:t>而生，现在也只是个 </a:t>
-            </a:r>
-            <a:r>
-              <a:t>preset</a:t>
-            </a:r>
-            <a:r>
-              <a:rPr>
-                <a:latin typeface="+mn-lt"/>
-                <a:ea typeface="+mn-ea"/>
-                <a:cs typeface="+mn-cs"/>
-                <a:sym typeface="Helvetica"/>
-              </a:rPr>
-              <a:t> 而已，扩展强，功能多</a:t>
-            </a:r>
-          </a:p>
-        </p:txBody>
-      </p:sp>
-      <p:sp>
-        <p:nvSpPr>
-          <p:cNvPr id="158" name="TypeScript lib =&gt; tsc + tsserver"/>
-          <p:cNvSpPr txBox="1"/>
-          <p:nvPr/>
-        </p:nvSpPr>
-        <p:spPr>
-          <a:xfrm>
-            <a:off x="1625600" y="7248983"/>
-            <a:ext cx="8598449" cy="561337"/>
-          </a:xfrm>
-          <a:prstGeom prst="rect">
-            <a:avLst/>
-          </a:prstGeom>
-          <a:ln w="12700">
-            <a:miter lim="400000"/>
-          </a:ln>
-          <a:extLst>
-            <a:ext uri="{C572A759-6A51-4108-AA02-DFA0A04FC94B}">
-              <ma14:wrappingTextBoxFlag xmlns="" xmlns:ma14="http://schemas.microsoft.com/office/mac/drawingml/2011/main" val="1"/>
-            </a:ext>
-          </a:extLst>
-        </p:spPr>
-        <p:txBody>
-          <a:bodyPr lIns="45718" tIns="45718" rIns="45718" bIns="45718">
-            <a:spAutoFit/>
-          </a:bodyPr>
-          <a:lstStyle>
-            <a:lvl1pPr marL="457200" indent="-457200">
-              <a:buSzPct val="100000"/>
-              <a:buFont typeface="Arial"/>
-              <a:buChar char="•"/>
-              <a:defRPr sz="3200">
-                <a:latin typeface="Trebuchet MS"/>
-                <a:ea typeface="Trebuchet MS"/>
-                <a:cs typeface="Trebuchet MS"/>
-                <a:sym typeface="Trebuchet MS"/>
-              </a:defRPr>
-            </a:lvl1pPr>
-          </a:lstStyle>
-          <a:p>
-            <a:r>
-              <a:t>TypeScript lib =&gt; tsc + tsserver  </a:t>
-            </a:r>
-          </a:p>
-        </p:txBody>
-      </p:sp>
-    </p:spTree>
   </p:cSld>
   <p:clrMapOvr>
     <a:masterClrMapping/>
@@ -4336,14 +4041,14 @@
       </p:grpSpPr>
       <p:sp>
         <p:nvSpPr>
-          <p:cNvPr id="160" name="静态类型检查"/>
+          <p:cNvPr id="154" name="对标准 JavaScript 支持"/>
           <p:cNvSpPr txBox="1"/>
           <p:nvPr/>
         </p:nvSpPr>
         <p:spPr>
           <a:xfrm>
-            <a:off x="1333500" y="1371599"/>
-            <a:ext cx="4608513" cy="942337"/>
+            <a:off x="742497" y="1189187"/>
+            <a:ext cx="2833465" cy="830993"/>
           </a:xfrm>
           <a:prstGeom prst="rect">
             <a:avLst/>
@@ -4353,7 +4058,296 @@
           </a:ln>
           <a:extLst>
             <a:ext uri="{C572A759-6A51-4108-AA02-DFA0A04FC94B}">
-              <ma14:wrappingTextBoxFlag xmlns="" xmlns:ma14="http://schemas.microsoft.com/office/mac/drawingml/2011/main" val="1"/>
+              <ma14:wrappingTextBoxFlag xmlns:ma14="http://schemas.microsoft.com/office/mac/drawingml/2011/main" xmlns="" val="1"/>
+            </a:ext>
+          </a:extLst>
+        </p:spPr>
+        <p:txBody>
+          <a:bodyPr wrap="none" lIns="45718" tIns="45718" rIns="45718" bIns="45718">
+            <a:spAutoFit/>
+          </a:bodyPr>
+          <a:lstStyle>
+            <a:lvl1pPr algn="ctr">
+              <a:defRPr sz="4800"/>
+            </a:lvl1pPr>
+          </a:lstStyle>
+          <a:p>
+            <a:r>
+              <a:rPr lang="en-US" dirty="0"/>
+              <a:t>ES future </a:t>
+            </a:r>
+            <a:endParaRPr dirty="0"/>
+          </a:p>
+        </p:txBody>
+      </p:sp>
+      <p:sp>
+        <p:nvSpPr>
+          <p:cNvPr id="155" name="任何你在 ECMA stage 3 之后写的 JS 代码都是可行的 TS 代码"/>
+          <p:cNvSpPr txBox="1"/>
+          <p:nvPr/>
+        </p:nvSpPr>
+        <p:spPr>
+          <a:xfrm>
+            <a:off x="882197" y="3005240"/>
+            <a:ext cx="13383643" cy="1361437"/>
+          </a:xfrm>
+          <a:prstGeom prst="rect">
+            <a:avLst/>
+          </a:prstGeom>
+          <a:ln w="12700">
+            <a:miter lim="400000"/>
+          </a:ln>
+          <a:extLst>
+            <a:ext uri="{C572A759-6A51-4108-AA02-DFA0A04FC94B}">
+              <ma14:wrappingTextBoxFlag xmlns:ma14="http://schemas.microsoft.com/office/mac/drawingml/2011/main" xmlns="" val="1"/>
+            </a:ext>
+          </a:extLst>
+        </p:spPr>
+        <p:txBody>
+          <a:bodyPr lIns="45718" tIns="45718" rIns="45718" bIns="45718">
+            <a:spAutoFit/>
+          </a:bodyPr>
+          <a:lstStyle/>
+          <a:p>
+            <a:pPr marL="571500" indent="-571500">
+              <a:buSzPct val="100000"/>
+              <a:buFont typeface="Arial"/>
+              <a:buChar char="•"/>
+              <a:defRPr sz="3600"/>
+            </a:pPr>
+            <a:r>
+              <a:rPr dirty="0" err="1"/>
+              <a:t>任何你在</a:t>
+            </a:r>
+            <a:r>
+              <a:rPr dirty="0">
+                <a:latin typeface="Trebuchet MS"/>
+                <a:ea typeface="Trebuchet MS"/>
+                <a:cs typeface="Trebuchet MS"/>
+                <a:sym typeface="Trebuchet MS"/>
+              </a:rPr>
+              <a:t> ECMA stage 3 </a:t>
+            </a:r>
+            <a:r>
+              <a:rPr dirty="0" err="1"/>
+              <a:t>之后写的</a:t>
+            </a:r>
+            <a:r>
+              <a:rPr dirty="0">
+                <a:latin typeface="Trebuchet MS"/>
+                <a:ea typeface="Trebuchet MS"/>
+                <a:cs typeface="Trebuchet MS"/>
+                <a:sym typeface="Trebuchet MS"/>
+              </a:rPr>
+              <a:t> </a:t>
+            </a:r>
+            <a:r>
+              <a:rPr dirty="0" err="1">
+                <a:latin typeface="Trebuchet MS"/>
+                <a:ea typeface="Trebuchet MS"/>
+                <a:cs typeface="Trebuchet MS"/>
+                <a:sym typeface="Trebuchet MS"/>
+              </a:rPr>
+              <a:t>JavaSript</a:t>
+            </a:r>
+            <a:r>
+              <a:rPr dirty="0">
+                <a:latin typeface="Trebuchet MS"/>
+                <a:ea typeface="Trebuchet MS"/>
+                <a:cs typeface="Trebuchet MS"/>
+                <a:sym typeface="Trebuchet MS"/>
+              </a:rPr>
+              <a:t> </a:t>
+            </a:r>
+            <a:r>
+              <a:rPr dirty="0" err="1"/>
+              <a:t>代码都是可行的</a:t>
+            </a:r>
+            <a:r>
+              <a:rPr dirty="0">
+                <a:latin typeface="Trebuchet MS"/>
+                <a:ea typeface="Trebuchet MS"/>
+                <a:cs typeface="Trebuchet MS"/>
+                <a:sym typeface="Trebuchet MS"/>
+              </a:rPr>
+              <a:t> </a:t>
+            </a:r>
+            <a:r>
+              <a:rPr dirty="0" err="1">
+                <a:latin typeface="Trebuchet MS"/>
+                <a:ea typeface="Trebuchet MS"/>
+                <a:cs typeface="Trebuchet MS"/>
+                <a:sym typeface="Trebuchet MS"/>
+              </a:rPr>
+              <a:t>TypeScript</a:t>
+            </a:r>
+            <a:r>
+              <a:rPr dirty="0">
+                <a:latin typeface="Trebuchet MS"/>
+                <a:ea typeface="Trebuchet MS"/>
+                <a:cs typeface="Trebuchet MS"/>
+                <a:sym typeface="Trebuchet MS"/>
+              </a:rPr>
+              <a:t> </a:t>
+            </a:r>
+            <a:r>
+              <a:rPr dirty="0" err="1"/>
+              <a:t>代码</a:t>
+            </a:r>
+            <a:endParaRPr dirty="0"/>
+          </a:p>
+        </p:txBody>
+      </p:sp>
+      <p:sp>
+        <p:nvSpPr>
+          <p:cNvPr id="156" name="VS Babel"/>
+          <p:cNvSpPr txBox="1"/>
+          <p:nvPr/>
+        </p:nvSpPr>
+        <p:spPr>
+          <a:xfrm>
+            <a:off x="742497" y="5223590"/>
+            <a:ext cx="5243584" cy="624837"/>
+          </a:xfrm>
+          <a:prstGeom prst="rect">
+            <a:avLst/>
+          </a:prstGeom>
+          <a:ln w="12700">
+            <a:miter lim="400000"/>
+          </a:ln>
+          <a:extLst>
+            <a:ext uri="{C572A759-6A51-4108-AA02-DFA0A04FC94B}">
+              <ma14:wrappingTextBoxFlag xmlns:ma14="http://schemas.microsoft.com/office/mac/drawingml/2011/main" xmlns="" val="1"/>
+            </a:ext>
+          </a:extLst>
+        </p:spPr>
+        <p:txBody>
+          <a:bodyPr lIns="45718" tIns="45718" rIns="45718" bIns="45718">
+            <a:spAutoFit/>
+          </a:bodyPr>
+          <a:lstStyle/>
+          <a:p>
+            <a:pPr marL="457200" indent="-457200">
+              <a:buSzPct val="100000"/>
+              <a:buFont typeface="Arial"/>
+              <a:buChar char="•"/>
+              <a:defRPr sz="3200">
+                <a:latin typeface="Trebuchet MS"/>
+                <a:ea typeface="Trebuchet MS"/>
+                <a:cs typeface="Trebuchet MS"/>
+                <a:sym typeface="Trebuchet MS"/>
+              </a:defRPr>
+            </a:pPr>
+            <a:r>
+              <a:rPr dirty="0"/>
+              <a:t>  VS </a:t>
+            </a:r>
+            <a:r>
+              <a:rPr sz="3600" dirty="0"/>
+              <a:t>Babel</a:t>
+            </a:r>
+          </a:p>
+        </p:txBody>
+      </p:sp>
+      <p:sp>
+        <p:nvSpPr>
+          <p:cNvPr id="157" name="Babel 为 ES6 而生，现在也只是个 preset 而已，扩展强，功能多"/>
+          <p:cNvSpPr txBox="1"/>
+          <p:nvPr/>
+        </p:nvSpPr>
+        <p:spPr>
+          <a:xfrm>
+            <a:off x="1624346" y="6217237"/>
+            <a:ext cx="12483542" cy="662937"/>
+          </a:xfrm>
+          <a:prstGeom prst="rect">
+            <a:avLst/>
+          </a:prstGeom>
+          <a:ln w="12700">
+            <a:miter lim="400000"/>
+          </a:ln>
+          <a:extLst>
+            <a:ext uri="{C572A759-6A51-4108-AA02-DFA0A04FC94B}">
+              <ma14:wrappingTextBoxFlag xmlns:ma14="http://schemas.microsoft.com/office/mac/drawingml/2011/main" xmlns="" val="1"/>
+            </a:ext>
+          </a:extLst>
+        </p:spPr>
+        <p:txBody>
+          <a:bodyPr lIns="45718" tIns="45718" rIns="45718" bIns="45718">
+            <a:spAutoFit/>
+          </a:bodyPr>
+          <a:lstStyle/>
+          <a:p>
+            <a:pPr marL="457200" indent="-457200">
+              <a:buSzPct val="100000"/>
+              <a:buFont typeface="Arial"/>
+              <a:buChar char="•"/>
+              <a:defRPr sz="3200">
+                <a:latin typeface="Trebuchet MS"/>
+                <a:ea typeface="Trebuchet MS"/>
+                <a:cs typeface="Trebuchet MS"/>
+                <a:sym typeface="Trebuchet MS"/>
+              </a:defRPr>
+            </a:pPr>
+            <a:r>
+              <a:t>Babel</a:t>
+            </a:r>
+            <a:r>
+              <a:rPr>
+                <a:latin typeface="+mn-lt"/>
+                <a:ea typeface="+mn-ea"/>
+                <a:cs typeface="+mn-cs"/>
+                <a:sym typeface="Helvetica"/>
+              </a:rPr>
+              <a:t> 为 </a:t>
+            </a:r>
+            <a:r>
+              <a:t>ES6 </a:t>
+            </a:r>
+            <a:r>
+              <a:rPr>
+                <a:latin typeface="+mn-lt"/>
+                <a:ea typeface="+mn-ea"/>
+                <a:cs typeface="+mn-cs"/>
+                <a:sym typeface="Helvetica"/>
+              </a:rPr>
+              <a:t>而生，现在也只是个 </a:t>
+            </a:r>
+            <a:r>
+              <a:t>preset</a:t>
+            </a:r>
+            <a:r>
+              <a:rPr>
+                <a:latin typeface="+mn-lt"/>
+                <a:ea typeface="+mn-ea"/>
+                <a:cs typeface="+mn-cs"/>
+                <a:sym typeface="Helvetica"/>
+              </a:rPr>
+              <a:t> 而已，扩展强，功能多</a:t>
+            </a:r>
+          </a:p>
+        </p:txBody>
+      </p:sp>
+      <p:sp>
+        <p:nvSpPr>
+          <p:cNvPr id="158" name="TypeScript lib =&gt; tsc + tsserver"/>
+          <p:cNvSpPr txBox="1"/>
+          <p:nvPr/>
+        </p:nvSpPr>
+        <p:spPr>
+          <a:xfrm>
+            <a:off x="1625600" y="7248983"/>
+            <a:ext cx="8598449" cy="561337"/>
+          </a:xfrm>
+          <a:prstGeom prst="rect">
+            <a:avLst/>
+          </a:prstGeom>
+          <a:ln w="12700">
+            <a:miter lim="400000"/>
+          </a:ln>
+          <a:extLst>
+            <a:ext uri="{C572A759-6A51-4108-AA02-DFA0A04FC94B}">
+              <ma14:wrappingTextBoxFlag xmlns:ma14="http://schemas.microsoft.com/office/mac/drawingml/2011/main" xmlns="" val="1"/>
             </a:ext>
           </a:extLst>
         </p:spPr>
@@ -4362,97 +4356,21 @@
             <a:spAutoFit/>
           </a:bodyPr>
           <a:lstStyle>
-            <a:lvl1pPr>
-              <a:defRPr sz="4800"/>
-            </a:lvl1pPr>
-          </a:lstStyle>
-          <a:p>
-            <a:r>
-              <a:t>静态类型检查</a:t>
-            </a:r>
-          </a:p>
-        </p:txBody>
-      </p:sp>
-      <p:sp>
-        <p:nvSpPr>
-          <p:cNvPr id="161" name="Early fail"/>
-          <p:cNvSpPr txBox="1"/>
-          <p:nvPr/>
-        </p:nvSpPr>
-        <p:spPr>
-          <a:xfrm>
-            <a:off x="2159471" y="3263800"/>
-            <a:ext cx="5580661" cy="701037"/>
-          </a:xfrm>
-          <a:prstGeom prst="rect">
-            <a:avLst/>
-          </a:prstGeom>
-          <a:ln w="12700">
-            <a:miter lim="400000"/>
-          </a:ln>
-          <a:extLst>
-            <a:ext uri="{C572A759-6A51-4108-AA02-DFA0A04FC94B}">
-              <ma14:wrappingTextBoxFlag xmlns="" xmlns:ma14="http://schemas.microsoft.com/office/mac/drawingml/2011/main" val="1"/>
-            </a:ext>
-          </a:extLst>
-        </p:spPr>
-        <p:txBody>
-          <a:bodyPr lIns="45718" tIns="45718" rIns="45718" bIns="45718">
-            <a:spAutoFit/>
-          </a:bodyPr>
-          <a:lstStyle>
-            <a:lvl1pPr marL="431999" indent="-431999">
+            <a:lvl1pPr marL="457200" indent="-457200">
               <a:buSzPct val="100000"/>
               <a:buFont typeface="Arial"/>
               <a:buChar char="•"/>
-              <a:defRPr sz="4000"/>
+              <a:defRPr sz="3200">
+                <a:latin typeface="Trebuchet MS"/>
+                <a:ea typeface="Trebuchet MS"/>
+                <a:cs typeface="Trebuchet MS"/>
+                <a:sym typeface="Trebuchet MS"/>
+              </a:defRPr>
             </a:lvl1pPr>
           </a:lstStyle>
           <a:p>
             <a:r>
-              <a:t>Early fail</a:t>
-            </a:r>
-          </a:p>
-        </p:txBody>
-      </p:sp>
-      <p:sp>
-        <p:nvSpPr>
-          <p:cNvPr id="162" name="Make code more readable"/>
-          <p:cNvSpPr txBox="1"/>
-          <p:nvPr/>
-        </p:nvSpPr>
-        <p:spPr>
-          <a:xfrm>
-            <a:off x="2159470" y="4368700"/>
-            <a:ext cx="8495263" cy="701037"/>
-          </a:xfrm>
-          <a:prstGeom prst="rect">
-            <a:avLst/>
-          </a:prstGeom>
-          <a:ln w="12700">
-            <a:miter lim="400000"/>
-          </a:ln>
-          <a:extLst>
-            <a:ext uri="{C572A759-6A51-4108-AA02-DFA0A04FC94B}">
-              <ma14:wrappingTextBoxFlag xmlns="" xmlns:ma14="http://schemas.microsoft.com/office/mac/drawingml/2011/main" val="1"/>
-            </a:ext>
-          </a:extLst>
-        </p:spPr>
-        <p:txBody>
-          <a:bodyPr lIns="45718" tIns="45718" rIns="45718" bIns="45718">
-            <a:spAutoFit/>
-          </a:bodyPr>
-          <a:lstStyle>
-            <a:lvl1pPr marL="431999" indent="-431999">
-              <a:buSzPct val="100000"/>
-              <a:buFont typeface="Arial"/>
-              <a:buChar char="•"/>
-              <a:defRPr sz="4000"/>
-            </a:lvl1pPr>
-          </a:lstStyle>
-          <a:p>
-            <a:r>
-              <a:t>Make code more readable</a:t>
+              <a:t>TypeScript lib =&gt; tsc + tsserver  </a:t>
             </a:r>
           </a:p>
         </p:txBody>
@@ -4496,7 +4414,13 @@
       </p:grpSpPr>
       <p:pic>
         <p:nvPicPr>
-          <p:cNvPr id="164" name="1001520651588_.pic_hd.jpg" descr="1001520651588_.pic_hd.jpg"/>
+          <p:cNvPr id="3" name="图片 2">
+            <a:extLst>
+              <a:ext uri="{FF2B5EF4-FFF2-40B4-BE49-F238E27FC236}">
+                <a16:creationId xmlns:a16="http://schemas.microsoft.com/office/drawing/2014/main" id="{C0850CB1-46D3-F640-AE91-321EEFE3B147}"/>
+              </a:ext>
+            </a:extLst>
+          </p:cNvPr>
           <p:cNvPicPr>
             <a:picLocks noChangeAspect="1"/>
           </p:cNvPicPr>
@@ -4504,7 +4428,11 @@
         </p:nvPicPr>
         <p:blipFill>
           <a:blip r:embed="rId2">
-            <a:extLst/>
+            <a:extLst>
+              <a:ext uri="{28A0092B-C50C-407E-A947-70E740481C1C}">
+                <a14:useLocalDpi xmlns:a14="http://schemas.microsoft.com/office/drawing/2010/main" val="0"/>
+              </a:ext>
+            </a:extLst>
           </a:blip>
           <a:stretch>
             <a:fillRect/>
@@ -4512,18 +4440,20 @@
         </p:blipFill>
         <p:spPr>
           <a:xfrm>
-            <a:off x="2289836" y="838140"/>
-            <a:ext cx="9822130" cy="8463751"/>
+            <a:off x="815009" y="904461"/>
+            <a:ext cx="12775682" cy="7449482"/>
           </a:xfrm>
           <a:prstGeom prst="rect">
             <a:avLst/>
           </a:prstGeom>
-          <a:ln w="12700">
-            <a:miter lim="400000"/>
-          </a:ln>
         </p:spPr>
       </p:pic>
     </p:spTree>
+    <p:extLst>
+      <p:ext uri="{BB962C8B-B14F-4D97-AF65-F5344CB8AC3E}">
+        <p14:creationId xmlns:p14="http://schemas.microsoft.com/office/powerpoint/2010/main" val="2275015447"/>
+      </p:ext>
+    </p:extLst>
   </p:cSld>
   <p:clrMapOvr>
     <a:masterClrMapping/>
@@ -4560,53 +4490,15 @@
           <a:chExt cx="0" cy="0"/>
         </a:xfrm>
       </p:grpSpPr>
-      <p:sp>
-        <p:nvSpPr>
-          <p:cNvPr id="166" name="文档式接口，提供程序的行为提示与约束"/>
-          <p:cNvSpPr txBox="1"/>
-          <p:nvPr/>
-        </p:nvSpPr>
-        <p:spPr>
-          <a:xfrm>
-            <a:off x="3885778" y="8632824"/>
-            <a:ext cx="7040663" cy="635001"/>
-          </a:xfrm>
-          <a:prstGeom prst="rect">
-            <a:avLst/>
-          </a:prstGeom>
-          <a:ln w="12700">
-            <a:miter lim="400000"/>
-          </a:ln>
-          <a:extLst>
-            <a:ext uri="{C572A759-6A51-4108-AA02-DFA0A04FC94B}">
-              <ma14:wrappingTextBoxFlag xmlns="" xmlns:ma14="http://schemas.microsoft.com/office/mac/drawingml/2011/main" val="1"/>
-            </a:ext>
-          </a:extLst>
-        </p:spPr>
-        <p:txBody>
-          <a:bodyPr lIns="50800" tIns="50800" rIns="50800" bIns="50800" anchor="ctr">
-            <a:spAutoFit/>
-          </a:bodyPr>
-          <a:lstStyle>
-            <a:lvl1pPr>
-              <a:defRPr sz="3000">
-                <a:latin typeface="Trebuchet MS"/>
-                <a:ea typeface="Trebuchet MS"/>
-                <a:cs typeface="Trebuchet MS"/>
-                <a:sym typeface="Trebuchet MS"/>
-              </a:defRPr>
-            </a:lvl1pPr>
-          </a:lstStyle>
-          <a:p>
-            <a:r>
-              <a:t>文档式接口，提供程序的行为提示与约束</a:t>
-            </a:r>
-          </a:p>
-        </p:txBody>
-      </p:sp>
       <p:pic>
         <p:nvPicPr>
-          <p:cNvPr id="167" name="屏幕快照 2018-03-18 下午1.25.24.png" descr="屏幕快照 2018-03-18 下午1.25.24.png"/>
+          <p:cNvPr id="7" name="图片 6">
+            <a:extLst>
+              <a:ext uri="{FF2B5EF4-FFF2-40B4-BE49-F238E27FC236}">
+                <a16:creationId xmlns:a16="http://schemas.microsoft.com/office/drawing/2014/main" id="{677BF694-1D9B-EB46-8B52-04077D7C880F}"/>
+              </a:ext>
+            </a:extLst>
+          </p:cNvPr>
           <p:cNvPicPr>
             <a:picLocks noChangeAspect="1"/>
           </p:cNvPicPr>
@@ -4614,7 +4506,11 @@
         </p:nvPicPr>
         <p:blipFill>
           <a:blip r:embed="rId2">
-            <a:extLst/>
+            <a:extLst>
+              <a:ext uri="{28A0092B-C50C-407E-A947-70E740481C1C}">
+                <a14:useLocalDpi xmlns:a14="http://schemas.microsoft.com/office/drawing/2010/main" val="0"/>
+              </a:ext>
+            </a:extLst>
           </a:blip>
           <a:stretch>
             <a:fillRect/>
@@ -4622,18 +4518,20 @@
         </p:blipFill>
         <p:spPr>
           <a:xfrm>
-            <a:off x="2869969" y="395458"/>
-            <a:ext cx="9072282" cy="8421645"/>
+            <a:off x="326004" y="588397"/>
+            <a:ext cx="13626967" cy="8849163"/>
           </a:xfrm>
           <a:prstGeom prst="rect">
             <a:avLst/>
           </a:prstGeom>
-          <a:ln w="12700">
-            <a:miter lim="400000"/>
-          </a:ln>
         </p:spPr>
       </p:pic>
     </p:spTree>
+    <p:extLst>
+      <p:ext uri="{BB962C8B-B14F-4D97-AF65-F5344CB8AC3E}">
+        <p14:creationId xmlns:p14="http://schemas.microsoft.com/office/powerpoint/2010/main" val="2040823490"/>
+      </p:ext>
+    </p:extLst>
   </p:cSld>
   <p:clrMapOvr>
     <a:masterClrMapping/>
@@ -4672,14 +4570,14 @@
       </p:grpSpPr>
       <p:sp>
         <p:nvSpPr>
-          <p:cNvPr id="178" name="Talk is cheap, show me the code"/>
+          <p:cNvPr id="160" name="静态类型检查"/>
           <p:cNvSpPr txBox="1"/>
           <p:nvPr/>
         </p:nvSpPr>
         <p:spPr>
           <a:xfrm>
-            <a:off x="2891804" y="4438649"/>
-            <a:ext cx="8618192" cy="774701"/>
+            <a:off x="1333500" y="1371599"/>
+            <a:ext cx="4608513" cy="942337"/>
           </a:xfrm>
           <a:prstGeom prst="rect">
             <a:avLst/>
@@ -4689,22 +4587,106 @@
           </a:ln>
           <a:extLst>
             <a:ext uri="{C572A759-6A51-4108-AA02-DFA0A04FC94B}">
-              <ma14:wrappingTextBoxFlag xmlns="" xmlns:ma14="http://schemas.microsoft.com/office/mac/drawingml/2011/main" val="1"/>
+              <ma14:wrappingTextBoxFlag xmlns:ma14="http://schemas.microsoft.com/office/mac/drawingml/2011/main" xmlns="" val="1"/>
             </a:ext>
           </a:extLst>
         </p:spPr>
         <p:txBody>
-          <a:bodyPr lIns="50800" tIns="50800" rIns="50800" bIns="50800" anchor="ctr">
+          <a:bodyPr lIns="45718" tIns="45718" rIns="45718" bIns="45718">
             <a:spAutoFit/>
           </a:bodyPr>
           <a:lstStyle>
             <a:lvl1pPr>
-              <a:defRPr sz="4400"/>
+              <a:defRPr sz="4800"/>
             </a:lvl1pPr>
           </a:lstStyle>
           <a:p>
             <a:r>
-              <a:t>Talk is cheap, show me the code</a:t>
+              <a:t>静态类型检查</a:t>
+            </a:r>
+          </a:p>
+        </p:txBody>
+      </p:sp>
+      <p:sp>
+        <p:nvSpPr>
+          <p:cNvPr id="161" name="Early fail"/>
+          <p:cNvSpPr txBox="1"/>
+          <p:nvPr/>
+        </p:nvSpPr>
+        <p:spPr>
+          <a:xfrm>
+            <a:off x="2159471" y="3263800"/>
+            <a:ext cx="5580661" cy="701037"/>
+          </a:xfrm>
+          <a:prstGeom prst="rect">
+            <a:avLst/>
+          </a:prstGeom>
+          <a:ln w="12700">
+            <a:miter lim="400000"/>
+          </a:ln>
+          <a:extLst>
+            <a:ext uri="{C572A759-6A51-4108-AA02-DFA0A04FC94B}">
+              <ma14:wrappingTextBoxFlag xmlns:ma14="http://schemas.microsoft.com/office/mac/drawingml/2011/main" xmlns="" val="1"/>
+            </a:ext>
+          </a:extLst>
+        </p:spPr>
+        <p:txBody>
+          <a:bodyPr lIns="45718" tIns="45718" rIns="45718" bIns="45718">
+            <a:spAutoFit/>
+          </a:bodyPr>
+          <a:lstStyle>
+            <a:lvl1pPr marL="431999" indent="-431999">
+              <a:buSzPct val="100000"/>
+              <a:buFont typeface="Arial"/>
+              <a:buChar char="•"/>
+              <a:defRPr sz="4000"/>
+            </a:lvl1pPr>
+          </a:lstStyle>
+          <a:p>
+            <a:r>
+              <a:t>Early fail</a:t>
+            </a:r>
+          </a:p>
+        </p:txBody>
+      </p:sp>
+      <p:sp>
+        <p:nvSpPr>
+          <p:cNvPr id="162" name="Make code more readable"/>
+          <p:cNvSpPr txBox="1"/>
+          <p:nvPr/>
+        </p:nvSpPr>
+        <p:spPr>
+          <a:xfrm>
+            <a:off x="2159470" y="4368700"/>
+            <a:ext cx="8495263" cy="701037"/>
+          </a:xfrm>
+          <a:prstGeom prst="rect">
+            <a:avLst/>
+          </a:prstGeom>
+          <a:ln w="12700">
+            <a:miter lim="400000"/>
+          </a:ln>
+          <a:extLst>
+            <a:ext uri="{C572A759-6A51-4108-AA02-DFA0A04FC94B}">
+              <ma14:wrappingTextBoxFlag xmlns:ma14="http://schemas.microsoft.com/office/mac/drawingml/2011/main" xmlns="" val="1"/>
+            </a:ext>
+          </a:extLst>
+        </p:spPr>
+        <p:txBody>
+          <a:bodyPr lIns="45718" tIns="45718" rIns="45718" bIns="45718">
+            <a:spAutoFit/>
+          </a:bodyPr>
+          <a:lstStyle>
+            <a:lvl1pPr marL="431999" indent="-431999">
+              <a:buSzPct val="100000"/>
+              <a:buFont typeface="Arial"/>
+              <a:buChar char="•"/>
+              <a:defRPr sz="4000"/>
+            </a:lvl1pPr>
+          </a:lstStyle>
+          <a:p>
+            <a:r>
+              <a:t>Make code more readable</a:t>
             </a:r>
           </a:p>
         </p:txBody>
@@ -4746,16 +4728,82 @@
           <a:chExt cx="0" cy="0"/>
         </a:xfrm>
       </p:grpSpPr>
+      <p:pic>
+        <p:nvPicPr>
+          <p:cNvPr id="164" name="1001520651588_.pic_hd.jpg" descr="1001520651588_.pic_hd.jpg"/>
+          <p:cNvPicPr>
+            <a:picLocks noChangeAspect="1"/>
+          </p:cNvPicPr>
+          <p:nvPr/>
+        </p:nvPicPr>
+        <p:blipFill>
+          <a:blip r:embed="rId2">
+            <a:extLst/>
+          </a:blip>
+          <a:stretch>
+            <a:fillRect/>
+          </a:stretch>
+        </p:blipFill>
+        <p:spPr>
+          <a:xfrm>
+            <a:off x="2289836" y="838140"/>
+            <a:ext cx="9822130" cy="8463751"/>
+          </a:xfrm>
+          <a:prstGeom prst="rect">
+            <a:avLst/>
+          </a:prstGeom>
+          <a:ln w="12700">
+            <a:miter lim="400000"/>
+          </a:ln>
+        </p:spPr>
+      </p:pic>
+    </p:spTree>
+  </p:cSld>
+  <p:clrMapOvr>
+    <a:masterClrMapping/>
+  </p:clrMapOvr>
+  <mc:AlternateContent xmlns:mc="http://schemas.openxmlformats.org/markup-compatibility/2006" xmlns:p14="http://schemas.microsoft.com/office/powerpoint/2010/main">
+    <mc:Choice Requires="p14">
+      <p:transition spd="slow">
+        <p:dissolve/>
+      </p:transition>
+    </mc:Choice>
+    <mc:Fallback xmlns="">
+      <p:transition spd="med">
+        <p:fade/>
+      </p:transition>
+    </mc:Fallback>
+  </mc:AlternateContent>
+</p:sld>
+</file>
+
+<file path=ppt/slides/slide19.xml><?xml version="1.0" encoding="utf-8"?>
+<p:sld xmlns:a="http://schemas.openxmlformats.org/drawingml/2006/main" xmlns:r="http://schemas.openxmlformats.org/officeDocument/2006/relationships" xmlns:p="http://schemas.openxmlformats.org/presentationml/2006/main">
+  <p:cSld>
+    <p:spTree>
+      <p:nvGrpSpPr>
+        <p:cNvPr id="1" name=""/>
+        <p:cNvGrpSpPr/>
+        <p:nvPr/>
+      </p:nvGrpSpPr>
+      <p:grpSpPr>
+        <a:xfrm>
+          <a:off x="0" y="0"/>
+          <a:ext cx="0" cy="0"/>
+          <a:chOff x="0" y="0"/>
+          <a:chExt cx="0" cy="0"/>
+        </a:xfrm>
+      </p:grpSpPr>
       <p:sp>
         <p:nvSpPr>
-          <p:cNvPr id="187" name="TextBox 5"/>
+          <p:cNvPr id="166" name="文档式接口，提供程序的行为提示与约束"/>
           <p:cNvSpPr txBox="1"/>
           <p:nvPr/>
         </p:nvSpPr>
         <p:spPr>
           <a:xfrm>
-            <a:off x="4630454" y="4719506"/>
-            <a:ext cx="5684425" cy="1031239"/>
+            <a:off x="3885778" y="8632824"/>
+            <a:ext cx="7040663" cy="635001"/>
           </a:xfrm>
           <a:prstGeom prst="rect">
             <a:avLst/>
@@ -4765,37 +4813,77 @@
           </a:ln>
           <a:extLst>
             <a:ext uri="{C572A759-6A51-4108-AA02-DFA0A04FC94B}">
-              <ma14:wrappingTextBoxFlag xmlns="" xmlns:ma14="http://schemas.microsoft.com/office/mac/drawingml/2011/main" val="1"/>
+              <ma14:wrappingTextBoxFlag xmlns:ma14="http://schemas.microsoft.com/office/mac/drawingml/2011/main" xmlns="" val="1"/>
             </a:ext>
           </a:extLst>
         </p:spPr>
         <p:txBody>
-          <a:bodyPr lIns="45718" tIns="45718" rIns="45718" bIns="45718">
+          <a:bodyPr lIns="50800" tIns="50800" rIns="50800" bIns="50800" anchor="ctr">
             <a:spAutoFit/>
           </a:bodyPr>
           <a:lstStyle>
-            <a:lvl1pPr algn="ctr">
-              <a:defRPr sz="6200">
-                <a:latin typeface="Microsoft YaHei"/>
-                <a:ea typeface="Microsoft YaHei"/>
-                <a:cs typeface="Microsoft YaHei"/>
-                <a:sym typeface="Microsoft YaHei"/>
+            <a:lvl1pPr>
+              <a:defRPr sz="3000">
+                <a:latin typeface="Trebuchet MS"/>
+                <a:ea typeface="Trebuchet MS"/>
+                <a:cs typeface="Trebuchet MS"/>
+                <a:sym typeface="Trebuchet MS"/>
               </a:defRPr>
             </a:lvl1pPr>
           </a:lstStyle>
           <a:p>
             <a:r>
-              <a:t>Thanks</a:t>
+              <a:t>文档式接口，提供程序的行为提示与约束</a:t>
             </a:r>
           </a:p>
         </p:txBody>
       </p:sp>
+      <p:pic>
+        <p:nvPicPr>
+          <p:cNvPr id="167" name="屏幕快照 2018-03-18 下午1.25.24.png" descr="屏幕快照 2018-03-18 下午1.25.24.png"/>
+          <p:cNvPicPr>
+            <a:picLocks noChangeAspect="1"/>
+          </p:cNvPicPr>
+          <p:nvPr/>
+        </p:nvPicPr>
+        <p:blipFill>
+          <a:blip r:embed="rId2">
+            <a:extLst/>
+          </a:blip>
+          <a:stretch>
+            <a:fillRect/>
+          </a:stretch>
+        </p:blipFill>
+        <p:spPr>
+          <a:xfrm>
+            <a:off x="2869969" y="395458"/>
+            <a:ext cx="9072282" cy="8421645"/>
+          </a:xfrm>
+          <a:prstGeom prst="rect">
+            <a:avLst/>
+          </a:prstGeom>
+          <a:ln w="12700">
+            <a:miter lim="400000"/>
+          </a:ln>
+        </p:spPr>
+      </p:pic>
     </p:spTree>
   </p:cSld>
   <p:clrMapOvr>
     <a:masterClrMapping/>
   </p:clrMapOvr>
-  <p:transition spd="med"/>
+  <mc:AlternateContent xmlns:mc="http://schemas.openxmlformats.org/markup-compatibility/2006" xmlns:p14="http://schemas.microsoft.com/office/powerpoint/2010/main">
+    <mc:Choice Requires="p14">
+      <p:transition spd="slow">
+        <p:dissolve/>
+      </p:transition>
+    </mc:Choice>
+    <mc:Fallback xmlns="">
+      <p:transition spd="med">
+        <p:fade/>
+      </p:transition>
+    </mc:Fallback>
+  </mc:AlternateContent>
 </p:sld>
 </file>
 
@@ -4838,7 +4926,7 @@
           </a:ln>
           <a:extLst>
             <a:ext uri="{C572A759-6A51-4108-AA02-DFA0A04FC94B}">
-              <ma14:wrappingTextBoxFlag xmlns="" xmlns:ma14="http://schemas.microsoft.com/office/mac/drawingml/2011/main" val="1"/>
+              <ma14:wrappingTextBoxFlag xmlns:ma14="http://schemas.microsoft.com/office/mac/drawingml/2011/main" xmlns="" val="1"/>
             </a:ext>
           </a:extLst>
         </p:spPr>
@@ -4888,7 +4976,7 @@
           </a:ln>
           <a:extLst>
             <a:ext uri="{C572A759-6A51-4108-AA02-DFA0A04FC94B}">
-              <ma14:wrappingTextBoxFlag xmlns="" xmlns:ma14="http://schemas.microsoft.com/office/mac/drawingml/2011/main" val="1"/>
+              <ma14:wrappingTextBoxFlag xmlns:ma14="http://schemas.microsoft.com/office/mac/drawingml/2011/main" xmlns="" val="1"/>
             </a:ext>
           </a:extLst>
         </p:spPr>
@@ -4938,7 +5026,7 @@
           </a:ln>
           <a:extLst>
             <a:ext uri="{C572A759-6A51-4108-AA02-DFA0A04FC94B}">
-              <ma14:wrappingTextBoxFlag xmlns="" xmlns:ma14="http://schemas.microsoft.com/office/mac/drawingml/2011/main" val="1"/>
+              <ma14:wrappingTextBoxFlag xmlns:ma14="http://schemas.microsoft.com/office/mac/drawingml/2011/main" xmlns="" val="1"/>
             </a:ext>
           </a:extLst>
         </p:spPr>
@@ -4985,7 +5073,7 @@
           </a:ln>
           <a:extLst>
             <a:ext uri="{C572A759-6A51-4108-AA02-DFA0A04FC94B}">
-              <ma14:wrappingTextBoxFlag xmlns="" xmlns:ma14="http://schemas.microsoft.com/office/mac/drawingml/2011/main" val="1"/>
+              <ma14:wrappingTextBoxFlag xmlns:ma14="http://schemas.microsoft.com/office/mac/drawingml/2011/main" xmlns="" val="1"/>
             </a:ext>
           </a:extLst>
         </p:spPr>
@@ -5042,7 +5130,7 @@
           </a:ln>
           <a:extLst>
             <a:ext uri="{C572A759-6A51-4108-AA02-DFA0A04FC94B}">
-              <ma14:wrappingTextBoxFlag xmlns="" xmlns:ma14="http://schemas.microsoft.com/office/mac/drawingml/2011/main" val="1"/>
+              <ma14:wrappingTextBoxFlag xmlns:ma14="http://schemas.microsoft.com/office/mac/drawingml/2011/main" xmlns="" val="1"/>
             </a:ext>
           </a:extLst>
         </p:spPr>
@@ -5066,15 +5154,7 @@
           <a:p>
             <a:r>
               <a:rPr lang="en-US" dirty="0"/>
-              <a:t>Talk is </a:t>
-            </a:r>
-            <a:r>
-              <a:rPr lang="en-US" dirty="0" err="1"/>
-              <a:t>sheap</a:t>
-            </a:r>
-            <a:r>
-              <a:rPr lang="en-US" dirty="0"/>
-              <a:t>, show me the code.</a:t>
+              <a:t>DEMO</a:t>
             </a:r>
             <a:endParaRPr dirty="0"/>
           </a:p>
@@ -5099,7 +5179,7 @@
           </a:ln>
           <a:extLst>
             <a:ext uri="{C572A759-6A51-4108-AA02-DFA0A04FC94B}">
-              <ma14:wrappingTextBoxFlag xmlns="" xmlns:ma14="http://schemas.microsoft.com/office/mac/drawingml/2011/main" val="1"/>
+              <ma14:wrappingTextBoxFlag xmlns:ma14="http://schemas.microsoft.com/office/mac/drawingml/2011/main" xmlns="" val="1"/>
             </a:ext>
           </a:extLst>
         </p:spPr>
@@ -5150,6 +5230,154 @@
       </p:transition>
     </mc:Fallback>
   </mc:AlternateContent>
+</p:sld>
+</file>
+
+<file path=ppt/slides/slide20.xml><?xml version="1.0" encoding="utf-8"?>
+<p:sld xmlns:a="http://schemas.openxmlformats.org/drawingml/2006/main" xmlns:r="http://schemas.openxmlformats.org/officeDocument/2006/relationships" xmlns:p="http://schemas.openxmlformats.org/presentationml/2006/main">
+  <p:cSld>
+    <p:spTree>
+      <p:nvGrpSpPr>
+        <p:cNvPr id="1" name=""/>
+        <p:cNvGrpSpPr/>
+        <p:nvPr/>
+      </p:nvGrpSpPr>
+      <p:grpSpPr>
+        <a:xfrm>
+          <a:off x="0" y="0"/>
+          <a:ext cx="0" cy="0"/>
+          <a:chOff x="0" y="0"/>
+          <a:chExt cx="0" cy="0"/>
+        </a:xfrm>
+      </p:grpSpPr>
+      <p:sp>
+        <p:nvSpPr>
+          <p:cNvPr id="178" name="Talk is cheap, show me the code"/>
+          <p:cNvSpPr txBox="1"/>
+          <p:nvPr/>
+        </p:nvSpPr>
+        <p:spPr>
+          <a:xfrm>
+            <a:off x="6512828" y="4466081"/>
+            <a:ext cx="1899652" cy="774701"/>
+          </a:xfrm>
+          <a:prstGeom prst="rect">
+            <a:avLst/>
+          </a:prstGeom>
+          <a:ln w="12700">
+            <a:miter lim="400000"/>
+          </a:ln>
+          <a:extLst>
+            <a:ext uri="{C572A759-6A51-4108-AA02-DFA0A04FC94B}">
+              <ma14:wrappingTextBoxFlag xmlns:ma14="http://schemas.microsoft.com/office/mac/drawingml/2011/main" xmlns="" val="1"/>
+            </a:ext>
+          </a:extLst>
+        </p:spPr>
+        <p:txBody>
+          <a:bodyPr wrap="square" lIns="50800" tIns="50800" rIns="50800" bIns="50800" anchor="ctr">
+            <a:spAutoFit/>
+          </a:bodyPr>
+          <a:lstStyle>
+            <a:lvl1pPr>
+              <a:defRPr sz="4400"/>
+            </a:lvl1pPr>
+          </a:lstStyle>
+          <a:p>
+            <a:r>
+              <a:rPr lang="en-US" dirty="0"/>
+              <a:t>DEMO</a:t>
+            </a:r>
+            <a:endParaRPr dirty="0"/>
+          </a:p>
+        </p:txBody>
+      </p:sp>
+    </p:spTree>
+  </p:cSld>
+  <p:clrMapOvr>
+    <a:masterClrMapping/>
+  </p:clrMapOvr>
+  <mc:AlternateContent xmlns:mc="http://schemas.openxmlformats.org/markup-compatibility/2006" xmlns:p14="http://schemas.microsoft.com/office/powerpoint/2010/main">
+    <mc:Choice Requires="p14">
+      <p:transition spd="slow">
+        <p:dissolve/>
+      </p:transition>
+    </mc:Choice>
+    <mc:Fallback xmlns="">
+      <p:transition spd="med">
+        <p:fade/>
+      </p:transition>
+    </mc:Fallback>
+  </mc:AlternateContent>
+</p:sld>
+</file>
+
+<file path=ppt/slides/slide21.xml><?xml version="1.0" encoding="utf-8"?>
+<p:sld xmlns:a="http://schemas.openxmlformats.org/drawingml/2006/main" xmlns:r="http://schemas.openxmlformats.org/officeDocument/2006/relationships" xmlns:p="http://schemas.openxmlformats.org/presentationml/2006/main">
+  <p:cSld>
+    <p:spTree>
+      <p:nvGrpSpPr>
+        <p:cNvPr id="1" name=""/>
+        <p:cNvGrpSpPr/>
+        <p:nvPr/>
+      </p:nvGrpSpPr>
+      <p:grpSpPr>
+        <a:xfrm>
+          <a:off x="0" y="0"/>
+          <a:ext cx="0" cy="0"/>
+          <a:chOff x="0" y="0"/>
+          <a:chExt cx="0" cy="0"/>
+        </a:xfrm>
+      </p:grpSpPr>
+      <p:sp>
+        <p:nvSpPr>
+          <p:cNvPr id="187" name="TextBox 5"/>
+          <p:cNvSpPr txBox="1"/>
+          <p:nvPr/>
+        </p:nvSpPr>
+        <p:spPr>
+          <a:xfrm>
+            <a:off x="4630454" y="4719506"/>
+            <a:ext cx="5684425" cy="1031239"/>
+          </a:xfrm>
+          <a:prstGeom prst="rect">
+            <a:avLst/>
+          </a:prstGeom>
+          <a:ln w="12700">
+            <a:miter lim="400000"/>
+          </a:ln>
+          <a:extLst>
+            <a:ext uri="{C572A759-6A51-4108-AA02-DFA0A04FC94B}">
+              <ma14:wrappingTextBoxFlag xmlns:ma14="http://schemas.microsoft.com/office/mac/drawingml/2011/main" xmlns="" val="1"/>
+            </a:ext>
+          </a:extLst>
+        </p:spPr>
+        <p:txBody>
+          <a:bodyPr lIns="45718" tIns="45718" rIns="45718" bIns="45718">
+            <a:spAutoFit/>
+          </a:bodyPr>
+          <a:lstStyle>
+            <a:lvl1pPr algn="ctr">
+              <a:defRPr sz="6200">
+                <a:latin typeface="Microsoft YaHei"/>
+                <a:ea typeface="Microsoft YaHei"/>
+                <a:cs typeface="Microsoft YaHei"/>
+                <a:sym typeface="Microsoft YaHei"/>
+              </a:defRPr>
+            </a:lvl1pPr>
+          </a:lstStyle>
+          <a:p>
+            <a:r>
+              <a:t>Thanks</a:t>
+            </a:r>
+          </a:p>
+        </p:txBody>
+      </p:sp>
+    </p:spTree>
+  </p:cSld>
+  <p:clrMapOvr>
+    <a:masterClrMapping/>
+  </p:clrMapOvr>
+  <p:transition spd="med"/>
 </p:sld>
 </file>
 
@@ -5189,7 +5417,7 @@
           </a:ln>
           <a:extLst>
             <a:ext uri="{C572A759-6A51-4108-AA02-DFA0A04FC94B}">
-              <ma14:wrappingTextBoxFlag xmlns="" xmlns:ma14="http://schemas.microsoft.com/office/mac/drawingml/2011/main" val="1"/>
+              <ma14:wrappingTextBoxFlag xmlns:ma14="http://schemas.microsoft.com/office/mac/drawingml/2011/main" xmlns="" val="1"/>
             </a:ext>
           </a:extLst>
         </p:spPr>
@@ -5237,7 +5465,7 @@
           </a:ln>
           <a:extLst>
             <a:ext uri="{C572A759-6A51-4108-AA02-DFA0A04FC94B}">
-              <ma14:wrappingTextBoxFlag xmlns="" xmlns:ma14="http://schemas.microsoft.com/office/mac/drawingml/2011/main" val="1"/>
+              <ma14:wrappingTextBoxFlag xmlns:ma14="http://schemas.microsoft.com/office/mac/drawingml/2011/main" xmlns="" val="1"/>
             </a:ext>
           </a:extLst>
         </p:spPr>
@@ -5337,7 +5565,7 @@
           </a:ln>
           <a:extLst>
             <a:ext uri="{C572A759-6A51-4108-AA02-DFA0A04FC94B}">
-              <ma14:wrappingTextBoxFlag xmlns="" xmlns:ma14="http://schemas.microsoft.com/office/mac/drawingml/2011/main" val="1"/>
+              <ma14:wrappingTextBoxFlag xmlns:ma14="http://schemas.microsoft.com/office/mac/drawingml/2011/main" xmlns="" val="1"/>
             </a:ext>
           </a:extLst>
         </p:spPr>
@@ -5460,7 +5688,7 @@
           </a:ln>
           <a:extLst>
             <a:ext uri="{C572A759-6A51-4108-AA02-DFA0A04FC94B}">
-              <ma14:wrappingTextBoxFlag xmlns="" xmlns:ma14="http://schemas.microsoft.com/office/mac/drawingml/2011/main" val="1"/>
+              <ma14:wrappingTextBoxFlag xmlns:ma14="http://schemas.microsoft.com/office/mac/drawingml/2011/main" xmlns="" val="1"/>
             </a:ext>
           </a:extLst>
         </p:spPr>
@@ -5521,7 +5749,7 @@
           </a:ln>
           <a:extLst>
             <a:ext uri="{C572A759-6A51-4108-AA02-DFA0A04FC94B}">
-              <ma14:wrappingTextBoxFlag xmlns="" xmlns:ma14="http://schemas.microsoft.com/office/mac/drawingml/2011/main" val="1"/>
+              <ma14:wrappingTextBoxFlag xmlns:ma14="http://schemas.microsoft.com/office/mac/drawingml/2011/main" xmlns="" val="1"/>
             </a:ext>
           </a:extLst>
         </p:spPr>
@@ -5574,7 +5802,7 @@
           </a:ln>
           <a:extLst>
             <a:ext uri="{C572A759-6A51-4108-AA02-DFA0A04FC94B}">
-              <ma14:wrappingTextBoxFlag xmlns="" xmlns:ma14="http://schemas.microsoft.com/office/mac/drawingml/2011/main" val="1"/>
+              <ma14:wrappingTextBoxFlag xmlns:ma14="http://schemas.microsoft.com/office/mac/drawingml/2011/main" xmlns="" val="1"/>
             </a:ext>
           </a:extLst>
         </p:spPr>
@@ -5662,7 +5890,7 @@
           </a:ln>
           <a:extLst>
             <a:ext uri="{C572A759-6A51-4108-AA02-DFA0A04FC94B}">
-              <ma14:wrappingTextBoxFlag xmlns="" xmlns:ma14="http://schemas.microsoft.com/office/mac/drawingml/2011/main" val="1"/>
+              <ma14:wrappingTextBoxFlag xmlns:ma14="http://schemas.microsoft.com/office/mac/drawingml/2011/main" xmlns="" val="1"/>
             </a:ext>
           </a:extLst>
         </p:spPr>
@@ -5712,7 +5940,7 @@
           </a:ln>
           <a:extLst>
             <a:ext uri="{C572A759-6A51-4108-AA02-DFA0A04FC94B}">
-              <ma14:wrappingTextBoxFlag xmlns="" xmlns:ma14="http://schemas.microsoft.com/office/mac/drawingml/2011/main" val="1"/>
+              <ma14:wrappingTextBoxFlag xmlns:ma14="http://schemas.microsoft.com/office/mac/drawingml/2011/main" xmlns="" val="1"/>
             </a:ext>
           </a:extLst>
         </p:spPr>
@@ -5761,7 +5989,7 @@
           </a:ln>
           <a:extLst>
             <a:ext uri="{C572A759-6A51-4108-AA02-DFA0A04FC94B}">
-              <ma14:wrappingTextBoxFlag xmlns="" xmlns:ma14="http://schemas.microsoft.com/office/mac/drawingml/2011/main" val="1"/>
+              <ma14:wrappingTextBoxFlag xmlns:ma14="http://schemas.microsoft.com/office/mac/drawingml/2011/main" xmlns="" val="1"/>
             </a:ext>
           </a:extLst>
         </p:spPr>
@@ -5809,7 +6037,7 @@
           </a:ln>
           <a:extLst>
             <a:ext uri="{C572A759-6A51-4108-AA02-DFA0A04FC94B}">
-              <ma14:wrappingTextBoxFlag xmlns="" xmlns:ma14="http://schemas.microsoft.com/office/mac/drawingml/2011/main" val="1"/>
+              <ma14:wrappingTextBoxFlag xmlns:ma14="http://schemas.microsoft.com/office/mac/drawingml/2011/main" xmlns="" val="1"/>
             </a:ext>
           </a:extLst>
         </p:spPr>
@@ -5889,8 +6117,8 @@
         </p:nvSpPr>
         <p:spPr>
           <a:xfrm>
-            <a:off x="1907829" y="1774833"/>
-            <a:ext cx="10921556" cy="810478"/>
+            <a:off x="1212090" y="1039337"/>
+            <a:ext cx="2862954" cy="810478"/>
           </a:xfrm>
           <a:prstGeom prst="rect">
             <a:avLst/>
@@ -5900,12 +6128,12 @@
           </a:ln>
           <a:extLst>
             <a:ext uri="{C572A759-6A51-4108-AA02-DFA0A04FC94B}">
-              <ma14:wrappingTextBoxFlag xmlns="" xmlns:ma14="http://schemas.microsoft.com/office/mac/drawingml/2011/main" val="1"/>
+              <ma14:wrappingTextBoxFlag xmlns:ma14="http://schemas.microsoft.com/office/mac/drawingml/2011/main" xmlns="" val="1"/>
             </a:ext>
           </a:extLst>
         </p:spPr>
         <p:txBody>
-          <a:bodyPr lIns="50800" tIns="50800" rIns="50800" bIns="50800" anchor="ctr">
+          <a:bodyPr wrap="square" lIns="50800" tIns="50800" rIns="50800" bIns="50800" anchor="ctr">
             <a:spAutoFit/>
           </a:bodyPr>
           <a:lstStyle/>
@@ -5915,12 +6143,98 @@
             </a:pPr>
             <a:r>
               <a:rPr lang="en-US" dirty="0"/>
-              <a:t>Microsoft</a:t>
+              <a:t>SO</a:t>
             </a:r>
             <a:endParaRPr dirty="0"/>
           </a:p>
         </p:txBody>
       </p:sp>
+      <p:sp>
+        <p:nvSpPr>
+          <p:cNvPr id="9" name="A statically typed superset of JavaScript that compiles to plain JavaScript">
+            <a:extLst>
+              <a:ext uri="{FF2B5EF4-FFF2-40B4-BE49-F238E27FC236}">
+                <a16:creationId xmlns:a16="http://schemas.microsoft.com/office/drawing/2014/main" id="{582E3A2A-D0A3-504A-A1A6-2288B71ACABA}"/>
+              </a:ext>
+            </a:extLst>
+          </p:cNvPr>
+          <p:cNvSpPr txBox="1"/>
+          <p:nvPr/>
+        </p:nvSpPr>
+        <p:spPr>
+          <a:xfrm>
+            <a:off x="2875238" y="2394372"/>
+            <a:ext cx="7004258" cy="810478"/>
+          </a:xfrm>
+          <a:prstGeom prst="rect">
+            <a:avLst/>
+          </a:prstGeom>
+          <a:ln w="12700">
+            <a:miter lim="400000"/>
+          </a:ln>
+          <a:extLst>
+            <a:ext uri="{C572A759-6A51-4108-AA02-DFA0A04FC94B}">
+              <ma14:wrappingTextBoxFlag xmlns:ma14="http://schemas.microsoft.com/office/mac/drawingml/2011/main" xmlns="" val="1"/>
+            </a:ext>
+          </a:extLst>
+        </p:spPr>
+        <p:txBody>
+          <a:bodyPr wrap="square" lIns="50800" tIns="50800" rIns="50800" bIns="50800" anchor="ctr">
+            <a:spAutoFit/>
+          </a:bodyPr>
+          <a:lstStyle/>
+          <a:p>
+            <a:pPr lvl="1">
+              <a:defRPr sz="4600"/>
+            </a:pPr>
+            <a:r>
+              <a:rPr lang="en-US" dirty="0" err="1"/>
+              <a:t>TypeScript</a:t>
+            </a:r>
+            <a:r>
+              <a:rPr lang="en-US" dirty="0"/>
+              <a:t> </a:t>
+            </a:r>
+            <a:endParaRPr dirty="0"/>
+          </a:p>
+        </p:txBody>
+      </p:sp>
+      <p:pic>
+        <p:nvPicPr>
+          <p:cNvPr id="19" name="图片 18">
+            <a:extLst>
+              <a:ext uri="{FF2B5EF4-FFF2-40B4-BE49-F238E27FC236}">
+                <a16:creationId xmlns:a16="http://schemas.microsoft.com/office/drawing/2014/main" id="{802F0890-A9B6-BA45-98BB-D02932B4369F}"/>
+              </a:ext>
+            </a:extLst>
+          </p:cNvPr>
+          <p:cNvPicPr>
+            <a:picLocks noChangeAspect="1"/>
+          </p:cNvPicPr>
+          <p:nvPr/>
+        </p:nvPicPr>
+        <p:blipFill>
+          <a:blip r:embed="rId2">
+            <a:extLst>
+              <a:ext uri="{28A0092B-C50C-407E-A947-70E740481C1C}">
+                <a14:useLocalDpi xmlns:a14="http://schemas.microsoft.com/office/drawing/2010/main" val="0"/>
+              </a:ext>
+            </a:extLst>
+          </a:blip>
+          <a:stretch>
+            <a:fillRect/>
+          </a:stretch>
+        </p:blipFill>
+        <p:spPr>
+          <a:xfrm>
+            <a:off x="5633974" y="3749407"/>
+            <a:ext cx="7240778" cy="5112498"/>
+          </a:xfrm>
+          <a:prstGeom prst="rect">
+            <a:avLst/>
+          </a:prstGeom>
+        </p:spPr>
+      </p:pic>
     </p:spTree>
     <p:extLst>
       <p:ext uri="{BB962C8B-B14F-4D97-AF65-F5344CB8AC3E}">
@@ -5982,7 +6296,7 @@
           </a:ln>
           <a:extLst>
             <a:ext uri="{C572A759-6A51-4108-AA02-DFA0A04FC94B}">
-              <ma14:wrappingTextBoxFlag xmlns="" xmlns:ma14="http://schemas.microsoft.com/office/mac/drawingml/2011/main" val="1"/>
+              <ma14:wrappingTextBoxFlag xmlns:ma14="http://schemas.microsoft.com/office/mac/drawingml/2011/main" xmlns="" val="1"/>
             </a:ext>
           </a:extLst>
         </p:spPr>
@@ -6044,26 +6358,16 @@
           <a:chExt cx="0" cy="0"/>
         </a:xfrm>
       </p:grpSpPr>
-      <p:pic>
-        <p:nvPicPr>
-          <p:cNvPr id="149" name="693bf5a67c81cbe007fc83311f29571f.png" descr="693bf5a67c81cbe007fc83311f29571f.png"/>
-          <p:cNvPicPr>
-            <a:picLocks noChangeAspect="1"/>
-          </p:cNvPicPr>
+      <p:sp>
+        <p:nvSpPr>
+          <p:cNvPr id="147" name="A statically typed superset of JavaScript that compiles to plain JavaScript"/>
+          <p:cNvSpPr txBox="1"/>
           <p:nvPr/>
-        </p:nvPicPr>
-        <p:blipFill>
-          <a:blip r:embed="rId2">
-            <a:extLst/>
-          </a:blip>
-          <a:stretch>
-            <a:fillRect/>
-          </a:stretch>
-        </p:blipFill>
+        </p:nvSpPr>
         <p:spPr>
           <a:xfrm>
-            <a:off x="698500" y="1202480"/>
-            <a:ext cx="12700000" cy="7112002"/>
+            <a:off x="4306538" y="3897520"/>
+            <a:ext cx="6565678" cy="810478"/>
           </a:xfrm>
           <a:prstGeom prst="rect">
             <a:avLst/>
@@ -6071,9 +6375,221 @@
           <a:ln w="12700">
             <a:miter lim="400000"/>
           </a:ln>
-        </p:spPr>
-      </p:pic>
+          <a:extLst>
+            <a:ext uri="{C572A759-6A51-4108-AA02-DFA0A04FC94B}">
+              <ma14:wrappingTextBoxFlag xmlns:ma14="http://schemas.microsoft.com/office/mac/drawingml/2011/main" xmlns="" val="1"/>
+            </a:ext>
+          </a:extLst>
+        </p:spPr>
+        <p:txBody>
+          <a:bodyPr wrap="square" lIns="50800" tIns="50800" rIns="50800" bIns="50800" anchor="ctr">
+            <a:spAutoFit/>
+          </a:bodyPr>
+          <a:lstStyle/>
+          <a:p>
+            <a:pPr lvl="1">
+              <a:defRPr sz="4600"/>
+            </a:pPr>
+            <a:r>
+              <a:rPr lang="en-US" dirty="0"/>
+              <a:t>Compiles to JavaScript</a:t>
+            </a:r>
+            <a:endParaRPr dirty="0"/>
+          </a:p>
+        </p:txBody>
+      </p:sp>
+      <p:sp>
+        <p:nvSpPr>
+          <p:cNvPr id="3" name="A statically typed superset of JavaScript that compiles to plain JavaScript">
+            <a:extLst>
+              <a:ext uri="{FF2B5EF4-FFF2-40B4-BE49-F238E27FC236}">
+                <a16:creationId xmlns:a16="http://schemas.microsoft.com/office/drawing/2014/main" id="{6BCA6F83-9D77-3A4A-A125-16B91C1E4132}"/>
+              </a:ext>
+            </a:extLst>
+          </p:cNvPr>
+          <p:cNvSpPr txBox="1"/>
+          <p:nvPr/>
+        </p:nvSpPr>
+        <p:spPr>
+          <a:xfrm>
+            <a:off x="4379690" y="2769760"/>
+            <a:ext cx="6135910" cy="810478"/>
+          </a:xfrm>
+          <a:prstGeom prst="rect">
+            <a:avLst/>
+          </a:prstGeom>
+          <a:ln w="12700">
+            <a:miter lim="400000"/>
+          </a:ln>
+          <a:extLst>
+            <a:ext uri="{C572A759-6A51-4108-AA02-DFA0A04FC94B}">
+              <ma14:wrappingTextBoxFlag xmlns:ma14="http://schemas.microsoft.com/office/mac/drawingml/2011/main" xmlns="" val="1"/>
+            </a:ext>
+          </a:extLst>
+        </p:spPr>
+        <p:txBody>
+          <a:bodyPr wrap="square" lIns="50800" tIns="50800" rIns="50800" bIns="50800" anchor="ctr">
+            <a:spAutoFit/>
+          </a:bodyPr>
+          <a:lstStyle/>
+          <a:p>
+            <a:pPr lvl="1">
+              <a:defRPr sz="4600"/>
+            </a:pPr>
+            <a:r>
+              <a:rPr lang="en-US" dirty="0"/>
+              <a:t>Su</a:t>
+            </a:r>
+            <a:r>
+              <a:rPr dirty="0"/>
+              <a:t>perset of JavaScript</a:t>
+            </a:r>
+          </a:p>
+        </p:txBody>
+      </p:sp>
+      <p:sp>
+        <p:nvSpPr>
+          <p:cNvPr id="4" name="A statically typed superset of JavaScript that compiles to plain JavaScript">
+            <a:extLst>
+              <a:ext uri="{FF2B5EF4-FFF2-40B4-BE49-F238E27FC236}">
+                <a16:creationId xmlns:a16="http://schemas.microsoft.com/office/drawing/2014/main" id="{17D4DE1C-40D2-2148-BD71-379518F3ED4F}"/>
+              </a:ext>
+            </a:extLst>
+          </p:cNvPr>
+          <p:cNvSpPr txBox="1"/>
+          <p:nvPr/>
+        </p:nvSpPr>
+        <p:spPr>
+          <a:xfrm>
+            <a:off x="4379690" y="1642000"/>
+            <a:ext cx="4636294" cy="810478"/>
+          </a:xfrm>
+          <a:prstGeom prst="rect">
+            <a:avLst/>
+          </a:prstGeom>
+          <a:ln w="12700">
+            <a:miter lim="400000"/>
+          </a:ln>
+          <a:extLst>
+            <a:ext uri="{C572A759-6A51-4108-AA02-DFA0A04FC94B}">
+              <ma14:wrappingTextBoxFlag xmlns:ma14="http://schemas.microsoft.com/office/mac/drawingml/2011/main" xmlns="" val="1"/>
+            </a:ext>
+          </a:extLst>
+        </p:spPr>
+        <p:txBody>
+          <a:bodyPr wrap="square" lIns="50800" tIns="50800" rIns="50800" bIns="50800" anchor="ctr">
+            <a:spAutoFit/>
+          </a:bodyPr>
+          <a:lstStyle/>
+          <a:p>
+            <a:pPr lvl="1">
+              <a:defRPr sz="4600"/>
+            </a:pPr>
+            <a:r>
+              <a:rPr dirty="0"/>
+              <a:t>A statically typed</a:t>
+            </a:r>
+          </a:p>
+        </p:txBody>
+      </p:sp>
+      <p:sp>
+        <p:nvSpPr>
+          <p:cNvPr id="6" name="A statically typed superset of JavaScript that compiles to plain JavaScript">
+            <a:extLst>
+              <a:ext uri="{FF2B5EF4-FFF2-40B4-BE49-F238E27FC236}">
+                <a16:creationId xmlns:a16="http://schemas.microsoft.com/office/drawing/2014/main" id="{3EB1B351-0265-DC42-861D-296D52157218}"/>
+              </a:ext>
+            </a:extLst>
+          </p:cNvPr>
+          <p:cNvSpPr txBox="1"/>
+          <p:nvPr/>
+        </p:nvSpPr>
+        <p:spPr>
+          <a:xfrm>
+            <a:off x="4379690" y="5025280"/>
+            <a:ext cx="6565678" cy="810478"/>
+          </a:xfrm>
+          <a:prstGeom prst="rect">
+            <a:avLst/>
+          </a:prstGeom>
+          <a:ln w="12700">
+            <a:miter lim="400000"/>
+          </a:ln>
+          <a:extLst>
+            <a:ext uri="{C572A759-6A51-4108-AA02-DFA0A04FC94B}">
+              <ma14:wrappingTextBoxFlag xmlns:ma14="http://schemas.microsoft.com/office/mac/drawingml/2011/main" xmlns="" val="1"/>
+            </a:ext>
+          </a:extLst>
+        </p:spPr>
+        <p:txBody>
+          <a:bodyPr wrap="square" lIns="50800" tIns="50800" rIns="50800" bIns="50800" anchor="ctr">
+            <a:spAutoFit/>
+          </a:bodyPr>
+          <a:lstStyle/>
+          <a:p>
+            <a:pPr lvl="1">
+              <a:defRPr sz="4600"/>
+            </a:pPr>
+            <a:r>
+              <a:rPr lang="en-US" dirty="0"/>
+              <a:t>Optionally typed</a:t>
+            </a:r>
+            <a:endParaRPr dirty="0"/>
+          </a:p>
+        </p:txBody>
+      </p:sp>
+      <p:sp>
+        <p:nvSpPr>
+          <p:cNvPr id="7" name="A statically typed superset of JavaScript that compiles to plain JavaScript">
+            <a:extLst>
+              <a:ext uri="{FF2B5EF4-FFF2-40B4-BE49-F238E27FC236}">
+                <a16:creationId xmlns:a16="http://schemas.microsoft.com/office/drawing/2014/main" id="{B31019FC-8F7A-1448-9583-A9B2121E4408}"/>
+              </a:ext>
+            </a:extLst>
+          </p:cNvPr>
+          <p:cNvSpPr txBox="1"/>
+          <p:nvPr/>
+        </p:nvSpPr>
+        <p:spPr>
+          <a:xfrm>
+            <a:off x="4379690" y="6153040"/>
+            <a:ext cx="6565678" cy="810478"/>
+          </a:xfrm>
+          <a:prstGeom prst="rect">
+            <a:avLst/>
+          </a:prstGeom>
+          <a:ln w="12700">
+            <a:miter lim="400000"/>
+          </a:ln>
+          <a:extLst>
+            <a:ext uri="{C572A759-6A51-4108-AA02-DFA0A04FC94B}">
+              <ma14:wrappingTextBoxFlag xmlns:ma14="http://schemas.microsoft.com/office/mac/drawingml/2011/main" xmlns="" val="1"/>
+            </a:ext>
+          </a:extLst>
+        </p:spPr>
+        <p:txBody>
+          <a:bodyPr wrap="square" lIns="50800" tIns="50800" rIns="50800" bIns="50800" anchor="ctr">
+            <a:spAutoFit/>
+          </a:bodyPr>
+          <a:lstStyle/>
+          <a:p>
+            <a:pPr lvl="1">
+              <a:defRPr sz="4600"/>
+            </a:pPr>
+            <a:r>
+              <a:rPr lang="en-US" dirty="0"/>
+              <a:t>No special runtime</a:t>
+            </a:r>
+            <a:endParaRPr dirty="0"/>
+          </a:p>
+        </p:txBody>
+      </p:sp>
     </p:spTree>
+    <p:extLst>
+      <p:ext uri="{BB962C8B-B14F-4D97-AF65-F5344CB8AC3E}">
+        <p14:creationId xmlns:p14="http://schemas.microsoft.com/office/powerpoint/2010/main" val="146631928"/>
+      </p:ext>
+    </p:extLst>
   </p:cSld>
   <p:clrMapOvr>
     <a:masterClrMapping/>
